--- a/MidPresentation_Andy_Or.pptx
+++ b/MidPresentation_Andy_Or.pptx
@@ -5,25 +5,30 @@
     <p:sldMasterId id="2147483708" r:id="rId1"/>
   </p:sldMasterIdLst>
   <p:notesMasterIdLst>
-    <p:notesMasterId r:id="rId15"/>
+    <p:notesMasterId r:id="rId20"/>
   </p:notesMasterIdLst>
   <p:handoutMasterIdLst>
-    <p:handoutMasterId r:id="rId16"/>
+    <p:handoutMasterId r:id="rId21"/>
   </p:handoutMasterIdLst>
   <p:sldIdLst>
     <p:sldId id="288" r:id="rId2"/>
     <p:sldId id="291" r:id="rId3"/>
     <p:sldId id="300" r:id="rId4"/>
     <p:sldId id="289" r:id="rId5"/>
-    <p:sldId id="303" r:id="rId6"/>
-    <p:sldId id="292" r:id="rId7"/>
-    <p:sldId id="301" r:id="rId8"/>
-    <p:sldId id="302" r:id="rId9"/>
-    <p:sldId id="293" r:id="rId10"/>
-    <p:sldId id="295" r:id="rId11"/>
-    <p:sldId id="296" r:id="rId12"/>
-    <p:sldId id="299" r:id="rId13"/>
-    <p:sldId id="298" r:id="rId14"/>
+    <p:sldId id="304" r:id="rId6"/>
+    <p:sldId id="305" r:id="rId7"/>
+    <p:sldId id="303" r:id="rId8"/>
+    <p:sldId id="306" r:id="rId9"/>
+    <p:sldId id="292" r:id="rId10"/>
+    <p:sldId id="301" r:id="rId11"/>
+    <p:sldId id="302" r:id="rId12"/>
+    <p:sldId id="293" r:id="rId13"/>
+    <p:sldId id="307" r:id="rId14"/>
+    <p:sldId id="308" r:id="rId15"/>
+    <p:sldId id="295" r:id="rId16"/>
+    <p:sldId id="296" r:id="rId17"/>
+    <p:sldId id="299" r:id="rId18"/>
+    <p:sldId id="298" r:id="rId19"/>
   </p:sldIdLst>
   <p:sldSz cx="9144000" cy="6858000" type="screen4x3"/>
   <p:notesSz cx="7010400" cy="9296400"/>
@@ -155,37 +160,9 @@
 
 <file path=ppt/comments/comment1.xml><?xml version="1.0" encoding="utf-8"?>
 <p:cmLst xmlns:a="http://schemas.openxmlformats.org/drawingml/2006/main" xmlns:r="http://schemas.openxmlformats.org/officeDocument/2006/relationships" xmlns:p="http://schemas.openxmlformats.org/presentationml/2006/main">
-  <p:cm authorId="1" dt="2016-08-31T15:04:18.308" idx="1">
-    <p:pos x="10" y="10"/>
-    <p:text>Background slides may appear before the project goal slide if it's not poossible to understand the project goal without the background.</p:text>
-    <p:extLst>
-      <p:ext uri="{C676402C-5697-4E1C-873F-D02D1690AC5C}">
-        <p15:threadingInfo xmlns:p15="http://schemas.microsoft.com/office/powerpoint/2012/main" timeZoneBias="-180"/>
-      </p:ext>
-    </p:extLst>
-  </p:cm>
-</p:cmLst>
-</file>
-
-<file path=ppt/comments/comment2.xml><?xml version="1.0" encoding="utf-8"?>
-<p:cmLst xmlns:a="http://schemas.openxmlformats.org/drawingml/2006/main" xmlns:r="http://schemas.openxmlformats.org/officeDocument/2006/relationships" xmlns:p="http://schemas.openxmlformats.org/presentationml/2006/main">
   <p:cm authorId="1" dt="2016-08-31T15:07:40.279" idx="2">
     <p:pos x="10" y="10"/>
     <p:text>In these slides don't forget to give references to previous works, for example: [Cohen &amp; Levi, 2010] or [Cohen et al, 2013]</p:text>
-    <p:extLst>
-      <p:ext uri="{C676402C-5697-4E1C-873F-D02D1690AC5C}">
-        <p15:threadingInfo xmlns:p15="http://schemas.microsoft.com/office/powerpoint/2012/main" timeZoneBias="-180"/>
-      </p:ext>
-    </p:extLst>
-  </p:cm>
-</p:cmLst>
-</file>
-
-<file path=ppt/comments/comment3.xml><?xml version="1.0" encoding="utf-8"?>
-<p:cmLst xmlns:a="http://schemas.openxmlformats.org/drawingml/2006/main" xmlns:r="http://schemas.openxmlformats.org/officeDocument/2006/relationships" xmlns:p="http://schemas.openxmlformats.org/presentationml/2006/main">
-  <p:cm authorId="1" dt="2016-08-31T15:19:26.336" idx="4">
-    <p:pos x="10" y="10"/>
-    <p:text>If this is a midterm presentation, you should list things you intend to do until the end of your project. If this is a final presentation, you should list points of possible improvements for a future project or activity.</p:text>
     <p:extLst>
       <p:ext uri="{C676402C-5697-4E1C-873F-D02D1690AC5C}">
         <p15:threadingInfo xmlns:p15="http://schemas.microsoft.com/office/powerpoint/2012/main" timeZoneBias="-180"/>
@@ -278,7 +255,7 @@
             <a:fld id="{C9B6F397-9295-4C9F-B4B0-31BF9D08FE68}" type="datetimeFigureOut">
               <a:rPr lang="he-IL" smtClean="0"/>
               <a:pPr/>
-              <a:t>ד'/טבת/תש"פ</a:t>
+              <a:t>ה'/טבת/תש"פ</a:t>
             </a:fld>
             <a:endParaRPr lang="he-IL"/>
           </a:p>
@@ -311,7 +288,10 @@
             </a:lvl1pPr>
           </a:lstStyle>
           <a:p>
-            <a:endParaRPr lang="he-IL"/>
+            <a:r>
+              <a:rPr lang="he-IL"/>
+              <a:t>2</a:t>
+            </a:r>
           </a:p>
         </p:txBody>
       </p:sp>
@@ -359,6 +339,7 @@
     </p:extLst>
   </p:cSld>
   <p:clrMap bg1="lt1" tx1="dk1" bg2="lt2" tx2="dk2" accent1="accent1" accent2="accent2" accent3="accent3" accent4="accent4" accent5="accent5" accent6="accent6" hlink="hlink" folHlink="folHlink"/>
+  <p:hf hdr="0" dt="0"/>
 </p:handoutMaster>
 </file>
 
@@ -445,7 +426,7 @@
             <a:fld id="{543B7BDA-9DDC-4E4C-973D-E4A3E66645CD}" type="datetimeFigureOut">
               <a:rPr lang="he-IL" smtClean="0"/>
               <a:pPr/>
-              <a:t>ד'/טבת/תש"פ</a:t>
+              <a:t>ה'/טבת/תש"פ</a:t>
             </a:fld>
             <a:endParaRPr lang="he-IL"/>
           </a:p>
@@ -571,7 +552,10 @@
             </a:lvl1pPr>
           </a:lstStyle>
           <a:p>
-            <a:endParaRPr lang="he-IL"/>
+            <a:r>
+              <a:rPr lang="he-IL"/>
+              <a:t>2</a:t>
+            </a:r>
           </a:p>
         </p:txBody>
       </p:sp>
@@ -619,6 +603,7 @@
     </p:extLst>
   </p:cSld>
   <p:clrMap bg1="lt1" tx1="dk1" bg2="lt2" tx2="dk2" accent1="accent1" accent2="accent2" accent3="accent3" accent4="accent4" accent5="accent5" accent6="accent6" hlink="hlink" folHlink="folHlink"/>
+  <p:hf hdr="0" dt="0"/>
   <p:notesStyle>
     <a:lvl1pPr marL="0" algn="r" defTabSz="914400" rtl="1" eaLnBrk="1" latinLnBrk="0" hangingPunct="1">
       <a:defRPr sz="1200" kern="1200">
@@ -786,10 +771,280 @@
           </a:p>
         </p:txBody>
       </p:sp>
+      <p:sp>
+        <p:nvSpPr>
+          <p:cNvPr id="5" name="Footer Placeholder 4">
+            <a:extLst>
+              <a:ext uri="{FF2B5EF4-FFF2-40B4-BE49-F238E27FC236}">
+                <a16:creationId xmlns:a16="http://schemas.microsoft.com/office/drawing/2014/main" id="{C3D93C39-8E99-4902-84FB-EE0895E08382}"/>
+              </a:ext>
+            </a:extLst>
+          </p:cNvPr>
+          <p:cNvSpPr>
+            <a:spLocks noGrp="1"/>
+          </p:cNvSpPr>
+          <p:nvPr>
+            <p:ph type="ftr" sz="quarter" idx="4"/>
+          </p:nvPr>
+        </p:nvSpPr>
+        <p:spPr/>
+        <p:txBody>
+          <a:bodyPr/>
+          <a:lstStyle/>
+          <a:p>
+            <a:r>
+              <a:rPr lang="he-IL"/>
+              <a:t>2</a:t>
+            </a:r>
+          </a:p>
+        </p:txBody>
+      </p:sp>
     </p:spTree>
     <p:extLst>
       <p:ext uri="{BB962C8B-B14F-4D97-AF65-F5344CB8AC3E}">
         <p14:creationId xmlns:p14="http://schemas.microsoft.com/office/powerpoint/2010/main" val="3398143206"/>
+      </p:ext>
+    </p:extLst>
+  </p:cSld>
+  <p:clrMapOvr>
+    <a:masterClrMapping/>
+  </p:clrMapOvr>
+</p:notes>
+</file>
+
+<file path=ppt/notesSlides/notesSlide10.xml><?xml version="1.0" encoding="utf-8"?>
+<p:notes xmlns:a="http://schemas.openxmlformats.org/drawingml/2006/main" xmlns:r="http://schemas.openxmlformats.org/officeDocument/2006/relationships" xmlns:p="http://schemas.openxmlformats.org/presentationml/2006/main">
+  <p:cSld>
+    <p:spTree>
+      <p:nvGrpSpPr>
+        <p:cNvPr id="1" name=""/>
+        <p:cNvGrpSpPr/>
+        <p:nvPr/>
+      </p:nvGrpSpPr>
+      <p:grpSpPr>
+        <a:xfrm>
+          <a:off x="0" y="0"/>
+          <a:ext cx="0" cy="0"/>
+          <a:chOff x="0" y="0"/>
+          <a:chExt cx="0" cy="0"/>
+        </a:xfrm>
+      </p:grpSpPr>
+      <p:sp>
+        <p:nvSpPr>
+          <p:cNvPr id="2" name="Slide Image Placeholder 1"/>
+          <p:cNvSpPr>
+            <a:spLocks noGrp="1" noRot="1" noChangeAspect="1"/>
+          </p:cNvSpPr>
+          <p:nvPr>
+            <p:ph type="sldImg"/>
+          </p:nvPr>
+        </p:nvSpPr>
+        <p:spPr/>
+      </p:sp>
+      <p:sp>
+        <p:nvSpPr>
+          <p:cNvPr id="3" name="Notes Placeholder 2"/>
+          <p:cNvSpPr>
+            <a:spLocks noGrp="1"/>
+          </p:cNvSpPr>
+          <p:nvPr>
+            <p:ph type="body" idx="1"/>
+          </p:nvPr>
+        </p:nvSpPr>
+        <p:spPr/>
+        <p:txBody>
+          <a:bodyPr/>
+          <a:lstStyle/>
+          <a:p>
+            <a:r>
+              <a:rPr lang="he-IL" dirty="0"/>
+              <a:t>אולי לפרט את התוצאות בפורמט </a:t>
+            </a:r>
+            <a:r>
+              <a:rPr lang="en-US" dirty="0"/>
+              <a:t>SPECIFICITY</a:t>
+            </a:r>
+            <a:r>
+              <a:rPr lang="he-IL" dirty="0"/>
+              <a:t> וכד' – בעיית המכ"מ</a:t>
+            </a:r>
+            <a:endParaRPr lang="en-US" dirty="0"/>
+          </a:p>
+        </p:txBody>
+      </p:sp>
+      <p:sp>
+        <p:nvSpPr>
+          <p:cNvPr id="4" name="Slide Number Placeholder 3"/>
+          <p:cNvSpPr>
+            <a:spLocks noGrp="1"/>
+          </p:cNvSpPr>
+          <p:nvPr>
+            <p:ph type="sldNum" sz="quarter" idx="5"/>
+          </p:nvPr>
+        </p:nvSpPr>
+        <p:spPr/>
+        <p:txBody>
+          <a:bodyPr/>
+          <a:lstStyle/>
+          <a:p>
+            <a:fld id="{C8C92D0D-AF30-4211-86C4-A3B87597F349}" type="slidenum">
+              <a:rPr lang="he-IL" smtClean="0"/>
+              <a:pPr/>
+              <a:t>15</a:t>
+            </a:fld>
+            <a:endParaRPr lang="he-IL"/>
+          </a:p>
+        </p:txBody>
+      </p:sp>
+      <p:sp>
+        <p:nvSpPr>
+          <p:cNvPr id="5" name="Footer Placeholder 4">
+            <a:extLst>
+              <a:ext uri="{FF2B5EF4-FFF2-40B4-BE49-F238E27FC236}">
+                <a16:creationId xmlns:a16="http://schemas.microsoft.com/office/drawing/2014/main" id="{D22B5138-94C3-4ACE-9C44-BB76032A6EB9}"/>
+              </a:ext>
+            </a:extLst>
+          </p:cNvPr>
+          <p:cNvSpPr>
+            <a:spLocks noGrp="1"/>
+          </p:cNvSpPr>
+          <p:nvPr>
+            <p:ph type="ftr" sz="quarter" idx="4"/>
+          </p:nvPr>
+        </p:nvSpPr>
+        <p:spPr/>
+        <p:txBody>
+          <a:bodyPr/>
+          <a:lstStyle/>
+          <a:p>
+            <a:r>
+              <a:rPr lang="he-IL"/>
+              <a:t>2</a:t>
+            </a:r>
+          </a:p>
+        </p:txBody>
+      </p:sp>
+    </p:spTree>
+    <p:extLst>
+      <p:ext uri="{BB962C8B-B14F-4D97-AF65-F5344CB8AC3E}">
+        <p14:creationId xmlns:p14="http://schemas.microsoft.com/office/powerpoint/2010/main" val="1648461225"/>
+      </p:ext>
+    </p:extLst>
+  </p:cSld>
+  <p:clrMapOvr>
+    <a:masterClrMapping/>
+  </p:clrMapOvr>
+</p:notes>
+</file>
+
+<file path=ppt/notesSlides/notesSlide11.xml><?xml version="1.0" encoding="utf-8"?>
+<p:notes xmlns:a="http://schemas.openxmlformats.org/drawingml/2006/main" xmlns:r="http://schemas.openxmlformats.org/officeDocument/2006/relationships" xmlns:p="http://schemas.openxmlformats.org/presentationml/2006/main">
+  <p:cSld>
+    <p:spTree>
+      <p:nvGrpSpPr>
+        <p:cNvPr id="1" name=""/>
+        <p:cNvGrpSpPr/>
+        <p:nvPr/>
+      </p:nvGrpSpPr>
+      <p:grpSpPr>
+        <a:xfrm>
+          <a:off x="0" y="0"/>
+          <a:ext cx="0" cy="0"/>
+          <a:chOff x="0" y="0"/>
+          <a:chExt cx="0" cy="0"/>
+        </a:xfrm>
+      </p:grpSpPr>
+      <p:sp>
+        <p:nvSpPr>
+          <p:cNvPr id="2" name="Slide Image Placeholder 1"/>
+          <p:cNvSpPr>
+            <a:spLocks noGrp="1" noRot="1" noChangeAspect="1"/>
+          </p:cNvSpPr>
+          <p:nvPr>
+            <p:ph type="sldImg"/>
+          </p:nvPr>
+        </p:nvSpPr>
+        <p:spPr/>
+      </p:sp>
+      <p:sp>
+        <p:nvSpPr>
+          <p:cNvPr id="3" name="Notes Placeholder 2"/>
+          <p:cNvSpPr>
+            <a:spLocks noGrp="1"/>
+          </p:cNvSpPr>
+          <p:nvPr>
+            <p:ph type="body" idx="1"/>
+          </p:nvPr>
+        </p:nvSpPr>
+        <p:spPr/>
+        <p:txBody>
+          <a:bodyPr/>
+          <a:lstStyle/>
+          <a:p>
+            <a:r>
+              <a:rPr lang="he-IL" dirty="0"/>
+              <a:t>בולט שלישי –לציין את הבעייתיות שבעבודה עם הדאטסטים השונים. ייתכן שיידרש שיפוץ</a:t>
+            </a:r>
+            <a:endParaRPr lang="en-US" dirty="0"/>
+          </a:p>
+        </p:txBody>
+      </p:sp>
+      <p:sp>
+        <p:nvSpPr>
+          <p:cNvPr id="4" name="Slide Number Placeholder 3"/>
+          <p:cNvSpPr>
+            <a:spLocks noGrp="1"/>
+          </p:cNvSpPr>
+          <p:nvPr>
+            <p:ph type="sldNum" sz="quarter" idx="5"/>
+          </p:nvPr>
+        </p:nvSpPr>
+        <p:spPr/>
+        <p:txBody>
+          <a:bodyPr/>
+          <a:lstStyle/>
+          <a:p>
+            <a:fld id="{C8C92D0D-AF30-4211-86C4-A3B87597F349}" type="slidenum">
+              <a:rPr lang="he-IL" smtClean="0"/>
+              <a:pPr/>
+              <a:t>16</a:t>
+            </a:fld>
+            <a:endParaRPr lang="he-IL"/>
+          </a:p>
+        </p:txBody>
+      </p:sp>
+      <p:sp>
+        <p:nvSpPr>
+          <p:cNvPr id="5" name="Footer Placeholder 4">
+            <a:extLst>
+              <a:ext uri="{FF2B5EF4-FFF2-40B4-BE49-F238E27FC236}">
+                <a16:creationId xmlns:a16="http://schemas.microsoft.com/office/drawing/2014/main" id="{47D3E8D4-7DE4-457D-948D-A9D1C55C79C0}"/>
+              </a:ext>
+            </a:extLst>
+          </p:cNvPr>
+          <p:cNvSpPr>
+            <a:spLocks noGrp="1"/>
+          </p:cNvSpPr>
+          <p:nvPr>
+            <p:ph type="ftr" sz="quarter" idx="4"/>
+          </p:nvPr>
+        </p:nvSpPr>
+        <p:spPr/>
+        <p:txBody>
+          <a:bodyPr/>
+          <a:lstStyle/>
+          <a:p>
+            <a:r>
+              <a:rPr lang="he-IL"/>
+              <a:t>2</a:t>
+            </a:r>
+          </a:p>
+        </p:txBody>
+      </p:sp>
+    </p:spTree>
+    <p:extLst>
+      <p:ext uri="{BB962C8B-B14F-4D97-AF65-F5344CB8AC3E}">
+        <p14:creationId xmlns:p14="http://schemas.microsoft.com/office/powerpoint/2010/main" val="4156227241"/>
       </p:ext>
     </p:extLst>
   </p:cSld>
@@ -871,6 +1126,34 @@
               <a:t>2</a:t>
             </a:fld>
             <a:endParaRPr lang="he-IL"/>
+          </a:p>
+        </p:txBody>
+      </p:sp>
+      <p:sp>
+        <p:nvSpPr>
+          <p:cNvPr id="5" name="Footer Placeholder 4">
+            <a:extLst>
+              <a:ext uri="{FF2B5EF4-FFF2-40B4-BE49-F238E27FC236}">
+                <a16:creationId xmlns:a16="http://schemas.microsoft.com/office/drawing/2014/main" id="{505FEF71-A21C-413A-98FA-3ACA2E5973C0}"/>
+              </a:ext>
+            </a:extLst>
+          </p:cNvPr>
+          <p:cNvSpPr>
+            <a:spLocks noGrp="1"/>
+          </p:cNvSpPr>
+          <p:nvPr>
+            <p:ph type="ftr" sz="quarter" idx="4"/>
+          </p:nvPr>
+        </p:nvSpPr>
+        <p:spPr/>
+        <p:txBody>
+          <a:bodyPr/>
+          <a:lstStyle/>
+          <a:p>
+            <a:r>
+              <a:rPr lang="he-IL"/>
+              <a:t>2</a:t>
+            </a:r>
           </a:p>
         </p:txBody>
       </p:sp>
@@ -933,46 +1216,8 @@
           <a:p>
             <a:r>
               <a:rPr lang="en-US" dirty="0"/>
-              <a:t>RSNA </a:t>
-            </a:r>
-            <a:r>
-              <a:rPr lang="he-IL" dirty="0"/>
-              <a:t>– החברה הצפון האמריקאית לרדיולוגיה</a:t>
-            </a:r>
-            <a:endParaRPr lang="en-US" dirty="0"/>
-          </a:p>
-          <a:p>
-            <a:r>
-              <a:rPr lang="en-US" dirty="0"/>
-              <a:t>CHEXPERT</a:t>
-            </a:r>
-            <a:r>
-              <a:rPr lang="he-IL" dirty="0"/>
-              <a:t>- הדאטה נאסף מ65,000 פציינטים</a:t>
-            </a:r>
-            <a:endParaRPr lang="en-US" dirty="0"/>
-          </a:p>
-          <a:p>
-            <a:r>
-              <a:rPr lang="he-IL" dirty="0"/>
-              <a:t>חלק מהפציינטים סווגו עבור הפרעה א' אבל לא עבור הפרעה ב' לכן הסכום בבולט השלישי לא 200,000</a:t>
-            </a:r>
-            <a:endParaRPr lang="en-US" dirty="0"/>
-          </a:p>
-          <a:p>
-            <a:r>
-              <a:rPr lang="he-IL" dirty="0"/>
-              <a:t>מציאת </a:t>
-            </a:r>
-            <a:r>
-              <a:rPr lang="en-US" dirty="0"/>
-              <a:t>AUC</a:t>
-            </a:r>
-            <a:r>
-              <a:rPr lang="he-IL" dirty="0"/>
-              <a:t> עבור הבולט השני</a:t>
-            </a:r>
-            <a:endParaRPr lang="en-US" dirty="0"/>
+              <a:t>March 18</a:t>
+            </a:r>
           </a:p>
         </p:txBody>
       </p:sp>
@@ -1000,10 +1245,38 @@
           </a:p>
         </p:txBody>
       </p:sp>
+      <p:sp>
+        <p:nvSpPr>
+          <p:cNvPr id="5" name="Footer Placeholder 4">
+            <a:extLst>
+              <a:ext uri="{FF2B5EF4-FFF2-40B4-BE49-F238E27FC236}">
+                <a16:creationId xmlns:a16="http://schemas.microsoft.com/office/drawing/2014/main" id="{46A56810-4239-4E06-994C-98EEFAA097A2}"/>
+              </a:ext>
+            </a:extLst>
+          </p:cNvPr>
+          <p:cNvSpPr>
+            <a:spLocks noGrp="1"/>
+          </p:cNvSpPr>
+          <p:nvPr>
+            <p:ph type="ftr" sz="quarter" idx="4"/>
+          </p:nvPr>
+        </p:nvSpPr>
+        <p:spPr/>
+        <p:txBody>
+          <a:bodyPr/>
+          <a:lstStyle/>
+          <a:p>
+            <a:r>
+              <a:rPr lang="he-IL"/>
+              <a:t>2</a:t>
+            </a:r>
+          </a:p>
+        </p:txBody>
+      </p:sp>
     </p:spTree>
     <p:extLst>
       <p:ext uri="{BB962C8B-B14F-4D97-AF65-F5344CB8AC3E}">
-        <p14:creationId xmlns:p14="http://schemas.microsoft.com/office/powerpoint/2010/main" val="2299966286"/>
+        <p14:creationId xmlns:p14="http://schemas.microsoft.com/office/powerpoint/2010/main" val="2599285607"/>
       </p:ext>
     </p:extLst>
   </p:cSld>
@@ -1058,16 +1331,27 @@
           <a:lstStyle/>
           <a:p>
             <a:r>
+              <a:rPr lang="en-US" dirty="0"/>
+              <a:t>RSNA </a:t>
+            </a:r>
+            <a:r>
               <a:rPr lang="he-IL" dirty="0"/>
-              <a:t>נדרש להרחיב על הבולט הראשון – מדובר בשיטות סגמנטציה בעזרת ראייה ממוחשבת</a:t>
-            </a:r>
+              <a:t>– החברה הצפון האמריקאית לרדיולוגיה</a:t>
+            </a:r>
+            <a:endParaRPr lang="en-US" dirty="0"/>
           </a:p>
           <a:p>
             <a:r>
               <a:rPr lang="he-IL" dirty="0"/>
-              <a:t>הרחבה על הבולט השני – להסביר במה מדובר ואת הטבלה</a:t>
+              <a:t>הציעו את האתגר לאחר שיצא הדאטה-סט הראשון</a:t>
             </a:r>
             <a:endParaRPr lang="en-US" dirty="0"/>
+          </a:p>
+          <a:p>
+            <a:r>
+              <a:rPr lang="en-US" dirty="0"/>
+              <a:t>Closed a year ago</a:t>
+            </a:r>
           </a:p>
         </p:txBody>
       </p:sp>
@@ -1089,16 +1373,44 @@
             <a:fld id="{C8C92D0D-AF30-4211-86C4-A3B87597F349}" type="slidenum">
               <a:rPr lang="he-IL" smtClean="0"/>
               <a:pPr/>
-              <a:t>8</a:t>
+              <a:t>6</a:t>
             </a:fld>
             <a:endParaRPr lang="he-IL"/>
+          </a:p>
+        </p:txBody>
+      </p:sp>
+      <p:sp>
+        <p:nvSpPr>
+          <p:cNvPr id="5" name="Footer Placeholder 4">
+            <a:extLst>
+              <a:ext uri="{FF2B5EF4-FFF2-40B4-BE49-F238E27FC236}">
+                <a16:creationId xmlns:a16="http://schemas.microsoft.com/office/drawing/2014/main" id="{F1B846EA-2635-40F4-912F-3C058728FFC0}"/>
+              </a:ext>
+            </a:extLst>
+          </p:cNvPr>
+          <p:cNvSpPr>
+            <a:spLocks noGrp="1"/>
+          </p:cNvSpPr>
+          <p:nvPr>
+            <p:ph type="ftr" sz="quarter" idx="4"/>
+          </p:nvPr>
+        </p:nvSpPr>
+        <p:spPr/>
+        <p:txBody>
+          <a:bodyPr/>
+          <a:lstStyle/>
+          <a:p>
+            <a:r>
+              <a:rPr lang="he-IL"/>
+              <a:t>2</a:t>
+            </a:r>
           </a:p>
         </p:txBody>
       </p:sp>
     </p:spTree>
     <p:extLst>
       <p:ext uri="{BB962C8B-B14F-4D97-AF65-F5344CB8AC3E}">
-        <p14:creationId xmlns:p14="http://schemas.microsoft.com/office/powerpoint/2010/main" val="3966368392"/>
+        <p14:creationId xmlns:p14="http://schemas.microsoft.com/office/powerpoint/2010/main" val="223982526"/>
       </p:ext>
     </p:extLst>
   </p:cSld>
@@ -1153,10 +1465,29 @@
           <a:lstStyle/>
           <a:p>
             <a:r>
+              <a:rPr lang="en-US" dirty="0"/>
+              <a:t>CHEXPERT</a:t>
+            </a:r>
+            <a:r>
               <a:rPr lang="he-IL" dirty="0"/>
-              <a:t>אולי להרחיב במעט על הרשתות הידועות ומדוע בחרנו בהן</a:t>
-            </a:r>
-            <a:endParaRPr lang="en-US" dirty="0"/>
+              <a:t>- הדאטה נאסף מ65,000 פציינטים. סט משופר מהקודם, בוצעה וריפיקציה של ה</a:t>
+            </a:r>
+            <a:r>
+              <a:rPr lang="en-US" dirty="0"/>
+              <a:t>LABELS</a:t>
+            </a:r>
+          </a:p>
+          <a:p>
+            <a:r>
+              <a:rPr lang="he-IL" dirty="0"/>
+              <a:t>בולט שלישי- מאחר שקיימת חפיפה בין לייבלים מסויימים, ומסיבות נוספות, המספרים לא מסתדרים כפי שהיינו מצפים</a:t>
+            </a:r>
+          </a:p>
+          <a:p>
+            <a:r>
+              <a:rPr lang="en-US" dirty="0"/>
+              <a:t>September 19</a:t>
+            </a:r>
           </a:p>
         </p:txBody>
       </p:sp>
@@ -1178,16 +1509,44 @@
             <a:fld id="{C8C92D0D-AF30-4211-86C4-A3B87597F349}" type="slidenum">
               <a:rPr lang="he-IL" smtClean="0"/>
               <a:pPr/>
-              <a:t>9</a:t>
+              <a:t>7</a:t>
             </a:fld>
             <a:endParaRPr lang="he-IL"/>
+          </a:p>
+        </p:txBody>
+      </p:sp>
+      <p:sp>
+        <p:nvSpPr>
+          <p:cNvPr id="5" name="Footer Placeholder 4">
+            <a:extLst>
+              <a:ext uri="{FF2B5EF4-FFF2-40B4-BE49-F238E27FC236}">
+                <a16:creationId xmlns:a16="http://schemas.microsoft.com/office/drawing/2014/main" id="{E019C9B4-BB72-4AD5-BF7A-19B88CABF0C0}"/>
+              </a:ext>
+            </a:extLst>
+          </p:cNvPr>
+          <p:cNvSpPr>
+            <a:spLocks noGrp="1"/>
+          </p:cNvSpPr>
+          <p:nvPr>
+            <p:ph type="ftr" sz="quarter" idx="4"/>
+          </p:nvPr>
+        </p:nvSpPr>
+        <p:spPr/>
+        <p:txBody>
+          <a:bodyPr/>
+          <a:lstStyle/>
+          <a:p>
+            <a:r>
+              <a:rPr lang="he-IL"/>
+              <a:t>2</a:t>
+            </a:r>
           </a:p>
         </p:txBody>
       </p:sp>
     </p:spTree>
     <p:extLst>
       <p:ext uri="{BB962C8B-B14F-4D97-AF65-F5344CB8AC3E}">
-        <p14:creationId xmlns:p14="http://schemas.microsoft.com/office/powerpoint/2010/main" val="1306353171"/>
+        <p14:creationId xmlns:p14="http://schemas.microsoft.com/office/powerpoint/2010/main" val="2299966286"/>
       </p:ext>
     </p:extLst>
   </p:cSld>
@@ -1243,7 +1602,13 @@
           <a:p>
             <a:r>
               <a:rPr lang="he-IL" dirty="0"/>
-              <a:t>לרשום 84% ממה. בנוסף לציין כמה אפוקים הורצו, על איזה דאטה, איזו רשת... בקיצור לפרט עוד על התוצאות</a:t>
+              <a:t>נדרש להרחיב על הבולט הראשון – מדובר בשיטות סגמנטציה בעזרת ראייה ממוחשבת</a:t>
+            </a:r>
+          </a:p>
+          <a:p>
+            <a:r>
+              <a:rPr lang="he-IL" dirty="0"/>
+              <a:t>הרחבה על הבולט השני – להסביר במה מדובר ואת הטבלה</a:t>
             </a:r>
             <a:endParaRPr lang="en-US" dirty="0"/>
           </a:p>
@@ -1267,16 +1632,44 @@
             <a:fld id="{C8C92D0D-AF30-4211-86C4-A3B87597F349}" type="slidenum">
               <a:rPr lang="he-IL" smtClean="0"/>
               <a:pPr/>
-              <a:t>10</a:t>
+              <a:t>11</a:t>
             </a:fld>
             <a:endParaRPr lang="he-IL"/>
+          </a:p>
+        </p:txBody>
+      </p:sp>
+      <p:sp>
+        <p:nvSpPr>
+          <p:cNvPr id="5" name="Footer Placeholder 4">
+            <a:extLst>
+              <a:ext uri="{FF2B5EF4-FFF2-40B4-BE49-F238E27FC236}">
+                <a16:creationId xmlns:a16="http://schemas.microsoft.com/office/drawing/2014/main" id="{AD753467-F10B-4164-AC16-609227753711}"/>
+              </a:ext>
+            </a:extLst>
+          </p:cNvPr>
+          <p:cNvSpPr>
+            <a:spLocks noGrp="1"/>
+          </p:cNvSpPr>
+          <p:nvPr>
+            <p:ph type="ftr" sz="quarter" idx="4"/>
+          </p:nvPr>
+        </p:nvSpPr>
+        <p:spPr/>
+        <p:txBody>
+          <a:bodyPr/>
+          <a:lstStyle/>
+          <a:p>
+            <a:r>
+              <a:rPr lang="he-IL"/>
+              <a:t>2</a:t>
+            </a:r>
           </a:p>
         </p:txBody>
       </p:sp>
     </p:spTree>
     <p:extLst>
       <p:ext uri="{BB962C8B-B14F-4D97-AF65-F5344CB8AC3E}">
-        <p14:creationId xmlns:p14="http://schemas.microsoft.com/office/powerpoint/2010/main" val="1648461225"/>
+        <p14:creationId xmlns:p14="http://schemas.microsoft.com/office/powerpoint/2010/main" val="3966368392"/>
       </p:ext>
     </p:extLst>
   </p:cSld>
@@ -1332,8 +1725,11 @@
           <a:p>
             <a:r>
               <a:rPr lang="he-IL" dirty="0"/>
-              <a:t>בולט שלישי – לשפץ. לציין את הבעייתיות שבעבודה עם הדאטסטים השונים</a:t>
-            </a:r>
+              <a:t>אולי להרחיב במעט על הרשתות הידועות ומדוע בחרנו בהן</a:t>
+            </a:r>
+            <a:endParaRPr lang="en-US" dirty="0"/>
+          </a:p>
+          <a:p>
             <a:endParaRPr lang="en-US" dirty="0"/>
           </a:p>
         </p:txBody>
@@ -1356,16 +1752,332 @@
             <a:fld id="{C8C92D0D-AF30-4211-86C4-A3B87597F349}" type="slidenum">
               <a:rPr lang="he-IL" smtClean="0"/>
               <a:pPr/>
-              <a:t>11</a:t>
+              <a:t>12</a:t>
             </a:fld>
             <a:endParaRPr lang="he-IL"/>
+          </a:p>
+        </p:txBody>
+      </p:sp>
+      <p:sp>
+        <p:nvSpPr>
+          <p:cNvPr id="5" name="Footer Placeholder 4">
+            <a:extLst>
+              <a:ext uri="{FF2B5EF4-FFF2-40B4-BE49-F238E27FC236}">
+                <a16:creationId xmlns:a16="http://schemas.microsoft.com/office/drawing/2014/main" id="{65C03B0E-2E4A-4E8D-89B2-0DF2F71549EE}"/>
+              </a:ext>
+            </a:extLst>
+          </p:cNvPr>
+          <p:cNvSpPr>
+            <a:spLocks noGrp="1"/>
+          </p:cNvSpPr>
+          <p:nvPr>
+            <p:ph type="ftr" sz="quarter" idx="4"/>
+          </p:nvPr>
+        </p:nvSpPr>
+        <p:spPr/>
+        <p:txBody>
+          <a:bodyPr/>
+          <a:lstStyle/>
+          <a:p>
+            <a:r>
+              <a:rPr lang="he-IL"/>
+              <a:t>2</a:t>
+            </a:r>
           </a:p>
         </p:txBody>
       </p:sp>
     </p:spTree>
     <p:extLst>
       <p:ext uri="{BB962C8B-B14F-4D97-AF65-F5344CB8AC3E}">
-        <p14:creationId xmlns:p14="http://schemas.microsoft.com/office/powerpoint/2010/main" val="4156227241"/>
+        <p14:creationId xmlns:p14="http://schemas.microsoft.com/office/powerpoint/2010/main" val="1306353171"/>
+      </p:ext>
+    </p:extLst>
+  </p:cSld>
+  <p:clrMapOvr>
+    <a:masterClrMapping/>
+  </p:clrMapOvr>
+</p:notes>
+</file>
+
+<file path=ppt/notesSlides/notesSlide8.xml><?xml version="1.0" encoding="utf-8"?>
+<p:notes xmlns:a="http://schemas.openxmlformats.org/drawingml/2006/main" xmlns:r="http://schemas.openxmlformats.org/officeDocument/2006/relationships" xmlns:p="http://schemas.openxmlformats.org/presentationml/2006/main">
+  <p:cSld>
+    <p:spTree>
+      <p:nvGrpSpPr>
+        <p:cNvPr id="1" name=""/>
+        <p:cNvGrpSpPr/>
+        <p:nvPr/>
+      </p:nvGrpSpPr>
+      <p:grpSpPr>
+        <a:xfrm>
+          <a:off x="0" y="0"/>
+          <a:ext cx="0" cy="0"/>
+          <a:chOff x="0" y="0"/>
+          <a:chExt cx="0" cy="0"/>
+        </a:xfrm>
+      </p:grpSpPr>
+      <p:sp>
+        <p:nvSpPr>
+          <p:cNvPr id="2" name="Slide Image Placeholder 1"/>
+          <p:cNvSpPr>
+            <a:spLocks noGrp="1" noRot="1" noChangeAspect="1"/>
+          </p:cNvSpPr>
+          <p:nvPr>
+            <p:ph type="sldImg"/>
+          </p:nvPr>
+        </p:nvSpPr>
+        <p:spPr/>
+      </p:sp>
+      <p:sp>
+        <p:nvSpPr>
+          <p:cNvPr id="3" name="Notes Placeholder 2"/>
+          <p:cNvSpPr>
+            <a:spLocks noGrp="1"/>
+          </p:cNvSpPr>
+          <p:nvPr>
+            <p:ph type="body" idx="1"/>
+          </p:nvPr>
+        </p:nvSpPr>
+        <p:spPr/>
+        <p:txBody>
+          <a:bodyPr/>
+          <a:lstStyle/>
+          <a:p>
+            <a:r>
+              <a:rPr lang="he-IL" dirty="0"/>
+              <a:t>להסביר שעל השכבות המדוברות נרצה ליישם </a:t>
+            </a:r>
+            <a:r>
+              <a:rPr lang="en-US" dirty="0"/>
+              <a:t>DCN</a:t>
+            </a:r>
+          </a:p>
+        </p:txBody>
+      </p:sp>
+      <p:sp>
+        <p:nvSpPr>
+          <p:cNvPr id="4" name="Slide Number Placeholder 3"/>
+          <p:cNvSpPr>
+            <a:spLocks noGrp="1"/>
+          </p:cNvSpPr>
+          <p:nvPr>
+            <p:ph type="sldNum" sz="quarter" idx="5"/>
+          </p:nvPr>
+        </p:nvSpPr>
+        <p:spPr/>
+        <p:txBody>
+          <a:bodyPr/>
+          <a:lstStyle/>
+          <a:p>
+            <a:fld id="{C8C92D0D-AF30-4211-86C4-A3B87597F349}" type="slidenum">
+              <a:rPr lang="he-IL" smtClean="0"/>
+              <a:pPr/>
+              <a:t>13</a:t>
+            </a:fld>
+            <a:endParaRPr lang="he-IL"/>
+          </a:p>
+        </p:txBody>
+      </p:sp>
+      <p:sp>
+        <p:nvSpPr>
+          <p:cNvPr id="5" name="Footer Placeholder 4">
+            <a:extLst>
+              <a:ext uri="{FF2B5EF4-FFF2-40B4-BE49-F238E27FC236}">
+                <a16:creationId xmlns:a16="http://schemas.microsoft.com/office/drawing/2014/main" id="{EAB95C90-7FCD-4A76-85DB-E96F4FA14E41}"/>
+              </a:ext>
+            </a:extLst>
+          </p:cNvPr>
+          <p:cNvSpPr>
+            <a:spLocks noGrp="1"/>
+          </p:cNvSpPr>
+          <p:nvPr>
+            <p:ph type="ftr" sz="quarter" idx="4"/>
+          </p:nvPr>
+        </p:nvSpPr>
+        <p:spPr/>
+        <p:txBody>
+          <a:bodyPr/>
+          <a:lstStyle/>
+          <a:p>
+            <a:r>
+              <a:rPr lang="he-IL"/>
+              <a:t>2</a:t>
+            </a:r>
+          </a:p>
+        </p:txBody>
+      </p:sp>
+    </p:spTree>
+    <p:extLst>
+      <p:ext uri="{BB962C8B-B14F-4D97-AF65-F5344CB8AC3E}">
+        <p14:creationId xmlns:p14="http://schemas.microsoft.com/office/powerpoint/2010/main" val="1289365257"/>
+      </p:ext>
+    </p:extLst>
+  </p:cSld>
+  <p:clrMapOvr>
+    <a:masterClrMapping/>
+  </p:clrMapOvr>
+</p:notes>
+</file>
+
+<file path=ppt/notesSlides/notesSlide9.xml><?xml version="1.0" encoding="utf-8"?>
+<p:notes xmlns:a="http://schemas.openxmlformats.org/drawingml/2006/main" xmlns:r="http://schemas.openxmlformats.org/officeDocument/2006/relationships" xmlns:p="http://schemas.openxmlformats.org/presentationml/2006/main">
+  <p:cSld>
+    <p:spTree>
+      <p:nvGrpSpPr>
+        <p:cNvPr id="1" name=""/>
+        <p:cNvGrpSpPr/>
+        <p:nvPr/>
+      </p:nvGrpSpPr>
+      <p:grpSpPr>
+        <a:xfrm>
+          <a:off x="0" y="0"/>
+          <a:ext cx="0" cy="0"/>
+          <a:chOff x="0" y="0"/>
+          <a:chExt cx="0" cy="0"/>
+        </a:xfrm>
+      </p:grpSpPr>
+      <p:sp>
+        <p:nvSpPr>
+          <p:cNvPr id="2" name="Slide Image Placeholder 1"/>
+          <p:cNvSpPr>
+            <a:spLocks noGrp="1" noRot="1" noChangeAspect="1"/>
+          </p:cNvSpPr>
+          <p:nvPr>
+            <p:ph type="sldImg"/>
+          </p:nvPr>
+        </p:nvSpPr>
+        <p:spPr/>
+      </p:sp>
+      <p:sp>
+        <p:nvSpPr>
+          <p:cNvPr id="3" name="Notes Placeholder 2"/>
+          <p:cNvSpPr>
+            <a:spLocks noGrp="1"/>
+          </p:cNvSpPr>
+          <p:nvPr>
+            <p:ph type="body" idx="1"/>
+          </p:nvPr>
+        </p:nvSpPr>
+        <p:spPr/>
+        <p:txBody>
+          <a:bodyPr/>
+          <a:lstStyle/>
+          <a:p>
+            <a:pPr marL="0" marR="0" lvl="0" indent="0" algn="r" defTabSz="914400" rtl="1" eaLnBrk="1" fontAlgn="auto" latinLnBrk="0" hangingPunct="1">
+              <a:lnSpc>
+                <a:spcPct val="100000"/>
+              </a:lnSpc>
+              <a:spcBef>
+                <a:spcPts val="0"/>
+              </a:spcBef>
+              <a:spcAft>
+                <a:spcPts val="0"/>
+              </a:spcAft>
+              <a:buClrTx/>
+              <a:buSzTx/>
+              <a:buFontTx/>
+              <a:buNone/>
+              <a:tabLst/>
+              <a:defRPr/>
+            </a:pPr>
+            <a:r>
+              <a:rPr lang="en-US" sz="1200" dirty="0" err="1">
+                <a:solidFill>
+                  <a:srgbClr val="002060"/>
+                </a:solidFill>
+              </a:rPr>
+              <a:t>ResNet</a:t>
+            </a:r>
+            <a:r>
+              <a:rPr lang="en-US" sz="1200" dirty="0">
+                <a:solidFill>
+                  <a:srgbClr val="002060"/>
+                </a:solidFill>
+              </a:rPr>
+              <a:t> basic residual layer</a:t>
+            </a:r>
+          </a:p>
+          <a:p>
+            <a:r>
+              <a:rPr lang="he-IL" dirty="0"/>
+              <a:t>לדבר על טרייד-אופים: אם ממשים הרבה שכבות כ-</a:t>
+            </a:r>
+            <a:r>
+              <a:rPr lang="en-US" dirty="0"/>
+              <a:t>DCN</a:t>
+            </a:r>
+            <a:r>
+              <a:rPr lang="he-IL" dirty="0"/>
+              <a:t> נצפה לזמן לימוד ארוך. כמו כן לדבר על המיקום שבו נרצה לממש </a:t>
+            </a:r>
+            <a:r>
+              <a:rPr lang="en-US" dirty="0"/>
+              <a:t>DCN</a:t>
+            </a:r>
+            <a:r>
+              <a:rPr lang="he-IL" dirty="0"/>
+              <a:t> – בתחילת השכבות, בסיום, וכו' וכו'</a:t>
+            </a:r>
+            <a:endParaRPr lang="en-US" dirty="0"/>
+          </a:p>
+        </p:txBody>
+      </p:sp>
+      <p:sp>
+        <p:nvSpPr>
+          <p:cNvPr id="4" name="Slide Number Placeholder 3"/>
+          <p:cNvSpPr>
+            <a:spLocks noGrp="1"/>
+          </p:cNvSpPr>
+          <p:nvPr>
+            <p:ph type="sldNum" sz="quarter" idx="5"/>
+          </p:nvPr>
+        </p:nvSpPr>
+        <p:spPr/>
+        <p:txBody>
+          <a:bodyPr/>
+          <a:lstStyle/>
+          <a:p>
+            <a:fld id="{C8C92D0D-AF30-4211-86C4-A3B87597F349}" type="slidenum">
+              <a:rPr lang="he-IL" smtClean="0"/>
+              <a:pPr/>
+              <a:t>14</a:t>
+            </a:fld>
+            <a:endParaRPr lang="he-IL"/>
+          </a:p>
+        </p:txBody>
+      </p:sp>
+      <p:sp>
+        <p:nvSpPr>
+          <p:cNvPr id="5" name="Footer Placeholder 4">
+            <a:extLst>
+              <a:ext uri="{FF2B5EF4-FFF2-40B4-BE49-F238E27FC236}">
+                <a16:creationId xmlns:a16="http://schemas.microsoft.com/office/drawing/2014/main" id="{C14FCB9D-45E4-4133-908F-C2C828213379}"/>
+              </a:ext>
+            </a:extLst>
+          </p:cNvPr>
+          <p:cNvSpPr>
+            <a:spLocks noGrp="1"/>
+          </p:cNvSpPr>
+          <p:nvPr>
+            <p:ph type="ftr" sz="quarter" idx="4"/>
+          </p:nvPr>
+        </p:nvSpPr>
+        <p:spPr/>
+        <p:txBody>
+          <a:bodyPr/>
+          <a:lstStyle/>
+          <a:p>
+            <a:r>
+              <a:rPr lang="he-IL"/>
+              <a:t>2</a:t>
+            </a:r>
+          </a:p>
+        </p:txBody>
+      </p:sp>
+    </p:spTree>
+    <p:extLst>
+      <p:ext uri="{BB962C8B-B14F-4D97-AF65-F5344CB8AC3E}">
+        <p14:creationId xmlns:p14="http://schemas.microsoft.com/office/powerpoint/2010/main" val="2585679764"/>
       </p:ext>
     </p:extLst>
   </p:cSld>
@@ -1554,7 +2266,10 @@
           <a:bodyPr/>
           <a:lstStyle/>
           <a:p>
-            <a:endParaRPr lang="en-US"/>
+            <a:r>
+              <a:rPr lang="en-US"/>
+              <a:t>2</a:t>
+            </a:r>
           </a:p>
         </p:txBody>
       </p:sp>
@@ -2166,9 +2881,9 @@
           <a:bodyPr/>
           <a:lstStyle/>
           <a:p>
-            <a:fld id="{D7E1C0B7-AB0D-4AF9-9C80-529313F012B2}" type="datetime1">
+            <a:fld id="{BFD2984C-9D56-40A8-839A-3AF6619B1C81}" type="datetime1">
               <a:rPr lang="en-US" smtClean="0"/>
-              <a:t>1/1/2020</a:t>
+              <a:t>1/2/2020</a:t>
             </a:fld>
             <a:endParaRPr lang="en-US"/>
           </a:p>
@@ -2189,7 +2904,10 @@
           <a:bodyPr/>
           <a:lstStyle/>
           <a:p>
-            <a:endParaRPr lang="en-US"/>
+            <a:r>
+              <a:rPr lang="en-US"/>
+              <a:t>2</a:t>
+            </a:r>
           </a:p>
         </p:txBody>
       </p:sp>
@@ -2410,9 +3128,9 @@
             </a:lvl1pPr>
           </a:lstStyle>
           <a:p>
-            <a:fld id="{2A982F35-29BF-4127-A4F3-CE8B20D358F7}" type="datetime1">
+            <a:fld id="{1408F81D-5BB7-4C4A-AE55-B68165AD758E}" type="datetime1">
               <a:rPr lang="en-US" smtClean="0"/>
-              <a:t>1/1/2020</a:t>
+              <a:t>1/2/2020</a:t>
             </a:fld>
             <a:endParaRPr lang="en-US"/>
           </a:p>
@@ -2451,7 +3169,10 @@
             </a:lvl1pPr>
           </a:lstStyle>
           <a:p>
-            <a:endParaRPr lang="en-US"/>
+            <a:r>
+              <a:rPr lang="en-US"/>
+              <a:t>2</a:t>
+            </a:r>
           </a:p>
         </p:txBody>
       </p:sp>
@@ -2897,23 +3618,7 @@
                   <a:srgbClr val="002060"/>
                 </a:solidFill>
               </a:rPr>
-              <a:t>: </a:t>
-            </a:r>
-            <a:r>
-              <a:rPr lang="en-US" sz="2400" dirty="0" err="1">
-                <a:solidFill>
-                  <a:srgbClr val="002060"/>
-                </a:solidFill>
-              </a:rPr>
-              <a:t>Yair</a:t>
-            </a:r>
-            <a:r>
-              <a:rPr lang="en-US" sz="2400" dirty="0">
-                <a:solidFill>
-                  <a:srgbClr val="002060"/>
-                </a:solidFill>
-              </a:rPr>
-              <a:t> Moshe</a:t>
+              <a:t>: Yair Moshe</a:t>
             </a:r>
           </a:p>
           <a:p>
@@ -2929,7 +3634,7 @@
                 </a:solidFill>
                 <a:cs typeface="+mj-cs"/>
               </a:rPr>
-              <a:t>Semester: Winter,  2019</a:t>
+              <a:t>Semester: Winter, 2019</a:t>
             </a:r>
           </a:p>
           <a:p>
@@ -2974,7 +3679,7 @@
                   <a:srgbClr val="002060"/>
                 </a:solidFill>
               </a:rPr>
-              <a:t>In Collaboration with: Zebra Medical</a:t>
+              <a:t>In Collaboration with Zebra Medical</a:t>
             </a:r>
             <a:endParaRPr lang="en-US" sz="2400" dirty="0"/>
           </a:p>
@@ -3126,1796 +3831,6 @@
       </p:grpSpPr>
       <p:sp>
         <p:nvSpPr>
-          <p:cNvPr id="2" name="Title 1"/>
-          <p:cNvSpPr>
-            <a:spLocks noGrp="1"/>
-          </p:cNvSpPr>
-          <p:nvPr>
-            <p:ph type="title"/>
-          </p:nvPr>
-        </p:nvSpPr>
-        <p:spPr/>
-        <p:txBody>
-          <a:bodyPr/>
-          <a:lstStyle/>
-          <a:p>
-            <a:r>
-              <a:rPr lang="en-US" dirty="0">
-                <a:solidFill>
-                  <a:srgbClr val="002060"/>
-                </a:solidFill>
-              </a:rPr>
-              <a:t>Intermediate Results</a:t>
-            </a:r>
-            <a:endParaRPr lang="he-IL" dirty="0">
-              <a:solidFill>
-                <a:srgbClr val="002060"/>
-              </a:solidFill>
-            </a:endParaRPr>
-          </a:p>
-        </p:txBody>
-      </p:sp>
-      <p:sp>
-        <p:nvSpPr>
-          <p:cNvPr id="3" name="Content Placeholder 2"/>
-          <p:cNvSpPr>
-            <a:spLocks noGrp="1"/>
-          </p:cNvSpPr>
-          <p:nvPr>
-            <p:ph idx="1"/>
-          </p:nvPr>
-        </p:nvSpPr>
-        <p:spPr/>
-        <p:txBody>
-          <a:bodyPr>
-            <a:normAutofit lnSpcReduction="10000"/>
-          </a:bodyPr>
-          <a:lstStyle/>
-          <a:p>
-            <a:r>
-              <a:rPr lang="en-US" dirty="0">
-                <a:solidFill>
-                  <a:srgbClr val="002060"/>
-                </a:solidFill>
-              </a:rPr>
-              <a:t>Downloaded different datasets</a:t>
-            </a:r>
-          </a:p>
-          <a:p>
-            <a:pPr lvl="1"/>
-            <a:r>
-              <a:rPr lang="en-US" dirty="0">
-                <a:solidFill>
-                  <a:srgbClr val="002060"/>
-                </a:solidFill>
-              </a:rPr>
-              <a:t>Kaggle RSNA challenge, Kaggle pneumonia dataset, </a:t>
-            </a:r>
-            <a:r>
-              <a:rPr lang="en-US" dirty="0" err="1">
-                <a:solidFill>
-                  <a:srgbClr val="002060"/>
-                </a:solidFill>
-              </a:rPr>
-              <a:t>CheXpert</a:t>
-            </a:r>
-            <a:r>
-              <a:rPr lang="en-US" dirty="0">
-                <a:solidFill>
-                  <a:srgbClr val="002060"/>
-                </a:solidFill>
-              </a:rPr>
-              <a:t> dataset.</a:t>
-            </a:r>
-          </a:p>
-          <a:p>
-            <a:r>
-              <a:rPr lang="en-US" dirty="0">
-                <a:solidFill>
-                  <a:srgbClr val="002060"/>
-                </a:solidFill>
-              </a:rPr>
-              <a:t>Trained known architectures on Kaggle pneumonia dataset</a:t>
-            </a:r>
-          </a:p>
-          <a:p>
-            <a:pPr lvl="1"/>
-            <a:r>
-              <a:rPr lang="en-US" dirty="0">
-                <a:solidFill>
-                  <a:srgbClr val="002060"/>
-                </a:solidFill>
-              </a:rPr>
-              <a:t>Used </a:t>
-            </a:r>
-            <a:r>
-              <a:rPr lang="en-US" dirty="0" err="1">
-                <a:solidFill>
-                  <a:srgbClr val="002060"/>
-                </a:solidFill>
-              </a:rPr>
-              <a:t>AlexNet</a:t>
-            </a:r>
-            <a:r>
-              <a:rPr lang="en-US" dirty="0">
-                <a:solidFill>
-                  <a:srgbClr val="002060"/>
-                </a:solidFill>
-              </a:rPr>
-              <a:t>, </a:t>
-            </a:r>
-            <a:r>
-              <a:rPr lang="en-US" dirty="0" err="1">
-                <a:solidFill>
-                  <a:srgbClr val="002060"/>
-                </a:solidFill>
-              </a:rPr>
-              <a:t>ResNet</a:t>
-            </a:r>
-            <a:r>
-              <a:rPr lang="en-US" dirty="0">
-                <a:solidFill>
-                  <a:srgbClr val="002060"/>
-                </a:solidFill>
-              </a:rPr>
-              <a:t>, </a:t>
-            </a:r>
-            <a:r>
-              <a:rPr lang="en-US" dirty="0" err="1">
-                <a:solidFill>
-                  <a:srgbClr val="002060"/>
-                </a:solidFill>
-              </a:rPr>
-              <a:t>DenseNet</a:t>
-            </a:r>
-            <a:r>
-              <a:rPr lang="en-US" dirty="0">
-                <a:solidFill>
-                  <a:srgbClr val="002060"/>
-                </a:solidFill>
-              </a:rPr>
-              <a:t> architectures</a:t>
-            </a:r>
-          </a:p>
-          <a:p>
-            <a:pPr lvl="1"/>
-            <a:r>
-              <a:rPr lang="en-US" dirty="0">
-                <a:solidFill>
-                  <a:srgbClr val="002060"/>
-                </a:solidFill>
-              </a:rPr>
-              <a:t>Used Transfer Learning of weights</a:t>
-            </a:r>
-          </a:p>
-          <a:p>
-            <a:r>
-              <a:rPr lang="en-US" dirty="0">
-                <a:solidFill>
-                  <a:srgbClr val="002060"/>
-                </a:solidFill>
-              </a:rPr>
-              <a:t>Best results gave 84% success on test set (Kaggle). We used </a:t>
-            </a:r>
-            <a:r>
-              <a:rPr lang="en-US" dirty="0" err="1">
-                <a:solidFill>
-                  <a:srgbClr val="002060"/>
-                </a:solidFill>
-              </a:rPr>
-              <a:t>ResNet</a:t>
-            </a:r>
-            <a:r>
-              <a:rPr lang="en-US" dirty="0">
-                <a:solidFill>
-                  <a:srgbClr val="002060"/>
-                </a:solidFill>
-              </a:rPr>
-              <a:t> &amp; TL, 25 epochs</a:t>
-            </a:r>
-          </a:p>
-        </p:txBody>
-      </p:sp>
-      <p:sp>
-        <p:nvSpPr>
-          <p:cNvPr id="5" name="Slide Number Placeholder 4"/>
-          <p:cNvSpPr>
-            <a:spLocks noGrp="1"/>
-          </p:cNvSpPr>
-          <p:nvPr>
-            <p:ph type="sldNum" sz="quarter" idx="12"/>
-          </p:nvPr>
-        </p:nvSpPr>
-        <p:spPr/>
-        <p:txBody>
-          <a:bodyPr/>
-          <a:lstStyle/>
-          <a:p>
-            <a:fld id="{B01D9778-10B4-40FB-B4E4-44FA89A86639}" type="slidenum">
-              <a:rPr lang="en-US" smtClean="0"/>
-              <a:pPr/>
-              <a:t>10</a:t>
-            </a:fld>
-            <a:endParaRPr lang="en-US"/>
-          </a:p>
-        </p:txBody>
-      </p:sp>
-    </p:spTree>
-    <p:extLst>
-      <p:ext uri="{BB962C8B-B14F-4D97-AF65-F5344CB8AC3E}">
-        <p14:creationId xmlns:p14="http://schemas.microsoft.com/office/powerpoint/2010/main" val="2145876422"/>
-      </p:ext>
-    </p:extLst>
-  </p:cSld>
-  <p:clrMapOvr>
-    <a:masterClrMapping/>
-  </p:clrMapOvr>
-</p:sld>
-</file>
-
-<file path=ppt/slides/slide11.xml><?xml version="1.0" encoding="utf-8"?>
-<p:sld xmlns:a="http://schemas.openxmlformats.org/drawingml/2006/main" xmlns:r="http://schemas.openxmlformats.org/officeDocument/2006/relationships" xmlns:p="http://schemas.openxmlformats.org/presentationml/2006/main">
-  <p:cSld>
-    <p:spTree>
-      <p:nvGrpSpPr>
-        <p:cNvPr id="1" name=""/>
-        <p:cNvGrpSpPr/>
-        <p:nvPr/>
-      </p:nvGrpSpPr>
-      <p:grpSpPr>
-        <a:xfrm>
-          <a:off x="0" y="0"/>
-          <a:ext cx="0" cy="0"/>
-          <a:chOff x="0" y="0"/>
-          <a:chExt cx="0" cy="0"/>
-        </a:xfrm>
-      </p:grpSpPr>
-      <p:sp>
-        <p:nvSpPr>
-          <p:cNvPr id="2" name="Title 1"/>
-          <p:cNvSpPr>
-            <a:spLocks noGrp="1"/>
-          </p:cNvSpPr>
-          <p:nvPr>
-            <p:ph type="title"/>
-          </p:nvPr>
-        </p:nvSpPr>
-        <p:spPr/>
-        <p:txBody>
-          <a:bodyPr/>
-          <a:lstStyle/>
-          <a:p>
-            <a:r>
-              <a:rPr lang="en-US" dirty="0">
-                <a:solidFill>
-                  <a:srgbClr val="002060"/>
-                </a:solidFill>
-              </a:rPr>
-              <a:t>Limitations &amp; Conclusions</a:t>
-            </a:r>
-            <a:endParaRPr lang="he-IL" dirty="0">
-              <a:solidFill>
-                <a:srgbClr val="002060"/>
-              </a:solidFill>
-            </a:endParaRPr>
-          </a:p>
-        </p:txBody>
-      </p:sp>
-      <p:sp>
-        <p:nvSpPr>
-          <p:cNvPr id="3" name="Content Placeholder 2"/>
-          <p:cNvSpPr>
-            <a:spLocks noGrp="1"/>
-          </p:cNvSpPr>
-          <p:nvPr>
-            <p:ph idx="1"/>
-          </p:nvPr>
-        </p:nvSpPr>
-        <p:spPr/>
-        <p:txBody>
-          <a:bodyPr/>
-          <a:lstStyle/>
-          <a:p>
-            <a:r>
-              <a:rPr lang="en-US" dirty="0">
-                <a:solidFill>
-                  <a:srgbClr val="002060"/>
-                </a:solidFill>
-              </a:rPr>
-              <a:t>Regular CNN can achieve decent results on current dataset (84%-90%)</a:t>
-            </a:r>
-          </a:p>
-          <a:p>
-            <a:r>
-              <a:rPr lang="en-US" dirty="0">
-                <a:solidFill>
-                  <a:srgbClr val="002060"/>
-                </a:solidFill>
-              </a:rPr>
-              <a:t>Labels of dataset are not inclusive and need to be taken into consideration (more than one disease, lung opacity label)</a:t>
-            </a:r>
-          </a:p>
-          <a:p>
-            <a:r>
-              <a:rPr lang="en-US" dirty="0">
-                <a:solidFill>
-                  <a:srgbClr val="002060"/>
-                </a:solidFill>
-              </a:rPr>
-              <a:t>We have different datasets to work on with different sizes</a:t>
-            </a:r>
-          </a:p>
-          <a:p>
-            <a:endParaRPr lang="en-US" dirty="0">
-              <a:solidFill>
-                <a:srgbClr val="002060"/>
-              </a:solidFill>
-            </a:endParaRPr>
-          </a:p>
-        </p:txBody>
-      </p:sp>
-      <p:sp>
-        <p:nvSpPr>
-          <p:cNvPr id="5" name="Slide Number Placeholder 4"/>
-          <p:cNvSpPr>
-            <a:spLocks noGrp="1"/>
-          </p:cNvSpPr>
-          <p:nvPr>
-            <p:ph type="sldNum" sz="quarter" idx="12"/>
-          </p:nvPr>
-        </p:nvSpPr>
-        <p:spPr/>
-        <p:txBody>
-          <a:bodyPr/>
-          <a:lstStyle/>
-          <a:p>
-            <a:fld id="{B01D9778-10B4-40FB-B4E4-44FA89A86639}" type="slidenum">
-              <a:rPr lang="en-US" smtClean="0"/>
-              <a:pPr/>
-              <a:t>11</a:t>
-            </a:fld>
-            <a:endParaRPr lang="en-US"/>
-          </a:p>
-        </p:txBody>
-      </p:sp>
-    </p:spTree>
-    <p:extLst>
-      <p:ext uri="{BB962C8B-B14F-4D97-AF65-F5344CB8AC3E}">
-        <p14:creationId xmlns:p14="http://schemas.microsoft.com/office/powerpoint/2010/main" val="1669314898"/>
-      </p:ext>
-    </p:extLst>
-  </p:cSld>
-  <p:clrMapOvr>
-    <a:masterClrMapping/>
-  </p:clrMapOvr>
-</p:sld>
-</file>
-
-<file path=ppt/slides/slide12.xml><?xml version="1.0" encoding="utf-8"?>
-<p:sld xmlns:a="http://schemas.openxmlformats.org/drawingml/2006/main" xmlns:r="http://schemas.openxmlformats.org/officeDocument/2006/relationships" xmlns:p="http://schemas.openxmlformats.org/presentationml/2006/main">
-  <p:cSld>
-    <p:spTree>
-      <p:nvGrpSpPr>
-        <p:cNvPr id="1" name=""/>
-        <p:cNvGrpSpPr/>
-        <p:nvPr/>
-      </p:nvGrpSpPr>
-      <p:grpSpPr>
-        <a:xfrm>
-          <a:off x="0" y="0"/>
-          <a:ext cx="0" cy="0"/>
-          <a:chOff x="0" y="0"/>
-          <a:chExt cx="0" cy="0"/>
-        </a:xfrm>
-      </p:grpSpPr>
-      <p:sp>
-        <p:nvSpPr>
-          <p:cNvPr id="2" name="Title 1"/>
-          <p:cNvSpPr>
-            <a:spLocks noGrp="1"/>
-          </p:cNvSpPr>
-          <p:nvPr>
-            <p:ph type="title"/>
-          </p:nvPr>
-        </p:nvSpPr>
-        <p:spPr/>
-        <p:txBody>
-          <a:bodyPr/>
-          <a:lstStyle/>
-          <a:p>
-            <a:r>
-              <a:rPr lang="en-US" dirty="0">
-                <a:solidFill>
-                  <a:srgbClr val="002060"/>
-                </a:solidFill>
-              </a:rPr>
-              <a:t>Future Work</a:t>
-            </a:r>
-            <a:endParaRPr lang="he-IL" dirty="0">
-              <a:solidFill>
-                <a:srgbClr val="002060"/>
-              </a:solidFill>
-            </a:endParaRPr>
-          </a:p>
-        </p:txBody>
-      </p:sp>
-      <p:sp>
-        <p:nvSpPr>
-          <p:cNvPr id="3" name="Content Placeholder 2"/>
-          <p:cNvSpPr>
-            <a:spLocks noGrp="1"/>
-          </p:cNvSpPr>
-          <p:nvPr>
-            <p:ph idx="1"/>
-          </p:nvPr>
-        </p:nvSpPr>
-        <p:spPr/>
-        <p:txBody>
-          <a:bodyPr/>
-          <a:lstStyle/>
-          <a:p>
-            <a:r>
-              <a:rPr lang="en-US" dirty="0">
-                <a:solidFill>
-                  <a:srgbClr val="002060"/>
-                </a:solidFill>
-              </a:rPr>
-              <a:t>Continue trying different architectures of CNN on datasets</a:t>
-            </a:r>
-          </a:p>
-          <a:p>
-            <a:r>
-              <a:rPr lang="en-US" dirty="0">
-                <a:solidFill>
-                  <a:srgbClr val="002060"/>
-                </a:solidFill>
-              </a:rPr>
-              <a:t>Using all datasets for training models</a:t>
-            </a:r>
-          </a:p>
-          <a:p>
-            <a:r>
-              <a:rPr lang="en-US" dirty="0">
-                <a:solidFill>
-                  <a:srgbClr val="002060"/>
-                </a:solidFill>
-              </a:rPr>
-              <a:t>Add Deformable Convolution layers to architectures that were trained</a:t>
-            </a:r>
-          </a:p>
-          <a:p>
-            <a:r>
-              <a:rPr lang="en-US" dirty="0">
-                <a:solidFill>
-                  <a:srgbClr val="002060"/>
-                </a:solidFill>
-              </a:rPr>
-              <a:t>Obtain additional datasets from Zebra Medical company</a:t>
-            </a:r>
-          </a:p>
-        </p:txBody>
-      </p:sp>
-      <p:sp>
-        <p:nvSpPr>
-          <p:cNvPr id="5" name="Slide Number Placeholder 4"/>
-          <p:cNvSpPr>
-            <a:spLocks noGrp="1"/>
-          </p:cNvSpPr>
-          <p:nvPr>
-            <p:ph type="sldNum" sz="quarter" idx="12"/>
-          </p:nvPr>
-        </p:nvSpPr>
-        <p:spPr/>
-        <p:txBody>
-          <a:bodyPr/>
-          <a:lstStyle/>
-          <a:p>
-            <a:fld id="{B01D9778-10B4-40FB-B4E4-44FA89A86639}" type="slidenum">
-              <a:rPr lang="en-US" smtClean="0"/>
-              <a:pPr/>
-              <a:t>12</a:t>
-            </a:fld>
-            <a:endParaRPr lang="en-US"/>
-          </a:p>
-        </p:txBody>
-      </p:sp>
-    </p:spTree>
-    <p:extLst>
-      <p:ext uri="{BB962C8B-B14F-4D97-AF65-F5344CB8AC3E}">
-        <p14:creationId xmlns:p14="http://schemas.microsoft.com/office/powerpoint/2010/main" val="194558903"/>
-      </p:ext>
-    </p:extLst>
-  </p:cSld>
-  <p:clrMapOvr>
-    <a:masterClrMapping/>
-  </p:clrMapOvr>
-</p:sld>
-</file>
-
-<file path=ppt/slides/slide13.xml><?xml version="1.0" encoding="utf-8"?>
-<p:sld xmlns:a="http://schemas.openxmlformats.org/drawingml/2006/main" xmlns:r="http://schemas.openxmlformats.org/officeDocument/2006/relationships" xmlns:p="http://schemas.openxmlformats.org/presentationml/2006/main">
-  <p:cSld>
-    <p:spTree>
-      <p:nvGrpSpPr>
-        <p:cNvPr id="1" name=""/>
-        <p:cNvGrpSpPr/>
-        <p:nvPr/>
-      </p:nvGrpSpPr>
-      <p:grpSpPr>
-        <a:xfrm>
-          <a:off x="0" y="0"/>
-          <a:ext cx="0" cy="0"/>
-          <a:chOff x="0" y="0"/>
-          <a:chExt cx="0" cy="0"/>
-        </a:xfrm>
-      </p:grpSpPr>
-      <p:sp>
-        <p:nvSpPr>
-          <p:cNvPr id="2" name="Title 1"/>
-          <p:cNvSpPr>
-            <a:spLocks noGrp="1"/>
-          </p:cNvSpPr>
-          <p:nvPr>
-            <p:ph type="title"/>
-          </p:nvPr>
-        </p:nvSpPr>
-        <p:spPr>
-          <a:xfrm>
-            <a:off x="438615" y="228600"/>
-            <a:ext cx="8229600" cy="1143000"/>
-          </a:xfrm>
-        </p:spPr>
-        <p:txBody>
-          <a:bodyPr/>
-          <a:lstStyle/>
-          <a:p>
-            <a:r>
-              <a:rPr lang="en-US" dirty="0">
-                <a:solidFill>
-                  <a:srgbClr val="002060"/>
-                </a:solidFill>
-              </a:rPr>
-              <a:t>References</a:t>
-            </a:r>
-            <a:endParaRPr lang="he-IL" dirty="0">
-              <a:solidFill>
-                <a:srgbClr val="002060"/>
-              </a:solidFill>
-            </a:endParaRPr>
-          </a:p>
-        </p:txBody>
-      </p:sp>
-      <p:sp>
-        <p:nvSpPr>
-          <p:cNvPr id="3" name="Content Placeholder 2"/>
-          <p:cNvSpPr>
-            <a:spLocks noGrp="1"/>
-          </p:cNvSpPr>
-          <p:nvPr>
-            <p:ph idx="1"/>
-          </p:nvPr>
-        </p:nvSpPr>
-        <p:spPr/>
-        <p:txBody>
-          <a:bodyPr>
-            <a:normAutofit/>
-          </a:bodyPr>
-          <a:lstStyle/>
-          <a:p>
-            <a:endParaRPr lang="en-US" dirty="0">
-              <a:solidFill>
-                <a:srgbClr val="002060"/>
-              </a:solidFill>
-            </a:endParaRPr>
-          </a:p>
-          <a:p>
-            <a:pPr marL="457200" indent="-457200">
-              <a:buFont typeface="+mj-lt"/>
-              <a:buAutoNum type="arabicPeriod"/>
-            </a:pPr>
-            <a:r>
-              <a:rPr lang="en-US" sz="2200" dirty="0">
-                <a:solidFill>
-                  <a:srgbClr val="002060"/>
-                </a:solidFill>
-              </a:rPr>
-              <a:t>Dai, J., Qi, H., </a:t>
-            </a:r>
-            <a:r>
-              <a:rPr lang="en-US" sz="2200" dirty="0" err="1">
-                <a:solidFill>
-                  <a:srgbClr val="002060"/>
-                </a:solidFill>
-              </a:rPr>
-              <a:t>Xiong</a:t>
-            </a:r>
-            <a:r>
-              <a:rPr lang="en-US" sz="2200" dirty="0">
-                <a:solidFill>
-                  <a:srgbClr val="002060"/>
-                </a:solidFill>
-              </a:rPr>
-              <a:t>, Y., Li, Y., Zhang, G., Hu, H., &amp; Wei, Y. (2017). Deformable convolutional networks. In Proceedings of the IEEE international conference on computer vision (pp. 764-773)</a:t>
-            </a:r>
-          </a:p>
-          <a:p>
-            <a:pPr marL="457200" indent="-457200">
-              <a:buFont typeface="+mj-lt"/>
-              <a:buAutoNum type="arabicPeriod"/>
-            </a:pPr>
-            <a:endParaRPr lang="en-US" sz="2200" dirty="0">
-              <a:solidFill>
-                <a:srgbClr val="002060"/>
-              </a:solidFill>
-            </a:endParaRPr>
-          </a:p>
-          <a:p>
-            <a:pPr marL="457200" indent="-457200">
-              <a:buFont typeface="+mj-lt"/>
-              <a:buAutoNum type="arabicPeriod"/>
-            </a:pPr>
-            <a:r>
-              <a:rPr lang="en-US" sz="2200" dirty="0">
-                <a:solidFill>
-                  <a:srgbClr val="002060"/>
-                </a:solidFill>
-              </a:rPr>
-              <a:t>Zhu, </a:t>
-            </a:r>
-            <a:r>
-              <a:rPr lang="en-US" sz="2200" dirty="0" err="1">
-                <a:solidFill>
-                  <a:srgbClr val="002060"/>
-                </a:solidFill>
-              </a:rPr>
-              <a:t>Xizhou</a:t>
-            </a:r>
-            <a:r>
-              <a:rPr lang="en-US" sz="2200" dirty="0">
-                <a:solidFill>
-                  <a:srgbClr val="002060"/>
-                </a:solidFill>
-              </a:rPr>
-              <a:t>, et al. "Deformable convnets v2: More deformable, better results." Proceedings of the IEEE Conference on Computer Vision and Pattern Recognition. 2019</a:t>
-            </a:r>
-          </a:p>
-        </p:txBody>
-      </p:sp>
-      <p:sp>
-        <p:nvSpPr>
-          <p:cNvPr id="5" name="Slide Number Placeholder 4"/>
-          <p:cNvSpPr>
-            <a:spLocks noGrp="1"/>
-          </p:cNvSpPr>
-          <p:nvPr>
-            <p:ph type="sldNum" sz="quarter" idx="12"/>
-          </p:nvPr>
-        </p:nvSpPr>
-        <p:spPr/>
-        <p:txBody>
-          <a:bodyPr/>
-          <a:lstStyle/>
-          <a:p>
-            <a:fld id="{B01D9778-10B4-40FB-B4E4-44FA89A86639}" type="slidenum">
-              <a:rPr lang="en-US" smtClean="0"/>
-              <a:pPr/>
-              <a:t>13</a:t>
-            </a:fld>
-            <a:endParaRPr lang="en-US"/>
-          </a:p>
-        </p:txBody>
-      </p:sp>
-    </p:spTree>
-    <p:extLst>
-      <p:ext uri="{BB962C8B-B14F-4D97-AF65-F5344CB8AC3E}">
-        <p14:creationId xmlns:p14="http://schemas.microsoft.com/office/powerpoint/2010/main" val="662023011"/>
-      </p:ext>
-    </p:extLst>
-  </p:cSld>
-  <p:clrMapOvr>
-    <a:masterClrMapping/>
-  </p:clrMapOvr>
-</p:sld>
-</file>
-
-<file path=ppt/slides/slide2.xml><?xml version="1.0" encoding="utf-8"?>
-<p:sld xmlns:a="http://schemas.openxmlformats.org/drawingml/2006/main" xmlns:r="http://schemas.openxmlformats.org/officeDocument/2006/relationships" xmlns:p="http://schemas.openxmlformats.org/presentationml/2006/main">
-  <p:cSld>
-    <p:spTree>
-      <p:nvGrpSpPr>
-        <p:cNvPr id="1" name=""/>
-        <p:cNvGrpSpPr/>
-        <p:nvPr/>
-      </p:nvGrpSpPr>
-      <p:grpSpPr>
-        <a:xfrm>
-          <a:off x="0" y="0"/>
-          <a:ext cx="0" cy="0"/>
-          <a:chOff x="0" y="0"/>
-          <a:chExt cx="0" cy="0"/>
-        </a:xfrm>
-      </p:grpSpPr>
-      <p:sp>
-        <p:nvSpPr>
-          <p:cNvPr id="2" name="Title 1"/>
-          <p:cNvSpPr>
-            <a:spLocks noGrp="1"/>
-          </p:cNvSpPr>
-          <p:nvPr>
-            <p:ph type="title"/>
-          </p:nvPr>
-        </p:nvSpPr>
-        <p:spPr/>
-        <p:txBody>
-          <a:bodyPr/>
-          <a:lstStyle/>
-          <a:p>
-            <a:r>
-              <a:rPr lang="en-US" dirty="0">
-                <a:solidFill>
-                  <a:srgbClr val="002060"/>
-                </a:solidFill>
-              </a:rPr>
-              <a:t>Outline</a:t>
-            </a:r>
-            <a:endParaRPr lang="he-IL" dirty="0">
-              <a:solidFill>
-                <a:srgbClr val="002060"/>
-              </a:solidFill>
-            </a:endParaRPr>
-          </a:p>
-        </p:txBody>
-      </p:sp>
-      <p:sp>
-        <p:nvSpPr>
-          <p:cNvPr id="3" name="Content Placeholder 2"/>
-          <p:cNvSpPr>
-            <a:spLocks noGrp="1"/>
-          </p:cNvSpPr>
-          <p:nvPr>
-            <p:ph idx="1"/>
-          </p:nvPr>
-        </p:nvSpPr>
-        <p:spPr/>
-        <p:txBody>
-          <a:bodyPr>
-            <a:normAutofit fontScale="85000" lnSpcReduction="20000"/>
-          </a:bodyPr>
-          <a:lstStyle/>
-          <a:p>
-            <a:r>
-              <a:rPr lang="en-US" dirty="0">
-                <a:solidFill>
-                  <a:srgbClr val="002060"/>
-                </a:solidFill>
-              </a:rPr>
-              <a:t>Project Goals</a:t>
-            </a:r>
-          </a:p>
-          <a:p>
-            <a:r>
-              <a:rPr lang="en-US" dirty="0">
-                <a:solidFill>
-                  <a:srgbClr val="002060"/>
-                </a:solidFill>
-              </a:rPr>
-              <a:t>Background</a:t>
-            </a:r>
-          </a:p>
-          <a:p>
-            <a:r>
-              <a:rPr lang="en-US" dirty="0">
-                <a:solidFill>
-                  <a:srgbClr val="002060"/>
-                </a:solidFill>
-              </a:rPr>
-              <a:t>Prior Work</a:t>
-            </a:r>
-          </a:p>
-          <a:p>
-            <a:r>
-              <a:rPr lang="en-US" dirty="0">
-                <a:solidFill>
-                  <a:srgbClr val="002060"/>
-                </a:solidFill>
-              </a:rPr>
-              <a:t>Literature Survey</a:t>
-            </a:r>
-          </a:p>
-          <a:p>
-            <a:r>
-              <a:rPr lang="en-US" dirty="0">
-                <a:solidFill>
-                  <a:srgbClr val="002060"/>
-                </a:solidFill>
-              </a:rPr>
-              <a:t>DCN Review</a:t>
-            </a:r>
-          </a:p>
-          <a:p>
-            <a:r>
-              <a:rPr lang="en-US" dirty="0">
-                <a:solidFill>
-                  <a:srgbClr val="002060"/>
-                </a:solidFill>
-              </a:rPr>
-              <a:t>Chosen Solution</a:t>
-            </a:r>
-          </a:p>
-          <a:p>
-            <a:r>
-              <a:rPr lang="en-US" dirty="0">
-                <a:solidFill>
-                  <a:srgbClr val="002060"/>
-                </a:solidFill>
-              </a:rPr>
-              <a:t>Intermediate Results</a:t>
-            </a:r>
-          </a:p>
-          <a:p>
-            <a:r>
-              <a:rPr lang="en-US" dirty="0">
-                <a:solidFill>
-                  <a:srgbClr val="002060"/>
-                </a:solidFill>
-              </a:rPr>
-              <a:t>Limitations &amp; Conclusions</a:t>
-            </a:r>
-          </a:p>
-          <a:p>
-            <a:r>
-              <a:rPr lang="en-US" dirty="0">
-                <a:solidFill>
-                  <a:srgbClr val="002060"/>
-                </a:solidFill>
-              </a:rPr>
-              <a:t>Future Work</a:t>
-            </a:r>
-          </a:p>
-          <a:p>
-            <a:r>
-              <a:rPr lang="en-US" dirty="0">
-                <a:solidFill>
-                  <a:srgbClr val="002060"/>
-                </a:solidFill>
-              </a:rPr>
-              <a:t>References</a:t>
-            </a:r>
-          </a:p>
-          <a:p>
-            <a:pPr marL="857250" lvl="1" indent="-457200"/>
-            <a:endParaRPr lang="he-IL" dirty="0">
-              <a:solidFill>
-                <a:srgbClr val="002060"/>
-              </a:solidFill>
-            </a:endParaRPr>
-          </a:p>
-        </p:txBody>
-      </p:sp>
-      <p:sp>
-        <p:nvSpPr>
-          <p:cNvPr id="5" name="Slide Number Placeholder 4"/>
-          <p:cNvSpPr>
-            <a:spLocks noGrp="1"/>
-          </p:cNvSpPr>
-          <p:nvPr>
-            <p:ph type="sldNum" sz="quarter" idx="12"/>
-          </p:nvPr>
-        </p:nvSpPr>
-        <p:spPr/>
-        <p:txBody>
-          <a:bodyPr/>
-          <a:lstStyle/>
-          <a:p>
-            <a:fld id="{B01D9778-10B4-40FB-B4E4-44FA89A86639}" type="slidenum">
-              <a:rPr lang="en-US" smtClean="0"/>
-              <a:pPr/>
-              <a:t>2</a:t>
-            </a:fld>
-            <a:endParaRPr lang="en-US"/>
-          </a:p>
-        </p:txBody>
-      </p:sp>
-    </p:spTree>
-    <p:extLst>
-      <p:ext uri="{BB962C8B-B14F-4D97-AF65-F5344CB8AC3E}">
-        <p14:creationId xmlns:p14="http://schemas.microsoft.com/office/powerpoint/2010/main" val="4064217885"/>
-      </p:ext>
-    </p:extLst>
-  </p:cSld>
-  <p:clrMapOvr>
-    <a:masterClrMapping/>
-  </p:clrMapOvr>
-</p:sld>
-</file>
-
-<file path=ppt/slides/slide3.xml><?xml version="1.0" encoding="utf-8"?>
-<p:sld xmlns:a="http://schemas.openxmlformats.org/drawingml/2006/main" xmlns:r="http://schemas.openxmlformats.org/officeDocument/2006/relationships" xmlns:p="http://schemas.openxmlformats.org/presentationml/2006/main">
-  <p:cSld>
-    <p:spTree>
-      <p:nvGrpSpPr>
-        <p:cNvPr id="1" name=""/>
-        <p:cNvGrpSpPr/>
-        <p:nvPr/>
-      </p:nvGrpSpPr>
-      <p:grpSpPr>
-        <a:xfrm>
-          <a:off x="0" y="0"/>
-          <a:ext cx="0" cy="0"/>
-          <a:chOff x="0" y="0"/>
-          <a:chExt cx="0" cy="0"/>
-        </a:xfrm>
-      </p:grpSpPr>
-      <p:sp>
-        <p:nvSpPr>
-          <p:cNvPr id="2" name="Title 1">
-            <a:extLst>
-              <a:ext uri="{FF2B5EF4-FFF2-40B4-BE49-F238E27FC236}">
-                <a16:creationId xmlns:a16="http://schemas.microsoft.com/office/drawing/2014/main" id="{98330DCA-B826-4C22-A993-5EF55BB7143A}"/>
-              </a:ext>
-            </a:extLst>
-          </p:cNvPr>
-          <p:cNvSpPr>
-            <a:spLocks noGrp="1"/>
-          </p:cNvSpPr>
-          <p:nvPr>
-            <p:ph type="title"/>
-          </p:nvPr>
-        </p:nvSpPr>
-        <p:spPr/>
-        <p:txBody>
-          <a:bodyPr>
-            <a:normAutofit/>
-          </a:bodyPr>
-          <a:lstStyle/>
-          <a:p>
-            <a:r>
-              <a:rPr lang="en-US" sz="4000" dirty="0">
-                <a:solidFill>
-                  <a:srgbClr val="002060"/>
-                </a:solidFill>
-                <a:latin typeface="+mn-lt"/>
-                <a:ea typeface="+mn-ea"/>
-                <a:cs typeface="+mn-cs"/>
-              </a:rPr>
-              <a:t>Project Goals</a:t>
-            </a:r>
-          </a:p>
-        </p:txBody>
-      </p:sp>
-      <p:sp>
-        <p:nvSpPr>
-          <p:cNvPr id="3" name="Content Placeholder 2">
-            <a:extLst>
-              <a:ext uri="{FF2B5EF4-FFF2-40B4-BE49-F238E27FC236}">
-                <a16:creationId xmlns:a16="http://schemas.microsoft.com/office/drawing/2014/main" id="{83BC9421-391F-41B2-92D0-6F0E9FD8ECD4}"/>
-              </a:ext>
-            </a:extLst>
-          </p:cNvPr>
-          <p:cNvSpPr>
-            <a:spLocks noGrp="1"/>
-          </p:cNvSpPr>
-          <p:nvPr>
-            <p:ph idx="1"/>
-          </p:nvPr>
-        </p:nvSpPr>
-        <p:spPr/>
-        <p:txBody>
-          <a:bodyPr/>
-          <a:lstStyle/>
-          <a:p>
-            <a:pPr marL="0" indent="0" algn="ctr">
-              <a:buNone/>
-            </a:pPr>
-            <a:endParaRPr lang="en-US" sz="2500" dirty="0">
-              <a:solidFill>
-                <a:srgbClr val="002060"/>
-              </a:solidFill>
-            </a:endParaRPr>
-          </a:p>
-          <a:p>
-            <a:pPr marL="0" indent="0" algn="ctr">
-              <a:buNone/>
-            </a:pPr>
-            <a:endParaRPr lang="en-US" sz="2500" dirty="0">
-              <a:solidFill>
-                <a:srgbClr val="002060"/>
-              </a:solidFill>
-            </a:endParaRPr>
-          </a:p>
-          <a:p>
-            <a:pPr marL="0" indent="0" algn="ctr">
-              <a:buNone/>
-            </a:pPr>
-            <a:r>
-              <a:rPr lang="en-US" sz="2800" dirty="0">
-                <a:solidFill>
-                  <a:srgbClr val="002060"/>
-                </a:solidFill>
-              </a:rPr>
-              <a:t>Develop technique for the detection of Pneumonia in chest X-ray images, which is robust to deformations caused by different body structure or different lying position</a:t>
-            </a:r>
-          </a:p>
-        </p:txBody>
-      </p:sp>
-      <p:sp>
-        <p:nvSpPr>
-          <p:cNvPr id="4" name="Slide Number Placeholder 3">
-            <a:extLst>
-              <a:ext uri="{FF2B5EF4-FFF2-40B4-BE49-F238E27FC236}">
-                <a16:creationId xmlns:a16="http://schemas.microsoft.com/office/drawing/2014/main" id="{F0A68B34-07F2-480A-A797-8A80E8169E9A}"/>
-              </a:ext>
-            </a:extLst>
-          </p:cNvPr>
-          <p:cNvSpPr>
-            <a:spLocks noGrp="1"/>
-          </p:cNvSpPr>
-          <p:nvPr>
-            <p:ph type="sldNum" sz="quarter" idx="12"/>
-          </p:nvPr>
-        </p:nvSpPr>
-        <p:spPr/>
-        <p:txBody>
-          <a:bodyPr/>
-          <a:lstStyle/>
-          <a:p>
-            <a:fld id="{B01D9778-10B4-40FB-B4E4-44FA89A86639}" type="slidenum">
-              <a:rPr lang="en-US" smtClean="0"/>
-              <a:pPr/>
-              <a:t>3</a:t>
-            </a:fld>
-            <a:endParaRPr lang="en-US"/>
-          </a:p>
-        </p:txBody>
-      </p:sp>
-    </p:spTree>
-    <p:extLst>
-      <p:ext uri="{BB962C8B-B14F-4D97-AF65-F5344CB8AC3E}">
-        <p14:creationId xmlns:p14="http://schemas.microsoft.com/office/powerpoint/2010/main" val="1517279411"/>
-      </p:ext>
-    </p:extLst>
-  </p:cSld>
-  <p:clrMapOvr>
-    <a:masterClrMapping/>
-  </p:clrMapOvr>
-</p:sld>
-</file>
-
-<file path=ppt/slides/slide4.xml><?xml version="1.0" encoding="utf-8"?>
-<p:sld xmlns:a="http://schemas.openxmlformats.org/drawingml/2006/main" xmlns:r="http://schemas.openxmlformats.org/officeDocument/2006/relationships" xmlns:p="http://schemas.openxmlformats.org/presentationml/2006/main">
-  <p:cSld>
-    <p:bg>
-      <p:bgRef idx="1001">
-        <a:schemeClr val="bg1"/>
-      </p:bgRef>
-    </p:bg>
-    <p:spTree>
-      <p:nvGrpSpPr>
-        <p:cNvPr id="1" name=""/>
-        <p:cNvGrpSpPr/>
-        <p:nvPr/>
-      </p:nvGrpSpPr>
-      <p:grpSpPr>
-        <a:xfrm>
-          <a:off x="0" y="0"/>
-          <a:ext cx="0" cy="0"/>
-          <a:chOff x="0" y="0"/>
-          <a:chExt cx="0" cy="0"/>
-        </a:xfrm>
-      </p:grpSpPr>
-      <p:sp>
-        <p:nvSpPr>
-          <p:cNvPr id="2" name="Title 1"/>
-          <p:cNvSpPr>
-            <a:spLocks noGrp="1"/>
-          </p:cNvSpPr>
-          <p:nvPr>
-            <p:ph type="title"/>
-          </p:nvPr>
-        </p:nvSpPr>
-        <p:spPr/>
-        <p:txBody>
-          <a:bodyPr/>
-          <a:lstStyle/>
-          <a:p>
-            <a:r>
-              <a:rPr lang="en-US" dirty="0">
-                <a:solidFill>
-                  <a:srgbClr val="002060"/>
-                </a:solidFill>
-              </a:rPr>
-              <a:t>Background</a:t>
-            </a:r>
-            <a:endParaRPr lang="he-IL" dirty="0">
-              <a:solidFill>
-                <a:srgbClr val="002060"/>
-              </a:solidFill>
-            </a:endParaRPr>
-          </a:p>
-        </p:txBody>
-      </p:sp>
-      <p:sp>
-        <p:nvSpPr>
-          <p:cNvPr id="3" name="Content Placeholder 2"/>
-          <p:cNvSpPr>
-            <a:spLocks noGrp="1"/>
-          </p:cNvSpPr>
-          <p:nvPr>
-            <p:ph idx="1"/>
-          </p:nvPr>
-        </p:nvSpPr>
-        <p:spPr/>
-        <p:txBody>
-          <a:bodyPr>
-            <a:normAutofit fontScale="85000" lnSpcReduction="20000"/>
-          </a:bodyPr>
-          <a:lstStyle/>
-          <a:p>
-            <a:r>
-              <a:rPr lang="en-US" dirty="0">
-                <a:solidFill>
-                  <a:srgbClr val="002060"/>
-                </a:solidFill>
-              </a:rPr>
-              <a:t>Pneumonia accounts for over 15% of all deaths of children under 5 years old internationally. In the United States, Pneumonia accounts for over 500,000 visits to emergency departments and over 50,000 deaths in 2015, keeping the ailment on the list of top 10 causes of death in the country</a:t>
-            </a:r>
-          </a:p>
-          <a:p>
-            <a:r>
-              <a:rPr lang="en-US" dirty="0">
-                <a:solidFill>
-                  <a:srgbClr val="002060"/>
-                </a:solidFill>
-              </a:rPr>
-              <a:t>Accurately diagnosing Pneumonia requires review of a chest radiograph by highly trained specialists and confirmation through clinical history</a:t>
-            </a:r>
-          </a:p>
-          <a:p>
-            <a:r>
-              <a:rPr lang="en-US" dirty="0">
-                <a:solidFill>
-                  <a:srgbClr val="002060"/>
-                </a:solidFill>
-              </a:rPr>
-              <a:t>In recent years machine learning algorithms have improved in the diagnostics of medical diseases from X-ray images. Yet there is much room for improvement</a:t>
-            </a:r>
-            <a:endParaRPr lang="he-IL" dirty="0">
-              <a:solidFill>
-                <a:srgbClr val="002060"/>
-              </a:solidFill>
-            </a:endParaRPr>
-          </a:p>
-        </p:txBody>
-      </p:sp>
-      <p:sp>
-        <p:nvSpPr>
-          <p:cNvPr id="5" name="Slide Number Placeholder 4"/>
-          <p:cNvSpPr>
-            <a:spLocks noGrp="1"/>
-          </p:cNvSpPr>
-          <p:nvPr>
-            <p:ph type="sldNum" sz="quarter" idx="12"/>
-          </p:nvPr>
-        </p:nvSpPr>
-        <p:spPr/>
-        <p:txBody>
-          <a:bodyPr/>
-          <a:lstStyle/>
-          <a:p>
-            <a:fld id="{B01D9778-10B4-40FB-B4E4-44FA89A86639}" type="slidenum">
-              <a:rPr lang="en-US" smtClean="0"/>
-              <a:pPr/>
-              <a:t>4</a:t>
-            </a:fld>
-            <a:endParaRPr lang="en-US"/>
-          </a:p>
-        </p:txBody>
-      </p:sp>
-    </p:spTree>
-    <p:extLst>
-      <p:ext uri="{BB962C8B-B14F-4D97-AF65-F5344CB8AC3E}">
-        <p14:creationId xmlns:p14="http://schemas.microsoft.com/office/powerpoint/2010/main" val="746629022"/>
-      </p:ext>
-    </p:extLst>
-  </p:cSld>
-  <p:clrMapOvr>
-    <a:overrideClrMapping bg1="lt1" tx1="dk1" bg2="lt2" tx2="dk2" accent1="accent1" accent2="accent2" accent3="accent3" accent4="accent4" accent5="accent5" accent6="accent6" hlink="hlink" folHlink="folHlink"/>
-  </p:clrMapOvr>
-</p:sld>
-</file>
-
-<file path=ppt/slides/slide5.xml><?xml version="1.0" encoding="utf-8"?>
-<p:sld xmlns:a="http://schemas.openxmlformats.org/drawingml/2006/main" xmlns:r="http://schemas.openxmlformats.org/officeDocument/2006/relationships" xmlns:p="http://schemas.openxmlformats.org/presentationml/2006/main">
-  <p:cSld>
-    <p:spTree>
-      <p:nvGrpSpPr>
-        <p:cNvPr id="1" name=""/>
-        <p:cNvGrpSpPr/>
-        <p:nvPr/>
-      </p:nvGrpSpPr>
-      <p:grpSpPr>
-        <a:xfrm>
-          <a:off x="0" y="0"/>
-          <a:ext cx="0" cy="0"/>
-          <a:chOff x="0" y="0"/>
-          <a:chExt cx="0" cy="0"/>
-        </a:xfrm>
-      </p:grpSpPr>
-      <p:sp>
-        <p:nvSpPr>
-          <p:cNvPr id="2" name="Title 1">
-            <a:extLst>
-              <a:ext uri="{FF2B5EF4-FFF2-40B4-BE49-F238E27FC236}">
-                <a16:creationId xmlns:a16="http://schemas.microsoft.com/office/drawing/2014/main" id="{CD75B5FA-699C-4AE6-AD44-EF3234BAD867}"/>
-              </a:ext>
-            </a:extLst>
-          </p:cNvPr>
-          <p:cNvSpPr>
-            <a:spLocks noGrp="1"/>
-          </p:cNvSpPr>
-          <p:nvPr>
-            <p:ph type="title"/>
-          </p:nvPr>
-        </p:nvSpPr>
-        <p:spPr/>
-        <p:txBody>
-          <a:bodyPr/>
-          <a:lstStyle/>
-          <a:p>
-            <a:r>
-              <a:rPr lang="en-US" dirty="0">
-                <a:solidFill>
-                  <a:srgbClr val="002060"/>
-                </a:solidFill>
-              </a:rPr>
-              <a:t>Prior Work</a:t>
-            </a:r>
-          </a:p>
-        </p:txBody>
-      </p:sp>
-      <p:sp>
-        <p:nvSpPr>
-          <p:cNvPr id="3" name="Content Placeholder 2">
-            <a:extLst>
-              <a:ext uri="{FF2B5EF4-FFF2-40B4-BE49-F238E27FC236}">
-                <a16:creationId xmlns:a16="http://schemas.microsoft.com/office/drawing/2014/main" id="{BF6A365C-B34C-4F9F-940E-B6C2FE697768}"/>
-              </a:ext>
-            </a:extLst>
-          </p:cNvPr>
-          <p:cNvSpPr>
-            <a:spLocks noGrp="1"/>
-          </p:cNvSpPr>
-          <p:nvPr>
-            <p:ph idx="1"/>
-          </p:nvPr>
-        </p:nvSpPr>
-        <p:spPr>
-          <a:xfrm>
-            <a:off x="457200" y="1600200"/>
-            <a:ext cx="8229600" cy="4983162"/>
-          </a:xfrm>
-        </p:spPr>
-        <p:txBody>
-          <a:bodyPr>
-            <a:normAutofit fontScale="92500" lnSpcReduction="20000"/>
-          </a:bodyPr>
-          <a:lstStyle/>
-          <a:p>
-            <a:r>
-              <a:rPr lang="en-US" dirty="0">
-                <a:solidFill>
-                  <a:srgbClr val="002060"/>
-                </a:solidFill>
-              </a:rPr>
-              <a:t>Kaggle X-Ray images (Pneumonia)</a:t>
-            </a:r>
-          </a:p>
-          <a:p>
-            <a:pPr lvl="1"/>
-            <a:r>
-              <a:rPr lang="en-US" dirty="0">
-                <a:solidFill>
-                  <a:srgbClr val="002060"/>
-                </a:solidFill>
-              </a:rPr>
-              <a:t>Roughly 6k chest X-ray images</a:t>
-            </a:r>
-          </a:p>
-          <a:p>
-            <a:pPr lvl="2"/>
-            <a:r>
-              <a:rPr lang="en-US" dirty="0">
-                <a:solidFill>
-                  <a:srgbClr val="002060"/>
-                </a:solidFill>
-              </a:rPr>
-              <a:t>Some 4500 labeled with Pneumonia, 1500 labeled Normal</a:t>
-            </a:r>
-          </a:p>
-          <a:p>
-            <a:pPr lvl="1"/>
-            <a:r>
-              <a:rPr lang="en-US" dirty="0">
-                <a:solidFill>
-                  <a:srgbClr val="002060"/>
-                </a:solidFill>
-              </a:rPr>
-              <a:t>Best results have 0.9 AUC</a:t>
-            </a:r>
-          </a:p>
-          <a:p>
-            <a:pPr fontAlgn="base"/>
-            <a:r>
-              <a:rPr lang="en-US" dirty="0">
-                <a:solidFill>
-                  <a:srgbClr val="002060"/>
-                </a:solidFill>
-              </a:rPr>
-              <a:t>Kaggle RSNA Pneumonia Detection Challenge</a:t>
-            </a:r>
-          </a:p>
-          <a:p>
-            <a:pPr lvl="1"/>
-            <a:r>
-              <a:rPr lang="en-US" dirty="0">
-                <a:solidFill>
-                  <a:srgbClr val="002060"/>
-                </a:solidFill>
-              </a:rPr>
-              <a:t>Roughly 27k chest X-ray images</a:t>
-            </a:r>
-          </a:p>
-          <a:p>
-            <a:pPr lvl="2"/>
-            <a:r>
-              <a:rPr lang="en-US" dirty="0">
-                <a:solidFill>
-                  <a:srgbClr val="002060"/>
-                </a:solidFill>
-              </a:rPr>
-              <a:t>Some 10,500 labeled “No Lung opacity”, 8600 labeled “Lung opacity”, 7800 labeled “No Lung Opacity/Not Normal”</a:t>
-            </a:r>
-          </a:p>
-          <a:p>
-            <a:r>
-              <a:rPr lang="en-US" dirty="0" err="1">
-                <a:solidFill>
-                  <a:srgbClr val="002060"/>
-                </a:solidFill>
-              </a:rPr>
-              <a:t>CheXpert</a:t>
-            </a:r>
-            <a:r>
-              <a:rPr lang="en-US" dirty="0">
-                <a:solidFill>
-                  <a:srgbClr val="002060"/>
-                </a:solidFill>
-              </a:rPr>
-              <a:t> challenge</a:t>
-            </a:r>
-          </a:p>
-          <a:p>
-            <a:pPr lvl="1"/>
-            <a:r>
-              <a:rPr lang="en-US" dirty="0">
-                <a:solidFill>
-                  <a:srgbClr val="002060"/>
-                </a:solidFill>
-              </a:rPr>
-              <a:t>About 200k chest X-ray images with 14 labels</a:t>
-            </a:r>
-          </a:p>
-          <a:p>
-            <a:pPr lvl="2"/>
-            <a:r>
-              <a:rPr lang="en-US" dirty="0">
-                <a:solidFill>
-                  <a:srgbClr val="002060"/>
-                </a:solidFill>
-              </a:rPr>
-              <a:t>16,600 are labeled with Pneumonia, 170,000 are labeled Normal. Other diseases also labeled </a:t>
-            </a:r>
-          </a:p>
-          <a:p>
-            <a:pPr lvl="1"/>
-            <a:r>
-              <a:rPr lang="en-US" dirty="0">
-                <a:solidFill>
-                  <a:srgbClr val="002060"/>
-                </a:solidFill>
-              </a:rPr>
-              <a:t>Current best results have 0.93 AUC for all classes</a:t>
-            </a:r>
-          </a:p>
-          <a:p>
-            <a:pPr lvl="1"/>
-            <a:endParaRPr lang="en-US" dirty="0">
-              <a:solidFill>
-                <a:srgbClr val="002060"/>
-              </a:solidFill>
-            </a:endParaRPr>
-          </a:p>
-          <a:p>
-            <a:pPr lvl="1"/>
-            <a:endParaRPr lang="en-US" dirty="0">
-              <a:solidFill>
-                <a:srgbClr val="002060"/>
-              </a:solidFill>
-            </a:endParaRPr>
-          </a:p>
-          <a:p>
-            <a:pPr lvl="2"/>
-            <a:endParaRPr lang="en-US" dirty="0">
-              <a:solidFill>
-                <a:srgbClr val="002060"/>
-              </a:solidFill>
-            </a:endParaRPr>
-          </a:p>
-        </p:txBody>
-      </p:sp>
-      <p:sp>
-        <p:nvSpPr>
-          <p:cNvPr id="4" name="Slide Number Placeholder 3">
-            <a:extLst>
-              <a:ext uri="{FF2B5EF4-FFF2-40B4-BE49-F238E27FC236}">
-                <a16:creationId xmlns:a16="http://schemas.microsoft.com/office/drawing/2014/main" id="{60168D79-FA6A-4A04-8CF9-B14810206753}"/>
-              </a:ext>
-            </a:extLst>
-          </p:cNvPr>
-          <p:cNvSpPr>
-            <a:spLocks noGrp="1"/>
-          </p:cNvSpPr>
-          <p:nvPr>
-            <p:ph type="sldNum" sz="quarter" idx="12"/>
-          </p:nvPr>
-        </p:nvSpPr>
-        <p:spPr/>
-        <p:txBody>
-          <a:bodyPr/>
-          <a:lstStyle/>
-          <a:p>
-            <a:fld id="{B01D9778-10B4-40FB-B4E4-44FA89A86639}" type="slidenum">
-              <a:rPr lang="en-US" smtClean="0"/>
-              <a:pPr/>
-              <a:t>5</a:t>
-            </a:fld>
-            <a:endParaRPr lang="en-US"/>
-          </a:p>
-        </p:txBody>
-      </p:sp>
-    </p:spTree>
-    <p:extLst>
-      <p:ext uri="{BB962C8B-B14F-4D97-AF65-F5344CB8AC3E}">
-        <p14:creationId xmlns:p14="http://schemas.microsoft.com/office/powerpoint/2010/main" val="3878957493"/>
-      </p:ext>
-    </p:extLst>
-  </p:cSld>
-  <p:clrMapOvr>
-    <a:masterClrMapping/>
-  </p:clrMapOvr>
-</p:sld>
-</file>
-
-<file path=ppt/slides/slide6.xml><?xml version="1.0" encoding="utf-8"?>
-<p:sld xmlns:a="http://schemas.openxmlformats.org/drawingml/2006/main" xmlns:r="http://schemas.openxmlformats.org/officeDocument/2006/relationships" xmlns:p="http://schemas.openxmlformats.org/presentationml/2006/main">
-  <p:cSld>
-    <p:spTree>
-      <p:nvGrpSpPr>
-        <p:cNvPr id="1" name=""/>
-        <p:cNvGrpSpPr/>
-        <p:nvPr/>
-      </p:nvGrpSpPr>
-      <p:grpSpPr>
-        <a:xfrm>
-          <a:off x="0" y="0"/>
-          <a:ext cx="0" cy="0"/>
-          <a:chOff x="0" y="0"/>
-          <a:chExt cx="0" cy="0"/>
-        </a:xfrm>
-      </p:grpSpPr>
-      <p:sp>
-        <p:nvSpPr>
-          <p:cNvPr id="2" name="Title 1"/>
-          <p:cNvSpPr>
-            <a:spLocks noGrp="1"/>
-          </p:cNvSpPr>
-          <p:nvPr>
-            <p:ph type="title"/>
-          </p:nvPr>
-        </p:nvSpPr>
-        <p:spPr/>
-        <p:txBody>
-          <a:bodyPr>
-            <a:normAutofit/>
-          </a:bodyPr>
-          <a:lstStyle/>
-          <a:p>
-            <a:r>
-              <a:rPr lang="en-US" dirty="0">
-                <a:solidFill>
-                  <a:srgbClr val="002060"/>
-                </a:solidFill>
-              </a:rPr>
-              <a:t>Literature Survey - DCN</a:t>
-            </a:r>
-            <a:endParaRPr lang="he-IL" dirty="0">
-              <a:solidFill>
-                <a:srgbClr val="002060"/>
-              </a:solidFill>
-            </a:endParaRPr>
-          </a:p>
-        </p:txBody>
-      </p:sp>
-      <p:sp>
-        <p:nvSpPr>
-          <p:cNvPr id="3" name="Content Placeholder 2"/>
-          <p:cNvSpPr>
-            <a:spLocks noGrp="1"/>
-          </p:cNvSpPr>
-          <p:nvPr>
-            <p:ph idx="1"/>
-          </p:nvPr>
-        </p:nvSpPr>
-        <p:spPr>
-          <a:xfrm>
-            <a:off x="457200" y="1752600"/>
-            <a:ext cx="8229600" cy="4830761"/>
-          </a:xfrm>
-        </p:spPr>
-        <p:txBody>
-          <a:bodyPr>
-            <a:normAutofit/>
-          </a:bodyPr>
-          <a:lstStyle/>
-          <a:p>
-            <a:r>
-              <a:rPr lang="en-US" sz="2400" dirty="0">
-                <a:solidFill>
-                  <a:srgbClr val="002060"/>
-                </a:solidFill>
-              </a:rPr>
-              <a:t>Conventional/Regular convolution operates on a pre-defined rectangular grid from an input image or a set of input feature maps. This grid can be the size of 3×3 and 5×5, etc.</a:t>
-            </a:r>
-          </a:p>
-          <a:p>
-            <a:r>
-              <a:rPr lang="en-US" sz="2400" dirty="0">
-                <a:solidFill>
-                  <a:srgbClr val="002060"/>
-                </a:solidFill>
-              </a:rPr>
-              <a:t>However, objects that we want to detect and classify can be deformed or occluded within the image</a:t>
-            </a:r>
-          </a:p>
-          <a:p>
-            <a:r>
-              <a:rPr lang="en-US" sz="2400" dirty="0">
-                <a:solidFill>
-                  <a:srgbClr val="002060"/>
-                </a:solidFill>
-              </a:rPr>
-              <a:t>In DCN, the grid is deformable</a:t>
-            </a:r>
-            <a:br>
-              <a:rPr lang="en-US" sz="2400" dirty="0">
-                <a:solidFill>
-                  <a:srgbClr val="002060"/>
-                </a:solidFill>
-              </a:rPr>
-            </a:br>
-            <a:r>
-              <a:rPr lang="en-US" sz="2400" dirty="0">
-                <a:solidFill>
-                  <a:srgbClr val="002060"/>
-                </a:solidFill>
-              </a:rPr>
-              <a:t>in the sense that each grid </a:t>
-            </a:r>
-            <a:br>
-              <a:rPr lang="en-US" sz="2400" dirty="0">
-                <a:solidFill>
-                  <a:srgbClr val="002060"/>
-                </a:solidFill>
-              </a:rPr>
-            </a:br>
-            <a:r>
-              <a:rPr lang="en-US" sz="2400" dirty="0">
-                <a:solidFill>
-                  <a:srgbClr val="002060"/>
-                </a:solidFill>
-              </a:rPr>
-              <a:t>point is moved by a learnable </a:t>
-            </a:r>
-            <a:br>
-              <a:rPr lang="en-US" sz="2400" dirty="0">
-                <a:solidFill>
-                  <a:srgbClr val="002060"/>
-                </a:solidFill>
-              </a:rPr>
-            </a:br>
-            <a:r>
-              <a:rPr lang="en-US" sz="2400" dirty="0">
-                <a:solidFill>
-                  <a:srgbClr val="002060"/>
-                </a:solidFill>
-              </a:rPr>
-              <a:t>offset, and the convolution </a:t>
-            </a:r>
-            <a:br>
-              <a:rPr lang="en-US" sz="2400" dirty="0">
-                <a:solidFill>
-                  <a:srgbClr val="002060"/>
-                </a:solidFill>
-              </a:rPr>
-            </a:br>
-            <a:r>
-              <a:rPr lang="en-US" sz="2400" dirty="0">
-                <a:solidFill>
-                  <a:srgbClr val="002060"/>
-                </a:solidFill>
-              </a:rPr>
-              <a:t>operates on these moved grid </a:t>
-            </a:r>
-            <a:br>
-              <a:rPr lang="en-US" sz="2400" dirty="0">
-                <a:solidFill>
-                  <a:srgbClr val="002060"/>
-                </a:solidFill>
-              </a:rPr>
-            </a:br>
-            <a:r>
-              <a:rPr lang="en-US" sz="2400" dirty="0">
-                <a:solidFill>
-                  <a:srgbClr val="002060"/>
-                </a:solidFill>
-              </a:rPr>
-              <a:t>points</a:t>
-            </a:r>
-            <a:endParaRPr lang="he-IL" sz="2400" dirty="0">
-              <a:solidFill>
-                <a:srgbClr val="002060"/>
-              </a:solidFill>
-            </a:endParaRPr>
-          </a:p>
-        </p:txBody>
-      </p:sp>
-      <p:sp>
-        <p:nvSpPr>
-          <p:cNvPr id="5" name="Slide Number Placeholder 4"/>
-          <p:cNvSpPr>
-            <a:spLocks noGrp="1"/>
-          </p:cNvSpPr>
-          <p:nvPr>
-            <p:ph type="sldNum" sz="quarter" idx="12"/>
-          </p:nvPr>
-        </p:nvSpPr>
-        <p:spPr/>
-        <p:txBody>
-          <a:bodyPr/>
-          <a:lstStyle/>
-          <a:p>
-            <a:fld id="{B01D9778-10B4-40FB-B4E4-44FA89A86639}" type="slidenum">
-              <a:rPr lang="en-US" smtClean="0"/>
-              <a:pPr/>
-              <a:t>6</a:t>
-            </a:fld>
-            <a:endParaRPr lang="en-US"/>
-          </a:p>
-        </p:txBody>
-      </p:sp>
-      <p:sp>
-        <p:nvSpPr>
-          <p:cNvPr id="4" name="TextBox 3">
-            <a:extLst>
-              <a:ext uri="{FF2B5EF4-FFF2-40B4-BE49-F238E27FC236}">
-                <a16:creationId xmlns:a16="http://schemas.microsoft.com/office/drawing/2014/main" id="{114EBC9B-DE82-4C6A-AF04-1168189C0C32}"/>
-              </a:ext>
-            </a:extLst>
-          </p:cNvPr>
-          <p:cNvSpPr txBox="1"/>
-          <p:nvPr/>
-        </p:nvSpPr>
-        <p:spPr>
-          <a:xfrm>
-            <a:off x="1219200" y="1186160"/>
-            <a:ext cx="6781800" cy="646331"/>
-          </a:xfrm>
-          <a:prstGeom prst="rect">
-            <a:avLst/>
-          </a:prstGeom>
-          <a:noFill/>
-        </p:spPr>
-        <p:txBody>
-          <a:bodyPr wrap="square" rtlCol="0">
-            <a:spAutoFit/>
-          </a:bodyPr>
-          <a:lstStyle/>
-          <a:p>
-            <a:r>
-              <a:rPr lang="en-US" dirty="0"/>
-              <a:t>Dai, </a:t>
-            </a:r>
-            <a:r>
-              <a:rPr lang="en-US" dirty="0" err="1"/>
-              <a:t>Jifeng</a:t>
-            </a:r>
-            <a:r>
-              <a:rPr lang="en-US" dirty="0"/>
-              <a:t>, et al. "Deformable convolutional networks." </a:t>
-            </a:r>
-            <a:r>
-              <a:rPr lang="en-US" i="1" dirty="0"/>
-              <a:t>Proceedings of the IEEE international conference on computer vision</a:t>
-            </a:r>
-            <a:r>
-              <a:rPr lang="en-US" dirty="0"/>
-              <a:t>. 2017.</a:t>
-            </a:r>
-          </a:p>
-        </p:txBody>
-      </p:sp>
-      <p:pic>
-        <p:nvPicPr>
-          <p:cNvPr id="7" name="Picture 6">
-            <a:extLst>
-              <a:ext uri="{FF2B5EF4-FFF2-40B4-BE49-F238E27FC236}">
-                <a16:creationId xmlns:a16="http://schemas.microsoft.com/office/drawing/2014/main" id="{FF55F4D5-D545-49B6-90D7-6FB849BE6DFF}"/>
-              </a:ext>
-            </a:extLst>
-          </p:cNvPr>
-          <p:cNvPicPr>
-            <a:picLocks noChangeAspect="1"/>
-          </p:cNvPicPr>
-          <p:nvPr/>
-        </p:nvPicPr>
-        <p:blipFill>
-          <a:blip r:embed="rId2"/>
-          <a:stretch>
-            <a:fillRect/>
-          </a:stretch>
-        </p:blipFill>
-        <p:spPr>
-          <a:xfrm>
-            <a:off x="4962525" y="4038600"/>
-            <a:ext cx="4181475" cy="2514600"/>
-          </a:xfrm>
-          <a:prstGeom prst="rect">
-            <a:avLst/>
-          </a:prstGeom>
-        </p:spPr>
-      </p:pic>
-    </p:spTree>
-    <p:extLst>
-      <p:ext uri="{BB962C8B-B14F-4D97-AF65-F5344CB8AC3E}">
-        <p14:creationId xmlns:p14="http://schemas.microsoft.com/office/powerpoint/2010/main" val="1202081205"/>
-      </p:ext>
-    </p:extLst>
-  </p:cSld>
-  <p:clrMapOvr>
-    <a:masterClrMapping/>
-  </p:clrMapOvr>
-</p:sld>
-</file>
-
-<file path=ppt/slides/slide7.xml><?xml version="1.0" encoding="utf-8"?>
-<p:sld xmlns:a="http://schemas.openxmlformats.org/drawingml/2006/main" xmlns:r="http://schemas.openxmlformats.org/officeDocument/2006/relationships" xmlns:p="http://schemas.openxmlformats.org/presentationml/2006/main">
-  <p:cSld>
-    <p:spTree>
-      <p:nvGrpSpPr>
-        <p:cNvPr id="1" name=""/>
-        <p:cNvGrpSpPr/>
-        <p:nvPr/>
-      </p:nvGrpSpPr>
-      <p:grpSpPr>
-        <a:xfrm>
-          <a:off x="0" y="0"/>
-          <a:ext cx="0" cy="0"/>
-          <a:chOff x="0" y="0"/>
-          <a:chExt cx="0" cy="0"/>
-        </a:xfrm>
-      </p:grpSpPr>
-      <p:sp>
-        <p:nvSpPr>
           <p:cNvPr id="2" name="Title 1">
             <a:extLst>
               <a:ext uri="{FF2B5EF4-FFF2-40B4-BE49-F238E27FC236}">
@@ -4973,7 +3888,7 @@
         </p:spPr>
         <p:txBody>
           <a:bodyPr>
-            <a:normAutofit/>
+            <a:normAutofit lnSpcReduction="10000"/>
           </a:bodyPr>
           <a:lstStyle/>
           <a:p>
@@ -4983,7 +3898,7 @@
                   <a:srgbClr val="002060"/>
                 </a:solidFill>
               </a:rPr>
-              <a:t>Each grid point is moved by a learnable offset. And the convolution operates on these moved grid points</a:t>
+              <a:t>Each grid point moved by learnable offset</a:t>
             </a:r>
           </a:p>
           <a:p>
@@ -5007,13 +3922,53 @@
             </a:endParaRPr>
           </a:p>
           <a:p>
+            <a:pPr marL="0" indent="0">
+              <a:buNone/>
+            </a:pPr>
+            <a:endParaRPr lang="en-US" sz="2400" dirty="0">
+              <a:solidFill>
+                <a:srgbClr val="002060"/>
+              </a:solidFill>
+            </a:endParaRPr>
+          </a:p>
+          <a:p>
+            <a:pPr marL="0" indent="0">
+              <a:buNone/>
+            </a:pPr>
+            <a:endParaRPr lang="en-US" sz="2400" dirty="0">
+              <a:solidFill>
+                <a:srgbClr val="002060"/>
+              </a:solidFill>
+            </a:endParaRPr>
+          </a:p>
+          <a:p>
+            <a:pPr marL="0" indent="0">
+              <a:buNone/>
+            </a:pPr>
+            <a:endParaRPr lang="en-US" sz="2400" dirty="0">
+              <a:solidFill>
+                <a:srgbClr val="002060"/>
+              </a:solidFill>
+            </a:endParaRPr>
+          </a:p>
+          <a:p>
+            <a:pPr marL="0" indent="0">
+              <a:buNone/>
+            </a:pPr>
+            <a:endParaRPr lang="en-US" sz="2400" dirty="0">
+              <a:solidFill>
+                <a:srgbClr val="002060"/>
+              </a:solidFill>
+            </a:endParaRPr>
+          </a:p>
+          <a:p>
             <a:r>
               <a:rPr lang="en-US" sz="2400" dirty="0">
                 <a:solidFill>
                   <a:srgbClr val="002060"/>
                 </a:solidFill>
               </a:rPr>
-              <a:t>Similarly for the case of deformable </a:t>
+              <a:t>Similarly for deformable </a:t>
             </a:r>
             <a:r>
               <a:rPr lang="en-US" sz="2400" dirty="0" err="1">
@@ -5058,7 +4013,7 @@
             <a:fld id="{B01D9778-10B4-40FB-B4E4-44FA89A86639}" type="slidenum">
               <a:rPr lang="en-US" smtClean="0"/>
               <a:pPr/>
-              <a:t>7</a:t>
+              <a:t>10</a:t>
             </a:fld>
             <a:endParaRPr lang="en-US"/>
           </a:p>
@@ -5137,6 +4092,2996 @@
 </p:sld>
 </file>
 
+<file path=ppt/slides/slide11.xml><?xml version="1.0" encoding="utf-8"?>
+<p:sld xmlns:a="http://schemas.openxmlformats.org/drawingml/2006/main" xmlns:r="http://schemas.openxmlformats.org/officeDocument/2006/relationships" xmlns:p="http://schemas.openxmlformats.org/presentationml/2006/main">
+  <p:cSld>
+    <p:spTree>
+      <p:nvGrpSpPr>
+        <p:cNvPr id="1" name=""/>
+        <p:cNvGrpSpPr/>
+        <p:nvPr/>
+      </p:nvGrpSpPr>
+      <p:grpSpPr>
+        <a:xfrm>
+          <a:off x="0" y="0"/>
+          <a:ext cx="0" cy="0"/>
+          <a:chOff x="0" y="0"/>
+          <a:chExt cx="0" cy="0"/>
+        </a:xfrm>
+      </p:grpSpPr>
+      <p:sp>
+        <p:nvSpPr>
+          <p:cNvPr id="2" name="Title 1">
+            <a:extLst>
+              <a:ext uri="{FF2B5EF4-FFF2-40B4-BE49-F238E27FC236}">
+                <a16:creationId xmlns:a16="http://schemas.microsoft.com/office/drawing/2014/main" id="{A83A3907-5868-491F-80F2-4633FEEAA9C1}"/>
+              </a:ext>
+            </a:extLst>
+          </p:cNvPr>
+          <p:cNvSpPr>
+            <a:spLocks noGrp="1"/>
+          </p:cNvSpPr>
+          <p:nvPr>
+            <p:ph type="title"/>
+          </p:nvPr>
+        </p:nvSpPr>
+        <p:spPr/>
+        <p:txBody>
+          <a:bodyPr>
+            <a:normAutofit/>
+          </a:bodyPr>
+          <a:lstStyle/>
+          <a:p>
+            <a:r>
+              <a:rPr lang="en-US" dirty="0">
+                <a:solidFill>
+                  <a:srgbClr val="002060"/>
+                </a:solidFill>
+              </a:rPr>
+              <a:t>DCN - Results</a:t>
+            </a:r>
+            <a:endParaRPr lang="en-US" dirty="0"/>
+          </a:p>
+        </p:txBody>
+      </p:sp>
+      <p:sp>
+        <p:nvSpPr>
+          <p:cNvPr id="3" name="Content Placeholder 2">
+            <a:extLst>
+              <a:ext uri="{FF2B5EF4-FFF2-40B4-BE49-F238E27FC236}">
+                <a16:creationId xmlns:a16="http://schemas.microsoft.com/office/drawing/2014/main" id="{FD9D945D-90FF-4CB6-99B8-A86B0C6D048D}"/>
+              </a:ext>
+            </a:extLst>
+          </p:cNvPr>
+          <p:cNvSpPr>
+            <a:spLocks noGrp="1"/>
+          </p:cNvSpPr>
+          <p:nvPr>
+            <p:ph idx="1"/>
+          </p:nvPr>
+        </p:nvSpPr>
+        <p:spPr>
+          <a:xfrm>
+            <a:off x="76200" y="1417638"/>
+            <a:ext cx="8610600" cy="4525963"/>
+          </a:xfrm>
+        </p:spPr>
+        <p:txBody>
+          <a:bodyPr>
+            <a:normAutofit/>
+          </a:bodyPr>
+          <a:lstStyle/>
+          <a:p>
+            <a:r>
+              <a:rPr lang="en-US" sz="2400" dirty="0">
+                <a:solidFill>
+                  <a:srgbClr val="002060"/>
+                </a:solidFill>
+              </a:rPr>
+              <a:t>Using these modules, DCN improves the accuracy of </a:t>
+            </a:r>
+            <a:r>
+              <a:rPr lang="en-US" sz="2400" dirty="0" err="1">
+                <a:solidFill>
+                  <a:srgbClr val="002060"/>
+                </a:solidFill>
+              </a:rPr>
+              <a:t>DeepLab</a:t>
+            </a:r>
+            <a:r>
+              <a:rPr lang="en-US" sz="2400" dirty="0">
+                <a:solidFill>
+                  <a:srgbClr val="002060"/>
+                </a:solidFill>
+              </a:rPr>
+              <a:t>, Faster R-CNN, R-FCN, and FPN etc.</a:t>
+            </a:r>
+          </a:p>
+          <a:p>
+            <a:r>
+              <a:rPr lang="en-US" sz="2400" dirty="0">
+                <a:solidFill>
+                  <a:srgbClr val="002060"/>
+                </a:solidFill>
+              </a:rPr>
+              <a:t>Won the 2</a:t>
+            </a:r>
+            <a:r>
+              <a:rPr lang="en-US" sz="2400" baseline="30000" dirty="0">
+                <a:solidFill>
+                  <a:srgbClr val="002060"/>
+                </a:solidFill>
+              </a:rPr>
+              <a:t>nd</a:t>
+            </a:r>
+            <a:r>
+              <a:rPr lang="en-US" sz="2400" dirty="0">
+                <a:solidFill>
+                  <a:srgbClr val="002060"/>
+                </a:solidFill>
+              </a:rPr>
+              <a:t> Runner Up in COCO Detection Challenge and 3</a:t>
+            </a:r>
+            <a:r>
+              <a:rPr lang="en-US" sz="2400" baseline="30000" dirty="0">
+                <a:solidFill>
+                  <a:srgbClr val="002060"/>
+                </a:solidFill>
+              </a:rPr>
+              <a:t>rd</a:t>
+            </a:r>
+            <a:r>
+              <a:rPr lang="en-US" sz="2400" dirty="0">
+                <a:solidFill>
+                  <a:srgbClr val="002060"/>
+                </a:solidFill>
+              </a:rPr>
+              <a:t> Runner Up in Segmentation Challenge</a:t>
+            </a:r>
+          </a:p>
+        </p:txBody>
+      </p:sp>
+      <p:sp>
+        <p:nvSpPr>
+          <p:cNvPr id="4" name="Slide Number Placeholder 3">
+            <a:extLst>
+              <a:ext uri="{FF2B5EF4-FFF2-40B4-BE49-F238E27FC236}">
+                <a16:creationId xmlns:a16="http://schemas.microsoft.com/office/drawing/2014/main" id="{6ED004E6-B912-45E4-A456-29799468E102}"/>
+              </a:ext>
+            </a:extLst>
+          </p:cNvPr>
+          <p:cNvSpPr>
+            <a:spLocks noGrp="1"/>
+          </p:cNvSpPr>
+          <p:nvPr>
+            <p:ph type="sldNum" sz="quarter" idx="12"/>
+          </p:nvPr>
+        </p:nvSpPr>
+        <p:spPr/>
+        <p:txBody>
+          <a:bodyPr/>
+          <a:lstStyle/>
+          <a:p>
+            <a:fld id="{B01D9778-10B4-40FB-B4E4-44FA89A86639}" type="slidenum">
+              <a:rPr lang="en-US" smtClean="0"/>
+              <a:pPr/>
+              <a:t>11</a:t>
+            </a:fld>
+            <a:endParaRPr lang="en-US"/>
+          </a:p>
+        </p:txBody>
+      </p:sp>
+      <p:pic>
+        <p:nvPicPr>
+          <p:cNvPr id="8" name="Picture 7" descr="A screenshot of a cell phone&#10;&#10;Description automatically generated">
+            <a:extLst>
+              <a:ext uri="{FF2B5EF4-FFF2-40B4-BE49-F238E27FC236}">
+                <a16:creationId xmlns:a16="http://schemas.microsoft.com/office/drawing/2014/main" id="{792BAEE2-1C09-4F45-81F1-85124DEEFF3C}"/>
+              </a:ext>
+            </a:extLst>
+          </p:cNvPr>
+          <p:cNvPicPr>
+            <a:picLocks noChangeAspect="1"/>
+          </p:cNvPicPr>
+          <p:nvPr/>
+        </p:nvPicPr>
+        <p:blipFill rotWithShape="1">
+          <a:blip r:embed="rId3">
+            <a:clrChange>
+              <a:clrFrom>
+                <a:srgbClr val="FFFFFF"/>
+              </a:clrFrom>
+              <a:clrTo>
+                <a:srgbClr val="FFFFFF">
+                  <a:alpha val="0"/>
+                </a:srgbClr>
+              </a:clrTo>
+            </a:clrChange>
+            <a:extLst>
+              <a:ext uri="{28A0092B-C50C-407E-A947-70E740481C1C}">
+                <a14:useLocalDpi xmlns:a14="http://schemas.microsoft.com/office/drawing/2010/main" val="0"/>
+              </a:ext>
+            </a:extLst>
+          </a:blip>
+          <a:srcRect t="7407" b="12963"/>
+          <a:stretch/>
+        </p:blipFill>
+        <p:spPr>
+          <a:xfrm>
+            <a:off x="792459" y="3097508"/>
+            <a:ext cx="7559081" cy="3611562"/>
+          </a:xfrm>
+          <a:prstGeom prst="rect">
+            <a:avLst/>
+          </a:prstGeom>
+        </p:spPr>
+      </p:pic>
+    </p:spTree>
+    <p:extLst>
+      <p:ext uri="{BB962C8B-B14F-4D97-AF65-F5344CB8AC3E}">
+        <p14:creationId xmlns:p14="http://schemas.microsoft.com/office/powerpoint/2010/main" val="2941656986"/>
+      </p:ext>
+    </p:extLst>
+  </p:cSld>
+  <p:clrMapOvr>
+    <a:masterClrMapping/>
+  </p:clrMapOvr>
+</p:sld>
+</file>
+
+<file path=ppt/slides/slide12.xml><?xml version="1.0" encoding="utf-8"?>
+<p:sld xmlns:a="http://schemas.openxmlformats.org/drawingml/2006/main" xmlns:r="http://schemas.openxmlformats.org/officeDocument/2006/relationships" xmlns:p="http://schemas.openxmlformats.org/presentationml/2006/main">
+  <p:cSld>
+    <p:spTree>
+      <p:nvGrpSpPr>
+        <p:cNvPr id="1" name=""/>
+        <p:cNvGrpSpPr/>
+        <p:nvPr/>
+      </p:nvGrpSpPr>
+      <p:grpSpPr>
+        <a:xfrm>
+          <a:off x="0" y="0"/>
+          <a:ext cx="0" cy="0"/>
+          <a:chOff x="0" y="0"/>
+          <a:chExt cx="0" cy="0"/>
+        </a:xfrm>
+      </p:grpSpPr>
+      <p:sp>
+        <p:nvSpPr>
+          <p:cNvPr id="2" name="Title 1"/>
+          <p:cNvSpPr>
+            <a:spLocks noGrp="1"/>
+          </p:cNvSpPr>
+          <p:nvPr>
+            <p:ph type="title"/>
+          </p:nvPr>
+        </p:nvSpPr>
+        <p:spPr/>
+        <p:txBody>
+          <a:bodyPr/>
+          <a:lstStyle/>
+          <a:p>
+            <a:r>
+              <a:rPr lang="en-US" dirty="0">
+                <a:solidFill>
+                  <a:srgbClr val="002060"/>
+                </a:solidFill>
+              </a:rPr>
+              <a:t>Chosen Solution</a:t>
+            </a:r>
+            <a:endParaRPr lang="he-IL" dirty="0">
+              <a:solidFill>
+                <a:srgbClr val="002060"/>
+              </a:solidFill>
+            </a:endParaRPr>
+          </a:p>
+        </p:txBody>
+      </p:sp>
+      <p:sp>
+        <p:nvSpPr>
+          <p:cNvPr id="3" name="Content Placeholder 2"/>
+          <p:cNvSpPr>
+            <a:spLocks noGrp="1"/>
+          </p:cNvSpPr>
+          <p:nvPr>
+            <p:ph idx="1"/>
+          </p:nvPr>
+        </p:nvSpPr>
+        <p:spPr/>
+        <p:txBody>
+          <a:bodyPr>
+            <a:normAutofit/>
+          </a:bodyPr>
+          <a:lstStyle/>
+          <a:p>
+            <a:r>
+              <a:rPr lang="en-US" dirty="0">
+                <a:solidFill>
+                  <a:srgbClr val="002060"/>
+                </a:solidFill>
+              </a:rPr>
+              <a:t>Exploit DCN advantages for improved Pneumonia detection </a:t>
+            </a:r>
+          </a:p>
+          <a:p>
+            <a:r>
+              <a:rPr lang="en-US" dirty="0">
+                <a:solidFill>
+                  <a:srgbClr val="002060"/>
+                </a:solidFill>
+              </a:rPr>
+              <a:t>Integrate into known architectures such as </a:t>
+            </a:r>
+            <a:r>
+              <a:rPr lang="en-US" dirty="0" err="1">
+                <a:solidFill>
+                  <a:srgbClr val="002060"/>
+                </a:solidFill>
+              </a:rPr>
+              <a:t>AlexNet</a:t>
+            </a:r>
+            <a:r>
+              <a:rPr lang="en-US" dirty="0">
+                <a:solidFill>
+                  <a:srgbClr val="002060"/>
+                </a:solidFill>
+              </a:rPr>
+              <a:t>, </a:t>
+            </a:r>
+            <a:r>
+              <a:rPr lang="en-US" dirty="0" err="1">
+                <a:solidFill>
+                  <a:srgbClr val="002060"/>
+                </a:solidFill>
+              </a:rPr>
+              <a:t>ResNet</a:t>
+            </a:r>
+            <a:r>
+              <a:rPr lang="en-US" dirty="0">
+                <a:solidFill>
+                  <a:srgbClr val="002060"/>
+                </a:solidFill>
+              </a:rPr>
+              <a:t>, </a:t>
+            </a:r>
+            <a:r>
+              <a:rPr lang="en-US" dirty="0" err="1">
+                <a:solidFill>
+                  <a:srgbClr val="002060"/>
+                </a:solidFill>
+              </a:rPr>
+              <a:t>DenseNet</a:t>
+            </a:r>
+            <a:endParaRPr lang="en-US" dirty="0">
+              <a:solidFill>
+                <a:srgbClr val="002060"/>
+              </a:solidFill>
+            </a:endParaRPr>
+          </a:p>
+          <a:p>
+            <a:r>
+              <a:rPr lang="en-US" dirty="0">
+                <a:solidFill>
+                  <a:srgbClr val="002060"/>
+                </a:solidFill>
+              </a:rPr>
+              <a:t>Use on datasets such as Kaggle, CheXpert and more</a:t>
+            </a:r>
+            <a:endParaRPr lang="he-IL" dirty="0">
+              <a:solidFill>
+                <a:srgbClr val="002060"/>
+              </a:solidFill>
+            </a:endParaRPr>
+          </a:p>
+        </p:txBody>
+      </p:sp>
+      <p:sp>
+        <p:nvSpPr>
+          <p:cNvPr id="5" name="Slide Number Placeholder 4"/>
+          <p:cNvSpPr>
+            <a:spLocks noGrp="1"/>
+          </p:cNvSpPr>
+          <p:nvPr>
+            <p:ph type="sldNum" sz="quarter" idx="12"/>
+          </p:nvPr>
+        </p:nvSpPr>
+        <p:spPr/>
+        <p:txBody>
+          <a:bodyPr/>
+          <a:lstStyle/>
+          <a:p>
+            <a:fld id="{B01D9778-10B4-40FB-B4E4-44FA89A86639}" type="slidenum">
+              <a:rPr lang="en-US" smtClean="0"/>
+              <a:pPr/>
+              <a:t>12</a:t>
+            </a:fld>
+            <a:endParaRPr lang="en-US"/>
+          </a:p>
+        </p:txBody>
+      </p:sp>
+    </p:spTree>
+    <p:extLst>
+      <p:ext uri="{BB962C8B-B14F-4D97-AF65-F5344CB8AC3E}">
+        <p14:creationId xmlns:p14="http://schemas.microsoft.com/office/powerpoint/2010/main" val="3476935719"/>
+      </p:ext>
+    </p:extLst>
+  </p:cSld>
+  <p:clrMapOvr>
+    <a:masterClrMapping/>
+  </p:clrMapOvr>
+</p:sld>
+</file>
+
+<file path=ppt/slides/slide13.xml><?xml version="1.0" encoding="utf-8"?>
+<p:sld xmlns:a="http://schemas.openxmlformats.org/drawingml/2006/main" xmlns:r="http://schemas.openxmlformats.org/officeDocument/2006/relationships" xmlns:p="http://schemas.openxmlformats.org/presentationml/2006/main">
+  <p:cSld>
+    <p:spTree>
+      <p:nvGrpSpPr>
+        <p:cNvPr id="1" name=""/>
+        <p:cNvGrpSpPr/>
+        <p:nvPr/>
+      </p:nvGrpSpPr>
+      <p:grpSpPr>
+        <a:xfrm>
+          <a:off x="0" y="0"/>
+          <a:ext cx="0" cy="0"/>
+          <a:chOff x="0" y="0"/>
+          <a:chExt cx="0" cy="0"/>
+        </a:xfrm>
+      </p:grpSpPr>
+      <p:pic>
+        <p:nvPicPr>
+          <p:cNvPr id="15" name="Picture 14">
+            <a:extLst>
+              <a:ext uri="{FF2B5EF4-FFF2-40B4-BE49-F238E27FC236}">
+                <a16:creationId xmlns:a16="http://schemas.microsoft.com/office/drawing/2014/main" id="{FC8791CC-3CAE-4AD9-803C-FDBFAE271FEE}"/>
+              </a:ext>
+            </a:extLst>
+          </p:cNvPr>
+          <p:cNvPicPr>
+            <a:picLocks noChangeAspect="1"/>
+          </p:cNvPicPr>
+          <p:nvPr/>
+        </p:nvPicPr>
+        <p:blipFill>
+          <a:blip r:embed="rId3">
+            <a:extLst>
+              <a:ext uri="{28A0092B-C50C-407E-A947-70E740481C1C}">
+                <a14:useLocalDpi xmlns:a14="http://schemas.microsoft.com/office/drawing/2010/main" val="0"/>
+              </a:ext>
+            </a:extLst>
+          </a:blip>
+          <a:stretch>
+            <a:fillRect/>
+          </a:stretch>
+        </p:blipFill>
+        <p:spPr>
+          <a:xfrm>
+            <a:off x="1524000" y="1524000"/>
+            <a:ext cx="6172200" cy="4627746"/>
+          </a:xfrm>
+          <a:prstGeom prst="rect">
+            <a:avLst/>
+          </a:prstGeom>
+        </p:spPr>
+      </p:pic>
+      <p:sp>
+        <p:nvSpPr>
+          <p:cNvPr id="2" name="Title 1">
+            <a:extLst>
+              <a:ext uri="{FF2B5EF4-FFF2-40B4-BE49-F238E27FC236}">
+                <a16:creationId xmlns:a16="http://schemas.microsoft.com/office/drawing/2014/main" id="{072BFC67-0ABA-4C2A-9348-DDE1FD832A87}"/>
+              </a:ext>
+            </a:extLst>
+          </p:cNvPr>
+          <p:cNvSpPr>
+            <a:spLocks noGrp="1"/>
+          </p:cNvSpPr>
+          <p:nvPr>
+            <p:ph type="title"/>
+          </p:nvPr>
+        </p:nvSpPr>
+        <p:spPr/>
+        <p:txBody>
+          <a:bodyPr>
+            <a:normAutofit/>
+          </a:bodyPr>
+          <a:lstStyle/>
+          <a:p>
+            <a:r>
+              <a:rPr lang="en-US" dirty="0">
+                <a:solidFill>
+                  <a:srgbClr val="002060"/>
+                </a:solidFill>
+                <a:latin typeface="+mn-lt"/>
+                <a:ea typeface="+mn-ea"/>
+                <a:cs typeface="+mn-cs"/>
+              </a:rPr>
+              <a:t>Chosen Solution – cont.</a:t>
+            </a:r>
+          </a:p>
+        </p:txBody>
+      </p:sp>
+      <p:sp>
+        <p:nvSpPr>
+          <p:cNvPr id="4" name="Slide Number Placeholder 3">
+            <a:extLst>
+              <a:ext uri="{FF2B5EF4-FFF2-40B4-BE49-F238E27FC236}">
+                <a16:creationId xmlns:a16="http://schemas.microsoft.com/office/drawing/2014/main" id="{41ABE3FC-5867-43E7-B8D5-250FBE489996}"/>
+              </a:ext>
+            </a:extLst>
+          </p:cNvPr>
+          <p:cNvSpPr>
+            <a:spLocks noGrp="1"/>
+          </p:cNvSpPr>
+          <p:nvPr>
+            <p:ph type="sldNum" sz="quarter" idx="12"/>
+          </p:nvPr>
+        </p:nvSpPr>
+        <p:spPr/>
+        <p:txBody>
+          <a:bodyPr/>
+          <a:lstStyle/>
+          <a:p>
+            <a:fld id="{B01D9778-10B4-40FB-B4E4-44FA89A86639}" type="slidenum">
+              <a:rPr lang="en-US" smtClean="0"/>
+              <a:pPr/>
+              <a:t>13</a:t>
+            </a:fld>
+            <a:endParaRPr lang="en-US"/>
+          </a:p>
+        </p:txBody>
+      </p:sp>
+      <p:sp>
+        <p:nvSpPr>
+          <p:cNvPr id="16" name="Rectangle: Rounded Corners 15">
+            <a:extLst>
+              <a:ext uri="{FF2B5EF4-FFF2-40B4-BE49-F238E27FC236}">
+                <a16:creationId xmlns:a16="http://schemas.microsoft.com/office/drawing/2014/main" id="{F6C1180A-00F4-4885-A02F-F67B09948AC3}"/>
+              </a:ext>
+            </a:extLst>
+          </p:cNvPr>
+          <p:cNvSpPr/>
+          <p:nvPr/>
+        </p:nvSpPr>
+        <p:spPr>
+          <a:xfrm>
+            <a:off x="3255334" y="3405965"/>
+            <a:ext cx="2895600" cy="381000"/>
+          </a:xfrm>
+          <a:prstGeom prst="roundRect">
+            <a:avLst/>
+          </a:prstGeom>
+          <a:noFill/>
+          <a:ln w="57150">
+            <a:solidFill>
+              <a:srgbClr val="FF0000"/>
+            </a:solidFill>
+          </a:ln>
+        </p:spPr>
+        <p:style>
+          <a:lnRef idx="2">
+            <a:schemeClr val="accent1">
+              <a:shade val="50000"/>
+            </a:schemeClr>
+          </a:lnRef>
+          <a:fillRef idx="1">
+            <a:schemeClr val="accent1"/>
+          </a:fillRef>
+          <a:effectRef idx="0">
+            <a:schemeClr val="accent1"/>
+          </a:effectRef>
+          <a:fontRef idx="minor">
+            <a:schemeClr val="lt1"/>
+          </a:fontRef>
+        </p:style>
+        <p:txBody>
+          <a:bodyPr rtlCol="0" anchor="ctr"/>
+          <a:lstStyle/>
+          <a:p>
+            <a:pPr algn="ctr"/>
+            <a:endParaRPr lang="en-US"/>
+          </a:p>
+        </p:txBody>
+      </p:sp>
+      <p:sp>
+        <p:nvSpPr>
+          <p:cNvPr id="17" name="Rectangle: Rounded Corners 16">
+            <a:extLst>
+              <a:ext uri="{FF2B5EF4-FFF2-40B4-BE49-F238E27FC236}">
+                <a16:creationId xmlns:a16="http://schemas.microsoft.com/office/drawing/2014/main" id="{4D049F24-FCB2-4989-8E83-94485694C83C}"/>
+              </a:ext>
+            </a:extLst>
+          </p:cNvPr>
+          <p:cNvSpPr/>
+          <p:nvPr/>
+        </p:nvSpPr>
+        <p:spPr>
+          <a:xfrm>
+            <a:off x="3255334" y="4377068"/>
+            <a:ext cx="2895600" cy="381000"/>
+          </a:xfrm>
+          <a:prstGeom prst="roundRect">
+            <a:avLst/>
+          </a:prstGeom>
+          <a:noFill/>
+          <a:ln w="57150">
+            <a:solidFill>
+              <a:srgbClr val="FF0000"/>
+            </a:solidFill>
+          </a:ln>
+        </p:spPr>
+        <p:style>
+          <a:lnRef idx="2">
+            <a:schemeClr val="accent1">
+              <a:shade val="50000"/>
+            </a:schemeClr>
+          </a:lnRef>
+          <a:fillRef idx="1">
+            <a:schemeClr val="accent1"/>
+          </a:fillRef>
+          <a:effectRef idx="0">
+            <a:schemeClr val="accent1"/>
+          </a:effectRef>
+          <a:fontRef idx="minor">
+            <a:schemeClr val="lt1"/>
+          </a:fontRef>
+        </p:style>
+        <p:txBody>
+          <a:bodyPr rtlCol="0" anchor="ctr"/>
+          <a:lstStyle/>
+          <a:p>
+            <a:pPr algn="ctr"/>
+            <a:endParaRPr lang="en-US"/>
+          </a:p>
+        </p:txBody>
+      </p:sp>
+    </p:spTree>
+    <p:extLst>
+      <p:ext uri="{BB962C8B-B14F-4D97-AF65-F5344CB8AC3E}">
+        <p14:creationId xmlns:p14="http://schemas.microsoft.com/office/powerpoint/2010/main" val="3290113456"/>
+      </p:ext>
+    </p:extLst>
+  </p:cSld>
+  <p:clrMapOvr>
+    <a:masterClrMapping/>
+  </p:clrMapOvr>
+  <p:timing>
+    <p:tnLst>
+      <p:par>
+        <p:cTn id="1" dur="indefinite" restart="never" nodeType="tmRoot">
+          <p:childTnLst>
+            <p:seq concurrent="1" nextAc="seek">
+              <p:cTn id="2" dur="indefinite" nodeType="mainSeq">
+                <p:childTnLst>
+                  <p:par>
+                    <p:cTn id="3" fill="hold">
+                      <p:stCondLst>
+                        <p:cond delay="indefinite"/>
+                      </p:stCondLst>
+                      <p:childTnLst>
+                        <p:par>
+                          <p:cTn id="4" fill="hold">
+                            <p:stCondLst>
+                              <p:cond delay="0"/>
+                            </p:stCondLst>
+                            <p:childTnLst>
+                              <p:par>
+                                <p:cTn id="5" presetID="12" presetClass="entr" presetSubtype="8" fill="hold" grpId="0" nodeType="clickEffect">
+                                  <p:stCondLst>
+                                    <p:cond delay="0"/>
+                                  </p:stCondLst>
+                                  <p:childTnLst>
+                                    <p:set>
+                                      <p:cBhvr>
+                                        <p:cTn id="6" dur="1" fill="hold">
+                                          <p:stCondLst>
+                                            <p:cond delay="0"/>
+                                          </p:stCondLst>
+                                        </p:cTn>
+                                        <p:tgtEl>
+                                          <p:spTgt spid="17"/>
+                                        </p:tgtEl>
+                                        <p:attrNameLst>
+                                          <p:attrName>style.visibility</p:attrName>
+                                        </p:attrNameLst>
+                                      </p:cBhvr>
+                                      <p:to>
+                                        <p:strVal val="visible"/>
+                                      </p:to>
+                                    </p:set>
+                                    <p:anim calcmode="lin" valueType="num">
+                                      <p:cBhvr additive="base">
+                                        <p:cTn id="7" dur="500"/>
+                                        <p:tgtEl>
+                                          <p:spTgt spid="17"/>
+                                        </p:tgtEl>
+                                        <p:attrNameLst>
+                                          <p:attrName>ppt_x</p:attrName>
+                                        </p:attrNameLst>
+                                      </p:cBhvr>
+                                      <p:tavLst>
+                                        <p:tav tm="0">
+                                          <p:val>
+                                            <p:strVal val="#ppt_x-#ppt_w*1.125000"/>
+                                          </p:val>
+                                        </p:tav>
+                                        <p:tav tm="100000">
+                                          <p:val>
+                                            <p:strVal val="#ppt_x"/>
+                                          </p:val>
+                                        </p:tav>
+                                      </p:tavLst>
+                                    </p:anim>
+                                    <p:animEffect transition="in" filter="wipe(right)">
+                                      <p:cBhvr>
+                                        <p:cTn id="8" dur="500"/>
+                                        <p:tgtEl>
+                                          <p:spTgt spid="17"/>
+                                        </p:tgtEl>
+                                      </p:cBhvr>
+                                    </p:animEffect>
+                                  </p:childTnLst>
+                                </p:cTn>
+                              </p:par>
+                              <p:par>
+                                <p:cTn id="9" presetID="12" presetClass="entr" presetSubtype="8" fill="hold" grpId="0" nodeType="withEffect">
+                                  <p:stCondLst>
+                                    <p:cond delay="0"/>
+                                  </p:stCondLst>
+                                  <p:childTnLst>
+                                    <p:set>
+                                      <p:cBhvr>
+                                        <p:cTn id="10" dur="1" fill="hold">
+                                          <p:stCondLst>
+                                            <p:cond delay="0"/>
+                                          </p:stCondLst>
+                                        </p:cTn>
+                                        <p:tgtEl>
+                                          <p:spTgt spid="16"/>
+                                        </p:tgtEl>
+                                        <p:attrNameLst>
+                                          <p:attrName>style.visibility</p:attrName>
+                                        </p:attrNameLst>
+                                      </p:cBhvr>
+                                      <p:to>
+                                        <p:strVal val="visible"/>
+                                      </p:to>
+                                    </p:set>
+                                    <p:anim calcmode="lin" valueType="num">
+                                      <p:cBhvr additive="base">
+                                        <p:cTn id="11" dur="500"/>
+                                        <p:tgtEl>
+                                          <p:spTgt spid="16"/>
+                                        </p:tgtEl>
+                                        <p:attrNameLst>
+                                          <p:attrName>ppt_x</p:attrName>
+                                        </p:attrNameLst>
+                                      </p:cBhvr>
+                                      <p:tavLst>
+                                        <p:tav tm="0">
+                                          <p:val>
+                                            <p:strVal val="#ppt_x-#ppt_w*1.125000"/>
+                                          </p:val>
+                                        </p:tav>
+                                        <p:tav tm="100000">
+                                          <p:val>
+                                            <p:strVal val="#ppt_x"/>
+                                          </p:val>
+                                        </p:tav>
+                                      </p:tavLst>
+                                    </p:anim>
+                                    <p:animEffect transition="in" filter="wipe(right)">
+                                      <p:cBhvr>
+                                        <p:cTn id="12" dur="500"/>
+                                        <p:tgtEl>
+                                          <p:spTgt spid="16"/>
+                                        </p:tgtEl>
+                                      </p:cBhvr>
+                                    </p:animEffect>
+                                  </p:childTnLst>
+                                </p:cTn>
+                              </p:par>
+                            </p:childTnLst>
+                          </p:cTn>
+                        </p:par>
+                        <p:par>
+                          <p:cTn id="13" fill="hold">
+                            <p:stCondLst>
+                              <p:cond delay="500"/>
+                            </p:stCondLst>
+                            <p:childTnLst>
+                              <p:par>
+                                <p:cTn id="14" presetID="26" presetClass="emph" presetSubtype="0" fill="hold" grpId="1" nodeType="afterEffect">
+                                  <p:stCondLst>
+                                    <p:cond delay="0"/>
+                                  </p:stCondLst>
+                                  <p:childTnLst>
+                                    <p:animEffect transition="out" filter="fade">
+                                      <p:cBhvr>
+                                        <p:cTn id="15" dur="1000" tmFilter="0, 0; .2, .5; .8, .5; 1, 0"/>
+                                        <p:tgtEl>
+                                          <p:spTgt spid="17"/>
+                                        </p:tgtEl>
+                                      </p:cBhvr>
+                                    </p:animEffect>
+                                    <p:animScale>
+                                      <p:cBhvr>
+                                        <p:cTn id="16" dur="500" autoRev="1" fill="hold"/>
+                                        <p:tgtEl>
+                                          <p:spTgt spid="17"/>
+                                        </p:tgtEl>
+                                      </p:cBhvr>
+                                      <p:by x="105000" y="105000"/>
+                                    </p:animScale>
+                                  </p:childTnLst>
+                                </p:cTn>
+                              </p:par>
+                              <p:par>
+                                <p:cTn id="17" presetID="26" presetClass="emph" presetSubtype="0" fill="hold" grpId="1" nodeType="withEffect">
+                                  <p:stCondLst>
+                                    <p:cond delay="0"/>
+                                  </p:stCondLst>
+                                  <p:childTnLst>
+                                    <p:animEffect transition="out" filter="fade">
+                                      <p:cBhvr>
+                                        <p:cTn id="18" dur="1000" tmFilter="0, 0; .2, .5; .8, .5; 1, 0"/>
+                                        <p:tgtEl>
+                                          <p:spTgt spid="16"/>
+                                        </p:tgtEl>
+                                      </p:cBhvr>
+                                    </p:animEffect>
+                                    <p:animScale>
+                                      <p:cBhvr>
+                                        <p:cTn id="19" dur="500" autoRev="1" fill="hold"/>
+                                        <p:tgtEl>
+                                          <p:spTgt spid="16"/>
+                                        </p:tgtEl>
+                                      </p:cBhvr>
+                                      <p:by x="105000" y="105000"/>
+                                    </p:animScale>
+                                  </p:childTnLst>
+                                </p:cTn>
+                              </p:par>
+                            </p:childTnLst>
+                          </p:cTn>
+                        </p:par>
+                      </p:childTnLst>
+                    </p:cTn>
+                  </p:par>
+                </p:childTnLst>
+              </p:cTn>
+              <p:prevCondLst>
+                <p:cond evt="onPrev" delay="0">
+                  <p:tgtEl>
+                    <p:sldTgt/>
+                  </p:tgtEl>
+                </p:cond>
+              </p:prevCondLst>
+              <p:nextCondLst>
+                <p:cond evt="onNext" delay="0">
+                  <p:tgtEl>
+                    <p:sldTgt/>
+                  </p:tgtEl>
+                </p:cond>
+              </p:nextCondLst>
+            </p:seq>
+          </p:childTnLst>
+        </p:cTn>
+      </p:par>
+    </p:tnLst>
+    <p:bldLst>
+      <p:bldP spid="16" grpId="0" animBg="1"/>
+      <p:bldP spid="16" grpId="1" animBg="1"/>
+      <p:bldP spid="17" grpId="0" animBg="1"/>
+      <p:bldP spid="17" grpId="1" animBg="1"/>
+    </p:bldLst>
+  </p:timing>
+</p:sld>
+</file>
+
+<file path=ppt/slides/slide14.xml><?xml version="1.0" encoding="utf-8"?>
+<p:sld xmlns:a="http://schemas.openxmlformats.org/drawingml/2006/main" xmlns:r="http://schemas.openxmlformats.org/officeDocument/2006/relationships" xmlns:p="http://schemas.openxmlformats.org/presentationml/2006/main">
+  <p:cSld>
+    <p:spTree>
+      <p:nvGrpSpPr>
+        <p:cNvPr id="1" name=""/>
+        <p:cNvGrpSpPr/>
+        <p:nvPr/>
+      </p:nvGrpSpPr>
+      <p:grpSpPr>
+        <a:xfrm>
+          <a:off x="0" y="0"/>
+          <a:ext cx="0" cy="0"/>
+          <a:chOff x="0" y="0"/>
+          <a:chExt cx="0" cy="0"/>
+        </a:xfrm>
+      </p:grpSpPr>
+      <p:sp>
+        <p:nvSpPr>
+          <p:cNvPr id="2" name="Title 1">
+            <a:extLst>
+              <a:ext uri="{FF2B5EF4-FFF2-40B4-BE49-F238E27FC236}">
+                <a16:creationId xmlns:a16="http://schemas.microsoft.com/office/drawing/2014/main" id="{F855575A-6F82-4184-B808-CE9390C5E46A}"/>
+              </a:ext>
+            </a:extLst>
+          </p:cNvPr>
+          <p:cNvSpPr>
+            <a:spLocks noGrp="1"/>
+          </p:cNvSpPr>
+          <p:nvPr>
+            <p:ph type="title"/>
+          </p:nvPr>
+        </p:nvSpPr>
+        <p:spPr/>
+        <p:txBody>
+          <a:bodyPr/>
+          <a:lstStyle/>
+          <a:p>
+            <a:r>
+              <a:rPr lang="en-US" dirty="0">
+                <a:solidFill>
+                  <a:srgbClr val="002060"/>
+                </a:solidFill>
+              </a:rPr>
+              <a:t>Chosen Solution – cont.</a:t>
+            </a:r>
+            <a:endParaRPr lang="en-US" dirty="0"/>
+          </a:p>
+        </p:txBody>
+      </p:sp>
+      <p:pic>
+        <p:nvPicPr>
+          <p:cNvPr id="6" name="Content Placeholder 5">
+            <a:extLst>
+              <a:ext uri="{FF2B5EF4-FFF2-40B4-BE49-F238E27FC236}">
+                <a16:creationId xmlns:a16="http://schemas.microsoft.com/office/drawing/2014/main" id="{5F1E7EFB-8F1E-4016-AF83-43E11800D3C9}"/>
+              </a:ext>
+            </a:extLst>
+          </p:cNvPr>
+          <p:cNvPicPr>
+            <a:picLocks noGrp="1" noChangeAspect="1"/>
+          </p:cNvPicPr>
+          <p:nvPr>
+            <p:ph idx="1"/>
+          </p:nvPr>
+        </p:nvPicPr>
+        <p:blipFill>
+          <a:blip r:embed="rId3" cstate="print">
+            <a:extLst>
+              <a:ext uri="{28A0092B-C50C-407E-A947-70E740481C1C}">
+                <a14:useLocalDpi xmlns:a14="http://schemas.microsoft.com/office/drawing/2010/main" val="0"/>
+              </a:ext>
+            </a:extLst>
+          </a:blip>
+          <a:stretch>
+            <a:fillRect/>
+          </a:stretch>
+        </p:blipFill>
+        <p:spPr>
+          <a:xfrm>
+            <a:off x="4579089" y="2209800"/>
+            <a:ext cx="4339200" cy="2438400"/>
+          </a:xfrm>
+        </p:spPr>
+      </p:pic>
+      <p:sp>
+        <p:nvSpPr>
+          <p:cNvPr id="4" name="Slide Number Placeholder 3">
+            <a:extLst>
+              <a:ext uri="{FF2B5EF4-FFF2-40B4-BE49-F238E27FC236}">
+                <a16:creationId xmlns:a16="http://schemas.microsoft.com/office/drawing/2014/main" id="{730F4767-693F-46E5-99A9-3EA78FEED796}"/>
+              </a:ext>
+            </a:extLst>
+          </p:cNvPr>
+          <p:cNvSpPr>
+            <a:spLocks noGrp="1"/>
+          </p:cNvSpPr>
+          <p:nvPr>
+            <p:ph type="sldNum" sz="quarter" idx="12"/>
+          </p:nvPr>
+        </p:nvSpPr>
+        <p:spPr/>
+        <p:txBody>
+          <a:bodyPr/>
+          <a:lstStyle/>
+          <a:p>
+            <a:fld id="{B01D9778-10B4-40FB-B4E4-44FA89A86639}" type="slidenum">
+              <a:rPr lang="en-US" smtClean="0"/>
+              <a:pPr/>
+              <a:t>14</a:t>
+            </a:fld>
+            <a:endParaRPr lang="en-US"/>
+          </a:p>
+        </p:txBody>
+      </p:sp>
+      <p:sp>
+        <p:nvSpPr>
+          <p:cNvPr id="7" name="TextBox 6">
+            <a:extLst>
+              <a:ext uri="{FF2B5EF4-FFF2-40B4-BE49-F238E27FC236}">
+                <a16:creationId xmlns:a16="http://schemas.microsoft.com/office/drawing/2014/main" id="{50DE3D12-2974-4FFD-842A-7D7604F00BDC}"/>
+              </a:ext>
+            </a:extLst>
+          </p:cNvPr>
+          <p:cNvSpPr txBox="1"/>
+          <p:nvPr/>
+        </p:nvSpPr>
+        <p:spPr>
+          <a:xfrm>
+            <a:off x="689343" y="2459504"/>
+            <a:ext cx="3802913" cy="1938992"/>
+          </a:xfrm>
+          <a:prstGeom prst="rect">
+            <a:avLst/>
+          </a:prstGeom>
+          <a:noFill/>
+        </p:spPr>
+        <p:txBody>
+          <a:bodyPr wrap="square" rtlCol="0">
+            <a:spAutoFit/>
+          </a:bodyPr>
+          <a:lstStyle/>
+          <a:p>
+            <a:pPr marL="342900" indent="-342900">
+              <a:buFont typeface="Arial" panose="020B0604020202020204" pitchFamily="34" charset="0"/>
+              <a:buChar char="•"/>
+            </a:pPr>
+            <a:r>
+              <a:rPr lang="en-US" sz="2400" dirty="0">
+                <a:solidFill>
+                  <a:srgbClr val="002060"/>
+                </a:solidFill>
+              </a:rPr>
+              <a:t>Each weight layer is a convolution layer</a:t>
+            </a:r>
+          </a:p>
+          <a:p>
+            <a:endParaRPr lang="en-US" sz="2400" dirty="0">
+              <a:solidFill>
+                <a:srgbClr val="002060"/>
+              </a:solidFill>
+            </a:endParaRPr>
+          </a:p>
+          <a:p>
+            <a:pPr marL="342900" indent="-342900">
+              <a:buFont typeface="Arial" panose="020B0604020202020204" pitchFamily="34" charset="0"/>
+              <a:buChar char="•"/>
+            </a:pPr>
+            <a:r>
+              <a:rPr lang="en-US" sz="2400" dirty="0">
+                <a:solidFill>
+                  <a:srgbClr val="002060"/>
+                </a:solidFill>
+              </a:rPr>
+              <a:t>Implement using DCN</a:t>
+            </a:r>
+          </a:p>
+          <a:p>
+            <a:endParaRPr lang="en-US" sz="2400" dirty="0">
+              <a:solidFill>
+                <a:srgbClr val="002060"/>
+              </a:solidFill>
+            </a:endParaRPr>
+          </a:p>
+        </p:txBody>
+      </p:sp>
+    </p:spTree>
+    <p:extLst>
+      <p:ext uri="{BB962C8B-B14F-4D97-AF65-F5344CB8AC3E}">
+        <p14:creationId xmlns:p14="http://schemas.microsoft.com/office/powerpoint/2010/main" val="321506964"/>
+      </p:ext>
+    </p:extLst>
+  </p:cSld>
+  <p:clrMapOvr>
+    <a:masterClrMapping/>
+  </p:clrMapOvr>
+</p:sld>
+</file>
+
+<file path=ppt/slides/slide15.xml><?xml version="1.0" encoding="utf-8"?>
+<p:sld xmlns:a="http://schemas.openxmlformats.org/drawingml/2006/main" xmlns:r="http://schemas.openxmlformats.org/officeDocument/2006/relationships" xmlns:p="http://schemas.openxmlformats.org/presentationml/2006/main">
+  <p:cSld>
+    <p:spTree>
+      <p:nvGrpSpPr>
+        <p:cNvPr id="1" name=""/>
+        <p:cNvGrpSpPr/>
+        <p:nvPr/>
+      </p:nvGrpSpPr>
+      <p:grpSpPr>
+        <a:xfrm>
+          <a:off x="0" y="0"/>
+          <a:ext cx="0" cy="0"/>
+          <a:chOff x="0" y="0"/>
+          <a:chExt cx="0" cy="0"/>
+        </a:xfrm>
+      </p:grpSpPr>
+      <p:sp>
+        <p:nvSpPr>
+          <p:cNvPr id="2" name="Title 1"/>
+          <p:cNvSpPr>
+            <a:spLocks noGrp="1"/>
+          </p:cNvSpPr>
+          <p:nvPr>
+            <p:ph type="title"/>
+          </p:nvPr>
+        </p:nvSpPr>
+        <p:spPr/>
+        <p:txBody>
+          <a:bodyPr/>
+          <a:lstStyle/>
+          <a:p>
+            <a:r>
+              <a:rPr lang="en-US" dirty="0">
+                <a:solidFill>
+                  <a:srgbClr val="002060"/>
+                </a:solidFill>
+              </a:rPr>
+              <a:t>Intermediate Results</a:t>
+            </a:r>
+            <a:endParaRPr lang="he-IL" dirty="0">
+              <a:solidFill>
+                <a:srgbClr val="002060"/>
+              </a:solidFill>
+            </a:endParaRPr>
+          </a:p>
+        </p:txBody>
+      </p:sp>
+      <p:sp>
+        <p:nvSpPr>
+          <p:cNvPr id="3" name="Content Placeholder 2"/>
+          <p:cNvSpPr>
+            <a:spLocks noGrp="1"/>
+          </p:cNvSpPr>
+          <p:nvPr>
+            <p:ph idx="1"/>
+          </p:nvPr>
+        </p:nvSpPr>
+        <p:spPr/>
+        <p:txBody>
+          <a:bodyPr>
+            <a:normAutofit/>
+          </a:bodyPr>
+          <a:lstStyle/>
+          <a:p>
+            <a:r>
+              <a:rPr lang="en-US" dirty="0">
+                <a:solidFill>
+                  <a:srgbClr val="002060"/>
+                </a:solidFill>
+              </a:rPr>
+              <a:t>Acquired datasets - </a:t>
+            </a:r>
+            <a:r>
+              <a:rPr lang="en-US" i="1" dirty="0">
+                <a:solidFill>
+                  <a:srgbClr val="002060"/>
+                </a:solidFill>
+              </a:rPr>
+              <a:t>Kaggle RSNA Challenge</a:t>
+            </a:r>
+            <a:r>
+              <a:rPr lang="en-US" dirty="0">
+                <a:solidFill>
+                  <a:srgbClr val="002060"/>
+                </a:solidFill>
+              </a:rPr>
+              <a:t>, </a:t>
+            </a:r>
+            <a:r>
+              <a:rPr lang="en-US" i="1" dirty="0">
+                <a:solidFill>
+                  <a:srgbClr val="002060"/>
+                </a:solidFill>
+              </a:rPr>
+              <a:t>Kaggle Pneumonia</a:t>
+            </a:r>
+            <a:r>
+              <a:rPr lang="en-US" dirty="0">
+                <a:solidFill>
+                  <a:srgbClr val="002060"/>
+                </a:solidFill>
+              </a:rPr>
+              <a:t>, </a:t>
+            </a:r>
+            <a:r>
+              <a:rPr lang="en-US" i="1" dirty="0">
+                <a:solidFill>
+                  <a:srgbClr val="002060"/>
+                </a:solidFill>
+              </a:rPr>
+              <a:t>CheXpert</a:t>
+            </a:r>
+          </a:p>
+          <a:p>
+            <a:r>
+              <a:rPr lang="en-US" dirty="0">
+                <a:solidFill>
+                  <a:srgbClr val="002060"/>
+                </a:solidFill>
+              </a:rPr>
+              <a:t>Trained known architectures on </a:t>
+            </a:r>
+            <a:r>
+              <a:rPr lang="en-US" i="1" dirty="0">
+                <a:solidFill>
+                  <a:srgbClr val="002060"/>
+                </a:solidFill>
+              </a:rPr>
+              <a:t>Kaggle Pneumonia</a:t>
+            </a:r>
+            <a:r>
+              <a:rPr lang="en-US" dirty="0">
+                <a:solidFill>
+                  <a:srgbClr val="002060"/>
+                </a:solidFill>
+              </a:rPr>
+              <a:t> dataset</a:t>
+            </a:r>
+          </a:p>
+          <a:p>
+            <a:pPr lvl="1"/>
+            <a:r>
+              <a:rPr lang="en-US" dirty="0" err="1">
+                <a:solidFill>
+                  <a:srgbClr val="002060"/>
+                </a:solidFill>
+              </a:rPr>
+              <a:t>AlexNet</a:t>
+            </a:r>
+            <a:r>
+              <a:rPr lang="en-US" dirty="0">
+                <a:solidFill>
+                  <a:srgbClr val="002060"/>
+                </a:solidFill>
+              </a:rPr>
+              <a:t>, </a:t>
+            </a:r>
+            <a:r>
+              <a:rPr lang="en-US" dirty="0" err="1">
+                <a:solidFill>
+                  <a:srgbClr val="002060"/>
+                </a:solidFill>
+              </a:rPr>
+              <a:t>ResNet</a:t>
+            </a:r>
+            <a:r>
+              <a:rPr lang="en-US" dirty="0">
+                <a:solidFill>
+                  <a:srgbClr val="002060"/>
+                </a:solidFill>
+              </a:rPr>
+              <a:t>, </a:t>
+            </a:r>
+            <a:r>
+              <a:rPr lang="en-US" dirty="0" err="1">
+                <a:solidFill>
+                  <a:srgbClr val="002060"/>
+                </a:solidFill>
+              </a:rPr>
+              <a:t>DenseNet</a:t>
+            </a:r>
+            <a:endParaRPr lang="en-US" dirty="0">
+              <a:solidFill>
+                <a:srgbClr val="002060"/>
+              </a:solidFill>
+            </a:endParaRPr>
+          </a:p>
+          <a:p>
+            <a:pPr lvl="1"/>
+            <a:r>
+              <a:rPr lang="en-US" dirty="0">
+                <a:solidFill>
+                  <a:srgbClr val="002060"/>
+                </a:solidFill>
+              </a:rPr>
+              <a:t>Used Transfer Learning for weights</a:t>
+            </a:r>
+          </a:p>
+          <a:p>
+            <a:r>
+              <a:rPr lang="en-US" dirty="0">
+                <a:solidFill>
+                  <a:srgbClr val="002060"/>
+                </a:solidFill>
+              </a:rPr>
+              <a:t>84% accuracy on test set - </a:t>
+            </a:r>
+            <a:r>
+              <a:rPr lang="en-US" dirty="0" err="1">
+                <a:solidFill>
+                  <a:srgbClr val="002060"/>
+                </a:solidFill>
+              </a:rPr>
+              <a:t>ResNet</a:t>
+            </a:r>
+            <a:r>
+              <a:rPr lang="en-US" dirty="0">
+                <a:solidFill>
+                  <a:srgbClr val="002060"/>
+                </a:solidFill>
+              </a:rPr>
+              <a:t> &amp; TL, 25 epochs</a:t>
+            </a:r>
+          </a:p>
+        </p:txBody>
+      </p:sp>
+      <p:sp>
+        <p:nvSpPr>
+          <p:cNvPr id="5" name="Slide Number Placeholder 4"/>
+          <p:cNvSpPr>
+            <a:spLocks noGrp="1"/>
+          </p:cNvSpPr>
+          <p:nvPr>
+            <p:ph type="sldNum" sz="quarter" idx="12"/>
+          </p:nvPr>
+        </p:nvSpPr>
+        <p:spPr/>
+        <p:txBody>
+          <a:bodyPr/>
+          <a:lstStyle/>
+          <a:p>
+            <a:fld id="{B01D9778-10B4-40FB-B4E4-44FA89A86639}" type="slidenum">
+              <a:rPr lang="en-US" smtClean="0"/>
+              <a:pPr/>
+              <a:t>15</a:t>
+            </a:fld>
+            <a:endParaRPr lang="en-US"/>
+          </a:p>
+        </p:txBody>
+      </p:sp>
+    </p:spTree>
+    <p:extLst>
+      <p:ext uri="{BB962C8B-B14F-4D97-AF65-F5344CB8AC3E}">
+        <p14:creationId xmlns:p14="http://schemas.microsoft.com/office/powerpoint/2010/main" val="2145876422"/>
+      </p:ext>
+    </p:extLst>
+  </p:cSld>
+  <p:clrMapOvr>
+    <a:masterClrMapping/>
+  </p:clrMapOvr>
+</p:sld>
+</file>
+
+<file path=ppt/slides/slide16.xml><?xml version="1.0" encoding="utf-8"?>
+<p:sld xmlns:a="http://schemas.openxmlformats.org/drawingml/2006/main" xmlns:r="http://schemas.openxmlformats.org/officeDocument/2006/relationships" xmlns:p="http://schemas.openxmlformats.org/presentationml/2006/main">
+  <p:cSld>
+    <p:spTree>
+      <p:nvGrpSpPr>
+        <p:cNvPr id="1" name=""/>
+        <p:cNvGrpSpPr/>
+        <p:nvPr/>
+      </p:nvGrpSpPr>
+      <p:grpSpPr>
+        <a:xfrm>
+          <a:off x="0" y="0"/>
+          <a:ext cx="0" cy="0"/>
+          <a:chOff x="0" y="0"/>
+          <a:chExt cx="0" cy="0"/>
+        </a:xfrm>
+      </p:grpSpPr>
+      <p:sp>
+        <p:nvSpPr>
+          <p:cNvPr id="2" name="Title 1"/>
+          <p:cNvSpPr>
+            <a:spLocks noGrp="1"/>
+          </p:cNvSpPr>
+          <p:nvPr>
+            <p:ph type="title"/>
+          </p:nvPr>
+        </p:nvSpPr>
+        <p:spPr/>
+        <p:txBody>
+          <a:bodyPr/>
+          <a:lstStyle/>
+          <a:p>
+            <a:r>
+              <a:rPr lang="en-US" dirty="0">
+                <a:solidFill>
+                  <a:srgbClr val="002060"/>
+                </a:solidFill>
+              </a:rPr>
+              <a:t>Limitations &amp; Conclusions</a:t>
+            </a:r>
+            <a:endParaRPr lang="he-IL" dirty="0">
+              <a:solidFill>
+                <a:srgbClr val="002060"/>
+              </a:solidFill>
+            </a:endParaRPr>
+          </a:p>
+        </p:txBody>
+      </p:sp>
+      <p:sp>
+        <p:nvSpPr>
+          <p:cNvPr id="3" name="Content Placeholder 2"/>
+          <p:cNvSpPr>
+            <a:spLocks noGrp="1"/>
+          </p:cNvSpPr>
+          <p:nvPr>
+            <p:ph idx="1"/>
+          </p:nvPr>
+        </p:nvSpPr>
+        <p:spPr/>
+        <p:txBody>
+          <a:bodyPr/>
+          <a:lstStyle/>
+          <a:p>
+            <a:r>
+              <a:rPr lang="en-US" dirty="0">
+                <a:solidFill>
+                  <a:srgbClr val="002060"/>
+                </a:solidFill>
+              </a:rPr>
+              <a:t>Regular CNN can achieve decent results on current data (84%-90%)</a:t>
+            </a:r>
+          </a:p>
+          <a:p>
+            <a:r>
+              <a:rPr lang="en-US" dirty="0">
+                <a:solidFill>
+                  <a:srgbClr val="002060"/>
+                </a:solidFill>
+              </a:rPr>
+              <a:t>Data labeling not ideal (pictures fit more than one label, lung opacity label, etc.)</a:t>
+            </a:r>
+          </a:p>
+          <a:p>
+            <a:r>
+              <a:rPr lang="en-US" dirty="0">
+                <a:solidFill>
+                  <a:srgbClr val="002060"/>
+                </a:solidFill>
+              </a:rPr>
+              <a:t>Different datasets to work on with different sizes</a:t>
+            </a:r>
+          </a:p>
+          <a:p>
+            <a:endParaRPr lang="en-US" dirty="0">
+              <a:solidFill>
+                <a:srgbClr val="002060"/>
+              </a:solidFill>
+            </a:endParaRPr>
+          </a:p>
+        </p:txBody>
+      </p:sp>
+      <p:sp>
+        <p:nvSpPr>
+          <p:cNvPr id="5" name="Slide Number Placeholder 4"/>
+          <p:cNvSpPr>
+            <a:spLocks noGrp="1"/>
+          </p:cNvSpPr>
+          <p:nvPr>
+            <p:ph type="sldNum" sz="quarter" idx="12"/>
+          </p:nvPr>
+        </p:nvSpPr>
+        <p:spPr/>
+        <p:txBody>
+          <a:bodyPr/>
+          <a:lstStyle/>
+          <a:p>
+            <a:fld id="{B01D9778-10B4-40FB-B4E4-44FA89A86639}" type="slidenum">
+              <a:rPr lang="en-US" smtClean="0"/>
+              <a:pPr/>
+              <a:t>16</a:t>
+            </a:fld>
+            <a:endParaRPr lang="en-US"/>
+          </a:p>
+        </p:txBody>
+      </p:sp>
+    </p:spTree>
+    <p:extLst>
+      <p:ext uri="{BB962C8B-B14F-4D97-AF65-F5344CB8AC3E}">
+        <p14:creationId xmlns:p14="http://schemas.microsoft.com/office/powerpoint/2010/main" val="1669314898"/>
+      </p:ext>
+    </p:extLst>
+  </p:cSld>
+  <p:clrMapOvr>
+    <a:masterClrMapping/>
+  </p:clrMapOvr>
+</p:sld>
+</file>
+
+<file path=ppt/slides/slide17.xml><?xml version="1.0" encoding="utf-8"?>
+<p:sld xmlns:a="http://schemas.openxmlformats.org/drawingml/2006/main" xmlns:r="http://schemas.openxmlformats.org/officeDocument/2006/relationships" xmlns:p="http://schemas.openxmlformats.org/presentationml/2006/main">
+  <p:cSld>
+    <p:spTree>
+      <p:nvGrpSpPr>
+        <p:cNvPr id="1" name=""/>
+        <p:cNvGrpSpPr/>
+        <p:nvPr/>
+      </p:nvGrpSpPr>
+      <p:grpSpPr>
+        <a:xfrm>
+          <a:off x="0" y="0"/>
+          <a:ext cx="0" cy="0"/>
+          <a:chOff x="0" y="0"/>
+          <a:chExt cx="0" cy="0"/>
+        </a:xfrm>
+      </p:grpSpPr>
+      <p:sp>
+        <p:nvSpPr>
+          <p:cNvPr id="2" name="Title 1"/>
+          <p:cNvSpPr>
+            <a:spLocks noGrp="1"/>
+          </p:cNvSpPr>
+          <p:nvPr>
+            <p:ph type="title"/>
+          </p:nvPr>
+        </p:nvSpPr>
+        <p:spPr/>
+        <p:txBody>
+          <a:bodyPr/>
+          <a:lstStyle/>
+          <a:p>
+            <a:r>
+              <a:rPr lang="en-US" dirty="0">
+                <a:solidFill>
+                  <a:srgbClr val="002060"/>
+                </a:solidFill>
+              </a:rPr>
+              <a:t>Future Work</a:t>
+            </a:r>
+            <a:endParaRPr lang="he-IL" dirty="0">
+              <a:solidFill>
+                <a:srgbClr val="002060"/>
+              </a:solidFill>
+            </a:endParaRPr>
+          </a:p>
+        </p:txBody>
+      </p:sp>
+      <p:sp>
+        <p:nvSpPr>
+          <p:cNvPr id="3" name="Content Placeholder 2"/>
+          <p:cNvSpPr>
+            <a:spLocks noGrp="1"/>
+          </p:cNvSpPr>
+          <p:nvPr>
+            <p:ph idx="1"/>
+          </p:nvPr>
+        </p:nvSpPr>
+        <p:spPr/>
+        <p:txBody>
+          <a:bodyPr/>
+          <a:lstStyle/>
+          <a:p>
+            <a:r>
+              <a:rPr lang="en-US" dirty="0">
+                <a:solidFill>
+                  <a:srgbClr val="002060"/>
+                </a:solidFill>
+              </a:rPr>
+              <a:t>Try different CNN architectures on dataset</a:t>
+            </a:r>
+          </a:p>
+          <a:p>
+            <a:r>
+              <a:rPr lang="en-US" dirty="0">
+                <a:solidFill>
+                  <a:srgbClr val="002060"/>
+                </a:solidFill>
+              </a:rPr>
+              <a:t>Train models on all datasets</a:t>
+            </a:r>
+          </a:p>
+          <a:p>
+            <a:r>
+              <a:rPr lang="en-US" dirty="0">
+                <a:solidFill>
+                  <a:srgbClr val="002060"/>
+                </a:solidFill>
+              </a:rPr>
+              <a:t>Implement DCN layers to trained architectures</a:t>
+            </a:r>
+          </a:p>
+          <a:p>
+            <a:r>
+              <a:rPr lang="en-US" dirty="0">
+                <a:solidFill>
+                  <a:srgbClr val="002060"/>
+                </a:solidFill>
+              </a:rPr>
+              <a:t>Acquire additional datasets from Zebra Medical</a:t>
+            </a:r>
+          </a:p>
+        </p:txBody>
+      </p:sp>
+      <p:sp>
+        <p:nvSpPr>
+          <p:cNvPr id="5" name="Slide Number Placeholder 4"/>
+          <p:cNvSpPr>
+            <a:spLocks noGrp="1"/>
+          </p:cNvSpPr>
+          <p:nvPr>
+            <p:ph type="sldNum" sz="quarter" idx="12"/>
+          </p:nvPr>
+        </p:nvSpPr>
+        <p:spPr/>
+        <p:txBody>
+          <a:bodyPr/>
+          <a:lstStyle/>
+          <a:p>
+            <a:fld id="{B01D9778-10B4-40FB-B4E4-44FA89A86639}" type="slidenum">
+              <a:rPr lang="en-US" smtClean="0"/>
+              <a:pPr/>
+              <a:t>17</a:t>
+            </a:fld>
+            <a:endParaRPr lang="en-US"/>
+          </a:p>
+        </p:txBody>
+      </p:sp>
+    </p:spTree>
+    <p:extLst>
+      <p:ext uri="{BB962C8B-B14F-4D97-AF65-F5344CB8AC3E}">
+        <p14:creationId xmlns:p14="http://schemas.microsoft.com/office/powerpoint/2010/main" val="194558903"/>
+      </p:ext>
+    </p:extLst>
+  </p:cSld>
+  <p:clrMapOvr>
+    <a:masterClrMapping/>
+  </p:clrMapOvr>
+</p:sld>
+</file>
+
+<file path=ppt/slides/slide18.xml><?xml version="1.0" encoding="utf-8"?>
+<p:sld xmlns:a="http://schemas.openxmlformats.org/drawingml/2006/main" xmlns:r="http://schemas.openxmlformats.org/officeDocument/2006/relationships" xmlns:p="http://schemas.openxmlformats.org/presentationml/2006/main">
+  <p:cSld>
+    <p:spTree>
+      <p:nvGrpSpPr>
+        <p:cNvPr id="1" name=""/>
+        <p:cNvGrpSpPr/>
+        <p:nvPr/>
+      </p:nvGrpSpPr>
+      <p:grpSpPr>
+        <a:xfrm>
+          <a:off x="0" y="0"/>
+          <a:ext cx="0" cy="0"/>
+          <a:chOff x="0" y="0"/>
+          <a:chExt cx="0" cy="0"/>
+        </a:xfrm>
+      </p:grpSpPr>
+      <p:sp>
+        <p:nvSpPr>
+          <p:cNvPr id="2" name="Title 1"/>
+          <p:cNvSpPr>
+            <a:spLocks noGrp="1"/>
+          </p:cNvSpPr>
+          <p:nvPr>
+            <p:ph type="title"/>
+          </p:nvPr>
+        </p:nvSpPr>
+        <p:spPr>
+          <a:xfrm>
+            <a:off x="438615" y="228600"/>
+            <a:ext cx="8229600" cy="1143000"/>
+          </a:xfrm>
+        </p:spPr>
+        <p:txBody>
+          <a:bodyPr/>
+          <a:lstStyle/>
+          <a:p>
+            <a:r>
+              <a:rPr lang="en-US" dirty="0">
+                <a:solidFill>
+                  <a:srgbClr val="002060"/>
+                </a:solidFill>
+              </a:rPr>
+              <a:t>References</a:t>
+            </a:r>
+            <a:endParaRPr lang="he-IL" dirty="0">
+              <a:solidFill>
+                <a:srgbClr val="002060"/>
+              </a:solidFill>
+            </a:endParaRPr>
+          </a:p>
+        </p:txBody>
+      </p:sp>
+      <p:sp>
+        <p:nvSpPr>
+          <p:cNvPr id="3" name="Content Placeholder 2"/>
+          <p:cNvSpPr>
+            <a:spLocks noGrp="1"/>
+          </p:cNvSpPr>
+          <p:nvPr>
+            <p:ph idx="1"/>
+          </p:nvPr>
+        </p:nvSpPr>
+        <p:spPr/>
+        <p:txBody>
+          <a:bodyPr>
+            <a:normAutofit/>
+          </a:bodyPr>
+          <a:lstStyle/>
+          <a:p>
+            <a:endParaRPr lang="en-US" dirty="0">
+              <a:solidFill>
+                <a:srgbClr val="002060"/>
+              </a:solidFill>
+            </a:endParaRPr>
+          </a:p>
+          <a:p>
+            <a:pPr marL="457200" indent="-457200">
+              <a:buFont typeface="+mj-lt"/>
+              <a:buAutoNum type="arabicPeriod"/>
+            </a:pPr>
+            <a:r>
+              <a:rPr lang="en-US" sz="2200" dirty="0">
+                <a:solidFill>
+                  <a:srgbClr val="002060"/>
+                </a:solidFill>
+              </a:rPr>
+              <a:t>Dai, J., Qi, H., </a:t>
+            </a:r>
+            <a:r>
+              <a:rPr lang="en-US" sz="2200" dirty="0" err="1">
+                <a:solidFill>
+                  <a:srgbClr val="002060"/>
+                </a:solidFill>
+              </a:rPr>
+              <a:t>Xiong</a:t>
+            </a:r>
+            <a:r>
+              <a:rPr lang="en-US" sz="2200" dirty="0">
+                <a:solidFill>
+                  <a:srgbClr val="002060"/>
+                </a:solidFill>
+              </a:rPr>
+              <a:t>, Y., Li, Y., Zhang, G., Hu, H., &amp; Wei, Y. (2017). Deformable convolutional networks. In Proceedings of the IEEE international conference on computer vision (pp. 764-773)</a:t>
+            </a:r>
+          </a:p>
+          <a:p>
+            <a:pPr marL="457200" indent="-457200">
+              <a:buFont typeface="+mj-lt"/>
+              <a:buAutoNum type="arabicPeriod"/>
+            </a:pPr>
+            <a:endParaRPr lang="en-US" sz="2200" dirty="0">
+              <a:solidFill>
+                <a:srgbClr val="002060"/>
+              </a:solidFill>
+            </a:endParaRPr>
+          </a:p>
+          <a:p>
+            <a:pPr marL="457200" indent="-457200">
+              <a:buFont typeface="+mj-lt"/>
+              <a:buAutoNum type="arabicPeriod"/>
+            </a:pPr>
+            <a:r>
+              <a:rPr lang="en-US" sz="2200" dirty="0">
+                <a:solidFill>
+                  <a:srgbClr val="002060"/>
+                </a:solidFill>
+              </a:rPr>
+              <a:t>Zhu, </a:t>
+            </a:r>
+            <a:r>
+              <a:rPr lang="en-US" sz="2200" dirty="0" err="1">
+                <a:solidFill>
+                  <a:srgbClr val="002060"/>
+                </a:solidFill>
+              </a:rPr>
+              <a:t>Xizhou</a:t>
+            </a:r>
+            <a:r>
+              <a:rPr lang="en-US" sz="2200" dirty="0">
+                <a:solidFill>
+                  <a:srgbClr val="002060"/>
+                </a:solidFill>
+              </a:rPr>
+              <a:t>, et al. "Deformable convnets v2: More deformable, better results." Proceedings of the IEEE Conference on Computer Vision and Pattern Recognition. 2019</a:t>
+            </a:r>
+          </a:p>
+        </p:txBody>
+      </p:sp>
+      <p:sp>
+        <p:nvSpPr>
+          <p:cNvPr id="5" name="Slide Number Placeholder 4"/>
+          <p:cNvSpPr>
+            <a:spLocks noGrp="1"/>
+          </p:cNvSpPr>
+          <p:nvPr>
+            <p:ph type="sldNum" sz="quarter" idx="12"/>
+          </p:nvPr>
+        </p:nvSpPr>
+        <p:spPr/>
+        <p:txBody>
+          <a:bodyPr/>
+          <a:lstStyle/>
+          <a:p>
+            <a:fld id="{B01D9778-10B4-40FB-B4E4-44FA89A86639}" type="slidenum">
+              <a:rPr lang="en-US" smtClean="0"/>
+              <a:pPr/>
+              <a:t>18</a:t>
+            </a:fld>
+            <a:endParaRPr lang="en-US"/>
+          </a:p>
+        </p:txBody>
+      </p:sp>
+    </p:spTree>
+    <p:extLst>
+      <p:ext uri="{BB962C8B-B14F-4D97-AF65-F5344CB8AC3E}">
+        <p14:creationId xmlns:p14="http://schemas.microsoft.com/office/powerpoint/2010/main" val="662023011"/>
+      </p:ext>
+    </p:extLst>
+  </p:cSld>
+  <p:clrMapOvr>
+    <a:masterClrMapping/>
+  </p:clrMapOvr>
+</p:sld>
+</file>
+
+<file path=ppt/slides/slide2.xml><?xml version="1.0" encoding="utf-8"?>
+<p:sld xmlns:a="http://schemas.openxmlformats.org/drawingml/2006/main" xmlns:r="http://schemas.openxmlformats.org/officeDocument/2006/relationships" xmlns:p="http://schemas.openxmlformats.org/presentationml/2006/main">
+  <p:cSld>
+    <p:spTree>
+      <p:nvGrpSpPr>
+        <p:cNvPr id="1" name=""/>
+        <p:cNvGrpSpPr/>
+        <p:nvPr/>
+      </p:nvGrpSpPr>
+      <p:grpSpPr>
+        <a:xfrm>
+          <a:off x="0" y="0"/>
+          <a:ext cx="0" cy="0"/>
+          <a:chOff x="0" y="0"/>
+          <a:chExt cx="0" cy="0"/>
+        </a:xfrm>
+      </p:grpSpPr>
+      <p:sp>
+        <p:nvSpPr>
+          <p:cNvPr id="2" name="Title 1"/>
+          <p:cNvSpPr>
+            <a:spLocks noGrp="1"/>
+          </p:cNvSpPr>
+          <p:nvPr>
+            <p:ph type="title"/>
+          </p:nvPr>
+        </p:nvSpPr>
+        <p:spPr/>
+        <p:txBody>
+          <a:bodyPr/>
+          <a:lstStyle/>
+          <a:p>
+            <a:r>
+              <a:rPr lang="en-US" dirty="0">
+                <a:solidFill>
+                  <a:srgbClr val="002060"/>
+                </a:solidFill>
+              </a:rPr>
+              <a:t>Outline</a:t>
+            </a:r>
+            <a:endParaRPr lang="he-IL" dirty="0">
+              <a:solidFill>
+                <a:srgbClr val="002060"/>
+              </a:solidFill>
+            </a:endParaRPr>
+          </a:p>
+        </p:txBody>
+      </p:sp>
+      <p:sp>
+        <p:nvSpPr>
+          <p:cNvPr id="3" name="Content Placeholder 2"/>
+          <p:cNvSpPr>
+            <a:spLocks noGrp="1"/>
+          </p:cNvSpPr>
+          <p:nvPr>
+            <p:ph idx="1"/>
+          </p:nvPr>
+        </p:nvSpPr>
+        <p:spPr>
+          <a:xfrm>
+            <a:off x="457200" y="1219201"/>
+            <a:ext cx="8229600" cy="5137149"/>
+          </a:xfrm>
+        </p:spPr>
+        <p:txBody>
+          <a:bodyPr>
+            <a:normAutofit fontScale="85000" lnSpcReduction="20000"/>
+          </a:bodyPr>
+          <a:lstStyle/>
+          <a:p>
+            <a:pPr>
+              <a:lnSpc>
+                <a:spcPct val="150000"/>
+              </a:lnSpc>
+            </a:pPr>
+            <a:r>
+              <a:rPr lang="en-US" sz="2400" dirty="0">
+                <a:solidFill>
+                  <a:srgbClr val="002060"/>
+                </a:solidFill>
+              </a:rPr>
+              <a:t>Project Goals</a:t>
+            </a:r>
+          </a:p>
+          <a:p>
+            <a:pPr>
+              <a:lnSpc>
+                <a:spcPct val="150000"/>
+              </a:lnSpc>
+            </a:pPr>
+            <a:r>
+              <a:rPr lang="en-US" sz="2400" dirty="0">
+                <a:solidFill>
+                  <a:srgbClr val="002060"/>
+                </a:solidFill>
+              </a:rPr>
+              <a:t>Background</a:t>
+            </a:r>
+          </a:p>
+          <a:p>
+            <a:pPr>
+              <a:lnSpc>
+                <a:spcPct val="150000"/>
+              </a:lnSpc>
+            </a:pPr>
+            <a:r>
+              <a:rPr lang="en-US" sz="2400" dirty="0">
+                <a:solidFill>
+                  <a:srgbClr val="002060"/>
+                </a:solidFill>
+              </a:rPr>
+              <a:t>Prior Work</a:t>
+            </a:r>
+          </a:p>
+          <a:p>
+            <a:pPr>
+              <a:lnSpc>
+                <a:spcPct val="150000"/>
+              </a:lnSpc>
+            </a:pPr>
+            <a:r>
+              <a:rPr lang="en-US" sz="2400" dirty="0">
+                <a:solidFill>
+                  <a:srgbClr val="002060"/>
+                </a:solidFill>
+              </a:rPr>
+              <a:t>Example - Deformations</a:t>
+            </a:r>
+          </a:p>
+          <a:p>
+            <a:pPr>
+              <a:lnSpc>
+                <a:spcPct val="150000"/>
+              </a:lnSpc>
+            </a:pPr>
+            <a:r>
+              <a:rPr lang="en-US" sz="2400" dirty="0">
+                <a:solidFill>
+                  <a:srgbClr val="002060"/>
+                </a:solidFill>
+              </a:rPr>
+              <a:t>Literature Survey</a:t>
+            </a:r>
+          </a:p>
+          <a:p>
+            <a:pPr>
+              <a:lnSpc>
+                <a:spcPct val="150000"/>
+              </a:lnSpc>
+            </a:pPr>
+            <a:r>
+              <a:rPr lang="en-US" sz="2400" dirty="0">
+                <a:solidFill>
+                  <a:srgbClr val="002060"/>
+                </a:solidFill>
+              </a:rPr>
+              <a:t>DCN Review</a:t>
+            </a:r>
+          </a:p>
+          <a:p>
+            <a:pPr>
+              <a:lnSpc>
+                <a:spcPct val="150000"/>
+              </a:lnSpc>
+            </a:pPr>
+            <a:r>
+              <a:rPr lang="en-US" sz="2400" dirty="0">
+                <a:solidFill>
+                  <a:srgbClr val="002060"/>
+                </a:solidFill>
+              </a:rPr>
+              <a:t>Chosen Solution</a:t>
+            </a:r>
+          </a:p>
+          <a:p>
+            <a:pPr>
+              <a:lnSpc>
+                <a:spcPct val="150000"/>
+              </a:lnSpc>
+            </a:pPr>
+            <a:r>
+              <a:rPr lang="en-US" sz="2400" dirty="0">
+                <a:solidFill>
+                  <a:srgbClr val="002060"/>
+                </a:solidFill>
+              </a:rPr>
+              <a:t>Intermediate Results</a:t>
+            </a:r>
+          </a:p>
+          <a:p>
+            <a:pPr>
+              <a:lnSpc>
+                <a:spcPct val="150000"/>
+              </a:lnSpc>
+            </a:pPr>
+            <a:r>
+              <a:rPr lang="en-US" sz="2400" dirty="0">
+                <a:solidFill>
+                  <a:srgbClr val="002060"/>
+                </a:solidFill>
+              </a:rPr>
+              <a:t>Limitations &amp; Conclusions</a:t>
+            </a:r>
+          </a:p>
+          <a:p>
+            <a:pPr>
+              <a:lnSpc>
+                <a:spcPct val="150000"/>
+              </a:lnSpc>
+            </a:pPr>
+            <a:r>
+              <a:rPr lang="en-US" sz="2400" dirty="0">
+                <a:solidFill>
+                  <a:srgbClr val="002060"/>
+                </a:solidFill>
+              </a:rPr>
+              <a:t>Future Work</a:t>
+            </a:r>
+          </a:p>
+          <a:p>
+            <a:pPr>
+              <a:lnSpc>
+                <a:spcPct val="150000"/>
+              </a:lnSpc>
+            </a:pPr>
+            <a:r>
+              <a:rPr lang="en-US" sz="2400" dirty="0">
+                <a:solidFill>
+                  <a:srgbClr val="002060"/>
+                </a:solidFill>
+              </a:rPr>
+              <a:t>References</a:t>
+            </a:r>
+          </a:p>
+        </p:txBody>
+      </p:sp>
+      <p:sp>
+        <p:nvSpPr>
+          <p:cNvPr id="5" name="Slide Number Placeholder 4">
+            <a:extLst>
+              <a:ext uri="{FF2B5EF4-FFF2-40B4-BE49-F238E27FC236}">
+                <a16:creationId xmlns:a16="http://schemas.microsoft.com/office/drawing/2014/main" id="{7634C32D-DD55-42E2-8CD5-0E521033AD16}"/>
+              </a:ext>
+            </a:extLst>
+          </p:cNvPr>
+          <p:cNvSpPr>
+            <a:spLocks noGrp="1"/>
+          </p:cNvSpPr>
+          <p:nvPr>
+            <p:ph type="sldNum" sz="quarter" idx="12"/>
+          </p:nvPr>
+        </p:nvSpPr>
+        <p:spPr/>
+        <p:txBody>
+          <a:bodyPr/>
+          <a:lstStyle/>
+          <a:p>
+            <a:fld id="{B01D9778-10B4-40FB-B4E4-44FA89A86639}" type="slidenum">
+              <a:rPr lang="en-US" smtClean="0"/>
+              <a:pPr/>
+              <a:t>2</a:t>
+            </a:fld>
+            <a:endParaRPr lang="en-US"/>
+          </a:p>
+        </p:txBody>
+      </p:sp>
+    </p:spTree>
+    <p:extLst>
+      <p:ext uri="{BB962C8B-B14F-4D97-AF65-F5344CB8AC3E}">
+        <p14:creationId xmlns:p14="http://schemas.microsoft.com/office/powerpoint/2010/main" val="4064217885"/>
+      </p:ext>
+    </p:extLst>
+  </p:cSld>
+  <p:clrMapOvr>
+    <a:masterClrMapping/>
+  </p:clrMapOvr>
+</p:sld>
+</file>
+
+<file path=ppt/slides/slide3.xml><?xml version="1.0" encoding="utf-8"?>
+<p:sld xmlns:a="http://schemas.openxmlformats.org/drawingml/2006/main" xmlns:r="http://schemas.openxmlformats.org/officeDocument/2006/relationships" xmlns:p="http://schemas.openxmlformats.org/presentationml/2006/main">
+  <p:cSld>
+    <p:spTree>
+      <p:nvGrpSpPr>
+        <p:cNvPr id="1" name=""/>
+        <p:cNvGrpSpPr/>
+        <p:nvPr/>
+      </p:nvGrpSpPr>
+      <p:grpSpPr>
+        <a:xfrm>
+          <a:off x="0" y="0"/>
+          <a:ext cx="0" cy="0"/>
+          <a:chOff x="0" y="0"/>
+          <a:chExt cx="0" cy="0"/>
+        </a:xfrm>
+      </p:grpSpPr>
+      <p:sp>
+        <p:nvSpPr>
+          <p:cNvPr id="2" name="Title 1">
+            <a:extLst>
+              <a:ext uri="{FF2B5EF4-FFF2-40B4-BE49-F238E27FC236}">
+                <a16:creationId xmlns:a16="http://schemas.microsoft.com/office/drawing/2014/main" id="{98330DCA-B826-4C22-A993-5EF55BB7143A}"/>
+              </a:ext>
+            </a:extLst>
+          </p:cNvPr>
+          <p:cNvSpPr>
+            <a:spLocks noGrp="1"/>
+          </p:cNvSpPr>
+          <p:nvPr>
+            <p:ph type="title"/>
+          </p:nvPr>
+        </p:nvSpPr>
+        <p:spPr/>
+        <p:txBody>
+          <a:bodyPr>
+            <a:normAutofit/>
+          </a:bodyPr>
+          <a:lstStyle/>
+          <a:p>
+            <a:r>
+              <a:rPr lang="en-US" sz="4000" dirty="0">
+                <a:solidFill>
+                  <a:srgbClr val="002060"/>
+                </a:solidFill>
+                <a:latin typeface="+mn-lt"/>
+                <a:ea typeface="+mn-ea"/>
+                <a:cs typeface="+mn-cs"/>
+              </a:rPr>
+              <a:t>Project Goals</a:t>
+            </a:r>
+          </a:p>
+        </p:txBody>
+      </p:sp>
+      <p:sp>
+        <p:nvSpPr>
+          <p:cNvPr id="3" name="Content Placeholder 2">
+            <a:extLst>
+              <a:ext uri="{FF2B5EF4-FFF2-40B4-BE49-F238E27FC236}">
+                <a16:creationId xmlns:a16="http://schemas.microsoft.com/office/drawing/2014/main" id="{83BC9421-391F-41B2-92D0-6F0E9FD8ECD4}"/>
+              </a:ext>
+            </a:extLst>
+          </p:cNvPr>
+          <p:cNvSpPr>
+            <a:spLocks noGrp="1"/>
+          </p:cNvSpPr>
+          <p:nvPr>
+            <p:ph idx="1"/>
+          </p:nvPr>
+        </p:nvSpPr>
+        <p:spPr/>
+        <p:txBody>
+          <a:bodyPr/>
+          <a:lstStyle/>
+          <a:p>
+            <a:pPr marL="0" indent="0" algn="ctr">
+              <a:buNone/>
+            </a:pPr>
+            <a:endParaRPr lang="en-US" sz="2500" dirty="0">
+              <a:solidFill>
+                <a:srgbClr val="002060"/>
+              </a:solidFill>
+            </a:endParaRPr>
+          </a:p>
+          <a:p>
+            <a:pPr marL="0" indent="0" algn="ctr">
+              <a:buNone/>
+            </a:pPr>
+            <a:endParaRPr lang="en-US" sz="2500" dirty="0">
+              <a:solidFill>
+                <a:srgbClr val="002060"/>
+              </a:solidFill>
+            </a:endParaRPr>
+          </a:p>
+          <a:p>
+            <a:pPr marL="0" indent="0" algn="ctr">
+              <a:buNone/>
+            </a:pPr>
+            <a:r>
+              <a:rPr lang="en-US" sz="2800" dirty="0">
+                <a:solidFill>
+                  <a:srgbClr val="002060"/>
+                </a:solidFill>
+              </a:rPr>
+              <a:t>Develop technique for the detection of Pneumonia in chest X-ray images, which is robust to deformations caused by different body structure or different lying position</a:t>
+            </a:r>
+          </a:p>
+        </p:txBody>
+      </p:sp>
+      <p:sp>
+        <p:nvSpPr>
+          <p:cNvPr id="4" name="Slide Number Placeholder 3">
+            <a:extLst>
+              <a:ext uri="{FF2B5EF4-FFF2-40B4-BE49-F238E27FC236}">
+                <a16:creationId xmlns:a16="http://schemas.microsoft.com/office/drawing/2014/main" id="{F0A68B34-07F2-480A-A797-8A80E8169E9A}"/>
+              </a:ext>
+            </a:extLst>
+          </p:cNvPr>
+          <p:cNvSpPr>
+            <a:spLocks noGrp="1"/>
+          </p:cNvSpPr>
+          <p:nvPr>
+            <p:ph type="sldNum" sz="quarter" idx="12"/>
+          </p:nvPr>
+        </p:nvSpPr>
+        <p:spPr/>
+        <p:txBody>
+          <a:bodyPr/>
+          <a:lstStyle/>
+          <a:p>
+            <a:fld id="{B01D9778-10B4-40FB-B4E4-44FA89A86639}" type="slidenum">
+              <a:rPr lang="en-US" smtClean="0"/>
+              <a:pPr/>
+              <a:t>3</a:t>
+            </a:fld>
+            <a:endParaRPr lang="en-US"/>
+          </a:p>
+        </p:txBody>
+      </p:sp>
+    </p:spTree>
+    <p:extLst>
+      <p:ext uri="{BB962C8B-B14F-4D97-AF65-F5344CB8AC3E}">
+        <p14:creationId xmlns:p14="http://schemas.microsoft.com/office/powerpoint/2010/main" val="1517279411"/>
+      </p:ext>
+    </p:extLst>
+  </p:cSld>
+  <p:clrMapOvr>
+    <a:masterClrMapping/>
+  </p:clrMapOvr>
+</p:sld>
+</file>
+
+<file path=ppt/slides/slide4.xml><?xml version="1.0" encoding="utf-8"?>
+<p:sld xmlns:a="http://schemas.openxmlformats.org/drawingml/2006/main" xmlns:r="http://schemas.openxmlformats.org/officeDocument/2006/relationships" xmlns:p="http://schemas.openxmlformats.org/presentationml/2006/main">
+  <p:cSld>
+    <p:bg>
+      <p:bgRef idx="1001">
+        <a:schemeClr val="bg1"/>
+      </p:bgRef>
+    </p:bg>
+    <p:spTree>
+      <p:nvGrpSpPr>
+        <p:cNvPr id="1" name=""/>
+        <p:cNvGrpSpPr/>
+        <p:nvPr/>
+      </p:nvGrpSpPr>
+      <p:grpSpPr>
+        <a:xfrm>
+          <a:off x="0" y="0"/>
+          <a:ext cx="0" cy="0"/>
+          <a:chOff x="0" y="0"/>
+          <a:chExt cx="0" cy="0"/>
+        </a:xfrm>
+      </p:grpSpPr>
+      <p:sp>
+        <p:nvSpPr>
+          <p:cNvPr id="2" name="Title 1"/>
+          <p:cNvSpPr>
+            <a:spLocks noGrp="1"/>
+          </p:cNvSpPr>
+          <p:nvPr>
+            <p:ph type="title"/>
+          </p:nvPr>
+        </p:nvSpPr>
+        <p:spPr/>
+        <p:txBody>
+          <a:bodyPr/>
+          <a:lstStyle/>
+          <a:p>
+            <a:r>
+              <a:rPr lang="en-US" dirty="0">
+                <a:solidFill>
+                  <a:srgbClr val="002060"/>
+                </a:solidFill>
+              </a:rPr>
+              <a:t>Background - Pneumonia</a:t>
+            </a:r>
+            <a:endParaRPr lang="he-IL" dirty="0">
+              <a:solidFill>
+                <a:srgbClr val="002060"/>
+              </a:solidFill>
+            </a:endParaRPr>
+          </a:p>
+        </p:txBody>
+      </p:sp>
+      <p:sp>
+        <p:nvSpPr>
+          <p:cNvPr id="3" name="Content Placeholder 2"/>
+          <p:cNvSpPr>
+            <a:spLocks noGrp="1"/>
+          </p:cNvSpPr>
+          <p:nvPr>
+            <p:ph idx="1"/>
+          </p:nvPr>
+        </p:nvSpPr>
+        <p:spPr/>
+        <p:txBody>
+          <a:bodyPr>
+            <a:normAutofit/>
+          </a:bodyPr>
+          <a:lstStyle/>
+          <a:p>
+            <a:r>
+              <a:rPr lang="en-US" dirty="0">
+                <a:solidFill>
+                  <a:srgbClr val="002060"/>
+                </a:solidFill>
+              </a:rPr>
+              <a:t>Accounts for over 15% of all deaths of children under 5 years old internationally</a:t>
+            </a:r>
+          </a:p>
+          <a:p>
+            <a:r>
+              <a:rPr lang="en-US" dirty="0">
+                <a:solidFill>
+                  <a:srgbClr val="002060"/>
+                </a:solidFill>
+              </a:rPr>
+              <a:t>Highly trained specialists and confirmation through clinical history required</a:t>
+            </a:r>
+          </a:p>
+          <a:p>
+            <a:r>
+              <a:rPr lang="en-US" dirty="0">
+                <a:solidFill>
+                  <a:srgbClr val="002060"/>
+                </a:solidFill>
+              </a:rPr>
+              <a:t>AI algorithms have improved diagnosis from X-ray images</a:t>
+            </a:r>
+          </a:p>
+          <a:p>
+            <a:r>
+              <a:rPr lang="en-US" dirty="0">
+                <a:solidFill>
+                  <a:srgbClr val="002060"/>
+                </a:solidFill>
+              </a:rPr>
+              <a:t>Still much room for improvement</a:t>
+            </a:r>
+            <a:endParaRPr lang="he-IL" dirty="0">
+              <a:solidFill>
+                <a:srgbClr val="002060"/>
+              </a:solidFill>
+            </a:endParaRPr>
+          </a:p>
+        </p:txBody>
+      </p:sp>
+      <p:sp>
+        <p:nvSpPr>
+          <p:cNvPr id="5" name="Slide Number Placeholder 4"/>
+          <p:cNvSpPr>
+            <a:spLocks noGrp="1"/>
+          </p:cNvSpPr>
+          <p:nvPr>
+            <p:ph type="sldNum" sz="quarter" idx="12"/>
+          </p:nvPr>
+        </p:nvSpPr>
+        <p:spPr/>
+        <p:txBody>
+          <a:bodyPr/>
+          <a:lstStyle/>
+          <a:p>
+            <a:fld id="{B01D9778-10B4-40FB-B4E4-44FA89A86639}" type="slidenum">
+              <a:rPr lang="en-US" smtClean="0"/>
+              <a:pPr/>
+              <a:t>4</a:t>
+            </a:fld>
+            <a:endParaRPr lang="en-US"/>
+          </a:p>
+        </p:txBody>
+      </p:sp>
+    </p:spTree>
+    <p:extLst>
+      <p:ext uri="{BB962C8B-B14F-4D97-AF65-F5344CB8AC3E}">
+        <p14:creationId xmlns:p14="http://schemas.microsoft.com/office/powerpoint/2010/main" val="746629022"/>
+      </p:ext>
+    </p:extLst>
+  </p:cSld>
+  <p:clrMapOvr>
+    <a:overrideClrMapping bg1="lt1" tx1="dk1" bg2="lt2" tx2="dk2" accent1="accent1" accent2="accent2" accent3="accent3" accent4="accent4" accent5="accent5" accent6="accent6" hlink="hlink" folHlink="folHlink"/>
+  </p:clrMapOvr>
+</p:sld>
+</file>
+
+<file path=ppt/slides/slide5.xml><?xml version="1.0" encoding="utf-8"?>
+<p:sld xmlns:a="http://schemas.openxmlformats.org/drawingml/2006/main" xmlns:r="http://schemas.openxmlformats.org/officeDocument/2006/relationships" xmlns:p="http://schemas.openxmlformats.org/presentationml/2006/main">
+  <p:cSld>
+    <p:spTree>
+      <p:nvGrpSpPr>
+        <p:cNvPr id="1" name=""/>
+        <p:cNvGrpSpPr/>
+        <p:nvPr/>
+      </p:nvGrpSpPr>
+      <p:grpSpPr>
+        <a:xfrm>
+          <a:off x="0" y="0"/>
+          <a:ext cx="0" cy="0"/>
+          <a:chOff x="0" y="0"/>
+          <a:chExt cx="0" cy="0"/>
+        </a:xfrm>
+      </p:grpSpPr>
+      <p:sp>
+        <p:nvSpPr>
+          <p:cNvPr id="2" name="Title 1">
+            <a:extLst>
+              <a:ext uri="{FF2B5EF4-FFF2-40B4-BE49-F238E27FC236}">
+                <a16:creationId xmlns:a16="http://schemas.microsoft.com/office/drawing/2014/main" id="{84E6B5BB-EF26-41E8-9423-466EE4E29670}"/>
+              </a:ext>
+            </a:extLst>
+          </p:cNvPr>
+          <p:cNvSpPr>
+            <a:spLocks noGrp="1"/>
+          </p:cNvSpPr>
+          <p:nvPr>
+            <p:ph type="title"/>
+          </p:nvPr>
+        </p:nvSpPr>
+        <p:spPr/>
+        <p:txBody>
+          <a:bodyPr/>
+          <a:lstStyle/>
+          <a:p>
+            <a:r>
+              <a:rPr lang="en-US" dirty="0">
+                <a:solidFill>
+                  <a:srgbClr val="002060"/>
+                </a:solidFill>
+              </a:rPr>
+              <a:t>Prior Work</a:t>
+            </a:r>
+            <a:endParaRPr lang="en-US" dirty="0"/>
+          </a:p>
+        </p:txBody>
+      </p:sp>
+      <p:sp>
+        <p:nvSpPr>
+          <p:cNvPr id="3" name="Content Placeholder 2">
+            <a:extLst>
+              <a:ext uri="{FF2B5EF4-FFF2-40B4-BE49-F238E27FC236}">
+                <a16:creationId xmlns:a16="http://schemas.microsoft.com/office/drawing/2014/main" id="{88F5A697-D1DD-403D-8042-C078E79BDF45}"/>
+              </a:ext>
+            </a:extLst>
+          </p:cNvPr>
+          <p:cNvSpPr>
+            <a:spLocks noGrp="1"/>
+          </p:cNvSpPr>
+          <p:nvPr>
+            <p:ph idx="1"/>
+          </p:nvPr>
+        </p:nvSpPr>
+        <p:spPr/>
+        <p:txBody>
+          <a:bodyPr/>
+          <a:lstStyle/>
+          <a:p>
+            <a:pPr marL="0" indent="0">
+              <a:buNone/>
+            </a:pPr>
+            <a:r>
+              <a:rPr lang="en-US" i="1" dirty="0">
+                <a:solidFill>
+                  <a:srgbClr val="002060"/>
+                </a:solidFill>
+              </a:rPr>
+              <a:t>Kaggle X-Ray (Pneumonia)</a:t>
+            </a:r>
+          </a:p>
+          <a:p>
+            <a:pPr lvl="1">
+              <a:buFont typeface="Arial" panose="020B0604020202020204" pitchFamily="34" charset="0"/>
+              <a:buChar char="•"/>
+            </a:pPr>
+            <a:r>
+              <a:rPr lang="en-US" dirty="0">
+                <a:solidFill>
+                  <a:srgbClr val="002060"/>
+                </a:solidFill>
+              </a:rPr>
+              <a:t>Roughly 6k chest X-ray images </a:t>
+            </a:r>
+          </a:p>
+          <a:p>
+            <a:pPr lvl="1">
+              <a:buFont typeface="Arial" panose="020B0604020202020204" pitchFamily="34" charset="0"/>
+              <a:buChar char="•"/>
+            </a:pPr>
+            <a:r>
+              <a:rPr lang="en-US" dirty="0">
+                <a:solidFill>
+                  <a:srgbClr val="002060"/>
+                </a:solidFill>
+              </a:rPr>
+              <a:t>4500 labeled ‘Pneumonia’</a:t>
+            </a:r>
+          </a:p>
+          <a:p>
+            <a:pPr marL="457200" lvl="1" indent="0">
+              <a:buNone/>
+            </a:pPr>
+            <a:endParaRPr lang="en-US" dirty="0">
+              <a:solidFill>
+                <a:srgbClr val="002060"/>
+              </a:solidFill>
+            </a:endParaRPr>
+          </a:p>
+          <a:p>
+            <a:pPr lvl="1">
+              <a:buFont typeface="Arial" panose="020B0604020202020204" pitchFamily="34" charset="0"/>
+              <a:buChar char="•"/>
+            </a:pPr>
+            <a:r>
+              <a:rPr lang="en-US" dirty="0">
+                <a:solidFill>
+                  <a:srgbClr val="002060"/>
+                </a:solidFill>
+              </a:rPr>
+              <a:t>Best results have 0.9 AUC</a:t>
+            </a:r>
+          </a:p>
+          <a:p>
+            <a:endParaRPr lang="en-US" dirty="0"/>
+          </a:p>
+        </p:txBody>
+      </p:sp>
+      <p:sp>
+        <p:nvSpPr>
+          <p:cNvPr id="4" name="Slide Number Placeholder 3">
+            <a:extLst>
+              <a:ext uri="{FF2B5EF4-FFF2-40B4-BE49-F238E27FC236}">
+                <a16:creationId xmlns:a16="http://schemas.microsoft.com/office/drawing/2014/main" id="{DBC919E3-3063-41E9-BF96-2BBA6FB2233F}"/>
+              </a:ext>
+            </a:extLst>
+          </p:cNvPr>
+          <p:cNvSpPr>
+            <a:spLocks noGrp="1"/>
+          </p:cNvSpPr>
+          <p:nvPr>
+            <p:ph type="sldNum" sz="quarter" idx="12"/>
+          </p:nvPr>
+        </p:nvSpPr>
+        <p:spPr/>
+        <p:txBody>
+          <a:bodyPr/>
+          <a:lstStyle/>
+          <a:p>
+            <a:fld id="{B01D9778-10B4-40FB-B4E4-44FA89A86639}" type="slidenum">
+              <a:rPr lang="en-US" smtClean="0"/>
+              <a:pPr/>
+              <a:t>5</a:t>
+            </a:fld>
+            <a:endParaRPr lang="en-US"/>
+          </a:p>
+        </p:txBody>
+      </p:sp>
+    </p:spTree>
+    <p:extLst>
+      <p:ext uri="{BB962C8B-B14F-4D97-AF65-F5344CB8AC3E}">
+        <p14:creationId xmlns:p14="http://schemas.microsoft.com/office/powerpoint/2010/main" val="621892270"/>
+      </p:ext>
+    </p:extLst>
+  </p:cSld>
+  <p:clrMapOvr>
+    <a:masterClrMapping/>
+  </p:clrMapOvr>
+</p:sld>
+</file>
+
+<file path=ppt/slides/slide6.xml><?xml version="1.0" encoding="utf-8"?>
+<p:sld xmlns:a="http://schemas.openxmlformats.org/drawingml/2006/main" xmlns:r="http://schemas.openxmlformats.org/officeDocument/2006/relationships" xmlns:p="http://schemas.openxmlformats.org/presentationml/2006/main">
+  <p:cSld>
+    <p:spTree>
+      <p:nvGrpSpPr>
+        <p:cNvPr id="1" name=""/>
+        <p:cNvGrpSpPr/>
+        <p:nvPr/>
+      </p:nvGrpSpPr>
+      <p:grpSpPr>
+        <a:xfrm>
+          <a:off x="0" y="0"/>
+          <a:ext cx="0" cy="0"/>
+          <a:chOff x="0" y="0"/>
+          <a:chExt cx="0" cy="0"/>
+        </a:xfrm>
+      </p:grpSpPr>
+      <p:sp>
+        <p:nvSpPr>
+          <p:cNvPr id="2" name="Title 1">
+            <a:extLst>
+              <a:ext uri="{FF2B5EF4-FFF2-40B4-BE49-F238E27FC236}">
+                <a16:creationId xmlns:a16="http://schemas.microsoft.com/office/drawing/2014/main" id="{A5B2A960-F91A-451D-906E-3D10760A88BF}"/>
+              </a:ext>
+            </a:extLst>
+          </p:cNvPr>
+          <p:cNvSpPr>
+            <a:spLocks noGrp="1"/>
+          </p:cNvSpPr>
+          <p:nvPr>
+            <p:ph type="title"/>
+          </p:nvPr>
+        </p:nvSpPr>
+        <p:spPr/>
+        <p:txBody>
+          <a:bodyPr/>
+          <a:lstStyle/>
+          <a:p>
+            <a:r>
+              <a:rPr lang="en-US" dirty="0">
+                <a:solidFill>
+                  <a:srgbClr val="002060"/>
+                </a:solidFill>
+              </a:rPr>
+              <a:t>Prior Work – cont.</a:t>
+            </a:r>
+            <a:endParaRPr lang="en-US" dirty="0"/>
+          </a:p>
+        </p:txBody>
+      </p:sp>
+      <p:sp>
+        <p:nvSpPr>
+          <p:cNvPr id="3" name="Content Placeholder 2">
+            <a:extLst>
+              <a:ext uri="{FF2B5EF4-FFF2-40B4-BE49-F238E27FC236}">
+                <a16:creationId xmlns:a16="http://schemas.microsoft.com/office/drawing/2014/main" id="{8B66C5E1-311F-4EC7-B118-7FB279D22631}"/>
+              </a:ext>
+            </a:extLst>
+          </p:cNvPr>
+          <p:cNvSpPr>
+            <a:spLocks noGrp="1"/>
+          </p:cNvSpPr>
+          <p:nvPr>
+            <p:ph idx="1"/>
+          </p:nvPr>
+        </p:nvSpPr>
+        <p:spPr/>
+        <p:txBody>
+          <a:bodyPr/>
+          <a:lstStyle/>
+          <a:p>
+            <a:pPr marL="0" indent="0" fontAlgn="base">
+              <a:buNone/>
+            </a:pPr>
+            <a:r>
+              <a:rPr lang="en-US" i="1" dirty="0">
+                <a:solidFill>
+                  <a:srgbClr val="002060"/>
+                </a:solidFill>
+              </a:rPr>
+              <a:t>Kaggle RSNA Pneumonia Detection Challenge</a:t>
+            </a:r>
+          </a:p>
+          <a:p>
+            <a:pPr lvl="1">
+              <a:buFont typeface="Arial" panose="020B0604020202020204" pitchFamily="34" charset="0"/>
+              <a:buChar char="•"/>
+            </a:pPr>
+            <a:r>
+              <a:rPr lang="en-US" dirty="0">
+                <a:solidFill>
+                  <a:srgbClr val="002060"/>
+                </a:solidFill>
+              </a:rPr>
+              <a:t>Roughly 27k chest X-ray images</a:t>
+            </a:r>
+          </a:p>
+          <a:p>
+            <a:pPr lvl="1">
+              <a:buFont typeface="Arial" panose="020B0604020202020204" pitchFamily="34" charset="0"/>
+              <a:buChar char="•"/>
+            </a:pPr>
+            <a:r>
+              <a:rPr lang="en-US" dirty="0">
+                <a:solidFill>
+                  <a:srgbClr val="002060"/>
+                </a:solidFill>
+              </a:rPr>
+              <a:t>Some 10,500 labeled “No Lung Opacity”, 8600 labeled “Lung Opacity”, 7800 labeled “No Lung Opacity/Not Normal”</a:t>
+            </a:r>
+          </a:p>
+          <a:p>
+            <a:pPr marL="457200" lvl="1" indent="0">
+              <a:buNone/>
+            </a:pPr>
+            <a:endParaRPr lang="en-US" dirty="0">
+              <a:solidFill>
+                <a:srgbClr val="002060"/>
+              </a:solidFill>
+            </a:endParaRPr>
+          </a:p>
+          <a:p>
+            <a:pPr lvl="1">
+              <a:buFont typeface="Arial" panose="020B0604020202020204" pitchFamily="34" charset="0"/>
+              <a:buChar char="•"/>
+            </a:pPr>
+            <a:r>
+              <a:rPr lang="en-US" dirty="0">
+                <a:solidFill>
+                  <a:srgbClr val="002060"/>
+                </a:solidFill>
+              </a:rPr>
+              <a:t>Best results score 0.25475</a:t>
+            </a:r>
+          </a:p>
+          <a:p>
+            <a:endParaRPr lang="en-US" dirty="0"/>
+          </a:p>
+        </p:txBody>
+      </p:sp>
+      <p:sp>
+        <p:nvSpPr>
+          <p:cNvPr id="4" name="Slide Number Placeholder 3">
+            <a:extLst>
+              <a:ext uri="{FF2B5EF4-FFF2-40B4-BE49-F238E27FC236}">
+                <a16:creationId xmlns:a16="http://schemas.microsoft.com/office/drawing/2014/main" id="{4F20A850-77C2-4106-9783-B6822EED7DC2}"/>
+              </a:ext>
+            </a:extLst>
+          </p:cNvPr>
+          <p:cNvSpPr>
+            <a:spLocks noGrp="1"/>
+          </p:cNvSpPr>
+          <p:nvPr>
+            <p:ph type="sldNum" sz="quarter" idx="12"/>
+          </p:nvPr>
+        </p:nvSpPr>
+        <p:spPr/>
+        <p:txBody>
+          <a:bodyPr/>
+          <a:lstStyle/>
+          <a:p>
+            <a:fld id="{B01D9778-10B4-40FB-B4E4-44FA89A86639}" type="slidenum">
+              <a:rPr lang="en-US" smtClean="0"/>
+              <a:pPr/>
+              <a:t>6</a:t>
+            </a:fld>
+            <a:endParaRPr lang="en-US"/>
+          </a:p>
+        </p:txBody>
+      </p:sp>
+    </p:spTree>
+    <p:extLst>
+      <p:ext uri="{BB962C8B-B14F-4D97-AF65-F5344CB8AC3E}">
+        <p14:creationId xmlns:p14="http://schemas.microsoft.com/office/powerpoint/2010/main" val="2574016886"/>
+      </p:ext>
+    </p:extLst>
+  </p:cSld>
+  <p:clrMapOvr>
+    <a:masterClrMapping/>
+  </p:clrMapOvr>
+</p:sld>
+</file>
+
+<file path=ppt/slides/slide7.xml><?xml version="1.0" encoding="utf-8"?>
+<p:sld xmlns:a="http://schemas.openxmlformats.org/drawingml/2006/main" xmlns:r="http://schemas.openxmlformats.org/officeDocument/2006/relationships" xmlns:p="http://schemas.openxmlformats.org/presentationml/2006/main">
+  <p:cSld>
+    <p:spTree>
+      <p:nvGrpSpPr>
+        <p:cNvPr id="1" name=""/>
+        <p:cNvGrpSpPr/>
+        <p:nvPr/>
+      </p:nvGrpSpPr>
+      <p:grpSpPr>
+        <a:xfrm>
+          <a:off x="0" y="0"/>
+          <a:ext cx="0" cy="0"/>
+          <a:chOff x="0" y="0"/>
+          <a:chExt cx="0" cy="0"/>
+        </a:xfrm>
+      </p:grpSpPr>
+      <p:sp>
+        <p:nvSpPr>
+          <p:cNvPr id="2" name="Title 1">
+            <a:extLst>
+              <a:ext uri="{FF2B5EF4-FFF2-40B4-BE49-F238E27FC236}">
+                <a16:creationId xmlns:a16="http://schemas.microsoft.com/office/drawing/2014/main" id="{CD75B5FA-699C-4AE6-AD44-EF3234BAD867}"/>
+              </a:ext>
+            </a:extLst>
+          </p:cNvPr>
+          <p:cNvSpPr>
+            <a:spLocks noGrp="1"/>
+          </p:cNvSpPr>
+          <p:nvPr>
+            <p:ph type="title"/>
+          </p:nvPr>
+        </p:nvSpPr>
+        <p:spPr/>
+        <p:txBody>
+          <a:bodyPr/>
+          <a:lstStyle/>
+          <a:p>
+            <a:r>
+              <a:rPr lang="en-US" dirty="0">
+                <a:solidFill>
+                  <a:srgbClr val="002060"/>
+                </a:solidFill>
+              </a:rPr>
+              <a:t>Prior Work – cont.</a:t>
+            </a:r>
+          </a:p>
+        </p:txBody>
+      </p:sp>
+      <p:sp>
+        <p:nvSpPr>
+          <p:cNvPr id="3" name="Content Placeholder 2">
+            <a:extLst>
+              <a:ext uri="{FF2B5EF4-FFF2-40B4-BE49-F238E27FC236}">
+                <a16:creationId xmlns:a16="http://schemas.microsoft.com/office/drawing/2014/main" id="{BF6A365C-B34C-4F9F-940E-B6C2FE697768}"/>
+              </a:ext>
+            </a:extLst>
+          </p:cNvPr>
+          <p:cNvSpPr>
+            <a:spLocks noGrp="1"/>
+          </p:cNvSpPr>
+          <p:nvPr>
+            <p:ph idx="1"/>
+          </p:nvPr>
+        </p:nvSpPr>
+        <p:spPr>
+          <a:xfrm>
+            <a:off x="457200" y="1600200"/>
+            <a:ext cx="8229600" cy="4983162"/>
+          </a:xfrm>
+        </p:spPr>
+        <p:txBody>
+          <a:bodyPr>
+            <a:normAutofit/>
+          </a:bodyPr>
+          <a:lstStyle/>
+          <a:p>
+            <a:pPr marL="0" indent="0">
+              <a:buNone/>
+            </a:pPr>
+            <a:r>
+              <a:rPr lang="en-US" i="1" dirty="0">
+                <a:solidFill>
+                  <a:srgbClr val="002060"/>
+                </a:solidFill>
+              </a:rPr>
+              <a:t>CheXpert Challenge</a:t>
+            </a:r>
+          </a:p>
+          <a:p>
+            <a:pPr lvl="1">
+              <a:buFont typeface="Arial" panose="020B0604020202020204" pitchFamily="34" charset="0"/>
+              <a:buChar char="•"/>
+            </a:pPr>
+            <a:r>
+              <a:rPr lang="en-US" dirty="0">
+                <a:solidFill>
+                  <a:srgbClr val="002060"/>
+                </a:solidFill>
+              </a:rPr>
+              <a:t>About 200k chest X-ray images, 14 labels</a:t>
+            </a:r>
+          </a:p>
+          <a:p>
+            <a:pPr lvl="1">
+              <a:buFont typeface="Arial" panose="020B0604020202020204" pitchFamily="34" charset="0"/>
+              <a:buChar char="•"/>
+            </a:pPr>
+            <a:r>
+              <a:rPr lang="en-US" dirty="0">
+                <a:solidFill>
+                  <a:srgbClr val="002060"/>
+                </a:solidFill>
+              </a:rPr>
+              <a:t>16,600 are labeled with Pneumonia, 170,000 are labeled Normal </a:t>
+            </a:r>
+          </a:p>
+          <a:p>
+            <a:pPr lvl="1">
+              <a:buFont typeface="Arial" panose="020B0604020202020204" pitchFamily="34" charset="0"/>
+              <a:buChar char="•"/>
+            </a:pPr>
+            <a:r>
+              <a:rPr lang="en-US" dirty="0">
+                <a:solidFill>
+                  <a:srgbClr val="002060"/>
+                </a:solidFill>
+              </a:rPr>
+              <a:t>Other diseases also labeled </a:t>
+            </a:r>
+          </a:p>
+          <a:p>
+            <a:pPr marL="0" indent="0">
+              <a:buNone/>
+            </a:pPr>
+            <a:endParaRPr lang="en-US" dirty="0">
+              <a:solidFill>
+                <a:srgbClr val="002060"/>
+              </a:solidFill>
+            </a:endParaRPr>
+          </a:p>
+          <a:p>
+            <a:pPr lvl="1">
+              <a:buFont typeface="Arial" panose="020B0604020202020204" pitchFamily="34" charset="0"/>
+              <a:buChar char="•"/>
+            </a:pPr>
+            <a:r>
+              <a:rPr lang="en-US" dirty="0">
+                <a:solidFill>
+                  <a:srgbClr val="002060"/>
+                </a:solidFill>
+              </a:rPr>
+              <a:t>Current best results have 0.93 AUC for all classes</a:t>
+            </a:r>
+          </a:p>
+          <a:p>
+            <a:pPr lvl="1"/>
+            <a:endParaRPr lang="en-US" dirty="0">
+              <a:solidFill>
+                <a:srgbClr val="002060"/>
+              </a:solidFill>
+            </a:endParaRPr>
+          </a:p>
+          <a:p>
+            <a:pPr lvl="1"/>
+            <a:endParaRPr lang="en-US" dirty="0">
+              <a:solidFill>
+                <a:srgbClr val="002060"/>
+              </a:solidFill>
+            </a:endParaRPr>
+          </a:p>
+          <a:p>
+            <a:pPr lvl="2"/>
+            <a:endParaRPr lang="en-US" dirty="0">
+              <a:solidFill>
+                <a:srgbClr val="002060"/>
+              </a:solidFill>
+            </a:endParaRPr>
+          </a:p>
+        </p:txBody>
+      </p:sp>
+      <p:sp>
+        <p:nvSpPr>
+          <p:cNvPr id="4" name="Slide Number Placeholder 3">
+            <a:extLst>
+              <a:ext uri="{FF2B5EF4-FFF2-40B4-BE49-F238E27FC236}">
+                <a16:creationId xmlns:a16="http://schemas.microsoft.com/office/drawing/2014/main" id="{60168D79-FA6A-4A04-8CF9-B14810206753}"/>
+              </a:ext>
+            </a:extLst>
+          </p:cNvPr>
+          <p:cNvSpPr>
+            <a:spLocks noGrp="1"/>
+          </p:cNvSpPr>
+          <p:nvPr>
+            <p:ph type="sldNum" sz="quarter" idx="12"/>
+          </p:nvPr>
+        </p:nvSpPr>
+        <p:spPr/>
+        <p:txBody>
+          <a:bodyPr/>
+          <a:lstStyle/>
+          <a:p>
+            <a:fld id="{B01D9778-10B4-40FB-B4E4-44FA89A86639}" type="slidenum">
+              <a:rPr lang="en-US" smtClean="0"/>
+              <a:pPr/>
+              <a:t>7</a:t>
+            </a:fld>
+            <a:endParaRPr lang="en-US"/>
+          </a:p>
+        </p:txBody>
+      </p:sp>
+    </p:spTree>
+    <p:extLst>
+      <p:ext uri="{BB962C8B-B14F-4D97-AF65-F5344CB8AC3E}">
+        <p14:creationId xmlns:p14="http://schemas.microsoft.com/office/powerpoint/2010/main" val="3878957493"/>
+      </p:ext>
+    </p:extLst>
+  </p:cSld>
+  <p:clrMapOvr>
+    <a:masterClrMapping/>
+  </p:clrMapOvr>
+</p:sld>
+</file>
+
 <file path=ppt/slides/slide8.xml><?xml version="1.0" encoding="utf-8"?>
 <p:sld xmlns:a="http://schemas.openxmlformats.org/drawingml/2006/main" xmlns:r="http://schemas.openxmlformats.org/officeDocument/2006/relationships" xmlns:p="http://schemas.openxmlformats.org/presentationml/2006/main">
   <p:cSld>
@@ -5159,7 +7104,7 @@
           <p:cNvPr id="2" name="Title 1">
             <a:extLst>
               <a:ext uri="{FF2B5EF4-FFF2-40B4-BE49-F238E27FC236}">
-                <a16:creationId xmlns:a16="http://schemas.microsoft.com/office/drawing/2014/main" id="{A83A3907-5868-491F-80F2-4633FEEAA9C1}"/>
+                <a16:creationId xmlns:a16="http://schemas.microsoft.com/office/drawing/2014/main" id="{C05F3A5B-D1F7-48D6-A89F-5B7751E7066C}"/>
               </a:ext>
             </a:extLst>
           </p:cNvPr>
@@ -5172,9 +7117,7 @@
         </p:nvSpPr>
         <p:spPr/>
         <p:txBody>
-          <a:bodyPr>
-            <a:normAutofit/>
-          </a:bodyPr>
+          <a:bodyPr/>
           <a:lstStyle/>
           <a:p>
             <a:r>
@@ -5183,115 +7126,52 @@
                   <a:srgbClr val="002060"/>
                 </a:solidFill>
               </a:rPr>
-              <a:t>DCN - Results</a:t>
-            </a:r>
-            <a:endParaRPr lang="en-US" dirty="0"/>
-          </a:p>
-        </p:txBody>
-      </p:sp>
-      <p:sp>
-        <p:nvSpPr>
-          <p:cNvPr id="3" name="Content Placeholder 2">
+              <a:t>Example - Deformations</a:t>
+            </a:r>
+          </a:p>
+        </p:txBody>
+      </p:sp>
+      <p:pic>
+        <p:nvPicPr>
+          <p:cNvPr id="6" name="Content Placeholder 5">
             <a:extLst>
               <a:ext uri="{FF2B5EF4-FFF2-40B4-BE49-F238E27FC236}">
-                <a16:creationId xmlns:a16="http://schemas.microsoft.com/office/drawing/2014/main" id="{FD9D945D-90FF-4CB6-99B8-A86B0C6D048D}"/>
+                <a16:creationId xmlns:a16="http://schemas.microsoft.com/office/drawing/2014/main" id="{01293C43-7F80-4294-9204-A1B9F970E7BA}"/>
               </a:ext>
             </a:extLst>
           </p:cNvPr>
-          <p:cNvSpPr>
-            <a:spLocks noGrp="1"/>
-          </p:cNvSpPr>
+          <p:cNvPicPr>
+            <a:picLocks noGrp="1" noChangeAspect="1"/>
+          </p:cNvPicPr>
           <p:nvPr>
             <p:ph idx="1"/>
           </p:nvPr>
-        </p:nvSpPr>
+        </p:nvPicPr>
+        <p:blipFill>
+          <a:blip r:embed="rId2">
+            <a:extLst>
+              <a:ext uri="{28A0092B-C50C-407E-A947-70E740481C1C}">
+                <a14:useLocalDpi xmlns:a14="http://schemas.microsoft.com/office/drawing/2010/main" val="0"/>
+              </a:ext>
+            </a:extLst>
+          </a:blip>
+          <a:stretch>
+            <a:fillRect/>
+          </a:stretch>
+        </p:blipFill>
         <p:spPr>
           <a:xfrm>
-            <a:off x="76200" y="1417638"/>
-            <a:ext cx="8610600" cy="4525963"/>
+            <a:off x="3733800" y="1752600"/>
+            <a:ext cx="5105400" cy="3472063"/>
           </a:xfrm>
         </p:spPr>
-        <p:txBody>
-          <a:bodyPr>
-            <a:normAutofit/>
-          </a:bodyPr>
-          <a:lstStyle/>
-          <a:p>
-            <a:r>
-              <a:rPr lang="en-US" sz="2400" dirty="0">
-                <a:solidFill>
-                  <a:srgbClr val="002060"/>
-                </a:solidFill>
-              </a:rPr>
-              <a:t>By using these two new modules, DCN improves the accuracy of </a:t>
-            </a:r>
-            <a:r>
-              <a:rPr lang="en-US" sz="2400" dirty="0" err="1">
-                <a:solidFill>
-                  <a:srgbClr val="002060"/>
-                </a:solidFill>
-              </a:rPr>
-              <a:t>DeepLab</a:t>
-            </a:r>
-            <a:r>
-              <a:rPr lang="en-US" sz="2400" dirty="0">
-                <a:solidFill>
-                  <a:srgbClr val="002060"/>
-                </a:solidFill>
-              </a:rPr>
-              <a:t>, Faster R-CNN, R-FCN, and FPN etc.</a:t>
-            </a:r>
-          </a:p>
-          <a:p>
-            <a:r>
-              <a:rPr lang="en-US" sz="2400" dirty="0">
-                <a:solidFill>
-                  <a:srgbClr val="002060"/>
-                </a:solidFill>
-              </a:rPr>
-              <a:t>Won the 2</a:t>
-            </a:r>
-            <a:r>
-              <a:rPr lang="en-US" sz="2400" baseline="30000" dirty="0">
-                <a:solidFill>
-                  <a:srgbClr val="002060"/>
-                </a:solidFill>
-              </a:rPr>
-              <a:t>nd</a:t>
-            </a:r>
-            <a:r>
-              <a:rPr lang="en-US" sz="2400" dirty="0">
-                <a:solidFill>
-                  <a:srgbClr val="002060"/>
-                </a:solidFill>
-              </a:rPr>
-              <a:t> Runner Up in COCO Detection Challenge and 3</a:t>
-            </a:r>
-            <a:r>
-              <a:rPr lang="en-US" sz="2400" baseline="30000" dirty="0">
-                <a:solidFill>
-                  <a:srgbClr val="002060"/>
-                </a:solidFill>
-              </a:rPr>
-              <a:t>rd</a:t>
-            </a:r>
-            <a:r>
-              <a:rPr lang="en-US" sz="2400" dirty="0">
-                <a:solidFill>
-                  <a:srgbClr val="002060"/>
-                </a:solidFill>
-              </a:rPr>
-              <a:t> Runner Up in Segmentation Challenge</a:t>
-            </a:r>
-          </a:p>
-        </p:txBody>
-      </p:sp>
+      </p:pic>
       <p:sp>
         <p:nvSpPr>
           <p:cNvPr id="4" name="Slide Number Placeholder 3">
             <a:extLst>
               <a:ext uri="{FF2B5EF4-FFF2-40B4-BE49-F238E27FC236}">
-                <a16:creationId xmlns:a16="http://schemas.microsoft.com/office/drawing/2014/main" id="{6ED004E6-B912-45E4-A456-29799468E102}"/>
+                <a16:creationId xmlns:a16="http://schemas.microsoft.com/office/drawing/2014/main" id="{013FCB30-92A7-4CBB-9F19-F24437AC40FE}"/>
               </a:ext>
             </a:extLst>
           </p:cNvPr>
@@ -5316,45 +7196,144 @@
           </a:p>
         </p:txBody>
       </p:sp>
-      <p:pic>
-        <p:nvPicPr>
-          <p:cNvPr id="8" name="Picture 7" descr="A screenshot of a cell phone&#10;&#10;Description automatically generated">
+      <p:sp>
+        <p:nvSpPr>
+          <p:cNvPr id="7" name="TextBox 6">
             <a:extLst>
               <a:ext uri="{FF2B5EF4-FFF2-40B4-BE49-F238E27FC236}">
-                <a16:creationId xmlns:a16="http://schemas.microsoft.com/office/drawing/2014/main" id="{792BAEE2-1C09-4F45-81F1-85124DEEFF3C}"/>
+                <a16:creationId xmlns:a16="http://schemas.microsoft.com/office/drawing/2014/main" id="{DEF62CCA-2FF8-4299-9DBB-A1664B234917}"/>
               </a:ext>
             </a:extLst>
           </p:cNvPr>
-          <p:cNvPicPr>
-            <a:picLocks noChangeAspect="1"/>
-          </p:cNvPicPr>
+          <p:cNvSpPr txBox="1"/>
           <p:nvPr/>
-        </p:nvPicPr>
-        <p:blipFill rotWithShape="1">
-          <a:blip r:embed="rId3">
-            <a:extLst>
-              <a:ext uri="{28A0092B-C50C-407E-A947-70E740481C1C}">
-                <a14:useLocalDpi xmlns:a14="http://schemas.microsoft.com/office/drawing/2010/main" val="0"/>
-              </a:ext>
-            </a:extLst>
-          </a:blip>
-          <a:srcRect t="7407" b="12963"/>
-          <a:stretch/>
-        </p:blipFill>
+        </p:nvSpPr>
         <p:spPr>
           <a:xfrm>
-            <a:off x="670519" y="3094038"/>
-            <a:ext cx="7559081" cy="3611562"/>
+            <a:off x="888704" y="2149803"/>
+            <a:ext cx="3404191" cy="2677656"/>
           </a:xfrm>
           <a:prstGeom prst="rect">
             <a:avLst/>
           </a:prstGeom>
+          <a:noFill/>
         </p:spPr>
-      </p:pic>
+        <p:txBody>
+          <a:bodyPr wrap="square" rtlCol="0">
+            <a:spAutoFit/>
+          </a:bodyPr>
+          <a:lstStyle/>
+          <a:p>
+            <a:pPr marL="342900" indent="-342900">
+              <a:buFont typeface="Arial" panose="020B0604020202020204" pitchFamily="34" charset="0"/>
+              <a:buChar char="•"/>
+            </a:pPr>
+            <a:r>
+              <a:rPr lang="en-US" sz="2400" dirty="0">
+                <a:solidFill>
+                  <a:srgbClr val="002060"/>
+                </a:solidFill>
+                <a:latin typeface="+mj-lt"/>
+                <a:ea typeface="+mj-ea"/>
+                <a:cs typeface="+mj-cs"/>
+              </a:rPr>
+              <a:t>Patient laying</a:t>
+            </a:r>
+          </a:p>
+          <a:p>
+            <a:r>
+              <a:rPr lang="en-US" sz="2400" dirty="0">
+                <a:solidFill>
+                  <a:srgbClr val="002060"/>
+                </a:solidFill>
+                <a:latin typeface="+mj-lt"/>
+                <a:ea typeface="+mj-ea"/>
+                <a:cs typeface="+mj-cs"/>
+              </a:rPr>
+              <a:t> </a:t>
+            </a:r>
+          </a:p>
+          <a:p>
+            <a:pPr marL="342900" indent="-342900">
+              <a:buFont typeface="Arial" panose="020B0604020202020204" pitchFamily="34" charset="0"/>
+              <a:buChar char="•"/>
+            </a:pPr>
+            <a:r>
+              <a:rPr lang="en-US" sz="2400" dirty="0">
+                <a:solidFill>
+                  <a:srgbClr val="002060"/>
+                </a:solidFill>
+                <a:latin typeface="+mj-lt"/>
+                <a:ea typeface="+mj-ea"/>
+                <a:cs typeface="+mj-cs"/>
+              </a:rPr>
+              <a:t>Tilted camera</a:t>
+            </a:r>
+          </a:p>
+          <a:p>
+            <a:endParaRPr lang="en-US" sz="2400" dirty="0">
+              <a:solidFill>
+                <a:srgbClr val="002060"/>
+              </a:solidFill>
+              <a:latin typeface="+mj-lt"/>
+              <a:ea typeface="+mj-ea"/>
+              <a:cs typeface="+mj-cs"/>
+            </a:endParaRPr>
+          </a:p>
+          <a:p>
+            <a:pPr marL="342900" indent="-342900">
+              <a:buFont typeface="Arial" panose="020B0604020202020204" pitchFamily="34" charset="0"/>
+              <a:buChar char="•"/>
+            </a:pPr>
+            <a:r>
+              <a:rPr lang="en-US" sz="2400" dirty="0">
+                <a:solidFill>
+                  <a:srgbClr val="002060"/>
+                </a:solidFill>
+                <a:latin typeface="+mj-lt"/>
+                <a:ea typeface="+mj-ea"/>
+                <a:cs typeface="+mj-cs"/>
+              </a:rPr>
+              <a:t>Added labels</a:t>
+            </a:r>
+          </a:p>
+          <a:p>
+            <a:pPr marL="342900" indent="-342900">
+              <a:buFont typeface="Arial" panose="020B0604020202020204" pitchFamily="34" charset="0"/>
+              <a:buChar char="•"/>
+            </a:pPr>
+            <a:endParaRPr lang="en-US" sz="2400" dirty="0">
+              <a:solidFill>
+                <a:srgbClr val="002060"/>
+              </a:solidFill>
+              <a:latin typeface="+mj-lt"/>
+              <a:ea typeface="+mj-ea"/>
+              <a:cs typeface="+mj-cs"/>
+            </a:endParaRPr>
+          </a:p>
+          <a:p>
+            <a:pPr marL="342900" indent="-342900">
+              <a:buFont typeface="Arial" panose="020B0604020202020204" pitchFamily="34" charset="0"/>
+              <a:buChar char="•"/>
+            </a:pPr>
+            <a:r>
+              <a:rPr lang="en-US" sz="2400" dirty="0">
+                <a:solidFill>
+                  <a:srgbClr val="002060"/>
+                </a:solidFill>
+                <a:latin typeface="+mj-lt"/>
+                <a:ea typeface="+mj-ea"/>
+                <a:cs typeface="+mj-cs"/>
+              </a:rPr>
+              <a:t>Electrodes</a:t>
+            </a:r>
+          </a:p>
+        </p:txBody>
+      </p:sp>
     </p:spTree>
     <p:extLst>
       <p:ext uri="{BB962C8B-B14F-4D97-AF65-F5344CB8AC3E}">
-        <p14:creationId xmlns:p14="http://schemas.microsoft.com/office/powerpoint/2010/main" val="2941656986"/>
+        <p14:creationId xmlns:p14="http://schemas.microsoft.com/office/powerpoint/2010/main" val="618998871"/>
       </p:ext>
     </p:extLst>
   </p:cSld>
@@ -5393,7 +7372,9 @@
         </p:nvSpPr>
         <p:spPr/>
         <p:txBody>
-          <a:bodyPr/>
+          <a:bodyPr>
+            <a:normAutofit/>
+          </a:bodyPr>
           <a:lstStyle/>
           <a:p>
             <a:r>
@@ -5402,7 +7383,7 @@
                   <a:srgbClr val="002060"/>
                 </a:solidFill>
               </a:rPr>
-              <a:t>Chosen Solution</a:t>
+              <a:t>Literature Survey - DCN</a:t>
             </a:r>
             <a:endParaRPr lang="he-IL" dirty="0">
               <a:solidFill>
@@ -5422,116 +7403,47 @@
             <p:ph idx="1"/>
           </p:nvPr>
         </p:nvSpPr>
-        <p:spPr/>
+        <p:spPr>
+          <a:xfrm>
+            <a:off x="457200" y="1752600"/>
+            <a:ext cx="8229600" cy="4830761"/>
+          </a:xfrm>
+        </p:spPr>
         <p:txBody>
           <a:bodyPr>
-            <a:normAutofit fontScale="92500"/>
+            <a:normAutofit/>
           </a:bodyPr>
           <a:lstStyle/>
           <a:p>
             <a:r>
-              <a:rPr lang="en-US" dirty="0">
-                <a:solidFill>
-                  <a:srgbClr val="002060"/>
-                </a:solidFill>
-              </a:rPr>
-              <a:t>We hope to exploit DCN advantages for improved Pneumonia detection in deformed images</a:t>
-            </a:r>
-          </a:p>
-          <a:p>
-            <a:r>
-              <a:rPr lang="en-US" dirty="0">
-                <a:solidFill>
-                  <a:srgbClr val="002060"/>
-                </a:solidFill>
-              </a:rPr>
-              <a:t>Implement known architectures such as </a:t>
-            </a:r>
-            <a:r>
-              <a:rPr lang="en-US" dirty="0" err="1">
-                <a:solidFill>
-                  <a:srgbClr val="002060"/>
-                </a:solidFill>
-              </a:rPr>
-              <a:t>AlexNet</a:t>
-            </a:r>
-            <a:r>
-              <a:rPr lang="en-US" dirty="0">
-                <a:solidFill>
-                  <a:srgbClr val="002060"/>
-                </a:solidFill>
-              </a:rPr>
-              <a:t>, </a:t>
-            </a:r>
-            <a:r>
-              <a:rPr lang="en-US" dirty="0" err="1">
-                <a:solidFill>
-                  <a:srgbClr val="002060"/>
-                </a:solidFill>
-              </a:rPr>
-              <a:t>ResNet</a:t>
-            </a:r>
-            <a:r>
-              <a:rPr lang="en-US" dirty="0">
-                <a:solidFill>
-                  <a:srgbClr val="002060"/>
-                </a:solidFill>
-              </a:rPr>
-              <a:t>, </a:t>
-            </a:r>
-            <a:r>
-              <a:rPr lang="en-US" dirty="0" err="1">
-                <a:solidFill>
-                  <a:srgbClr val="002060"/>
-                </a:solidFill>
-              </a:rPr>
-              <a:t>DenseNet</a:t>
-            </a:r>
-            <a:r>
-              <a:rPr lang="en-US" dirty="0">
-                <a:solidFill>
-                  <a:srgbClr val="002060"/>
-                </a:solidFill>
-              </a:rPr>
-              <a:t> on our datasets to classify Pneumonia</a:t>
-            </a:r>
-          </a:p>
-          <a:p>
-            <a:r>
-              <a:rPr lang="en-US" dirty="0">
-                <a:solidFill>
-                  <a:srgbClr val="002060"/>
-                </a:solidFill>
-              </a:rPr>
-              <a:t>Add Deformable Convolution layers to architectures</a:t>
-            </a:r>
-          </a:p>
-          <a:p>
-            <a:r>
-              <a:rPr lang="en-US" dirty="0">
-                <a:solidFill>
-                  <a:srgbClr val="002060"/>
-                </a:solidFill>
-              </a:rPr>
-              <a:t>Use on datasets such as Kaggle, </a:t>
-            </a:r>
-            <a:r>
-              <a:rPr lang="en-US" dirty="0" err="1">
-                <a:solidFill>
-                  <a:srgbClr val="002060"/>
-                </a:solidFill>
-              </a:rPr>
-              <a:t>CheXpert</a:t>
-            </a:r>
-            <a:r>
-              <a:rPr lang="en-US" dirty="0">
-                <a:solidFill>
-                  <a:srgbClr val="002060"/>
-                </a:solidFill>
-              </a:rPr>
-              <a:t> and more</a:t>
-            </a:r>
-            <a:endParaRPr lang="he-IL" dirty="0">
+              <a:rPr lang="en-US" sz="2400" dirty="0">
+                <a:solidFill>
+                  <a:srgbClr val="002060"/>
+                </a:solidFill>
+              </a:rPr>
+              <a:t>Convolution operates on rectangular grid from input image or a set of input feature maps</a:t>
+            </a:r>
+          </a:p>
+          <a:p>
+            <a:r>
+              <a:rPr lang="en-US" sz="2400" dirty="0">
+                <a:solidFill>
+                  <a:srgbClr val="002060"/>
+                </a:solidFill>
+              </a:rPr>
+              <a:t>Objects may be deformed or occluded within image</a:t>
+            </a:r>
+          </a:p>
+          <a:p>
+            <a:r>
+              <a:rPr lang="en-US" sz="2400" dirty="0">
+                <a:solidFill>
+                  <a:srgbClr val="002060"/>
+                </a:solidFill>
+              </a:rPr>
+              <a:t>DCN - each grid point is moved by learnable offset</a:t>
+            </a:r>
+            <a:endParaRPr lang="he-IL" sz="2400" dirty="0">
               <a:solidFill>
                 <a:srgbClr val="002060"/>
               </a:solidFill>
@@ -5563,10 +7475,91 @@
           </a:p>
         </p:txBody>
       </p:sp>
+      <p:sp>
+        <p:nvSpPr>
+          <p:cNvPr id="4" name="TextBox 3">
+            <a:extLst>
+              <a:ext uri="{FF2B5EF4-FFF2-40B4-BE49-F238E27FC236}">
+                <a16:creationId xmlns:a16="http://schemas.microsoft.com/office/drawing/2014/main" id="{114EBC9B-DE82-4C6A-AF04-1168189C0C32}"/>
+              </a:ext>
+            </a:extLst>
+          </p:cNvPr>
+          <p:cNvSpPr txBox="1"/>
+          <p:nvPr/>
+        </p:nvSpPr>
+        <p:spPr>
+          <a:xfrm>
+            <a:off x="1219200" y="1186160"/>
+            <a:ext cx="6781800" cy="646331"/>
+          </a:xfrm>
+          <a:prstGeom prst="rect">
+            <a:avLst/>
+          </a:prstGeom>
+          <a:noFill/>
+        </p:spPr>
+        <p:txBody>
+          <a:bodyPr wrap="square" rtlCol="0">
+            <a:spAutoFit/>
+          </a:bodyPr>
+          <a:lstStyle/>
+          <a:p>
+            <a:r>
+              <a:rPr lang="en-US" dirty="0"/>
+              <a:t>Dai, </a:t>
+            </a:r>
+            <a:r>
+              <a:rPr lang="en-US" dirty="0" err="1"/>
+              <a:t>Jifeng</a:t>
+            </a:r>
+            <a:r>
+              <a:rPr lang="en-US" dirty="0"/>
+              <a:t>, et al. "Deformable convolutional networks." </a:t>
+            </a:r>
+            <a:r>
+              <a:rPr lang="en-US" i="1" dirty="0"/>
+              <a:t>Proceedings of the IEEE international conference on computer vision</a:t>
+            </a:r>
+            <a:r>
+              <a:rPr lang="en-US" dirty="0"/>
+              <a:t>. 2017.</a:t>
+            </a:r>
+          </a:p>
+        </p:txBody>
+      </p:sp>
+      <p:pic>
+        <p:nvPicPr>
+          <p:cNvPr id="7" name="Picture 6">
+            <a:extLst>
+              <a:ext uri="{FF2B5EF4-FFF2-40B4-BE49-F238E27FC236}">
+                <a16:creationId xmlns:a16="http://schemas.microsoft.com/office/drawing/2014/main" id="{FF55F4D5-D545-49B6-90D7-6FB849BE6DFF}"/>
+              </a:ext>
+            </a:extLst>
+          </p:cNvPr>
+          <p:cNvPicPr>
+            <a:picLocks noChangeAspect="1"/>
+          </p:cNvPicPr>
+          <p:nvPr/>
+        </p:nvPicPr>
+        <p:blipFill>
+          <a:blip r:embed="rId2"/>
+          <a:stretch>
+            <a:fillRect/>
+          </a:stretch>
+        </p:blipFill>
+        <p:spPr>
+          <a:xfrm>
+            <a:off x="2481262" y="3841750"/>
+            <a:ext cx="4181475" cy="2514600"/>
+          </a:xfrm>
+          <a:prstGeom prst="rect">
+            <a:avLst/>
+          </a:prstGeom>
+        </p:spPr>
+      </p:pic>
     </p:spTree>
     <p:extLst>
       <p:ext uri="{BB962C8B-B14F-4D97-AF65-F5344CB8AC3E}">
-        <p14:creationId xmlns:p14="http://schemas.microsoft.com/office/powerpoint/2010/main" val="3476935719"/>
+        <p14:creationId xmlns:p14="http://schemas.microsoft.com/office/powerpoint/2010/main" val="1202081205"/>
       </p:ext>
     </p:extLst>
   </p:cSld>

--- a/MidPresentation_Andy_Or.pptx
+++ b/MidPresentation_Andy_Or.pptx
@@ -5,30 +5,37 @@
     <p:sldMasterId id="2147483708" r:id="rId1"/>
   </p:sldMasterIdLst>
   <p:notesMasterIdLst>
-    <p:notesMasterId r:id="rId20"/>
+    <p:notesMasterId r:id="rId27"/>
   </p:notesMasterIdLst>
   <p:handoutMasterIdLst>
-    <p:handoutMasterId r:id="rId21"/>
+    <p:handoutMasterId r:id="rId28"/>
   </p:handoutMasterIdLst>
   <p:sldIdLst>
     <p:sldId id="288" r:id="rId2"/>
     <p:sldId id="291" r:id="rId3"/>
-    <p:sldId id="300" r:id="rId4"/>
-    <p:sldId id="289" r:id="rId5"/>
-    <p:sldId id="304" r:id="rId6"/>
-    <p:sldId id="305" r:id="rId7"/>
-    <p:sldId id="303" r:id="rId8"/>
-    <p:sldId id="306" r:id="rId9"/>
-    <p:sldId id="292" r:id="rId10"/>
-    <p:sldId id="301" r:id="rId11"/>
-    <p:sldId id="302" r:id="rId12"/>
-    <p:sldId id="293" r:id="rId13"/>
-    <p:sldId id="307" r:id="rId14"/>
-    <p:sldId id="308" r:id="rId15"/>
-    <p:sldId id="295" r:id="rId16"/>
-    <p:sldId id="296" r:id="rId17"/>
-    <p:sldId id="299" r:id="rId18"/>
-    <p:sldId id="298" r:id="rId19"/>
+    <p:sldId id="289" r:id="rId4"/>
+    <p:sldId id="300" r:id="rId5"/>
+    <p:sldId id="306" r:id="rId6"/>
+    <p:sldId id="304" r:id="rId7"/>
+    <p:sldId id="305" r:id="rId8"/>
+    <p:sldId id="303" r:id="rId9"/>
+    <p:sldId id="309" r:id="rId10"/>
+    <p:sldId id="292" r:id="rId11"/>
+    <p:sldId id="301" r:id="rId12"/>
+    <p:sldId id="310" r:id="rId13"/>
+    <p:sldId id="312" r:id="rId14"/>
+    <p:sldId id="311" r:id="rId15"/>
+    <p:sldId id="302" r:id="rId16"/>
+    <p:sldId id="293" r:id="rId17"/>
+    <p:sldId id="307" r:id="rId18"/>
+    <p:sldId id="308" r:id="rId19"/>
+    <p:sldId id="295" r:id="rId20"/>
+    <p:sldId id="296" r:id="rId21"/>
+    <p:sldId id="299" r:id="rId22"/>
+    <p:sldId id="298" r:id="rId23"/>
+    <p:sldId id="315" r:id="rId24"/>
+    <p:sldId id="313" r:id="rId25"/>
+    <p:sldId id="314" r:id="rId26"/>
   </p:sldIdLst>
   <p:sldSz cx="9144000" cy="6858000" type="screen4x3"/>
   <p:notesSz cx="7010400" cy="9296400"/>
@@ -255,7 +262,7 @@
             <a:fld id="{C9B6F397-9295-4C9F-B4B0-31BF9D08FE68}" type="datetimeFigureOut">
               <a:rPr lang="he-IL" smtClean="0"/>
               <a:pPr/>
-              <a:t>ה'/טבת/תש"פ</a:t>
+              <a:t>ט'/טבת/תש"פ</a:t>
             </a:fld>
             <a:endParaRPr lang="he-IL"/>
           </a:p>
@@ -426,7 +433,7 @@
             <a:fld id="{543B7BDA-9DDC-4E4C-973D-E4A3E66645CD}" type="datetimeFigureOut">
               <a:rPr lang="he-IL" smtClean="0"/>
               <a:pPr/>
-              <a:t>ה'/טבת/תש"פ</a:t>
+              <a:t>ט'/טבת/תש"פ</a:t>
             </a:fld>
             <a:endParaRPr lang="he-IL"/>
           </a:p>
@@ -858,17 +865,12 @@
           <a:p>
             <a:r>
               <a:rPr lang="he-IL" dirty="0"/>
-              <a:t>אולי לפרט את התוצאות בפורמט </a:t>
+              <a:t>להסביר מה זה </a:t>
             </a:r>
             <a:r>
               <a:rPr lang="en-US" dirty="0"/>
-              <a:t>SPECIFICITY</a:t>
-            </a:r>
-            <a:r>
-              <a:rPr lang="he-IL" dirty="0"/>
-              <a:t> וכד' – בעיית המכ"מ</a:t>
-            </a:r>
-            <a:endParaRPr lang="en-US" dirty="0"/>
+              <a:t>COCO DETECTION CHALLENGE</a:t>
+            </a:r>
           </a:p>
         </p:txBody>
       </p:sp>
@@ -901,7 +903,7 @@
           <p:cNvPr id="5" name="Footer Placeholder 4">
             <a:extLst>
               <a:ext uri="{FF2B5EF4-FFF2-40B4-BE49-F238E27FC236}">
-                <a16:creationId xmlns:a16="http://schemas.microsoft.com/office/drawing/2014/main" id="{D22B5138-94C3-4ACE-9C44-BB76032A6EB9}"/>
+                <a16:creationId xmlns:a16="http://schemas.microsoft.com/office/drawing/2014/main" id="{AD753467-F10B-4164-AC16-609227753711}"/>
               </a:ext>
             </a:extLst>
           </p:cNvPr>
@@ -927,7 +929,7 @@
     </p:spTree>
     <p:extLst>
       <p:ext uri="{BB962C8B-B14F-4D97-AF65-F5344CB8AC3E}">
-        <p14:creationId xmlns:p14="http://schemas.microsoft.com/office/powerpoint/2010/main" val="1648461225"/>
+        <p14:creationId xmlns:p14="http://schemas.microsoft.com/office/powerpoint/2010/main" val="3966368392"/>
       </p:ext>
     </p:extLst>
   </p:cSld>
@@ -983,8 +985,11 @@
           <a:p>
             <a:r>
               <a:rPr lang="he-IL" dirty="0"/>
-              <a:t>בולט שלישי –לציין את הבעייתיות שבעבודה עם הדאטסטים השונים. ייתכן שיידרש שיפוץ</a:t>
-            </a:r>
+              <a:t>אולי להרחיב במעט על הרשתות הידועות ומדוע בחרנו בהן</a:t>
+            </a:r>
+            <a:endParaRPr lang="en-US" dirty="0"/>
+          </a:p>
+          <a:p>
             <a:endParaRPr lang="en-US" dirty="0"/>
           </a:p>
         </p:txBody>
@@ -1008,6 +1013,536 @@
               <a:rPr lang="he-IL" smtClean="0"/>
               <a:pPr/>
               <a:t>16</a:t>
+            </a:fld>
+            <a:endParaRPr lang="he-IL"/>
+          </a:p>
+        </p:txBody>
+      </p:sp>
+      <p:sp>
+        <p:nvSpPr>
+          <p:cNvPr id="5" name="Footer Placeholder 4">
+            <a:extLst>
+              <a:ext uri="{FF2B5EF4-FFF2-40B4-BE49-F238E27FC236}">
+                <a16:creationId xmlns:a16="http://schemas.microsoft.com/office/drawing/2014/main" id="{65C03B0E-2E4A-4E8D-89B2-0DF2F71549EE}"/>
+              </a:ext>
+            </a:extLst>
+          </p:cNvPr>
+          <p:cNvSpPr>
+            <a:spLocks noGrp="1"/>
+          </p:cNvSpPr>
+          <p:nvPr>
+            <p:ph type="ftr" sz="quarter" idx="4"/>
+          </p:nvPr>
+        </p:nvSpPr>
+        <p:spPr/>
+        <p:txBody>
+          <a:bodyPr/>
+          <a:lstStyle/>
+          <a:p>
+            <a:r>
+              <a:rPr lang="he-IL"/>
+              <a:t>2</a:t>
+            </a:r>
+          </a:p>
+        </p:txBody>
+      </p:sp>
+    </p:spTree>
+    <p:extLst>
+      <p:ext uri="{BB962C8B-B14F-4D97-AF65-F5344CB8AC3E}">
+        <p14:creationId xmlns:p14="http://schemas.microsoft.com/office/powerpoint/2010/main" val="1306353171"/>
+      </p:ext>
+    </p:extLst>
+  </p:cSld>
+  <p:clrMapOvr>
+    <a:masterClrMapping/>
+  </p:clrMapOvr>
+</p:notes>
+</file>
+
+<file path=ppt/notesSlides/notesSlide12.xml><?xml version="1.0" encoding="utf-8"?>
+<p:notes xmlns:a="http://schemas.openxmlformats.org/drawingml/2006/main" xmlns:r="http://schemas.openxmlformats.org/officeDocument/2006/relationships" xmlns:p="http://schemas.openxmlformats.org/presentationml/2006/main">
+  <p:cSld>
+    <p:spTree>
+      <p:nvGrpSpPr>
+        <p:cNvPr id="1" name=""/>
+        <p:cNvGrpSpPr/>
+        <p:nvPr/>
+      </p:nvGrpSpPr>
+      <p:grpSpPr>
+        <a:xfrm>
+          <a:off x="0" y="0"/>
+          <a:ext cx="0" cy="0"/>
+          <a:chOff x="0" y="0"/>
+          <a:chExt cx="0" cy="0"/>
+        </a:xfrm>
+      </p:grpSpPr>
+      <p:sp>
+        <p:nvSpPr>
+          <p:cNvPr id="2" name="Slide Image Placeholder 1"/>
+          <p:cNvSpPr>
+            <a:spLocks noGrp="1" noRot="1" noChangeAspect="1"/>
+          </p:cNvSpPr>
+          <p:nvPr>
+            <p:ph type="sldImg"/>
+          </p:nvPr>
+        </p:nvSpPr>
+        <p:spPr/>
+      </p:sp>
+      <p:sp>
+        <p:nvSpPr>
+          <p:cNvPr id="3" name="Notes Placeholder 2"/>
+          <p:cNvSpPr>
+            <a:spLocks noGrp="1"/>
+          </p:cNvSpPr>
+          <p:nvPr>
+            <p:ph type="body" idx="1"/>
+          </p:nvPr>
+        </p:nvSpPr>
+        <p:spPr/>
+        <p:txBody>
+          <a:bodyPr/>
+          <a:lstStyle/>
+          <a:p>
+            <a:r>
+              <a:rPr lang="he-IL" dirty="0"/>
+              <a:t>להסביר שעל השכבות המדוברות נרצה ליישם </a:t>
+            </a:r>
+            <a:r>
+              <a:rPr lang="en-US" dirty="0"/>
+              <a:t>DCN</a:t>
+            </a:r>
+          </a:p>
+        </p:txBody>
+      </p:sp>
+      <p:sp>
+        <p:nvSpPr>
+          <p:cNvPr id="4" name="Slide Number Placeholder 3"/>
+          <p:cNvSpPr>
+            <a:spLocks noGrp="1"/>
+          </p:cNvSpPr>
+          <p:nvPr>
+            <p:ph type="sldNum" sz="quarter" idx="5"/>
+          </p:nvPr>
+        </p:nvSpPr>
+        <p:spPr/>
+        <p:txBody>
+          <a:bodyPr/>
+          <a:lstStyle/>
+          <a:p>
+            <a:fld id="{C8C92D0D-AF30-4211-86C4-A3B87597F349}" type="slidenum">
+              <a:rPr lang="he-IL" smtClean="0"/>
+              <a:pPr/>
+              <a:t>17</a:t>
+            </a:fld>
+            <a:endParaRPr lang="he-IL"/>
+          </a:p>
+        </p:txBody>
+      </p:sp>
+      <p:sp>
+        <p:nvSpPr>
+          <p:cNvPr id="5" name="Footer Placeholder 4">
+            <a:extLst>
+              <a:ext uri="{FF2B5EF4-FFF2-40B4-BE49-F238E27FC236}">
+                <a16:creationId xmlns:a16="http://schemas.microsoft.com/office/drawing/2014/main" id="{EAB95C90-7FCD-4A76-85DB-E96F4FA14E41}"/>
+              </a:ext>
+            </a:extLst>
+          </p:cNvPr>
+          <p:cNvSpPr>
+            <a:spLocks noGrp="1"/>
+          </p:cNvSpPr>
+          <p:nvPr>
+            <p:ph type="ftr" sz="quarter" idx="4"/>
+          </p:nvPr>
+        </p:nvSpPr>
+        <p:spPr/>
+        <p:txBody>
+          <a:bodyPr/>
+          <a:lstStyle/>
+          <a:p>
+            <a:r>
+              <a:rPr lang="he-IL"/>
+              <a:t>2</a:t>
+            </a:r>
+          </a:p>
+        </p:txBody>
+      </p:sp>
+    </p:spTree>
+    <p:extLst>
+      <p:ext uri="{BB962C8B-B14F-4D97-AF65-F5344CB8AC3E}">
+        <p14:creationId xmlns:p14="http://schemas.microsoft.com/office/powerpoint/2010/main" val="1289365257"/>
+      </p:ext>
+    </p:extLst>
+  </p:cSld>
+  <p:clrMapOvr>
+    <a:masterClrMapping/>
+  </p:clrMapOvr>
+</p:notes>
+</file>
+
+<file path=ppt/notesSlides/notesSlide13.xml><?xml version="1.0" encoding="utf-8"?>
+<p:notes xmlns:a="http://schemas.openxmlformats.org/drawingml/2006/main" xmlns:r="http://schemas.openxmlformats.org/officeDocument/2006/relationships" xmlns:p="http://schemas.openxmlformats.org/presentationml/2006/main">
+  <p:cSld>
+    <p:spTree>
+      <p:nvGrpSpPr>
+        <p:cNvPr id="1" name=""/>
+        <p:cNvGrpSpPr/>
+        <p:nvPr/>
+      </p:nvGrpSpPr>
+      <p:grpSpPr>
+        <a:xfrm>
+          <a:off x="0" y="0"/>
+          <a:ext cx="0" cy="0"/>
+          <a:chOff x="0" y="0"/>
+          <a:chExt cx="0" cy="0"/>
+        </a:xfrm>
+      </p:grpSpPr>
+      <p:sp>
+        <p:nvSpPr>
+          <p:cNvPr id="2" name="Slide Image Placeholder 1"/>
+          <p:cNvSpPr>
+            <a:spLocks noGrp="1" noRot="1" noChangeAspect="1"/>
+          </p:cNvSpPr>
+          <p:nvPr>
+            <p:ph type="sldImg"/>
+          </p:nvPr>
+        </p:nvSpPr>
+        <p:spPr/>
+      </p:sp>
+      <p:sp>
+        <p:nvSpPr>
+          <p:cNvPr id="3" name="Notes Placeholder 2"/>
+          <p:cNvSpPr>
+            <a:spLocks noGrp="1"/>
+          </p:cNvSpPr>
+          <p:nvPr>
+            <p:ph type="body" idx="1"/>
+          </p:nvPr>
+        </p:nvSpPr>
+        <p:spPr/>
+        <p:txBody>
+          <a:bodyPr/>
+          <a:lstStyle/>
+          <a:p>
+            <a:pPr marL="0" marR="0" lvl="0" indent="0" algn="r" defTabSz="914400" rtl="1" eaLnBrk="1" fontAlgn="auto" latinLnBrk="0" hangingPunct="1">
+              <a:lnSpc>
+                <a:spcPct val="100000"/>
+              </a:lnSpc>
+              <a:spcBef>
+                <a:spcPts val="0"/>
+              </a:spcBef>
+              <a:spcAft>
+                <a:spcPts val="0"/>
+              </a:spcAft>
+              <a:buClrTx/>
+              <a:buSzTx/>
+              <a:buFontTx/>
+              <a:buNone/>
+              <a:tabLst/>
+              <a:defRPr/>
+            </a:pPr>
+            <a:r>
+              <a:rPr lang="en-US" sz="1200" dirty="0" err="1">
+                <a:solidFill>
+                  <a:srgbClr val="002060"/>
+                </a:solidFill>
+              </a:rPr>
+              <a:t>ResNet</a:t>
+            </a:r>
+            <a:r>
+              <a:rPr lang="en-US" sz="1200" dirty="0">
+                <a:solidFill>
+                  <a:srgbClr val="002060"/>
+                </a:solidFill>
+              </a:rPr>
+              <a:t> basic residual layer</a:t>
+            </a:r>
+          </a:p>
+          <a:p>
+            <a:r>
+              <a:rPr lang="he-IL" dirty="0"/>
+              <a:t>לדבר על טרייד-אופים: אם ממשים הרבה שכבות כ-</a:t>
+            </a:r>
+            <a:r>
+              <a:rPr lang="en-US" dirty="0"/>
+              <a:t>DCN</a:t>
+            </a:r>
+            <a:r>
+              <a:rPr lang="he-IL" dirty="0"/>
+              <a:t> נצפה לזמן לימוד ארוך. כמו כן לדבר על המיקום שבו נרצה לממש </a:t>
+            </a:r>
+            <a:r>
+              <a:rPr lang="en-US" dirty="0"/>
+              <a:t>DCN</a:t>
+            </a:r>
+            <a:r>
+              <a:rPr lang="he-IL" dirty="0"/>
+              <a:t> – בתחילת השכבות, בסיום, וכו' וכו'</a:t>
+            </a:r>
+            <a:endParaRPr lang="en-US" dirty="0"/>
+          </a:p>
+        </p:txBody>
+      </p:sp>
+      <p:sp>
+        <p:nvSpPr>
+          <p:cNvPr id="4" name="Slide Number Placeholder 3"/>
+          <p:cNvSpPr>
+            <a:spLocks noGrp="1"/>
+          </p:cNvSpPr>
+          <p:nvPr>
+            <p:ph type="sldNum" sz="quarter" idx="5"/>
+          </p:nvPr>
+        </p:nvSpPr>
+        <p:spPr/>
+        <p:txBody>
+          <a:bodyPr/>
+          <a:lstStyle/>
+          <a:p>
+            <a:fld id="{C8C92D0D-AF30-4211-86C4-A3B87597F349}" type="slidenum">
+              <a:rPr lang="he-IL" smtClean="0"/>
+              <a:pPr/>
+              <a:t>18</a:t>
+            </a:fld>
+            <a:endParaRPr lang="he-IL"/>
+          </a:p>
+        </p:txBody>
+      </p:sp>
+      <p:sp>
+        <p:nvSpPr>
+          <p:cNvPr id="5" name="Footer Placeholder 4">
+            <a:extLst>
+              <a:ext uri="{FF2B5EF4-FFF2-40B4-BE49-F238E27FC236}">
+                <a16:creationId xmlns:a16="http://schemas.microsoft.com/office/drawing/2014/main" id="{C14FCB9D-45E4-4133-908F-C2C828213379}"/>
+              </a:ext>
+            </a:extLst>
+          </p:cNvPr>
+          <p:cNvSpPr>
+            <a:spLocks noGrp="1"/>
+          </p:cNvSpPr>
+          <p:nvPr>
+            <p:ph type="ftr" sz="quarter" idx="4"/>
+          </p:nvPr>
+        </p:nvSpPr>
+        <p:spPr/>
+        <p:txBody>
+          <a:bodyPr/>
+          <a:lstStyle/>
+          <a:p>
+            <a:r>
+              <a:rPr lang="he-IL"/>
+              <a:t>2</a:t>
+            </a:r>
+          </a:p>
+        </p:txBody>
+      </p:sp>
+    </p:spTree>
+    <p:extLst>
+      <p:ext uri="{BB962C8B-B14F-4D97-AF65-F5344CB8AC3E}">
+        <p14:creationId xmlns:p14="http://schemas.microsoft.com/office/powerpoint/2010/main" val="2585679764"/>
+      </p:ext>
+    </p:extLst>
+  </p:cSld>
+  <p:clrMapOvr>
+    <a:masterClrMapping/>
+  </p:clrMapOvr>
+</p:notes>
+</file>
+
+<file path=ppt/notesSlides/notesSlide14.xml><?xml version="1.0" encoding="utf-8"?>
+<p:notes xmlns:a="http://schemas.openxmlformats.org/drawingml/2006/main" xmlns:r="http://schemas.openxmlformats.org/officeDocument/2006/relationships" xmlns:p="http://schemas.openxmlformats.org/presentationml/2006/main">
+  <p:cSld>
+    <p:spTree>
+      <p:nvGrpSpPr>
+        <p:cNvPr id="1" name=""/>
+        <p:cNvGrpSpPr/>
+        <p:nvPr/>
+      </p:nvGrpSpPr>
+      <p:grpSpPr>
+        <a:xfrm>
+          <a:off x="0" y="0"/>
+          <a:ext cx="0" cy="0"/>
+          <a:chOff x="0" y="0"/>
+          <a:chExt cx="0" cy="0"/>
+        </a:xfrm>
+      </p:grpSpPr>
+      <p:sp>
+        <p:nvSpPr>
+          <p:cNvPr id="2" name="Slide Image Placeholder 1"/>
+          <p:cNvSpPr>
+            <a:spLocks noGrp="1" noRot="1" noChangeAspect="1"/>
+          </p:cNvSpPr>
+          <p:nvPr>
+            <p:ph type="sldImg"/>
+          </p:nvPr>
+        </p:nvSpPr>
+        <p:spPr/>
+      </p:sp>
+      <p:sp>
+        <p:nvSpPr>
+          <p:cNvPr id="3" name="Notes Placeholder 2"/>
+          <p:cNvSpPr>
+            <a:spLocks noGrp="1"/>
+          </p:cNvSpPr>
+          <p:nvPr>
+            <p:ph type="body" idx="1"/>
+          </p:nvPr>
+        </p:nvSpPr>
+        <p:spPr/>
+        <p:txBody>
+          <a:bodyPr/>
+          <a:lstStyle/>
+          <a:p>
+            <a:r>
+              <a:rPr lang="he-IL" dirty="0"/>
+              <a:t>אולי לפרט את התוצאות בפורמט </a:t>
+            </a:r>
+            <a:r>
+              <a:rPr lang="en-US" dirty="0"/>
+              <a:t>SPECIFICITY</a:t>
+            </a:r>
+            <a:r>
+              <a:rPr lang="he-IL" dirty="0"/>
+              <a:t> וכד' – בעיית המכ"מ</a:t>
+            </a:r>
+            <a:endParaRPr lang="en-US" dirty="0"/>
+          </a:p>
+        </p:txBody>
+      </p:sp>
+      <p:sp>
+        <p:nvSpPr>
+          <p:cNvPr id="4" name="Slide Number Placeholder 3"/>
+          <p:cNvSpPr>
+            <a:spLocks noGrp="1"/>
+          </p:cNvSpPr>
+          <p:nvPr>
+            <p:ph type="sldNum" sz="quarter" idx="5"/>
+          </p:nvPr>
+        </p:nvSpPr>
+        <p:spPr/>
+        <p:txBody>
+          <a:bodyPr/>
+          <a:lstStyle/>
+          <a:p>
+            <a:fld id="{C8C92D0D-AF30-4211-86C4-A3B87597F349}" type="slidenum">
+              <a:rPr lang="he-IL" smtClean="0"/>
+              <a:pPr/>
+              <a:t>19</a:t>
+            </a:fld>
+            <a:endParaRPr lang="he-IL"/>
+          </a:p>
+        </p:txBody>
+      </p:sp>
+      <p:sp>
+        <p:nvSpPr>
+          <p:cNvPr id="5" name="Footer Placeholder 4">
+            <a:extLst>
+              <a:ext uri="{FF2B5EF4-FFF2-40B4-BE49-F238E27FC236}">
+                <a16:creationId xmlns:a16="http://schemas.microsoft.com/office/drawing/2014/main" id="{D22B5138-94C3-4ACE-9C44-BB76032A6EB9}"/>
+              </a:ext>
+            </a:extLst>
+          </p:cNvPr>
+          <p:cNvSpPr>
+            <a:spLocks noGrp="1"/>
+          </p:cNvSpPr>
+          <p:nvPr>
+            <p:ph type="ftr" sz="quarter" idx="4"/>
+          </p:nvPr>
+        </p:nvSpPr>
+        <p:spPr/>
+        <p:txBody>
+          <a:bodyPr/>
+          <a:lstStyle/>
+          <a:p>
+            <a:r>
+              <a:rPr lang="he-IL"/>
+              <a:t>2</a:t>
+            </a:r>
+          </a:p>
+        </p:txBody>
+      </p:sp>
+    </p:spTree>
+    <p:extLst>
+      <p:ext uri="{BB962C8B-B14F-4D97-AF65-F5344CB8AC3E}">
+        <p14:creationId xmlns:p14="http://schemas.microsoft.com/office/powerpoint/2010/main" val="1648461225"/>
+      </p:ext>
+    </p:extLst>
+  </p:cSld>
+  <p:clrMapOvr>
+    <a:masterClrMapping/>
+  </p:clrMapOvr>
+</p:notes>
+</file>
+
+<file path=ppt/notesSlides/notesSlide15.xml><?xml version="1.0" encoding="utf-8"?>
+<p:notes xmlns:a="http://schemas.openxmlformats.org/drawingml/2006/main" xmlns:r="http://schemas.openxmlformats.org/officeDocument/2006/relationships" xmlns:p="http://schemas.openxmlformats.org/presentationml/2006/main">
+  <p:cSld>
+    <p:spTree>
+      <p:nvGrpSpPr>
+        <p:cNvPr id="1" name=""/>
+        <p:cNvGrpSpPr/>
+        <p:nvPr/>
+      </p:nvGrpSpPr>
+      <p:grpSpPr>
+        <a:xfrm>
+          <a:off x="0" y="0"/>
+          <a:ext cx="0" cy="0"/>
+          <a:chOff x="0" y="0"/>
+          <a:chExt cx="0" cy="0"/>
+        </a:xfrm>
+      </p:grpSpPr>
+      <p:sp>
+        <p:nvSpPr>
+          <p:cNvPr id="2" name="Slide Image Placeholder 1"/>
+          <p:cNvSpPr>
+            <a:spLocks noGrp="1" noRot="1" noChangeAspect="1"/>
+          </p:cNvSpPr>
+          <p:nvPr>
+            <p:ph type="sldImg"/>
+          </p:nvPr>
+        </p:nvSpPr>
+        <p:spPr/>
+      </p:sp>
+      <p:sp>
+        <p:nvSpPr>
+          <p:cNvPr id="3" name="Notes Placeholder 2"/>
+          <p:cNvSpPr>
+            <a:spLocks noGrp="1"/>
+          </p:cNvSpPr>
+          <p:nvPr>
+            <p:ph type="body" idx="1"/>
+          </p:nvPr>
+        </p:nvSpPr>
+        <p:spPr/>
+        <p:txBody>
+          <a:bodyPr/>
+          <a:lstStyle/>
+          <a:p>
+            <a:r>
+              <a:rPr lang="he-IL" dirty="0"/>
+              <a:t>בולט שלישי –לציין את הבעייתיות שבעבודה עם הדאטסטים השונים. ייתכן שיידרש שיפוץ</a:t>
+            </a:r>
+            <a:endParaRPr lang="en-US" dirty="0"/>
+          </a:p>
+        </p:txBody>
+      </p:sp>
+      <p:sp>
+        <p:nvSpPr>
+          <p:cNvPr id="4" name="Slide Number Placeholder 3"/>
+          <p:cNvSpPr>
+            <a:spLocks noGrp="1"/>
+          </p:cNvSpPr>
+          <p:nvPr>
+            <p:ph type="sldNum" sz="quarter" idx="5"/>
+          </p:nvPr>
+        </p:nvSpPr>
+        <p:spPr/>
+        <p:txBody>
+          <a:bodyPr/>
+          <a:lstStyle/>
+          <a:p>
+            <a:fld id="{C8C92D0D-AF30-4211-86C4-A3B87597F349}" type="slidenum">
+              <a:rPr lang="he-IL" smtClean="0"/>
+              <a:pPr/>
+              <a:t>20</a:t>
             </a:fld>
             <a:endParaRPr lang="he-IL"/>
           </a:p>
@@ -1045,6 +1580,339 @@
     <p:extLst>
       <p:ext uri="{BB962C8B-B14F-4D97-AF65-F5344CB8AC3E}">
         <p14:creationId xmlns:p14="http://schemas.microsoft.com/office/powerpoint/2010/main" val="4156227241"/>
+      </p:ext>
+    </p:extLst>
+  </p:cSld>
+  <p:clrMapOvr>
+    <a:masterClrMapping/>
+  </p:clrMapOvr>
+</p:notes>
+</file>
+
+<file path=ppt/notesSlides/notesSlide16.xml><?xml version="1.0" encoding="utf-8"?>
+<p:notes xmlns:a="http://schemas.openxmlformats.org/drawingml/2006/main" xmlns:r="http://schemas.openxmlformats.org/officeDocument/2006/relationships" xmlns:p="http://schemas.openxmlformats.org/presentationml/2006/main">
+  <p:cSld>
+    <p:spTree>
+      <p:nvGrpSpPr>
+        <p:cNvPr id="1" name=""/>
+        <p:cNvGrpSpPr/>
+        <p:nvPr/>
+      </p:nvGrpSpPr>
+      <p:grpSpPr>
+        <a:xfrm>
+          <a:off x="0" y="0"/>
+          <a:ext cx="0" cy="0"/>
+          <a:chOff x="0" y="0"/>
+          <a:chExt cx="0" cy="0"/>
+        </a:xfrm>
+      </p:grpSpPr>
+      <p:sp>
+        <p:nvSpPr>
+          <p:cNvPr id="2" name="Slide Image Placeholder 1"/>
+          <p:cNvSpPr>
+            <a:spLocks noGrp="1" noRot="1" noChangeAspect="1"/>
+          </p:cNvSpPr>
+          <p:nvPr>
+            <p:ph type="sldImg"/>
+          </p:nvPr>
+        </p:nvSpPr>
+        <p:spPr/>
+      </p:sp>
+      <p:sp>
+        <p:nvSpPr>
+          <p:cNvPr id="3" name="Notes Placeholder 2"/>
+          <p:cNvSpPr>
+            <a:spLocks noGrp="1"/>
+          </p:cNvSpPr>
+          <p:nvPr>
+            <p:ph type="body" idx="1"/>
+          </p:nvPr>
+        </p:nvSpPr>
+        <p:spPr/>
+        <p:txBody>
+          <a:bodyPr/>
+          <a:lstStyle/>
+          <a:p>
+            <a:endParaRPr lang="en-US" dirty="0"/>
+          </a:p>
+        </p:txBody>
+      </p:sp>
+      <p:sp>
+        <p:nvSpPr>
+          <p:cNvPr id="4" name="Footer Placeholder 3"/>
+          <p:cNvSpPr>
+            <a:spLocks noGrp="1"/>
+          </p:cNvSpPr>
+          <p:nvPr>
+            <p:ph type="ftr" sz="quarter" idx="4"/>
+          </p:nvPr>
+        </p:nvSpPr>
+        <p:spPr/>
+        <p:txBody>
+          <a:bodyPr/>
+          <a:lstStyle/>
+          <a:p>
+            <a:r>
+              <a:rPr lang="he-IL"/>
+              <a:t>2</a:t>
+            </a:r>
+          </a:p>
+        </p:txBody>
+      </p:sp>
+      <p:sp>
+        <p:nvSpPr>
+          <p:cNvPr id="5" name="Slide Number Placeholder 4"/>
+          <p:cNvSpPr>
+            <a:spLocks noGrp="1"/>
+          </p:cNvSpPr>
+          <p:nvPr>
+            <p:ph type="sldNum" sz="quarter" idx="5"/>
+          </p:nvPr>
+        </p:nvSpPr>
+        <p:spPr/>
+        <p:txBody>
+          <a:bodyPr/>
+          <a:lstStyle/>
+          <a:p>
+            <a:fld id="{C8C92D0D-AF30-4211-86C4-A3B87597F349}" type="slidenum">
+              <a:rPr lang="he-IL" smtClean="0"/>
+              <a:pPr/>
+              <a:t>23</a:t>
+            </a:fld>
+            <a:endParaRPr lang="he-IL"/>
+          </a:p>
+        </p:txBody>
+      </p:sp>
+    </p:spTree>
+    <p:extLst>
+      <p:ext uri="{BB962C8B-B14F-4D97-AF65-F5344CB8AC3E}">
+        <p14:creationId xmlns:p14="http://schemas.microsoft.com/office/powerpoint/2010/main" val="123153593"/>
+      </p:ext>
+    </p:extLst>
+  </p:cSld>
+  <p:clrMapOvr>
+    <a:masterClrMapping/>
+  </p:clrMapOvr>
+</p:notes>
+</file>
+
+<file path=ppt/notesSlides/notesSlide17.xml><?xml version="1.0" encoding="utf-8"?>
+<p:notes xmlns:a="http://schemas.openxmlformats.org/drawingml/2006/main" xmlns:r="http://schemas.openxmlformats.org/officeDocument/2006/relationships" xmlns:p="http://schemas.openxmlformats.org/presentationml/2006/main">
+  <p:cSld>
+    <p:spTree>
+      <p:nvGrpSpPr>
+        <p:cNvPr id="1" name=""/>
+        <p:cNvGrpSpPr/>
+        <p:nvPr/>
+      </p:nvGrpSpPr>
+      <p:grpSpPr>
+        <a:xfrm>
+          <a:off x="0" y="0"/>
+          <a:ext cx="0" cy="0"/>
+          <a:chOff x="0" y="0"/>
+          <a:chExt cx="0" cy="0"/>
+        </a:xfrm>
+      </p:grpSpPr>
+      <p:sp>
+        <p:nvSpPr>
+          <p:cNvPr id="2" name="Slide Image Placeholder 1"/>
+          <p:cNvSpPr>
+            <a:spLocks noGrp="1" noRot="1" noChangeAspect="1"/>
+          </p:cNvSpPr>
+          <p:nvPr>
+            <p:ph type="sldImg"/>
+          </p:nvPr>
+        </p:nvSpPr>
+        <p:spPr/>
+      </p:sp>
+      <p:sp>
+        <p:nvSpPr>
+          <p:cNvPr id="3" name="Notes Placeholder 2"/>
+          <p:cNvSpPr>
+            <a:spLocks noGrp="1"/>
+          </p:cNvSpPr>
+          <p:nvPr>
+            <p:ph type="body" idx="1"/>
+          </p:nvPr>
+        </p:nvSpPr>
+        <p:spPr/>
+        <p:txBody>
+          <a:bodyPr/>
+          <a:lstStyle/>
+          <a:p>
+            <a:endParaRPr lang="en-US" dirty="0"/>
+          </a:p>
+        </p:txBody>
+      </p:sp>
+      <p:sp>
+        <p:nvSpPr>
+          <p:cNvPr id="4" name="Slide Number Placeholder 3"/>
+          <p:cNvSpPr>
+            <a:spLocks noGrp="1"/>
+          </p:cNvSpPr>
+          <p:nvPr>
+            <p:ph type="sldNum" sz="quarter" idx="5"/>
+          </p:nvPr>
+        </p:nvSpPr>
+        <p:spPr/>
+        <p:txBody>
+          <a:bodyPr/>
+          <a:lstStyle/>
+          <a:p>
+            <a:fld id="{C8C92D0D-AF30-4211-86C4-A3B87597F349}" type="slidenum">
+              <a:rPr lang="he-IL" smtClean="0"/>
+              <a:pPr/>
+              <a:t>24</a:t>
+            </a:fld>
+            <a:endParaRPr lang="he-IL"/>
+          </a:p>
+        </p:txBody>
+      </p:sp>
+      <p:sp>
+        <p:nvSpPr>
+          <p:cNvPr id="5" name="Footer Placeholder 4">
+            <a:extLst>
+              <a:ext uri="{FF2B5EF4-FFF2-40B4-BE49-F238E27FC236}">
+                <a16:creationId xmlns:a16="http://schemas.microsoft.com/office/drawing/2014/main" id="{AD753467-F10B-4164-AC16-609227753711}"/>
+              </a:ext>
+            </a:extLst>
+          </p:cNvPr>
+          <p:cNvSpPr>
+            <a:spLocks noGrp="1"/>
+          </p:cNvSpPr>
+          <p:nvPr>
+            <p:ph type="ftr" sz="quarter" idx="4"/>
+          </p:nvPr>
+        </p:nvSpPr>
+        <p:spPr/>
+        <p:txBody>
+          <a:bodyPr/>
+          <a:lstStyle/>
+          <a:p>
+            <a:r>
+              <a:rPr lang="he-IL"/>
+              <a:t>2</a:t>
+            </a:r>
+          </a:p>
+        </p:txBody>
+      </p:sp>
+    </p:spTree>
+    <p:extLst>
+      <p:ext uri="{BB962C8B-B14F-4D97-AF65-F5344CB8AC3E}">
+        <p14:creationId xmlns:p14="http://schemas.microsoft.com/office/powerpoint/2010/main" val="3192606427"/>
+      </p:ext>
+    </p:extLst>
+  </p:cSld>
+  <p:clrMapOvr>
+    <a:masterClrMapping/>
+  </p:clrMapOvr>
+</p:notes>
+</file>
+
+<file path=ppt/notesSlides/notesSlide18.xml><?xml version="1.0" encoding="utf-8"?>
+<p:notes xmlns:a="http://schemas.openxmlformats.org/drawingml/2006/main" xmlns:r="http://schemas.openxmlformats.org/officeDocument/2006/relationships" xmlns:p="http://schemas.openxmlformats.org/presentationml/2006/main">
+  <p:cSld>
+    <p:spTree>
+      <p:nvGrpSpPr>
+        <p:cNvPr id="1" name=""/>
+        <p:cNvGrpSpPr/>
+        <p:nvPr/>
+      </p:nvGrpSpPr>
+      <p:grpSpPr>
+        <a:xfrm>
+          <a:off x="0" y="0"/>
+          <a:ext cx="0" cy="0"/>
+          <a:chOff x="0" y="0"/>
+          <a:chExt cx="0" cy="0"/>
+        </a:xfrm>
+      </p:grpSpPr>
+      <p:sp>
+        <p:nvSpPr>
+          <p:cNvPr id="2" name="Slide Image Placeholder 1"/>
+          <p:cNvSpPr>
+            <a:spLocks noGrp="1" noRot="1" noChangeAspect="1"/>
+          </p:cNvSpPr>
+          <p:nvPr>
+            <p:ph type="sldImg"/>
+          </p:nvPr>
+        </p:nvSpPr>
+        <p:spPr/>
+      </p:sp>
+      <p:sp>
+        <p:nvSpPr>
+          <p:cNvPr id="3" name="Notes Placeholder 2"/>
+          <p:cNvSpPr>
+            <a:spLocks noGrp="1"/>
+          </p:cNvSpPr>
+          <p:nvPr>
+            <p:ph type="body" idx="1"/>
+          </p:nvPr>
+        </p:nvSpPr>
+        <p:spPr/>
+        <p:txBody>
+          <a:bodyPr/>
+          <a:lstStyle/>
+          <a:p>
+            <a:endParaRPr lang="en-US" dirty="0"/>
+          </a:p>
+        </p:txBody>
+      </p:sp>
+      <p:sp>
+        <p:nvSpPr>
+          <p:cNvPr id="4" name="Slide Number Placeholder 3"/>
+          <p:cNvSpPr>
+            <a:spLocks noGrp="1"/>
+          </p:cNvSpPr>
+          <p:nvPr>
+            <p:ph type="sldNum" sz="quarter" idx="5"/>
+          </p:nvPr>
+        </p:nvSpPr>
+        <p:spPr/>
+        <p:txBody>
+          <a:bodyPr/>
+          <a:lstStyle/>
+          <a:p>
+            <a:fld id="{C8C92D0D-AF30-4211-86C4-A3B87597F349}" type="slidenum">
+              <a:rPr lang="he-IL" smtClean="0"/>
+              <a:pPr/>
+              <a:t>25</a:t>
+            </a:fld>
+            <a:endParaRPr lang="he-IL"/>
+          </a:p>
+        </p:txBody>
+      </p:sp>
+      <p:sp>
+        <p:nvSpPr>
+          <p:cNvPr id="5" name="Footer Placeholder 4">
+            <a:extLst>
+              <a:ext uri="{FF2B5EF4-FFF2-40B4-BE49-F238E27FC236}">
+                <a16:creationId xmlns:a16="http://schemas.microsoft.com/office/drawing/2014/main" id="{AD753467-F10B-4164-AC16-609227753711}"/>
+              </a:ext>
+            </a:extLst>
+          </p:cNvPr>
+          <p:cNvSpPr>
+            <a:spLocks noGrp="1"/>
+          </p:cNvSpPr>
+          <p:nvPr>
+            <p:ph type="ftr" sz="quarter" idx="4"/>
+          </p:nvPr>
+        </p:nvSpPr>
+        <p:spPr/>
+        <p:txBody>
+          <a:bodyPr/>
+          <a:lstStyle/>
+          <a:p>
+            <a:r>
+              <a:rPr lang="he-IL"/>
+              <a:t>2</a:t>
+            </a:r>
+          </a:p>
+        </p:txBody>
+      </p:sp>
+    </p:spTree>
+    <p:extLst>
+      <p:ext uri="{BB962C8B-B14F-4D97-AF65-F5344CB8AC3E}">
+        <p14:creationId xmlns:p14="http://schemas.microsoft.com/office/powerpoint/2010/main" val="1728701833"/>
       </p:ext>
     </p:extLst>
   </p:cSld>
@@ -1239,7 +2107,7 @@
             <a:fld id="{C8C92D0D-AF30-4211-86C4-A3B87597F349}" type="slidenum">
               <a:rPr lang="he-IL" smtClean="0"/>
               <a:pPr/>
-              <a:t>5</a:t>
+              <a:t>6</a:t>
             </a:fld>
             <a:endParaRPr lang="he-IL"/>
           </a:p>
@@ -1352,6 +2220,40 @@
               <a:rPr lang="en-US" dirty="0"/>
               <a:t>Closed a year ago</a:t>
             </a:r>
+            <a:endParaRPr lang="he-IL" dirty="0"/>
+          </a:p>
+          <a:p>
+            <a:pPr marL="0" marR="0" lvl="0" indent="0" algn="r" defTabSz="914400" rtl="1" eaLnBrk="1" fontAlgn="auto" latinLnBrk="0" hangingPunct="1">
+              <a:lnSpc>
+                <a:spcPct val="100000"/>
+              </a:lnSpc>
+              <a:spcBef>
+                <a:spcPts val="0"/>
+              </a:spcBef>
+              <a:spcAft>
+                <a:spcPts val="0"/>
+              </a:spcAft>
+              <a:buClrTx/>
+              <a:buSzTx/>
+              <a:buFontTx/>
+              <a:buNone/>
+              <a:tabLst/>
+              <a:defRPr/>
+            </a:pPr>
+            <a:r>
+              <a:rPr lang="en-US" dirty="0">
+                <a:solidFill>
+                  <a:srgbClr val="002060"/>
+                </a:solidFill>
+              </a:rPr>
+              <a:t>Best results score 0.25475</a:t>
+            </a:r>
+          </a:p>
+          <a:p>
+            <a:r>
+              <a:rPr lang="en-US" dirty="0"/>
+              <a:t>Average of Intersection over Union in bounding boxes</a:t>
+            </a:r>
           </a:p>
         </p:txBody>
       </p:sp>
@@ -1373,7 +2275,7 @@
             <a:fld id="{C8C92D0D-AF30-4211-86C4-A3B87597F349}" type="slidenum">
               <a:rPr lang="he-IL" smtClean="0"/>
               <a:pPr/>
-              <a:t>6</a:t>
+              <a:t>7</a:t>
             </a:fld>
             <a:endParaRPr lang="he-IL"/>
           </a:p>
@@ -1488,6 +2390,34 @@
               <a:rPr lang="en-US" dirty="0"/>
               <a:t>September 19</a:t>
             </a:r>
+            <a:endParaRPr lang="he-IL" dirty="0"/>
+          </a:p>
+          <a:p>
+            <a:pPr marL="0" marR="0" lvl="0" indent="0" algn="r" defTabSz="914400" rtl="1" eaLnBrk="1" fontAlgn="auto" latinLnBrk="0" hangingPunct="1">
+              <a:lnSpc>
+                <a:spcPct val="100000"/>
+              </a:lnSpc>
+              <a:spcBef>
+                <a:spcPts val="0"/>
+              </a:spcBef>
+              <a:spcAft>
+                <a:spcPts val="0"/>
+              </a:spcAft>
+              <a:buClrTx/>
+              <a:buSzTx/>
+              <a:buFontTx/>
+              <a:buNone/>
+              <a:tabLst/>
+              <a:defRPr/>
+            </a:pPr>
+            <a:r>
+              <a:rPr lang="he-IL" dirty="0"/>
+              <a:t>הדאטה עבר שיפוץ – גרסה קודמת הכילה 100,000 צילומים ותיוגים לא נכונים</a:t>
+            </a:r>
+            <a:endParaRPr lang="en-US" dirty="0"/>
+          </a:p>
+          <a:p>
+            <a:endParaRPr lang="en-US" dirty="0"/>
           </a:p>
         </p:txBody>
       </p:sp>
@@ -1509,7 +2439,7 @@
             <a:fld id="{C8C92D0D-AF30-4211-86C4-A3B87597F349}" type="slidenum">
               <a:rPr lang="he-IL" smtClean="0"/>
               <a:pPr/>
-              <a:t>7</a:t>
+              <a:t>8</a:t>
             </a:fld>
             <a:endParaRPr lang="he-IL"/>
           </a:p>
@@ -1602,13 +2532,13 @@
           <a:p>
             <a:r>
               <a:rPr lang="he-IL" dirty="0"/>
-              <a:t>נדרש להרחיב על הבולט הראשון – מדובר בשיטות סגמנטציה בעזרת ראייה ממוחשבת</a:t>
+              <a:t>דוגמה לעבודה קודמת</a:t>
             </a:r>
           </a:p>
           <a:p>
             <a:r>
               <a:rPr lang="he-IL" dirty="0"/>
-              <a:t>הרחבה על הבולט השני – להסביר במה מדובר ואת הטבלה</a:t>
+              <a:t>לציין שאין התייחסות כלשהי לדפורמציות בתמונות – הבעיה לא קיבלה טיפול</a:t>
             </a:r>
             <a:endParaRPr lang="en-US" dirty="0"/>
           </a:p>
@@ -1632,7 +2562,7 @@
             <a:fld id="{C8C92D0D-AF30-4211-86C4-A3B87597F349}" type="slidenum">
               <a:rPr lang="he-IL" smtClean="0"/>
               <a:pPr/>
-              <a:t>11</a:t>
+              <a:t>9</a:t>
             </a:fld>
             <a:endParaRPr lang="he-IL"/>
           </a:p>
@@ -1643,7 +2573,7 @@
           <p:cNvPr id="5" name="Footer Placeholder 4">
             <a:extLst>
               <a:ext uri="{FF2B5EF4-FFF2-40B4-BE49-F238E27FC236}">
-                <a16:creationId xmlns:a16="http://schemas.microsoft.com/office/drawing/2014/main" id="{AD753467-F10B-4164-AC16-609227753711}"/>
+                <a16:creationId xmlns:a16="http://schemas.microsoft.com/office/drawing/2014/main" id="{E019C9B4-BB72-4AD5-BF7A-19B88CABF0C0}"/>
               </a:ext>
             </a:extLst>
           </p:cNvPr>
@@ -1669,7 +2599,7 @@
     </p:spTree>
     <p:extLst>
       <p:ext uri="{BB962C8B-B14F-4D97-AF65-F5344CB8AC3E}">
-        <p14:creationId xmlns:p14="http://schemas.microsoft.com/office/powerpoint/2010/main" val="3966368392"/>
+        <p14:creationId xmlns:p14="http://schemas.microsoft.com/office/powerpoint/2010/main" val="2280981912"/>
       </p:ext>
     </p:extLst>
   </p:cSld>
@@ -1725,18 +2655,37 @@
           <a:p>
             <a:r>
               <a:rPr lang="he-IL" dirty="0"/>
-              <a:t>אולי להרחיב במעט על הרשתות הידועות ומדוע בחרנו בהן</a:t>
+              <a:t>להגיד "הנה הצעה להתמודדות עם דפורמציות"</a:t>
             </a:r>
             <a:endParaRPr lang="en-US" dirty="0"/>
           </a:p>
-          <a:p>
-            <a:endParaRPr lang="en-US" dirty="0"/>
-          </a:p>
-        </p:txBody>
-      </p:sp>
-      <p:sp>
-        <p:nvSpPr>
-          <p:cNvPr id="4" name="Slide Number Placeholder 3"/>
+        </p:txBody>
+      </p:sp>
+      <p:sp>
+        <p:nvSpPr>
+          <p:cNvPr id="4" name="Footer Placeholder 3"/>
+          <p:cNvSpPr>
+            <a:spLocks noGrp="1"/>
+          </p:cNvSpPr>
+          <p:nvPr>
+            <p:ph type="ftr" sz="quarter" idx="4"/>
+          </p:nvPr>
+        </p:nvSpPr>
+        <p:spPr/>
+        <p:txBody>
+          <a:bodyPr/>
+          <a:lstStyle/>
+          <a:p>
+            <a:r>
+              <a:rPr lang="he-IL"/>
+              <a:t>2</a:t>
+            </a:r>
+          </a:p>
+        </p:txBody>
+      </p:sp>
+      <p:sp>
+        <p:nvSpPr>
+          <p:cNvPr id="5" name="Slide Number Placeholder 4"/>
           <p:cNvSpPr>
             <a:spLocks noGrp="1"/>
           </p:cNvSpPr>
@@ -1752,44 +2701,16 @@
             <a:fld id="{C8C92D0D-AF30-4211-86C4-A3B87597F349}" type="slidenum">
               <a:rPr lang="he-IL" smtClean="0"/>
               <a:pPr/>
-              <a:t>12</a:t>
+              <a:t>10</a:t>
             </a:fld>
             <a:endParaRPr lang="he-IL"/>
-          </a:p>
-        </p:txBody>
-      </p:sp>
-      <p:sp>
-        <p:nvSpPr>
-          <p:cNvPr id="5" name="Footer Placeholder 4">
-            <a:extLst>
-              <a:ext uri="{FF2B5EF4-FFF2-40B4-BE49-F238E27FC236}">
-                <a16:creationId xmlns:a16="http://schemas.microsoft.com/office/drawing/2014/main" id="{65C03B0E-2E4A-4E8D-89B2-0DF2F71549EE}"/>
-              </a:ext>
-            </a:extLst>
-          </p:cNvPr>
-          <p:cNvSpPr>
-            <a:spLocks noGrp="1"/>
-          </p:cNvSpPr>
-          <p:nvPr>
-            <p:ph type="ftr" sz="quarter" idx="4"/>
-          </p:nvPr>
-        </p:nvSpPr>
-        <p:spPr/>
-        <p:txBody>
-          <a:bodyPr/>
-          <a:lstStyle/>
-          <a:p>
-            <a:r>
-              <a:rPr lang="he-IL"/>
-              <a:t>2</a:t>
-            </a:r>
           </a:p>
         </p:txBody>
       </p:sp>
     </p:spTree>
     <p:extLst>
       <p:ext uri="{BB962C8B-B14F-4D97-AF65-F5344CB8AC3E}">
-        <p14:creationId xmlns:p14="http://schemas.microsoft.com/office/powerpoint/2010/main" val="1306353171"/>
+        <p14:creationId xmlns:p14="http://schemas.microsoft.com/office/powerpoint/2010/main" val="1641449463"/>
       </p:ext>
     </p:extLst>
   </p:cSld>
@@ -1845,12 +2766,9 @@
           <a:p>
             <a:r>
               <a:rPr lang="he-IL" dirty="0"/>
-              <a:t>להסביר שעל השכבות המדוברות נרצה ליישם </a:t>
-            </a:r>
-            <a:r>
-              <a:rPr lang="en-US" dirty="0"/>
-              <a:t>DCN</a:t>
-            </a:r>
+              <a:t>לציין שמדובר בשיטות סגמנטציה שונות, ולהדגיש שהתרומה לסבוכיות לא הייתה משמעותית</a:t>
+            </a:r>
+            <a:endParaRPr lang="en-US" dirty="0"/>
           </a:p>
         </p:txBody>
       </p:sp>
@@ -1883,7 +2801,7 @@
           <p:cNvPr id="5" name="Footer Placeholder 4">
             <a:extLst>
               <a:ext uri="{FF2B5EF4-FFF2-40B4-BE49-F238E27FC236}">
-                <a16:creationId xmlns:a16="http://schemas.microsoft.com/office/drawing/2014/main" id="{EAB95C90-7FCD-4A76-85DB-E96F4FA14E41}"/>
+                <a16:creationId xmlns:a16="http://schemas.microsoft.com/office/drawing/2014/main" id="{AD753467-F10B-4164-AC16-609227753711}"/>
               </a:ext>
             </a:extLst>
           </p:cNvPr>
@@ -1909,7 +2827,7 @@
     </p:spTree>
     <p:extLst>
       <p:ext uri="{BB962C8B-B14F-4D97-AF65-F5344CB8AC3E}">
-        <p14:creationId xmlns:p14="http://schemas.microsoft.com/office/powerpoint/2010/main" val="1289365257"/>
+        <p14:creationId xmlns:p14="http://schemas.microsoft.com/office/powerpoint/2010/main" val="1110135167"/>
       </p:ext>
     </p:extLst>
   </p:cSld>
@@ -1963,44 +2881,9 @@
           <a:bodyPr/>
           <a:lstStyle/>
           <a:p>
-            <a:pPr marL="0" marR="0" lvl="0" indent="0" algn="r" defTabSz="914400" rtl="1" eaLnBrk="1" fontAlgn="auto" latinLnBrk="0" hangingPunct="1">
-              <a:lnSpc>
-                <a:spcPct val="100000"/>
-              </a:lnSpc>
-              <a:spcBef>
-                <a:spcPts val="0"/>
-              </a:spcBef>
-              <a:spcAft>
-                <a:spcPts val="0"/>
-              </a:spcAft>
-              <a:buClrTx/>
-              <a:buSzTx/>
-              <a:buFontTx/>
-              <a:buNone/>
-              <a:tabLst/>
-              <a:defRPr/>
-            </a:pPr>
-            <a:r>
-              <a:rPr lang="en-US" sz="1200" dirty="0" err="1">
-                <a:solidFill>
-                  <a:srgbClr val="002060"/>
-                </a:solidFill>
-              </a:rPr>
-              <a:t>ResNet</a:t>
-            </a:r>
-            <a:r>
-              <a:rPr lang="en-US" sz="1200" dirty="0">
-                <a:solidFill>
-                  <a:srgbClr val="002060"/>
-                </a:solidFill>
-              </a:rPr>
-              <a:t> basic residual layer</a:t>
-            </a:r>
-          </a:p>
-          <a:p>
             <a:r>
               <a:rPr lang="he-IL" dirty="0"/>
-              <a:t>לדבר על טרייד-אופים: אם ממשים הרבה שכבות כ-</a:t>
+              <a:t>הפעלת </a:t>
             </a:r>
             <a:r>
               <a:rPr lang="en-US" dirty="0"/>
@@ -2008,17 +2891,22 @@
             </a:r>
             <a:r>
               <a:rPr lang="he-IL" dirty="0"/>
-              <a:t> נצפה לזמן לימוד ארוך. כמו כן לדבר על המיקום שבו נרצה לממש </a:t>
+              <a:t> על מספר השכבות האחרונות, השוואת תוצאות</a:t>
+            </a:r>
+          </a:p>
+          <a:p>
+            <a:r>
+              <a:rPr lang="en-US" dirty="0" err="1"/>
+              <a:t>mAP,mIoU</a:t>
+            </a:r>
+            <a:r>
+              <a:rPr lang="he-IL" dirty="0"/>
+              <a:t> – שיטות ניקוד שונות עבור זיהוי </a:t>
             </a:r>
             <a:r>
               <a:rPr lang="en-US" dirty="0"/>
-              <a:t>DCN</a:t>
-            </a:r>
-            <a:r>
-              <a:rPr lang="he-IL" dirty="0"/>
-              <a:t> – בתחילת השכבות, בסיום, וכו' וכו'</a:t>
-            </a:r>
-            <a:endParaRPr lang="en-US" dirty="0"/>
+              <a:t>REGIONS</a:t>
+            </a:r>
           </a:p>
         </p:txBody>
       </p:sp>
@@ -2051,7 +2939,7 @@
           <p:cNvPr id="5" name="Footer Placeholder 4">
             <a:extLst>
               <a:ext uri="{FF2B5EF4-FFF2-40B4-BE49-F238E27FC236}">
-                <a16:creationId xmlns:a16="http://schemas.microsoft.com/office/drawing/2014/main" id="{C14FCB9D-45E4-4133-908F-C2C828213379}"/>
+                <a16:creationId xmlns:a16="http://schemas.microsoft.com/office/drawing/2014/main" id="{AD753467-F10B-4164-AC16-609227753711}"/>
               </a:ext>
             </a:extLst>
           </p:cNvPr>
@@ -2077,7 +2965,7 @@
     </p:spTree>
     <p:extLst>
       <p:ext uri="{BB962C8B-B14F-4D97-AF65-F5344CB8AC3E}">
-        <p14:creationId xmlns:p14="http://schemas.microsoft.com/office/powerpoint/2010/main" val="2585679764"/>
+        <p14:creationId xmlns:p14="http://schemas.microsoft.com/office/powerpoint/2010/main" val="4269872321"/>
       </p:ext>
     </p:extLst>
   </p:cSld>
@@ -2883,7 +3771,7 @@
           <a:p>
             <a:fld id="{BFD2984C-9D56-40A8-839A-3AF6619B1C81}" type="datetime1">
               <a:rPr lang="en-US" smtClean="0"/>
-              <a:t>1/2/2020</a:t>
+              <a:t>1/6/2020</a:t>
             </a:fld>
             <a:endParaRPr lang="en-US"/>
           </a:p>
@@ -3130,7 +4018,7 @@
           <a:p>
             <a:fld id="{1408F81D-5BB7-4C4A-AE55-B68165AD758E}" type="datetime1">
               <a:rPr lang="en-US" smtClean="0"/>
-              <a:t>1/2/2020</a:t>
+              <a:t>1/6/2020</a:t>
             </a:fld>
             <a:endParaRPr lang="en-US"/>
           </a:p>
@@ -3831,13 +4719,7 @@
       </p:grpSpPr>
       <p:sp>
         <p:nvSpPr>
-          <p:cNvPr id="2" name="Title 1">
-            <a:extLst>
-              <a:ext uri="{FF2B5EF4-FFF2-40B4-BE49-F238E27FC236}">
-                <a16:creationId xmlns:a16="http://schemas.microsoft.com/office/drawing/2014/main" id="{A83A3907-5868-491F-80F2-4633FEEAA9C1}"/>
-              </a:ext>
-            </a:extLst>
-          </p:cNvPr>
+          <p:cNvPr id="2" name="Title 1"/>
           <p:cNvSpPr>
             <a:spLocks noGrp="1"/>
           </p:cNvSpPr>
@@ -3848,7 +4730,7 @@
         <p:spPr/>
         <p:txBody>
           <a:bodyPr>
-            <a:normAutofit fontScale="90000"/>
+            <a:normAutofit/>
           </a:bodyPr>
           <a:lstStyle/>
           <a:p>
@@ -3858,146 +4740,77 @@
                   <a:srgbClr val="002060"/>
                 </a:solidFill>
               </a:rPr>
-              <a:t>Deformable Convolutional Networks</a:t>
-            </a:r>
-            <a:endParaRPr lang="en-US" dirty="0"/>
-          </a:p>
-        </p:txBody>
-      </p:sp>
-      <p:sp>
-        <p:nvSpPr>
-          <p:cNvPr id="3" name="Content Placeholder 2">
-            <a:extLst>
-              <a:ext uri="{FF2B5EF4-FFF2-40B4-BE49-F238E27FC236}">
-                <a16:creationId xmlns:a16="http://schemas.microsoft.com/office/drawing/2014/main" id="{FD9D945D-90FF-4CB6-99B8-A86B0C6D048D}"/>
-              </a:ext>
-            </a:extLst>
-          </p:cNvPr>
-          <p:cNvSpPr>
-            <a:spLocks noGrp="1"/>
-          </p:cNvSpPr>
-          <p:nvPr>
-            <p:ph idx="1"/>
-          </p:nvPr>
-        </p:nvSpPr>
-        <p:spPr>
-          <a:xfrm>
-            <a:off x="76200" y="1417638"/>
-            <a:ext cx="3352800" cy="4525963"/>
-          </a:xfrm>
-        </p:spPr>
-        <p:txBody>
-          <a:bodyPr>
-            <a:normAutofit lnSpcReduction="10000"/>
-          </a:bodyPr>
-          <a:lstStyle/>
-          <a:p>
-            <a:r>
-              <a:rPr lang="en-US" sz="2400" dirty="0">
-                <a:solidFill>
-                  <a:srgbClr val="002060"/>
-                </a:solidFill>
-              </a:rPr>
-              <a:t>Each grid point moved by learnable offset</a:t>
-            </a:r>
-          </a:p>
-          <a:p>
-            <a:pPr marL="0" indent="0">
-              <a:buNone/>
-            </a:pPr>
-            <a:endParaRPr lang="en-US" sz="2400" dirty="0">
+              <a:t>Literature Survey - DCN</a:t>
+            </a:r>
+            <a:endParaRPr lang="he-IL" dirty="0">
               <a:solidFill>
                 <a:srgbClr val="002060"/>
               </a:solidFill>
             </a:endParaRPr>
           </a:p>
-          <a:p>
-            <a:pPr marL="0" indent="0">
-              <a:buNone/>
-            </a:pPr>
-            <a:endParaRPr lang="en-US" sz="2400" dirty="0">
+        </p:txBody>
+      </p:sp>
+      <p:sp>
+        <p:nvSpPr>
+          <p:cNvPr id="3" name="Content Placeholder 2"/>
+          <p:cNvSpPr>
+            <a:spLocks noGrp="1"/>
+          </p:cNvSpPr>
+          <p:nvPr>
+            <p:ph idx="1"/>
+          </p:nvPr>
+        </p:nvSpPr>
+        <p:spPr>
+          <a:xfrm>
+            <a:off x="457200" y="1752600"/>
+            <a:ext cx="8229600" cy="4830761"/>
+          </a:xfrm>
+        </p:spPr>
+        <p:txBody>
+          <a:bodyPr>
+            <a:normAutofit/>
+          </a:bodyPr>
+          <a:lstStyle/>
+          <a:p>
+            <a:r>
+              <a:rPr lang="en-US" sz="2400" dirty="0">
+                <a:solidFill>
+                  <a:srgbClr val="002060"/>
+                </a:solidFill>
+              </a:rPr>
+              <a:t>Convolution operates on rectangular grid from input image or a set of input feature maps</a:t>
+            </a:r>
+          </a:p>
+          <a:p>
+            <a:r>
+              <a:rPr lang="en-US" sz="2400" dirty="0">
+                <a:solidFill>
+                  <a:srgbClr val="002060"/>
+                </a:solidFill>
+              </a:rPr>
+              <a:t>Objects may be deformed or occluded within image</a:t>
+            </a:r>
+          </a:p>
+          <a:p>
+            <a:r>
+              <a:rPr lang="en-US" sz="2400" dirty="0">
+                <a:solidFill>
+                  <a:srgbClr val="002060"/>
+                </a:solidFill>
+              </a:rPr>
+              <a:t>DCN - each grid point moved by learnable offset</a:t>
+            </a:r>
+            <a:endParaRPr lang="he-IL" sz="2400" dirty="0">
               <a:solidFill>
                 <a:srgbClr val="002060"/>
               </a:solidFill>
             </a:endParaRPr>
           </a:p>
-          <a:p>
-            <a:pPr marL="0" indent="0">
-              <a:buNone/>
-            </a:pPr>
-            <a:endParaRPr lang="en-US" sz="2400" dirty="0">
-              <a:solidFill>
-                <a:srgbClr val="002060"/>
-              </a:solidFill>
-            </a:endParaRPr>
-          </a:p>
-          <a:p>
-            <a:pPr marL="0" indent="0">
-              <a:buNone/>
-            </a:pPr>
-            <a:endParaRPr lang="en-US" sz="2400" dirty="0">
-              <a:solidFill>
-                <a:srgbClr val="002060"/>
-              </a:solidFill>
-            </a:endParaRPr>
-          </a:p>
-          <a:p>
-            <a:pPr marL="0" indent="0">
-              <a:buNone/>
-            </a:pPr>
-            <a:endParaRPr lang="en-US" sz="2400" dirty="0">
-              <a:solidFill>
-                <a:srgbClr val="002060"/>
-              </a:solidFill>
-            </a:endParaRPr>
-          </a:p>
-          <a:p>
-            <a:pPr marL="0" indent="0">
-              <a:buNone/>
-            </a:pPr>
-            <a:endParaRPr lang="en-US" sz="2400" dirty="0">
-              <a:solidFill>
-                <a:srgbClr val="002060"/>
-              </a:solidFill>
-            </a:endParaRPr>
-          </a:p>
-          <a:p>
-            <a:r>
-              <a:rPr lang="en-US" sz="2400" dirty="0">
-                <a:solidFill>
-                  <a:srgbClr val="002060"/>
-                </a:solidFill>
-              </a:rPr>
-              <a:t>Similarly for deformable </a:t>
-            </a:r>
-            <a:r>
-              <a:rPr lang="en-US" sz="2400" dirty="0" err="1">
-                <a:solidFill>
-                  <a:srgbClr val="002060"/>
-                </a:solidFill>
-              </a:rPr>
-              <a:t>RoI</a:t>
-            </a:r>
-            <a:r>
-              <a:rPr lang="en-US" sz="2400" dirty="0">
-                <a:solidFill>
-                  <a:srgbClr val="002060"/>
-                </a:solidFill>
-              </a:rPr>
-              <a:t> pooling</a:t>
-            </a:r>
-          </a:p>
-        </p:txBody>
-      </p:sp>
-      <p:sp>
-        <p:nvSpPr>
-          <p:cNvPr id="4" name="Slide Number Placeholder 3">
-            <a:extLst>
-              <a:ext uri="{FF2B5EF4-FFF2-40B4-BE49-F238E27FC236}">
-                <a16:creationId xmlns:a16="http://schemas.microsoft.com/office/drawing/2014/main" id="{6ED004E6-B912-45E4-A456-29799468E102}"/>
-              </a:ext>
-            </a:extLst>
-          </p:cNvPr>
+        </p:txBody>
+      </p:sp>
+      <p:sp>
+        <p:nvSpPr>
+          <p:cNvPr id="5" name="Slide Number Placeholder 4"/>
           <p:cNvSpPr>
             <a:spLocks noGrp="1"/>
           </p:cNvSpPr>
@@ -4019,42 +4832,63 @@
           </a:p>
         </p:txBody>
       </p:sp>
-      <p:pic>
-        <p:nvPicPr>
-          <p:cNvPr id="5" name="Picture 4">
+      <p:sp>
+        <p:nvSpPr>
+          <p:cNvPr id="4" name="TextBox 3">
             <a:extLst>
               <a:ext uri="{FF2B5EF4-FFF2-40B4-BE49-F238E27FC236}">
-                <a16:creationId xmlns:a16="http://schemas.microsoft.com/office/drawing/2014/main" id="{E08E82D0-98D4-4426-9D45-2170540D2668}"/>
+                <a16:creationId xmlns:a16="http://schemas.microsoft.com/office/drawing/2014/main" id="{114EBC9B-DE82-4C6A-AF04-1168189C0C32}"/>
               </a:ext>
             </a:extLst>
           </p:cNvPr>
-          <p:cNvPicPr>
-            <a:picLocks noChangeAspect="1"/>
-          </p:cNvPicPr>
+          <p:cNvSpPr txBox="1"/>
           <p:nvPr/>
-        </p:nvPicPr>
-        <p:blipFill>
-          <a:blip r:embed="rId2"/>
-          <a:stretch>
-            <a:fillRect/>
-          </a:stretch>
-        </p:blipFill>
+        </p:nvSpPr>
         <p:spPr>
           <a:xfrm>
-            <a:off x="3657600" y="1241038"/>
-            <a:ext cx="5486400" cy="2492762"/>
+            <a:off x="1219200" y="1186160"/>
+            <a:ext cx="6781800" cy="584775"/>
           </a:xfrm>
           <a:prstGeom prst="rect">
             <a:avLst/>
           </a:prstGeom>
+          <a:noFill/>
         </p:spPr>
-      </p:pic>
+        <p:txBody>
+          <a:bodyPr wrap="square" rtlCol="0">
+            <a:spAutoFit/>
+          </a:bodyPr>
+          <a:lstStyle/>
+          <a:p>
+            <a:r>
+              <a:rPr lang="en-US" sz="1600" dirty="0"/>
+              <a:t>Dai, </a:t>
+            </a:r>
+            <a:r>
+              <a:rPr lang="en-US" sz="1600" dirty="0" err="1"/>
+              <a:t>Jifeng</a:t>
+            </a:r>
+            <a:r>
+              <a:rPr lang="en-US" sz="1600" dirty="0"/>
+              <a:t>, et al. "Deformable convolutional networks." </a:t>
+            </a:r>
+            <a:r>
+              <a:rPr lang="en-US" sz="1600" i="1" dirty="0"/>
+              <a:t>Proceedings of the IEEE international conference on computer vision</a:t>
+            </a:r>
+            <a:r>
+              <a:rPr lang="en-US" sz="1600" dirty="0"/>
+              <a:t>. 2017</a:t>
+            </a:r>
+          </a:p>
+        </p:txBody>
+      </p:sp>
       <p:pic>
         <p:nvPicPr>
-          <p:cNvPr id="6" name="Picture 5">
+          <p:cNvPr id="7" name="Picture 6">
             <a:extLst>
               <a:ext uri="{FF2B5EF4-FFF2-40B4-BE49-F238E27FC236}">
-                <a16:creationId xmlns:a16="http://schemas.microsoft.com/office/drawing/2014/main" id="{C85BE30B-8A07-4035-9A59-C097F001B260}"/>
+                <a16:creationId xmlns:a16="http://schemas.microsoft.com/office/drawing/2014/main" id="{FF55F4D5-D545-49B6-90D7-6FB849BE6DFF}"/>
               </a:ext>
             </a:extLst>
           </p:cNvPr>
@@ -4071,8 +4905,8 @@
         </p:blipFill>
         <p:spPr>
           <a:xfrm>
-            <a:off x="3352800" y="4114800"/>
-            <a:ext cx="5791200" cy="2536438"/>
+            <a:off x="2481262" y="3841750"/>
+            <a:ext cx="4181475" cy="2514600"/>
           </a:xfrm>
           <a:prstGeom prst="rect">
             <a:avLst/>
@@ -4082,7 +4916,7 @@
     </p:spTree>
     <p:extLst>
       <p:ext uri="{BB962C8B-B14F-4D97-AF65-F5344CB8AC3E}">
-        <p14:creationId xmlns:p14="http://schemas.microsoft.com/office/powerpoint/2010/main" val="2842702429"/>
+        <p14:creationId xmlns:p14="http://schemas.microsoft.com/office/powerpoint/2010/main" val="1202081205"/>
       </p:ext>
     </p:extLst>
   </p:cSld>
@@ -4128,7 +4962,7 @@
         <p:spPr/>
         <p:txBody>
           <a:bodyPr>
-            <a:normAutofit/>
+            <a:normAutofit fontScale="90000"/>
           </a:bodyPr>
           <a:lstStyle/>
           <a:p>
@@ -4138,7 +4972,312 @@
                   <a:srgbClr val="002060"/>
                 </a:solidFill>
               </a:rPr>
-              <a:t>DCN - Results</a:t>
+              <a:t>Deformable Convolutional Networks</a:t>
+            </a:r>
+            <a:endParaRPr lang="en-US" dirty="0"/>
+          </a:p>
+        </p:txBody>
+      </p:sp>
+      <mc:AlternateContent xmlns:mc="http://schemas.openxmlformats.org/markup-compatibility/2006">
+        <mc:Choice xmlns:a14="http://schemas.microsoft.com/office/drawing/2010/main" Requires="a14">
+          <p:sp>
+            <p:nvSpPr>
+              <p:cNvPr id="3" name="Content Placeholder 2">
+                <a:extLst>
+                  <a:ext uri="{FF2B5EF4-FFF2-40B4-BE49-F238E27FC236}">
+                    <a16:creationId xmlns:a16="http://schemas.microsoft.com/office/drawing/2014/main" id="{FD9D945D-90FF-4CB6-99B8-A86B0C6D048D}"/>
+                  </a:ext>
+                </a:extLst>
+              </p:cNvPr>
+              <p:cNvSpPr>
+                <a:spLocks noGrp="1"/>
+              </p:cNvSpPr>
+              <p:nvPr>
+                <p:ph idx="1"/>
+              </p:nvPr>
+            </p:nvSpPr>
+            <p:spPr>
+              <a:xfrm>
+                <a:off x="457200" y="1392238"/>
+                <a:ext cx="7620000" cy="4525963"/>
+              </a:xfrm>
+            </p:spPr>
+            <p:txBody>
+              <a:bodyPr>
+                <a:normAutofit/>
+              </a:bodyPr>
+              <a:lstStyle/>
+              <a:p>
+                <a:r>
+                  <a:rPr lang="en-US" sz="2400" dirty="0">
+                    <a:solidFill>
+                      <a:srgbClr val="002060"/>
+                    </a:solidFill>
+                  </a:rPr>
+                  <a:t>Deformable convolution is operated on a grid, with each point augmented by a learnable offset </a:t>
+                </a:r>
+                <a14:m>
+                  <m:oMath xmlns:m="http://schemas.openxmlformats.org/officeDocument/2006/math">
+                    <m:sSub>
+                      <m:sSubPr>
+                        <m:ctrlPr>
+                          <a:rPr lang="en-US" sz="2400" b="0" i="1" smtClean="0">
+                            <a:solidFill>
+                              <a:srgbClr val="002060"/>
+                            </a:solidFill>
+                            <a:latin typeface="Cambria Math" panose="02040503050406030204" pitchFamily="18" charset="0"/>
+                          </a:rPr>
+                        </m:ctrlPr>
+                      </m:sSubPr>
+                      <m:e>
+                        <m:r>
+                          <m:rPr>
+                            <m:nor/>
+                          </m:rPr>
+                          <a:rPr lang="en-US" sz="2400" dirty="0">
+                            <a:solidFill>
+                              <a:srgbClr val="002060"/>
+                            </a:solidFill>
+                          </a:rPr>
+                          <m:t>∆</m:t>
+                        </m:r>
+                        <m:r>
+                          <a:rPr lang="en-US" sz="2400" b="0" i="1" smtClean="0">
+                            <a:solidFill>
+                              <a:srgbClr val="002060"/>
+                            </a:solidFill>
+                            <a:latin typeface="Cambria Math" panose="02040503050406030204" pitchFamily="18" charset="0"/>
+                          </a:rPr>
+                          <m:t>𝑃</m:t>
+                        </m:r>
+                      </m:e>
+                      <m:sub>
+                        <m:r>
+                          <a:rPr lang="en-US" sz="2400" b="0" i="1" smtClean="0">
+                            <a:solidFill>
+                              <a:srgbClr val="002060"/>
+                            </a:solidFill>
+                            <a:latin typeface="Cambria Math" panose="02040503050406030204" pitchFamily="18" charset="0"/>
+                          </a:rPr>
+                          <m:t>𝑛</m:t>
+                        </m:r>
+                      </m:sub>
+                    </m:sSub>
+                  </m:oMath>
+                </a14:m>
+                <a:endParaRPr lang="en-US" sz="2400" dirty="0">
+                  <a:solidFill>
+                    <a:srgbClr val="002060"/>
+                  </a:solidFill>
+                </a:endParaRPr>
+              </a:p>
+              <a:p>
+                <a:pPr marL="0" indent="0">
+                  <a:buNone/>
+                </a:pPr>
+                <a:endParaRPr lang="en-US" sz="2400" dirty="0">
+                  <a:solidFill>
+                    <a:srgbClr val="002060"/>
+                  </a:solidFill>
+                </a:endParaRPr>
+              </a:p>
+              <a:p>
+                <a:pPr marL="0" indent="0">
+                  <a:buNone/>
+                </a:pPr>
+                <a:endParaRPr lang="en-US" sz="2400" dirty="0">
+                  <a:solidFill>
+                    <a:srgbClr val="002060"/>
+                  </a:solidFill>
+                </a:endParaRPr>
+              </a:p>
+              <a:p>
+                <a:pPr marL="0" indent="0">
+                  <a:buNone/>
+                </a:pPr>
+                <a:endParaRPr lang="en-US" sz="2400" dirty="0">
+                  <a:solidFill>
+                    <a:srgbClr val="002060"/>
+                  </a:solidFill>
+                </a:endParaRPr>
+              </a:p>
+              <a:p>
+                <a:pPr marL="0" indent="0">
+                  <a:buNone/>
+                </a:pPr>
+                <a:endParaRPr lang="en-US" sz="2400" dirty="0">
+                  <a:solidFill>
+                    <a:srgbClr val="002060"/>
+                  </a:solidFill>
+                </a:endParaRPr>
+              </a:p>
+            </p:txBody>
+          </p:sp>
+        </mc:Choice>
+        <mc:Fallback>
+          <p:sp>
+            <p:nvSpPr>
+              <p:cNvPr id="3" name="Content Placeholder 2">
+                <a:extLst>
+                  <a:ext uri="{FF2B5EF4-FFF2-40B4-BE49-F238E27FC236}">
+                    <a16:creationId xmlns:a16="http://schemas.microsoft.com/office/drawing/2014/main" id="{FD9D945D-90FF-4CB6-99B8-A86B0C6D048D}"/>
+                  </a:ext>
+                </a:extLst>
+              </p:cNvPr>
+              <p:cNvSpPr>
+                <a:spLocks noGrp="1" noRot="1" noChangeAspect="1" noMove="1" noResize="1" noEditPoints="1" noAdjustHandles="1" noChangeArrowheads="1" noChangeShapeType="1" noTextEdit="1"/>
+              </p:cNvSpPr>
+              <p:nvPr>
+                <p:ph idx="1"/>
+              </p:nvPr>
+            </p:nvSpPr>
+            <p:spPr>
+              <a:xfrm>
+                <a:off x="457200" y="1392238"/>
+                <a:ext cx="7620000" cy="4525963"/>
+              </a:xfrm>
+              <a:blipFill>
+                <a:blip r:embed="rId2"/>
+                <a:stretch>
+                  <a:fillRect l="-1040" t="-1077" r="-80"/>
+                </a:stretch>
+              </a:blipFill>
+            </p:spPr>
+            <p:txBody>
+              <a:bodyPr/>
+              <a:lstStyle/>
+              <a:p>
+                <a:r>
+                  <a:rPr lang="en-US">
+                    <a:noFill/>
+                  </a:rPr>
+                  <a:t> </a:t>
+                </a:r>
+              </a:p>
+            </p:txBody>
+          </p:sp>
+        </mc:Fallback>
+      </mc:AlternateContent>
+      <p:sp>
+        <p:nvSpPr>
+          <p:cNvPr id="4" name="Slide Number Placeholder 3">
+            <a:extLst>
+              <a:ext uri="{FF2B5EF4-FFF2-40B4-BE49-F238E27FC236}">
+                <a16:creationId xmlns:a16="http://schemas.microsoft.com/office/drawing/2014/main" id="{6ED004E6-B912-45E4-A456-29799468E102}"/>
+              </a:ext>
+            </a:extLst>
+          </p:cNvPr>
+          <p:cNvSpPr>
+            <a:spLocks noGrp="1"/>
+          </p:cNvSpPr>
+          <p:nvPr>
+            <p:ph type="sldNum" sz="quarter" idx="12"/>
+          </p:nvPr>
+        </p:nvSpPr>
+        <p:spPr/>
+        <p:txBody>
+          <a:bodyPr/>
+          <a:lstStyle/>
+          <a:p>
+            <a:fld id="{B01D9778-10B4-40FB-B4E4-44FA89A86639}" type="slidenum">
+              <a:rPr lang="en-US" smtClean="0"/>
+              <a:pPr/>
+              <a:t>11</a:t>
+            </a:fld>
+            <a:endParaRPr lang="en-US"/>
+          </a:p>
+        </p:txBody>
+      </p:sp>
+      <p:pic>
+        <p:nvPicPr>
+          <p:cNvPr id="5" name="Picture 4">
+            <a:extLst>
+              <a:ext uri="{FF2B5EF4-FFF2-40B4-BE49-F238E27FC236}">
+                <a16:creationId xmlns:a16="http://schemas.microsoft.com/office/drawing/2014/main" id="{E08E82D0-98D4-4426-9D45-2170540D2668}"/>
+              </a:ext>
+            </a:extLst>
+          </p:cNvPr>
+          <p:cNvPicPr>
+            <a:picLocks noChangeAspect="1"/>
+          </p:cNvPicPr>
+          <p:nvPr/>
+        </p:nvPicPr>
+        <p:blipFill>
+          <a:blip r:embed="rId3"/>
+          <a:stretch>
+            <a:fillRect/>
+          </a:stretch>
+        </p:blipFill>
+        <p:spPr>
+          <a:xfrm>
+            <a:off x="457200" y="2540318"/>
+            <a:ext cx="8387647" cy="3810952"/>
+          </a:xfrm>
+          <a:prstGeom prst="rect">
+            <a:avLst/>
+          </a:prstGeom>
+        </p:spPr>
+      </p:pic>
+    </p:spTree>
+    <p:extLst>
+      <p:ext uri="{BB962C8B-B14F-4D97-AF65-F5344CB8AC3E}">
+        <p14:creationId xmlns:p14="http://schemas.microsoft.com/office/powerpoint/2010/main" val="2842702429"/>
+      </p:ext>
+    </p:extLst>
+  </p:cSld>
+  <p:clrMapOvr>
+    <a:masterClrMapping/>
+  </p:clrMapOvr>
+</p:sld>
+</file>
+
+<file path=ppt/slides/slide12.xml><?xml version="1.0" encoding="utf-8"?>
+<p:sld xmlns:a="http://schemas.openxmlformats.org/drawingml/2006/main" xmlns:r="http://schemas.openxmlformats.org/officeDocument/2006/relationships" xmlns:p="http://schemas.openxmlformats.org/presentationml/2006/main">
+  <p:cSld>
+    <p:spTree>
+      <p:nvGrpSpPr>
+        <p:cNvPr id="1" name=""/>
+        <p:cNvGrpSpPr/>
+        <p:nvPr/>
+      </p:nvGrpSpPr>
+      <p:grpSpPr>
+        <a:xfrm>
+          <a:off x="0" y="0"/>
+          <a:ext cx="0" cy="0"/>
+          <a:chOff x="0" y="0"/>
+          <a:chExt cx="0" cy="0"/>
+        </a:xfrm>
+      </p:grpSpPr>
+      <p:sp>
+        <p:nvSpPr>
+          <p:cNvPr id="2" name="Title 1">
+            <a:extLst>
+              <a:ext uri="{FF2B5EF4-FFF2-40B4-BE49-F238E27FC236}">
+                <a16:creationId xmlns:a16="http://schemas.microsoft.com/office/drawing/2014/main" id="{A83A3907-5868-491F-80F2-4633FEEAA9C1}"/>
+              </a:ext>
+            </a:extLst>
+          </p:cNvPr>
+          <p:cNvSpPr>
+            <a:spLocks noGrp="1"/>
+          </p:cNvSpPr>
+          <p:nvPr>
+            <p:ph type="title"/>
+          </p:nvPr>
+        </p:nvSpPr>
+        <p:spPr/>
+        <p:txBody>
+          <a:bodyPr>
+            <a:normAutofit fontScale="90000"/>
+          </a:bodyPr>
+          <a:lstStyle/>
+          <a:p>
+            <a:r>
+              <a:rPr lang="en-US" dirty="0">
+                <a:solidFill>
+                  <a:srgbClr val="002060"/>
+                </a:solidFill>
+              </a:rPr>
+              <a:t>Deformable Convolutional Networks</a:t>
             </a:r>
             <a:endParaRPr lang="en-US" dirty="0"/>
           </a:p>
@@ -4162,8 +5301,8 @@
         </p:nvSpPr>
         <p:spPr>
           <a:xfrm>
-            <a:off x="76200" y="1417638"/>
-            <a:ext cx="8610600" cy="4525963"/>
+            <a:off x="472440" y="1417638"/>
+            <a:ext cx="7543800" cy="4525963"/>
           </a:xfrm>
         </p:spPr>
         <p:txBody>
@@ -4178,7 +5317,7 @@
                   <a:srgbClr val="002060"/>
                 </a:solidFill>
               </a:rPr>
-              <a:t>Using these modules, DCN improves the accuracy of </a:t>
+              <a:t>Similarly for deformable </a:t>
             </a:r>
             <a:r>
               <a:rPr lang="en-US" sz="2400" dirty="0" err="1">
@@ -4186,7 +5325,7 @@
                   <a:srgbClr val="002060"/>
                 </a:solidFill>
               </a:rPr>
-              <a:t>DeepLab</a:t>
+              <a:t>RoI</a:t>
             </a:r>
             <a:r>
               <a:rPr lang="en-US" sz="2400" dirty="0">
@@ -4194,49 +5333,7 @@
                   <a:srgbClr val="002060"/>
                 </a:solidFill>
               </a:rPr>
-              <a:t>, Faster R-CNN, R-FCN, and FPN etc.</a:t>
-            </a:r>
-          </a:p>
-          <a:p>
-            <a:r>
-              <a:rPr lang="en-US" sz="2400" dirty="0">
-                <a:solidFill>
-                  <a:srgbClr val="002060"/>
-                </a:solidFill>
-              </a:rPr>
-              <a:t>Won the 2</a:t>
-            </a:r>
-            <a:r>
-              <a:rPr lang="en-US" sz="2400" baseline="30000" dirty="0">
-                <a:solidFill>
-                  <a:srgbClr val="002060"/>
-                </a:solidFill>
-              </a:rPr>
-              <a:t>nd</a:t>
-            </a:r>
-            <a:r>
-              <a:rPr lang="en-US" sz="2400" dirty="0">
-                <a:solidFill>
-                  <a:srgbClr val="002060"/>
-                </a:solidFill>
-              </a:rPr>
-              <a:t> Runner Up in COCO Detection Challenge and 3</a:t>
-            </a:r>
-            <a:r>
-              <a:rPr lang="en-US" sz="2400" baseline="30000" dirty="0">
-                <a:solidFill>
-                  <a:srgbClr val="002060"/>
-                </a:solidFill>
-              </a:rPr>
-              <a:t>rd</a:t>
-            </a:r>
-            <a:r>
-              <a:rPr lang="en-US" sz="2400" dirty="0">
-                <a:solidFill>
-                  <a:srgbClr val="002060"/>
-                </a:solidFill>
-              </a:rPr>
-              <a:t> Runner Up in Segmentation Challenge</a:t>
+              <a:t> pooling</a:t>
             </a:r>
           </a:p>
         </p:txBody>
@@ -4265,7 +5362,609 @@
             <a:fld id="{B01D9778-10B4-40FB-B4E4-44FA89A86639}" type="slidenum">
               <a:rPr lang="en-US" smtClean="0"/>
               <a:pPr/>
-              <a:t>11</a:t>
+              <a:t>12</a:t>
+            </a:fld>
+            <a:endParaRPr lang="en-US"/>
+          </a:p>
+        </p:txBody>
+      </p:sp>
+      <p:pic>
+        <p:nvPicPr>
+          <p:cNvPr id="6" name="Picture 5">
+            <a:extLst>
+              <a:ext uri="{FF2B5EF4-FFF2-40B4-BE49-F238E27FC236}">
+                <a16:creationId xmlns:a16="http://schemas.microsoft.com/office/drawing/2014/main" id="{C85BE30B-8A07-4035-9A59-C097F001B260}"/>
+              </a:ext>
+            </a:extLst>
+          </p:cNvPr>
+          <p:cNvPicPr>
+            <a:picLocks noChangeAspect="1"/>
+          </p:cNvPicPr>
+          <p:nvPr/>
+        </p:nvPicPr>
+        <p:blipFill>
+          <a:blip r:embed="rId2"/>
+          <a:stretch>
+            <a:fillRect/>
+          </a:stretch>
+        </p:blipFill>
+        <p:spPr>
+          <a:xfrm>
+            <a:off x="304800" y="2529592"/>
+            <a:ext cx="8748860" cy="3831838"/>
+          </a:xfrm>
+          <a:prstGeom prst="rect">
+            <a:avLst/>
+          </a:prstGeom>
+        </p:spPr>
+      </p:pic>
+    </p:spTree>
+    <p:extLst>
+      <p:ext uri="{BB962C8B-B14F-4D97-AF65-F5344CB8AC3E}">
+        <p14:creationId xmlns:p14="http://schemas.microsoft.com/office/powerpoint/2010/main" val="3790912087"/>
+      </p:ext>
+    </p:extLst>
+  </p:cSld>
+  <p:clrMapOvr>
+    <a:masterClrMapping/>
+  </p:clrMapOvr>
+</p:sld>
+</file>
+
+<file path=ppt/slides/slide13.xml><?xml version="1.0" encoding="utf-8"?>
+<p:sld xmlns:a="http://schemas.openxmlformats.org/drawingml/2006/main" xmlns:r="http://schemas.openxmlformats.org/officeDocument/2006/relationships" xmlns:p="http://schemas.openxmlformats.org/presentationml/2006/main">
+  <p:cSld>
+    <p:spTree>
+      <p:nvGrpSpPr>
+        <p:cNvPr id="1" name=""/>
+        <p:cNvGrpSpPr/>
+        <p:nvPr/>
+      </p:nvGrpSpPr>
+      <p:grpSpPr>
+        <a:xfrm>
+          <a:off x="0" y="0"/>
+          <a:ext cx="0" cy="0"/>
+          <a:chOff x="0" y="0"/>
+          <a:chExt cx="0" cy="0"/>
+        </a:xfrm>
+      </p:grpSpPr>
+      <p:sp>
+        <p:nvSpPr>
+          <p:cNvPr id="2" name="Title 1">
+            <a:extLst>
+              <a:ext uri="{FF2B5EF4-FFF2-40B4-BE49-F238E27FC236}">
+                <a16:creationId xmlns:a16="http://schemas.microsoft.com/office/drawing/2014/main" id="{A83A3907-5868-491F-80F2-4633FEEAA9C1}"/>
+              </a:ext>
+            </a:extLst>
+          </p:cNvPr>
+          <p:cNvSpPr>
+            <a:spLocks noGrp="1"/>
+          </p:cNvSpPr>
+          <p:nvPr>
+            <p:ph type="title"/>
+          </p:nvPr>
+        </p:nvSpPr>
+        <p:spPr/>
+        <p:txBody>
+          <a:bodyPr>
+            <a:normAutofit/>
+          </a:bodyPr>
+          <a:lstStyle/>
+          <a:p>
+            <a:r>
+              <a:rPr lang="en-US" dirty="0">
+                <a:solidFill>
+                  <a:srgbClr val="002060"/>
+                </a:solidFill>
+              </a:rPr>
+              <a:t>DCN – Complexity &amp; Runtime </a:t>
+            </a:r>
+            <a:endParaRPr lang="en-US" dirty="0"/>
+          </a:p>
+        </p:txBody>
+      </p:sp>
+      <p:sp>
+        <p:nvSpPr>
+          <p:cNvPr id="3" name="Content Placeholder 2">
+            <a:extLst>
+              <a:ext uri="{FF2B5EF4-FFF2-40B4-BE49-F238E27FC236}">
+                <a16:creationId xmlns:a16="http://schemas.microsoft.com/office/drawing/2014/main" id="{FD9D945D-90FF-4CB6-99B8-A86B0C6D048D}"/>
+              </a:ext>
+            </a:extLst>
+          </p:cNvPr>
+          <p:cNvSpPr>
+            <a:spLocks noGrp="1"/>
+          </p:cNvSpPr>
+          <p:nvPr>
+            <p:ph idx="1"/>
+          </p:nvPr>
+        </p:nvSpPr>
+        <p:spPr>
+          <a:xfrm>
+            <a:off x="76200" y="1417638"/>
+            <a:ext cx="8610600" cy="4525963"/>
+          </a:xfrm>
+        </p:spPr>
+        <p:txBody>
+          <a:bodyPr>
+            <a:normAutofit/>
+          </a:bodyPr>
+          <a:lstStyle/>
+          <a:p>
+            <a:r>
+              <a:rPr lang="en-US" sz="2400" dirty="0">
+                <a:solidFill>
+                  <a:srgbClr val="002060"/>
+                </a:solidFill>
+              </a:rPr>
+              <a:t>Deformable </a:t>
+            </a:r>
+            <a:r>
+              <a:rPr lang="en-US" sz="2400" dirty="0" err="1">
+                <a:solidFill>
+                  <a:srgbClr val="002060"/>
+                </a:solidFill>
+              </a:rPr>
+              <a:t>ConvNets</a:t>
+            </a:r>
+            <a:r>
+              <a:rPr lang="en-US" sz="2400" dirty="0">
+                <a:solidFill>
+                  <a:srgbClr val="002060"/>
+                </a:solidFill>
+              </a:rPr>
+              <a:t> only add small overhead over model parameters and computation.</a:t>
+            </a:r>
+          </a:p>
+        </p:txBody>
+      </p:sp>
+      <p:sp>
+        <p:nvSpPr>
+          <p:cNvPr id="4" name="Slide Number Placeholder 3">
+            <a:extLst>
+              <a:ext uri="{FF2B5EF4-FFF2-40B4-BE49-F238E27FC236}">
+                <a16:creationId xmlns:a16="http://schemas.microsoft.com/office/drawing/2014/main" id="{6ED004E6-B912-45E4-A456-29799468E102}"/>
+              </a:ext>
+            </a:extLst>
+          </p:cNvPr>
+          <p:cNvSpPr>
+            <a:spLocks noGrp="1"/>
+          </p:cNvSpPr>
+          <p:nvPr>
+            <p:ph type="sldNum" sz="quarter" idx="12"/>
+          </p:nvPr>
+        </p:nvSpPr>
+        <p:spPr/>
+        <p:txBody>
+          <a:bodyPr/>
+          <a:lstStyle/>
+          <a:p>
+            <a:fld id="{B01D9778-10B4-40FB-B4E4-44FA89A86639}" type="slidenum">
+              <a:rPr lang="en-US" smtClean="0"/>
+              <a:pPr/>
+              <a:t>13</a:t>
+            </a:fld>
+            <a:endParaRPr lang="en-US"/>
+          </a:p>
+        </p:txBody>
+      </p:sp>
+      <p:pic>
+        <p:nvPicPr>
+          <p:cNvPr id="6" name="Picture 5">
+            <a:extLst>
+              <a:ext uri="{FF2B5EF4-FFF2-40B4-BE49-F238E27FC236}">
+                <a16:creationId xmlns:a16="http://schemas.microsoft.com/office/drawing/2014/main" id="{BF410843-3032-49E1-B0D9-394F1C26E205}"/>
+              </a:ext>
+            </a:extLst>
+          </p:cNvPr>
+          <p:cNvPicPr>
+            <a:picLocks noChangeAspect="1"/>
+          </p:cNvPicPr>
+          <p:nvPr/>
+        </p:nvPicPr>
+        <p:blipFill>
+          <a:blip r:embed="rId3"/>
+          <a:stretch>
+            <a:fillRect/>
+          </a:stretch>
+        </p:blipFill>
+        <p:spPr>
+          <a:xfrm>
+            <a:off x="1752600" y="2410861"/>
+            <a:ext cx="5030041" cy="4310614"/>
+          </a:xfrm>
+          <a:prstGeom prst="rect">
+            <a:avLst/>
+          </a:prstGeom>
+        </p:spPr>
+      </p:pic>
+    </p:spTree>
+    <p:extLst>
+      <p:ext uri="{BB962C8B-B14F-4D97-AF65-F5344CB8AC3E}">
+        <p14:creationId xmlns:p14="http://schemas.microsoft.com/office/powerpoint/2010/main" val="2724444287"/>
+      </p:ext>
+    </p:extLst>
+  </p:cSld>
+  <p:clrMapOvr>
+    <a:masterClrMapping/>
+  </p:clrMapOvr>
+</p:sld>
+</file>
+
+<file path=ppt/slides/slide14.xml><?xml version="1.0" encoding="utf-8"?>
+<p:sld xmlns:a="http://schemas.openxmlformats.org/drawingml/2006/main" xmlns:r="http://schemas.openxmlformats.org/officeDocument/2006/relationships" xmlns:p="http://schemas.openxmlformats.org/presentationml/2006/main">
+  <p:cSld>
+    <p:spTree>
+      <p:nvGrpSpPr>
+        <p:cNvPr id="1" name=""/>
+        <p:cNvGrpSpPr/>
+        <p:nvPr/>
+      </p:nvGrpSpPr>
+      <p:grpSpPr>
+        <a:xfrm>
+          <a:off x="0" y="0"/>
+          <a:ext cx="0" cy="0"/>
+          <a:chOff x="0" y="0"/>
+          <a:chExt cx="0" cy="0"/>
+        </a:xfrm>
+      </p:grpSpPr>
+      <p:sp>
+        <p:nvSpPr>
+          <p:cNvPr id="2" name="Title 1">
+            <a:extLst>
+              <a:ext uri="{FF2B5EF4-FFF2-40B4-BE49-F238E27FC236}">
+                <a16:creationId xmlns:a16="http://schemas.microsoft.com/office/drawing/2014/main" id="{A83A3907-5868-491F-80F2-4633FEEAA9C1}"/>
+              </a:ext>
+            </a:extLst>
+          </p:cNvPr>
+          <p:cNvSpPr>
+            <a:spLocks noGrp="1"/>
+          </p:cNvSpPr>
+          <p:nvPr>
+            <p:ph type="title"/>
+          </p:nvPr>
+        </p:nvSpPr>
+        <p:spPr/>
+        <p:txBody>
+          <a:bodyPr>
+            <a:normAutofit/>
+          </a:bodyPr>
+          <a:lstStyle/>
+          <a:p>
+            <a:r>
+              <a:rPr lang="en-US" dirty="0">
+                <a:solidFill>
+                  <a:srgbClr val="002060"/>
+                </a:solidFill>
+              </a:rPr>
+              <a:t>DCN - Results</a:t>
+            </a:r>
+            <a:endParaRPr lang="en-US" dirty="0"/>
+          </a:p>
+        </p:txBody>
+      </p:sp>
+      <p:sp>
+        <p:nvSpPr>
+          <p:cNvPr id="3" name="Content Placeholder 2">
+            <a:extLst>
+              <a:ext uri="{FF2B5EF4-FFF2-40B4-BE49-F238E27FC236}">
+                <a16:creationId xmlns:a16="http://schemas.microsoft.com/office/drawing/2014/main" id="{FD9D945D-90FF-4CB6-99B8-A86B0C6D048D}"/>
+              </a:ext>
+            </a:extLst>
+          </p:cNvPr>
+          <p:cNvSpPr>
+            <a:spLocks noGrp="1"/>
+          </p:cNvSpPr>
+          <p:nvPr>
+            <p:ph idx="1"/>
+          </p:nvPr>
+        </p:nvSpPr>
+        <p:spPr>
+          <a:xfrm>
+            <a:off x="76200" y="1417638"/>
+            <a:ext cx="8610600" cy="4525963"/>
+          </a:xfrm>
+        </p:spPr>
+        <p:txBody>
+          <a:bodyPr>
+            <a:normAutofit/>
+          </a:bodyPr>
+          <a:lstStyle/>
+          <a:p>
+            <a:r>
+              <a:rPr lang="en-US" sz="2400" dirty="0">
+                <a:solidFill>
+                  <a:srgbClr val="002060"/>
+                </a:solidFill>
+              </a:rPr>
+              <a:t>Applying DCN on last convolutional layers of </a:t>
+            </a:r>
+            <a:r>
+              <a:rPr lang="en-US" sz="2400" dirty="0" err="1">
+                <a:solidFill>
+                  <a:srgbClr val="002060"/>
+                </a:solidFill>
+              </a:rPr>
+              <a:t>ResNet</a:t>
+            </a:r>
+            <a:r>
+              <a:rPr lang="en-US" sz="2400" dirty="0">
+                <a:solidFill>
+                  <a:srgbClr val="002060"/>
+                </a:solidFill>
+              </a:rPr>
+              <a:t> comparison </a:t>
+            </a:r>
+          </a:p>
+          <a:p>
+            <a:r>
+              <a:rPr lang="en-US" sz="2400" dirty="0">
+                <a:solidFill>
+                  <a:srgbClr val="002060"/>
+                </a:solidFill>
+              </a:rPr>
+              <a:t>Both 3 and 6 final layers deformable convolutions are good</a:t>
+            </a:r>
+          </a:p>
+          <a:p>
+            <a:r>
+              <a:rPr lang="en-US" sz="2400" dirty="0">
+                <a:solidFill>
+                  <a:srgbClr val="002060"/>
+                </a:solidFill>
+              </a:rPr>
+              <a:t>Finally, 3 is chosen by authors due to a good trade-off for different tasks</a:t>
+            </a:r>
+          </a:p>
+        </p:txBody>
+      </p:sp>
+      <p:sp>
+        <p:nvSpPr>
+          <p:cNvPr id="4" name="Slide Number Placeholder 3">
+            <a:extLst>
+              <a:ext uri="{FF2B5EF4-FFF2-40B4-BE49-F238E27FC236}">
+                <a16:creationId xmlns:a16="http://schemas.microsoft.com/office/drawing/2014/main" id="{6ED004E6-B912-45E4-A456-29799468E102}"/>
+              </a:ext>
+            </a:extLst>
+          </p:cNvPr>
+          <p:cNvSpPr>
+            <a:spLocks noGrp="1"/>
+          </p:cNvSpPr>
+          <p:nvPr>
+            <p:ph type="sldNum" sz="quarter" idx="12"/>
+          </p:nvPr>
+        </p:nvSpPr>
+        <p:spPr/>
+        <p:txBody>
+          <a:bodyPr/>
+          <a:lstStyle/>
+          <a:p>
+            <a:fld id="{B01D9778-10B4-40FB-B4E4-44FA89A86639}" type="slidenum">
+              <a:rPr lang="en-US" smtClean="0"/>
+              <a:pPr/>
+              <a:t>14</a:t>
+            </a:fld>
+            <a:endParaRPr lang="en-US"/>
+          </a:p>
+        </p:txBody>
+      </p:sp>
+      <p:pic>
+        <p:nvPicPr>
+          <p:cNvPr id="5" name="Picture 4">
+            <a:extLst>
+              <a:ext uri="{FF2B5EF4-FFF2-40B4-BE49-F238E27FC236}">
+                <a16:creationId xmlns:a16="http://schemas.microsoft.com/office/drawing/2014/main" id="{52507D87-1879-4ABC-9A7B-3544DA6F8052}"/>
+              </a:ext>
+            </a:extLst>
+          </p:cNvPr>
+          <p:cNvPicPr>
+            <a:picLocks noChangeAspect="1"/>
+          </p:cNvPicPr>
+          <p:nvPr/>
+        </p:nvPicPr>
+        <p:blipFill>
+          <a:blip r:embed="rId3"/>
+          <a:stretch>
+            <a:fillRect/>
+          </a:stretch>
+        </p:blipFill>
+        <p:spPr>
+          <a:xfrm>
+            <a:off x="91440" y="3147650"/>
+            <a:ext cx="9057640" cy="2872150"/>
+          </a:xfrm>
+          <a:prstGeom prst="rect">
+            <a:avLst/>
+          </a:prstGeom>
+        </p:spPr>
+      </p:pic>
+    </p:spTree>
+    <p:extLst>
+      <p:ext uri="{BB962C8B-B14F-4D97-AF65-F5344CB8AC3E}">
+        <p14:creationId xmlns:p14="http://schemas.microsoft.com/office/powerpoint/2010/main" val="3524394939"/>
+      </p:ext>
+    </p:extLst>
+  </p:cSld>
+  <p:clrMapOvr>
+    <a:masterClrMapping/>
+  </p:clrMapOvr>
+</p:sld>
+</file>
+
+<file path=ppt/slides/slide15.xml><?xml version="1.0" encoding="utf-8"?>
+<p:sld xmlns:a="http://schemas.openxmlformats.org/drawingml/2006/main" xmlns:r="http://schemas.openxmlformats.org/officeDocument/2006/relationships" xmlns:p="http://schemas.openxmlformats.org/presentationml/2006/main">
+  <p:cSld>
+    <p:spTree>
+      <p:nvGrpSpPr>
+        <p:cNvPr id="1" name=""/>
+        <p:cNvGrpSpPr/>
+        <p:nvPr/>
+      </p:nvGrpSpPr>
+      <p:grpSpPr>
+        <a:xfrm>
+          <a:off x="0" y="0"/>
+          <a:ext cx="0" cy="0"/>
+          <a:chOff x="0" y="0"/>
+          <a:chExt cx="0" cy="0"/>
+        </a:xfrm>
+      </p:grpSpPr>
+      <p:sp>
+        <p:nvSpPr>
+          <p:cNvPr id="2" name="Title 1">
+            <a:extLst>
+              <a:ext uri="{FF2B5EF4-FFF2-40B4-BE49-F238E27FC236}">
+                <a16:creationId xmlns:a16="http://schemas.microsoft.com/office/drawing/2014/main" id="{A83A3907-5868-491F-80F2-4633FEEAA9C1}"/>
+              </a:ext>
+            </a:extLst>
+          </p:cNvPr>
+          <p:cNvSpPr>
+            <a:spLocks noGrp="1"/>
+          </p:cNvSpPr>
+          <p:nvPr>
+            <p:ph type="title"/>
+          </p:nvPr>
+        </p:nvSpPr>
+        <p:spPr/>
+        <p:txBody>
+          <a:bodyPr>
+            <a:normAutofit/>
+          </a:bodyPr>
+          <a:lstStyle/>
+          <a:p>
+            <a:r>
+              <a:rPr lang="en-US" dirty="0">
+                <a:solidFill>
+                  <a:srgbClr val="002060"/>
+                </a:solidFill>
+              </a:rPr>
+              <a:t>DCN - Results</a:t>
+            </a:r>
+            <a:endParaRPr lang="en-US" dirty="0"/>
+          </a:p>
+        </p:txBody>
+      </p:sp>
+      <p:sp>
+        <p:nvSpPr>
+          <p:cNvPr id="3" name="Content Placeholder 2">
+            <a:extLst>
+              <a:ext uri="{FF2B5EF4-FFF2-40B4-BE49-F238E27FC236}">
+                <a16:creationId xmlns:a16="http://schemas.microsoft.com/office/drawing/2014/main" id="{FD9D945D-90FF-4CB6-99B8-A86B0C6D048D}"/>
+              </a:ext>
+            </a:extLst>
+          </p:cNvPr>
+          <p:cNvSpPr>
+            <a:spLocks noGrp="1"/>
+          </p:cNvSpPr>
+          <p:nvPr>
+            <p:ph idx="1"/>
+          </p:nvPr>
+        </p:nvSpPr>
+        <p:spPr>
+          <a:xfrm>
+            <a:off x="76200" y="1417638"/>
+            <a:ext cx="8610600" cy="4525963"/>
+          </a:xfrm>
+        </p:spPr>
+        <p:txBody>
+          <a:bodyPr>
+            <a:normAutofit/>
+          </a:bodyPr>
+          <a:lstStyle/>
+          <a:p>
+            <a:r>
+              <a:rPr lang="en-US" sz="2400" dirty="0">
+                <a:solidFill>
+                  <a:srgbClr val="002060"/>
+                </a:solidFill>
+              </a:rPr>
+              <a:t>Using these modules, DCN improves the accuracy of </a:t>
+            </a:r>
+            <a:r>
+              <a:rPr lang="en-US" sz="2400" dirty="0" err="1">
+                <a:solidFill>
+                  <a:srgbClr val="002060"/>
+                </a:solidFill>
+              </a:rPr>
+              <a:t>DeepLab</a:t>
+            </a:r>
+            <a:r>
+              <a:rPr lang="en-US" sz="2400" dirty="0">
+                <a:solidFill>
+                  <a:srgbClr val="002060"/>
+                </a:solidFill>
+              </a:rPr>
+              <a:t>, Faster R-CNN, R-FCN, and FPN etc.</a:t>
+            </a:r>
+          </a:p>
+          <a:p>
+            <a:r>
+              <a:rPr lang="en-US" sz="2400" dirty="0">
+                <a:solidFill>
+                  <a:srgbClr val="002060"/>
+                </a:solidFill>
+              </a:rPr>
+              <a:t>Won the 2</a:t>
+            </a:r>
+            <a:r>
+              <a:rPr lang="en-US" sz="2400" baseline="30000" dirty="0">
+                <a:solidFill>
+                  <a:srgbClr val="002060"/>
+                </a:solidFill>
+              </a:rPr>
+              <a:t>nd</a:t>
+            </a:r>
+            <a:r>
+              <a:rPr lang="en-US" sz="2400" dirty="0">
+                <a:solidFill>
+                  <a:srgbClr val="002060"/>
+                </a:solidFill>
+              </a:rPr>
+              <a:t> Runner Up in COCO Detection Challenge and 3</a:t>
+            </a:r>
+            <a:r>
+              <a:rPr lang="en-US" sz="2400" baseline="30000" dirty="0">
+                <a:solidFill>
+                  <a:srgbClr val="002060"/>
+                </a:solidFill>
+              </a:rPr>
+              <a:t>rd</a:t>
+            </a:r>
+            <a:r>
+              <a:rPr lang="en-US" sz="2400" dirty="0">
+                <a:solidFill>
+                  <a:srgbClr val="002060"/>
+                </a:solidFill>
+              </a:rPr>
+              <a:t> Runner Up in Segmentation Challenge</a:t>
+            </a:r>
+          </a:p>
+        </p:txBody>
+      </p:sp>
+      <p:sp>
+        <p:nvSpPr>
+          <p:cNvPr id="4" name="Slide Number Placeholder 3">
+            <a:extLst>
+              <a:ext uri="{FF2B5EF4-FFF2-40B4-BE49-F238E27FC236}">
+                <a16:creationId xmlns:a16="http://schemas.microsoft.com/office/drawing/2014/main" id="{6ED004E6-B912-45E4-A456-29799468E102}"/>
+              </a:ext>
+            </a:extLst>
+          </p:cNvPr>
+          <p:cNvSpPr>
+            <a:spLocks noGrp="1"/>
+          </p:cNvSpPr>
+          <p:nvPr>
+            <p:ph type="sldNum" sz="quarter" idx="12"/>
+          </p:nvPr>
+        </p:nvSpPr>
+        <p:spPr/>
+        <p:txBody>
+          <a:bodyPr/>
+          <a:lstStyle/>
+          <a:p>
+            <a:fld id="{B01D9778-10B4-40FB-B4E4-44FA89A86639}" type="slidenum">
+              <a:rPr lang="en-US" smtClean="0"/>
+              <a:pPr/>
+              <a:t>15</a:t>
             </a:fld>
             <a:endParaRPr lang="en-US"/>
           </a:p>
@@ -4329,7 +6028,7 @@
 </p:sld>
 </file>
 
-<file path=ppt/slides/slide12.xml><?xml version="1.0" encoding="utf-8"?>
+<file path=ppt/slides/slide16.xml><?xml version="1.0" encoding="utf-8"?>
 <p:sld xmlns:a="http://schemas.openxmlformats.org/drawingml/2006/main" xmlns:r="http://schemas.openxmlformats.org/officeDocument/2006/relationships" xmlns:p="http://schemas.openxmlformats.org/presentationml/2006/main">
   <p:cSld>
     <p:spTree>
@@ -4493,7 +6192,7 @@
             <a:fld id="{B01D9778-10B4-40FB-B4E4-44FA89A86639}" type="slidenum">
               <a:rPr lang="en-US" smtClean="0"/>
               <a:pPr/>
-              <a:t>12</a:t>
+              <a:t>16</a:t>
             </a:fld>
             <a:endParaRPr lang="en-US"/>
           </a:p>
@@ -4512,7 +6211,7 @@
 </p:sld>
 </file>
 
-<file path=ppt/slides/slide13.xml><?xml version="1.0" encoding="utf-8"?>
+<file path=ppt/slides/slide17.xml><?xml version="1.0" encoding="utf-8"?>
 <p:sld xmlns:a="http://schemas.openxmlformats.org/drawingml/2006/main" xmlns:r="http://schemas.openxmlformats.org/officeDocument/2006/relationships" xmlns:p="http://schemas.openxmlformats.org/presentationml/2006/main">
   <p:cSld>
     <p:spTree>
@@ -4626,7 +6325,7 @@
             <a:fld id="{B01D9778-10B4-40FB-B4E4-44FA89A86639}" type="slidenum">
               <a:rPr lang="en-US" smtClean="0"/>
               <a:pPr/>
-              <a:t>13</a:t>
+              <a:t>17</a:t>
             </a:fld>
             <a:endParaRPr lang="en-US"/>
           </a:p>
@@ -4980,7 +6679,7 @@
 </p:sld>
 </file>
 
-<file path=ppt/slides/slide14.xml><?xml version="1.0" encoding="utf-8"?>
+<file path=ppt/slides/slide18.xml><?xml version="1.0" encoding="utf-8"?>
 <p:sld xmlns:a="http://schemas.openxmlformats.org/drawingml/2006/main" xmlns:r="http://schemas.openxmlformats.org/officeDocument/2006/relationships" xmlns:p="http://schemas.openxmlformats.org/presentationml/2006/main">
   <p:cSld>
     <p:spTree>
@@ -5089,7 +6788,7 @@
             <a:fld id="{B01D9778-10B4-40FB-B4E4-44FA89A86639}" type="slidenum">
               <a:rPr lang="en-US" smtClean="0"/>
               <a:pPr/>
-              <a:t>14</a:t>
+              <a:t>18</a:t>
             </a:fld>
             <a:endParaRPr lang="en-US"/>
           </a:p>
@@ -5179,7 +6878,7 @@
 </p:sld>
 </file>
 
-<file path=ppt/slides/slide15.xml><?xml version="1.0" encoding="utf-8"?>
+<file path=ppt/slides/slide19.xml><?xml version="1.0" encoding="utf-8"?>
 <p:sld xmlns:a="http://schemas.openxmlformats.org/drawingml/2006/main" xmlns:r="http://schemas.openxmlformats.org/officeDocument/2006/relationships" xmlns:p="http://schemas.openxmlformats.org/presentationml/2006/main">
   <p:cSld>
     <p:spTree>
@@ -5424,7 +7123,7 @@
             <a:fld id="{B01D9778-10B4-40FB-B4E4-44FA89A86639}" type="slidenum">
               <a:rPr lang="en-US" smtClean="0"/>
               <a:pPr/>
-              <a:t>15</a:t>
+              <a:t>19</a:t>
             </a:fld>
             <a:endParaRPr lang="en-US"/>
           </a:p>
@@ -5434,471 +7133,6 @@
     <p:extLst>
       <p:ext uri="{BB962C8B-B14F-4D97-AF65-F5344CB8AC3E}">
         <p14:creationId xmlns:p14="http://schemas.microsoft.com/office/powerpoint/2010/main" val="2145876422"/>
-      </p:ext>
-    </p:extLst>
-  </p:cSld>
-  <p:clrMapOvr>
-    <a:masterClrMapping/>
-  </p:clrMapOvr>
-</p:sld>
-</file>
-
-<file path=ppt/slides/slide16.xml><?xml version="1.0" encoding="utf-8"?>
-<p:sld xmlns:a="http://schemas.openxmlformats.org/drawingml/2006/main" xmlns:r="http://schemas.openxmlformats.org/officeDocument/2006/relationships" xmlns:p="http://schemas.openxmlformats.org/presentationml/2006/main">
-  <p:cSld>
-    <p:spTree>
-      <p:nvGrpSpPr>
-        <p:cNvPr id="1" name=""/>
-        <p:cNvGrpSpPr/>
-        <p:nvPr/>
-      </p:nvGrpSpPr>
-      <p:grpSpPr>
-        <a:xfrm>
-          <a:off x="0" y="0"/>
-          <a:ext cx="0" cy="0"/>
-          <a:chOff x="0" y="0"/>
-          <a:chExt cx="0" cy="0"/>
-        </a:xfrm>
-      </p:grpSpPr>
-      <p:sp>
-        <p:nvSpPr>
-          <p:cNvPr id="2" name="Title 1"/>
-          <p:cNvSpPr>
-            <a:spLocks noGrp="1"/>
-          </p:cNvSpPr>
-          <p:nvPr>
-            <p:ph type="title"/>
-          </p:nvPr>
-        </p:nvSpPr>
-        <p:spPr/>
-        <p:txBody>
-          <a:bodyPr/>
-          <a:lstStyle/>
-          <a:p>
-            <a:r>
-              <a:rPr lang="en-US" dirty="0">
-                <a:solidFill>
-                  <a:srgbClr val="002060"/>
-                </a:solidFill>
-              </a:rPr>
-              <a:t>Limitations &amp; Conclusions</a:t>
-            </a:r>
-            <a:endParaRPr lang="he-IL" dirty="0">
-              <a:solidFill>
-                <a:srgbClr val="002060"/>
-              </a:solidFill>
-            </a:endParaRPr>
-          </a:p>
-        </p:txBody>
-      </p:sp>
-      <p:sp>
-        <p:nvSpPr>
-          <p:cNvPr id="3" name="Content Placeholder 2"/>
-          <p:cNvSpPr>
-            <a:spLocks noGrp="1"/>
-          </p:cNvSpPr>
-          <p:nvPr>
-            <p:ph idx="1"/>
-          </p:nvPr>
-        </p:nvSpPr>
-        <p:spPr/>
-        <p:txBody>
-          <a:bodyPr/>
-          <a:lstStyle/>
-          <a:p>
-            <a:r>
-              <a:rPr lang="en-US" dirty="0">
-                <a:solidFill>
-                  <a:srgbClr val="002060"/>
-                </a:solidFill>
-              </a:rPr>
-              <a:t>Regular CNN can achieve decent results on current data (84%-90%)</a:t>
-            </a:r>
-          </a:p>
-          <a:p>
-            <a:r>
-              <a:rPr lang="en-US" dirty="0">
-                <a:solidFill>
-                  <a:srgbClr val="002060"/>
-                </a:solidFill>
-              </a:rPr>
-              <a:t>Data labeling not ideal (pictures fit more than one label, lung opacity label, etc.)</a:t>
-            </a:r>
-          </a:p>
-          <a:p>
-            <a:r>
-              <a:rPr lang="en-US" dirty="0">
-                <a:solidFill>
-                  <a:srgbClr val="002060"/>
-                </a:solidFill>
-              </a:rPr>
-              <a:t>Different datasets to work on with different sizes</a:t>
-            </a:r>
-          </a:p>
-          <a:p>
-            <a:endParaRPr lang="en-US" dirty="0">
-              <a:solidFill>
-                <a:srgbClr val="002060"/>
-              </a:solidFill>
-            </a:endParaRPr>
-          </a:p>
-        </p:txBody>
-      </p:sp>
-      <p:sp>
-        <p:nvSpPr>
-          <p:cNvPr id="5" name="Slide Number Placeholder 4"/>
-          <p:cNvSpPr>
-            <a:spLocks noGrp="1"/>
-          </p:cNvSpPr>
-          <p:nvPr>
-            <p:ph type="sldNum" sz="quarter" idx="12"/>
-          </p:nvPr>
-        </p:nvSpPr>
-        <p:spPr/>
-        <p:txBody>
-          <a:bodyPr/>
-          <a:lstStyle/>
-          <a:p>
-            <a:fld id="{B01D9778-10B4-40FB-B4E4-44FA89A86639}" type="slidenum">
-              <a:rPr lang="en-US" smtClean="0"/>
-              <a:pPr/>
-              <a:t>16</a:t>
-            </a:fld>
-            <a:endParaRPr lang="en-US"/>
-          </a:p>
-        </p:txBody>
-      </p:sp>
-    </p:spTree>
-    <p:extLst>
-      <p:ext uri="{BB962C8B-B14F-4D97-AF65-F5344CB8AC3E}">
-        <p14:creationId xmlns:p14="http://schemas.microsoft.com/office/powerpoint/2010/main" val="1669314898"/>
-      </p:ext>
-    </p:extLst>
-  </p:cSld>
-  <p:clrMapOvr>
-    <a:masterClrMapping/>
-  </p:clrMapOvr>
-</p:sld>
-</file>
-
-<file path=ppt/slides/slide17.xml><?xml version="1.0" encoding="utf-8"?>
-<p:sld xmlns:a="http://schemas.openxmlformats.org/drawingml/2006/main" xmlns:r="http://schemas.openxmlformats.org/officeDocument/2006/relationships" xmlns:p="http://schemas.openxmlformats.org/presentationml/2006/main">
-  <p:cSld>
-    <p:spTree>
-      <p:nvGrpSpPr>
-        <p:cNvPr id="1" name=""/>
-        <p:cNvGrpSpPr/>
-        <p:nvPr/>
-      </p:nvGrpSpPr>
-      <p:grpSpPr>
-        <a:xfrm>
-          <a:off x="0" y="0"/>
-          <a:ext cx="0" cy="0"/>
-          <a:chOff x="0" y="0"/>
-          <a:chExt cx="0" cy="0"/>
-        </a:xfrm>
-      </p:grpSpPr>
-      <p:sp>
-        <p:nvSpPr>
-          <p:cNvPr id="2" name="Title 1"/>
-          <p:cNvSpPr>
-            <a:spLocks noGrp="1"/>
-          </p:cNvSpPr>
-          <p:nvPr>
-            <p:ph type="title"/>
-          </p:nvPr>
-        </p:nvSpPr>
-        <p:spPr/>
-        <p:txBody>
-          <a:bodyPr/>
-          <a:lstStyle/>
-          <a:p>
-            <a:r>
-              <a:rPr lang="en-US" dirty="0">
-                <a:solidFill>
-                  <a:srgbClr val="002060"/>
-                </a:solidFill>
-              </a:rPr>
-              <a:t>Future Work</a:t>
-            </a:r>
-            <a:endParaRPr lang="he-IL" dirty="0">
-              <a:solidFill>
-                <a:srgbClr val="002060"/>
-              </a:solidFill>
-            </a:endParaRPr>
-          </a:p>
-        </p:txBody>
-      </p:sp>
-      <p:sp>
-        <p:nvSpPr>
-          <p:cNvPr id="3" name="Content Placeholder 2"/>
-          <p:cNvSpPr>
-            <a:spLocks noGrp="1"/>
-          </p:cNvSpPr>
-          <p:nvPr>
-            <p:ph idx="1"/>
-          </p:nvPr>
-        </p:nvSpPr>
-        <p:spPr/>
-        <p:txBody>
-          <a:bodyPr/>
-          <a:lstStyle/>
-          <a:p>
-            <a:r>
-              <a:rPr lang="en-US" dirty="0">
-                <a:solidFill>
-                  <a:srgbClr val="002060"/>
-                </a:solidFill>
-              </a:rPr>
-              <a:t>Try different CNN architectures on dataset</a:t>
-            </a:r>
-          </a:p>
-          <a:p>
-            <a:r>
-              <a:rPr lang="en-US" dirty="0">
-                <a:solidFill>
-                  <a:srgbClr val="002060"/>
-                </a:solidFill>
-              </a:rPr>
-              <a:t>Train models on all datasets</a:t>
-            </a:r>
-          </a:p>
-          <a:p>
-            <a:r>
-              <a:rPr lang="en-US" dirty="0">
-                <a:solidFill>
-                  <a:srgbClr val="002060"/>
-                </a:solidFill>
-              </a:rPr>
-              <a:t>Implement DCN layers to trained architectures</a:t>
-            </a:r>
-          </a:p>
-          <a:p>
-            <a:r>
-              <a:rPr lang="en-US" dirty="0">
-                <a:solidFill>
-                  <a:srgbClr val="002060"/>
-                </a:solidFill>
-              </a:rPr>
-              <a:t>Acquire additional datasets from Zebra Medical</a:t>
-            </a:r>
-          </a:p>
-        </p:txBody>
-      </p:sp>
-      <p:sp>
-        <p:nvSpPr>
-          <p:cNvPr id="5" name="Slide Number Placeholder 4"/>
-          <p:cNvSpPr>
-            <a:spLocks noGrp="1"/>
-          </p:cNvSpPr>
-          <p:nvPr>
-            <p:ph type="sldNum" sz="quarter" idx="12"/>
-          </p:nvPr>
-        </p:nvSpPr>
-        <p:spPr/>
-        <p:txBody>
-          <a:bodyPr/>
-          <a:lstStyle/>
-          <a:p>
-            <a:fld id="{B01D9778-10B4-40FB-B4E4-44FA89A86639}" type="slidenum">
-              <a:rPr lang="en-US" smtClean="0"/>
-              <a:pPr/>
-              <a:t>17</a:t>
-            </a:fld>
-            <a:endParaRPr lang="en-US"/>
-          </a:p>
-        </p:txBody>
-      </p:sp>
-    </p:spTree>
-    <p:extLst>
-      <p:ext uri="{BB962C8B-B14F-4D97-AF65-F5344CB8AC3E}">
-        <p14:creationId xmlns:p14="http://schemas.microsoft.com/office/powerpoint/2010/main" val="194558903"/>
-      </p:ext>
-    </p:extLst>
-  </p:cSld>
-  <p:clrMapOvr>
-    <a:masterClrMapping/>
-  </p:clrMapOvr>
-</p:sld>
-</file>
-
-<file path=ppt/slides/slide18.xml><?xml version="1.0" encoding="utf-8"?>
-<p:sld xmlns:a="http://schemas.openxmlformats.org/drawingml/2006/main" xmlns:r="http://schemas.openxmlformats.org/officeDocument/2006/relationships" xmlns:p="http://schemas.openxmlformats.org/presentationml/2006/main">
-  <p:cSld>
-    <p:spTree>
-      <p:nvGrpSpPr>
-        <p:cNvPr id="1" name=""/>
-        <p:cNvGrpSpPr/>
-        <p:nvPr/>
-      </p:nvGrpSpPr>
-      <p:grpSpPr>
-        <a:xfrm>
-          <a:off x="0" y="0"/>
-          <a:ext cx="0" cy="0"/>
-          <a:chOff x="0" y="0"/>
-          <a:chExt cx="0" cy="0"/>
-        </a:xfrm>
-      </p:grpSpPr>
-      <p:sp>
-        <p:nvSpPr>
-          <p:cNvPr id="2" name="Title 1"/>
-          <p:cNvSpPr>
-            <a:spLocks noGrp="1"/>
-          </p:cNvSpPr>
-          <p:nvPr>
-            <p:ph type="title"/>
-          </p:nvPr>
-        </p:nvSpPr>
-        <p:spPr>
-          <a:xfrm>
-            <a:off x="438615" y="228600"/>
-            <a:ext cx="8229600" cy="1143000"/>
-          </a:xfrm>
-        </p:spPr>
-        <p:txBody>
-          <a:bodyPr/>
-          <a:lstStyle/>
-          <a:p>
-            <a:r>
-              <a:rPr lang="en-US" dirty="0">
-                <a:solidFill>
-                  <a:srgbClr val="002060"/>
-                </a:solidFill>
-              </a:rPr>
-              <a:t>References</a:t>
-            </a:r>
-            <a:endParaRPr lang="he-IL" dirty="0">
-              <a:solidFill>
-                <a:srgbClr val="002060"/>
-              </a:solidFill>
-            </a:endParaRPr>
-          </a:p>
-        </p:txBody>
-      </p:sp>
-      <p:sp>
-        <p:nvSpPr>
-          <p:cNvPr id="3" name="Content Placeholder 2"/>
-          <p:cNvSpPr>
-            <a:spLocks noGrp="1"/>
-          </p:cNvSpPr>
-          <p:nvPr>
-            <p:ph idx="1"/>
-          </p:nvPr>
-        </p:nvSpPr>
-        <p:spPr/>
-        <p:txBody>
-          <a:bodyPr>
-            <a:normAutofit/>
-          </a:bodyPr>
-          <a:lstStyle/>
-          <a:p>
-            <a:endParaRPr lang="en-US" dirty="0">
-              <a:solidFill>
-                <a:srgbClr val="002060"/>
-              </a:solidFill>
-            </a:endParaRPr>
-          </a:p>
-          <a:p>
-            <a:pPr marL="457200" indent="-457200">
-              <a:buFont typeface="+mj-lt"/>
-              <a:buAutoNum type="arabicPeriod"/>
-            </a:pPr>
-            <a:r>
-              <a:rPr lang="en-US" sz="2200" dirty="0">
-                <a:solidFill>
-                  <a:srgbClr val="002060"/>
-                </a:solidFill>
-              </a:rPr>
-              <a:t>Dai, J., Qi, H., </a:t>
-            </a:r>
-            <a:r>
-              <a:rPr lang="en-US" sz="2200" dirty="0" err="1">
-                <a:solidFill>
-                  <a:srgbClr val="002060"/>
-                </a:solidFill>
-              </a:rPr>
-              <a:t>Xiong</a:t>
-            </a:r>
-            <a:r>
-              <a:rPr lang="en-US" sz="2200" dirty="0">
-                <a:solidFill>
-                  <a:srgbClr val="002060"/>
-                </a:solidFill>
-              </a:rPr>
-              <a:t>, Y., Li, Y., Zhang, G., Hu, H., &amp; Wei, Y. (2017). Deformable convolutional networks. In Proceedings of the IEEE international conference on computer vision (pp. 764-773)</a:t>
-            </a:r>
-          </a:p>
-          <a:p>
-            <a:pPr marL="457200" indent="-457200">
-              <a:buFont typeface="+mj-lt"/>
-              <a:buAutoNum type="arabicPeriod"/>
-            </a:pPr>
-            <a:endParaRPr lang="en-US" sz="2200" dirty="0">
-              <a:solidFill>
-                <a:srgbClr val="002060"/>
-              </a:solidFill>
-            </a:endParaRPr>
-          </a:p>
-          <a:p>
-            <a:pPr marL="457200" indent="-457200">
-              <a:buFont typeface="+mj-lt"/>
-              <a:buAutoNum type="arabicPeriod"/>
-            </a:pPr>
-            <a:r>
-              <a:rPr lang="en-US" sz="2200" dirty="0">
-                <a:solidFill>
-                  <a:srgbClr val="002060"/>
-                </a:solidFill>
-              </a:rPr>
-              <a:t>Zhu, </a:t>
-            </a:r>
-            <a:r>
-              <a:rPr lang="en-US" sz="2200" dirty="0" err="1">
-                <a:solidFill>
-                  <a:srgbClr val="002060"/>
-                </a:solidFill>
-              </a:rPr>
-              <a:t>Xizhou</a:t>
-            </a:r>
-            <a:r>
-              <a:rPr lang="en-US" sz="2200" dirty="0">
-                <a:solidFill>
-                  <a:srgbClr val="002060"/>
-                </a:solidFill>
-              </a:rPr>
-              <a:t>, et al. "Deformable convnets v2: More deformable, better results." Proceedings of the IEEE Conference on Computer Vision and Pattern Recognition. 2019</a:t>
-            </a:r>
-          </a:p>
-        </p:txBody>
-      </p:sp>
-      <p:sp>
-        <p:nvSpPr>
-          <p:cNvPr id="5" name="Slide Number Placeholder 4"/>
-          <p:cNvSpPr>
-            <a:spLocks noGrp="1"/>
-          </p:cNvSpPr>
-          <p:nvPr>
-            <p:ph type="sldNum" sz="quarter" idx="12"/>
-          </p:nvPr>
-        </p:nvSpPr>
-        <p:spPr/>
-        <p:txBody>
-          <a:bodyPr/>
-          <a:lstStyle/>
-          <a:p>
-            <a:fld id="{B01D9778-10B4-40FB-B4E4-44FA89A86639}" type="slidenum">
-              <a:rPr lang="en-US" smtClean="0"/>
-              <a:pPr/>
-              <a:t>18</a:t>
-            </a:fld>
-            <a:endParaRPr lang="en-US"/>
-          </a:p>
-        </p:txBody>
-      </p:sp>
-    </p:spTree>
-    <p:extLst>
-      <p:ext uri="{BB962C8B-B14F-4D97-AF65-F5344CB8AC3E}">
-        <p14:creationId xmlns:p14="http://schemas.microsoft.com/office/powerpoint/2010/main" val="662023011"/>
       </p:ext>
     </p:extLst>
   </p:cSld>
@@ -5974,7 +7208,7 @@
         </p:spPr>
         <p:txBody>
           <a:bodyPr>
-            <a:normAutofit fontScale="85000" lnSpcReduction="20000"/>
+            <a:normAutofit/>
           </a:bodyPr>
           <a:lstStyle/>
           <a:p>
@@ -5989,7 +7223,7 @@
                   <a:srgbClr val="002060"/>
                 </a:solidFill>
               </a:rPr>
-              <a:t>Project Goals</a:t>
+              <a:t>Background</a:t>
             </a:r>
           </a:p>
           <a:p>
@@ -6004,7 +7238,7 @@
                   <a:srgbClr val="002060"/>
                 </a:solidFill>
               </a:rPr>
-              <a:t>Background</a:t>
+              <a:t>Prior Work</a:t>
             </a:r>
           </a:p>
           <a:p>
@@ -6019,7 +7253,7 @@
                   <a:srgbClr val="002060"/>
                 </a:solidFill>
               </a:rPr>
-              <a:t>Prior Work</a:t>
+              <a:t>Literature Survey &amp; DCN Review</a:t>
             </a:r>
           </a:p>
           <a:p>
@@ -6034,7 +7268,7 @@
                   <a:srgbClr val="002060"/>
                 </a:solidFill>
               </a:rPr>
-              <a:t>Example - Deformations</a:t>
+              <a:t>Chosen Solution</a:t>
             </a:r>
           </a:p>
           <a:p>
@@ -6049,7 +7283,7 @@
                   <a:srgbClr val="002060"/>
                 </a:solidFill>
               </a:rPr>
-              <a:t>Literature Survey</a:t>
+              <a:t>Intermediate Results</a:t>
             </a:r>
           </a:p>
           <a:p>
@@ -6064,7 +7298,7 @@
                   <a:srgbClr val="002060"/>
                 </a:solidFill>
               </a:rPr>
-              <a:t>DCN Review</a:t>
+              <a:t>Limitations &amp; Conclusions</a:t>
             </a:r>
           </a:p>
           <a:p>
@@ -6079,67 +7313,7 @@
                   <a:srgbClr val="002060"/>
                 </a:solidFill>
               </a:rPr>
-              <a:t>Chosen Solution</a:t>
-            </a:r>
-          </a:p>
-          <a:p>
-            <a:pPr>
-              <a:lnSpc>
-                <a:spcPct val="150000"/>
-              </a:lnSpc>
-            </a:pPr>
-            <a:r>
-              <a:rPr lang="en-US" sz="2400" dirty="0">
-                <a:solidFill>
-                  <a:srgbClr val="002060"/>
-                </a:solidFill>
-              </a:rPr>
-              <a:t>Intermediate Results</a:t>
-            </a:r>
-          </a:p>
-          <a:p>
-            <a:pPr>
-              <a:lnSpc>
-                <a:spcPct val="150000"/>
-              </a:lnSpc>
-            </a:pPr>
-            <a:r>
-              <a:rPr lang="en-US" sz="2400" dirty="0">
-                <a:solidFill>
-                  <a:srgbClr val="002060"/>
-                </a:solidFill>
-              </a:rPr>
-              <a:t>Limitations &amp; Conclusions</a:t>
-            </a:r>
-          </a:p>
-          <a:p>
-            <a:pPr>
-              <a:lnSpc>
-                <a:spcPct val="150000"/>
-              </a:lnSpc>
-            </a:pPr>
-            <a:r>
-              <a:rPr lang="en-US" sz="2400" dirty="0">
-                <a:solidFill>
-                  <a:srgbClr val="002060"/>
-                </a:solidFill>
-              </a:rPr>
               <a:t>Future Work</a:t>
-            </a:r>
-          </a:p>
-          <a:p>
-            <a:pPr>
-              <a:lnSpc>
-                <a:spcPct val="150000"/>
-              </a:lnSpc>
-            </a:pPr>
-            <a:r>
-              <a:rPr lang="en-US" sz="2400" dirty="0">
-                <a:solidFill>
-                  <a:srgbClr val="002060"/>
-                </a:solidFill>
-              </a:rPr>
-              <a:t>References</a:t>
             </a:r>
           </a:p>
         </p:txBody>
@@ -6187,7 +7361,7 @@
 </p:sld>
 </file>
 
-<file path=ppt/slides/slide3.xml><?xml version="1.0" encoding="utf-8"?>
+<file path=ppt/slides/slide20.xml><?xml version="1.0" encoding="utf-8"?>
 <p:sld xmlns:a="http://schemas.openxmlformats.org/drawingml/2006/main" xmlns:r="http://schemas.openxmlformats.org/officeDocument/2006/relationships" xmlns:p="http://schemas.openxmlformats.org/presentationml/2006/main">
   <p:cSld>
     <p:spTree>
@@ -6206,13 +7380,7 @@
       </p:grpSpPr>
       <p:sp>
         <p:nvSpPr>
-          <p:cNvPr id="2" name="Title 1">
-            <a:extLst>
-              <a:ext uri="{FF2B5EF4-FFF2-40B4-BE49-F238E27FC236}">
-                <a16:creationId xmlns:a16="http://schemas.microsoft.com/office/drawing/2014/main" id="{98330DCA-B826-4C22-A993-5EF55BB7143A}"/>
-              </a:ext>
-            </a:extLst>
-          </p:cNvPr>
+          <p:cNvPr id="2" name="Title 1"/>
           <p:cNvSpPr>
             <a:spLocks noGrp="1"/>
           </p:cNvSpPr>
@@ -6222,89 +7390,81 @@
         </p:nvSpPr>
         <p:spPr/>
         <p:txBody>
-          <a:bodyPr>
-            <a:normAutofit/>
-          </a:bodyPr>
-          <a:lstStyle/>
-          <a:p>
-            <a:r>
-              <a:rPr lang="en-US" sz="4000" dirty="0">
-                <a:solidFill>
-                  <a:srgbClr val="002060"/>
-                </a:solidFill>
-                <a:latin typeface="+mn-lt"/>
-                <a:ea typeface="+mn-ea"/>
-                <a:cs typeface="+mn-cs"/>
-              </a:rPr>
-              <a:t>Project Goals</a:t>
-            </a:r>
-          </a:p>
-        </p:txBody>
-      </p:sp>
-      <p:sp>
-        <p:nvSpPr>
-          <p:cNvPr id="3" name="Content Placeholder 2">
-            <a:extLst>
-              <a:ext uri="{FF2B5EF4-FFF2-40B4-BE49-F238E27FC236}">
-                <a16:creationId xmlns:a16="http://schemas.microsoft.com/office/drawing/2014/main" id="{83BC9421-391F-41B2-92D0-6F0E9FD8ECD4}"/>
-              </a:ext>
-            </a:extLst>
-          </p:cNvPr>
-          <p:cNvSpPr>
-            <a:spLocks noGrp="1"/>
-          </p:cNvSpPr>
-          <p:nvPr>
-            <p:ph idx="1"/>
-          </p:nvPr>
-        </p:nvSpPr>
-        <p:spPr/>
-        <p:txBody>
           <a:bodyPr/>
           <a:lstStyle/>
           <a:p>
-            <a:pPr marL="0" indent="0" algn="ctr">
-              <a:buNone/>
-            </a:pPr>
-            <a:endParaRPr lang="en-US" sz="2500" dirty="0">
+            <a:r>
+              <a:rPr lang="en-US" dirty="0">
+                <a:solidFill>
+                  <a:srgbClr val="002060"/>
+                </a:solidFill>
+              </a:rPr>
+              <a:t>Limitations &amp; Conclusions</a:t>
+            </a:r>
+            <a:endParaRPr lang="he-IL" dirty="0">
               <a:solidFill>
                 <a:srgbClr val="002060"/>
               </a:solidFill>
             </a:endParaRPr>
           </a:p>
-          <a:p>
-            <a:pPr marL="0" indent="0" algn="ctr">
-              <a:buNone/>
-            </a:pPr>
-            <a:endParaRPr lang="en-US" sz="2500" dirty="0">
+        </p:txBody>
+      </p:sp>
+      <p:sp>
+        <p:nvSpPr>
+          <p:cNvPr id="3" name="Content Placeholder 2"/>
+          <p:cNvSpPr>
+            <a:spLocks noGrp="1"/>
+          </p:cNvSpPr>
+          <p:nvPr>
+            <p:ph idx="1"/>
+          </p:nvPr>
+        </p:nvSpPr>
+        <p:spPr/>
+        <p:txBody>
+          <a:bodyPr/>
+          <a:lstStyle/>
+          <a:p>
+            <a:r>
+              <a:rPr lang="en-US" dirty="0">
+                <a:solidFill>
+                  <a:srgbClr val="002060"/>
+                </a:solidFill>
+              </a:rPr>
+              <a:t>Regular CNN can achieve decent results on current data (84%-90%)</a:t>
+            </a:r>
+          </a:p>
+          <a:p>
+            <a:r>
+              <a:rPr lang="en-US" dirty="0">
+                <a:solidFill>
+                  <a:srgbClr val="002060"/>
+                </a:solidFill>
+              </a:rPr>
+              <a:t>Data labeling not ideal (pictures fit more than one label, lung opacity label, etc.)</a:t>
+            </a:r>
+          </a:p>
+          <a:p>
+            <a:r>
+              <a:rPr lang="en-US" dirty="0">
+                <a:solidFill>
+                  <a:srgbClr val="002060"/>
+                </a:solidFill>
+              </a:rPr>
+              <a:t>Different datasets to work on with different sizes</a:t>
+            </a:r>
+          </a:p>
+          <a:p>
+            <a:endParaRPr lang="en-US" dirty="0">
               <a:solidFill>
                 <a:srgbClr val="002060"/>
               </a:solidFill>
             </a:endParaRPr>
           </a:p>
-          <a:p>
-            <a:pPr marL="0" indent="0" algn="ctr">
-              <a:buNone/>
-            </a:pPr>
-            <a:r>
-              <a:rPr lang="en-US" sz="2800" dirty="0">
-                <a:solidFill>
-                  <a:srgbClr val="002060"/>
-                </a:solidFill>
-              </a:rPr>
-              <a:t>Develop technique for the detection of Pneumonia in chest X-ray images, which is robust to deformations caused by different body structure or different lying position</a:t>
-            </a:r>
-          </a:p>
-        </p:txBody>
-      </p:sp>
-      <p:sp>
-        <p:nvSpPr>
-          <p:cNvPr id="4" name="Slide Number Placeholder 3">
-            <a:extLst>
-              <a:ext uri="{FF2B5EF4-FFF2-40B4-BE49-F238E27FC236}">
-                <a16:creationId xmlns:a16="http://schemas.microsoft.com/office/drawing/2014/main" id="{F0A68B34-07F2-480A-A797-8A80E8169E9A}"/>
-              </a:ext>
-            </a:extLst>
-          </p:cNvPr>
+        </p:txBody>
+      </p:sp>
+      <p:sp>
+        <p:nvSpPr>
+          <p:cNvPr id="5" name="Slide Number Placeholder 4"/>
           <p:cNvSpPr>
             <a:spLocks noGrp="1"/>
           </p:cNvSpPr>
@@ -6320,7 +7480,7 @@
             <a:fld id="{B01D9778-10B4-40FB-B4E4-44FA89A86639}" type="slidenum">
               <a:rPr lang="en-US" smtClean="0"/>
               <a:pPr/>
-              <a:t>3</a:t>
+              <a:t>20</a:t>
             </a:fld>
             <a:endParaRPr lang="en-US"/>
           </a:p>
@@ -6329,7 +7489,7 @@
     </p:spTree>
     <p:extLst>
       <p:ext uri="{BB962C8B-B14F-4D97-AF65-F5344CB8AC3E}">
-        <p14:creationId xmlns:p14="http://schemas.microsoft.com/office/powerpoint/2010/main" val="1517279411"/>
+        <p14:creationId xmlns:p14="http://schemas.microsoft.com/office/powerpoint/2010/main" val="1669314898"/>
       </p:ext>
     </p:extLst>
   </p:cSld>
@@ -6339,7 +7499,937 @@
 </p:sld>
 </file>
 
-<file path=ppt/slides/slide4.xml><?xml version="1.0" encoding="utf-8"?>
+<file path=ppt/slides/slide21.xml><?xml version="1.0" encoding="utf-8"?>
+<p:sld xmlns:a="http://schemas.openxmlformats.org/drawingml/2006/main" xmlns:r="http://schemas.openxmlformats.org/officeDocument/2006/relationships" xmlns:p="http://schemas.openxmlformats.org/presentationml/2006/main">
+  <p:cSld>
+    <p:spTree>
+      <p:nvGrpSpPr>
+        <p:cNvPr id="1" name=""/>
+        <p:cNvGrpSpPr/>
+        <p:nvPr/>
+      </p:nvGrpSpPr>
+      <p:grpSpPr>
+        <a:xfrm>
+          <a:off x="0" y="0"/>
+          <a:ext cx="0" cy="0"/>
+          <a:chOff x="0" y="0"/>
+          <a:chExt cx="0" cy="0"/>
+        </a:xfrm>
+      </p:grpSpPr>
+      <p:sp>
+        <p:nvSpPr>
+          <p:cNvPr id="2" name="Title 1"/>
+          <p:cNvSpPr>
+            <a:spLocks noGrp="1"/>
+          </p:cNvSpPr>
+          <p:nvPr>
+            <p:ph type="title"/>
+          </p:nvPr>
+        </p:nvSpPr>
+        <p:spPr/>
+        <p:txBody>
+          <a:bodyPr/>
+          <a:lstStyle/>
+          <a:p>
+            <a:r>
+              <a:rPr lang="en-US" dirty="0">
+                <a:solidFill>
+                  <a:srgbClr val="002060"/>
+                </a:solidFill>
+              </a:rPr>
+              <a:t>Future Work</a:t>
+            </a:r>
+            <a:endParaRPr lang="he-IL" dirty="0">
+              <a:solidFill>
+                <a:srgbClr val="002060"/>
+              </a:solidFill>
+            </a:endParaRPr>
+          </a:p>
+        </p:txBody>
+      </p:sp>
+      <p:sp>
+        <p:nvSpPr>
+          <p:cNvPr id="3" name="Content Placeholder 2"/>
+          <p:cNvSpPr>
+            <a:spLocks noGrp="1"/>
+          </p:cNvSpPr>
+          <p:nvPr>
+            <p:ph idx="1"/>
+          </p:nvPr>
+        </p:nvSpPr>
+        <p:spPr/>
+        <p:txBody>
+          <a:bodyPr/>
+          <a:lstStyle/>
+          <a:p>
+            <a:r>
+              <a:rPr lang="en-US" dirty="0">
+                <a:solidFill>
+                  <a:srgbClr val="002060"/>
+                </a:solidFill>
+              </a:rPr>
+              <a:t>Try different CNN architectures on dataset</a:t>
+            </a:r>
+          </a:p>
+          <a:p>
+            <a:r>
+              <a:rPr lang="en-US" dirty="0">
+                <a:solidFill>
+                  <a:srgbClr val="002060"/>
+                </a:solidFill>
+              </a:rPr>
+              <a:t>Train models on all datasets</a:t>
+            </a:r>
+          </a:p>
+          <a:p>
+            <a:r>
+              <a:rPr lang="en-US" dirty="0">
+                <a:solidFill>
+                  <a:srgbClr val="002060"/>
+                </a:solidFill>
+              </a:rPr>
+              <a:t>Implement DCN layers to trained architectures</a:t>
+            </a:r>
+          </a:p>
+          <a:p>
+            <a:r>
+              <a:rPr lang="en-US" dirty="0">
+                <a:solidFill>
+                  <a:srgbClr val="002060"/>
+                </a:solidFill>
+              </a:rPr>
+              <a:t>Explore newer DCN version (v2)</a:t>
+            </a:r>
+          </a:p>
+          <a:p>
+            <a:r>
+              <a:rPr lang="en-US" dirty="0">
+                <a:solidFill>
+                  <a:srgbClr val="002060"/>
+                </a:solidFill>
+              </a:rPr>
+              <a:t>Acquire additional datasets from Zebra Medical</a:t>
+            </a:r>
+          </a:p>
+        </p:txBody>
+      </p:sp>
+      <p:sp>
+        <p:nvSpPr>
+          <p:cNvPr id="5" name="Slide Number Placeholder 4"/>
+          <p:cNvSpPr>
+            <a:spLocks noGrp="1"/>
+          </p:cNvSpPr>
+          <p:nvPr>
+            <p:ph type="sldNum" sz="quarter" idx="12"/>
+          </p:nvPr>
+        </p:nvSpPr>
+        <p:spPr/>
+        <p:txBody>
+          <a:bodyPr/>
+          <a:lstStyle/>
+          <a:p>
+            <a:fld id="{B01D9778-10B4-40FB-B4E4-44FA89A86639}" type="slidenum">
+              <a:rPr lang="en-US" smtClean="0"/>
+              <a:pPr/>
+              <a:t>21</a:t>
+            </a:fld>
+            <a:endParaRPr lang="en-US"/>
+          </a:p>
+        </p:txBody>
+      </p:sp>
+    </p:spTree>
+    <p:extLst>
+      <p:ext uri="{BB962C8B-B14F-4D97-AF65-F5344CB8AC3E}">
+        <p14:creationId xmlns:p14="http://schemas.microsoft.com/office/powerpoint/2010/main" val="194558903"/>
+      </p:ext>
+    </p:extLst>
+  </p:cSld>
+  <p:clrMapOvr>
+    <a:masterClrMapping/>
+  </p:clrMapOvr>
+</p:sld>
+</file>
+
+<file path=ppt/slides/slide22.xml><?xml version="1.0" encoding="utf-8"?>
+<p:sld xmlns:a="http://schemas.openxmlformats.org/drawingml/2006/main" xmlns:r="http://schemas.openxmlformats.org/officeDocument/2006/relationships" xmlns:p="http://schemas.openxmlformats.org/presentationml/2006/main">
+  <p:cSld>
+    <p:spTree>
+      <p:nvGrpSpPr>
+        <p:cNvPr id="1" name=""/>
+        <p:cNvGrpSpPr/>
+        <p:nvPr/>
+      </p:nvGrpSpPr>
+      <p:grpSpPr>
+        <a:xfrm>
+          <a:off x="0" y="0"/>
+          <a:ext cx="0" cy="0"/>
+          <a:chOff x="0" y="0"/>
+          <a:chExt cx="0" cy="0"/>
+        </a:xfrm>
+      </p:grpSpPr>
+      <p:sp>
+        <p:nvSpPr>
+          <p:cNvPr id="2" name="Title 1"/>
+          <p:cNvSpPr>
+            <a:spLocks noGrp="1"/>
+          </p:cNvSpPr>
+          <p:nvPr>
+            <p:ph type="title"/>
+          </p:nvPr>
+        </p:nvSpPr>
+        <p:spPr>
+          <a:xfrm>
+            <a:off x="438615" y="228600"/>
+            <a:ext cx="8229600" cy="1143000"/>
+          </a:xfrm>
+        </p:spPr>
+        <p:txBody>
+          <a:bodyPr/>
+          <a:lstStyle/>
+          <a:p>
+            <a:r>
+              <a:rPr lang="en-US" dirty="0">
+                <a:solidFill>
+                  <a:srgbClr val="002060"/>
+                </a:solidFill>
+              </a:rPr>
+              <a:t>References</a:t>
+            </a:r>
+            <a:endParaRPr lang="he-IL" dirty="0">
+              <a:solidFill>
+                <a:srgbClr val="002060"/>
+              </a:solidFill>
+            </a:endParaRPr>
+          </a:p>
+        </p:txBody>
+      </p:sp>
+      <p:sp>
+        <p:nvSpPr>
+          <p:cNvPr id="3" name="Content Placeholder 2"/>
+          <p:cNvSpPr>
+            <a:spLocks noGrp="1"/>
+          </p:cNvSpPr>
+          <p:nvPr>
+            <p:ph idx="1"/>
+          </p:nvPr>
+        </p:nvSpPr>
+        <p:spPr/>
+        <p:txBody>
+          <a:bodyPr>
+            <a:normAutofit/>
+          </a:bodyPr>
+          <a:lstStyle/>
+          <a:p>
+            <a:pPr marL="457200" indent="-457200">
+              <a:buFont typeface="+mj-lt"/>
+              <a:buAutoNum type="arabicPeriod"/>
+            </a:pPr>
+            <a:r>
+              <a:rPr lang="en-US" sz="2200" dirty="0">
+                <a:solidFill>
+                  <a:srgbClr val="002060"/>
+                </a:solidFill>
+              </a:rPr>
+              <a:t>Dai, J., Qi, H., </a:t>
+            </a:r>
+            <a:r>
+              <a:rPr lang="en-US" sz="2200" dirty="0" err="1">
+                <a:solidFill>
+                  <a:srgbClr val="002060"/>
+                </a:solidFill>
+              </a:rPr>
+              <a:t>Xiong</a:t>
+            </a:r>
+            <a:r>
+              <a:rPr lang="en-US" sz="2200" dirty="0">
+                <a:solidFill>
+                  <a:srgbClr val="002060"/>
+                </a:solidFill>
+              </a:rPr>
+              <a:t>, Y., Li, Y., Zhang, G., Hu, H., &amp; Wei, Y. (2017). Deformable convolutional networks. In Proceedings of the IEEE international conference on computer vision (pp. 764-773)</a:t>
+            </a:r>
+          </a:p>
+          <a:p>
+            <a:pPr marL="457200" indent="-457200">
+              <a:buFont typeface="+mj-lt"/>
+              <a:buAutoNum type="arabicPeriod"/>
+            </a:pPr>
+            <a:endParaRPr lang="en-US" sz="2200" dirty="0">
+              <a:solidFill>
+                <a:srgbClr val="002060"/>
+              </a:solidFill>
+            </a:endParaRPr>
+          </a:p>
+          <a:p>
+            <a:pPr marL="457200" indent="-457200">
+              <a:buFont typeface="+mj-lt"/>
+              <a:buAutoNum type="arabicPeriod"/>
+            </a:pPr>
+            <a:r>
+              <a:rPr lang="en-US" sz="2200" dirty="0">
+                <a:solidFill>
+                  <a:srgbClr val="002060"/>
+                </a:solidFill>
+              </a:rPr>
+              <a:t>Zhu, </a:t>
+            </a:r>
+            <a:r>
+              <a:rPr lang="en-US" sz="2200" dirty="0" err="1">
+                <a:solidFill>
+                  <a:srgbClr val="002060"/>
+                </a:solidFill>
+              </a:rPr>
+              <a:t>Xizhou</a:t>
+            </a:r>
+            <a:r>
+              <a:rPr lang="en-US" sz="2200" dirty="0">
+                <a:solidFill>
+                  <a:srgbClr val="002060"/>
+                </a:solidFill>
+              </a:rPr>
+              <a:t>, et al. "Deformable convnets v2: More deformable, better results." Proceedings of the IEEE Conference on Computer Vision and Pattern Recognition. 2019</a:t>
+            </a:r>
+          </a:p>
+          <a:p>
+            <a:pPr marL="457200" indent="-457200">
+              <a:buFont typeface="+mj-lt"/>
+              <a:buAutoNum type="arabicPeriod"/>
+            </a:pPr>
+            <a:endParaRPr lang="en-US" sz="2200" dirty="0">
+              <a:solidFill>
+                <a:srgbClr val="002060"/>
+              </a:solidFill>
+            </a:endParaRPr>
+          </a:p>
+          <a:p>
+            <a:pPr marL="457200" indent="-457200">
+              <a:buFont typeface="+mj-lt"/>
+              <a:buAutoNum type="arabicPeriod"/>
+            </a:pPr>
+            <a:r>
+              <a:rPr lang="en-US" sz="2200" dirty="0">
+                <a:solidFill>
+                  <a:srgbClr val="002060"/>
+                </a:solidFill>
+              </a:rPr>
+              <a:t>Pham, </a:t>
+            </a:r>
+            <a:r>
+              <a:rPr lang="en-US" sz="2200" dirty="0" err="1">
+                <a:solidFill>
+                  <a:srgbClr val="002060"/>
+                </a:solidFill>
+              </a:rPr>
+              <a:t>Hieu</a:t>
+            </a:r>
+            <a:r>
+              <a:rPr lang="en-US" sz="2200" dirty="0">
+                <a:solidFill>
+                  <a:srgbClr val="002060"/>
+                </a:solidFill>
+              </a:rPr>
+              <a:t> H., et al. "Interpreting chest X-rays via CNNs that exploit disease dependencies and uncertainty labels." </a:t>
+            </a:r>
+            <a:r>
+              <a:rPr lang="en-US" sz="2200" dirty="0" err="1">
+                <a:solidFill>
+                  <a:srgbClr val="002060"/>
+                </a:solidFill>
+              </a:rPr>
+              <a:t>arXiv</a:t>
+            </a:r>
+            <a:r>
+              <a:rPr lang="en-US" sz="2200" dirty="0">
+                <a:solidFill>
+                  <a:srgbClr val="002060"/>
+                </a:solidFill>
+              </a:rPr>
+              <a:t> preprint arXiv:1911.06475 (2019).‏</a:t>
+            </a:r>
+          </a:p>
+          <a:p>
+            <a:pPr marL="457200" indent="-457200">
+              <a:buFont typeface="+mj-lt"/>
+              <a:buAutoNum type="arabicPeriod"/>
+            </a:pPr>
+            <a:endParaRPr lang="en-US" sz="2200" dirty="0">
+              <a:solidFill>
+                <a:srgbClr val="002060"/>
+              </a:solidFill>
+            </a:endParaRPr>
+          </a:p>
+        </p:txBody>
+      </p:sp>
+      <p:sp>
+        <p:nvSpPr>
+          <p:cNvPr id="5" name="Slide Number Placeholder 4"/>
+          <p:cNvSpPr>
+            <a:spLocks noGrp="1"/>
+          </p:cNvSpPr>
+          <p:nvPr>
+            <p:ph type="sldNum" sz="quarter" idx="12"/>
+          </p:nvPr>
+        </p:nvSpPr>
+        <p:spPr/>
+        <p:txBody>
+          <a:bodyPr/>
+          <a:lstStyle/>
+          <a:p>
+            <a:fld id="{B01D9778-10B4-40FB-B4E4-44FA89A86639}" type="slidenum">
+              <a:rPr lang="en-US" smtClean="0"/>
+              <a:pPr/>
+              <a:t>22</a:t>
+            </a:fld>
+            <a:endParaRPr lang="en-US"/>
+          </a:p>
+        </p:txBody>
+      </p:sp>
+    </p:spTree>
+    <p:extLst>
+      <p:ext uri="{BB962C8B-B14F-4D97-AF65-F5344CB8AC3E}">
+        <p14:creationId xmlns:p14="http://schemas.microsoft.com/office/powerpoint/2010/main" val="662023011"/>
+      </p:ext>
+    </p:extLst>
+  </p:cSld>
+  <p:clrMapOvr>
+    <a:masterClrMapping/>
+  </p:clrMapOvr>
+</p:sld>
+</file>
+
+<file path=ppt/slides/slide23.xml><?xml version="1.0" encoding="utf-8"?>
+<p:sld xmlns:a="http://schemas.openxmlformats.org/drawingml/2006/main" xmlns:r="http://schemas.openxmlformats.org/officeDocument/2006/relationships" xmlns:p="http://schemas.openxmlformats.org/presentationml/2006/main">
+  <p:cSld>
+    <p:spTree>
+      <p:nvGrpSpPr>
+        <p:cNvPr id="1" name=""/>
+        <p:cNvGrpSpPr/>
+        <p:nvPr/>
+      </p:nvGrpSpPr>
+      <p:grpSpPr>
+        <a:xfrm>
+          <a:off x="0" y="0"/>
+          <a:ext cx="0" cy="0"/>
+          <a:chOff x="0" y="0"/>
+          <a:chExt cx="0" cy="0"/>
+        </a:xfrm>
+      </p:grpSpPr>
+      <p:sp>
+        <p:nvSpPr>
+          <p:cNvPr id="5" name="Title 4">
+            <a:extLst>
+              <a:ext uri="{FF2B5EF4-FFF2-40B4-BE49-F238E27FC236}">
+                <a16:creationId xmlns:a16="http://schemas.microsoft.com/office/drawing/2014/main" id="{82107C99-4D3F-4DBB-A179-A78191153379}"/>
+              </a:ext>
+            </a:extLst>
+          </p:cNvPr>
+          <p:cNvSpPr>
+            <a:spLocks noGrp="1"/>
+          </p:cNvSpPr>
+          <p:nvPr>
+            <p:ph type="ctrTitle"/>
+          </p:nvPr>
+        </p:nvSpPr>
+        <p:spPr/>
+        <p:txBody>
+          <a:bodyPr/>
+          <a:lstStyle/>
+          <a:p>
+            <a:r>
+              <a:rPr lang="en-US" dirty="0"/>
+              <a:t>Backup</a:t>
+            </a:r>
+          </a:p>
+        </p:txBody>
+      </p:sp>
+      <p:sp>
+        <p:nvSpPr>
+          <p:cNvPr id="6" name="Subtitle 5">
+            <a:extLst>
+              <a:ext uri="{FF2B5EF4-FFF2-40B4-BE49-F238E27FC236}">
+                <a16:creationId xmlns:a16="http://schemas.microsoft.com/office/drawing/2014/main" id="{ACAA8EFF-DFDF-4291-A199-5EB0CF9907D2}"/>
+              </a:ext>
+            </a:extLst>
+          </p:cNvPr>
+          <p:cNvSpPr>
+            <a:spLocks noGrp="1"/>
+          </p:cNvSpPr>
+          <p:nvPr>
+            <p:ph type="subTitle" idx="1"/>
+          </p:nvPr>
+        </p:nvSpPr>
+        <p:spPr/>
+        <p:txBody>
+          <a:bodyPr/>
+          <a:lstStyle/>
+          <a:p>
+            <a:endParaRPr lang="en-US"/>
+          </a:p>
+        </p:txBody>
+      </p:sp>
+      <p:sp>
+        <p:nvSpPr>
+          <p:cNvPr id="4" name="Slide Number Placeholder 3">
+            <a:extLst>
+              <a:ext uri="{FF2B5EF4-FFF2-40B4-BE49-F238E27FC236}">
+                <a16:creationId xmlns:a16="http://schemas.microsoft.com/office/drawing/2014/main" id="{B7F20551-1F1E-4CA8-8ADC-FB53EB1CE062}"/>
+              </a:ext>
+            </a:extLst>
+          </p:cNvPr>
+          <p:cNvSpPr>
+            <a:spLocks noGrp="1"/>
+          </p:cNvSpPr>
+          <p:nvPr>
+            <p:ph type="sldNum" sz="quarter" idx="12"/>
+          </p:nvPr>
+        </p:nvSpPr>
+        <p:spPr/>
+        <p:txBody>
+          <a:bodyPr/>
+          <a:lstStyle/>
+          <a:p>
+            <a:fld id="{B01D9778-10B4-40FB-B4E4-44FA89A86639}" type="slidenum">
+              <a:rPr lang="en-US" smtClean="0"/>
+              <a:pPr/>
+              <a:t>23</a:t>
+            </a:fld>
+            <a:endParaRPr lang="en-US"/>
+          </a:p>
+        </p:txBody>
+      </p:sp>
+    </p:spTree>
+    <p:extLst>
+      <p:ext uri="{BB962C8B-B14F-4D97-AF65-F5344CB8AC3E}">
+        <p14:creationId xmlns:p14="http://schemas.microsoft.com/office/powerpoint/2010/main" val="661507981"/>
+      </p:ext>
+    </p:extLst>
+  </p:cSld>
+  <p:clrMapOvr>
+    <a:masterClrMapping/>
+  </p:clrMapOvr>
+</p:sld>
+</file>
+
+<file path=ppt/slides/slide24.xml><?xml version="1.0" encoding="utf-8"?>
+<p:sld xmlns:a="http://schemas.openxmlformats.org/drawingml/2006/main" xmlns:r="http://schemas.openxmlformats.org/officeDocument/2006/relationships" xmlns:p="http://schemas.openxmlformats.org/presentationml/2006/main">
+  <p:cSld>
+    <p:spTree>
+      <p:nvGrpSpPr>
+        <p:cNvPr id="1" name=""/>
+        <p:cNvGrpSpPr/>
+        <p:nvPr/>
+      </p:nvGrpSpPr>
+      <p:grpSpPr>
+        <a:xfrm>
+          <a:off x="0" y="0"/>
+          <a:ext cx="0" cy="0"/>
+          <a:chOff x="0" y="0"/>
+          <a:chExt cx="0" cy="0"/>
+        </a:xfrm>
+      </p:grpSpPr>
+      <p:sp>
+        <p:nvSpPr>
+          <p:cNvPr id="2" name="Title 1">
+            <a:extLst>
+              <a:ext uri="{FF2B5EF4-FFF2-40B4-BE49-F238E27FC236}">
+                <a16:creationId xmlns:a16="http://schemas.microsoft.com/office/drawing/2014/main" id="{A83A3907-5868-491F-80F2-4633FEEAA9C1}"/>
+              </a:ext>
+            </a:extLst>
+          </p:cNvPr>
+          <p:cNvSpPr>
+            <a:spLocks noGrp="1"/>
+          </p:cNvSpPr>
+          <p:nvPr>
+            <p:ph type="title"/>
+          </p:nvPr>
+        </p:nvSpPr>
+        <p:spPr/>
+        <p:txBody>
+          <a:bodyPr>
+            <a:normAutofit/>
+          </a:bodyPr>
+          <a:lstStyle/>
+          <a:p>
+            <a:r>
+              <a:rPr lang="en-US" dirty="0">
+                <a:solidFill>
+                  <a:srgbClr val="002060"/>
+                </a:solidFill>
+              </a:rPr>
+              <a:t>DCN V2</a:t>
+            </a:r>
+            <a:endParaRPr lang="en-US" dirty="0"/>
+          </a:p>
+        </p:txBody>
+      </p:sp>
+      <p:sp>
+        <p:nvSpPr>
+          <p:cNvPr id="3" name="Content Placeholder 2">
+            <a:extLst>
+              <a:ext uri="{FF2B5EF4-FFF2-40B4-BE49-F238E27FC236}">
+                <a16:creationId xmlns:a16="http://schemas.microsoft.com/office/drawing/2014/main" id="{FD9D945D-90FF-4CB6-99B8-A86B0C6D048D}"/>
+              </a:ext>
+            </a:extLst>
+          </p:cNvPr>
+          <p:cNvSpPr>
+            <a:spLocks noGrp="1"/>
+          </p:cNvSpPr>
+          <p:nvPr>
+            <p:ph idx="1"/>
+          </p:nvPr>
+        </p:nvSpPr>
+        <p:spPr>
+          <a:xfrm>
+            <a:off x="76200" y="1417638"/>
+            <a:ext cx="8610600" cy="4938712"/>
+          </a:xfrm>
+        </p:spPr>
+        <p:txBody>
+          <a:bodyPr>
+            <a:normAutofit fontScale="92500" lnSpcReduction="20000"/>
+          </a:bodyPr>
+          <a:lstStyle/>
+          <a:p>
+            <a:r>
+              <a:rPr lang="en-US" sz="2400" dirty="0">
+                <a:solidFill>
+                  <a:srgbClr val="002060"/>
+                </a:solidFill>
+              </a:rPr>
+              <a:t>while the spatial support for its neural features conforms more closely than regular </a:t>
+            </a:r>
+            <a:r>
+              <a:rPr lang="en-US" sz="2400" dirty="0" err="1">
+                <a:solidFill>
+                  <a:srgbClr val="002060"/>
+                </a:solidFill>
+              </a:rPr>
+              <a:t>ConvNets</a:t>
+            </a:r>
+            <a:r>
+              <a:rPr lang="en-US" sz="2400" dirty="0">
+                <a:solidFill>
+                  <a:srgbClr val="002060"/>
+                </a:solidFill>
+              </a:rPr>
+              <a:t> to object structure, this support may nevertheless extend well beyond the region of interest, causing features to be influenced by irrelevant image content. </a:t>
+            </a:r>
+          </a:p>
+          <a:p>
+            <a:r>
+              <a:rPr lang="en-US" sz="2400" dirty="0">
+                <a:solidFill>
+                  <a:srgbClr val="002060"/>
+                </a:solidFill>
+              </a:rPr>
+              <a:t> reformulation of Deformable </a:t>
+            </a:r>
+            <a:r>
+              <a:rPr lang="en-US" sz="2400" dirty="0" err="1">
+                <a:solidFill>
+                  <a:srgbClr val="002060"/>
+                </a:solidFill>
+              </a:rPr>
+              <a:t>ConvNets</a:t>
+            </a:r>
+            <a:r>
+              <a:rPr lang="en-US" sz="2400" dirty="0">
+                <a:solidFill>
+                  <a:srgbClr val="002060"/>
+                </a:solidFill>
+              </a:rPr>
+              <a:t> that improves its ability to focus on pertinent image regions, through increased modeling power and stronger training.</a:t>
+            </a:r>
+          </a:p>
+          <a:p>
+            <a:r>
+              <a:rPr lang="en-US" sz="2400" dirty="0">
+                <a:solidFill>
+                  <a:srgbClr val="002060"/>
+                </a:solidFill>
+              </a:rPr>
+              <a:t>The modeling power is enhanced through a more comprehensive integration of deformable convolution within the network, and by introducing a modulation mechanism that expands the scope of deformation modeling.</a:t>
+            </a:r>
+          </a:p>
+          <a:p>
+            <a:r>
+              <a:rPr lang="en-US" sz="2400" dirty="0">
+                <a:solidFill>
+                  <a:srgbClr val="002060"/>
+                </a:solidFill>
+              </a:rPr>
+              <a:t>we guide network training via a proposed feature mimicking scheme that helps the network to learn features that reflect the object focus and classification power of R-CNN features.</a:t>
+            </a:r>
+          </a:p>
+          <a:p>
+            <a:r>
+              <a:rPr lang="en-US" sz="2400" dirty="0">
+                <a:solidFill>
+                  <a:srgbClr val="002060"/>
+                </a:solidFill>
+              </a:rPr>
+              <a:t> this new version of Deformable </a:t>
+            </a:r>
+            <a:r>
+              <a:rPr lang="en-US" sz="2400" dirty="0" err="1">
+                <a:solidFill>
+                  <a:srgbClr val="002060"/>
+                </a:solidFill>
+              </a:rPr>
+              <a:t>ConvNets</a:t>
+            </a:r>
+            <a:r>
+              <a:rPr lang="en-US" sz="2400" dirty="0">
+                <a:solidFill>
+                  <a:srgbClr val="002060"/>
+                </a:solidFill>
+              </a:rPr>
+              <a:t> yields significant performance gains over the original model</a:t>
+            </a:r>
+          </a:p>
+        </p:txBody>
+      </p:sp>
+      <p:sp>
+        <p:nvSpPr>
+          <p:cNvPr id="4" name="Slide Number Placeholder 3">
+            <a:extLst>
+              <a:ext uri="{FF2B5EF4-FFF2-40B4-BE49-F238E27FC236}">
+                <a16:creationId xmlns:a16="http://schemas.microsoft.com/office/drawing/2014/main" id="{6ED004E6-B912-45E4-A456-29799468E102}"/>
+              </a:ext>
+            </a:extLst>
+          </p:cNvPr>
+          <p:cNvSpPr>
+            <a:spLocks noGrp="1"/>
+          </p:cNvSpPr>
+          <p:nvPr>
+            <p:ph type="sldNum" sz="quarter" idx="12"/>
+          </p:nvPr>
+        </p:nvSpPr>
+        <p:spPr/>
+        <p:txBody>
+          <a:bodyPr/>
+          <a:lstStyle/>
+          <a:p>
+            <a:fld id="{B01D9778-10B4-40FB-B4E4-44FA89A86639}" type="slidenum">
+              <a:rPr lang="en-US" smtClean="0"/>
+              <a:pPr/>
+              <a:t>24</a:t>
+            </a:fld>
+            <a:endParaRPr lang="en-US"/>
+          </a:p>
+        </p:txBody>
+      </p:sp>
+    </p:spTree>
+    <p:extLst>
+      <p:ext uri="{BB962C8B-B14F-4D97-AF65-F5344CB8AC3E}">
+        <p14:creationId xmlns:p14="http://schemas.microsoft.com/office/powerpoint/2010/main" val="2458108269"/>
+      </p:ext>
+    </p:extLst>
+  </p:cSld>
+  <p:clrMapOvr>
+    <a:masterClrMapping/>
+  </p:clrMapOvr>
+</p:sld>
+</file>
+
+<file path=ppt/slides/slide25.xml><?xml version="1.0" encoding="utf-8"?>
+<p:sld xmlns:a="http://schemas.openxmlformats.org/drawingml/2006/main" xmlns:r="http://schemas.openxmlformats.org/officeDocument/2006/relationships" xmlns:p="http://schemas.openxmlformats.org/presentationml/2006/main">
+  <p:cSld>
+    <p:spTree>
+      <p:nvGrpSpPr>
+        <p:cNvPr id="1" name=""/>
+        <p:cNvGrpSpPr/>
+        <p:nvPr/>
+      </p:nvGrpSpPr>
+      <p:grpSpPr>
+        <a:xfrm>
+          <a:off x="0" y="0"/>
+          <a:ext cx="0" cy="0"/>
+          <a:chOff x="0" y="0"/>
+          <a:chExt cx="0" cy="0"/>
+        </a:xfrm>
+      </p:grpSpPr>
+      <p:sp>
+        <p:nvSpPr>
+          <p:cNvPr id="2" name="Title 1">
+            <a:extLst>
+              <a:ext uri="{FF2B5EF4-FFF2-40B4-BE49-F238E27FC236}">
+                <a16:creationId xmlns:a16="http://schemas.microsoft.com/office/drawing/2014/main" id="{A83A3907-5868-491F-80F2-4633FEEAA9C1}"/>
+              </a:ext>
+            </a:extLst>
+          </p:cNvPr>
+          <p:cNvSpPr>
+            <a:spLocks noGrp="1"/>
+          </p:cNvSpPr>
+          <p:nvPr>
+            <p:ph type="title"/>
+          </p:nvPr>
+        </p:nvSpPr>
+        <p:spPr>
+          <a:xfrm>
+            <a:off x="457200" y="274638"/>
+            <a:ext cx="8229600" cy="1143000"/>
+          </a:xfrm>
+        </p:spPr>
+        <p:txBody>
+          <a:bodyPr>
+            <a:normAutofit/>
+          </a:bodyPr>
+          <a:lstStyle/>
+          <a:p>
+            <a:r>
+              <a:rPr lang="en-US">
+                <a:solidFill>
+                  <a:srgbClr val="002060"/>
+                </a:solidFill>
+              </a:rPr>
+              <a:t>DCN V2</a:t>
+            </a:r>
+            <a:endParaRPr lang="en-US" dirty="0"/>
+          </a:p>
+        </p:txBody>
+      </p:sp>
+      <p:pic>
+        <p:nvPicPr>
+          <p:cNvPr id="8" name="Content Placeholder 7">
+            <a:extLst>
+              <a:ext uri="{FF2B5EF4-FFF2-40B4-BE49-F238E27FC236}">
+                <a16:creationId xmlns:a16="http://schemas.microsoft.com/office/drawing/2014/main" id="{1A53896B-76C9-4EFA-B061-EFAFEC41C10A}"/>
+              </a:ext>
+            </a:extLst>
+          </p:cNvPr>
+          <p:cNvPicPr>
+            <a:picLocks noGrp="1" noChangeAspect="1"/>
+          </p:cNvPicPr>
+          <p:nvPr>
+            <p:ph idx="1"/>
+          </p:nvPr>
+        </p:nvPicPr>
+        <p:blipFill>
+          <a:blip r:embed="rId3"/>
+          <a:stretch>
+            <a:fillRect/>
+          </a:stretch>
+        </p:blipFill>
+        <p:spPr>
+          <a:xfrm>
+            <a:off x="1371600" y="4419600"/>
+            <a:ext cx="3352800" cy="1819275"/>
+          </a:xfrm>
+          <a:prstGeom prst="rect">
+            <a:avLst/>
+          </a:prstGeom>
+        </p:spPr>
+      </p:pic>
+      <p:sp>
+        <p:nvSpPr>
+          <p:cNvPr id="4" name="Slide Number Placeholder 3">
+            <a:extLst>
+              <a:ext uri="{FF2B5EF4-FFF2-40B4-BE49-F238E27FC236}">
+                <a16:creationId xmlns:a16="http://schemas.microsoft.com/office/drawing/2014/main" id="{6ED004E6-B912-45E4-A456-29799468E102}"/>
+              </a:ext>
+            </a:extLst>
+          </p:cNvPr>
+          <p:cNvSpPr>
+            <a:spLocks noGrp="1"/>
+          </p:cNvSpPr>
+          <p:nvPr>
+            <p:ph type="sldNum" sz="quarter" idx="12"/>
+          </p:nvPr>
+        </p:nvSpPr>
+        <p:spPr>
+          <a:xfrm>
+            <a:off x="457200" y="6356350"/>
+            <a:ext cx="2133600" cy="365125"/>
+          </a:xfrm>
+        </p:spPr>
+        <p:txBody>
+          <a:bodyPr/>
+          <a:lstStyle/>
+          <a:p>
+            <a:fld id="{B01D9778-10B4-40FB-B4E4-44FA89A86639}" type="slidenum">
+              <a:rPr lang="en-US" smtClean="0"/>
+              <a:pPr/>
+              <a:t>25</a:t>
+            </a:fld>
+            <a:endParaRPr lang="en-US"/>
+          </a:p>
+        </p:txBody>
+      </p:sp>
+      <p:pic>
+        <p:nvPicPr>
+          <p:cNvPr id="6" name="Picture 5">
+            <a:extLst>
+              <a:ext uri="{FF2B5EF4-FFF2-40B4-BE49-F238E27FC236}">
+                <a16:creationId xmlns:a16="http://schemas.microsoft.com/office/drawing/2014/main" id="{867FE54C-A401-42B0-A57C-4B764A18AF97}"/>
+              </a:ext>
+            </a:extLst>
+          </p:cNvPr>
+          <p:cNvPicPr>
+            <a:picLocks noChangeAspect="1"/>
+          </p:cNvPicPr>
+          <p:nvPr/>
+        </p:nvPicPr>
+        <p:blipFill>
+          <a:blip r:embed="rId4"/>
+          <a:stretch>
+            <a:fillRect/>
+          </a:stretch>
+        </p:blipFill>
+        <p:spPr>
+          <a:xfrm>
+            <a:off x="5029200" y="1037273"/>
+            <a:ext cx="3609975" cy="2667000"/>
+          </a:xfrm>
+          <a:prstGeom prst="rect">
+            <a:avLst/>
+          </a:prstGeom>
+        </p:spPr>
+      </p:pic>
+      <p:pic>
+        <p:nvPicPr>
+          <p:cNvPr id="7" name="Picture 6">
+            <a:extLst>
+              <a:ext uri="{FF2B5EF4-FFF2-40B4-BE49-F238E27FC236}">
+                <a16:creationId xmlns:a16="http://schemas.microsoft.com/office/drawing/2014/main" id="{1DE7503E-3CD5-46EB-A17F-DF8FEC59708B}"/>
+              </a:ext>
+            </a:extLst>
+          </p:cNvPr>
+          <p:cNvPicPr>
+            <a:picLocks noChangeAspect="1"/>
+          </p:cNvPicPr>
+          <p:nvPr/>
+        </p:nvPicPr>
+        <p:blipFill>
+          <a:blip r:embed="rId5"/>
+          <a:stretch>
+            <a:fillRect/>
+          </a:stretch>
+        </p:blipFill>
+        <p:spPr>
+          <a:xfrm>
+            <a:off x="5140325" y="3730149"/>
+            <a:ext cx="3571875" cy="2600325"/>
+          </a:xfrm>
+          <a:prstGeom prst="rect">
+            <a:avLst/>
+          </a:prstGeom>
+        </p:spPr>
+      </p:pic>
+    </p:spTree>
+    <p:extLst>
+      <p:ext uri="{BB962C8B-B14F-4D97-AF65-F5344CB8AC3E}">
+        <p14:creationId xmlns:p14="http://schemas.microsoft.com/office/powerpoint/2010/main" val="1343491521"/>
+      </p:ext>
+    </p:extLst>
+  </p:cSld>
+  <p:clrMapOvr>
+    <a:masterClrMapping/>
+  </p:clrMapOvr>
+</p:sld>
+</file>
+
+<file path=ppt/slides/slide3.xml><?xml version="1.0" encoding="utf-8"?>
 <p:sld xmlns:a="http://schemas.openxmlformats.org/drawingml/2006/main" xmlns:r="http://schemas.openxmlformats.org/officeDocument/2006/relationships" xmlns:p="http://schemas.openxmlformats.org/presentationml/2006/main">
   <p:cSld>
     <p:bg>
@@ -6473,7 +8563,7 @@
             <a:fld id="{B01D9778-10B4-40FB-B4E4-44FA89A86639}" type="slidenum">
               <a:rPr lang="en-US" smtClean="0"/>
               <a:pPr/>
-              <a:t>4</a:t>
+              <a:t>3</a:t>
             </a:fld>
             <a:endParaRPr lang="en-US"/>
           </a:p>
@@ -6488,6 +8578,158 @@
   </p:cSld>
   <p:clrMapOvr>
     <a:overrideClrMapping bg1="lt1" tx1="dk1" bg2="lt2" tx2="dk2" accent1="accent1" accent2="accent2" accent3="accent3" accent4="accent4" accent5="accent5" accent6="accent6" hlink="hlink" folHlink="folHlink"/>
+  </p:clrMapOvr>
+</p:sld>
+</file>
+
+<file path=ppt/slides/slide4.xml><?xml version="1.0" encoding="utf-8"?>
+<p:sld xmlns:a="http://schemas.openxmlformats.org/drawingml/2006/main" xmlns:r="http://schemas.openxmlformats.org/officeDocument/2006/relationships" xmlns:p="http://schemas.openxmlformats.org/presentationml/2006/main">
+  <p:cSld>
+    <p:spTree>
+      <p:nvGrpSpPr>
+        <p:cNvPr id="1" name=""/>
+        <p:cNvGrpSpPr/>
+        <p:nvPr/>
+      </p:nvGrpSpPr>
+      <p:grpSpPr>
+        <a:xfrm>
+          <a:off x="0" y="0"/>
+          <a:ext cx="0" cy="0"/>
+          <a:chOff x="0" y="0"/>
+          <a:chExt cx="0" cy="0"/>
+        </a:xfrm>
+      </p:grpSpPr>
+      <p:sp>
+        <p:nvSpPr>
+          <p:cNvPr id="2" name="Title 1">
+            <a:extLst>
+              <a:ext uri="{FF2B5EF4-FFF2-40B4-BE49-F238E27FC236}">
+                <a16:creationId xmlns:a16="http://schemas.microsoft.com/office/drawing/2014/main" id="{98330DCA-B826-4C22-A993-5EF55BB7143A}"/>
+              </a:ext>
+            </a:extLst>
+          </p:cNvPr>
+          <p:cNvSpPr>
+            <a:spLocks noGrp="1"/>
+          </p:cNvSpPr>
+          <p:nvPr>
+            <p:ph type="title"/>
+          </p:nvPr>
+        </p:nvSpPr>
+        <p:spPr/>
+        <p:txBody>
+          <a:bodyPr>
+            <a:normAutofit/>
+          </a:bodyPr>
+          <a:lstStyle/>
+          <a:p>
+            <a:r>
+              <a:rPr lang="en-US" sz="4000" dirty="0">
+                <a:solidFill>
+                  <a:srgbClr val="002060"/>
+                </a:solidFill>
+                <a:latin typeface="+mn-lt"/>
+                <a:ea typeface="+mn-ea"/>
+                <a:cs typeface="+mn-cs"/>
+              </a:rPr>
+              <a:t>Project Goal</a:t>
+            </a:r>
+          </a:p>
+        </p:txBody>
+      </p:sp>
+      <p:sp>
+        <p:nvSpPr>
+          <p:cNvPr id="3" name="Content Placeholder 2">
+            <a:extLst>
+              <a:ext uri="{FF2B5EF4-FFF2-40B4-BE49-F238E27FC236}">
+                <a16:creationId xmlns:a16="http://schemas.microsoft.com/office/drawing/2014/main" id="{83BC9421-391F-41B2-92D0-6F0E9FD8ECD4}"/>
+              </a:ext>
+            </a:extLst>
+          </p:cNvPr>
+          <p:cNvSpPr>
+            <a:spLocks noGrp="1"/>
+          </p:cNvSpPr>
+          <p:nvPr>
+            <p:ph idx="1"/>
+          </p:nvPr>
+        </p:nvSpPr>
+        <p:spPr/>
+        <p:txBody>
+          <a:bodyPr/>
+          <a:lstStyle/>
+          <a:p>
+            <a:pPr marL="0" indent="0" algn="ctr">
+              <a:buNone/>
+            </a:pPr>
+            <a:endParaRPr lang="en-US" sz="2500" dirty="0">
+              <a:solidFill>
+                <a:srgbClr val="002060"/>
+              </a:solidFill>
+            </a:endParaRPr>
+          </a:p>
+          <a:p>
+            <a:pPr marL="0" indent="0" algn="ctr">
+              <a:buNone/>
+            </a:pPr>
+            <a:endParaRPr lang="en-US" sz="2500" dirty="0">
+              <a:solidFill>
+                <a:srgbClr val="002060"/>
+              </a:solidFill>
+            </a:endParaRPr>
+          </a:p>
+          <a:p>
+            <a:pPr marL="0" indent="0" algn="ctr">
+              <a:buNone/>
+            </a:pPr>
+            <a:r>
+              <a:rPr lang="en-US" sz="2800" dirty="0">
+                <a:solidFill>
+                  <a:srgbClr val="002060"/>
+                </a:solidFill>
+              </a:rPr>
+              <a:t>Develop technique for the detection of Pneumonia in chest X-ray images, which is robust to deformations caused by different body structure or different lying position</a:t>
+            </a:r>
+          </a:p>
+        </p:txBody>
+      </p:sp>
+      <p:sp>
+        <p:nvSpPr>
+          <p:cNvPr id="4" name="Slide Number Placeholder 3">
+            <a:extLst>
+              <a:ext uri="{FF2B5EF4-FFF2-40B4-BE49-F238E27FC236}">
+                <a16:creationId xmlns:a16="http://schemas.microsoft.com/office/drawing/2014/main" id="{F0A68B34-07F2-480A-A797-8A80E8169E9A}"/>
+              </a:ext>
+            </a:extLst>
+          </p:cNvPr>
+          <p:cNvSpPr>
+            <a:spLocks noGrp="1"/>
+          </p:cNvSpPr>
+          <p:nvPr>
+            <p:ph type="sldNum" sz="quarter" idx="12"/>
+          </p:nvPr>
+        </p:nvSpPr>
+        <p:spPr/>
+        <p:txBody>
+          <a:bodyPr/>
+          <a:lstStyle/>
+          <a:p>
+            <a:fld id="{B01D9778-10B4-40FB-B4E4-44FA89A86639}" type="slidenum">
+              <a:rPr lang="en-US" smtClean="0"/>
+              <a:pPr/>
+              <a:t>4</a:t>
+            </a:fld>
+            <a:endParaRPr lang="en-US"/>
+          </a:p>
+        </p:txBody>
+      </p:sp>
+    </p:spTree>
+    <p:extLst>
+      <p:ext uri="{BB962C8B-B14F-4D97-AF65-F5344CB8AC3E}">
+        <p14:creationId xmlns:p14="http://schemas.microsoft.com/office/powerpoint/2010/main" val="1517279411"/>
+      </p:ext>
+    </p:extLst>
+  </p:cSld>
+  <p:clrMapOvr>
+    <a:masterClrMapping/>
   </p:clrMapOvr>
 </p:sld>
 </file>
@@ -6514,7 +8756,7 @@
           <p:cNvPr id="2" name="Title 1">
             <a:extLst>
               <a:ext uri="{FF2B5EF4-FFF2-40B4-BE49-F238E27FC236}">
-                <a16:creationId xmlns:a16="http://schemas.microsoft.com/office/drawing/2014/main" id="{84E6B5BB-EF26-41E8-9423-466EE4E29670}"/>
+                <a16:creationId xmlns:a16="http://schemas.microsoft.com/office/drawing/2014/main" id="{C05F3A5B-D1F7-48D6-A89F-5B7751E7066C}"/>
               </a:ext>
             </a:extLst>
           </p:cNvPr>
@@ -6536,99 +8778,8 @@
                   <a:srgbClr val="002060"/>
                 </a:solidFill>
               </a:rPr>
-              <a:t>Prior Work</a:t>
-            </a:r>
-            <a:endParaRPr lang="en-US" dirty="0"/>
-          </a:p>
-        </p:txBody>
-      </p:sp>
-      <p:sp>
-        <p:nvSpPr>
-          <p:cNvPr id="3" name="Content Placeholder 2">
-            <a:extLst>
-              <a:ext uri="{FF2B5EF4-FFF2-40B4-BE49-F238E27FC236}">
-                <a16:creationId xmlns:a16="http://schemas.microsoft.com/office/drawing/2014/main" id="{88F5A697-D1DD-403D-8042-C078E79BDF45}"/>
-              </a:ext>
-            </a:extLst>
-          </p:cNvPr>
-          <p:cNvSpPr>
-            <a:spLocks noGrp="1"/>
-          </p:cNvSpPr>
-          <p:nvPr>
-            <p:ph idx="1"/>
-          </p:nvPr>
-        </p:nvSpPr>
-        <p:spPr/>
-        <p:txBody>
-          <a:bodyPr/>
-          <a:lstStyle/>
-          <a:p>
-            <a:pPr marL="0" indent="0">
-              <a:buNone/>
-            </a:pPr>
-            <a:r>
-              <a:rPr lang="en-US" i="1" dirty="0">
-                <a:solidFill>
-                  <a:srgbClr val="002060"/>
-                </a:solidFill>
-              </a:rPr>
-              <a:t>Kaggle X-Ray (Pneumonia)</a:t>
-            </a:r>
-          </a:p>
-          <a:p>
-            <a:pPr lvl="1">
-              <a:buFont typeface="Arial" panose="020B0604020202020204" pitchFamily="34" charset="0"/>
-              <a:buChar char="•"/>
-            </a:pPr>
-            <a:r>
-              <a:rPr lang="en-US" dirty="0">
-                <a:solidFill>
-                  <a:srgbClr val="002060"/>
-                </a:solidFill>
-              </a:rPr>
-              <a:t>Roughly 6k chest X-ray images </a:t>
-            </a:r>
-          </a:p>
-          <a:p>
-            <a:pPr lvl="1">
-              <a:buFont typeface="Arial" panose="020B0604020202020204" pitchFamily="34" charset="0"/>
-              <a:buChar char="•"/>
-            </a:pPr>
-            <a:r>
-              <a:rPr lang="en-US" dirty="0">
-                <a:solidFill>
-                  <a:srgbClr val="002060"/>
-                </a:solidFill>
-              </a:rPr>
-              <a:t>4500 labeled ‘Pneumonia’</a:t>
-            </a:r>
-          </a:p>
-          <a:p>
-            <a:pPr marL="457200" lvl="1" indent="0">
-              <a:buNone/>
-            </a:pPr>
-            <a:endParaRPr lang="en-US" dirty="0">
-              <a:solidFill>
-                <a:srgbClr val="002060"/>
-              </a:solidFill>
-            </a:endParaRPr>
-          </a:p>
-          <a:p>
-            <a:pPr lvl="1">
-              <a:buFont typeface="Arial" panose="020B0604020202020204" pitchFamily="34" charset="0"/>
-              <a:buChar char="•"/>
-            </a:pPr>
-            <a:r>
-              <a:rPr lang="en-US" dirty="0">
-                <a:solidFill>
-                  <a:srgbClr val="002060"/>
-                </a:solidFill>
-              </a:rPr>
-              <a:t>Best results have 0.9 AUC</a:t>
-            </a:r>
-          </a:p>
-          <a:p>
-            <a:endParaRPr lang="en-US" dirty="0"/>
+              <a:t>Example - Deformations</a:t>
+            </a:r>
           </a:p>
         </p:txBody>
       </p:sp>
@@ -6637,7 +8788,7 @@
           <p:cNvPr id="4" name="Slide Number Placeholder 3">
             <a:extLst>
               <a:ext uri="{FF2B5EF4-FFF2-40B4-BE49-F238E27FC236}">
-                <a16:creationId xmlns:a16="http://schemas.microsoft.com/office/drawing/2014/main" id="{DBC919E3-3063-41E9-BF96-2BBA6FB2233F}"/>
+                <a16:creationId xmlns:a16="http://schemas.microsoft.com/office/drawing/2014/main" id="{013FCB30-92A7-4CBB-9F19-F24437AC40FE}"/>
               </a:ext>
             </a:extLst>
           </p:cNvPr>
@@ -6662,10 +8813,224 @@
           </a:p>
         </p:txBody>
       </p:sp>
+      <p:sp>
+        <p:nvSpPr>
+          <p:cNvPr id="7" name="TextBox 6">
+            <a:extLst>
+              <a:ext uri="{FF2B5EF4-FFF2-40B4-BE49-F238E27FC236}">
+                <a16:creationId xmlns:a16="http://schemas.microsoft.com/office/drawing/2014/main" id="{DEF62CCA-2FF8-4299-9DBB-A1664B234917}"/>
+              </a:ext>
+            </a:extLst>
+          </p:cNvPr>
+          <p:cNvSpPr txBox="1"/>
+          <p:nvPr/>
+        </p:nvSpPr>
+        <p:spPr>
+          <a:xfrm>
+            <a:off x="690204" y="4735804"/>
+            <a:ext cx="3404191" cy="1384995"/>
+          </a:xfrm>
+          <a:prstGeom prst="rect">
+            <a:avLst/>
+          </a:prstGeom>
+          <a:noFill/>
+        </p:spPr>
+        <p:txBody>
+          <a:bodyPr wrap="square" rtlCol="0">
+            <a:spAutoFit/>
+          </a:bodyPr>
+          <a:lstStyle/>
+          <a:p>
+            <a:pPr marL="342900" indent="-342900">
+              <a:buFont typeface="Arial" panose="020B0604020202020204" pitchFamily="34" charset="0"/>
+              <a:buChar char="•"/>
+            </a:pPr>
+            <a:r>
+              <a:rPr lang="en-US" sz="2000" dirty="0">
+                <a:solidFill>
+                  <a:srgbClr val="002060"/>
+                </a:solidFill>
+                <a:latin typeface="+mj-lt"/>
+                <a:ea typeface="+mj-ea"/>
+                <a:cs typeface="+mj-cs"/>
+              </a:rPr>
+              <a:t>Laying/standing patients</a:t>
+            </a:r>
+            <a:endParaRPr lang="en-US" sz="2400" dirty="0">
+              <a:solidFill>
+                <a:srgbClr val="002060"/>
+              </a:solidFill>
+              <a:latin typeface="+mj-lt"/>
+              <a:ea typeface="+mj-ea"/>
+              <a:cs typeface="+mj-cs"/>
+            </a:endParaRPr>
+          </a:p>
+          <a:p>
+            <a:pPr marL="342900" indent="-342900">
+              <a:buFont typeface="Arial" panose="020B0604020202020204" pitchFamily="34" charset="0"/>
+              <a:buChar char="•"/>
+            </a:pPr>
+            <a:r>
+              <a:rPr lang="en-US" sz="2000" dirty="0">
+                <a:solidFill>
+                  <a:srgbClr val="002060"/>
+                </a:solidFill>
+                <a:latin typeface="+mj-lt"/>
+                <a:ea typeface="+mj-ea"/>
+                <a:cs typeface="+mj-cs"/>
+              </a:rPr>
+              <a:t>Different angles</a:t>
+            </a:r>
+          </a:p>
+          <a:p>
+            <a:pPr marL="342900" indent="-342900">
+              <a:buFont typeface="Arial" panose="020B0604020202020204" pitchFamily="34" charset="0"/>
+              <a:buChar char="•"/>
+            </a:pPr>
+            <a:r>
+              <a:rPr lang="en-US" sz="2000" dirty="0">
+                <a:solidFill>
+                  <a:srgbClr val="002060"/>
+                </a:solidFill>
+                <a:latin typeface="+mj-lt"/>
+                <a:ea typeface="+mj-ea"/>
+                <a:cs typeface="+mj-cs"/>
+              </a:rPr>
+              <a:t>Different resolution</a:t>
+            </a:r>
+          </a:p>
+          <a:p>
+            <a:endParaRPr lang="en-US" sz="2400" dirty="0">
+              <a:solidFill>
+                <a:srgbClr val="002060"/>
+              </a:solidFill>
+              <a:latin typeface="+mj-lt"/>
+              <a:ea typeface="+mj-ea"/>
+              <a:cs typeface="+mj-cs"/>
+            </a:endParaRPr>
+          </a:p>
+        </p:txBody>
+      </p:sp>
+      <p:pic>
+        <p:nvPicPr>
+          <p:cNvPr id="9" name="Content Placeholder 8">
+            <a:extLst>
+              <a:ext uri="{FF2B5EF4-FFF2-40B4-BE49-F238E27FC236}">
+                <a16:creationId xmlns:a16="http://schemas.microsoft.com/office/drawing/2014/main" id="{26315ADF-4FF2-4439-AAC5-3F319FBAF882}"/>
+              </a:ext>
+            </a:extLst>
+          </p:cNvPr>
+          <p:cNvPicPr>
+            <a:picLocks noGrp="1" noChangeAspect="1"/>
+          </p:cNvPicPr>
+          <p:nvPr>
+            <p:ph idx="1"/>
+          </p:nvPr>
+        </p:nvPicPr>
+        <p:blipFill>
+          <a:blip r:embed="rId2" cstate="print">
+            <a:extLst>
+              <a:ext uri="{28A0092B-C50C-407E-A947-70E740481C1C}">
+                <a14:useLocalDpi xmlns:a14="http://schemas.microsoft.com/office/drawing/2010/main" val="0"/>
+              </a:ext>
+            </a:extLst>
+          </a:blip>
+          <a:stretch>
+            <a:fillRect/>
+          </a:stretch>
+        </p:blipFill>
+        <p:spPr>
+          <a:xfrm>
+            <a:off x="5034196" y="1600200"/>
+            <a:ext cx="3403600" cy="2438400"/>
+          </a:xfrm>
+        </p:spPr>
+      </p:pic>
+      <p:pic>
+        <p:nvPicPr>
+          <p:cNvPr id="13" name="Picture 12">
+            <a:extLst>
+              <a:ext uri="{FF2B5EF4-FFF2-40B4-BE49-F238E27FC236}">
+                <a16:creationId xmlns:a16="http://schemas.microsoft.com/office/drawing/2014/main" id="{D9F2F57B-0B9C-4D5E-B870-3439BBA6478E}"/>
+              </a:ext>
+            </a:extLst>
+          </p:cNvPr>
+          <p:cNvPicPr>
+            <a:picLocks noChangeAspect="1"/>
+          </p:cNvPicPr>
+          <p:nvPr/>
+        </p:nvPicPr>
+        <p:blipFill>
+          <a:blip r:embed="rId3" cstate="print">
+            <a:extLst>
+              <a:ext uri="{28A0092B-C50C-407E-A947-70E740481C1C}">
+                <a14:useLocalDpi xmlns:a14="http://schemas.microsoft.com/office/drawing/2010/main" val="0"/>
+              </a:ext>
+            </a:extLst>
+          </a:blip>
+          <a:stretch>
+            <a:fillRect/>
+          </a:stretch>
+        </p:blipFill>
+        <p:spPr>
+          <a:xfrm>
+            <a:off x="5033605" y="4221162"/>
+            <a:ext cx="3404191" cy="2414281"/>
+          </a:xfrm>
+          <a:prstGeom prst="rect">
+            <a:avLst/>
+          </a:prstGeom>
+        </p:spPr>
+      </p:pic>
+      <p:pic>
+        <p:nvPicPr>
+          <p:cNvPr id="1026" name="Picture 2" descr="תוצאת תמונה עבור ‪chest x ray lying down‬‏">
+            <a:extLst>
+              <a:ext uri="{FF2B5EF4-FFF2-40B4-BE49-F238E27FC236}">
+                <a16:creationId xmlns:a16="http://schemas.microsoft.com/office/drawing/2014/main" id="{1C6A2B8E-8372-4028-96BD-FE7BBCBFCFB4}"/>
+              </a:ext>
+            </a:extLst>
+          </p:cNvPr>
+          <p:cNvPicPr>
+            <a:picLocks noChangeAspect="1" noChangeArrowheads="1"/>
+          </p:cNvPicPr>
+          <p:nvPr/>
+        </p:nvPicPr>
+        <p:blipFill rotWithShape="1">
+          <a:blip r:embed="rId4">
+            <a:extLst>
+              <a:ext uri="{28A0092B-C50C-407E-A947-70E740481C1C}">
+                <a14:useLocalDpi xmlns:a14="http://schemas.microsoft.com/office/drawing/2010/main" val="0"/>
+              </a:ext>
+            </a:extLst>
+          </a:blip>
+          <a:srcRect l="4735" t="2875" r="6173" b="4079"/>
+          <a:stretch/>
+        </p:blipFill>
+        <p:spPr bwMode="auto">
+          <a:xfrm>
+            <a:off x="1115548" y="1558823"/>
+            <a:ext cx="3009497" cy="2521154"/>
+          </a:xfrm>
+          <a:prstGeom prst="rect">
+            <a:avLst/>
+          </a:prstGeom>
+          <a:noFill/>
+          <a:extLst>
+            <a:ext uri="{909E8E84-426E-40DD-AFC4-6F175D3DCCD1}">
+              <a14:hiddenFill xmlns:a14="http://schemas.microsoft.com/office/drawing/2010/main">
+                <a:solidFill>
+                  <a:srgbClr val="FFFFFF"/>
+                </a:solidFill>
+              </a14:hiddenFill>
+            </a:ext>
+          </a:extLst>
+        </p:spPr>
+      </p:pic>
     </p:spTree>
     <p:extLst>
       <p:ext uri="{BB962C8B-B14F-4D97-AF65-F5344CB8AC3E}">
-        <p14:creationId xmlns:p14="http://schemas.microsoft.com/office/powerpoint/2010/main" val="621892270"/>
+        <p14:creationId xmlns:p14="http://schemas.microsoft.com/office/powerpoint/2010/main" val="618998871"/>
       </p:ext>
     </p:extLst>
   </p:cSld>
@@ -6697,7 +9062,7 @@
           <p:cNvPr id="2" name="Title 1">
             <a:extLst>
               <a:ext uri="{FF2B5EF4-FFF2-40B4-BE49-F238E27FC236}">
-                <a16:creationId xmlns:a16="http://schemas.microsoft.com/office/drawing/2014/main" id="{A5B2A960-F91A-451D-906E-3D10760A88BF}"/>
+                <a16:creationId xmlns:a16="http://schemas.microsoft.com/office/drawing/2014/main" id="{84E6B5BB-EF26-41E8-9423-466EE4E29670}"/>
               </a:ext>
             </a:extLst>
           </p:cNvPr>
@@ -6719,7 +9084,7 @@
                   <a:srgbClr val="002060"/>
                 </a:solidFill>
               </a:rPr>
-              <a:t>Prior Work – cont.</a:t>
+              <a:t>Prior Work – Datasets</a:t>
             </a:r>
             <a:endParaRPr lang="en-US" dirty="0"/>
           </a:p>
@@ -6730,7 +9095,7 @@
           <p:cNvPr id="3" name="Content Placeholder 2">
             <a:extLst>
               <a:ext uri="{FF2B5EF4-FFF2-40B4-BE49-F238E27FC236}">
-                <a16:creationId xmlns:a16="http://schemas.microsoft.com/office/drawing/2014/main" id="{8B66C5E1-311F-4EC7-B118-7FB279D22631}"/>
+                <a16:creationId xmlns:a16="http://schemas.microsoft.com/office/drawing/2014/main" id="{88F5A697-D1DD-403D-8042-C078E79BDF45}"/>
               </a:ext>
             </a:extLst>
           </p:cNvPr>
@@ -6746,7 +9111,7 @@
           <a:bodyPr/>
           <a:lstStyle/>
           <a:p>
-            <a:pPr marL="0" indent="0" fontAlgn="base">
+            <a:pPr marL="0" indent="0">
               <a:buNone/>
             </a:pPr>
             <a:r>
@@ -6755,7 +9120,7 @@
                   <a:srgbClr val="002060"/>
                 </a:solidFill>
               </a:rPr>
-              <a:t>Kaggle RSNA Pneumonia Detection Challenge</a:t>
+              <a:t>Kaggle X-Ray (Pneumonia)</a:t>
             </a:r>
           </a:p>
           <a:p>
@@ -6769,7 +9134,7 @@
                   <a:srgbClr val="002060"/>
                 </a:solidFill>
               </a:rPr>
-              <a:t>Roughly 27k chest X-ray images</a:t>
+              <a:t>Roughly 6k chest X-ray images </a:t>
             </a:r>
           </a:p>
           <a:p>
@@ -6783,7 +9148,7 @@
                   <a:srgbClr val="002060"/>
                 </a:solidFill>
               </a:rPr>
-              <a:t>Some 10,500 labeled “No Lung Opacity”, 8600 labeled “Lung Opacity”, 7800 labeled “No Lung Opacity/Not Normal”</a:t>
+              <a:t>4500 labeled ‘Pneumonia’</a:t>
             </a:r>
           </a:p>
           <a:p>
@@ -6807,7 +9172,7 @@
                   <a:srgbClr val="002060"/>
                 </a:solidFill>
               </a:rPr>
-              <a:t>Best results score 0.25475</a:t>
+              <a:t>Best results have 0.9 AUC</a:t>
             </a:r>
           </a:p>
           <a:p>
@@ -6820,7 +9185,7 @@
           <p:cNvPr id="4" name="Slide Number Placeholder 3">
             <a:extLst>
               <a:ext uri="{FF2B5EF4-FFF2-40B4-BE49-F238E27FC236}">
-                <a16:creationId xmlns:a16="http://schemas.microsoft.com/office/drawing/2014/main" id="{4F20A850-77C2-4106-9783-B6822EED7DC2}"/>
+                <a16:creationId xmlns:a16="http://schemas.microsoft.com/office/drawing/2014/main" id="{DBC919E3-3063-41E9-BF96-2BBA6FB2233F}"/>
               </a:ext>
             </a:extLst>
           </p:cNvPr>
@@ -6848,7 +9213,7 @@
     </p:spTree>
     <p:extLst>
       <p:ext uri="{BB962C8B-B14F-4D97-AF65-F5344CB8AC3E}">
-        <p14:creationId xmlns:p14="http://schemas.microsoft.com/office/powerpoint/2010/main" val="2574016886"/>
+        <p14:creationId xmlns:p14="http://schemas.microsoft.com/office/powerpoint/2010/main" val="621892270"/>
       </p:ext>
     </p:extLst>
   </p:cSld>
@@ -6880,7 +9245,7 @@
           <p:cNvPr id="2" name="Title 1">
             <a:extLst>
               <a:ext uri="{FF2B5EF4-FFF2-40B4-BE49-F238E27FC236}">
-                <a16:creationId xmlns:a16="http://schemas.microsoft.com/office/drawing/2014/main" id="{CD75B5FA-699C-4AE6-AD44-EF3234BAD867}"/>
+                <a16:creationId xmlns:a16="http://schemas.microsoft.com/office/drawing/2014/main" id="{A5B2A960-F91A-451D-906E-3D10760A88BF}"/>
               </a:ext>
             </a:extLst>
           </p:cNvPr>
@@ -6902,8 +9267,9 @@
                   <a:srgbClr val="002060"/>
                 </a:solidFill>
               </a:rPr>
-              <a:t>Prior Work – cont.</a:t>
-            </a:r>
+              <a:t>Prior Work – Datasets</a:t>
+            </a:r>
+            <a:endParaRPr lang="en-US" dirty="0"/>
           </a:p>
         </p:txBody>
       </p:sp>
@@ -6912,7 +9278,7 @@
           <p:cNvPr id="3" name="Content Placeholder 2">
             <a:extLst>
               <a:ext uri="{FF2B5EF4-FFF2-40B4-BE49-F238E27FC236}">
-                <a16:creationId xmlns:a16="http://schemas.microsoft.com/office/drawing/2014/main" id="{BF6A365C-B34C-4F9F-940E-B6C2FE697768}"/>
+                <a16:creationId xmlns:a16="http://schemas.microsoft.com/office/drawing/2014/main" id="{8B66C5E1-311F-4EC7-B118-7FB279D22631}"/>
               </a:ext>
             </a:extLst>
           </p:cNvPr>
@@ -6923,19 +9289,12 @@
             <p:ph idx="1"/>
           </p:nvPr>
         </p:nvSpPr>
-        <p:spPr>
-          <a:xfrm>
-            <a:off x="457200" y="1600200"/>
-            <a:ext cx="8229600" cy="4983162"/>
-          </a:xfrm>
-        </p:spPr>
-        <p:txBody>
-          <a:bodyPr>
-            <a:normAutofit/>
-          </a:bodyPr>
-          <a:lstStyle/>
-          <a:p>
-            <a:pPr marL="0" indent="0">
+        <p:spPr/>
+        <p:txBody>
+          <a:bodyPr/>
+          <a:lstStyle/>
+          <a:p>
+            <a:pPr marL="0" indent="0" fontAlgn="base">
               <a:buNone/>
             </a:pPr>
             <a:r>
@@ -6944,7 +9303,7 @@
                   <a:srgbClr val="002060"/>
                 </a:solidFill>
               </a:rPr>
-              <a:t>CheXpert Challenge</a:t>
+              <a:t>Kaggle RSNA Pneumonia Detection Challenge</a:t>
             </a:r>
           </a:p>
           <a:p>
@@ -6958,7 +9317,7 @@
                   <a:srgbClr val="002060"/>
                 </a:solidFill>
               </a:rPr>
-              <a:t>About 200k chest X-ray images, 14 labels</a:t>
+              <a:t>Roughly 27k chest X-ray images</a:t>
             </a:r>
           </a:p>
           <a:p>
@@ -6972,25 +9331,11 @@
                   <a:srgbClr val="002060"/>
                 </a:solidFill>
               </a:rPr>
-              <a:t>16,600 are labeled with Pneumonia, 170,000 are labeled Normal </a:t>
-            </a:r>
-          </a:p>
-          <a:p>
-            <a:pPr lvl="1">
-              <a:buFont typeface="Arial" panose="020B0604020202020204" pitchFamily="34" charset="0"/>
-              <a:buChar char="•"/>
-            </a:pPr>
-            <a:r>
-              <a:rPr lang="en-US" dirty="0">
-                <a:solidFill>
-                  <a:srgbClr val="002060"/>
-                </a:solidFill>
-              </a:rPr>
-              <a:t>Other diseases also labeled </a:t>
-            </a:r>
-          </a:p>
-          <a:p>
-            <a:pPr marL="0" indent="0">
+              <a:t>Some 10,500 labeled “No Lung Opacity”, 8600 labeled “Lung Opacity”, 7800 labeled “No Lung Opacity/Not Normal”</a:t>
+            </a:r>
+          </a:p>
+          <a:p>
+            <a:pPr marL="457200" lvl="1" indent="0">
               <a:buNone/>
             </a:pPr>
             <a:endParaRPr lang="en-US" dirty="0">
@@ -7000,42 +9345,7 @@
             </a:endParaRPr>
           </a:p>
           <a:p>
-            <a:pPr lvl="1">
-              <a:buFont typeface="Arial" panose="020B0604020202020204" pitchFamily="34" charset="0"/>
-              <a:buChar char="•"/>
-            </a:pPr>
-            <a:r>
-              <a:rPr lang="en-US" dirty="0">
-                <a:solidFill>
-                  <a:srgbClr val="002060"/>
-                </a:solidFill>
-              </a:rPr>
-              <a:t>Current best results have 0.93 AUC for all classes</a:t>
-            </a:r>
-          </a:p>
-          <a:p>
-            <a:pPr lvl="1"/>
-            <a:endParaRPr lang="en-US" dirty="0">
-              <a:solidFill>
-                <a:srgbClr val="002060"/>
-              </a:solidFill>
-            </a:endParaRPr>
-          </a:p>
-          <a:p>
-            <a:pPr lvl="1"/>
-            <a:endParaRPr lang="en-US" dirty="0">
-              <a:solidFill>
-                <a:srgbClr val="002060"/>
-              </a:solidFill>
-            </a:endParaRPr>
-          </a:p>
-          <a:p>
-            <a:pPr lvl="2"/>
-            <a:endParaRPr lang="en-US" dirty="0">
-              <a:solidFill>
-                <a:srgbClr val="002060"/>
-              </a:solidFill>
-            </a:endParaRPr>
+            <a:endParaRPr lang="en-US" dirty="0"/>
           </a:p>
         </p:txBody>
       </p:sp>
@@ -7044,7 +9354,7 @@
           <p:cNvPr id="4" name="Slide Number Placeholder 3">
             <a:extLst>
               <a:ext uri="{FF2B5EF4-FFF2-40B4-BE49-F238E27FC236}">
-                <a16:creationId xmlns:a16="http://schemas.microsoft.com/office/drawing/2014/main" id="{60168D79-FA6A-4A04-8CF9-B14810206753}"/>
+                <a16:creationId xmlns:a16="http://schemas.microsoft.com/office/drawing/2014/main" id="{4F20A850-77C2-4106-9783-B6822EED7DC2}"/>
               </a:ext>
             </a:extLst>
           </p:cNvPr>
@@ -7072,7 +9382,7 @@
     </p:spTree>
     <p:extLst>
       <p:ext uri="{BB962C8B-B14F-4D97-AF65-F5344CB8AC3E}">
-        <p14:creationId xmlns:p14="http://schemas.microsoft.com/office/powerpoint/2010/main" val="3878957493"/>
+        <p14:creationId xmlns:p14="http://schemas.microsoft.com/office/powerpoint/2010/main" val="2574016886"/>
       </p:ext>
     </p:extLst>
   </p:cSld>
@@ -7104,7 +9414,7 @@
           <p:cNvPr id="2" name="Title 1">
             <a:extLst>
               <a:ext uri="{FF2B5EF4-FFF2-40B4-BE49-F238E27FC236}">
-                <a16:creationId xmlns:a16="http://schemas.microsoft.com/office/drawing/2014/main" id="{C05F3A5B-D1F7-48D6-A89F-5B7751E7066C}"/>
+                <a16:creationId xmlns:a16="http://schemas.microsoft.com/office/drawing/2014/main" id="{CD75B5FA-699C-4AE6-AD44-EF3234BAD867}"/>
               </a:ext>
             </a:extLst>
           </p:cNvPr>
@@ -7126,52 +9436,149 @@
                   <a:srgbClr val="002060"/>
                 </a:solidFill>
               </a:rPr>
-              <a:t>Example - Deformations</a:t>
-            </a:r>
-          </a:p>
-        </p:txBody>
-      </p:sp>
-      <p:pic>
-        <p:nvPicPr>
-          <p:cNvPr id="6" name="Content Placeholder 5">
+              <a:t>Prior Work – Datasets</a:t>
+            </a:r>
+          </a:p>
+        </p:txBody>
+      </p:sp>
+      <p:sp>
+        <p:nvSpPr>
+          <p:cNvPr id="3" name="Content Placeholder 2">
             <a:extLst>
               <a:ext uri="{FF2B5EF4-FFF2-40B4-BE49-F238E27FC236}">
-                <a16:creationId xmlns:a16="http://schemas.microsoft.com/office/drawing/2014/main" id="{01293C43-7F80-4294-9204-A1B9F970E7BA}"/>
+                <a16:creationId xmlns:a16="http://schemas.microsoft.com/office/drawing/2014/main" id="{BF6A365C-B34C-4F9F-940E-B6C2FE697768}"/>
               </a:ext>
             </a:extLst>
           </p:cNvPr>
-          <p:cNvPicPr>
-            <a:picLocks noGrp="1" noChangeAspect="1"/>
-          </p:cNvPicPr>
+          <p:cNvSpPr>
+            <a:spLocks noGrp="1"/>
+          </p:cNvSpPr>
           <p:nvPr>
             <p:ph idx="1"/>
           </p:nvPr>
-        </p:nvPicPr>
-        <p:blipFill>
-          <a:blip r:embed="rId2">
-            <a:extLst>
-              <a:ext uri="{28A0092B-C50C-407E-A947-70E740481C1C}">
-                <a14:useLocalDpi xmlns:a14="http://schemas.microsoft.com/office/drawing/2010/main" val="0"/>
-              </a:ext>
-            </a:extLst>
-          </a:blip>
-          <a:stretch>
-            <a:fillRect/>
-          </a:stretch>
-        </p:blipFill>
+        </p:nvSpPr>
         <p:spPr>
           <a:xfrm>
-            <a:off x="3733800" y="1752600"/>
-            <a:ext cx="5105400" cy="3472063"/>
+            <a:off x="457200" y="1600200"/>
+            <a:ext cx="8229600" cy="4983162"/>
           </a:xfrm>
         </p:spPr>
-      </p:pic>
+        <p:txBody>
+          <a:bodyPr>
+            <a:normAutofit/>
+          </a:bodyPr>
+          <a:lstStyle/>
+          <a:p>
+            <a:pPr marL="0" indent="0">
+              <a:buNone/>
+            </a:pPr>
+            <a:r>
+              <a:rPr lang="en-US" i="1" dirty="0">
+                <a:solidFill>
+                  <a:srgbClr val="002060"/>
+                </a:solidFill>
+              </a:rPr>
+              <a:t>CheXpert Challenge</a:t>
+            </a:r>
+          </a:p>
+          <a:p>
+            <a:pPr lvl="1">
+              <a:buFont typeface="Arial" panose="020B0604020202020204" pitchFamily="34" charset="0"/>
+              <a:buChar char="•"/>
+            </a:pPr>
+            <a:r>
+              <a:rPr lang="en-US" dirty="0">
+                <a:solidFill>
+                  <a:srgbClr val="002060"/>
+                </a:solidFill>
+              </a:rPr>
+              <a:t>About 200k chest X-ray images, 14 labels</a:t>
+            </a:r>
+          </a:p>
+          <a:p>
+            <a:pPr lvl="1">
+              <a:buFont typeface="Arial" panose="020B0604020202020204" pitchFamily="34" charset="0"/>
+              <a:buChar char="•"/>
+            </a:pPr>
+            <a:r>
+              <a:rPr lang="en-US" dirty="0">
+                <a:solidFill>
+                  <a:srgbClr val="002060"/>
+                </a:solidFill>
+              </a:rPr>
+              <a:t>16,600 are labeled with Pneumonia, 170,000 are labeled Normal </a:t>
+            </a:r>
+          </a:p>
+          <a:p>
+            <a:pPr lvl="1">
+              <a:buFont typeface="Arial" panose="020B0604020202020204" pitchFamily="34" charset="0"/>
+              <a:buChar char="•"/>
+            </a:pPr>
+            <a:r>
+              <a:rPr lang="en-US" dirty="0">
+                <a:solidFill>
+                  <a:srgbClr val="002060"/>
+                </a:solidFill>
+              </a:rPr>
+              <a:t>Other diseases also labeled </a:t>
+            </a:r>
+          </a:p>
+          <a:p>
+            <a:pPr marL="0" indent="0">
+              <a:buNone/>
+            </a:pPr>
+            <a:endParaRPr lang="en-US" dirty="0">
+              <a:solidFill>
+                <a:srgbClr val="002060"/>
+              </a:solidFill>
+            </a:endParaRPr>
+          </a:p>
+          <a:p>
+            <a:pPr lvl="1">
+              <a:buFont typeface="Arial" panose="020B0604020202020204" pitchFamily="34" charset="0"/>
+              <a:buChar char="•"/>
+            </a:pPr>
+            <a:r>
+              <a:rPr lang="en-US" dirty="0">
+                <a:solidFill>
+                  <a:srgbClr val="002060"/>
+                </a:solidFill>
+              </a:rPr>
+              <a:t>Current best results have 0.93 AUC for all classes</a:t>
+            </a:r>
+          </a:p>
+          <a:p>
+            <a:pPr lvl="1"/>
+            <a:endParaRPr lang="en-US" dirty="0">
+              <a:solidFill>
+                <a:srgbClr val="002060"/>
+              </a:solidFill>
+            </a:endParaRPr>
+          </a:p>
+          <a:p>
+            <a:pPr lvl="1"/>
+            <a:endParaRPr lang="en-US" dirty="0">
+              <a:solidFill>
+                <a:srgbClr val="002060"/>
+              </a:solidFill>
+            </a:endParaRPr>
+          </a:p>
+          <a:p>
+            <a:pPr lvl="2"/>
+            <a:endParaRPr lang="en-US" dirty="0">
+              <a:solidFill>
+                <a:srgbClr val="002060"/>
+              </a:solidFill>
+            </a:endParaRPr>
+          </a:p>
+        </p:txBody>
+      </p:sp>
       <p:sp>
         <p:nvSpPr>
           <p:cNvPr id="4" name="Slide Number Placeholder 3">
             <a:extLst>
               <a:ext uri="{FF2B5EF4-FFF2-40B4-BE49-F238E27FC236}">
-                <a16:creationId xmlns:a16="http://schemas.microsoft.com/office/drawing/2014/main" id="{013FCB30-92A7-4CBB-9F19-F24437AC40FE}"/>
+                <a16:creationId xmlns:a16="http://schemas.microsoft.com/office/drawing/2014/main" id="{60168D79-FA6A-4A04-8CF9-B14810206753}"/>
               </a:ext>
             </a:extLst>
           </p:cNvPr>
@@ -7196,144 +9603,10 @@
           </a:p>
         </p:txBody>
       </p:sp>
-      <p:sp>
-        <p:nvSpPr>
-          <p:cNvPr id="7" name="TextBox 6">
-            <a:extLst>
-              <a:ext uri="{FF2B5EF4-FFF2-40B4-BE49-F238E27FC236}">
-                <a16:creationId xmlns:a16="http://schemas.microsoft.com/office/drawing/2014/main" id="{DEF62CCA-2FF8-4299-9DBB-A1664B234917}"/>
-              </a:ext>
-            </a:extLst>
-          </p:cNvPr>
-          <p:cNvSpPr txBox="1"/>
-          <p:nvPr/>
-        </p:nvSpPr>
-        <p:spPr>
-          <a:xfrm>
-            <a:off x="888704" y="2149803"/>
-            <a:ext cx="3404191" cy="2677656"/>
-          </a:xfrm>
-          <a:prstGeom prst="rect">
-            <a:avLst/>
-          </a:prstGeom>
-          <a:noFill/>
-        </p:spPr>
-        <p:txBody>
-          <a:bodyPr wrap="square" rtlCol="0">
-            <a:spAutoFit/>
-          </a:bodyPr>
-          <a:lstStyle/>
-          <a:p>
-            <a:pPr marL="342900" indent="-342900">
-              <a:buFont typeface="Arial" panose="020B0604020202020204" pitchFamily="34" charset="0"/>
-              <a:buChar char="•"/>
-            </a:pPr>
-            <a:r>
-              <a:rPr lang="en-US" sz="2400" dirty="0">
-                <a:solidFill>
-                  <a:srgbClr val="002060"/>
-                </a:solidFill>
-                <a:latin typeface="+mj-lt"/>
-                <a:ea typeface="+mj-ea"/>
-                <a:cs typeface="+mj-cs"/>
-              </a:rPr>
-              <a:t>Patient laying</a:t>
-            </a:r>
-          </a:p>
-          <a:p>
-            <a:r>
-              <a:rPr lang="en-US" sz="2400" dirty="0">
-                <a:solidFill>
-                  <a:srgbClr val="002060"/>
-                </a:solidFill>
-                <a:latin typeface="+mj-lt"/>
-                <a:ea typeface="+mj-ea"/>
-                <a:cs typeface="+mj-cs"/>
-              </a:rPr>
-              <a:t> </a:t>
-            </a:r>
-          </a:p>
-          <a:p>
-            <a:pPr marL="342900" indent="-342900">
-              <a:buFont typeface="Arial" panose="020B0604020202020204" pitchFamily="34" charset="0"/>
-              <a:buChar char="•"/>
-            </a:pPr>
-            <a:r>
-              <a:rPr lang="en-US" sz="2400" dirty="0">
-                <a:solidFill>
-                  <a:srgbClr val="002060"/>
-                </a:solidFill>
-                <a:latin typeface="+mj-lt"/>
-                <a:ea typeface="+mj-ea"/>
-                <a:cs typeface="+mj-cs"/>
-              </a:rPr>
-              <a:t>Tilted camera</a:t>
-            </a:r>
-          </a:p>
-          <a:p>
-            <a:endParaRPr lang="en-US" sz="2400" dirty="0">
-              <a:solidFill>
-                <a:srgbClr val="002060"/>
-              </a:solidFill>
-              <a:latin typeface="+mj-lt"/>
-              <a:ea typeface="+mj-ea"/>
-              <a:cs typeface="+mj-cs"/>
-            </a:endParaRPr>
-          </a:p>
-          <a:p>
-            <a:pPr marL="342900" indent="-342900">
-              <a:buFont typeface="Arial" panose="020B0604020202020204" pitchFamily="34" charset="0"/>
-              <a:buChar char="•"/>
-            </a:pPr>
-            <a:r>
-              <a:rPr lang="en-US" sz="2400" dirty="0">
-                <a:solidFill>
-                  <a:srgbClr val="002060"/>
-                </a:solidFill>
-                <a:latin typeface="+mj-lt"/>
-                <a:ea typeface="+mj-ea"/>
-                <a:cs typeface="+mj-cs"/>
-              </a:rPr>
-              <a:t>Added labels</a:t>
-            </a:r>
-          </a:p>
-          <a:p>
-            <a:pPr marL="342900" indent="-342900">
-              <a:buFont typeface="Arial" panose="020B0604020202020204" pitchFamily="34" charset="0"/>
-              <a:buChar char="•"/>
-            </a:pPr>
-            <a:endParaRPr lang="en-US" sz="2400" dirty="0">
-              <a:solidFill>
-                <a:srgbClr val="002060"/>
-              </a:solidFill>
-              <a:latin typeface="+mj-lt"/>
-              <a:ea typeface="+mj-ea"/>
-              <a:cs typeface="+mj-cs"/>
-            </a:endParaRPr>
-          </a:p>
-          <a:p>
-            <a:pPr marL="342900" indent="-342900">
-              <a:buFont typeface="Arial" panose="020B0604020202020204" pitchFamily="34" charset="0"/>
-              <a:buChar char="•"/>
-            </a:pPr>
-            <a:r>
-              <a:rPr lang="en-US" sz="2400" dirty="0">
-                <a:solidFill>
-                  <a:srgbClr val="002060"/>
-                </a:solidFill>
-                <a:latin typeface="+mj-lt"/>
-                <a:ea typeface="+mj-ea"/>
-                <a:cs typeface="+mj-cs"/>
-              </a:rPr>
-              <a:t>Electrodes</a:t>
-            </a:r>
-          </a:p>
-        </p:txBody>
-      </p:sp>
     </p:spTree>
     <p:extLst>
       <p:ext uri="{BB962C8B-B14F-4D97-AF65-F5344CB8AC3E}">
-        <p14:creationId xmlns:p14="http://schemas.microsoft.com/office/powerpoint/2010/main" val="618998871"/>
+        <p14:creationId xmlns:p14="http://schemas.microsoft.com/office/powerpoint/2010/main" val="3878957493"/>
       </p:ext>
     </p:extLst>
   </p:cSld>
@@ -7362,7 +9635,13 @@
       </p:grpSpPr>
       <p:sp>
         <p:nvSpPr>
-          <p:cNvPr id="2" name="Title 1"/>
+          <p:cNvPr id="2" name="Title 1">
+            <a:extLst>
+              <a:ext uri="{FF2B5EF4-FFF2-40B4-BE49-F238E27FC236}">
+                <a16:creationId xmlns:a16="http://schemas.microsoft.com/office/drawing/2014/main" id="{CD75B5FA-699C-4AE6-AD44-EF3234BAD867}"/>
+              </a:ext>
+            </a:extLst>
+          </p:cNvPr>
           <p:cNvSpPr>
             <a:spLocks noGrp="1"/>
           </p:cNvSpPr>
@@ -7371,89 +9650,178 @@
           </p:nvPr>
         </p:nvSpPr>
         <p:spPr/>
+        <p:txBody>
+          <a:bodyPr/>
+          <a:lstStyle/>
+          <a:p>
+            <a:r>
+              <a:rPr lang="en-US" dirty="0">
+                <a:solidFill>
+                  <a:srgbClr val="002060"/>
+                </a:solidFill>
+              </a:rPr>
+              <a:t>Prior Work - Example</a:t>
+            </a:r>
+          </a:p>
+        </p:txBody>
+      </p:sp>
+      <p:sp>
+        <p:nvSpPr>
+          <p:cNvPr id="3" name="Content Placeholder 2">
+            <a:extLst>
+              <a:ext uri="{FF2B5EF4-FFF2-40B4-BE49-F238E27FC236}">
+                <a16:creationId xmlns:a16="http://schemas.microsoft.com/office/drawing/2014/main" id="{BF6A365C-B34C-4F9F-940E-B6C2FE697768}"/>
+              </a:ext>
+            </a:extLst>
+          </p:cNvPr>
+          <p:cNvSpPr>
+            <a:spLocks noGrp="1"/>
+          </p:cNvSpPr>
+          <p:nvPr>
+            <p:ph idx="1"/>
+          </p:nvPr>
+        </p:nvSpPr>
+        <p:spPr>
+          <a:xfrm>
+            <a:off x="457200" y="1600200"/>
+            <a:ext cx="8229600" cy="4983162"/>
+          </a:xfrm>
+        </p:spPr>
         <p:txBody>
           <a:bodyPr>
             <a:normAutofit/>
           </a:bodyPr>
           <a:lstStyle/>
           <a:p>
-            <a:r>
-              <a:rPr lang="en-US" dirty="0">
-                <a:solidFill>
-                  <a:srgbClr val="002060"/>
-                </a:solidFill>
-              </a:rPr>
-              <a:t>Literature Survey - DCN</a:t>
-            </a:r>
-            <a:endParaRPr lang="he-IL" dirty="0">
+            <a:pPr marL="0" indent="0" algn="ctr">
+              <a:buNone/>
+            </a:pPr>
+            <a:r>
+              <a:rPr lang="en-US" sz="1400" i="1" dirty="0">
+                <a:solidFill>
+                  <a:srgbClr val="002060"/>
+                </a:solidFill>
+              </a:rPr>
+              <a:t>Pham, </a:t>
+            </a:r>
+            <a:r>
+              <a:rPr lang="en-US" sz="1400" i="1" dirty="0" err="1">
+                <a:solidFill>
+                  <a:srgbClr val="002060"/>
+                </a:solidFill>
+              </a:rPr>
+              <a:t>Hieu</a:t>
+            </a:r>
+            <a:r>
+              <a:rPr lang="en-US" sz="1400" i="1" dirty="0">
+                <a:solidFill>
+                  <a:srgbClr val="002060"/>
+                </a:solidFill>
+              </a:rPr>
+              <a:t> H., et al. "Interpreting chest X-rays via CNNs that exploit disease dependencies and uncertainty labels." </a:t>
+            </a:r>
+            <a:r>
+              <a:rPr lang="en-US" sz="1400" i="1" dirty="0" err="1">
+                <a:solidFill>
+                  <a:srgbClr val="002060"/>
+                </a:solidFill>
+              </a:rPr>
+              <a:t>arXiv</a:t>
+            </a:r>
+            <a:r>
+              <a:rPr lang="en-US" sz="1400" i="1" dirty="0">
+                <a:solidFill>
+                  <a:srgbClr val="002060"/>
+                </a:solidFill>
+              </a:rPr>
+              <a:t> preprint arXiv:1911.06475 (2019).‏</a:t>
+            </a:r>
+          </a:p>
+          <a:p>
+            <a:r>
+              <a:rPr lang="en-US" sz="2800" i="1" dirty="0">
+                <a:solidFill>
+                  <a:srgbClr val="002060"/>
+                </a:solidFill>
+              </a:rPr>
+              <a:t>CheXpert Challenge</a:t>
+            </a:r>
+          </a:p>
+          <a:p>
+            <a:r>
+              <a:rPr lang="en-US" sz="2800" dirty="0">
+                <a:solidFill>
+                  <a:srgbClr val="002060"/>
+                </a:solidFill>
+              </a:rPr>
+              <a:t>Presents supervised multi-label classification framework for predicting risk of 14 common thoracic diseases</a:t>
+            </a:r>
+          </a:p>
+          <a:p>
+            <a:r>
+              <a:rPr lang="en-US" sz="2800" dirty="0">
+                <a:solidFill>
+                  <a:srgbClr val="002060"/>
+                </a:solidFill>
+              </a:rPr>
+              <a:t>State of the art CNNs exploit dependencies among abnormality labels</a:t>
+            </a:r>
+          </a:p>
+          <a:p>
+            <a:r>
+              <a:rPr lang="en-US" sz="2800" dirty="0">
+                <a:solidFill>
+                  <a:srgbClr val="002060"/>
+                </a:solidFill>
+              </a:rPr>
+              <a:t>Label smoothing technique for better handling of uncertain samples</a:t>
+            </a:r>
+          </a:p>
+          <a:p>
+            <a:r>
+              <a:rPr lang="en-US" sz="2800" dirty="0">
+                <a:solidFill>
+                  <a:srgbClr val="002060"/>
+                </a:solidFill>
+              </a:rPr>
+              <a:t>Achieved 0.929 AUC for all classes</a:t>
+            </a:r>
+          </a:p>
+          <a:p>
+            <a:pPr lvl="1"/>
+            <a:endParaRPr lang="en-US" dirty="0">
               <a:solidFill>
                 <a:srgbClr val="002060"/>
               </a:solidFill>
             </a:endParaRPr>
           </a:p>
-        </p:txBody>
-      </p:sp>
-      <p:sp>
-        <p:nvSpPr>
-          <p:cNvPr id="3" name="Content Placeholder 2"/>
-          <p:cNvSpPr>
-            <a:spLocks noGrp="1"/>
-          </p:cNvSpPr>
-          <p:nvPr>
-            <p:ph idx="1"/>
-          </p:nvPr>
-        </p:nvSpPr>
-        <p:spPr>
-          <a:xfrm>
-            <a:off x="457200" y="1752600"/>
-            <a:ext cx="8229600" cy="4830761"/>
-          </a:xfrm>
-        </p:spPr>
-        <p:txBody>
-          <a:bodyPr>
-            <a:normAutofit/>
-          </a:bodyPr>
-          <a:lstStyle/>
-          <a:p>
-            <a:r>
-              <a:rPr lang="en-US" sz="2400" dirty="0">
-                <a:solidFill>
-                  <a:srgbClr val="002060"/>
-                </a:solidFill>
-              </a:rPr>
-              <a:t>Convolution operates on rectangular grid from input image or a set of input feature maps</a:t>
-            </a:r>
-          </a:p>
-          <a:p>
-            <a:r>
-              <a:rPr lang="en-US" sz="2400" dirty="0">
-                <a:solidFill>
-                  <a:srgbClr val="002060"/>
-                </a:solidFill>
-              </a:rPr>
-              <a:t>Objects may be deformed or occluded within image</a:t>
-            </a:r>
-          </a:p>
-          <a:p>
-            <a:r>
-              <a:rPr lang="en-US" sz="2400" dirty="0">
-                <a:solidFill>
-                  <a:srgbClr val="002060"/>
-                </a:solidFill>
-              </a:rPr>
-              <a:t>DCN - each grid point is moved by learnable offset</a:t>
-            </a:r>
-            <a:endParaRPr lang="he-IL" sz="2400" dirty="0">
+          <a:p>
+            <a:pPr lvl="1"/>
+            <a:endParaRPr lang="en-US" dirty="0">
               <a:solidFill>
                 <a:srgbClr val="002060"/>
               </a:solidFill>
             </a:endParaRPr>
           </a:p>
-        </p:txBody>
-      </p:sp>
-      <p:sp>
-        <p:nvSpPr>
-          <p:cNvPr id="5" name="Slide Number Placeholder 4"/>
+          <a:p>
+            <a:pPr lvl="2"/>
+            <a:endParaRPr lang="en-US" dirty="0">
+              <a:solidFill>
+                <a:srgbClr val="002060"/>
+              </a:solidFill>
+            </a:endParaRPr>
+          </a:p>
+        </p:txBody>
+      </p:sp>
+      <p:sp>
+        <p:nvSpPr>
+          <p:cNvPr id="4" name="Slide Number Placeholder 3">
+            <a:extLst>
+              <a:ext uri="{FF2B5EF4-FFF2-40B4-BE49-F238E27FC236}">
+                <a16:creationId xmlns:a16="http://schemas.microsoft.com/office/drawing/2014/main" id="{60168D79-FA6A-4A04-8CF9-B14810206753}"/>
+              </a:ext>
+            </a:extLst>
+          </p:cNvPr>
           <p:cNvSpPr>
             <a:spLocks noGrp="1"/>
           </p:cNvSpPr>
@@ -7475,91 +9843,10 @@
           </a:p>
         </p:txBody>
       </p:sp>
-      <p:sp>
-        <p:nvSpPr>
-          <p:cNvPr id="4" name="TextBox 3">
-            <a:extLst>
-              <a:ext uri="{FF2B5EF4-FFF2-40B4-BE49-F238E27FC236}">
-                <a16:creationId xmlns:a16="http://schemas.microsoft.com/office/drawing/2014/main" id="{114EBC9B-DE82-4C6A-AF04-1168189C0C32}"/>
-              </a:ext>
-            </a:extLst>
-          </p:cNvPr>
-          <p:cNvSpPr txBox="1"/>
-          <p:nvPr/>
-        </p:nvSpPr>
-        <p:spPr>
-          <a:xfrm>
-            <a:off x="1219200" y="1186160"/>
-            <a:ext cx="6781800" cy="646331"/>
-          </a:xfrm>
-          <a:prstGeom prst="rect">
-            <a:avLst/>
-          </a:prstGeom>
-          <a:noFill/>
-        </p:spPr>
-        <p:txBody>
-          <a:bodyPr wrap="square" rtlCol="0">
-            <a:spAutoFit/>
-          </a:bodyPr>
-          <a:lstStyle/>
-          <a:p>
-            <a:r>
-              <a:rPr lang="en-US" dirty="0"/>
-              <a:t>Dai, </a:t>
-            </a:r>
-            <a:r>
-              <a:rPr lang="en-US" dirty="0" err="1"/>
-              <a:t>Jifeng</a:t>
-            </a:r>
-            <a:r>
-              <a:rPr lang="en-US" dirty="0"/>
-              <a:t>, et al. "Deformable convolutional networks." </a:t>
-            </a:r>
-            <a:r>
-              <a:rPr lang="en-US" i="1" dirty="0"/>
-              <a:t>Proceedings of the IEEE international conference on computer vision</a:t>
-            </a:r>
-            <a:r>
-              <a:rPr lang="en-US" dirty="0"/>
-              <a:t>. 2017.</a:t>
-            </a:r>
-          </a:p>
-        </p:txBody>
-      </p:sp>
-      <p:pic>
-        <p:nvPicPr>
-          <p:cNvPr id="7" name="Picture 6">
-            <a:extLst>
-              <a:ext uri="{FF2B5EF4-FFF2-40B4-BE49-F238E27FC236}">
-                <a16:creationId xmlns:a16="http://schemas.microsoft.com/office/drawing/2014/main" id="{FF55F4D5-D545-49B6-90D7-6FB849BE6DFF}"/>
-              </a:ext>
-            </a:extLst>
-          </p:cNvPr>
-          <p:cNvPicPr>
-            <a:picLocks noChangeAspect="1"/>
-          </p:cNvPicPr>
-          <p:nvPr/>
-        </p:nvPicPr>
-        <p:blipFill>
-          <a:blip r:embed="rId2"/>
-          <a:stretch>
-            <a:fillRect/>
-          </a:stretch>
-        </p:blipFill>
-        <p:spPr>
-          <a:xfrm>
-            <a:off x="2481262" y="3841750"/>
-            <a:ext cx="4181475" cy="2514600"/>
-          </a:xfrm>
-          <a:prstGeom prst="rect">
-            <a:avLst/>
-          </a:prstGeom>
-        </p:spPr>
-      </p:pic>
     </p:spTree>
     <p:extLst>
       <p:ext uri="{BB962C8B-B14F-4D97-AF65-F5344CB8AC3E}">
-        <p14:creationId xmlns:p14="http://schemas.microsoft.com/office/powerpoint/2010/main" val="1202081205"/>
+        <p14:creationId xmlns:p14="http://schemas.microsoft.com/office/powerpoint/2010/main" val="1645647702"/>
       </p:ext>
     </p:extLst>
   </p:cSld>

--- a/MidPresentation_Andy_Or.pptx
+++ b/MidPresentation_Andy_Or.pptx
@@ -26,16 +26,16 @@
     <p:sldId id="312" r:id="rId14"/>
     <p:sldId id="311" r:id="rId15"/>
     <p:sldId id="302" r:id="rId16"/>
-    <p:sldId id="293" r:id="rId17"/>
-    <p:sldId id="307" r:id="rId18"/>
-    <p:sldId id="308" r:id="rId19"/>
-    <p:sldId id="295" r:id="rId20"/>
-    <p:sldId id="296" r:id="rId21"/>
-    <p:sldId id="299" r:id="rId22"/>
-    <p:sldId id="298" r:id="rId23"/>
-    <p:sldId id="315" r:id="rId24"/>
-    <p:sldId id="313" r:id="rId25"/>
-    <p:sldId id="314" r:id="rId26"/>
+    <p:sldId id="313" r:id="rId17"/>
+    <p:sldId id="314" r:id="rId18"/>
+    <p:sldId id="316" r:id="rId19"/>
+    <p:sldId id="293" r:id="rId20"/>
+    <p:sldId id="307" r:id="rId21"/>
+    <p:sldId id="308" r:id="rId22"/>
+    <p:sldId id="295" r:id="rId23"/>
+    <p:sldId id="296" r:id="rId24"/>
+    <p:sldId id="299" r:id="rId25"/>
+    <p:sldId id="298" r:id="rId26"/>
   </p:sldIdLst>
   <p:sldSz cx="9144000" cy="6858000" type="screen4x3"/>
   <p:notesSz cx="7010400" cy="9296400"/>
@@ -983,13 +983,6 @@
           <a:bodyPr/>
           <a:lstStyle/>
           <a:p>
-            <a:r>
-              <a:rPr lang="he-IL" dirty="0"/>
-              <a:t>אולי להרחיב במעט על הרשתות הידועות ומדוע בחרנו בהן</a:t>
-            </a:r>
-            <a:endParaRPr lang="en-US" dirty="0"/>
-          </a:p>
-          <a:p>
             <a:endParaRPr lang="en-US" dirty="0"/>
           </a:p>
         </p:txBody>
@@ -1023,7 +1016,7 @@
           <p:cNvPr id="5" name="Footer Placeholder 4">
             <a:extLst>
               <a:ext uri="{FF2B5EF4-FFF2-40B4-BE49-F238E27FC236}">
-                <a16:creationId xmlns:a16="http://schemas.microsoft.com/office/drawing/2014/main" id="{65C03B0E-2E4A-4E8D-89B2-0DF2F71549EE}"/>
+                <a16:creationId xmlns:a16="http://schemas.microsoft.com/office/drawing/2014/main" id="{AD753467-F10B-4164-AC16-609227753711}"/>
               </a:ext>
             </a:extLst>
           </p:cNvPr>
@@ -1049,7 +1042,7 @@
     </p:spTree>
     <p:extLst>
       <p:ext uri="{BB962C8B-B14F-4D97-AF65-F5344CB8AC3E}">
-        <p14:creationId xmlns:p14="http://schemas.microsoft.com/office/powerpoint/2010/main" val="1306353171"/>
+        <p14:creationId xmlns:p14="http://schemas.microsoft.com/office/powerpoint/2010/main" val="2969221266"/>
       </p:ext>
     </p:extLst>
   </p:cSld>
@@ -1103,14 +1096,7 @@
           <a:bodyPr/>
           <a:lstStyle/>
           <a:p>
-            <a:r>
-              <a:rPr lang="he-IL" dirty="0"/>
-              <a:t>להסביר שעל השכבות המדוברות נרצה ליישם </a:t>
-            </a:r>
-            <a:r>
-              <a:rPr lang="en-US" dirty="0"/>
-              <a:t>DCN</a:t>
-            </a:r>
+            <a:endParaRPr lang="en-US" dirty="0"/>
           </a:p>
         </p:txBody>
       </p:sp>
@@ -1143,7 +1129,7 @@
           <p:cNvPr id="5" name="Footer Placeholder 4">
             <a:extLst>
               <a:ext uri="{FF2B5EF4-FFF2-40B4-BE49-F238E27FC236}">
-                <a16:creationId xmlns:a16="http://schemas.microsoft.com/office/drawing/2014/main" id="{EAB95C90-7FCD-4A76-85DB-E96F4FA14E41}"/>
+                <a16:creationId xmlns:a16="http://schemas.microsoft.com/office/drawing/2014/main" id="{AD753467-F10B-4164-AC16-609227753711}"/>
               </a:ext>
             </a:extLst>
           </p:cNvPr>
@@ -1169,7 +1155,7 @@
     </p:spTree>
     <p:extLst>
       <p:ext uri="{BB962C8B-B14F-4D97-AF65-F5344CB8AC3E}">
-        <p14:creationId xmlns:p14="http://schemas.microsoft.com/office/powerpoint/2010/main" val="1289365257"/>
+        <p14:creationId xmlns:p14="http://schemas.microsoft.com/office/powerpoint/2010/main" val="1491496478"/>
       </p:ext>
     </p:extLst>
   </p:cSld>
@@ -1223,61 +1209,6 @@
           <a:bodyPr/>
           <a:lstStyle/>
           <a:p>
-            <a:pPr marL="0" marR="0" lvl="0" indent="0" algn="r" defTabSz="914400" rtl="1" eaLnBrk="1" fontAlgn="auto" latinLnBrk="0" hangingPunct="1">
-              <a:lnSpc>
-                <a:spcPct val="100000"/>
-              </a:lnSpc>
-              <a:spcBef>
-                <a:spcPts val="0"/>
-              </a:spcBef>
-              <a:spcAft>
-                <a:spcPts val="0"/>
-              </a:spcAft>
-              <a:buClrTx/>
-              <a:buSzTx/>
-              <a:buFontTx/>
-              <a:buNone/>
-              <a:tabLst/>
-              <a:defRPr/>
-            </a:pPr>
-            <a:r>
-              <a:rPr lang="en-US" sz="1200" dirty="0" err="1">
-                <a:solidFill>
-                  <a:srgbClr val="002060"/>
-                </a:solidFill>
-              </a:rPr>
-              <a:t>ResNet</a:t>
-            </a:r>
-            <a:r>
-              <a:rPr lang="en-US" sz="1200" dirty="0">
-                <a:solidFill>
-                  <a:srgbClr val="002060"/>
-                </a:solidFill>
-              </a:rPr>
-              <a:t> basic residual layer</a:t>
-            </a:r>
-          </a:p>
-          <a:p>
-            <a:r>
-              <a:rPr lang="he-IL" dirty="0"/>
-              <a:t>לדבר על טרייד-אופים: אם ממשים הרבה שכבות כ-</a:t>
-            </a:r>
-            <a:r>
-              <a:rPr lang="en-US" dirty="0"/>
-              <a:t>DCN</a:t>
-            </a:r>
-            <a:r>
-              <a:rPr lang="he-IL" dirty="0"/>
-              <a:t> נצפה לזמן לימוד ארוך. כמו כן לדבר על המיקום שבו נרצה לממש </a:t>
-            </a:r>
-            <a:r>
-              <a:rPr lang="en-US" dirty="0"/>
-              <a:t>DCN</a:t>
-            </a:r>
-            <a:r>
-              <a:rPr lang="he-IL" dirty="0"/>
-              <a:t> – בתחילת השכבות, בסיום, וכו' וכו'</a:t>
-            </a:r>
             <a:endParaRPr lang="en-US" dirty="0"/>
           </a:p>
         </p:txBody>
@@ -1311,7 +1242,7 @@
           <p:cNvPr id="5" name="Footer Placeholder 4">
             <a:extLst>
               <a:ext uri="{FF2B5EF4-FFF2-40B4-BE49-F238E27FC236}">
-                <a16:creationId xmlns:a16="http://schemas.microsoft.com/office/drawing/2014/main" id="{C14FCB9D-45E4-4133-908F-C2C828213379}"/>
+                <a16:creationId xmlns:a16="http://schemas.microsoft.com/office/drawing/2014/main" id="{AD753467-F10B-4164-AC16-609227753711}"/>
               </a:ext>
             </a:extLst>
           </p:cNvPr>
@@ -1337,7 +1268,7 @@
     </p:spTree>
     <p:extLst>
       <p:ext uri="{BB962C8B-B14F-4D97-AF65-F5344CB8AC3E}">
-        <p14:creationId xmlns:p14="http://schemas.microsoft.com/office/powerpoint/2010/main" val="2585679764"/>
+        <p14:creationId xmlns:p14="http://schemas.microsoft.com/office/powerpoint/2010/main" val="3047872805"/>
       </p:ext>
     </p:extLst>
   </p:cSld>
@@ -1393,16 +1324,11 @@
           <a:p>
             <a:r>
               <a:rPr lang="he-IL" dirty="0"/>
-              <a:t>אולי לפרט את התוצאות בפורמט </a:t>
-            </a:r>
-            <a:r>
-              <a:rPr lang="en-US" dirty="0"/>
-              <a:t>SPECIFICITY</a:t>
-            </a:r>
-            <a:r>
-              <a:rPr lang="he-IL" dirty="0"/>
-              <a:t> וכד' – בעיית המכ"מ</a:t>
-            </a:r>
+              <a:t>אולי להרחיב במעט על הרשתות הידועות ומדוע בחרנו בהן</a:t>
+            </a:r>
+            <a:endParaRPr lang="en-US" dirty="0"/>
+          </a:p>
+          <a:p>
             <a:endParaRPr lang="en-US" dirty="0"/>
           </a:p>
         </p:txBody>
@@ -1436,7 +1362,7 @@
           <p:cNvPr id="5" name="Footer Placeholder 4">
             <a:extLst>
               <a:ext uri="{FF2B5EF4-FFF2-40B4-BE49-F238E27FC236}">
-                <a16:creationId xmlns:a16="http://schemas.microsoft.com/office/drawing/2014/main" id="{D22B5138-94C3-4ACE-9C44-BB76032A6EB9}"/>
+                <a16:creationId xmlns:a16="http://schemas.microsoft.com/office/drawing/2014/main" id="{65C03B0E-2E4A-4E8D-89B2-0DF2F71549EE}"/>
               </a:ext>
             </a:extLst>
           </p:cNvPr>
@@ -1462,7 +1388,7 @@
     </p:spTree>
     <p:extLst>
       <p:ext uri="{BB962C8B-B14F-4D97-AF65-F5344CB8AC3E}">
-        <p14:creationId xmlns:p14="http://schemas.microsoft.com/office/powerpoint/2010/main" val="1648461225"/>
+        <p14:creationId xmlns:p14="http://schemas.microsoft.com/office/powerpoint/2010/main" val="1306353171"/>
       </p:ext>
     </p:extLst>
   </p:cSld>
@@ -1518,9 +1444,12 @@
           <a:p>
             <a:r>
               <a:rPr lang="he-IL" dirty="0"/>
-              <a:t>בולט שלישי –לציין את הבעייתיות שבעבודה עם הדאטסטים השונים. ייתכן שיידרש שיפוץ</a:t>
-            </a:r>
-            <a:endParaRPr lang="en-US" dirty="0"/>
+              <a:t>להסביר שעל השכבות המדוברות נרצה ליישם </a:t>
+            </a:r>
+            <a:r>
+              <a:rPr lang="en-US" dirty="0"/>
+              <a:t>DCN</a:t>
+            </a:r>
           </a:p>
         </p:txBody>
       </p:sp>
@@ -1553,7 +1482,7 @@
           <p:cNvPr id="5" name="Footer Placeholder 4">
             <a:extLst>
               <a:ext uri="{FF2B5EF4-FFF2-40B4-BE49-F238E27FC236}">
-                <a16:creationId xmlns:a16="http://schemas.microsoft.com/office/drawing/2014/main" id="{47D3E8D4-7DE4-457D-948D-A9D1C55C79C0}"/>
+                <a16:creationId xmlns:a16="http://schemas.microsoft.com/office/drawing/2014/main" id="{EAB95C90-7FCD-4A76-85DB-E96F4FA14E41}"/>
               </a:ext>
             </a:extLst>
           </p:cNvPr>
@@ -1579,7 +1508,7 @@
     </p:spTree>
     <p:extLst>
       <p:ext uri="{BB962C8B-B14F-4D97-AF65-F5344CB8AC3E}">
-        <p14:creationId xmlns:p14="http://schemas.microsoft.com/office/powerpoint/2010/main" val="4156227241"/>
+        <p14:creationId xmlns:p14="http://schemas.microsoft.com/office/powerpoint/2010/main" val="1289365257"/>
       </p:ext>
     </p:extLst>
   </p:cSld>
@@ -1633,35 +1562,68 @@
           <a:bodyPr/>
           <a:lstStyle/>
           <a:p>
+            <a:pPr marL="0" marR="0" lvl="0" indent="0" algn="r" defTabSz="914400" rtl="1" eaLnBrk="1" fontAlgn="auto" latinLnBrk="0" hangingPunct="1">
+              <a:lnSpc>
+                <a:spcPct val="100000"/>
+              </a:lnSpc>
+              <a:spcBef>
+                <a:spcPts val="0"/>
+              </a:spcBef>
+              <a:spcAft>
+                <a:spcPts val="0"/>
+              </a:spcAft>
+              <a:buClrTx/>
+              <a:buSzTx/>
+              <a:buFontTx/>
+              <a:buNone/>
+              <a:tabLst/>
+              <a:defRPr/>
+            </a:pPr>
+            <a:r>
+              <a:rPr lang="en-US" sz="1200" dirty="0" err="1">
+                <a:solidFill>
+                  <a:srgbClr val="002060"/>
+                </a:solidFill>
+              </a:rPr>
+              <a:t>ResNet</a:t>
+            </a:r>
+            <a:r>
+              <a:rPr lang="en-US" sz="1200" dirty="0">
+                <a:solidFill>
+                  <a:srgbClr val="002060"/>
+                </a:solidFill>
+              </a:rPr>
+              <a:t> basic residual layer</a:t>
+            </a:r>
+          </a:p>
+          <a:p>
+            <a:r>
+              <a:rPr lang="he-IL" dirty="0"/>
+              <a:t>לדבר על טרייד-אופים: אם ממשים הרבה שכבות כ-</a:t>
+            </a:r>
+            <a:r>
+              <a:rPr lang="en-US" dirty="0"/>
+              <a:t>DCN</a:t>
+            </a:r>
+            <a:r>
+              <a:rPr lang="he-IL" dirty="0"/>
+              <a:t> נצפה לזמן לימוד ארוך. כמו כן לדבר על המיקום שבו נרצה לממש </a:t>
+            </a:r>
+            <a:r>
+              <a:rPr lang="en-US" dirty="0"/>
+              <a:t>DCN</a:t>
+            </a:r>
+            <a:r>
+              <a:rPr lang="he-IL" dirty="0"/>
+              <a:t> – בתחילת השכבות, בסיום, וכו' וכו'</a:t>
+            </a:r>
             <a:endParaRPr lang="en-US" dirty="0"/>
           </a:p>
         </p:txBody>
       </p:sp>
       <p:sp>
         <p:nvSpPr>
-          <p:cNvPr id="4" name="Footer Placeholder 3"/>
-          <p:cNvSpPr>
-            <a:spLocks noGrp="1"/>
-          </p:cNvSpPr>
-          <p:nvPr>
-            <p:ph type="ftr" sz="quarter" idx="4"/>
-          </p:nvPr>
-        </p:nvSpPr>
-        <p:spPr/>
-        <p:txBody>
-          <a:bodyPr/>
-          <a:lstStyle/>
-          <a:p>
-            <a:r>
-              <a:rPr lang="he-IL"/>
-              <a:t>2</a:t>
-            </a:r>
-          </a:p>
-        </p:txBody>
-      </p:sp>
-      <p:sp>
-        <p:nvSpPr>
-          <p:cNvPr id="5" name="Slide Number Placeholder 4"/>
+          <p:cNvPr id="4" name="Slide Number Placeholder 3"/>
           <p:cNvSpPr>
             <a:spLocks noGrp="1"/>
           </p:cNvSpPr>
@@ -1677,16 +1639,44 @@
             <a:fld id="{C8C92D0D-AF30-4211-86C4-A3B87597F349}" type="slidenum">
               <a:rPr lang="he-IL" smtClean="0"/>
               <a:pPr/>
-              <a:t>23</a:t>
+              <a:t>21</a:t>
             </a:fld>
             <a:endParaRPr lang="he-IL"/>
+          </a:p>
+        </p:txBody>
+      </p:sp>
+      <p:sp>
+        <p:nvSpPr>
+          <p:cNvPr id="5" name="Footer Placeholder 4">
+            <a:extLst>
+              <a:ext uri="{FF2B5EF4-FFF2-40B4-BE49-F238E27FC236}">
+                <a16:creationId xmlns:a16="http://schemas.microsoft.com/office/drawing/2014/main" id="{C14FCB9D-45E4-4133-908F-C2C828213379}"/>
+              </a:ext>
+            </a:extLst>
+          </p:cNvPr>
+          <p:cNvSpPr>
+            <a:spLocks noGrp="1"/>
+          </p:cNvSpPr>
+          <p:nvPr>
+            <p:ph type="ftr" sz="quarter" idx="4"/>
+          </p:nvPr>
+        </p:nvSpPr>
+        <p:spPr/>
+        <p:txBody>
+          <a:bodyPr/>
+          <a:lstStyle/>
+          <a:p>
+            <a:r>
+              <a:rPr lang="he-IL"/>
+              <a:t>2</a:t>
+            </a:r>
           </a:p>
         </p:txBody>
       </p:sp>
     </p:spTree>
     <p:extLst>
       <p:ext uri="{BB962C8B-B14F-4D97-AF65-F5344CB8AC3E}">
-        <p14:creationId xmlns:p14="http://schemas.microsoft.com/office/powerpoint/2010/main" val="123153593"/>
+        <p14:creationId xmlns:p14="http://schemas.microsoft.com/office/powerpoint/2010/main" val="2585679764"/>
       </p:ext>
     </p:extLst>
   </p:cSld>
@@ -1740,6 +1730,18 @@
           <a:bodyPr/>
           <a:lstStyle/>
           <a:p>
+            <a:r>
+              <a:rPr lang="he-IL" dirty="0"/>
+              <a:t>אולי לפרט את התוצאות בפורמט </a:t>
+            </a:r>
+            <a:r>
+              <a:rPr lang="en-US" dirty="0"/>
+              <a:t>SPECIFICITY</a:t>
+            </a:r>
+            <a:r>
+              <a:rPr lang="he-IL" dirty="0"/>
+              <a:t> וכד' – בעיית המכ"מ</a:t>
+            </a:r>
             <a:endParaRPr lang="en-US" dirty="0"/>
           </a:p>
         </p:txBody>
@@ -1762,7 +1764,7 @@
             <a:fld id="{C8C92D0D-AF30-4211-86C4-A3B87597F349}" type="slidenum">
               <a:rPr lang="he-IL" smtClean="0"/>
               <a:pPr/>
-              <a:t>24</a:t>
+              <a:t>22</a:t>
             </a:fld>
             <a:endParaRPr lang="he-IL"/>
           </a:p>
@@ -1773,7 +1775,7 @@
           <p:cNvPr id="5" name="Footer Placeholder 4">
             <a:extLst>
               <a:ext uri="{FF2B5EF4-FFF2-40B4-BE49-F238E27FC236}">
-                <a16:creationId xmlns:a16="http://schemas.microsoft.com/office/drawing/2014/main" id="{AD753467-F10B-4164-AC16-609227753711}"/>
+                <a16:creationId xmlns:a16="http://schemas.microsoft.com/office/drawing/2014/main" id="{D22B5138-94C3-4ACE-9C44-BB76032A6EB9}"/>
               </a:ext>
             </a:extLst>
           </p:cNvPr>
@@ -1799,7 +1801,7 @@
     </p:spTree>
     <p:extLst>
       <p:ext uri="{BB962C8B-B14F-4D97-AF65-F5344CB8AC3E}">
-        <p14:creationId xmlns:p14="http://schemas.microsoft.com/office/powerpoint/2010/main" val="3192606427"/>
+        <p14:creationId xmlns:p14="http://schemas.microsoft.com/office/powerpoint/2010/main" val="1648461225"/>
       </p:ext>
     </p:extLst>
   </p:cSld>
@@ -1853,6 +1855,10 @@
           <a:bodyPr/>
           <a:lstStyle/>
           <a:p>
+            <a:r>
+              <a:rPr lang="he-IL" dirty="0"/>
+              <a:t>בולט שלישי –לציין את הבעייתיות שבעבודה עם הדאטסטים השונים. ייתכן שיידרש שיפוץ</a:t>
+            </a:r>
             <a:endParaRPr lang="en-US" dirty="0"/>
           </a:p>
         </p:txBody>
@@ -1875,7 +1881,7 @@
             <a:fld id="{C8C92D0D-AF30-4211-86C4-A3B87597F349}" type="slidenum">
               <a:rPr lang="he-IL" smtClean="0"/>
               <a:pPr/>
-              <a:t>25</a:t>
+              <a:t>23</a:t>
             </a:fld>
             <a:endParaRPr lang="he-IL"/>
           </a:p>
@@ -1886,7 +1892,7 @@
           <p:cNvPr id="5" name="Footer Placeholder 4">
             <a:extLst>
               <a:ext uri="{FF2B5EF4-FFF2-40B4-BE49-F238E27FC236}">
-                <a16:creationId xmlns:a16="http://schemas.microsoft.com/office/drawing/2014/main" id="{AD753467-F10B-4164-AC16-609227753711}"/>
+                <a16:creationId xmlns:a16="http://schemas.microsoft.com/office/drawing/2014/main" id="{47D3E8D4-7DE4-457D-948D-A9D1C55C79C0}"/>
               </a:ext>
             </a:extLst>
           </p:cNvPr>
@@ -1912,7 +1918,7 @@
     </p:spTree>
     <p:extLst>
       <p:ext uri="{BB962C8B-B14F-4D97-AF65-F5344CB8AC3E}">
-        <p14:creationId xmlns:p14="http://schemas.microsoft.com/office/powerpoint/2010/main" val="1728701833"/>
+        <p14:creationId xmlns:p14="http://schemas.microsoft.com/office/powerpoint/2010/main" val="4156227241"/>
       </p:ext>
     </p:extLst>
   </p:cSld>
@@ -3771,7 +3777,7 @@
           <a:p>
             <a:fld id="{BFD2984C-9D56-40A8-839A-3AF6619B1C81}" type="datetime1">
               <a:rPr lang="en-US" smtClean="0"/>
-              <a:t>1/6/2020</a:t>
+              <a:t>06-Jan-20</a:t>
             </a:fld>
             <a:endParaRPr lang="en-US"/>
           </a:p>
@@ -4018,7 +4024,7 @@
           <a:p>
             <a:fld id="{1408F81D-5BB7-4C4A-AE55-B68165AD758E}" type="datetime1">
               <a:rPr lang="en-US" smtClean="0"/>
-              <a:t>1/6/2020</a:t>
+              <a:t>06-Jan-20</a:t>
             </a:fld>
             <a:endParaRPr lang="en-US"/>
           </a:p>
@@ -4978,8 +4984,8 @@
           </a:p>
         </p:txBody>
       </p:sp>
-      <mc:AlternateContent xmlns:mc="http://schemas.openxmlformats.org/markup-compatibility/2006">
-        <mc:Choice xmlns:a14="http://schemas.microsoft.com/office/drawing/2010/main" Requires="a14">
+      <mc:AlternateContent xmlns:mc="http://schemas.openxmlformats.org/markup-compatibility/2006" xmlns:a14="http://schemas.microsoft.com/office/drawing/2010/main">
+        <mc:Choice Requires="a14">
           <p:sp>
             <p:nvSpPr>
               <p:cNvPr id="3" name="Content Placeholder 2">
@@ -5114,7 +5120,7 @@
             </p:txBody>
           </p:sp>
         </mc:Choice>
-        <mc:Fallback>
+        <mc:Fallback xmlns="">
           <p:sp>
             <p:nvSpPr>
               <p:cNvPr id="3" name="Content Placeholder 2">
@@ -6047,6 +6053,738 @@
       </p:grpSpPr>
       <p:sp>
         <p:nvSpPr>
+          <p:cNvPr id="2" name="Title 1">
+            <a:extLst>
+              <a:ext uri="{FF2B5EF4-FFF2-40B4-BE49-F238E27FC236}">
+                <a16:creationId xmlns:a16="http://schemas.microsoft.com/office/drawing/2014/main" id="{A83A3907-5868-491F-80F2-4633FEEAA9C1}"/>
+              </a:ext>
+            </a:extLst>
+          </p:cNvPr>
+          <p:cNvSpPr>
+            <a:spLocks noGrp="1"/>
+          </p:cNvSpPr>
+          <p:nvPr>
+            <p:ph type="title"/>
+          </p:nvPr>
+        </p:nvSpPr>
+        <p:spPr/>
+        <p:txBody>
+          <a:bodyPr>
+            <a:normAutofit/>
+          </a:bodyPr>
+          <a:lstStyle/>
+          <a:p>
+            <a:r>
+              <a:rPr lang="en-US" dirty="0">
+                <a:solidFill>
+                  <a:srgbClr val="002060"/>
+                </a:solidFill>
+              </a:rPr>
+              <a:t>DCN V2</a:t>
+            </a:r>
+            <a:endParaRPr lang="en-US" dirty="0"/>
+          </a:p>
+        </p:txBody>
+      </p:sp>
+      <p:sp>
+        <p:nvSpPr>
+          <p:cNvPr id="3" name="Content Placeholder 2">
+            <a:extLst>
+              <a:ext uri="{FF2B5EF4-FFF2-40B4-BE49-F238E27FC236}">
+                <a16:creationId xmlns:a16="http://schemas.microsoft.com/office/drawing/2014/main" id="{FD9D945D-90FF-4CB6-99B8-A86B0C6D048D}"/>
+              </a:ext>
+            </a:extLst>
+          </p:cNvPr>
+          <p:cNvSpPr>
+            <a:spLocks noGrp="1"/>
+          </p:cNvSpPr>
+          <p:nvPr>
+            <p:ph idx="1"/>
+          </p:nvPr>
+        </p:nvSpPr>
+        <p:spPr>
+          <a:xfrm>
+            <a:off x="76200" y="1417638"/>
+            <a:ext cx="8610600" cy="3763962"/>
+          </a:xfrm>
+        </p:spPr>
+        <p:txBody>
+          <a:bodyPr>
+            <a:normAutofit lnSpcReduction="10000"/>
+          </a:bodyPr>
+          <a:lstStyle/>
+          <a:p>
+            <a:r>
+              <a:rPr lang="en-US" sz="2400" dirty="0">
+                <a:solidFill>
+                  <a:srgbClr val="002060"/>
+                </a:solidFill>
+              </a:rPr>
+              <a:t>DCNv1 may extend well beyond the region of interest, causing features to be influenced by irrelevant image content.</a:t>
+            </a:r>
+          </a:p>
+          <a:p>
+            <a:r>
+              <a:rPr lang="en-US" sz="2400" dirty="0">
+                <a:solidFill>
+                  <a:srgbClr val="002060"/>
+                </a:solidFill>
+              </a:rPr>
+              <a:t>DCNv2 presents enhanced modeling power for learning deformable convolutions, comes in two complementary forms:</a:t>
+            </a:r>
+          </a:p>
+          <a:p>
+            <a:pPr lvl="1"/>
+            <a:r>
+              <a:rPr lang="en-US" sz="2000" dirty="0">
+                <a:solidFill>
+                  <a:srgbClr val="002060"/>
+                </a:solidFill>
+              </a:rPr>
+              <a:t>Expanded use of deformable convolution layers within the network - allows to control sampling over a broader range of feature levels.</a:t>
+            </a:r>
+          </a:p>
+          <a:p>
+            <a:pPr lvl="1"/>
+            <a:r>
+              <a:rPr lang="en-US" sz="2000" dirty="0">
+                <a:solidFill>
+                  <a:srgbClr val="002060"/>
+                </a:solidFill>
+              </a:rPr>
+              <a:t>DCNv2 incorporates a feature mimicking loss into its training, which favors learning of features consistent to those of R-CNN</a:t>
+            </a:r>
+          </a:p>
+          <a:p>
+            <a:pPr lvl="1"/>
+            <a:r>
+              <a:rPr lang="en-US" sz="2000" dirty="0">
+                <a:solidFill>
+                  <a:srgbClr val="002060"/>
+                </a:solidFill>
+              </a:rPr>
+              <a:t>modulation mechanism in the deformable convolution modules, each sample not only undergoes a learned offset, but is also modulated by a learned feature amplitude.</a:t>
+            </a:r>
+          </a:p>
+          <a:p>
+            <a:pPr marL="457200" lvl="1" indent="0">
+              <a:buNone/>
+            </a:pPr>
+            <a:endParaRPr lang="en-US" sz="2000" dirty="0">
+              <a:solidFill>
+                <a:srgbClr val="002060"/>
+              </a:solidFill>
+            </a:endParaRPr>
+          </a:p>
+        </p:txBody>
+      </p:sp>
+      <p:sp>
+        <p:nvSpPr>
+          <p:cNvPr id="4" name="Slide Number Placeholder 3">
+            <a:extLst>
+              <a:ext uri="{FF2B5EF4-FFF2-40B4-BE49-F238E27FC236}">
+                <a16:creationId xmlns:a16="http://schemas.microsoft.com/office/drawing/2014/main" id="{6ED004E6-B912-45E4-A456-29799468E102}"/>
+              </a:ext>
+            </a:extLst>
+          </p:cNvPr>
+          <p:cNvSpPr>
+            <a:spLocks noGrp="1"/>
+          </p:cNvSpPr>
+          <p:nvPr>
+            <p:ph type="sldNum" sz="quarter" idx="12"/>
+          </p:nvPr>
+        </p:nvSpPr>
+        <p:spPr/>
+        <p:txBody>
+          <a:bodyPr/>
+          <a:lstStyle/>
+          <a:p>
+            <a:fld id="{B01D9778-10B4-40FB-B4E4-44FA89A86639}" type="slidenum">
+              <a:rPr lang="en-US" smtClean="0"/>
+              <a:pPr/>
+              <a:t>16</a:t>
+            </a:fld>
+            <a:endParaRPr lang="en-US"/>
+          </a:p>
+        </p:txBody>
+      </p:sp>
+      <p:pic>
+        <p:nvPicPr>
+          <p:cNvPr id="5" name="Picture 4">
+            <a:extLst>
+              <a:ext uri="{FF2B5EF4-FFF2-40B4-BE49-F238E27FC236}">
+                <a16:creationId xmlns:a16="http://schemas.microsoft.com/office/drawing/2014/main" id="{65649314-BD93-4C0B-A220-F83EBD365BD7}"/>
+              </a:ext>
+            </a:extLst>
+          </p:cNvPr>
+          <p:cNvPicPr>
+            <a:picLocks noChangeAspect="1"/>
+          </p:cNvPicPr>
+          <p:nvPr/>
+        </p:nvPicPr>
+        <p:blipFill>
+          <a:blip r:embed="rId3"/>
+          <a:stretch>
+            <a:fillRect/>
+          </a:stretch>
+        </p:blipFill>
+        <p:spPr>
+          <a:xfrm>
+            <a:off x="990600" y="5181600"/>
+            <a:ext cx="3390900" cy="1676400"/>
+          </a:xfrm>
+          <a:prstGeom prst="rect">
+            <a:avLst/>
+          </a:prstGeom>
+        </p:spPr>
+      </p:pic>
+      <p:pic>
+        <p:nvPicPr>
+          <p:cNvPr id="6" name="Picture 5">
+            <a:extLst>
+              <a:ext uri="{FF2B5EF4-FFF2-40B4-BE49-F238E27FC236}">
+                <a16:creationId xmlns:a16="http://schemas.microsoft.com/office/drawing/2014/main" id="{653D668A-82F8-401E-98FD-0EC51EF564C4}"/>
+              </a:ext>
+            </a:extLst>
+          </p:cNvPr>
+          <p:cNvPicPr>
+            <a:picLocks noChangeAspect="1"/>
+          </p:cNvPicPr>
+          <p:nvPr/>
+        </p:nvPicPr>
+        <p:blipFill>
+          <a:blip r:embed="rId4"/>
+          <a:stretch>
+            <a:fillRect/>
+          </a:stretch>
+        </p:blipFill>
+        <p:spPr>
+          <a:xfrm>
+            <a:off x="4724400" y="6200775"/>
+            <a:ext cx="3381375" cy="657225"/>
+          </a:xfrm>
+          <a:prstGeom prst="rect">
+            <a:avLst/>
+          </a:prstGeom>
+        </p:spPr>
+      </p:pic>
+      <p:sp>
+        <p:nvSpPr>
+          <p:cNvPr id="7" name="TextBox 6">
+            <a:extLst>
+              <a:ext uri="{FF2B5EF4-FFF2-40B4-BE49-F238E27FC236}">
+                <a16:creationId xmlns:a16="http://schemas.microsoft.com/office/drawing/2014/main" id="{DFE6FDCC-05F2-405C-AAB0-AF0BCEEF5614}"/>
+              </a:ext>
+            </a:extLst>
+          </p:cNvPr>
+          <p:cNvSpPr txBox="1"/>
+          <p:nvPr/>
+        </p:nvSpPr>
+        <p:spPr>
+          <a:xfrm>
+            <a:off x="4914900" y="5879068"/>
+            <a:ext cx="2987040" cy="369332"/>
+          </a:xfrm>
+          <a:prstGeom prst="rect">
+            <a:avLst/>
+          </a:prstGeom>
+          <a:noFill/>
+        </p:spPr>
+        <p:txBody>
+          <a:bodyPr wrap="square" rtlCol="0">
+            <a:spAutoFit/>
+          </a:bodyPr>
+          <a:lstStyle/>
+          <a:p>
+            <a:r>
+              <a:rPr lang="en-US" dirty="0"/>
+              <a:t>Modulated deformable conv</a:t>
+            </a:r>
+          </a:p>
+        </p:txBody>
+      </p:sp>
+    </p:spTree>
+    <p:extLst>
+      <p:ext uri="{BB962C8B-B14F-4D97-AF65-F5344CB8AC3E}">
+        <p14:creationId xmlns:p14="http://schemas.microsoft.com/office/powerpoint/2010/main" val="3932164083"/>
+      </p:ext>
+    </p:extLst>
+  </p:cSld>
+  <p:clrMapOvr>
+    <a:masterClrMapping/>
+  </p:clrMapOvr>
+</p:sld>
+</file>
+
+<file path=ppt/slides/slide17.xml><?xml version="1.0" encoding="utf-8"?>
+<p:sld xmlns:a="http://schemas.openxmlformats.org/drawingml/2006/main" xmlns:r="http://schemas.openxmlformats.org/officeDocument/2006/relationships" xmlns:p="http://schemas.openxmlformats.org/presentationml/2006/main">
+  <p:cSld>
+    <p:spTree>
+      <p:nvGrpSpPr>
+        <p:cNvPr id="1" name=""/>
+        <p:cNvGrpSpPr/>
+        <p:nvPr/>
+      </p:nvGrpSpPr>
+      <p:grpSpPr>
+        <a:xfrm>
+          <a:off x="0" y="0"/>
+          <a:ext cx="0" cy="0"/>
+          <a:chOff x="0" y="0"/>
+          <a:chExt cx="0" cy="0"/>
+        </a:xfrm>
+      </p:grpSpPr>
+      <p:sp>
+        <p:nvSpPr>
+          <p:cNvPr id="2" name="Title 1">
+            <a:extLst>
+              <a:ext uri="{FF2B5EF4-FFF2-40B4-BE49-F238E27FC236}">
+                <a16:creationId xmlns:a16="http://schemas.microsoft.com/office/drawing/2014/main" id="{A83A3907-5868-491F-80F2-4633FEEAA9C1}"/>
+              </a:ext>
+            </a:extLst>
+          </p:cNvPr>
+          <p:cNvSpPr>
+            <a:spLocks noGrp="1"/>
+          </p:cNvSpPr>
+          <p:nvPr>
+            <p:ph type="title"/>
+          </p:nvPr>
+        </p:nvSpPr>
+        <p:spPr>
+          <a:xfrm>
+            <a:off x="228600" y="-76200"/>
+            <a:ext cx="8229600" cy="1143000"/>
+          </a:xfrm>
+        </p:spPr>
+        <p:txBody>
+          <a:bodyPr>
+            <a:normAutofit/>
+          </a:bodyPr>
+          <a:lstStyle/>
+          <a:p>
+            <a:r>
+              <a:rPr lang="en-US" dirty="0">
+                <a:solidFill>
+                  <a:srgbClr val="002060"/>
+                </a:solidFill>
+              </a:rPr>
+              <a:t>DCN V2</a:t>
+            </a:r>
+            <a:endParaRPr lang="en-US" dirty="0"/>
+          </a:p>
+        </p:txBody>
+      </p:sp>
+      <p:pic>
+        <p:nvPicPr>
+          <p:cNvPr id="8" name="Content Placeholder 7">
+            <a:extLst>
+              <a:ext uri="{FF2B5EF4-FFF2-40B4-BE49-F238E27FC236}">
+                <a16:creationId xmlns:a16="http://schemas.microsoft.com/office/drawing/2014/main" id="{1A53896B-76C9-4EFA-B061-EFAFEC41C10A}"/>
+              </a:ext>
+            </a:extLst>
+          </p:cNvPr>
+          <p:cNvPicPr>
+            <a:picLocks noGrp="1" noChangeAspect="1"/>
+          </p:cNvPicPr>
+          <p:nvPr>
+            <p:ph idx="1"/>
+          </p:nvPr>
+        </p:nvPicPr>
+        <p:blipFill>
+          <a:blip r:embed="rId3"/>
+          <a:stretch>
+            <a:fillRect/>
+          </a:stretch>
+        </p:blipFill>
+        <p:spPr>
+          <a:xfrm>
+            <a:off x="693130" y="4169490"/>
+            <a:ext cx="3982547" cy="2160984"/>
+          </a:xfrm>
+          <a:prstGeom prst="rect">
+            <a:avLst/>
+          </a:prstGeom>
+        </p:spPr>
+      </p:pic>
+      <p:sp>
+        <p:nvSpPr>
+          <p:cNvPr id="4" name="Slide Number Placeholder 3">
+            <a:extLst>
+              <a:ext uri="{FF2B5EF4-FFF2-40B4-BE49-F238E27FC236}">
+                <a16:creationId xmlns:a16="http://schemas.microsoft.com/office/drawing/2014/main" id="{6ED004E6-B912-45E4-A456-29799468E102}"/>
+              </a:ext>
+            </a:extLst>
+          </p:cNvPr>
+          <p:cNvSpPr>
+            <a:spLocks noGrp="1"/>
+          </p:cNvSpPr>
+          <p:nvPr>
+            <p:ph type="sldNum" sz="quarter" idx="12"/>
+          </p:nvPr>
+        </p:nvSpPr>
+        <p:spPr>
+          <a:xfrm>
+            <a:off x="457200" y="6356350"/>
+            <a:ext cx="2133600" cy="365125"/>
+          </a:xfrm>
+        </p:spPr>
+        <p:txBody>
+          <a:bodyPr/>
+          <a:lstStyle/>
+          <a:p>
+            <a:fld id="{B01D9778-10B4-40FB-B4E4-44FA89A86639}" type="slidenum">
+              <a:rPr lang="en-US" smtClean="0"/>
+              <a:pPr/>
+              <a:t>17</a:t>
+            </a:fld>
+            <a:endParaRPr lang="en-US"/>
+          </a:p>
+        </p:txBody>
+      </p:sp>
+      <p:pic>
+        <p:nvPicPr>
+          <p:cNvPr id="6" name="Picture 5">
+            <a:extLst>
+              <a:ext uri="{FF2B5EF4-FFF2-40B4-BE49-F238E27FC236}">
+                <a16:creationId xmlns:a16="http://schemas.microsoft.com/office/drawing/2014/main" id="{867FE54C-A401-42B0-A57C-4B764A18AF97}"/>
+              </a:ext>
+            </a:extLst>
+          </p:cNvPr>
+          <p:cNvPicPr>
+            <a:picLocks noChangeAspect="1"/>
+          </p:cNvPicPr>
+          <p:nvPr/>
+        </p:nvPicPr>
+        <p:blipFill>
+          <a:blip r:embed="rId4"/>
+          <a:stretch>
+            <a:fillRect/>
+          </a:stretch>
+        </p:blipFill>
+        <p:spPr>
+          <a:xfrm>
+            <a:off x="5305425" y="1037273"/>
+            <a:ext cx="3609975" cy="2667000"/>
+          </a:xfrm>
+          <a:prstGeom prst="rect">
+            <a:avLst/>
+          </a:prstGeom>
+        </p:spPr>
+      </p:pic>
+      <p:pic>
+        <p:nvPicPr>
+          <p:cNvPr id="7" name="Picture 6">
+            <a:extLst>
+              <a:ext uri="{FF2B5EF4-FFF2-40B4-BE49-F238E27FC236}">
+                <a16:creationId xmlns:a16="http://schemas.microsoft.com/office/drawing/2014/main" id="{1DE7503E-3CD5-46EB-A17F-DF8FEC59708B}"/>
+              </a:ext>
+            </a:extLst>
+          </p:cNvPr>
+          <p:cNvPicPr>
+            <a:picLocks noChangeAspect="1"/>
+          </p:cNvPicPr>
+          <p:nvPr/>
+        </p:nvPicPr>
+        <p:blipFill>
+          <a:blip r:embed="rId5"/>
+          <a:stretch>
+            <a:fillRect/>
+          </a:stretch>
+        </p:blipFill>
+        <p:spPr>
+          <a:xfrm>
+            <a:off x="5140325" y="3730149"/>
+            <a:ext cx="3571875" cy="2600325"/>
+          </a:xfrm>
+          <a:prstGeom prst="rect">
+            <a:avLst/>
+          </a:prstGeom>
+        </p:spPr>
+      </p:pic>
+      <p:sp>
+        <p:nvSpPr>
+          <p:cNvPr id="3" name="TextBox 2">
+            <a:extLst>
+              <a:ext uri="{FF2B5EF4-FFF2-40B4-BE49-F238E27FC236}">
+                <a16:creationId xmlns:a16="http://schemas.microsoft.com/office/drawing/2014/main" id="{E68FFFB1-1A6D-4E54-9B64-005DFE288B66}"/>
+              </a:ext>
+            </a:extLst>
+          </p:cNvPr>
+          <p:cNvSpPr txBox="1"/>
+          <p:nvPr/>
+        </p:nvSpPr>
+        <p:spPr>
+          <a:xfrm>
+            <a:off x="838200" y="1415029"/>
+            <a:ext cx="4191000" cy="1569660"/>
+          </a:xfrm>
+          <a:prstGeom prst="rect">
+            <a:avLst/>
+          </a:prstGeom>
+          <a:noFill/>
+        </p:spPr>
+        <p:txBody>
+          <a:bodyPr wrap="square" rtlCol="0">
+            <a:spAutoFit/>
+          </a:bodyPr>
+          <a:lstStyle/>
+          <a:p>
+            <a:pPr marL="285750" indent="-285750">
+              <a:buFont typeface="Arial" panose="020B0604020202020204" pitchFamily="34" charset="0"/>
+              <a:buChar char="•"/>
+            </a:pPr>
+            <a:r>
+              <a:rPr lang="en-US" sz="2400" dirty="0">
+                <a:solidFill>
+                  <a:srgbClr val="002060"/>
+                </a:solidFill>
+              </a:rPr>
+              <a:t>Spatial support of nodes in the last layer of the conv5 stage in a regular </a:t>
+            </a:r>
+            <a:r>
+              <a:rPr lang="en-US" sz="2400" dirty="0" err="1">
+                <a:solidFill>
+                  <a:srgbClr val="002060"/>
+                </a:solidFill>
+              </a:rPr>
+              <a:t>ConvNet</a:t>
+            </a:r>
+            <a:r>
+              <a:rPr lang="en-US" sz="2400" dirty="0">
+                <a:solidFill>
+                  <a:srgbClr val="002060"/>
+                </a:solidFill>
+              </a:rPr>
+              <a:t>, DCNv1 and DCNv2.</a:t>
+            </a:r>
+          </a:p>
+        </p:txBody>
+      </p:sp>
+    </p:spTree>
+    <p:extLst>
+      <p:ext uri="{BB962C8B-B14F-4D97-AF65-F5344CB8AC3E}">
+        <p14:creationId xmlns:p14="http://schemas.microsoft.com/office/powerpoint/2010/main" val="151133628"/>
+      </p:ext>
+    </p:extLst>
+  </p:cSld>
+  <p:clrMapOvr>
+    <a:masterClrMapping/>
+  </p:clrMapOvr>
+</p:sld>
+</file>
+
+<file path=ppt/slides/slide18.xml><?xml version="1.0" encoding="utf-8"?>
+<p:sld xmlns:a="http://schemas.openxmlformats.org/drawingml/2006/main" xmlns:r="http://schemas.openxmlformats.org/officeDocument/2006/relationships" xmlns:p="http://schemas.openxmlformats.org/presentationml/2006/main">
+  <p:cSld>
+    <p:spTree>
+      <p:nvGrpSpPr>
+        <p:cNvPr id="1" name=""/>
+        <p:cNvGrpSpPr/>
+        <p:nvPr/>
+      </p:nvGrpSpPr>
+      <p:grpSpPr>
+        <a:xfrm>
+          <a:off x="0" y="0"/>
+          <a:ext cx="0" cy="0"/>
+          <a:chOff x="0" y="0"/>
+          <a:chExt cx="0" cy="0"/>
+        </a:xfrm>
+      </p:grpSpPr>
+      <p:sp>
+        <p:nvSpPr>
+          <p:cNvPr id="2" name="Title 1">
+            <a:extLst>
+              <a:ext uri="{FF2B5EF4-FFF2-40B4-BE49-F238E27FC236}">
+                <a16:creationId xmlns:a16="http://schemas.microsoft.com/office/drawing/2014/main" id="{A83A3907-5868-491F-80F2-4633FEEAA9C1}"/>
+              </a:ext>
+            </a:extLst>
+          </p:cNvPr>
+          <p:cNvSpPr>
+            <a:spLocks noGrp="1"/>
+          </p:cNvSpPr>
+          <p:nvPr>
+            <p:ph type="title"/>
+          </p:nvPr>
+        </p:nvSpPr>
+        <p:spPr>
+          <a:xfrm>
+            <a:off x="228600" y="152400"/>
+            <a:ext cx="8229600" cy="1143000"/>
+          </a:xfrm>
+        </p:spPr>
+        <p:txBody>
+          <a:bodyPr>
+            <a:normAutofit/>
+          </a:bodyPr>
+          <a:lstStyle/>
+          <a:p>
+            <a:r>
+              <a:rPr lang="en-US" dirty="0">
+                <a:solidFill>
+                  <a:srgbClr val="002060"/>
+                </a:solidFill>
+              </a:rPr>
+              <a:t>DCN V2</a:t>
+            </a:r>
+            <a:endParaRPr lang="en-US" dirty="0"/>
+          </a:p>
+        </p:txBody>
+      </p:sp>
+      <p:sp>
+        <p:nvSpPr>
+          <p:cNvPr id="4" name="Slide Number Placeholder 3">
+            <a:extLst>
+              <a:ext uri="{FF2B5EF4-FFF2-40B4-BE49-F238E27FC236}">
+                <a16:creationId xmlns:a16="http://schemas.microsoft.com/office/drawing/2014/main" id="{6ED004E6-B912-45E4-A456-29799468E102}"/>
+              </a:ext>
+            </a:extLst>
+          </p:cNvPr>
+          <p:cNvSpPr>
+            <a:spLocks noGrp="1"/>
+          </p:cNvSpPr>
+          <p:nvPr>
+            <p:ph type="sldNum" sz="quarter" idx="12"/>
+          </p:nvPr>
+        </p:nvSpPr>
+        <p:spPr>
+          <a:xfrm>
+            <a:off x="457200" y="6356350"/>
+            <a:ext cx="2133600" cy="365125"/>
+          </a:xfrm>
+        </p:spPr>
+        <p:txBody>
+          <a:bodyPr/>
+          <a:lstStyle/>
+          <a:p>
+            <a:fld id="{B01D9778-10B4-40FB-B4E4-44FA89A86639}" type="slidenum">
+              <a:rPr lang="en-US" smtClean="0"/>
+              <a:pPr/>
+              <a:t>18</a:t>
+            </a:fld>
+            <a:endParaRPr lang="en-US"/>
+          </a:p>
+        </p:txBody>
+      </p:sp>
+      <p:sp>
+        <p:nvSpPr>
+          <p:cNvPr id="3" name="TextBox 2">
+            <a:extLst>
+              <a:ext uri="{FF2B5EF4-FFF2-40B4-BE49-F238E27FC236}">
+                <a16:creationId xmlns:a16="http://schemas.microsoft.com/office/drawing/2014/main" id="{E68FFFB1-1A6D-4E54-9B64-005DFE288B66}"/>
+              </a:ext>
+            </a:extLst>
+          </p:cNvPr>
+          <p:cNvSpPr txBox="1"/>
+          <p:nvPr/>
+        </p:nvSpPr>
+        <p:spPr>
+          <a:xfrm>
+            <a:off x="838200" y="1415029"/>
+            <a:ext cx="7620000" cy="830997"/>
+          </a:xfrm>
+          <a:prstGeom prst="rect">
+            <a:avLst/>
+          </a:prstGeom>
+          <a:noFill/>
+        </p:spPr>
+        <p:txBody>
+          <a:bodyPr wrap="square" rtlCol="0">
+            <a:spAutoFit/>
+          </a:bodyPr>
+          <a:lstStyle/>
+          <a:p>
+            <a:pPr marL="285750" indent="-285750">
+              <a:buFont typeface="Arial" panose="020B0604020202020204" pitchFamily="34" charset="0"/>
+              <a:buChar char="•"/>
+            </a:pPr>
+            <a:r>
+              <a:rPr lang="en-US" sz="2400" dirty="0">
+                <a:solidFill>
+                  <a:srgbClr val="002060"/>
+                </a:solidFill>
+              </a:rPr>
+              <a:t>The new version of Deformable </a:t>
+            </a:r>
+            <a:r>
+              <a:rPr lang="en-US" sz="2400" dirty="0" err="1">
+                <a:solidFill>
+                  <a:srgbClr val="002060"/>
+                </a:solidFill>
+              </a:rPr>
+              <a:t>ConvNets</a:t>
+            </a:r>
+            <a:r>
+              <a:rPr lang="en-US" sz="2400" dirty="0">
+                <a:solidFill>
+                  <a:srgbClr val="002060"/>
+                </a:solidFill>
+              </a:rPr>
+              <a:t> yields significant performance gains over the original model</a:t>
+            </a:r>
+          </a:p>
+        </p:txBody>
+      </p:sp>
+      <p:pic>
+        <p:nvPicPr>
+          <p:cNvPr id="5" name="Picture 4">
+            <a:extLst>
+              <a:ext uri="{FF2B5EF4-FFF2-40B4-BE49-F238E27FC236}">
+                <a16:creationId xmlns:a16="http://schemas.microsoft.com/office/drawing/2014/main" id="{1DC5E43D-460E-42F8-9570-207CA48BC5F2}"/>
+              </a:ext>
+            </a:extLst>
+          </p:cNvPr>
+          <p:cNvPicPr>
+            <a:picLocks noChangeAspect="1"/>
+          </p:cNvPicPr>
+          <p:nvPr/>
+        </p:nvPicPr>
+        <p:blipFill>
+          <a:blip r:embed="rId3"/>
+          <a:stretch>
+            <a:fillRect/>
+          </a:stretch>
+        </p:blipFill>
+        <p:spPr>
+          <a:xfrm>
+            <a:off x="1693588" y="3032631"/>
+            <a:ext cx="5299623" cy="3553271"/>
+          </a:xfrm>
+          <a:prstGeom prst="rect">
+            <a:avLst/>
+          </a:prstGeom>
+        </p:spPr>
+      </p:pic>
+    </p:spTree>
+    <p:extLst>
+      <p:ext uri="{BB962C8B-B14F-4D97-AF65-F5344CB8AC3E}">
+        <p14:creationId xmlns:p14="http://schemas.microsoft.com/office/powerpoint/2010/main" val="2741479868"/>
+      </p:ext>
+    </p:extLst>
+  </p:cSld>
+  <p:clrMapOvr>
+    <a:masterClrMapping/>
+  </p:clrMapOvr>
+</p:sld>
+</file>
+
+<file path=ppt/slides/slide19.xml><?xml version="1.0" encoding="utf-8"?>
+<p:sld xmlns:a="http://schemas.openxmlformats.org/drawingml/2006/main" xmlns:r="http://schemas.openxmlformats.org/officeDocument/2006/relationships" xmlns:p="http://schemas.openxmlformats.org/presentationml/2006/main">
+  <p:cSld>
+    <p:spTree>
+      <p:nvGrpSpPr>
+        <p:cNvPr id="1" name=""/>
+        <p:cNvGrpSpPr/>
+        <p:nvPr/>
+      </p:nvGrpSpPr>
+      <p:grpSpPr>
+        <a:xfrm>
+          <a:off x="0" y="0"/>
+          <a:ext cx="0" cy="0"/>
+          <a:chOff x="0" y="0"/>
+          <a:chExt cx="0" cy="0"/>
+        </a:xfrm>
+      </p:grpSpPr>
+      <p:sp>
+        <p:nvSpPr>
           <p:cNvPr id="2" name="Title 1"/>
           <p:cNvSpPr>
             <a:spLocks noGrp="1"/>
@@ -6109,7 +6847,7 @@
                   <a:srgbClr val="002060"/>
                 </a:solidFill>
               </a:rPr>
-              <a:t>Integrate into known architectures such as </a:t>
+              <a:t>Integrate DCN into known architectures such as </a:t>
             </a:r>
             <a:r>
               <a:rPr lang="en-US" dirty="0" err="1">
@@ -6192,7 +6930,7 @@
             <a:fld id="{B01D9778-10B4-40FB-B4E4-44FA89A86639}" type="slidenum">
               <a:rPr lang="en-US" smtClean="0"/>
               <a:pPr/>
-              <a:t>16</a:t>
+              <a:t>19</a:t>
             </a:fld>
             <a:endParaRPr lang="en-US"/>
           </a:p>
@@ -6211,7 +6949,226 @@
 </p:sld>
 </file>
 
-<file path=ppt/slides/slide17.xml><?xml version="1.0" encoding="utf-8"?>
+<file path=ppt/slides/slide2.xml><?xml version="1.0" encoding="utf-8"?>
+<p:sld xmlns:a="http://schemas.openxmlformats.org/drawingml/2006/main" xmlns:r="http://schemas.openxmlformats.org/officeDocument/2006/relationships" xmlns:p="http://schemas.openxmlformats.org/presentationml/2006/main">
+  <p:cSld>
+    <p:spTree>
+      <p:nvGrpSpPr>
+        <p:cNvPr id="1" name=""/>
+        <p:cNvGrpSpPr/>
+        <p:nvPr/>
+      </p:nvGrpSpPr>
+      <p:grpSpPr>
+        <a:xfrm>
+          <a:off x="0" y="0"/>
+          <a:ext cx="0" cy="0"/>
+          <a:chOff x="0" y="0"/>
+          <a:chExt cx="0" cy="0"/>
+        </a:xfrm>
+      </p:grpSpPr>
+      <p:sp>
+        <p:nvSpPr>
+          <p:cNvPr id="2" name="Title 1"/>
+          <p:cNvSpPr>
+            <a:spLocks noGrp="1"/>
+          </p:cNvSpPr>
+          <p:nvPr>
+            <p:ph type="title"/>
+          </p:nvPr>
+        </p:nvSpPr>
+        <p:spPr/>
+        <p:txBody>
+          <a:bodyPr/>
+          <a:lstStyle/>
+          <a:p>
+            <a:r>
+              <a:rPr lang="en-US" dirty="0">
+                <a:solidFill>
+                  <a:srgbClr val="002060"/>
+                </a:solidFill>
+              </a:rPr>
+              <a:t>Outline</a:t>
+            </a:r>
+            <a:endParaRPr lang="he-IL" dirty="0">
+              <a:solidFill>
+                <a:srgbClr val="002060"/>
+              </a:solidFill>
+            </a:endParaRPr>
+          </a:p>
+        </p:txBody>
+      </p:sp>
+      <p:sp>
+        <p:nvSpPr>
+          <p:cNvPr id="3" name="Content Placeholder 2"/>
+          <p:cNvSpPr>
+            <a:spLocks noGrp="1"/>
+          </p:cNvSpPr>
+          <p:nvPr>
+            <p:ph idx="1"/>
+          </p:nvPr>
+        </p:nvSpPr>
+        <p:spPr>
+          <a:xfrm>
+            <a:off x="457200" y="1219201"/>
+            <a:ext cx="8229600" cy="5137149"/>
+          </a:xfrm>
+        </p:spPr>
+        <p:txBody>
+          <a:bodyPr>
+            <a:normAutofit/>
+          </a:bodyPr>
+          <a:lstStyle/>
+          <a:p>
+            <a:pPr>
+              <a:lnSpc>
+                <a:spcPct val="150000"/>
+              </a:lnSpc>
+            </a:pPr>
+            <a:r>
+              <a:rPr lang="en-US" sz="2400" dirty="0">
+                <a:solidFill>
+                  <a:srgbClr val="002060"/>
+                </a:solidFill>
+              </a:rPr>
+              <a:t>Background</a:t>
+            </a:r>
+          </a:p>
+          <a:p>
+            <a:pPr>
+              <a:lnSpc>
+                <a:spcPct val="150000"/>
+              </a:lnSpc>
+            </a:pPr>
+            <a:r>
+              <a:rPr lang="en-US" sz="2400" dirty="0">
+                <a:solidFill>
+                  <a:srgbClr val="002060"/>
+                </a:solidFill>
+              </a:rPr>
+              <a:t>Prior Work</a:t>
+            </a:r>
+          </a:p>
+          <a:p>
+            <a:pPr>
+              <a:lnSpc>
+                <a:spcPct val="150000"/>
+              </a:lnSpc>
+            </a:pPr>
+            <a:r>
+              <a:rPr lang="en-US" sz="2400" dirty="0">
+                <a:solidFill>
+                  <a:srgbClr val="002060"/>
+                </a:solidFill>
+              </a:rPr>
+              <a:t>Literature Survey &amp; DCN Review</a:t>
+            </a:r>
+          </a:p>
+          <a:p>
+            <a:pPr>
+              <a:lnSpc>
+                <a:spcPct val="150000"/>
+              </a:lnSpc>
+            </a:pPr>
+            <a:r>
+              <a:rPr lang="en-US" sz="2400" dirty="0">
+                <a:solidFill>
+                  <a:srgbClr val="002060"/>
+                </a:solidFill>
+              </a:rPr>
+              <a:t>Chosen Solution</a:t>
+            </a:r>
+          </a:p>
+          <a:p>
+            <a:pPr>
+              <a:lnSpc>
+                <a:spcPct val="150000"/>
+              </a:lnSpc>
+            </a:pPr>
+            <a:r>
+              <a:rPr lang="en-US" sz="2400" dirty="0">
+                <a:solidFill>
+                  <a:srgbClr val="002060"/>
+                </a:solidFill>
+              </a:rPr>
+              <a:t>Intermediate Results</a:t>
+            </a:r>
+          </a:p>
+          <a:p>
+            <a:pPr>
+              <a:lnSpc>
+                <a:spcPct val="150000"/>
+              </a:lnSpc>
+            </a:pPr>
+            <a:r>
+              <a:rPr lang="en-US" sz="2400" dirty="0">
+                <a:solidFill>
+                  <a:srgbClr val="002060"/>
+                </a:solidFill>
+              </a:rPr>
+              <a:t>Limitations &amp; Conclusions</a:t>
+            </a:r>
+          </a:p>
+          <a:p>
+            <a:pPr>
+              <a:lnSpc>
+                <a:spcPct val="150000"/>
+              </a:lnSpc>
+            </a:pPr>
+            <a:r>
+              <a:rPr lang="en-US" sz="2400" dirty="0">
+                <a:solidFill>
+                  <a:srgbClr val="002060"/>
+                </a:solidFill>
+              </a:rPr>
+              <a:t>Future Work</a:t>
+            </a:r>
+          </a:p>
+        </p:txBody>
+      </p:sp>
+      <p:sp>
+        <p:nvSpPr>
+          <p:cNvPr id="5" name="Slide Number Placeholder 4">
+            <a:extLst>
+              <a:ext uri="{FF2B5EF4-FFF2-40B4-BE49-F238E27FC236}">
+                <a16:creationId xmlns:a16="http://schemas.microsoft.com/office/drawing/2014/main" id="{7634C32D-DD55-42E2-8CD5-0E521033AD16}"/>
+              </a:ext>
+            </a:extLst>
+          </p:cNvPr>
+          <p:cNvSpPr>
+            <a:spLocks noGrp="1"/>
+          </p:cNvSpPr>
+          <p:nvPr>
+            <p:ph type="sldNum" sz="quarter" idx="12"/>
+          </p:nvPr>
+        </p:nvSpPr>
+        <p:spPr/>
+        <p:txBody>
+          <a:bodyPr/>
+          <a:lstStyle/>
+          <a:p>
+            <a:fld id="{B01D9778-10B4-40FB-B4E4-44FA89A86639}" type="slidenum">
+              <a:rPr lang="en-US" smtClean="0"/>
+              <a:pPr/>
+              <a:t>2</a:t>
+            </a:fld>
+            <a:endParaRPr lang="en-US"/>
+          </a:p>
+        </p:txBody>
+      </p:sp>
+    </p:spTree>
+    <p:extLst>
+      <p:ext uri="{BB962C8B-B14F-4D97-AF65-F5344CB8AC3E}">
+        <p14:creationId xmlns:p14="http://schemas.microsoft.com/office/powerpoint/2010/main" val="4064217885"/>
+      </p:ext>
+    </p:extLst>
+  </p:cSld>
+  <p:clrMapOvr>
+    <a:masterClrMapping/>
+  </p:clrMapOvr>
+</p:sld>
+</file>
+
+<file path=ppt/slides/slide20.xml><?xml version="1.0" encoding="utf-8"?>
 <p:sld xmlns:a="http://schemas.openxmlformats.org/drawingml/2006/main" xmlns:r="http://schemas.openxmlformats.org/officeDocument/2006/relationships" xmlns:p="http://schemas.openxmlformats.org/presentationml/2006/main">
   <p:cSld>
     <p:spTree>
@@ -6256,7 +7213,7 @@
         </p:blipFill>
         <p:spPr>
           <a:xfrm>
-            <a:off x="1524000" y="1524000"/>
+            <a:off x="346712" y="1877127"/>
             <a:ext cx="6172200" cy="4627746"/>
           </a:xfrm>
           <a:prstGeom prst="rect">
@@ -6296,7 +7253,7 @@
                 <a:ea typeface="+mn-ea"/>
                 <a:cs typeface="+mn-cs"/>
               </a:rPr>
-              <a:t>Chosen Solution – cont.</a:t>
+              <a:t>Chosen Solution – example</a:t>
             </a:r>
           </a:p>
         </p:txBody>
@@ -6325,7 +7282,7 @@
             <a:fld id="{B01D9778-10B4-40FB-B4E4-44FA89A86639}" type="slidenum">
               <a:rPr lang="en-US" smtClean="0"/>
               <a:pPr/>
-              <a:t>17</a:t>
+              <a:t>20</a:t>
             </a:fld>
             <a:endParaRPr lang="en-US"/>
           </a:p>
@@ -6345,7 +7302,7 @@
         </p:nvSpPr>
         <p:spPr>
           <a:xfrm>
-            <a:off x="3255334" y="3405965"/>
+            <a:off x="2057400" y="3733800"/>
             <a:ext cx="2895600" cy="381000"/>
           </a:xfrm>
           <a:prstGeom prst="roundRect">
@@ -6397,7 +7354,7 @@
         </p:nvSpPr>
         <p:spPr>
           <a:xfrm>
-            <a:off x="3255334" y="4377068"/>
+            <a:off x="2057400" y="4724400"/>
             <a:ext cx="2895600" cy="381000"/>
           </a:xfrm>
           <a:prstGeom prst="roundRect">
@@ -6435,6 +7392,187 @@
           </a:p>
         </p:txBody>
       </p:sp>
+      <p:sp>
+        <p:nvSpPr>
+          <p:cNvPr id="3" name="TextBox 2">
+            <a:extLst>
+              <a:ext uri="{FF2B5EF4-FFF2-40B4-BE49-F238E27FC236}">
+                <a16:creationId xmlns:a16="http://schemas.microsoft.com/office/drawing/2014/main" id="{F6A4C3BB-F2CF-4695-AEAE-694626872D78}"/>
+              </a:ext>
+            </a:extLst>
+          </p:cNvPr>
+          <p:cNvSpPr txBox="1"/>
+          <p:nvPr/>
+        </p:nvSpPr>
+        <p:spPr>
+          <a:xfrm>
+            <a:off x="6629400" y="4095750"/>
+            <a:ext cx="2057400" cy="1200329"/>
+          </a:xfrm>
+          <a:prstGeom prst="rect">
+            <a:avLst/>
+          </a:prstGeom>
+          <a:noFill/>
+        </p:spPr>
+        <p:txBody>
+          <a:bodyPr wrap="square" rtlCol="0">
+            <a:spAutoFit/>
+          </a:bodyPr>
+          <a:lstStyle/>
+          <a:p>
+            <a:pPr algn="ctr"/>
+            <a:r>
+              <a:rPr lang="en-US" b="1" dirty="0">
+                <a:solidFill>
+                  <a:srgbClr val="FF0000"/>
+                </a:solidFill>
+              </a:rPr>
+              <a:t>Integrated with Deformable Convolutional layers</a:t>
+            </a:r>
+          </a:p>
+        </p:txBody>
+      </p:sp>
+      <p:sp>
+        <p:nvSpPr>
+          <p:cNvPr id="5" name="TextBox 4">
+            <a:extLst>
+              <a:ext uri="{FF2B5EF4-FFF2-40B4-BE49-F238E27FC236}">
+                <a16:creationId xmlns:a16="http://schemas.microsoft.com/office/drawing/2014/main" id="{51581E12-DB40-4CB1-9CAF-B230F4613DB3}"/>
+              </a:ext>
+            </a:extLst>
+          </p:cNvPr>
+          <p:cNvSpPr txBox="1"/>
+          <p:nvPr/>
+        </p:nvSpPr>
+        <p:spPr>
+          <a:xfrm>
+            <a:off x="525780" y="1170544"/>
+            <a:ext cx="5417820" cy="830997"/>
+          </a:xfrm>
+          <a:prstGeom prst="rect">
+            <a:avLst/>
+          </a:prstGeom>
+          <a:noFill/>
+        </p:spPr>
+        <p:txBody>
+          <a:bodyPr wrap="square" rtlCol="0">
+            <a:spAutoFit/>
+          </a:bodyPr>
+          <a:lstStyle/>
+          <a:p>
+            <a:r>
+              <a:rPr lang="en-US" sz="2400" dirty="0"/>
+              <a:t>Integrate </a:t>
+            </a:r>
+            <a:r>
+              <a:rPr lang="en-US" sz="2400" dirty="0" err="1"/>
+              <a:t>ResNet</a:t>
+            </a:r>
+            <a:r>
+              <a:rPr lang="en-US" sz="2400" dirty="0"/>
+              <a:t> </a:t>
+            </a:r>
+            <a:r>
+              <a:rPr lang="en-US" sz="2400" dirty="0" err="1"/>
+              <a:t>Arhitrcture</a:t>
+            </a:r>
+            <a:r>
+              <a:rPr lang="en-US" sz="2400" dirty="0"/>
+              <a:t> with DCN on last layers:</a:t>
+            </a:r>
+          </a:p>
+        </p:txBody>
+      </p:sp>
+      <p:cxnSp>
+        <p:nvCxnSpPr>
+          <p:cNvPr id="7" name="Straight Arrow Connector 6">
+            <a:extLst>
+              <a:ext uri="{FF2B5EF4-FFF2-40B4-BE49-F238E27FC236}">
+                <a16:creationId xmlns:a16="http://schemas.microsoft.com/office/drawing/2014/main" id="{61C23A6F-CFBA-4EC8-A201-01A975D4E246}"/>
+              </a:ext>
+            </a:extLst>
+          </p:cNvPr>
+          <p:cNvCxnSpPr>
+            <a:stCxn id="3" idx="1"/>
+            <a:endCxn id="16" idx="3"/>
+          </p:cNvCxnSpPr>
+          <p:nvPr/>
+        </p:nvCxnSpPr>
+        <p:spPr>
+          <a:xfrm flipH="1" flipV="1">
+            <a:off x="4953000" y="3924300"/>
+            <a:ext cx="1676400" cy="771615"/>
+          </a:xfrm>
+          <a:prstGeom prst="straightConnector1">
+            <a:avLst/>
+          </a:prstGeom>
+          <a:ln>
+            <a:solidFill>
+              <a:srgbClr val="FF0000"/>
+            </a:solidFill>
+            <a:tailEnd type="triangle"/>
+          </a:ln>
+        </p:spPr>
+        <p:style>
+          <a:lnRef idx="1">
+            <a:schemeClr val="accent1"/>
+          </a:lnRef>
+          <a:fillRef idx="0">
+            <a:schemeClr val="accent1"/>
+          </a:fillRef>
+          <a:effectRef idx="0">
+            <a:schemeClr val="accent1"/>
+          </a:effectRef>
+          <a:fontRef idx="minor">
+            <a:schemeClr val="tx1"/>
+          </a:fontRef>
+        </p:style>
+      </p:cxnSp>
+      <p:cxnSp>
+        <p:nvCxnSpPr>
+          <p:cNvPr id="11" name="Straight Arrow Connector 10">
+            <a:extLst>
+              <a:ext uri="{FF2B5EF4-FFF2-40B4-BE49-F238E27FC236}">
+                <a16:creationId xmlns:a16="http://schemas.microsoft.com/office/drawing/2014/main" id="{51A1B7AE-8EBC-4E06-8032-ED9E75CC20E6}"/>
+              </a:ext>
+            </a:extLst>
+          </p:cNvPr>
+          <p:cNvCxnSpPr>
+            <a:cxnSpLocks/>
+            <a:stCxn id="3" idx="1"/>
+          </p:cNvCxnSpPr>
+          <p:nvPr/>
+        </p:nvCxnSpPr>
+        <p:spPr>
+          <a:xfrm flipH="1">
+            <a:off x="4953000" y="4695915"/>
+            <a:ext cx="1676400" cy="214357"/>
+          </a:xfrm>
+          <a:prstGeom prst="straightConnector1">
+            <a:avLst/>
+          </a:prstGeom>
+          <a:ln>
+            <a:solidFill>
+              <a:srgbClr val="FF0000"/>
+            </a:solidFill>
+            <a:tailEnd type="triangle"/>
+          </a:ln>
+        </p:spPr>
+        <p:style>
+          <a:lnRef idx="1">
+            <a:schemeClr val="accent1"/>
+          </a:lnRef>
+          <a:fillRef idx="0">
+            <a:schemeClr val="accent1"/>
+          </a:fillRef>
+          <a:effectRef idx="0">
+            <a:schemeClr val="accent1"/>
+          </a:effectRef>
+          <a:fontRef idx="minor">
+            <a:schemeClr val="tx1"/>
+          </a:fontRef>
+        </p:style>
+      </p:cxnSp>
     </p:spTree>
     <p:extLst>
       <p:ext uri="{BB962C8B-B14F-4D97-AF65-F5344CB8AC3E}">
@@ -6679,826 +7817,6 @@
 </p:sld>
 </file>
 
-<file path=ppt/slides/slide18.xml><?xml version="1.0" encoding="utf-8"?>
-<p:sld xmlns:a="http://schemas.openxmlformats.org/drawingml/2006/main" xmlns:r="http://schemas.openxmlformats.org/officeDocument/2006/relationships" xmlns:p="http://schemas.openxmlformats.org/presentationml/2006/main">
-  <p:cSld>
-    <p:spTree>
-      <p:nvGrpSpPr>
-        <p:cNvPr id="1" name=""/>
-        <p:cNvGrpSpPr/>
-        <p:nvPr/>
-      </p:nvGrpSpPr>
-      <p:grpSpPr>
-        <a:xfrm>
-          <a:off x="0" y="0"/>
-          <a:ext cx="0" cy="0"/>
-          <a:chOff x="0" y="0"/>
-          <a:chExt cx="0" cy="0"/>
-        </a:xfrm>
-      </p:grpSpPr>
-      <p:sp>
-        <p:nvSpPr>
-          <p:cNvPr id="2" name="Title 1">
-            <a:extLst>
-              <a:ext uri="{FF2B5EF4-FFF2-40B4-BE49-F238E27FC236}">
-                <a16:creationId xmlns:a16="http://schemas.microsoft.com/office/drawing/2014/main" id="{F855575A-6F82-4184-B808-CE9390C5E46A}"/>
-              </a:ext>
-            </a:extLst>
-          </p:cNvPr>
-          <p:cNvSpPr>
-            <a:spLocks noGrp="1"/>
-          </p:cNvSpPr>
-          <p:nvPr>
-            <p:ph type="title"/>
-          </p:nvPr>
-        </p:nvSpPr>
-        <p:spPr/>
-        <p:txBody>
-          <a:bodyPr/>
-          <a:lstStyle/>
-          <a:p>
-            <a:r>
-              <a:rPr lang="en-US" dirty="0">
-                <a:solidFill>
-                  <a:srgbClr val="002060"/>
-                </a:solidFill>
-              </a:rPr>
-              <a:t>Chosen Solution – cont.</a:t>
-            </a:r>
-            <a:endParaRPr lang="en-US" dirty="0"/>
-          </a:p>
-        </p:txBody>
-      </p:sp>
-      <p:pic>
-        <p:nvPicPr>
-          <p:cNvPr id="6" name="Content Placeholder 5">
-            <a:extLst>
-              <a:ext uri="{FF2B5EF4-FFF2-40B4-BE49-F238E27FC236}">
-                <a16:creationId xmlns:a16="http://schemas.microsoft.com/office/drawing/2014/main" id="{5F1E7EFB-8F1E-4016-AF83-43E11800D3C9}"/>
-              </a:ext>
-            </a:extLst>
-          </p:cNvPr>
-          <p:cNvPicPr>
-            <a:picLocks noGrp="1" noChangeAspect="1"/>
-          </p:cNvPicPr>
-          <p:nvPr>
-            <p:ph idx="1"/>
-          </p:nvPr>
-        </p:nvPicPr>
-        <p:blipFill>
-          <a:blip r:embed="rId3" cstate="print">
-            <a:extLst>
-              <a:ext uri="{28A0092B-C50C-407E-A947-70E740481C1C}">
-                <a14:useLocalDpi xmlns:a14="http://schemas.microsoft.com/office/drawing/2010/main" val="0"/>
-              </a:ext>
-            </a:extLst>
-          </a:blip>
-          <a:stretch>
-            <a:fillRect/>
-          </a:stretch>
-        </p:blipFill>
-        <p:spPr>
-          <a:xfrm>
-            <a:off x="4579089" y="2209800"/>
-            <a:ext cx="4339200" cy="2438400"/>
-          </a:xfrm>
-        </p:spPr>
-      </p:pic>
-      <p:sp>
-        <p:nvSpPr>
-          <p:cNvPr id="4" name="Slide Number Placeholder 3">
-            <a:extLst>
-              <a:ext uri="{FF2B5EF4-FFF2-40B4-BE49-F238E27FC236}">
-                <a16:creationId xmlns:a16="http://schemas.microsoft.com/office/drawing/2014/main" id="{730F4767-693F-46E5-99A9-3EA78FEED796}"/>
-              </a:ext>
-            </a:extLst>
-          </p:cNvPr>
-          <p:cNvSpPr>
-            <a:spLocks noGrp="1"/>
-          </p:cNvSpPr>
-          <p:nvPr>
-            <p:ph type="sldNum" sz="quarter" idx="12"/>
-          </p:nvPr>
-        </p:nvSpPr>
-        <p:spPr/>
-        <p:txBody>
-          <a:bodyPr/>
-          <a:lstStyle/>
-          <a:p>
-            <a:fld id="{B01D9778-10B4-40FB-B4E4-44FA89A86639}" type="slidenum">
-              <a:rPr lang="en-US" smtClean="0"/>
-              <a:pPr/>
-              <a:t>18</a:t>
-            </a:fld>
-            <a:endParaRPr lang="en-US"/>
-          </a:p>
-        </p:txBody>
-      </p:sp>
-      <p:sp>
-        <p:nvSpPr>
-          <p:cNvPr id="7" name="TextBox 6">
-            <a:extLst>
-              <a:ext uri="{FF2B5EF4-FFF2-40B4-BE49-F238E27FC236}">
-                <a16:creationId xmlns:a16="http://schemas.microsoft.com/office/drawing/2014/main" id="{50DE3D12-2974-4FFD-842A-7D7604F00BDC}"/>
-              </a:ext>
-            </a:extLst>
-          </p:cNvPr>
-          <p:cNvSpPr txBox="1"/>
-          <p:nvPr/>
-        </p:nvSpPr>
-        <p:spPr>
-          <a:xfrm>
-            <a:off x="689343" y="2459504"/>
-            <a:ext cx="3802913" cy="1938992"/>
-          </a:xfrm>
-          <a:prstGeom prst="rect">
-            <a:avLst/>
-          </a:prstGeom>
-          <a:noFill/>
-        </p:spPr>
-        <p:txBody>
-          <a:bodyPr wrap="square" rtlCol="0">
-            <a:spAutoFit/>
-          </a:bodyPr>
-          <a:lstStyle/>
-          <a:p>
-            <a:pPr marL="342900" indent="-342900">
-              <a:buFont typeface="Arial" panose="020B0604020202020204" pitchFamily="34" charset="0"/>
-              <a:buChar char="•"/>
-            </a:pPr>
-            <a:r>
-              <a:rPr lang="en-US" sz="2400" dirty="0">
-                <a:solidFill>
-                  <a:srgbClr val="002060"/>
-                </a:solidFill>
-              </a:rPr>
-              <a:t>Each weight layer is a convolution layer</a:t>
-            </a:r>
-          </a:p>
-          <a:p>
-            <a:endParaRPr lang="en-US" sz="2400" dirty="0">
-              <a:solidFill>
-                <a:srgbClr val="002060"/>
-              </a:solidFill>
-            </a:endParaRPr>
-          </a:p>
-          <a:p>
-            <a:pPr marL="342900" indent="-342900">
-              <a:buFont typeface="Arial" panose="020B0604020202020204" pitchFamily="34" charset="0"/>
-              <a:buChar char="•"/>
-            </a:pPr>
-            <a:r>
-              <a:rPr lang="en-US" sz="2400" dirty="0">
-                <a:solidFill>
-                  <a:srgbClr val="002060"/>
-                </a:solidFill>
-              </a:rPr>
-              <a:t>Implement using DCN</a:t>
-            </a:r>
-          </a:p>
-          <a:p>
-            <a:endParaRPr lang="en-US" sz="2400" dirty="0">
-              <a:solidFill>
-                <a:srgbClr val="002060"/>
-              </a:solidFill>
-            </a:endParaRPr>
-          </a:p>
-        </p:txBody>
-      </p:sp>
-    </p:spTree>
-    <p:extLst>
-      <p:ext uri="{BB962C8B-B14F-4D97-AF65-F5344CB8AC3E}">
-        <p14:creationId xmlns:p14="http://schemas.microsoft.com/office/powerpoint/2010/main" val="321506964"/>
-      </p:ext>
-    </p:extLst>
-  </p:cSld>
-  <p:clrMapOvr>
-    <a:masterClrMapping/>
-  </p:clrMapOvr>
-</p:sld>
-</file>
-
-<file path=ppt/slides/slide19.xml><?xml version="1.0" encoding="utf-8"?>
-<p:sld xmlns:a="http://schemas.openxmlformats.org/drawingml/2006/main" xmlns:r="http://schemas.openxmlformats.org/officeDocument/2006/relationships" xmlns:p="http://schemas.openxmlformats.org/presentationml/2006/main">
-  <p:cSld>
-    <p:spTree>
-      <p:nvGrpSpPr>
-        <p:cNvPr id="1" name=""/>
-        <p:cNvGrpSpPr/>
-        <p:nvPr/>
-      </p:nvGrpSpPr>
-      <p:grpSpPr>
-        <a:xfrm>
-          <a:off x="0" y="0"/>
-          <a:ext cx="0" cy="0"/>
-          <a:chOff x="0" y="0"/>
-          <a:chExt cx="0" cy="0"/>
-        </a:xfrm>
-      </p:grpSpPr>
-      <p:sp>
-        <p:nvSpPr>
-          <p:cNvPr id="2" name="Title 1"/>
-          <p:cNvSpPr>
-            <a:spLocks noGrp="1"/>
-          </p:cNvSpPr>
-          <p:nvPr>
-            <p:ph type="title"/>
-          </p:nvPr>
-        </p:nvSpPr>
-        <p:spPr/>
-        <p:txBody>
-          <a:bodyPr/>
-          <a:lstStyle/>
-          <a:p>
-            <a:r>
-              <a:rPr lang="en-US" dirty="0">
-                <a:solidFill>
-                  <a:srgbClr val="002060"/>
-                </a:solidFill>
-              </a:rPr>
-              <a:t>Intermediate Results</a:t>
-            </a:r>
-            <a:endParaRPr lang="he-IL" dirty="0">
-              <a:solidFill>
-                <a:srgbClr val="002060"/>
-              </a:solidFill>
-            </a:endParaRPr>
-          </a:p>
-        </p:txBody>
-      </p:sp>
-      <p:sp>
-        <p:nvSpPr>
-          <p:cNvPr id="3" name="Content Placeholder 2"/>
-          <p:cNvSpPr>
-            <a:spLocks noGrp="1"/>
-          </p:cNvSpPr>
-          <p:nvPr>
-            <p:ph idx="1"/>
-          </p:nvPr>
-        </p:nvSpPr>
-        <p:spPr/>
-        <p:txBody>
-          <a:bodyPr>
-            <a:normAutofit/>
-          </a:bodyPr>
-          <a:lstStyle/>
-          <a:p>
-            <a:r>
-              <a:rPr lang="en-US" dirty="0">
-                <a:solidFill>
-                  <a:srgbClr val="002060"/>
-                </a:solidFill>
-              </a:rPr>
-              <a:t>Acquired datasets - </a:t>
-            </a:r>
-            <a:r>
-              <a:rPr lang="en-US" i="1" dirty="0">
-                <a:solidFill>
-                  <a:srgbClr val="002060"/>
-                </a:solidFill>
-              </a:rPr>
-              <a:t>Kaggle RSNA Challenge</a:t>
-            </a:r>
-            <a:r>
-              <a:rPr lang="en-US" dirty="0">
-                <a:solidFill>
-                  <a:srgbClr val="002060"/>
-                </a:solidFill>
-              </a:rPr>
-              <a:t>, </a:t>
-            </a:r>
-            <a:r>
-              <a:rPr lang="en-US" i="1" dirty="0">
-                <a:solidFill>
-                  <a:srgbClr val="002060"/>
-                </a:solidFill>
-              </a:rPr>
-              <a:t>Kaggle Pneumonia</a:t>
-            </a:r>
-            <a:r>
-              <a:rPr lang="en-US" dirty="0">
-                <a:solidFill>
-                  <a:srgbClr val="002060"/>
-                </a:solidFill>
-              </a:rPr>
-              <a:t>, </a:t>
-            </a:r>
-            <a:r>
-              <a:rPr lang="en-US" i="1" dirty="0">
-                <a:solidFill>
-                  <a:srgbClr val="002060"/>
-                </a:solidFill>
-              </a:rPr>
-              <a:t>CheXpert</a:t>
-            </a:r>
-          </a:p>
-          <a:p>
-            <a:r>
-              <a:rPr lang="en-US" dirty="0">
-                <a:solidFill>
-                  <a:srgbClr val="002060"/>
-                </a:solidFill>
-              </a:rPr>
-              <a:t>Trained known architectures on </a:t>
-            </a:r>
-            <a:r>
-              <a:rPr lang="en-US" i="1" dirty="0">
-                <a:solidFill>
-                  <a:srgbClr val="002060"/>
-                </a:solidFill>
-              </a:rPr>
-              <a:t>Kaggle Pneumonia</a:t>
-            </a:r>
-            <a:r>
-              <a:rPr lang="en-US" dirty="0">
-                <a:solidFill>
-                  <a:srgbClr val="002060"/>
-                </a:solidFill>
-              </a:rPr>
-              <a:t> dataset</a:t>
-            </a:r>
-          </a:p>
-          <a:p>
-            <a:pPr lvl="1"/>
-            <a:r>
-              <a:rPr lang="en-US" dirty="0" err="1">
-                <a:solidFill>
-                  <a:srgbClr val="002060"/>
-                </a:solidFill>
-              </a:rPr>
-              <a:t>AlexNet</a:t>
-            </a:r>
-            <a:r>
-              <a:rPr lang="en-US" dirty="0">
-                <a:solidFill>
-                  <a:srgbClr val="002060"/>
-                </a:solidFill>
-              </a:rPr>
-              <a:t>, </a:t>
-            </a:r>
-            <a:r>
-              <a:rPr lang="en-US" dirty="0" err="1">
-                <a:solidFill>
-                  <a:srgbClr val="002060"/>
-                </a:solidFill>
-              </a:rPr>
-              <a:t>ResNet</a:t>
-            </a:r>
-            <a:r>
-              <a:rPr lang="en-US" dirty="0">
-                <a:solidFill>
-                  <a:srgbClr val="002060"/>
-                </a:solidFill>
-              </a:rPr>
-              <a:t>, </a:t>
-            </a:r>
-            <a:r>
-              <a:rPr lang="en-US" dirty="0" err="1">
-                <a:solidFill>
-                  <a:srgbClr val="002060"/>
-                </a:solidFill>
-              </a:rPr>
-              <a:t>DenseNet</a:t>
-            </a:r>
-            <a:endParaRPr lang="en-US" dirty="0">
-              <a:solidFill>
-                <a:srgbClr val="002060"/>
-              </a:solidFill>
-            </a:endParaRPr>
-          </a:p>
-          <a:p>
-            <a:pPr lvl="1"/>
-            <a:r>
-              <a:rPr lang="en-US" dirty="0">
-                <a:solidFill>
-                  <a:srgbClr val="002060"/>
-                </a:solidFill>
-              </a:rPr>
-              <a:t>Used Transfer Learning for weights</a:t>
-            </a:r>
-          </a:p>
-          <a:p>
-            <a:r>
-              <a:rPr lang="en-US" dirty="0">
-                <a:solidFill>
-                  <a:srgbClr val="002060"/>
-                </a:solidFill>
-              </a:rPr>
-              <a:t>84% accuracy on test set - </a:t>
-            </a:r>
-            <a:r>
-              <a:rPr lang="en-US" dirty="0" err="1">
-                <a:solidFill>
-                  <a:srgbClr val="002060"/>
-                </a:solidFill>
-              </a:rPr>
-              <a:t>ResNet</a:t>
-            </a:r>
-            <a:r>
-              <a:rPr lang="en-US" dirty="0">
-                <a:solidFill>
-                  <a:srgbClr val="002060"/>
-                </a:solidFill>
-              </a:rPr>
-              <a:t> &amp; TL, 25 epochs</a:t>
-            </a:r>
-          </a:p>
-        </p:txBody>
-      </p:sp>
-      <p:sp>
-        <p:nvSpPr>
-          <p:cNvPr id="5" name="Slide Number Placeholder 4"/>
-          <p:cNvSpPr>
-            <a:spLocks noGrp="1"/>
-          </p:cNvSpPr>
-          <p:nvPr>
-            <p:ph type="sldNum" sz="quarter" idx="12"/>
-          </p:nvPr>
-        </p:nvSpPr>
-        <p:spPr/>
-        <p:txBody>
-          <a:bodyPr/>
-          <a:lstStyle/>
-          <a:p>
-            <a:fld id="{B01D9778-10B4-40FB-B4E4-44FA89A86639}" type="slidenum">
-              <a:rPr lang="en-US" smtClean="0"/>
-              <a:pPr/>
-              <a:t>19</a:t>
-            </a:fld>
-            <a:endParaRPr lang="en-US"/>
-          </a:p>
-        </p:txBody>
-      </p:sp>
-    </p:spTree>
-    <p:extLst>
-      <p:ext uri="{BB962C8B-B14F-4D97-AF65-F5344CB8AC3E}">
-        <p14:creationId xmlns:p14="http://schemas.microsoft.com/office/powerpoint/2010/main" val="2145876422"/>
-      </p:ext>
-    </p:extLst>
-  </p:cSld>
-  <p:clrMapOvr>
-    <a:masterClrMapping/>
-  </p:clrMapOvr>
-</p:sld>
-</file>
-
-<file path=ppt/slides/slide2.xml><?xml version="1.0" encoding="utf-8"?>
-<p:sld xmlns:a="http://schemas.openxmlformats.org/drawingml/2006/main" xmlns:r="http://schemas.openxmlformats.org/officeDocument/2006/relationships" xmlns:p="http://schemas.openxmlformats.org/presentationml/2006/main">
-  <p:cSld>
-    <p:spTree>
-      <p:nvGrpSpPr>
-        <p:cNvPr id="1" name=""/>
-        <p:cNvGrpSpPr/>
-        <p:nvPr/>
-      </p:nvGrpSpPr>
-      <p:grpSpPr>
-        <a:xfrm>
-          <a:off x="0" y="0"/>
-          <a:ext cx="0" cy="0"/>
-          <a:chOff x="0" y="0"/>
-          <a:chExt cx="0" cy="0"/>
-        </a:xfrm>
-      </p:grpSpPr>
-      <p:sp>
-        <p:nvSpPr>
-          <p:cNvPr id="2" name="Title 1"/>
-          <p:cNvSpPr>
-            <a:spLocks noGrp="1"/>
-          </p:cNvSpPr>
-          <p:nvPr>
-            <p:ph type="title"/>
-          </p:nvPr>
-        </p:nvSpPr>
-        <p:spPr/>
-        <p:txBody>
-          <a:bodyPr/>
-          <a:lstStyle/>
-          <a:p>
-            <a:r>
-              <a:rPr lang="en-US" dirty="0">
-                <a:solidFill>
-                  <a:srgbClr val="002060"/>
-                </a:solidFill>
-              </a:rPr>
-              <a:t>Outline</a:t>
-            </a:r>
-            <a:endParaRPr lang="he-IL" dirty="0">
-              <a:solidFill>
-                <a:srgbClr val="002060"/>
-              </a:solidFill>
-            </a:endParaRPr>
-          </a:p>
-        </p:txBody>
-      </p:sp>
-      <p:sp>
-        <p:nvSpPr>
-          <p:cNvPr id="3" name="Content Placeholder 2"/>
-          <p:cNvSpPr>
-            <a:spLocks noGrp="1"/>
-          </p:cNvSpPr>
-          <p:nvPr>
-            <p:ph idx="1"/>
-          </p:nvPr>
-        </p:nvSpPr>
-        <p:spPr>
-          <a:xfrm>
-            <a:off x="457200" y="1219201"/>
-            <a:ext cx="8229600" cy="5137149"/>
-          </a:xfrm>
-        </p:spPr>
-        <p:txBody>
-          <a:bodyPr>
-            <a:normAutofit/>
-          </a:bodyPr>
-          <a:lstStyle/>
-          <a:p>
-            <a:pPr>
-              <a:lnSpc>
-                <a:spcPct val="150000"/>
-              </a:lnSpc>
-            </a:pPr>
-            <a:r>
-              <a:rPr lang="en-US" sz="2400" dirty="0">
-                <a:solidFill>
-                  <a:srgbClr val="002060"/>
-                </a:solidFill>
-              </a:rPr>
-              <a:t>Background</a:t>
-            </a:r>
-          </a:p>
-          <a:p>
-            <a:pPr>
-              <a:lnSpc>
-                <a:spcPct val="150000"/>
-              </a:lnSpc>
-            </a:pPr>
-            <a:r>
-              <a:rPr lang="en-US" sz="2400" dirty="0">
-                <a:solidFill>
-                  <a:srgbClr val="002060"/>
-                </a:solidFill>
-              </a:rPr>
-              <a:t>Prior Work</a:t>
-            </a:r>
-          </a:p>
-          <a:p>
-            <a:pPr>
-              <a:lnSpc>
-                <a:spcPct val="150000"/>
-              </a:lnSpc>
-            </a:pPr>
-            <a:r>
-              <a:rPr lang="en-US" sz="2400" dirty="0">
-                <a:solidFill>
-                  <a:srgbClr val="002060"/>
-                </a:solidFill>
-              </a:rPr>
-              <a:t>Literature Survey &amp; DCN Review</a:t>
-            </a:r>
-          </a:p>
-          <a:p>
-            <a:pPr>
-              <a:lnSpc>
-                <a:spcPct val="150000"/>
-              </a:lnSpc>
-            </a:pPr>
-            <a:r>
-              <a:rPr lang="en-US" sz="2400" dirty="0">
-                <a:solidFill>
-                  <a:srgbClr val="002060"/>
-                </a:solidFill>
-              </a:rPr>
-              <a:t>Chosen Solution</a:t>
-            </a:r>
-          </a:p>
-          <a:p>
-            <a:pPr>
-              <a:lnSpc>
-                <a:spcPct val="150000"/>
-              </a:lnSpc>
-            </a:pPr>
-            <a:r>
-              <a:rPr lang="en-US" sz="2400" dirty="0">
-                <a:solidFill>
-                  <a:srgbClr val="002060"/>
-                </a:solidFill>
-              </a:rPr>
-              <a:t>Intermediate Results</a:t>
-            </a:r>
-          </a:p>
-          <a:p>
-            <a:pPr>
-              <a:lnSpc>
-                <a:spcPct val="150000"/>
-              </a:lnSpc>
-            </a:pPr>
-            <a:r>
-              <a:rPr lang="en-US" sz="2400" dirty="0">
-                <a:solidFill>
-                  <a:srgbClr val="002060"/>
-                </a:solidFill>
-              </a:rPr>
-              <a:t>Limitations &amp; Conclusions</a:t>
-            </a:r>
-          </a:p>
-          <a:p>
-            <a:pPr>
-              <a:lnSpc>
-                <a:spcPct val="150000"/>
-              </a:lnSpc>
-            </a:pPr>
-            <a:r>
-              <a:rPr lang="en-US" sz="2400" dirty="0">
-                <a:solidFill>
-                  <a:srgbClr val="002060"/>
-                </a:solidFill>
-              </a:rPr>
-              <a:t>Future Work</a:t>
-            </a:r>
-          </a:p>
-        </p:txBody>
-      </p:sp>
-      <p:sp>
-        <p:nvSpPr>
-          <p:cNvPr id="5" name="Slide Number Placeholder 4">
-            <a:extLst>
-              <a:ext uri="{FF2B5EF4-FFF2-40B4-BE49-F238E27FC236}">
-                <a16:creationId xmlns:a16="http://schemas.microsoft.com/office/drawing/2014/main" id="{7634C32D-DD55-42E2-8CD5-0E521033AD16}"/>
-              </a:ext>
-            </a:extLst>
-          </p:cNvPr>
-          <p:cNvSpPr>
-            <a:spLocks noGrp="1"/>
-          </p:cNvSpPr>
-          <p:nvPr>
-            <p:ph type="sldNum" sz="quarter" idx="12"/>
-          </p:nvPr>
-        </p:nvSpPr>
-        <p:spPr/>
-        <p:txBody>
-          <a:bodyPr/>
-          <a:lstStyle/>
-          <a:p>
-            <a:fld id="{B01D9778-10B4-40FB-B4E4-44FA89A86639}" type="slidenum">
-              <a:rPr lang="en-US" smtClean="0"/>
-              <a:pPr/>
-              <a:t>2</a:t>
-            </a:fld>
-            <a:endParaRPr lang="en-US"/>
-          </a:p>
-        </p:txBody>
-      </p:sp>
-    </p:spTree>
-    <p:extLst>
-      <p:ext uri="{BB962C8B-B14F-4D97-AF65-F5344CB8AC3E}">
-        <p14:creationId xmlns:p14="http://schemas.microsoft.com/office/powerpoint/2010/main" val="4064217885"/>
-      </p:ext>
-    </p:extLst>
-  </p:cSld>
-  <p:clrMapOvr>
-    <a:masterClrMapping/>
-  </p:clrMapOvr>
-</p:sld>
-</file>
-
-<file path=ppt/slides/slide20.xml><?xml version="1.0" encoding="utf-8"?>
-<p:sld xmlns:a="http://schemas.openxmlformats.org/drawingml/2006/main" xmlns:r="http://schemas.openxmlformats.org/officeDocument/2006/relationships" xmlns:p="http://schemas.openxmlformats.org/presentationml/2006/main">
-  <p:cSld>
-    <p:spTree>
-      <p:nvGrpSpPr>
-        <p:cNvPr id="1" name=""/>
-        <p:cNvGrpSpPr/>
-        <p:nvPr/>
-      </p:nvGrpSpPr>
-      <p:grpSpPr>
-        <a:xfrm>
-          <a:off x="0" y="0"/>
-          <a:ext cx="0" cy="0"/>
-          <a:chOff x="0" y="0"/>
-          <a:chExt cx="0" cy="0"/>
-        </a:xfrm>
-      </p:grpSpPr>
-      <p:sp>
-        <p:nvSpPr>
-          <p:cNvPr id="2" name="Title 1"/>
-          <p:cNvSpPr>
-            <a:spLocks noGrp="1"/>
-          </p:cNvSpPr>
-          <p:nvPr>
-            <p:ph type="title"/>
-          </p:nvPr>
-        </p:nvSpPr>
-        <p:spPr/>
-        <p:txBody>
-          <a:bodyPr/>
-          <a:lstStyle/>
-          <a:p>
-            <a:r>
-              <a:rPr lang="en-US" dirty="0">
-                <a:solidFill>
-                  <a:srgbClr val="002060"/>
-                </a:solidFill>
-              </a:rPr>
-              <a:t>Limitations &amp; Conclusions</a:t>
-            </a:r>
-            <a:endParaRPr lang="he-IL" dirty="0">
-              <a:solidFill>
-                <a:srgbClr val="002060"/>
-              </a:solidFill>
-            </a:endParaRPr>
-          </a:p>
-        </p:txBody>
-      </p:sp>
-      <p:sp>
-        <p:nvSpPr>
-          <p:cNvPr id="3" name="Content Placeholder 2"/>
-          <p:cNvSpPr>
-            <a:spLocks noGrp="1"/>
-          </p:cNvSpPr>
-          <p:nvPr>
-            <p:ph idx="1"/>
-          </p:nvPr>
-        </p:nvSpPr>
-        <p:spPr/>
-        <p:txBody>
-          <a:bodyPr/>
-          <a:lstStyle/>
-          <a:p>
-            <a:r>
-              <a:rPr lang="en-US" dirty="0">
-                <a:solidFill>
-                  <a:srgbClr val="002060"/>
-                </a:solidFill>
-              </a:rPr>
-              <a:t>Regular CNN can achieve decent results on current data (84%-90%)</a:t>
-            </a:r>
-          </a:p>
-          <a:p>
-            <a:r>
-              <a:rPr lang="en-US" dirty="0">
-                <a:solidFill>
-                  <a:srgbClr val="002060"/>
-                </a:solidFill>
-              </a:rPr>
-              <a:t>Data labeling not ideal (pictures fit more than one label, lung opacity label, etc.)</a:t>
-            </a:r>
-          </a:p>
-          <a:p>
-            <a:r>
-              <a:rPr lang="en-US" dirty="0">
-                <a:solidFill>
-                  <a:srgbClr val="002060"/>
-                </a:solidFill>
-              </a:rPr>
-              <a:t>Different datasets to work on with different sizes</a:t>
-            </a:r>
-          </a:p>
-          <a:p>
-            <a:endParaRPr lang="en-US" dirty="0">
-              <a:solidFill>
-                <a:srgbClr val="002060"/>
-              </a:solidFill>
-            </a:endParaRPr>
-          </a:p>
-        </p:txBody>
-      </p:sp>
-      <p:sp>
-        <p:nvSpPr>
-          <p:cNvPr id="5" name="Slide Number Placeholder 4"/>
-          <p:cNvSpPr>
-            <a:spLocks noGrp="1"/>
-          </p:cNvSpPr>
-          <p:nvPr>
-            <p:ph type="sldNum" sz="quarter" idx="12"/>
-          </p:nvPr>
-        </p:nvSpPr>
-        <p:spPr/>
-        <p:txBody>
-          <a:bodyPr/>
-          <a:lstStyle/>
-          <a:p>
-            <a:fld id="{B01D9778-10B4-40FB-B4E4-44FA89A86639}" type="slidenum">
-              <a:rPr lang="en-US" smtClean="0"/>
-              <a:pPr/>
-              <a:t>20</a:t>
-            </a:fld>
-            <a:endParaRPr lang="en-US"/>
-          </a:p>
-        </p:txBody>
-      </p:sp>
-    </p:spTree>
-    <p:extLst>
-      <p:ext uri="{BB962C8B-B14F-4D97-AF65-F5344CB8AC3E}">
-        <p14:creationId xmlns:p14="http://schemas.microsoft.com/office/powerpoint/2010/main" val="1669314898"/>
-      </p:ext>
-    </p:extLst>
-  </p:cSld>
-  <p:clrMapOvr>
-    <a:masterClrMapping/>
-  </p:clrMapOvr>
-</p:sld>
-</file>
-
 <file path=ppt/slides/slide21.xml><?xml version="1.0" encoding="utf-8"?>
 <p:sld xmlns:a="http://schemas.openxmlformats.org/drawingml/2006/main" xmlns:r="http://schemas.openxmlformats.org/officeDocument/2006/relationships" xmlns:p="http://schemas.openxmlformats.org/presentationml/2006/main">
   <p:cSld>
@@ -7518,7 +7836,13 @@
       </p:grpSpPr>
       <p:sp>
         <p:nvSpPr>
-          <p:cNvPr id="2" name="Title 1"/>
+          <p:cNvPr id="2" name="Title 1">
+            <a:extLst>
+              <a:ext uri="{FF2B5EF4-FFF2-40B4-BE49-F238E27FC236}">
+                <a16:creationId xmlns:a16="http://schemas.microsoft.com/office/drawing/2014/main" id="{F855575A-6F82-4184-B808-CE9390C5E46A}"/>
+              </a:ext>
+            </a:extLst>
+          </p:cNvPr>
           <p:cNvSpPr>
             <a:spLocks noGrp="1"/>
           </p:cNvSpPr>
@@ -7526,7 +7850,12 @@
             <p:ph type="title"/>
           </p:nvPr>
         </p:nvSpPr>
-        <p:spPr/>
+        <p:spPr>
+          <a:xfrm>
+            <a:off x="457200" y="206058"/>
+            <a:ext cx="8229600" cy="1143000"/>
+          </a:xfrm>
+        </p:spPr>
         <p:txBody>
           <a:bodyPr/>
           <a:lstStyle/>
@@ -7537,85 +7866,56 @@
                   <a:srgbClr val="002060"/>
                 </a:solidFill>
               </a:rPr>
-              <a:t>Future Work</a:t>
-            </a:r>
-            <a:endParaRPr lang="he-IL" dirty="0">
-              <a:solidFill>
-                <a:srgbClr val="002060"/>
-              </a:solidFill>
-            </a:endParaRPr>
-          </a:p>
-        </p:txBody>
-      </p:sp>
-      <p:sp>
-        <p:nvSpPr>
-          <p:cNvPr id="3" name="Content Placeholder 2"/>
-          <p:cNvSpPr>
-            <a:spLocks noGrp="1"/>
-          </p:cNvSpPr>
+              <a:t>Chosen Solution – cont.</a:t>
+            </a:r>
+            <a:endParaRPr lang="en-US" dirty="0"/>
+          </a:p>
+        </p:txBody>
+      </p:sp>
+      <p:pic>
+        <p:nvPicPr>
+          <p:cNvPr id="6" name="Content Placeholder 5">
+            <a:extLst>
+              <a:ext uri="{FF2B5EF4-FFF2-40B4-BE49-F238E27FC236}">
+                <a16:creationId xmlns:a16="http://schemas.microsoft.com/office/drawing/2014/main" id="{5F1E7EFB-8F1E-4016-AF83-43E11800D3C9}"/>
+              </a:ext>
+            </a:extLst>
+          </p:cNvPr>
+          <p:cNvPicPr>
+            <a:picLocks noGrp="1" noChangeAspect="1"/>
+          </p:cNvPicPr>
           <p:nvPr>
             <p:ph idx="1"/>
           </p:nvPr>
-        </p:nvSpPr>
-        <p:spPr/>
-        <p:txBody>
-          <a:bodyPr/>
-          <a:lstStyle/>
-          <a:p>
-            <a:r>
-              <a:rPr lang="en-US" dirty="0">
-                <a:solidFill>
-                  <a:srgbClr val="002060"/>
-                </a:solidFill>
-              </a:rPr>
-              <a:t>Try different CNN architectures on dataset</a:t>
-            </a:r>
-          </a:p>
-          <a:p>
-            <a:r>
-              <a:rPr lang="en-US" dirty="0">
-                <a:solidFill>
-                  <a:srgbClr val="002060"/>
-                </a:solidFill>
-              </a:rPr>
-              <a:t>Train models on all datasets</a:t>
-            </a:r>
-          </a:p>
-          <a:p>
-            <a:r>
-              <a:rPr lang="en-US" dirty="0">
-                <a:solidFill>
-                  <a:srgbClr val="002060"/>
-                </a:solidFill>
-              </a:rPr>
-              <a:t>Implement DCN layers to trained architectures</a:t>
-            </a:r>
-          </a:p>
-          <a:p>
-            <a:r>
-              <a:rPr lang="en-US" dirty="0">
-                <a:solidFill>
-                  <a:srgbClr val="002060"/>
-                </a:solidFill>
-              </a:rPr>
-              <a:t>Explore newer DCN version (v2)</a:t>
-            </a:r>
-          </a:p>
-          <a:p>
-            <a:r>
-              <a:rPr lang="en-US" dirty="0">
-                <a:solidFill>
-                  <a:srgbClr val="002060"/>
-                </a:solidFill>
-              </a:rPr>
-              <a:t>Acquire additional datasets from Zebra Medical</a:t>
-            </a:r>
-          </a:p>
-        </p:txBody>
-      </p:sp>
-      <p:sp>
-        <p:nvSpPr>
-          <p:cNvPr id="5" name="Slide Number Placeholder 4"/>
+        </p:nvPicPr>
+        <p:blipFill>
+          <a:blip r:embed="rId3" cstate="print">
+            <a:extLst>
+              <a:ext uri="{28A0092B-C50C-407E-A947-70E740481C1C}">
+                <a14:useLocalDpi xmlns:a14="http://schemas.microsoft.com/office/drawing/2010/main" val="0"/>
+              </a:ext>
+            </a:extLst>
+          </a:blip>
+          <a:stretch>
+            <a:fillRect/>
+          </a:stretch>
+        </p:blipFill>
+        <p:spPr>
+          <a:xfrm>
+            <a:off x="4564380" y="2150054"/>
+            <a:ext cx="4339200" cy="2438400"/>
+          </a:xfrm>
+        </p:spPr>
+      </p:pic>
+      <p:sp>
+        <p:nvSpPr>
+          <p:cNvPr id="4" name="Slide Number Placeholder 3">
+            <a:extLst>
+              <a:ext uri="{FF2B5EF4-FFF2-40B4-BE49-F238E27FC236}">
+                <a16:creationId xmlns:a16="http://schemas.microsoft.com/office/drawing/2014/main" id="{730F4767-693F-46E5-99A9-3EA78FEED796}"/>
+              </a:ext>
+            </a:extLst>
+          </p:cNvPr>
           <p:cNvSpPr>
             <a:spLocks noGrp="1"/>
           </p:cNvSpPr>
@@ -7637,16 +7937,592 @@
           </a:p>
         </p:txBody>
       </p:sp>
+      <p:sp>
+        <p:nvSpPr>
+          <p:cNvPr id="7" name="TextBox 6">
+            <a:extLst>
+              <a:ext uri="{FF2B5EF4-FFF2-40B4-BE49-F238E27FC236}">
+                <a16:creationId xmlns:a16="http://schemas.microsoft.com/office/drawing/2014/main" id="{50DE3D12-2974-4FFD-842A-7D7604F00BDC}"/>
+              </a:ext>
+            </a:extLst>
+          </p:cNvPr>
+          <p:cNvSpPr txBox="1"/>
+          <p:nvPr/>
+        </p:nvSpPr>
+        <p:spPr>
+          <a:xfrm>
+            <a:off x="457200" y="1855133"/>
+            <a:ext cx="3802913" cy="1938992"/>
+          </a:xfrm>
+          <a:prstGeom prst="rect">
+            <a:avLst/>
+          </a:prstGeom>
+          <a:noFill/>
+        </p:spPr>
+        <p:txBody>
+          <a:bodyPr wrap="square" rtlCol="0">
+            <a:spAutoFit/>
+          </a:bodyPr>
+          <a:lstStyle/>
+          <a:p>
+            <a:pPr marL="342900" indent="-342900">
+              <a:buFont typeface="Arial" panose="020B0604020202020204" pitchFamily="34" charset="0"/>
+              <a:buChar char="•"/>
+            </a:pPr>
+            <a:r>
+              <a:rPr lang="en-US" sz="2400" dirty="0">
+                <a:solidFill>
+                  <a:srgbClr val="002060"/>
+                </a:solidFill>
+              </a:rPr>
+              <a:t>Each weight layer is a convolution layer</a:t>
+            </a:r>
+          </a:p>
+          <a:p>
+            <a:endParaRPr lang="en-US" sz="2400" dirty="0">
+              <a:solidFill>
+                <a:srgbClr val="002060"/>
+              </a:solidFill>
+            </a:endParaRPr>
+          </a:p>
+          <a:p>
+            <a:pPr marL="342900" indent="-342900">
+              <a:buFont typeface="Arial" panose="020B0604020202020204" pitchFamily="34" charset="0"/>
+              <a:buChar char="•"/>
+            </a:pPr>
+            <a:r>
+              <a:rPr lang="en-US" sz="2400" dirty="0">
+                <a:solidFill>
+                  <a:srgbClr val="002060"/>
+                </a:solidFill>
+              </a:rPr>
+              <a:t>Implement using DCN</a:t>
+            </a:r>
+          </a:p>
+          <a:p>
+            <a:endParaRPr lang="en-US" sz="2400" dirty="0">
+              <a:solidFill>
+                <a:srgbClr val="002060"/>
+              </a:solidFill>
+            </a:endParaRPr>
+          </a:p>
+        </p:txBody>
+      </p:sp>
+      <p:sp>
+        <p:nvSpPr>
+          <p:cNvPr id="8" name="TextBox 7">
+            <a:extLst>
+              <a:ext uri="{FF2B5EF4-FFF2-40B4-BE49-F238E27FC236}">
+                <a16:creationId xmlns:a16="http://schemas.microsoft.com/office/drawing/2014/main" id="{C8121756-5EE6-4B98-B742-51FE84C27232}"/>
+              </a:ext>
+            </a:extLst>
+          </p:cNvPr>
+          <p:cNvSpPr txBox="1"/>
+          <p:nvPr/>
+        </p:nvSpPr>
+        <p:spPr>
+          <a:xfrm>
+            <a:off x="5107407" y="4650344"/>
+            <a:ext cx="3802913" cy="461665"/>
+          </a:xfrm>
+          <a:prstGeom prst="rect">
+            <a:avLst/>
+          </a:prstGeom>
+          <a:noFill/>
+        </p:spPr>
+        <p:txBody>
+          <a:bodyPr wrap="square" rtlCol="0">
+            <a:spAutoFit/>
+          </a:bodyPr>
+          <a:lstStyle/>
+          <a:p>
+            <a:r>
+              <a:rPr lang="en-US" sz="2400" dirty="0">
+                <a:solidFill>
+                  <a:srgbClr val="002060"/>
+                </a:solidFill>
+              </a:rPr>
+              <a:t>One Residual Layer</a:t>
+            </a:r>
+          </a:p>
+        </p:txBody>
+      </p:sp>
+      <p:sp>
+        <p:nvSpPr>
+          <p:cNvPr id="9" name="Rectangle: Rounded Corners 8">
+            <a:extLst>
+              <a:ext uri="{FF2B5EF4-FFF2-40B4-BE49-F238E27FC236}">
+                <a16:creationId xmlns:a16="http://schemas.microsoft.com/office/drawing/2014/main" id="{35EA3A46-43F2-4E11-9863-CE1FFF42CC44}"/>
+              </a:ext>
+            </a:extLst>
+          </p:cNvPr>
+          <p:cNvSpPr/>
+          <p:nvPr/>
+        </p:nvSpPr>
+        <p:spPr>
+          <a:xfrm>
+            <a:off x="5494420" y="2567236"/>
+            <a:ext cx="1896979" cy="480764"/>
+          </a:xfrm>
+          <a:prstGeom prst="roundRect">
+            <a:avLst/>
+          </a:prstGeom>
+          <a:noFill/>
+          <a:ln w="57150">
+            <a:solidFill>
+              <a:srgbClr val="FF0000"/>
+            </a:solidFill>
+          </a:ln>
+        </p:spPr>
+        <p:style>
+          <a:lnRef idx="2">
+            <a:schemeClr val="accent1">
+              <a:shade val="50000"/>
+            </a:schemeClr>
+          </a:lnRef>
+          <a:fillRef idx="1">
+            <a:schemeClr val="accent1"/>
+          </a:fillRef>
+          <a:effectRef idx="0">
+            <a:schemeClr val="accent1"/>
+          </a:effectRef>
+          <a:fontRef idx="minor">
+            <a:schemeClr val="lt1"/>
+          </a:fontRef>
+        </p:style>
+        <p:txBody>
+          <a:bodyPr rtlCol="0" anchor="ctr"/>
+          <a:lstStyle/>
+          <a:p>
+            <a:pPr algn="ctr"/>
+            <a:endParaRPr lang="en-US"/>
+          </a:p>
+        </p:txBody>
+      </p:sp>
+      <p:sp>
+        <p:nvSpPr>
+          <p:cNvPr id="10" name="Rectangle: Rounded Corners 9">
+            <a:extLst>
+              <a:ext uri="{FF2B5EF4-FFF2-40B4-BE49-F238E27FC236}">
+                <a16:creationId xmlns:a16="http://schemas.microsoft.com/office/drawing/2014/main" id="{89030ABC-375E-4B45-924C-32A8422CC949}"/>
+              </a:ext>
+            </a:extLst>
+          </p:cNvPr>
+          <p:cNvSpPr/>
+          <p:nvPr/>
+        </p:nvSpPr>
+        <p:spPr>
+          <a:xfrm>
+            <a:off x="5494421" y="3369254"/>
+            <a:ext cx="1784684" cy="479742"/>
+          </a:xfrm>
+          <a:prstGeom prst="roundRect">
+            <a:avLst/>
+          </a:prstGeom>
+          <a:noFill/>
+          <a:ln w="57150">
+            <a:solidFill>
+              <a:srgbClr val="FF0000"/>
+            </a:solidFill>
+          </a:ln>
+        </p:spPr>
+        <p:style>
+          <a:lnRef idx="2">
+            <a:schemeClr val="accent1">
+              <a:shade val="50000"/>
+            </a:schemeClr>
+          </a:lnRef>
+          <a:fillRef idx="1">
+            <a:schemeClr val="accent1"/>
+          </a:fillRef>
+          <a:effectRef idx="0">
+            <a:schemeClr val="accent1"/>
+          </a:effectRef>
+          <a:fontRef idx="minor">
+            <a:schemeClr val="lt1"/>
+          </a:fontRef>
+        </p:style>
+        <p:txBody>
+          <a:bodyPr rtlCol="0" anchor="ctr"/>
+          <a:lstStyle/>
+          <a:p>
+            <a:pPr algn="ctr"/>
+            <a:endParaRPr lang="en-US"/>
+          </a:p>
+        </p:txBody>
+      </p:sp>
+      <p:sp>
+        <p:nvSpPr>
+          <p:cNvPr id="11" name="TextBox 10">
+            <a:extLst>
+              <a:ext uri="{FF2B5EF4-FFF2-40B4-BE49-F238E27FC236}">
+                <a16:creationId xmlns:a16="http://schemas.microsoft.com/office/drawing/2014/main" id="{F4CF6101-45F2-4211-B4BC-BF3DF1BF0939}"/>
+              </a:ext>
+            </a:extLst>
+          </p:cNvPr>
+          <p:cNvSpPr txBox="1"/>
+          <p:nvPr/>
+        </p:nvSpPr>
+        <p:spPr>
+          <a:xfrm>
+            <a:off x="2438400" y="3911283"/>
+            <a:ext cx="1560095" cy="1200329"/>
+          </a:xfrm>
+          <a:prstGeom prst="rect">
+            <a:avLst/>
+          </a:prstGeom>
+          <a:noFill/>
+        </p:spPr>
+        <p:txBody>
+          <a:bodyPr wrap="square" rtlCol="0">
+            <a:spAutoFit/>
+          </a:bodyPr>
+          <a:lstStyle/>
+          <a:p>
+            <a:pPr algn="ctr"/>
+            <a:r>
+              <a:rPr lang="en-US" b="1" dirty="0">
+                <a:solidFill>
+                  <a:srgbClr val="FF0000"/>
+                </a:solidFill>
+              </a:rPr>
+              <a:t>Changed to Deformable Convolutional layer</a:t>
+            </a:r>
+          </a:p>
+        </p:txBody>
+      </p:sp>
+      <p:cxnSp>
+        <p:nvCxnSpPr>
+          <p:cNvPr id="12" name="Straight Arrow Connector 11">
+            <a:extLst>
+              <a:ext uri="{FF2B5EF4-FFF2-40B4-BE49-F238E27FC236}">
+                <a16:creationId xmlns:a16="http://schemas.microsoft.com/office/drawing/2014/main" id="{D8561EA4-4CE4-488D-A335-5B7D7ECFC20B}"/>
+              </a:ext>
+            </a:extLst>
+          </p:cNvPr>
+          <p:cNvCxnSpPr>
+            <a:cxnSpLocks/>
+            <a:stCxn id="11" idx="3"/>
+            <a:endCxn id="9" idx="1"/>
+          </p:cNvCxnSpPr>
+          <p:nvPr/>
+        </p:nvCxnSpPr>
+        <p:spPr>
+          <a:xfrm flipV="1">
+            <a:off x="3998495" y="2807618"/>
+            <a:ext cx="1495925" cy="1703830"/>
+          </a:xfrm>
+          <a:prstGeom prst="straightConnector1">
+            <a:avLst/>
+          </a:prstGeom>
+          <a:ln>
+            <a:solidFill>
+              <a:srgbClr val="FF0000"/>
+            </a:solidFill>
+            <a:tailEnd type="triangle"/>
+          </a:ln>
+        </p:spPr>
+        <p:style>
+          <a:lnRef idx="1">
+            <a:schemeClr val="accent1"/>
+          </a:lnRef>
+          <a:fillRef idx="0">
+            <a:schemeClr val="accent1"/>
+          </a:fillRef>
+          <a:effectRef idx="0">
+            <a:schemeClr val="accent1"/>
+          </a:effectRef>
+          <a:fontRef idx="minor">
+            <a:schemeClr val="tx1"/>
+          </a:fontRef>
+        </p:style>
+      </p:cxnSp>
+      <p:cxnSp>
+        <p:nvCxnSpPr>
+          <p:cNvPr id="13" name="Straight Arrow Connector 12">
+            <a:extLst>
+              <a:ext uri="{FF2B5EF4-FFF2-40B4-BE49-F238E27FC236}">
+                <a16:creationId xmlns:a16="http://schemas.microsoft.com/office/drawing/2014/main" id="{1D52AB2A-FFF8-40F0-BBCE-FF59DA8F02FB}"/>
+              </a:ext>
+            </a:extLst>
+          </p:cNvPr>
+          <p:cNvCxnSpPr>
+            <a:cxnSpLocks/>
+            <a:stCxn id="11" idx="3"/>
+          </p:cNvCxnSpPr>
+          <p:nvPr/>
+        </p:nvCxnSpPr>
+        <p:spPr>
+          <a:xfrm flipV="1">
+            <a:off x="3998495" y="3609126"/>
+            <a:ext cx="1495926" cy="902322"/>
+          </a:xfrm>
+          <a:prstGeom prst="straightConnector1">
+            <a:avLst/>
+          </a:prstGeom>
+          <a:ln>
+            <a:solidFill>
+              <a:srgbClr val="FF0000"/>
+            </a:solidFill>
+            <a:tailEnd type="triangle"/>
+          </a:ln>
+        </p:spPr>
+        <p:style>
+          <a:lnRef idx="1">
+            <a:schemeClr val="accent1"/>
+          </a:lnRef>
+          <a:fillRef idx="0">
+            <a:schemeClr val="accent1"/>
+          </a:fillRef>
+          <a:effectRef idx="0">
+            <a:schemeClr val="accent1"/>
+          </a:effectRef>
+          <a:fontRef idx="minor">
+            <a:schemeClr val="tx1"/>
+          </a:fontRef>
+        </p:style>
+      </p:cxnSp>
     </p:spTree>
     <p:extLst>
       <p:ext uri="{BB962C8B-B14F-4D97-AF65-F5344CB8AC3E}">
-        <p14:creationId xmlns:p14="http://schemas.microsoft.com/office/powerpoint/2010/main" val="194558903"/>
+        <p14:creationId xmlns:p14="http://schemas.microsoft.com/office/powerpoint/2010/main" val="321506964"/>
       </p:ext>
     </p:extLst>
   </p:cSld>
   <p:clrMapOvr>
     <a:masterClrMapping/>
   </p:clrMapOvr>
+  <p:timing>
+    <p:tnLst>
+      <p:par>
+        <p:cTn id="1" dur="indefinite" restart="never" nodeType="tmRoot">
+          <p:childTnLst>
+            <p:seq concurrent="1" nextAc="seek">
+              <p:cTn id="2" dur="indefinite" nodeType="mainSeq">
+                <p:childTnLst>
+                  <p:par>
+                    <p:cTn id="3" fill="hold">
+                      <p:stCondLst>
+                        <p:cond delay="indefinite"/>
+                      </p:stCondLst>
+                      <p:childTnLst>
+                        <p:par>
+                          <p:cTn id="4" fill="hold">
+                            <p:stCondLst>
+                              <p:cond delay="0"/>
+                            </p:stCondLst>
+                            <p:childTnLst>
+                              <p:par>
+                                <p:cTn id="5" presetID="12" presetClass="entr" presetSubtype="8" fill="hold" grpId="0" nodeType="clickEffect">
+                                  <p:stCondLst>
+                                    <p:cond delay="0"/>
+                                  </p:stCondLst>
+                                  <p:childTnLst>
+                                    <p:set>
+                                      <p:cBhvr>
+                                        <p:cTn id="6" dur="1" fill="hold">
+                                          <p:stCondLst>
+                                            <p:cond delay="0"/>
+                                          </p:stCondLst>
+                                        </p:cTn>
+                                        <p:tgtEl>
+                                          <p:spTgt spid="10"/>
+                                        </p:tgtEl>
+                                        <p:attrNameLst>
+                                          <p:attrName>style.visibility</p:attrName>
+                                        </p:attrNameLst>
+                                      </p:cBhvr>
+                                      <p:to>
+                                        <p:strVal val="visible"/>
+                                      </p:to>
+                                    </p:set>
+                                    <p:anim calcmode="lin" valueType="num">
+                                      <p:cBhvr additive="base">
+                                        <p:cTn id="7" dur="500"/>
+                                        <p:tgtEl>
+                                          <p:spTgt spid="10"/>
+                                        </p:tgtEl>
+                                        <p:attrNameLst>
+                                          <p:attrName>ppt_x</p:attrName>
+                                        </p:attrNameLst>
+                                      </p:cBhvr>
+                                      <p:tavLst>
+                                        <p:tav tm="0">
+                                          <p:val>
+                                            <p:strVal val="#ppt_x-#ppt_w*1.125000"/>
+                                          </p:val>
+                                        </p:tav>
+                                        <p:tav tm="100000">
+                                          <p:val>
+                                            <p:strVal val="#ppt_x"/>
+                                          </p:val>
+                                        </p:tav>
+                                      </p:tavLst>
+                                    </p:anim>
+                                    <p:animEffect transition="in" filter="wipe(right)">
+                                      <p:cBhvr>
+                                        <p:cTn id="8" dur="500"/>
+                                        <p:tgtEl>
+                                          <p:spTgt spid="10"/>
+                                        </p:tgtEl>
+                                      </p:cBhvr>
+                                    </p:animEffect>
+                                  </p:childTnLst>
+                                </p:cTn>
+                              </p:par>
+                              <p:par>
+                                <p:cTn id="9" presetID="12" presetClass="entr" presetSubtype="8" fill="hold" grpId="0" nodeType="withEffect">
+                                  <p:stCondLst>
+                                    <p:cond delay="0"/>
+                                  </p:stCondLst>
+                                  <p:childTnLst>
+                                    <p:set>
+                                      <p:cBhvr>
+                                        <p:cTn id="10" dur="1" fill="hold">
+                                          <p:stCondLst>
+                                            <p:cond delay="0"/>
+                                          </p:stCondLst>
+                                        </p:cTn>
+                                        <p:tgtEl>
+                                          <p:spTgt spid="9"/>
+                                        </p:tgtEl>
+                                        <p:attrNameLst>
+                                          <p:attrName>style.visibility</p:attrName>
+                                        </p:attrNameLst>
+                                      </p:cBhvr>
+                                      <p:to>
+                                        <p:strVal val="visible"/>
+                                      </p:to>
+                                    </p:set>
+                                    <p:anim calcmode="lin" valueType="num">
+                                      <p:cBhvr additive="base">
+                                        <p:cTn id="11" dur="500"/>
+                                        <p:tgtEl>
+                                          <p:spTgt spid="9"/>
+                                        </p:tgtEl>
+                                        <p:attrNameLst>
+                                          <p:attrName>ppt_x</p:attrName>
+                                        </p:attrNameLst>
+                                      </p:cBhvr>
+                                      <p:tavLst>
+                                        <p:tav tm="0">
+                                          <p:val>
+                                            <p:strVal val="#ppt_x-#ppt_w*1.125000"/>
+                                          </p:val>
+                                        </p:tav>
+                                        <p:tav tm="100000">
+                                          <p:val>
+                                            <p:strVal val="#ppt_x"/>
+                                          </p:val>
+                                        </p:tav>
+                                      </p:tavLst>
+                                    </p:anim>
+                                    <p:animEffect transition="in" filter="wipe(right)">
+                                      <p:cBhvr>
+                                        <p:cTn id="12" dur="500"/>
+                                        <p:tgtEl>
+                                          <p:spTgt spid="9"/>
+                                        </p:tgtEl>
+                                      </p:cBhvr>
+                                    </p:animEffect>
+                                  </p:childTnLst>
+                                </p:cTn>
+                              </p:par>
+                            </p:childTnLst>
+                          </p:cTn>
+                        </p:par>
+                        <p:par>
+                          <p:cTn id="13" fill="hold">
+                            <p:stCondLst>
+                              <p:cond delay="500"/>
+                            </p:stCondLst>
+                            <p:childTnLst>
+                              <p:par>
+                                <p:cTn id="14" presetID="26" presetClass="emph" presetSubtype="0" fill="hold" grpId="1" nodeType="afterEffect">
+                                  <p:stCondLst>
+                                    <p:cond delay="0"/>
+                                  </p:stCondLst>
+                                  <p:childTnLst>
+                                    <p:animEffect transition="out" filter="fade">
+                                      <p:cBhvr>
+                                        <p:cTn id="15" dur="1000" tmFilter="0, 0; .2, .5; .8, .5; 1, 0"/>
+                                        <p:tgtEl>
+                                          <p:spTgt spid="10"/>
+                                        </p:tgtEl>
+                                      </p:cBhvr>
+                                    </p:animEffect>
+                                    <p:animScale>
+                                      <p:cBhvr>
+                                        <p:cTn id="16" dur="500" autoRev="1" fill="hold"/>
+                                        <p:tgtEl>
+                                          <p:spTgt spid="10"/>
+                                        </p:tgtEl>
+                                      </p:cBhvr>
+                                      <p:by x="105000" y="105000"/>
+                                    </p:animScale>
+                                  </p:childTnLst>
+                                </p:cTn>
+                              </p:par>
+                              <p:par>
+                                <p:cTn id="17" presetID="26" presetClass="emph" presetSubtype="0" fill="hold" grpId="1" nodeType="withEffect">
+                                  <p:stCondLst>
+                                    <p:cond delay="0"/>
+                                  </p:stCondLst>
+                                  <p:childTnLst>
+                                    <p:animEffect transition="out" filter="fade">
+                                      <p:cBhvr>
+                                        <p:cTn id="18" dur="1000" tmFilter="0, 0; .2, .5; .8, .5; 1, 0"/>
+                                        <p:tgtEl>
+                                          <p:spTgt spid="9"/>
+                                        </p:tgtEl>
+                                      </p:cBhvr>
+                                    </p:animEffect>
+                                    <p:animScale>
+                                      <p:cBhvr>
+                                        <p:cTn id="19" dur="500" autoRev="1" fill="hold"/>
+                                        <p:tgtEl>
+                                          <p:spTgt spid="9"/>
+                                        </p:tgtEl>
+                                      </p:cBhvr>
+                                      <p:by x="105000" y="105000"/>
+                                    </p:animScale>
+                                  </p:childTnLst>
+                                </p:cTn>
+                              </p:par>
+                            </p:childTnLst>
+                          </p:cTn>
+                        </p:par>
+                      </p:childTnLst>
+                    </p:cTn>
+                  </p:par>
+                </p:childTnLst>
+              </p:cTn>
+              <p:prevCondLst>
+                <p:cond evt="onPrev" delay="0">
+                  <p:tgtEl>
+                    <p:sldTgt/>
+                  </p:tgtEl>
+                </p:cond>
+              </p:prevCondLst>
+              <p:nextCondLst>
+                <p:cond evt="onNext" delay="0">
+                  <p:tgtEl>
+                    <p:sldTgt/>
+                  </p:tgtEl>
+                </p:cond>
+              </p:nextCondLst>
+            </p:seq>
+          </p:childTnLst>
+        </p:cTn>
+      </p:par>
+    </p:tnLst>
+    <p:bldLst>
+      <p:bldP spid="9" grpId="0" animBg="1"/>
+      <p:bldP spid="9" grpId="1" animBg="1"/>
+      <p:bldP spid="10" grpId="0" animBg="1"/>
+      <p:bldP spid="10" grpId="1" animBg="1"/>
+    </p:bldLst>
+  </p:timing>
 </p:sld>
 </file>
 
@@ -7677,12 +8553,7 @@
             <p:ph type="title"/>
           </p:nvPr>
         </p:nvSpPr>
-        <p:spPr>
-          <a:xfrm>
-            <a:off x="438615" y="228600"/>
-            <a:ext cx="8229600" cy="1143000"/>
-          </a:xfrm>
-        </p:spPr>
+        <p:spPr/>
         <p:txBody>
           <a:bodyPr/>
           <a:lstStyle/>
@@ -7693,7 +8564,7 @@
                   <a:srgbClr val="002060"/>
                 </a:solidFill>
               </a:rPr>
-              <a:t>References</a:t>
+              <a:t>Intermediate Results</a:t>
             </a:r>
             <a:endParaRPr lang="he-IL" dirty="0">
               <a:solidFill>
@@ -7720,143 +8591,165 @@
           </a:bodyPr>
           <a:lstStyle/>
           <a:p>
-            <a:pPr marL="457200" indent="-457200">
-              <a:buFont typeface="+mj-lt"/>
-              <a:buAutoNum type="arabicPeriod"/>
-            </a:pPr>
-            <a:r>
-              <a:rPr lang="en-US" sz="2200" dirty="0">
-                <a:solidFill>
-                  <a:srgbClr val="002060"/>
-                </a:solidFill>
-              </a:rPr>
-              <a:t>Dai, J., Qi, H., </a:t>
-            </a:r>
-            <a:r>
-              <a:rPr lang="en-US" sz="2200" dirty="0" err="1">
-                <a:solidFill>
-                  <a:srgbClr val="002060"/>
-                </a:solidFill>
-              </a:rPr>
-              <a:t>Xiong</a:t>
-            </a:r>
-            <a:r>
-              <a:rPr lang="en-US" sz="2200" dirty="0">
-                <a:solidFill>
-                  <a:srgbClr val="002060"/>
-                </a:solidFill>
-              </a:rPr>
-              <a:t>, Y., Li, Y., Zhang, G., Hu, H., &amp; Wei, Y. (2017). Deformable convolutional networks. In Proceedings of the IEEE international conference on computer vision (pp. 764-773)</a:t>
-            </a:r>
-          </a:p>
-          <a:p>
-            <a:pPr marL="457200" indent="-457200">
-              <a:buFont typeface="+mj-lt"/>
-              <a:buAutoNum type="arabicPeriod"/>
-            </a:pPr>
-            <a:endParaRPr lang="en-US" sz="2200" dirty="0">
+            <a:r>
+              <a:rPr lang="en-US" dirty="0">
+                <a:solidFill>
+                  <a:srgbClr val="002060"/>
+                </a:solidFill>
+              </a:rPr>
+              <a:t>Acquired datasets - </a:t>
+            </a:r>
+            <a:r>
+              <a:rPr lang="en-US" i="1" dirty="0">
+                <a:solidFill>
+                  <a:srgbClr val="002060"/>
+                </a:solidFill>
+              </a:rPr>
+              <a:t>Kaggle RSNA Challenge</a:t>
+            </a:r>
+            <a:r>
+              <a:rPr lang="en-US" dirty="0">
+                <a:solidFill>
+                  <a:srgbClr val="002060"/>
+                </a:solidFill>
+              </a:rPr>
+              <a:t>, </a:t>
+            </a:r>
+            <a:r>
+              <a:rPr lang="en-US" i="1" dirty="0">
+                <a:solidFill>
+                  <a:srgbClr val="002060"/>
+                </a:solidFill>
+              </a:rPr>
+              <a:t>Kaggle Pneumonia</a:t>
+            </a:r>
+            <a:r>
+              <a:rPr lang="en-US" dirty="0">
+                <a:solidFill>
+                  <a:srgbClr val="002060"/>
+                </a:solidFill>
+              </a:rPr>
+              <a:t>, </a:t>
+            </a:r>
+            <a:r>
+              <a:rPr lang="en-US" i="1" dirty="0">
+                <a:solidFill>
+                  <a:srgbClr val="002060"/>
+                </a:solidFill>
+              </a:rPr>
+              <a:t>CheXpert</a:t>
+            </a:r>
+          </a:p>
+          <a:p>
+            <a:r>
+              <a:rPr lang="en-US" dirty="0">
+                <a:solidFill>
+                  <a:srgbClr val="002060"/>
+                </a:solidFill>
+              </a:rPr>
+              <a:t>Trained known architectures on </a:t>
+            </a:r>
+            <a:r>
+              <a:rPr lang="en-US" i="1" dirty="0">
+                <a:solidFill>
+                  <a:srgbClr val="002060"/>
+                </a:solidFill>
+              </a:rPr>
+              <a:t>Kaggle Pneumonia</a:t>
+            </a:r>
+            <a:r>
+              <a:rPr lang="en-US" dirty="0">
+                <a:solidFill>
+                  <a:srgbClr val="002060"/>
+                </a:solidFill>
+              </a:rPr>
+              <a:t> dataset</a:t>
+            </a:r>
+          </a:p>
+          <a:p>
+            <a:pPr lvl="1"/>
+            <a:r>
+              <a:rPr lang="en-US" dirty="0" err="1">
+                <a:solidFill>
+                  <a:srgbClr val="002060"/>
+                </a:solidFill>
+              </a:rPr>
+              <a:t>AlexNet</a:t>
+            </a:r>
+            <a:r>
+              <a:rPr lang="en-US" dirty="0">
+                <a:solidFill>
+                  <a:srgbClr val="002060"/>
+                </a:solidFill>
+              </a:rPr>
+              <a:t>, </a:t>
+            </a:r>
+            <a:r>
+              <a:rPr lang="en-US" dirty="0" err="1">
+                <a:solidFill>
+                  <a:srgbClr val="002060"/>
+                </a:solidFill>
+              </a:rPr>
+              <a:t>ResNet</a:t>
+            </a:r>
+            <a:r>
+              <a:rPr lang="en-US" dirty="0">
+                <a:solidFill>
+                  <a:srgbClr val="002060"/>
+                </a:solidFill>
+              </a:rPr>
+              <a:t>, </a:t>
+            </a:r>
+            <a:r>
+              <a:rPr lang="en-US" dirty="0" err="1">
+                <a:solidFill>
+                  <a:srgbClr val="002060"/>
+                </a:solidFill>
+              </a:rPr>
+              <a:t>DenseNet</a:t>
+            </a:r>
+            <a:endParaRPr lang="en-US" dirty="0">
               <a:solidFill>
                 <a:srgbClr val="002060"/>
               </a:solidFill>
             </a:endParaRPr>
           </a:p>
           <a:p>
-            <a:pPr marL="457200" indent="-457200">
-              <a:buFont typeface="+mj-lt"/>
-              <a:buAutoNum type="arabicPeriod"/>
-            </a:pPr>
-            <a:r>
-              <a:rPr lang="en-US" sz="2200" dirty="0">
-                <a:solidFill>
-                  <a:srgbClr val="002060"/>
-                </a:solidFill>
-              </a:rPr>
-              <a:t>Zhu, </a:t>
-            </a:r>
-            <a:r>
-              <a:rPr lang="en-US" sz="2200" dirty="0" err="1">
-                <a:solidFill>
-                  <a:srgbClr val="002060"/>
-                </a:solidFill>
-              </a:rPr>
-              <a:t>Xizhou</a:t>
-            </a:r>
-            <a:r>
-              <a:rPr lang="en-US" sz="2200" dirty="0">
-                <a:solidFill>
-                  <a:srgbClr val="002060"/>
-                </a:solidFill>
-              </a:rPr>
-              <a:t>, et al. "Deformable convnets v2: More deformable, better results." Proceedings of the IEEE Conference on Computer Vision and Pattern Recognition. 2019</a:t>
-            </a:r>
-          </a:p>
-          <a:p>
-            <a:pPr marL="457200" indent="-457200">
-              <a:buFont typeface="+mj-lt"/>
-              <a:buAutoNum type="arabicPeriod"/>
-            </a:pPr>
-            <a:endParaRPr lang="en-US" sz="2200" dirty="0">
-              <a:solidFill>
-                <a:srgbClr val="002060"/>
-              </a:solidFill>
-            </a:endParaRPr>
-          </a:p>
-          <a:p>
-            <a:pPr marL="457200" indent="-457200">
-              <a:buFont typeface="+mj-lt"/>
-              <a:buAutoNum type="arabicPeriod"/>
-            </a:pPr>
-            <a:r>
-              <a:rPr lang="en-US" sz="2200" dirty="0">
-                <a:solidFill>
-                  <a:srgbClr val="002060"/>
-                </a:solidFill>
-              </a:rPr>
-              <a:t>Pham, </a:t>
-            </a:r>
-            <a:r>
-              <a:rPr lang="en-US" sz="2200" dirty="0" err="1">
-                <a:solidFill>
-                  <a:srgbClr val="002060"/>
-                </a:solidFill>
-              </a:rPr>
-              <a:t>Hieu</a:t>
-            </a:r>
-            <a:r>
-              <a:rPr lang="en-US" sz="2200" dirty="0">
-                <a:solidFill>
-                  <a:srgbClr val="002060"/>
-                </a:solidFill>
-              </a:rPr>
-              <a:t> H., et al. "Interpreting chest X-rays via CNNs that exploit disease dependencies and uncertainty labels." </a:t>
-            </a:r>
-            <a:r>
-              <a:rPr lang="en-US" sz="2200" dirty="0" err="1">
-                <a:solidFill>
-                  <a:srgbClr val="002060"/>
-                </a:solidFill>
-              </a:rPr>
-              <a:t>arXiv</a:t>
-            </a:r>
-            <a:r>
-              <a:rPr lang="en-US" sz="2200" dirty="0">
-                <a:solidFill>
-                  <a:srgbClr val="002060"/>
-                </a:solidFill>
-              </a:rPr>
-              <a:t> preprint arXiv:1911.06475 (2019).‏</a:t>
-            </a:r>
-          </a:p>
-          <a:p>
-            <a:pPr marL="457200" indent="-457200">
-              <a:buFont typeface="+mj-lt"/>
-              <a:buAutoNum type="arabicPeriod"/>
-            </a:pPr>
-            <a:endParaRPr lang="en-US" sz="2200" dirty="0">
-              <a:solidFill>
-                <a:srgbClr val="002060"/>
-              </a:solidFill>
-            </a:endParaRPr>
+            <a:pPr lvl="1"/>
+            <a:r>
+              <a:rPr lang="en-US" dirty="0">
+                <a:solidFill>
+                  <a:srgbClr val="002060"/>
+                </a:solidFill>
+              </a:rPr>
+              <a:t>Used Transfer Learning for weights</a:t>
+            </a:r>
+          </a:p>
+          <a:p>
+            <a:r>
+              <a:rPr lang="en-US" dirty="0">
+                <a:solidFill>
+                  <a:srgbClr val="002060"/>
+                </a:solidFill>
+              </a:rPr>
+              <a:t>84% accuracy on test set - </a:t>
+            </a:r>
+            <a:r>
+              <a:rPr lang="en-US" dirty="0" err="1">
+                <a:solidFill>
+                  <a:srgbClr val="002060"/>
+                </a:solidFill>
+              </a:rPr>
+              <a:t>ResNet</a:t>
+            </a:r>
+            <a:r>
+              <a:rPr lang="en-US" dirty="0">
+                <a:solidFill>
+                  <a:srgbClr val="002060"/>
+                </a:solidFill>
+              </a:rPr>
+              <a:t> &amp; TL, 25 epochs</a:t>
+            </a:r>
           </a:p>
         </p:txBody>
       </p:sp>
@@ -7887,7 +8780,7 @@
     </p:spTree>
     <p:extLst>
       <p:ext uri="{BB962C8B-B14F-4D97-AF65-F5344CB8AC3E}">
-        <p14:creationId xmlns:p14="http://schemas.microsoft.com/office/powerpoint/2010/main" val="662023011"/>
+        <p14:creationId xmlns:p14="http://schemas.microsoft.com/office/powerpoint/2010/main" val="2145876422"/>
       </p:ext>
     </p:extLst>
   </p:cSld>
@@ -7916,18 +8809,12 @@
       </p:grpSpPr>
       <p:sp>
         <p:nvSpPr>
-          <p:cNvPr id="5" name="Title 4">
-            <a:extLst>
-              <a:ext uri="{FF2B5EF4-FFF2-40B4-BE49-F238E27FC236}">
-                <a16:creationId xmlns:a16="http://schemas.microsoft.com/office/drawing/2014/main" id="{82107C99-4D3F-4DBB-A179-A78191153379}"/>
-              </a:ext>
-            </a:extLst>
-          </p:cNvPr>
-          <p:cNvSpPr>
-            <a:spLocks noGrp="1"/>
-          </p:cNvSpPr>
-          <p:nvPr>
-            <p:ph type="ctrTitle"/>
+          <p:cNvPr id="2" name="Title 1"/>
+          <p:cNvSpPr>
+            <a:spLocks noGrp="1"/>
+          </p:cNvSpPr>
+          <p:nvPr>
+            <p:ph type="title"/>
           </p:nvPr>
         </p:nvSpPr>
         <p:spPr/>
@@ -7936,26 +8823,29 @@
           <a:lstStyle/>
           <a:p>
             <a:r>
-              <a:rPr lang="en-US" dirty="0"/>
-              <a:t>Backup</a:t>
-            </a:r>
-          </a:p>
-        </p:txBody>
-      </p:sp>
-      <p:sp>
-        <p:nvSpPr>
-          <p:cNvPr id="6" name="Subtitle 5">
-            <a:extLst>
-              <a:ext uri="{FF2B5EF4-FFF2-40B4-BE49-F238E27FC236}">
-                <a16:creationId xmlns:a16="http://schemas.microsoft.com/office/drawing/2014/main" id="{ACAA8EFF-DFDF-4291-A199-5EB0CF9907D2}"/>
-              </a:ext>
-            </a:extLst>
-          </p:cNvPr>
-          <p:cNvSpPr>
-            <a:spLocks noGrp="1"/>
-          </p:cNvSpPr>
-          <p:nvPr>
-            <p:ph type="subTitle" idx="1"/>
+              <a:rPr lang="en-US" dirty="0">
+                <a:solidFill>
+                  <a:srgbClr val="002060"/>
+                </a:solidFill>
+              </a:rPr>
+              <a:t>Limitations &amp; Conclusions</a:t>
+            </a:r>
+            <a:endParaRPr lang="he-IL" dirty="0">
+              <a:solidFill>
+                <a:srgbClr val="002060"/>
+              </a:solidFill>
+            </a:endParaRPr>
+          </a:p>
+        </p:txBody>
+      </p:sp>
+      <p:sp>
+        <p:nvSpPr>
+          <p:cNvPr id="3" name="Content Placeholder 2"/>
+          <p:cNvSpPr>
+            <a:spLocks noGrp="1"/>
+          </p:cNvSpPr>
+          <p:nvPr>
+            <p:ph idx="1"/>
           </p:nvPr>
         </p:nvSpPr>
         <p:spPr/>
@@ -7963,19 +8853,47 @@
           <a:bodyPr/>
           <a:lstStyle/>
           <a:p>
-            <a:endParaRPr lang="en-US"/>
-          </a:p>
-        </p:txBody>
-      </p:sp>
-      <p:sp>
-        <p:nvSpPr>
-          <p:cNvPr id="4" name="Slide Number Placeholder 3">
-            <a:extLst>
-              <a:ext uri="{FF2B5EF4-FFF2-40B4-BE49-F238E27FC236}">
-                <a16:creationId xmlns:a16="http://schemas.microsoft.com/office/drawing/2014/main" id="{B7F20551-1F1E-4CA8-8ADC-FB53EB1CE062}"/>
-              </a:ext>
-            </a:extLst>
-          </p:cNvPr>
+            <a:r>
+              <a:rPr lang="en-US" dirty="0">
+                <a:solidFill>
+                  <a:srgbClr val="002060"/>
+                </a:solidFill>
+              </a:rPr>
+              <a:t>Regular CNN can achieve decent results on current data (84%-90%)</a:t>
+            </a:r>
+          </a:p>
+          <a:p>
+            <a:r>
+              <a:rPr lang="en-US" dirty="0">
+                <a:solidFill>
+                  <a:srgbClr val="002060"/>
+                </a:solidFill>
+              </a:rPr>
+              <a:t>Data labeling not ideal (pictures fit more than one label, lung opacity label, etc.)</a:t>
+            </a:r>
+          </a:p>
+          <a:p>
+            <a:r>
+              <a:rPr lang="en-US" dirty="0">
+                <a:solidFill>
+                  <a:srgbClr val="002060"/>
+                </a:solidFill>
+              </a:rPr>
+              <a:t>Different datasets to work on with different sizes</a:t>
+            </a:r>
+          </a:p>
+          <a:p>
+            <a:endParaRPr lang="en-US" dirty="0">
+              <a:solidFill>
+                <a:srgbClr val="002060"/>
+              </a:solidFill>
+            </a:endParaRPr>
+          </a:p>
+        </p:txBody>
+      </p:sp>
+      <p:sp>
+        <p:nvSpPr>
+          <p:cNvPr id="5" name="Slide Number Placeholder 4"/>
           <p:cNvSpPr>
             <a:spLocks noGrp="1"/>
           </p:cNvSpPr>
@@ -8000,7 +8918,7 @@
     </p:spTree>
     <p:extLst>
       <p:ext uri="{BB962C8B-B14F-4D97-AF65-F5344CB8AC3E}">
-        <p14:creationId xmlns:p14="http://schemas.microsoft.com/office/powerpoint/2010/main" val="661507981"/>
+        <p14:creationId xmlns:p14="http://schemas.microsoft.com/office/powerpoint/2010/main" val="1669314898"/>
       </p:ext>
     </p:extLst>
   </p:cSld>
@@ -8029,13 +8947,7 @@
       </p:grpSpPr>
       <p:sp>
         <p:nvSpPr>
-          <p:cNvPr id="2" name="Title 1">
-            <a:extLst>
-              <a:ext uri="{FF2B5EF4-FFF2-40B4-BE49-F238E27FC236}">
-                <a16:creationId xmlns:a16="http://schemas.microsoft.com/office/drawing/2014/main" id="{A83A3907-5868-491F-80F2-4633FEEAA9C1}"/>
-              </a:ext>
-            </a:extLst>
-          </p:cNvPr>
+          <p:cNvPr id="2" name="Title 1"/>
           <p:cNvSpPr>
             <a:spLocks noGrp="1"/>
           </p:cNvSpPr>
@@ -8045,9 +8957,7 @@
         </p:nvSpPr>
         <p:spPr/>
         <p:txBody>
-          <a:bodyPr>
-            <a:normAutofit/>
-          </a:bodyPr>
+          <a:bodyPr/>
           <a:lstStyle/>
           <a:p>
             <a:r>
@@ -8056,21 +8966,19 @@
                   <a:srgbClr val="002060"/>
                 </a:solidFill>
               </a:rPr>
-              <a:t>DCN V2</a:t>
-            </a:r>
-            <a:endParaRPr lang="en-US" dirty="0"/>
-          </a:p>
-        </p:txBody>
-      </p:sp>
-      <p:sp>
-        <p:nvSpPr>
-          <p:cNvPr id="3" name="Content Placeholder 2">
-            <a:extLst>
-              <a:ext uri="{FF2B5EF4-FFF2-40B4-BE49-F238E27FC236}">
-                <a16:creationId xmlns:a16="http://schemas.microsoft.com/office/drawing/2014/main" id="{FD9D945D-90FF-4CB6-99B8-A86B0C6D048D}"/>
-              </a:ext>
-            </a:extLst>
-          </p:cNvPr>
+              <a:t>Future Work</a:t>
+            </a:r>
+            <a:endParaRPr lang="he-IL" dirty="0">
+              <a:solidFill>
+                <a:srgbClr val="002060"/>
+              </a:solidFill>
+            </a:endParaRPr>
+          </a:p>
+        </p:txBody>
+      </p:sp>
+      <p:sp>
+        <p:nvSpPr>
+          <p:cNvPr id="3" name="Content Placeholder 2"/>
           <p:cNvSpPr>
             <a:spLocks noGrp="1"/>
           </p:cNvSpPr>
@@ -8078,126 +8986,65 @@
             <p:ph idx="1"/>
           </p:nvPr>
         </p:nvSpPr>
-        <p:spPr>
-          <a:xfrm>
-            <a:off x="76200" y="1417638"/>
-            <a:ext cx="8610600" cy="4938712"/>
-          </a:xfrm>
-        </p:spPr>
-        <p:txBody>
-          <a:bodyPr>
-            <a:normAutofit fontScale="92500" lnSpcReduction="20000"/>
-          </a:bodyPr>
-          <a:lstStyle/>
-          <a:p>
-            <a:r>
-              <a:rPr lang="en-US" sz="2400" dirty="0">
-                <a:solidFill>
-                  <a:srgbClr val="002060"/>
-                </a:solidFill>
-              </a:rPr>
-              <a:t>while the spatial support for its neural features conforms more closely than regular </a:t>
-            </a:r>
-            <a:r>
-              <a:rPr lang="en-US" sz="2400" dirty="0" err="1">
-                <a:solidFill>
-                  <a:srgbClr val="002060"/>
-                </a:solidFill>
-              </a:rPr>
-              <a:t>ConvNets</a:t>
-            </a:r>
-            <a:r>
-              <a:rPr lang="en-US" sz="2400" dirty="0">
-                <a:solidFill>
-                  <a:srgbClr val="002060"/>
-                </a:solidFill>
-              </a:rPr>
-              <a:t> to object structure, this support may nevertheless extend well beyond the region of interest, causing features to be influenced by irrelevant image content. </a:t>
-            </a:r>
-          </a:p>
-          <a:p>
-            <a:r>
-              <a:rPr lang="en-US" sz="2400" dirty="0">
-                <a:solidFill>
-                  <a:srgbClr val="002060"/>
-                </a:solidFill>
-              </a:rPr>
-              <a:t> reformulation of Deformable </a:t>
-            </a:r>
-            <a:r>
-              <a:rPr lang="en-US" sz="2400" dirty="0" err="1">
-                <a:solidFill>
-                  <a:srgbClr val="002060"/>
-                </a:solidFill>
-              </a:rPr>
-              <a:t>ConvNets</a:t>
-            </a:r>
-            <a:r>
-              <a:rPr lang="en-US" sz="2400" dirty="0">
-                <a:solidFill>
-                  <a:srgbClr val="002060"/>
-                </a:solidFill>
-              </a:rPr>
-              <a:t> that improves its ability to focus on pertinent image regions, through increased modeling power and stronger training.</a:t>
-            </a:r>
-          </a:p>
-          <a:p>
-            <a:r>
-              <a:rPr lang="en-US" sz="2400" dirty="0">
-                <a:solidFill>
-                  <a:srgbClr val="002060"/>
-                </a:solidFill>
-              </a:rPr>
-              <a:t>The modeling power is enhanced through a more comprehensive integration of deformable convolution within the network, and by introducing a modulation mechanism that expands the scope of deformation modeling.</a:t>
-            </a:r>
-          </a:p>
-          <a:p>
-            <a:r>
-              <a:rPr lang="en-US" sz="2400" dirty="0">
-                <a:solidFill>
-                  <a:srgbClr val="002060"/>
-                </a:solidFill>
-              </a:rPr>
-              <a:t>we guide network training via a proposed feature mimicking scheme that helps the network to learn features that reflect the object focus and classification power of R-CNN features.</a:t>
-            </a:r>
-          </a:p>
-          <a:p>
-            <a:r>
-              <a:rPr lang="en-US" sz="2400" dirty="0">
-                <a:solidFill>
-                  <a:srgbClr val="002060"/>
-                </a:solidFill>
-              </a:rPr>
-              <a:t> this new version of Deformable </a:t>
-            </a:r>
-            <a:r>
-              <a:rPr lang="en-US" sz="2400" dirty="0" err="1">
-                <a:solidFill>
-                  <a:srgbClr val="002060"/>
-                </a:solidFill>
-              </a:rPr>
-              <a:t>ConvNets</a:t>
-            </a:r>
-            <a:r>
-              <a:rPr lang="en-US" sz="2400" dirty="0">
-                <a:solidFill>
-                  <a:srgbClr val="002060"/>
-                </a:solidFill>
-              </a:rPr>
-              <a:t> yields significant performance gains over the original model</a:t>
-            </a:r>
-          </a:p>
-        </p:txBody>
-      </p:sp>
-      <p:sp>
-        <p:nvSpPr>
-          <p:cNvPr id="4" name="Slide Number Placeholder 3">
-            <a:extLst>
-              <a:ext uri="{FF2B5EF4-FFF2-40B4-BE49-F238E27FC236}">
-                <a16:creationId xmlns:a16="http://schemas.microsoft.com/office/drawing/2014/main" id="{6ED004E6-B912-45E4-A456-29799468E102}"/>
-              </a:ext>
-            </a:extLst>
-          </p:cNvPr>
+        <p:spPr/>
+        <p:txBody>
+          <a:bodyPr/>
+          <a:lstStyle/>
+          <a:p>
+            <a:r>
+              <a:rPr lang="en-US" dirty="0">
+                <a:solidFill>
+                  <a:srgbClr val="002060"/>
+                </a:solidFill>
+              </a:rPr>
+              <a:t>Try different CNN architectures on dataset</a:t>
+            </a:r>
+          </a:p>
+          <a:p>
+            <a:r>
+              <a:rPr lang="en-US" dirty="0">
+                <a:solidFill>
+                  <a:srgbClr val="002060"/>
+                </a:solidFill>
+              </a:rPr>
+              <a:t>Train models on all datasets</a:t>
+            </a:r>
+          </a:p>
+          <a:p>
+            <a:r>
+              <a:rPr lang="en-US" dirty="0">
+                <a:solidFill>
+                  <a:srgbClr val="002060"/>
+                </a:solidFill>
+              </a:rPr>
+              <a:t>Implement DCN layers to trained architectures</a:t>
+            </a:r>
+          </a:p>
+          <a:p>
+            <a:r>
+              <a:rPr lang="en-US" dirty="0">
+                <a:solidFill>
+                  <a:srgbClr val="002060"/>
+                </a:solidFill>
+              </a:rPr>
+              <a:t>Explore newer DCN version (v2)</a:t>
+            </a:r>
+          </a:p>
+          <a:p>
+            <a:r>
+              <a:rPr lang="en-US" dirty="0">
+                <a:solidFill>
+                  <a:srgbClr val="002060"/>
+                </a:solidFill>
+              </a:rPr>
+              <a:t>Acquire additional datasets from Zebra Medical</a:t>
+            </a:r>
+          </a:p>
+        </p:txBody>
+      </p:sp>
+      <p:sp>
+        <p:nvSpPr>
+          <p:cNvPr id="5" name="Slide Number Placeholder 4"/>
           <p:cNvSpPr>
             <a:spLocks noGrp="1"/>
           </p:cNvSpPr>
@@ -8222,7 +9069,7 @@
     </p:spTree>
     <p:extLst>
       <p:ext uri="{BB962C8B-B14F-4D97-AF65-F5344CB8AC3E}">
-        <p14:creationId xmlns:p14="http://schemas.microsoft.com/office/powerpoint/2010/main" val="2458108269"/>
+        <p14:creationId xmlns:p14="http://schemas.microsoft.com/office/powerpoint/2010/main" val="194558903"/>
       </p:ext>
     </p:extLst>
   </p:cSld>
@@ -8251,13 +9098,7 @@
       </p:grpSpPr>
       <p:sp>
         <p:nvSpPr>
-          <p:cNvPr id="2" name="Title 1">
-            <a:extLst>
-              <a:ext uri="{FF2B5EF4-FFF2-40B4-BE49-F238E27FC236}">
-                <a16:creationId xmlns:a16="http://schemas.microsoft.com/office/drawing/2014/main" id="{A83A3907-5868-491F-80F2-4633FEEAA9C1}"/>
-              </a:ext>
-            </a:extLst>
-          </p:cNvPr>
+          <p:cNvPr id="2" name="Title 1"/>
           <p:cNvSpPr>
             <a:spLocks noGrp="1"/>
           </p:cNvSpPr>
@@ -8267,69 +9108,190 @@
         </p:nvSpPr>
         <p:spPr>
           <a:xfrm>
-            <a:off x="457200" y="274638"/>
+            <a:off x="438615" y="228600"/>
             <a:ext cx="8229600" cy="1143000"/>
           </a:xfrm>
         </p:spPr>
         <p:txBody>
+          <a:bodyPr/>
+          <a:lstStyle/>
+          <a:p>
+            <a:r>
+              <a:rPr lang="en-US" dirty="0">
+                <a:solidFill>
+                  <a:srgbClr val="002060"/>
+                </a:solidFill>
+              </a:rPr>
+              <a:t>References</a:t>
+            </a:r>
+            <a:endParaRPr lang="he-IL" dirty="0">
+              <a:solidFill>
+                <a:srgbClr val="002060"/>
+              </a:solidFill>
+            </a:endParaRPr>
+          </a:p>
+        </p:txBody>
+      </p:sp>
+      <p:sp>
+        <p:nvSpPr>
+          <p:cNvPr id="3" name="Content Placeholder 2"/>
+          <p:cNvSpPr>
+            <a:spLocks noGrp="1"/>
+          </p:cNvSpPr>
+          <p:nvPr>
+            <p:ph idx="1"/>
+          </p:nvPr>
+        </p:nvSpPr>
+        <p:spPr/>
+        <p:txBody>
           <a:bodyPr>
             <a:normAutofit/>
           </a:bodyPr>
           <a:lstStyle/>
           <a:p>
-            <a:r>
-              <a:rPr lang="en-US">
-                <a:solidFill>
-                  <a:srgbClr val="002060"/>
-                </a:solidFill>
-              </a:rPr>
-              <a:t>DCN V2</a:t>
-            </a:r>
-            <a:endParaRPr lang="en-US" dirty="0"/>
-          </a:p>
-        </p:txBody>
-      </p:sp>
-      <p:pic>
-        <p:nvPicPr>
-          <p:cNvPr id="8" name="Content Placeholder 7">
-            <a:extLst>
-              <a:ext uri="{FF2B5EF4-FFF2-40B4-BE49-F238E27FC236}">
-                <a16:creationId xmlns:a16="http://schemas.microsoft.com/office/drawing/2014/main" id="{1A53896B-76C9-4EFA-B061-EFAFEC41C10A}"/>
-              </a:ext>
-            </a:extLst>
-          </p:cNvPr>
-          <p:cNvPicPr>
-            <a:picLocks noGrp="1" noChangeAspect="1"/>
-          </p:cNvPicPr>
-          <p:nvPr>
-            <p:ph idx="1"/>
-          </p:nvPr>
-        </p:nvPicPr>
-        <p:blipFill>
-          <a:blip r:embed="rId3"/>
-          <a:stretch>
-            <a:fillRect/>
-          </a:stretch>
-        </p:blipFill>
-        <p:spPr>
-          <a:xfrm>
-            <a:off x="1371600" y="4419600"/>
-            <a:ext cx="3352800" cy="1819275"/>
-          </a:xfrm>
-          <a:prstGeom prst="rect">
-            <a:avLst/>
-          </a:prstGeom>
-        </p:spPr>
-      </p:pic>
-      <p:sp>
-        <p:nvSpPr>
-          <p:cNvPr id="4" name="Slide Number Placeholder 3">
-            <a:extLst>
-              <a:ext uri="{FF2B5EF4-FFF2-40B4-BE49-F238E27FC236}">
-                <a16:creationId xmlns:a16="http://schemas.microsoft.com/office/drawing/2014/main" id="{6ED004E6-B912-45E4-A456-29799468E102}"/>
-              </a:ext>
-            </a:extLst>
-          </p:cNvPr>
+            <a:pPr marL="457200" indent="-457200">
+              <a:buFont typeface="+mj-lt"/>
+              <a:buAutoNum type="arabicPeriod"/>
+            </a:pPr>
+            <a:r>
+              <a:rPr lang="en-US" sz="2200" dirty="0">
+                <a:solidFill>
+                  <a:srgbClr val="002060"/>
+                </a:solidFill>
+              </a:rPr>
+              <a:t>Dai, J., Qi, H., </a:t>
+            </a:r>
+            <a:r>
+              <a:rPr lang="en-US" sz="2200" dirty="0" err="1">
+                <a:solidFill>
+                  <a:srgbClr val="002060"/>
+                </a:solidFill>
+              </a:rPr>
+              <a:t>Xiong</a:t>
+            </a:r>
+            <a:r>
+              <a:rPr lang="en-US" sz="2200" dirty="0">
+                <a:solidFill>
+                  <a:srgbClr val="002060"/>
+                </a:solidFill>
+              </a:rPr>
+              <a:t>, Y., Li, Y., Zhang, G., Hu, H., &amp; Wei, Y. (2017). Deformable convolutional networks. In Proceedings of the IEEE international conference on computer vision (pp. 764-773)</a:t>
+            </a:r>
+          </a:p>
+          <a:p>
+            <a:pPr marL="457200" indent="-457200">
+              <a:buFont typeface="+mj-lt"/>
+              <a:buAutoNum type="arabicPeriod"/>
+            </a:pPr>
+            <a:endParaRPr lang="en-US" sz="2200" dirty="0">
+              <a:solidFill>
+                <a:srgbClr val="002060"/>
+              </a:solidFill>
+            </a:endParaRPr>
+          </a:p>
+          <a:p>
+            <a:pPr marL="457200" indent="-457200">
+              <a:buFont typeface="+mj-lt"/>
+              <a:buAutoNum type="arabicPeriod"/>
+            </a:pPr>
+            <a:r>
+              <a:rPr lang="en-US" sz="2200" dirty="0">
+                <a:solidFill>
+                  <a:srgbClr val="002060"/>
+                </a:solidFill>
+              </a:rPr>
+              <a:t>Zhu, </a:t>
+            </a:r>
+            <a:r>
+              <a:rPr lang="en-US" sz="2200" dirty="0" err="1">
+                <a:solidFill>
+                  <a:srgbClr val="002060"/>
+                </a:solidFill>
+              </a:rPr>
+              <a:t>Xizhou</a:t>
+            </a:r>
+            <a:r>
+              <a:rPr lang="en-US" sz="2200" dirty="0">
+                <a:solidFill>
+                  <a:srgbClr val="002060"/>
+                </a:solidFill>
+              </a:rPr>
+              <a:t>, et al. "Deformable convnets v2: More deformable, better results." Proceedings of the IEEE Conference on Computer Vision and Pattern Recognition. 2019</a:t>
+            </a:r>
+          </a:p>
+          <a:p>
+            <a:pPr marL="457200" indent="-457200">
+              <a:buFont typeface="+mj-lt"/>
+              <a:buAutoNum type="arabicPeriod"/>
+            </a:pPr>
+            <a:endParaRPr lang="en-US" sz="2200" dirty="0">
+              <a:solidFill>
+                <a:srgbClr val="002060"/>
+              </a:solidFill>
+            </a:endParaRPr>
+          </a:p>
+          <a:p>
+            <a:pPr marL="457200" indent="-457200">
+              <a:buFont typeface="+mj-lt"/>
+              <a:buAutoNum type="arabicPeriod"/>
+            </a:pPr>
+            <a:r>
+              <a:rPr lang="en-US" sz="2200" dirty="0">
+                <a:solidFill>
+                  <a:srgbClr val="002060"/>
+                </a:solidFill>
+              </a:rPr>
+              <a:t>Pham, </a:t>
+            </a:r>
+            <a:r>
+              <a:rPr lang="en-US" sz="2200" dirty="0" err="1">
+                <a:solidFill>
+                  <a:srgbClr val="002060"/>
+                </a:solidFill>
+              </a:rPr>
+              <a:t>Hieu</a:t>
+            </a:r>
+            <a:r>
+              <a:rPr lang="en-US" sz="2200" dirty="0">
+                <a:solidFill>
+                  <a:srgbClr val="002060"/>
+                </a:solidFill>
+              </a:rPr>
+              <a:t> H., et al. "Interpreting chest X-rays via CNNs that exploit disease dependencies and uncertainty labels." </a:t>
+            </a:r>
+            <a:r>
+              <a:rPr lang="en-US" sz="2200" dirty="0" err="1">
+                <a:solidFill>
+                  <a:srgbClr val="002060"/>
+                </a:solidFill>
+              </a:rPr>
+              <a:t>arXiv</a:t>
+            </a:r>
+            <a:r>
+              <a:rPr lang="en-US" sz="2200" dirty="0">
+                <a:solidFill>
+                  <a:srgbClr val="002060"/>
+                </a:solidFill>
+              </a:rPr>
+              <a:t> preprint arXiv:1911.06475 (2019).‏</a:t>
+            </a:r>
+          </a:p>
+          <a:p>
+            <a:pPr marL="457200" indent="-457200">
+              <a:buFont typeface="+mj-lt"/>
+              <a:buAutoNum type="arabicPeriod"/>
+            </a:pPr>
+            <a:endParaRPr lang="en-US" sz="2200" dirty="0">
+              <a:solidFill>
+                <a:srgbClr val="002060"/>
+              </a:solidFill>
+            </a:endParaRPr>
+          </a:p>
+        </p:txBody>
+      </p:sp>
+      <p:sp>
+        <p:nvSpPr>
+          <p:cNvPr id="5" name="Slide Number Placeholder 4"/>
           <p:cNvSpPr>
             <a:spLocks noGrp="1"/>
           </p:cNvSpPr>
@@ -8337,12 +9299,7 @@
             <p:ph type="sldNum" sz="quarter" idx="12"/>
           </p:nvPr>
         </p:nvSpPr>
-        <p:spPr>
-          <a:xfrm>
-            <a:off x="457200" y="6356350"/>
-            <a:ext cx="2133600" cy="365125"/>
-          </a:xfrm>
-        </p:spPr>
+        <p:spPr/>
         <p:txBody>
           <a:bodyPr/>
           <a:lstStyle/>
@@ -8356,70 +9313,10 @@
           </a:p>
         </p:txBody>
       </p:sp>
-      <p:pic>
-        <p:nvPicPr>
-          <p:cNvPr id="6" name="Picture 5">
-            <a:extLst>
-              <a:ext uri="{FF2B5EF4-FFF2-40B4-BE49-F238E27FC236}">
-                <a16:creationId xmlns:a16="http://schemas.microsoft.com/office/drawing/2014/main" id="{867FE54C-A401-42B0-A57C-4B764A18AF97}"/>
-              </a:ext>
-            </a:extLst>
-          </p:cNvPr>
-          <p:cNvPicPr>
-            <a:picLocks noChangeAspect="1"/>
-          </p:cNvPicPr>
-          <p:nvPr/>
-        </p:nvPicPr>
-        <p:blipFill>
-          <a:blip r:embed="rId4"/>
-          <a:stretch>
-            <a:fillRect/>
-          </a:stretch>
-        </p:blipFill>
-        <p:spPr>
-          <a:xfrm>
-            <a:off x="5029200" y="1037273"/>
-            <a:ext cx="3609975" cy="2667000"/>
-          </a:xfrm>
-          <a:prstGeom prst="rect">
-            <a:avLst/>
-          </a:prstGeom>
-        </p:spPr>
-      </p:pic>
-      <p:pic>
-        <p:nvPicPr>
-          <p:cNvPr id="7" name="Picture 6">
-            <a:extLst>
-              <a:ext uri="{FF2B5EF4-FFF2-40B4-BE49-F238E27FC236}">
-                <a16:creationId xmlns:a16="http://schemas.microsoft.com/office/drawing/2014/main" id="{1DE7503E-3CD5-46EB-A17F-DF8FEC59708B}"/>
-              </a:ext>
-            </a:extLst>
-          </p:cNvPr>
-          <p:cNvPicPr>
-            <a:picLocks noChangeAspect="1"/>
-          </p:cNvPicPr>
-          <p:nvPr/>
-        </p:nvPicPr>
-        <p:blipFill>
-          <a:blip r:embed="rId5"/>
-          <a:stretch>
-            <a:fillRect/>
-          </a:stretch>
-        </p:blipFill>
-        <p:spPr>
-          <a:xfrm>
-            <a:off x="5140325" y="3730149"/>
-            <a:ext cx="3571875" cy="2600325"/>
-          </a:xfrm>
-          <a:prstGeom prst="rect">
-            <a:avLst/>
-          </a:prstGeom>
-        </p:spPr>
-      </p:pic>
     </p:spTree>
     <p:extLst>
       <p:ext uri="{BB962C8B-B14F-4D97-AF65-F5344CB8AC3E}">
-        <p14:creationId xmlns:p14="http://schemas.microsoft.com/office/powerpoint/2010/main" val="1343491521"/>
+        <p14:creationId xmlns:p14="http://schemas.microsoft.com/office/powerpoint/2010/main" val="662023011"/>
       </p:ext>
     </p:extLst>
   </p:cSld>

--- a/MidPresentation_Andy_Or.pptx
+++ b/MidPresentation_Andy_Or.pptx
@@ -5,10 +5,10 @@
     <p:sldMasterId id="2147483708" r:id="rId1"/>
   </p:sldMasterIdLst>
   <p:notesMasterIdLst>
-    <p:notesMasterId r:id="rId27"/>
+    <p:notesMasterId r:id="rId28"/>
   </p:notesMasterIdLst>
   <p:handoutMasterIdLst>
-    <p:handoutMasterId r:id="rId28"/>
+    <p:handoutMasterId r:id="rId29"/>
   </p:handoutMasterIdLst>
   <p:sldIdLst>
     <p:sldId id="288" r:id="rId2"/>
@@ -27,15 +27,16 @@
     <p:sldId id="311" r:id="rId15"/>
     <p:sldId id="302" r:id="rId16"/>
     <p:sldId id="313" r:id="rId17"/>
-    <p:sldId id="314" r:id="rId18"/>
-    <p:sldId id="316" r:id="rId19"/>
-    <p:sldId id="293" r:id="rId20"/>
-    <p:sldId id="307" r:id="rId21"/>
-    <p:sldId id="308" r:id="rId22"/>
-    <p:sldId id="295" r:id="rId23"/>
-    <p:sldId id="296" r:id="rId24"/>
-    <p:sldId id="299" r:id="rId25"/>
-    <p:sldId id="298" r:id="rId26"/>
+    <p:sldId id="317" r:id="rId18"/>
+    <p:sldId id="314" r:id="rId19"/>
+    <p:sldId id="316" r:id="rId20"/>
+    <p:sldId id="293" r:id="rId21"/>
+    <p:sldId id="307" r:id="rId22"/>
+    <p:sldId id="308" r:id="rId23"/>
+    <p:sldId id="295" r:id="rId24"/>
+    <p:sldId id="296" r:id="rId25"/>
+    <p:sldId id="299" r:id="rId26"/>
+    <p:sldId id="298" r:id="rId27"/>
   </p:sldIdLst>
   <p:sldSz cx="9144000" cy="6858000" type="screen4x3"/>
   <p:notesSz cx="7010400" cy="9296400"/>
@@ -165,20 +166,6 @@
 </p:cmAuthorLst>
 </file>
 
-<file path=ppt/comments/comment1.xml><?xml version="1.0" encoding="utf-8"?>
-<p:cmLst xmlns:a="http://schemas.openxmlformats.org/drawingml/2006/main" xmlns:r="http://schemas.openxmlformats.org/officeDocument/2006/relationships" xmlns:p="http://schemas.openxmlformats.org/presentationml/2006/main">
-  <p:cm authorId="1" dt="2016-08-31T15:07:40.279" idx="2">
-    <p:pos x="10" y="10"/>
-    <p:text>In these slides don't forget to give references to previous works, for example: [Cohen &amp; Levi, 2010] or [Cohen et al, 2013]</p:text>
-    <p:extLst>
-      <p:ext uri="{C676402C-5697-4E1C-873F-D02D1690AC5C}">
-        <p15:threadingInfo xmlns:p15="http://schemas.microsoft.com/office/powerpoint/2012/main" timeZoneBias="-180"/>
-      </p:ext>
-    </p:extLst>
-  </p:cm>
-</p:cmLst>
-</file>
-
 <file path=ppt/handoutMasters/handoutMaster1.xml><?xml version="1.0" encoding="utf-8"?>
 <p:handoutMaster xmlns:a="http://schemas.openxmlformats.org/drawingml/2006/main" xmlns:r="http://schemas.openxmlformats.org/officeDocument/2006/relationships" xmlns:p="http://schemas.openxmlformats.org/presentationml/2006/main">
   <p:cSld>
@@ -262,7 +249,7 @@
             <a:fld id="{C9B6F397-9295-4C9F-B4B0-31BF9D08FE68}" type="datetimeFigureOut">
               <a:rPr lang="he-IL" smtClean="0"/>
               <a:pPr/>
-              <a:t>ט'/טבת/תש"פ</a:t>
+              <a:t>י'/טבת/תש"פ</a:t>
             </a:fld>
             <a:endParaRPr lang="he-IL"/>
           </a:p>
@@ -433,7 +420,7 @@
             <a:fld id="{543B7BDA-9DDC-4E4C-973D-E4A3E66645CD}" type="datetimeFigureOut">
               <a:rPr lang="he-IL" smtClean="0"/>
               <a:pPr/>
-              <a:t>ט'/טבת/תש"פ</a:t>
+              <a:t>י'/טבת/תש"פ</a:t>
             </a:fld>
             <a:endParaRPr lang="he-IL"/>
           </a:p>
@@ -865,11 +852,29 @@
           <a:p>
             <a:r>
               <a:rPr lang="he-IL" dirty="0"/>
-              <a:t>להסביר מה זה </a:t>
+              <a:t>הפעלת </a:t>
             </a:r>
             <a:r>
               <a:rPr lang="en-US" dirty="0"/>
-              <a:t>COCO DETECTION CHALLENGE</a:t>
+              <a:t>DCN</a:t>
+            </a:r>
+            <a:r>
+              <a:rPr lang="he-IL" dirty="0"/>
+              <a:t> על מספר השכבות האחרונות, השוואת תוצאות</a:t>
+            </a:r>
+          </a:p>
+          <a:p>
+            <a:r>
+              <a:rPr lang="en-US" dirty="0" err="1"/>
+              <a:t>mAP,mIoU</a:t>
+            </a:r>
+            <a:r>
+              <a:rPr lang="he-IL" dirty="0"/>
+              <a:t> – שיטות ניקוד שונות עבור זיהוי </a:t>
+            </a:r>
+            <a:r>
+              <a:rPr lang="en-US" dirty="0"/>
+              <a:t>REGIONS</a:t>
             </a:r>
           </a:p>
         </p:txBody>
@@ -892,7 +897,7 @@
             <a:fld id="{C8C92D0D-AF30-4211-86C4-A3B87597F349}" type="slidenum">
               <a:rPr lang="he-IL" smtClean="0"/>
               <a:pPr/>
-              <a:t>15</a:t>
+              <a:t>14</a:t>
             </a:fld>
             <a:endParaRPr lang="he-IL"/>
           </a:p>
@@ -929,7 +934,7 @@
     </p:spTree>
     <p:extLst>
       <p:ext uri="{BB962C8B-B14F-4D97-AF65-F5344CB8AC3E}">
-        <p14:creationId xmlns:p14="http://schemas.microsoft.com/office/powerpoint/2010/main" val="3966368392"/>
+        <p14:creationId xmlns:p14="http://schemas.microsoft.com/office/powerpoint/2010/main" val="4269872321"/>
       </p:ext>
     </p:extLst>
   </p:cSld>
@@ -983,6 +988,30 @@
           <a:bodyPr/>
           <a:lstStyle/>
           <a:p>
+            <a:r>
+              <a:rPr lang="he-IL" dirty="0"/>
+              <a:t>להסביר מה זה </a:t>
+            </a:r>
+            <a:r>
+              <a:rPr lang="en-US" dirty="0"/>
+              <a:t>COCO DETECTION CHALLENGE</a:t>
+            </a:r>
+            <a:r>
+              <a:rPr lang="he-IL" dirty="0"/>
+              <a:t>:</a:t>
+            </a:r>
+          </a:p>
+          <a:p>
+            <a:r>
+              <a:rPr lang="en-US" dirty="0"/>
+              <a:t>Common Objects in Context</a:t>
+            </a:r>
+          </a:p>
+          <a:p>
+            <a:r>
+              <a:rPr lang="he-IL" dirty="0"/>
+              <a:t>זה  דאטה סט שמכיל מעלה מ300,000 תמונות, מתוכן בערך 200,000 מתויגות. המטרה – זיהוי עצמים (למעלה מ100 תגיות שונות)</a:t>
+            </a:r>
             <a:endParaRPr lang="en-US" dirty="0"/>
           </a:p>
         </p:txBody>
@@ -1005,7 +1034,7 @@
             <a:fld id="{C8C92D0D-AF30-4211-86C4-A3B87597F349}" type="slidenum">
               <a:rPr lang="he-IL" smtClean="0"/>
               <a:pPr/>
-              <a:t>16</a:t>
+              <a:t>15</a:t>
             </a:fld>
             <a:endParaRPr lang="he-IL"/>
           </a:p>
@@ -1042,7 +1071,7 @@
     </p:spTree>
     <p:extLst>
       <p:ext uri="{BB962C8B-B14F-4D97-AF65-F5344CB8AC3E}">
-        <p14:creationId xmlns:p14="http://schemas.microsoft.com/office/powerpoint/2010/main" val="2969221266"/>
+        <p14:creationId xmlns:p14="http://schemas.microsoft.com/office/powerpoint/2010/main" val="3966368392"/>
       </p:ext>
     </p:extLst>
   </p:cSld>
@@ -1118,7 +1147,7 @@
             <a:fld id="{C8C92D0D-AF30-4211-86C4-A3B87597F349}" type="slidenum">
               <a:rPr lang="he-IL" smtClean="0"/>
               <a:pPr/>
-              <a:t>17</a:t>
+              <a:t>16</a:t>
             </a:fld>
             <a:endParaRPr lang="he-IL"/>
           </a:p>
@@ -1155,7 +1184,7 @@
     </p:spTree>
     <p:extLst>
       <p:ext uri="{BB962C8B-B14F-4D97-AF65-F5344CB8AC3E}">
-        <p14:creationId xmlns:p14="http://schemas.microsoft.com/office/powerpoint/2010/main" val="1491496478"/>
+        <p14:creationId xmlns:p14="http://schemas.microsoft.com/office/powerpoint/2010/main" val="2969221266"/>
       </p:ext>
     </p:extLst>
   </p:cSld>
@@ -1231,7 +1260,7 @@
             <a:fld id="{C8C92D0D-AF30-4211-86C4-A3B87597F349}" type="slidenum">
               <a:rPr lang="he-IL" smtClean="0"/>
               <a:pPr/>
-              <a:t>18</a:t>
+              <a:t>17</a:t>
             </a:fld>
             <a:endParaRPr lang="he-IL"/>
           </a:p>
@@ -1268,7 +1297,7 @@
     </p:spTree>
     <p:extLst>
       <p:ext uri="{BB962C8B-B14F-4D97-AF65-F5344CB8AC3E}">
-        <p14:creationId xmlns:p14="http://schemas.microsoft.com/office/powerpoint/2010/main" val="3047872805"/>
+        <p14:creationId xmlns:p14="http://schemas.microsoft.com/office/powerpoint/2010/main" val="2491454129"/>
       </p:ext>
     </p:extLst>
   </p:cSld>
@@ -1322,13 +1351,6 @@
           <a:bodyPr/>
           <a:lstStyle/>
           <a:p>
-            <a:r>
-              <a:rPr lang="he-IL" dirty="0"/>
-              <a:t>אולי להרחיב במעט על הרשתות הידועות ומדוע בחרנו בהן</a:t>
-            </a:r>
-            <a:endParaRPr lang="en-US" dirty="0"/>
-          </a:p>
-          <a:p>
             <a:endParaRPr lang="en-US" dirty="0"/>
           </a:p>
         </p:txBody>
@@ -1351,7 +1373,7 @@
             <a:fld id="{C8C92D0D-AF30-4211-86C4-A3B87597F349}" type="slidenum">
               <a:rPr lang="he-IL" smtClean="0"/>
               <a:pPr/>
-              <a:t>19</a:t>
+              <a:t>18</a:t>
             </a:fld>
             <a:endParaRPr lang="he-IL"/>
           </a:p>
@@ -1362,7 +1384,7 @@
           <p:cNvPr id="5" name="Footer Placeholder 4">
             <a:extLst>
               <a:ext uri="{FF2B5EF4-FFF2-40B4-BE49-F238E27FC236}">
-                <a16:creationId xmlns:a16="http://schemas.microsoft.com/office/drawing/2014/main" id="{65C03B0E-2E4A-4E8D-89B2-0DF2F71549EE}"/>
+                <a16:creationId xmlns:a16="http://schemas.microsoft.com/office/drawing/2014/main" id="{AD753467-F10B-4164-AC16-609227753711}"/>
               </a:ext>
             </a:extLst>
           </p:cNvPr>
@@ -1388,7 +1410,7 @@
     </p:spTree>
     <p:extLst>
       <p:ext uri="{BB962C8B-B14F-4D97-AF65-F5344CB8AC3E}">
-        <p14:creationId xmlns:p14="http://schemas.microsoft.com/office/powerpoint/2010/main" val="1306353171"/>
+        <p14:creationId xmlns:p14="http://schemas.microsoft.com/office/powerpoint/2010/main" val="1491496478"/>
       </p:ext>
     </p:extLst>
   </p:cSld>
@@ -1442,14 +1464,7 @@
           <a:bodyPr/>
           <a:lstStyle/>
           <a:p>
-            <a:r>
-              <a:rPr lang="he-IL" dirty="0"/>
-              <a:t>להסביר שעל השכבות המדוברות נרצה ליישם </a:t>
-            </a:r>
-            <a:r>
-              <a:rPr lang="en-US" dirty="0"/>
-              <a:t>DCN</a:t>
-            </a:r>
+            <a:endParaRPr lang="en-US" dirty="0"/>
           </a:p>
         </p:txBody>
       </p:sp>
@@ -1471,7 +1486,7 @@
             <a:fld id="{C8C92D0D-AF30-4211-86C4-A3B87597F349}" type="slidenum">
               <a:rPr lang="he-IL" smtClean="0"/>
               <a:pPr/>
-              <a:t>20</a:t>
+              <a:t>19</a:t>
             </a:fld>
             <a:endParaRPr lang="he-IL"/>
           </a:p>
@@ -1482,7 +1497,7 @@
           <p:cNvPr id="5" name="Footer Placeholder 4">
             <a:extLst>
               <a:ext uri="{FF2B5EF4-FFF2-40B4-BE49-F238E27FC236}">
-                <a16:creationId xmlns:a16="http://schemas.microsoft.com/office/drawing/2014/main" id="{EAB95C90-7FCD-4A76-85DB-E96F4FA14E41}"/>
+                <a16:creationId xmlns:a16="http://schemas.microsoft.com/office/drawing/2014/main" id="{AD753467-F10B-4164-AC16-609227753711}"/>
               </a:ext>
             </a:extLst>
           </p:cNvPr>
@@ -1508,7 +1523,7 @@
     </p:spTree>
     <p:extLst>
       <p:ext uri="{BB962C8B-B14F-4D97-AF65-F5344CB8AC3E}">
-        <p14:creationId xmlns:p14="http://schemas.microsoft.com/office/powerpoint/2010/main" val="1289365257"/>
+        <p14:creationId xmlns:p14="http://schemas.microsoft.com/office/powerpoint/2010/main" val="3047872805"/>
       </p:ext>
     </p:extLst>
   </p:cSld>
@@ -1562,61 +1577,13 @@
           <a:bodyPr/>
           <a:lstStyle/>
           <a:p>
-            <a:pPr marL="0" marR="0" lvl="0" indent="0" algn="r" defTabSz="914400" rtl="1" eaLnBrk="1" fontAlgn="auto" latinLnBrk="0" hangingPunct="1">
-              <a:lnSpc>
-                <a:spcPct val="100000"/>
-              </a:lnSpc>
-              <a:spcBef>
-                <a:spcPts val="0"/>
-              </a:spcBef>
-              <a:spcAft>
-                <a:spcPts val="0"/>
-              </a:spcAft>
-              <a:buClrTx/>
-              <a:buSzTx/>
-              <a:buFontTx/>
-              <a:buNone/>
-              <a:tabLst/>
-              <a:defRPr/>
-            </a:pPr>
-            <a:r>
-              <a:rPr lang="en-US" sz="1200" dirty="0" err="1">
-                <a:solidFill>
-                  <a:srgbClr val="002060"/>
-                </a:solidFill>
-              </a:rPr>
-              <a:t>ResNet</a:t>
-            </a:r>
-            <a:r>
-              <a:rPr lang="en-US" sz="1200" dirty="0">
-                <a:solidFill>
-                  <a:srgbClr val="002060"/>
-                </a:solidFill>
-              </a:rPr>
-              <a:t> basic residual layer</a:t>
-            </a:r>
-          </a:p>
-          <a:p>
             <a:r>
               <a:rPr lang="he-IL" dirty="0"/>
-              <a:t>לדבר על טרייד-אופים: אם ממשים הרבה שכבות כ-</a:t>
-            </a:r>
-            <a:r>
-              <a:rPr lang="en-US" dirty="0"/>
-              <a:t>DCN</a:t>
-            </a:r>
-            <a:r>
-              <a:rPr lang="he-IL" dirty="0"/>
-              <a:t> נצפה לזמן לימוד ארוך. כמו כן לדבר על המיקום שבו נרצה לממש </a:t>
-            </a:r>
-            <a:r>
-              <a:rPr lang="en-US" dirty="0"/>
-              <a:t>DCN</a:t>
-            </a:r>
-            <a:r>
-              <a:rPr lang="he-IL" dirty="0"/>
-              <a:t> – בתחילת השכבות, בסיום, וכו' וכו'</a:t>
-            </a:r>
+              <a:t>אולי להרחיב במעט על הרשתות הידועות ומדוע בחרנו בהן</a:t>
+            </a:r>
+            <a:endParaRPr lang="en-US" dirty="0"/>
+          </a:p>
+          <a:p>
             <a:endParaRPr lang="en-US" dirty="0"/>
           </a:p>
         </p:txBody>
@@ -1639,7 +1606,7 @@
             <a:fld id="{C8C92D0D-AF30-4211-86C4-A3B87597F349}" type="slidenum">
               <a:rPr lang="he-IL" smtClean="0"/>
               <a:pPr/>
-              <a:t>21</a:t>
+              <a:t>20</a:t>
             </a:fld>
             <a:endParaRPr lang="he-IL"/>
           </a:p>
@@ -1650,7 +1617,7 @@
           <p:cNvPr id="5" name="Footer Placeholder 4">
             <a:extLst>
               <a:ext uri="{FF2B5EF4-FFF2-40B4-BE49-F238E27FC236}">
-                <a16:creationId xmlns:a16="http://schemas.microsoft.com/office/drawing/2014/main" id="{C14FCB9D-45E4-4133-908F-C2C828213379}"/>
+                <a16:creationId xmlns:a16="http://schemas.microsoft.com/office/drawing/2014/main" id="{65C03B0E-2E4A-4E8D-89B2-0DF2F71549EE}"/>
               </a:ext>
             </a:extLst>
           </p:cNvPr>
@@ -1676,7 +1643,7 @@
     </p:spTree>
     <p:extLst>
       <p:ext uri="{BB962C8B-B14F-4D97-AF65-F5344CB8AC3E}">
-        <p14:creationId xmlns:p14="http://schemas.microsoft.com/office/powerpoint/2010/main" val="2585679764"/>
+        <p14:creationId xmlns:p14="http://schemas.microsoft.com/office/powerpoint/2010/main" val="1306353171"/>
       </p:ext>
     </p:extLst>
   </p:cSld>
@@ -1732,17 +1699,12 @@
           <a:p>
             <a:r>
               <a:rPr lang="he-IL" dirty="0"/>
-              <a:t>אולי לפרט את התוצאות בפורמט </a:t>
+              <a:t>להסביר שעל השכבות המדוברות נרצה ליישם </a:t>
             </a:r>
             <a:r>
               <a:rPr lang="en-US" dirty="0"/>
-              <a:t>SPECIFICITY</a:t>
-            </a:r>
-            <a:r>
-              <a:rPr lang="he-IL" dirty="0"/>
-              <a:t> וכד' – בעיית המכ"מ</a:t>
-            </a:r>
-            <a:endParaRPr lang="en-US" dirty="0"/>
+              <a:t>DCN</a:t>
+            </a:r>
           </a:p>
         </p:txBody>
       </p:sp>
@@ -1764,7 +1726,7 @@
             <a:fld id="{C8C92D0D-AF30-4211-86C4-A3B87597F349}" type="slidenum">
               <a:rPr lang="he-IL" smtClean="0"/>
               <a:pPr/>
-              <a:t>22</a:t>
+              <a:t>21</a:t>
             </a:fld>
             <a:endParaRPr lang="he-IL"/>
           </a:p>
@@ -1775,7 +1737,7 @@
           <p:cNvPr id="5" name="Footer Placeholder 4">
             <a:extLst>
               <a:ext uri="{FF2B5EF4-FFF2-40B4-BE49-F238E27FC236}">
-                <a16:creationId xmlns:a16="http://schemas.microsoft.com/office/drawing/2014/main" id="{D22B5138-94C3-4ACE-9C44-BB76032A6EB9}"/>
+                <a16:creationId xmlns:a16="http://schemas.microsoft.com/office/drawing/2014/main" id="{EAB95C90-7FCD-4A76-85DB-E96F4FA14E41}"/>
               </a:ext>
             </a:extLst>
           </p:cNvPr>
@@ -1801,7 +1763,7 @@
     </p:spTree>
     <p:extLst>
       <p:ext uri="{BB962C8B-B14F-4D97-AF65-F5344CB8AC3E}">
-        <p14:creationId xmlns:p14="http://schemas.microsoft.com/office/powerpoint/2010/main" val="1648461225"/>
+        <p14:creationId xmlns:p14="http://schemas.microsoft.com/office/powerpoint/2010/main" val="1289365257"/>
       </p:ext>
     </p:extLst>
   </p:cSld>
@@ -1855,10 +1817,174 @@
           <a:bodyPr/>
           <a:lstStyle/>
           <a:p>
+            <a:pPr marL="0" marR="0" lvl="0" indent="0" algn="r" defTabSz="914400" rtl="1" eaLnBrk="1" fontAlgn="auto" latinLnBrk="0" hangingPunct="1">
+              <a:lnSpc>
+                <a:spcPct val="100000"/>
+              </a:lnSpc>
+              <a:spcBef>
+                <a:spcPts val="0"/>
+              </a:spcBef>
+              <a:spcAft>
+                <a:spcPts val="0"/>
+              </a:spcAft>
+              <a:buClrTx/>
+              <a:buSzTx/>
+              <a:buFontTx/>
+              <a:buNone/>
+              <a:tabLst/>
+              <a:defRPr/>
+            </a:pPr>
+            <a:r>
+              <a:rPr lang="en-US" sz="1200" dirty="0" err="1">
+                <a:solidFill>
+                  <a:srgbClr val="002060"/>
+                </a:solidFill>
+              </a:rPr>
+              <a:t>ResNet</a:t>
+            </a:r>
+            <a:r>
+              <a:rPr lang="en-US" sz="1200" dirty="0">
+                <a:solidFill>
+                  <a:srgbClr val="002060"/>
+                </a:solidFill>
+              </a:rPr>
+              <a:t> basic residual layer</a:t>
+            </a:r>
+          </a:p>
+          <a:p>
             <a:r>
               <a:rPr lang="he-IL" dirty="0"/>
-              <a:t>בולט שלישי –לציין את הבעייתיות שבעבודה עם הדאטסטים השונים. ייתכן שיידרש שיפוץ</a:t>
-            </a:r>
+              <a:t>לדבר על טרייד-אופים: אם ממשים הרבה שכבות כ-</a:t>
+            </a:r>
+            <a:r>
+              <a:rPr lang="en-US" dirty="0"/>
+              <a:t>DCN</a:t>
+            </a:r>
+            <a:r>
+              <a:rPr lang="he-IL" dirty="0"/>
+              <a:t> נצפה לזמן לימוד ארוך. כמו כן לדבר על המיקום שבו נרצה לממש </a:t>
+            </a:r>
+            <a:r>
+              <a:rPr lang="en-US" dirty="0"/>
+              <a:t>DCN</a:t>
+            </a:r>
+            <a:r>
+              <a:rPr lang="he-IL" dirty="0"/>
+              <a:t> – בתחילת השכבות, בסיום, וכו' וכו'</a:t>
+            </a:r>
+            <a:endParaRPr lang="en-US" dirty="0"/>
+          </a:p>
+        </p:txBody>
+      </p:sp>
+      <p:sp>
+        <p:nvSpPr>
+          <p:cNvPr id="4" name="Slide Number Placeholder 3"/>
+          <p:cNvSpPr>
+            <a:spLocks noGrp="1"/>
+          </p:cNvSpPr>
+          <p:nvPr>
+            <p:ph type="sldNum" sz="quarter" idx="5"/>
+          </p:nvPr>
+        </p:nvSpPr>
+        <p:spPr/>
+        <p:txBody>
+          <a:bodyPr/>
+          <a:lstStyle/>
+          <a:p>
+            <a:fld id="{C8C92D0D-AF30-4211-86C4-A3B87597F349}" type="slidenum">
+              <a:rPr lang="he-IL" smtClean="0"/>
+              <a:pPr/>
+              <a:t>22</a:t>
+            </a:fld>
+            <a:endParaRPr lang="he-IL"/>
+          </a:p>
+        </p:txBody>
+      </p:sp>
+      <p:sp>
+        <p:nvSpPr>
+          <p:cNvPr id="5" name="Footer Placeholder 4">
+            <a:extLst>
+              <a:ext uri="{FF2B5EF4-FFF2-40B4-BE49-F238E27FC236}">
+                <a16:creationId xmlns:a16="http://schemas.microsoft.com/office/drawing/2014/main" id="{C14FCB9D-45E4-4133-908F-C2C828213379}"/>
+              </a:ext>
+            </a:extLst>
+          </p:cNvPr>
+          <p:cNvSpPr>
+            <a:spLocks noGrp="1"/>
+          </p:cNvSpPr>
+          <p:nvPr>
+            <p:ph type="ftr" sz="quarter" idx="4"/>
+          </p:nvPr>
+        </p:nvSpPr>
+        <p:spPr/>
+        <p:txBody>
+          <a:bodyPr/>
+          <a:lstStyle/>
+          <a:p>
+            <a:r>
+              <a:rPr lang="he-IL"/>
+              <a:t>2</a:t>
+            </a:r>
+          </a:p>
+        </p:txBody>
+      </p:sp>
+    </p:spTree>
+    <p:extLst>
+      <p:ext uri="{BB962C8B-B14F-4D97-AF65-F5344CB8AC3E}">
+        <p14:creationId xmlns:p14="http://schemas.microsoft.com/office/powerpoint/2010/main" val="2585679764"/>
+      </p:ext>
+    </p:extLst>
+  </p:cSld>
+  <p:clrMapOvr>
+    <a:masterClrMapping/>
+  </p:clrMapOvr>
+</p:notes>
+</file>
+
+<file path=ppt/notesSlides/notesSlide19.xml><?xml version="1.0" encoding="utf-8"?>
+<p:notes xmlns:a="http://schemas.openxmlformats.org/drawingml/2006/main" xmlns:r="http://schemas.openxmlformats.org/officeDocument/2006/relationships" xmlns:p="http://schemas.openxmlformats.org/presentationml/2006/main">
+  <p:cSld>
+    <p:spTree>
+      <p:nvGrpSpPr>
+        <p:cNvPr id="1" name=""/>
+        <p:cNvGrpSpPr/>
+        <p:nvPr/>
+      </p:nvGrpSpPr>
+      <p:grpSpPr>
+        <a:xfrm>
+          <a:off x="0" y="0"/>
+          <a:ext cx="0" cy="0"/>
+          <a:chOff x="0" y="0"/>
+          <a:chExt cx="0" cy="0"/>
+        </a:xfrm>
+      </p:grpSpPr>
+      <p:sp>
+        <p:nvSpPr>
+          <p:cNvPr id="2" name="Slide Image Placeholder 1"/>
+          <p:cNvSpPr>
+            <a:spLocks noGrp="1" noRot="1" noChangeAspect="1"/>
+          </p:cNvSpPr>
+          <p:nvPr>
+            <p:ph type="sldImg"/>
+          </p:nvPr>
+        </p:nvSpPr>
+        <p:spPr/>
+      </p:sp>
+      <p:sp>
+        <p:nvSpPr>
+          <p:cNvPr id="3" name="Notes Placeholder 2"/>
+          <p:cNvSpPr>
+            <a:spLocks noGrp="1"/>
+          </p:cNvSpPr>
+          <p:nvPr>
+            <p:ph type="body" idx="1"/>
+          </p:nvPr>
+        </p:nvSpPr>
+        <p:spPr/>
+        <p:txBody>
+          <a:bodyPr/>
+          <a:lstStyle/>
+          <a:p>
             <a:endParaRPr lang="en-US" dirty="0"/>
           </a:p>
         </p:txBody>
@@ -1892,7 +2018,7 @@
           <p:cNvPr id="5" name="Footer Placeholder 4">
             <a:extLst>
               <a:ext uri="{FF2B5EF4-FFF2-40B4-BE49-F238E27FC236}">
-                <a16:creationId xmlns:a16="http://schemas.microsoft.com/office/drawing/2014/main" id="{47D3E8D4-7DE4-457D-948D-A9D1C55C79C0}"/>
+                <a16:creationId xmlns:a16="http://schemas.microsoft.com/office/drawing/2014/main" id="{D22B5138-94C3-4ACE-9C44-BB76032A6EB9}"/>
               </a:ext>
             </a:extLst>
           </p:cNvPr>
@@ -1918,7 +2044,7 @@
     </p:spTree>
     <p:extLst>
       <p:ext uri="{BB962C8B-B14F-4D97-AF65-F5344CB8AC3E}">
-        <p14:creationId xmlns:p14="http://schemas.microsoft.com/office/powerpoint/2010/main" val="4156227241"/>
+        <p14:creationId xmlns:p14="http://schemas.microsoft.com/office/powerpoint/2010/main" val="1648461225"/>
       </p:ext>
     </p:extLst>
   </p:cSld>
@@ -2035,6 +2161,123 @@
     <p:extLst>
       <p:ext uri="{BB962C8B-B14F-4D97-AF65-F5344CB8AC3E}">
         <p14:creationId xmlns:p14="http://schemas.microsoft.com/office/powerpoint/2010/main" val="622024200"/>
+      </p:ext>
+    </p:extLst>
+  </p:cSld>
+  <p:clrMapOvr>
+    <a:masterClrMapping/>
+  </p:clrMapOvr>
+</p:notes>
+</file>
+
+<file path=ppt/notesSlides/notesSlide20.xml><?xml version="1.0" encoding="utf-8"?>
+<p:notes xmlns:a="http://schemas.openxmlformats.org/drawingml/2006/main" xmlns:r="http://schemas.openxmlformats.org/officeDocument/2006/relationships" xmlns:p="http://schemas.openxmlformats.org/presentationml/2006/main">
+  <p:cSld>
+    <p:spTree>
+      <p:nvGrpSpPr>
+        <p:cNvPr id="1" name=""/>
+        <p:cNvGrpSpPr/>
+        <p:nvPr/>
+      </p:nvGrpSpPr>
+      <p:grpSpPr>
+        <a:xfrm>
+          <a:off x="0" y="0"/>
+          <a:ext cx="0" cy="0"/>
+          <a:chOff x="0" y="0"/>
+          <a:chExt cx="0" cy="0"/>
+        </a:xfrm>
+      </p:grpSpPr>
+      <p:sp>
+        <p:nvSpPr>
+          <p:cNvPr id="2" name="Slide Image Placeholder 1"/>
+          <p:cNvSpPr>
+            <a:spLocks noGrp="1" noRot="1" noChangeAspect="1"/>
+          </p:cNvSpPr>
+          <p:nvPr>
+            <p:ph type="sldImg"/>
+          </p:nvPr>
+        </p:nvSpPr>
+        <p:spPr/>
+      </p:sp>
+      <p:sp>
+        <p:nvSpPr>
+          <p:cNvPr id="3" name="Notes Placeholder 2"/>
+          <p:cNvSpPr>
+            <a:spLocks noGrp="1"/>
+          </p:cNvSpPr>
+          <p:nvPr>
+            <p:ph type="body" idx="1"/>
+          </p:nvPr>
+        </p:nvSpPr>
+        <p:spPr/>
+        <p:txBody>
+          <a:bodyPr/>
+          <a:lstStyle/>
+          <a:p>
+            <a:r>
+              <a:rPr lang="he-IL" dirty="0"/>
+              <a:t>בולט שלישי –לציין את הבעייתיות שבעבודה עם הדאטסטים השונים. ייתכן שיידרש שיפוץ</a:t>
+            </a:r>
+            <a:endParaRPr lang="en-US" dirty="0"/>
+          </a:p>
+        </p:txBody>
+      </p:sp>
+      <p:sp>
+        <p:nvSpPr>
+          <p:cNvPr id="4" name="Slide Number Placeholder 3"/>
+          <p:cNvSpPr>
+            <a:spLocks noGrp="1"/>
+          </p:cNvSpPr>
+          <p:nvPr>
+            <p:ph type="sldNum" sz="quarter" idx="5"/>
+          </p:nvPr>
+        </p:nvSpPr>
+        <p:spPr/>
+        <p:txBody>
+          <a:bodyPr/>
+          <a:lstStyle/>
+          <a:p>
+            <a:fld id="{C8C92D0D-AF30-4211-86C4-A3B87597F349}" type="slidenum">
+              <a:rPr lang="he-IL" smtClean="0"/>
+              <a:pPr/>
+              <a:t>24</a:t>
+            </a:fld>
+            <a:endParaRPr lang="he-IL"/>
+          </a:p>
+        </p:txBody>
+      </p:sp>
+      <p:sp>
+        <p:nvSpPr>
+          <p:cNvPr id="5" name="Footer Placeholder 4">
+            <a:extLst>
+              <a:ext uri="{FF2B5EF4-FFF2-40B4-BE49-F238E27FC236}">
+                <a16:creationId xmlns:a16="http://schemas.microsoft.com/office/drawing/2014/main" id="{47D3E8D4-7DE4-457D-948D-A9D1C55C79C0}"/>
+              </a:ext>
+            </a:extLst>
+          </p:cNvPr>
+          <p:cNvSpPr>
+            <a:spLocks noGrp="1"/>
+          </p:cNvSpPr>
+          <p:nvPr>
+            <p:ph type="ftr" sz="quarter" idx="4"/>
+          </p:nvPr>
+        </p:nvSpPr>
+        <p:spPr/>
+        <p:txBody>
+          <a:bodyPr/>
+          <a:lstStyle/>
+          <a:p>
+            <a:r>
+              <a:rPr lang="he-IL"/>
+              <a:t>2</a:t>
+            </a:r>
+          </a:p>
+        </p:txBody>
+      </p:sp>
+    </p:spTree>
+    <p:extLst>
+      <p:ext uri="{BB962C8B-B14F-4D97-AF65-F5344CB8AC3E}">
+        <p14:creationId xmlns:p14="http://schemas.microsoft.com/office/powerpoint/2010/main" val="4156227241"/>
       </p:ext>
     </p:extLst>
   </p:cSld>
@@ -2548,6 +2791,37 @@
             </a:r>
             <a:endParaRPr lang="en-US" dirty="0"/>
           </a:p>
+          <a:p>
+            <a:r>
+              <a:rPr lang="he-IL" dirty="0"/>
+              <a:t>בקצרה: לימוד ראשוני על כל ה</a:t>
+            </a:r>
+            <a:r>
+              <a:rPr lang="en-US" dirty="0"/>
+              <a:t>POSITIVES</a:t>
+            </a:r>
+            <a:r>
+              <a:rPr lang="he-IL" dirty="0"/>
+              <a:t> למציאת קשרים בין </a:t>
+            </a:r>
+            <a:r>
+              <a:rPr lang="en-US" dirty="0"/>
+              <a:t>LABEL</a:t>
+            </a:r>
+            <a:r>
+              <a:rPr lang="he-IL" dirty="0"/>
+              <a:t>ים, ואז אימון על כל ה</a:t>
+            </a:r>
+            <a:r>
+              <a:rPr lang="en-US" dirty="0"/>
+              <a:t>DATASET</a:t>
+            </a:r>
+            <a:r>
+              <a:rPr lang="he-IL" dirty="0"/>
+              <a:t> תוך ניצול הקשרים שנלמדו בשלב ראשון</a:t>
+            </a:r>
+            <a:endParaRPr lang="en-US" dirty="0"/>
+          </a:p>
         </p:txBody>
       </p:sp>
       <p:sp>
@@ -2772,7 +3046,29 @@
           <a:p>
             <a:r>
               <a:rPr lang="he-IL" dirty="0"/>
-              <a:t>לציין שמדובר בשיטות סגמנטציה שונות, ולהדגיש שהתרומה לסבוכיות לא הייתה משמעותית</a:t>
+              <a:t>יש לציין כאן שהלימוד של ה</a:t>
+            </a:r>
+            <a:r>
+              <a:rPr lang="en-US" dirty="0"/>
+              <a:t>OFFSET</a:t>
+            </a:r>
+            <a:r>
+              <a:rPr lang="he-IL" dirty="0"/>
+              <a:t>ים מתבצע במקביל ללימוד של הרשת, דרך שכבת קונוולוציה רגילה</a:t>
+            </a:r>
+          </a:p>
+          <a:p>
+            <a:r>
+              <a:rPr lang="he-IL" dirty="0"/>
+              <a:t>השכבה הזאת מבצעת </a:t>
+            </a:r>
+            <a:r>
+              <a:rPr lang="en-US" dirty="0"/>
+              <a:t>BACKPROP</a:t>
+            </a:r>
+            <a:r>
+              <a:rPr lang="he-IL" dirty="0"/>
+              <a:t> לרשת ולמעשה מתקיימת במקביל לרשת עצמה</a:t>
             </a:r>
             <a:endParaRPr lang="en-US" dirty="0"/>
           </a:p>
@@ -2780,7 +3076,29 @@
       </p:sp>
       <p:sp>
         <p:nvSpPr>
-          <p:cNvPr id="4" name="Slide Number Placeholder 3"/>
+          <p:cNvPr id="4" name="Footer Placeholder 3"/>
+          <p:cNvSpPr>
+            <a:spLocks noGrp="1"/>
+          </p:cNvSpPr>
+          <p:nvPr>
+            <p:ph type="ftr" sz="quarter" idx="4"/>
+          </p:nvPr>
+        </p:nvSpPr>
+        <p:spPr/>
+        <p:txBody>
+          <a:bodyPr/>
+          <a:lstStyle/>
+          <a:p>
+            <a:r>
+              <a:rPr lang="he-IL"/>
+              <a:t>2</a:t>
+            </a:r>
+          </a:p>
+        </p:txBody>
+      </p:sp>
+      <p:sp>
+        <p:nvSpPr>
+          <p:cNvPr id="5" name="Slide Number Placeholder 4"/>
           <p:cNvSpPr>
             <a:spLocks noGrp="1"/>
           </p:cNvSpPr>
@@ -2796,44 +3114,16 @@
             <a:fld id="{C8C92D0D-AF30-4211-86C4-A3B87597F349}" type="slidenum">
               <a:rPr lang="he-IL" smtClean="0"/>
               <a:pPr/>
-              <a:t>13</a:t>
+              <a:t>11</a:t>
             </a:fld>
             <a:endParaRPr lang="he-IL"/>
-          </a:p>
-        </p:txBody>
-      </p:sp>
-      <p:sp>
-        <p:nvSpPr>
-          <p:cNvPr id="5" name="Footer Placeholder 4">
-            <a:extLst>
-              <a:ext uri="{FF2B5EF4-FFF2-40B4-BE49-F238E27FC236}">
-                <a16:creationId xmlns:a16="http://schemas.microsoft.com/office/drawing/2014/main" id="{AD753467-F10B-4164-AC16-609227753711}"/>
-              </a:ext>
-            </a:extLst>
-          </p:cNvPr>
-          <p:cNvSpPr>
-            <a:spLocks noGrp="1"/>
-          </p:cNvSpPr>
-          <p:nvPr>
-            <p:ph type="ftr" sz="quarter" idx="4"/>
-          </p:nvPr>
-        </p:nvSpPr>
-        <p:spPr/>
-        <p:txBody>
-          <a:bodyPr/>
-          <a:lstStyle/>
-          <a:p>
-            <a:r>
-              <a:rPr lang="he-IL"/>
-              <a:t>2</a:t>
-            </a:r>
           </a:p>
         </p:txBody>
       </p:sp>
     </p:spTree>
     <p:extLst>
       <p:ext uri="{BB962C8B-B14F-4D97-AF65-F5344CB8AC3E}">
-        <p14:creationId xmlns:p14="http://schemas.microsoft.com/office/powerpoint/2010/main" val="1110135167"/>
+        <p14:creationId xmlns:p14="http://schemas.microsoft.com/office/powerpoint/2010/main" val="3015799941"/>
       </p:ext>
     </p:extLst>
   </p:cSld>
@@ -2889,30 +3179,9 @@
           <a:p>
             <a:r>
               <a:rPr lang="he-IL" dirty="0"/>
-              <a:t>הפעלת </a:t>
-            </a:r>
-            <a:r>
-              <a:rPr lang="en-US" dirty="0"/>
-              <a:t>DCN</a:t>
-            </a:r>
-            <a:r>
-              <a:rPr lang="he-IL" dirty="0"/>
-              <a:t> על מספר השכבות האחרונות, השוואת תוצאות</a:t>
-            </a:r>
-          </a:p>
-          <a:p>
-            <a:r>
-              <a:rPr lang="en-US" dirty="0" err="1"/>
-              <a:t>mAP,mIoU</a:t>
-            </a:r>
-            <a:r>
-              <a:rPr lang="he-IL" dirty="0"/>
-              <a:t> – שיטות ניקוד שונות עבור זיהוי </a:t>
-            </a:r>
-            <a:r>
-              <a:rPr lang="en-US" dirty="0"/>
-              <a:t>REGIONS</a:t>
-            </a:r>
+              <a:t>לציין שמדובר בשיטות סגמנטציה שונות, ולהדגיש שהתרומה לסבוכיות לא הייתה משמעותית</a:t>
+            </a:r>
+            <a:endParaRPr lang="en-US" dirty="0"/>
           </a:p>
         </p:txBody>
       </p:sp>
@@ -2934,7 +3203,7 @@
             <a:fld id="{C8C92D0D-AF30-4211-86C4-A3B87597F349}" type="slidenum">
               <a:rPr lang="he-IL" smtClean="0"/>
               <a:pPr/>
-              <a:t>14</a:t>
+              <a:t>13</a:t>
             </a:fld>
             <a:endParaRPr lang="he-IL"/>
           </a:p>
@@ -2971,7 +3240,7 @@
     </p:spTree>
     <p:extLst>
       <p:ext uri="{BB962C8B-B14F-4D97-AF65-F5344CB8AC3E}">
-        <p14:creationId xmlns:p14="http://schemas.microsoft.com/office/powerpoint/2010/main" val="4269872321"/>
+        <p14:creationId xmlns:p14="http://schemas.microsoft.com/office/powerpoint/2010/main" val="1110135167"/>
       </p:ext>
     </p:extLst>
   </p:cSld>
@@ -3777,7 +4046,7 @@
           <a:p>
             <a:fld id="{BFD2984C-9D56-40A8-839A-3AF6619B1C81}" type="datetime1">
               <a:rPr lang="en-US" smtClean="0"/>
-              <a:t>06-Jan-20</a:t>
+              <a:t>1/7/2020</a:t>
             </a:fld>
             <a:endParaRPr lang="en-US"/>
           </a:p>
@@ -4024,7 +4293,7 @@
           <a:p>
             <a:fld id="{1408F81D-5BB7-4C4A-AE55-B68165AD758E}" type="datetime1">
               <a:rPr lang="en-US" smtClean="0"/>
-              <a:t>06-Jan-20</a:t>
+              <a:t>1/7/2020</a:t>
             </a:fld>
             <a:endParaRPr lang="en-US"/>
           </a:p>
@@ -5143,7 +5412,7 @@
                 <a:ext cx="7620000" cy="4525963"/>
               </a:xfrm>
               <a:blipFill>
-                <a:blip r:embed="rId2"/>
+                <a:blip r:embed="rId3"/>
                 <a:stretch>
                   <a:fillRect l="-1040" t="-1077" r="-80"/>
                 </a:stretch>
@@ -5209,7 +5478,7 @@
           <p:nvPr/>
         </p:nvPicPr>
         <p:blipFill>
-          <a:blip r:embed="rId3"/>
+          <a:blip r:embed="rId4"/>
           <a:stretch>
             <a:fillRect/>
           </a:stretch>
@@ -5503,23 +5772,7 @@
                   <a:srgbClr val="002060"/>
                 </a:solidFill>
               </a:rPr>
-              <a:t>Deformable </a:t>
-            </a:r>
-            <a:r>
-              <a:rPr lang="en-US" sz="2400" dirty="0" err="1">
-                <a:solidFill>
-                  <a:srgbClr val="002060"/>
-                </a:solidFill>
-              </a:rPr>
-              <a:t>ConvNets</a:t>
-            </a:r>
-            <a:r>
-              <a:rPr lang="en-US" sz="2400" dirty="0">
-                <a:solidFill>
-                  <a:srgbClr val="002060"/>
-                </a:solidFill>
-              </a:rPr>
-              <a:t> only add small overhead over model parameters and computation.</a:t>
+              <a:t>DCNs only add small overhead over model parameters and computation</a:t>
             </a:r>
           </a:p>
         </p:txBody>
@@ -6110,61 +6363,45 @@
         </p:spPr>
         <p:txBody>
           <a:bodyPr>
-            <a:normAutofit lnSpcReduction="10000"/>
+            <a:normAutofit/>
           </a:bodyPr>
           <a:lstStyle/>
           <a:p>
             <a:r>
-              <a:rPr lang="en-US" sz="2400" dirty="0">
-                <a:solidFill>
-                  <a:srgbClr val="002060"/>
-                </a:solidFill>
-              </a:rPr>
-              <a:t>DCNv1 may extend well beyond the region of interest, causing features to be influenced by irrelevant image content.</a:t>
-            </a:r>
-          </a:p>
-          <a:p>
-            <a:r>
-              <a:rPr lang="en-US" sz="2400" dirty="0">
-                <a:solidFill>
-                  <a:srgbClr val="002060"/>
-                </a:solidFill>
-              </a:rPr>
-              <a:t>DCNv2 presents enhanced modeling power for learning deformable convolutions, comes in two complementary forms:</a:t>
-            </a:r>
-          </a:p>
-          <a:p>
-            <a:pPr lvl="1"/>
-            <a:r>
-              <a:rPr lang="en-US" sz="2000" dirty="0">
-                <a:solidFill>
-                  <a:srgbClr val="002060"/>
-                </a:solidFill>
-              </a:rPr>
-              <a:t>Expanded use of deformable convolution layers within the network - allows to control sampling over a broader range of feature levels.</a:t>
-            </a:r>
-          </a:p>
-          <a:p>
-            <a:pPr lvl="1"/>
-            <a:r>
-              <a:rPr lang="en-US" sz="2000" dirty="0">
-                <a:solidFill>
-                  <a:srgbClr val="002060"/>
-                </a:solidFill>
-              </a:rPr>
-              <a:t>DCNv2 incorporates a feature mimicking loss into its training, which favors learning of features consistent to those of R-CNN</a:t>
-            </a:r>
-          </a:p>
-          <a:p>
-            <a:pPr lvl="1"/>
-            <a:r>
-              <a:rPr lang="en-US" sz="2000" dirty="0">
-                <a:solidFill>
-                  <a:srgbClr val="002060"/>
-                </a:solidFill>
-              </a:rPr>
-              <a:t>modulation mechanism in the deformable convolution modules, each sample not only undergoes a learned offset, but is also modulated by a learned feature amplitude.</a:t>
-            </a:r>
+              <a:rPr lang="en-US" sz="2800" dirty="0">
+                <a:solidFill>
+                  <a:srgbClr val="002060"/>
+                </a:solidFill>
+              </a:rPr>
+              <a:t>DCNv1 may extend well beyond the region of interest, causing features to be influenced by irrelevant image content</a:t>
+            </a:r>
+          </a:p>
+          <a:p>
+            <a:pPr marL="0" indent="0">
+              <a:buNone/>
+            </a:pPr>
+            <a:endParaRPr lang="en-US" sz="2800" dirty="0">
+              <a:solidFill>
+                <a:srgbClr val="002060"/>
+              </a:solidFill>
+            </a:endParaRPr>
+          </a:p>
+          <a:p>
+            <a:r>
+              <a:rPr lang="en-US" sz="2800" dirty="0">
+                <a:solidFill>
+                  <a:srgbClr val="002060"/>
+                </a:solidFill>
+              </a:rPr>
+              <a:t>DCNv2 presents enhanced modeling power for learning deformable convolutions</a:t>
+            </a:r>
+          </a:p>
+          <a:p>
+            <a:endParaRPr lang="en-US" sz="2400" dirty="0">
+              <a:solidFill>
+                <a:srgbClr val="002060"/>
+              </a:solidFill>
+            </a:endParaRPr>
           </a:p>
           <a:p>
             <a:pPr marL="457200" lvl="1" indent="0">
@@ -6205,101 +6442,6 @@
               <a:t>16</a:t>
             </a:fld>
             <a:endParaRPr lang="en-US"/>
-          </a:p>
-        </p:txBody>
-      </p:sp>
-      <p:pic>
-        <p:nvPicPr>
-          <p:cNvPr id="5" name="Picture 4">
-            <a:extLst>
-              <a:ext uri="{FF2B5EF4-FFF2-40B4-BE49-F238E27FC236}">
-                <a16:creationId xmlns:a16="http://schemas.microsoft.com/office/drawing/2014/main" id="{65649314-BD93-4C0B-A220-F83EBD365BD7}"/>
-              </a:ext>
-            </a:extLst>
-          </p:cNvPr>
-          <p:cNvPicPr>
-            <a:picLocks noChangeAspect="1"/>
-          </p:cNvPicPr>
-          <p:nvPr/>
-        </p:nvPicPr>
-        <p:blipFill>
-          <a:blip r:embed="rId3"/>
-          <a:stretch>
-            <a:fillRect/>
-          </a:stretch>
-        </p:blipFill>
-        <p:spPr>
-          <a:xfrm>
-            <a:off x="990600" y="5181600"/>
-            <a:ext cx="3390900" cy="1676400"/>
-          </a:xfrm>
-          <a:prstGeom prst="rect">
-            <a:avLst/>
-          </a:prstGeom>
-        </p:spPr>
-      </p:pic>
-      <p:pic>
-        <p:nvPicPr>
-          <p:cNvPr id="6" name="Picture 5">
-            <a:extLst>
-              <a:ext uri="{FF2B5EF4-FFF2-40B4-BE49-F238E27FC236}">
-                <a16:creationId xmlns:a16="http://schemas.microsoft.com/office/drawing/2014/main" id="{653D668A-82F8-401E-98FD-0EC51EF564C4}"/>
-              </a:ext>
-            </a:extLst>
-          </p:cNvPr>
-          <p:cNvPicPr>
-            <a:picLocks noChangeAspect="1"/>
-          </p:cNvPicPr>
-          <p:nvPr/>
-        </p:nvPicPr>
-        <p:blipFill>
-          <a:blip r:embed="rId4"/>
-          <a:stretch>
-            <a:fillRect/>
-          </a:stretch>
-        </p:blipFill>
-        <p:spPr>
-          <a:xfrm>
-            <a:off x="4724400" y="6200775"/>
-            <a:ext cx="3381375" cy="657225"/>
-          </a:xfrm>
-          <a:prstGeom prst="rect">
-            <a:avLst/>
-          </a:prstGeom>
-        </p:spPr>
-      </p:pic>
-      <p:sp>
-        <p:nvSpPr>
-          <p:cNvPr id="7" name="TextBox 6">
-            <a:extLst>
-              <a:ext uri="{FF2B5EF4-FFF2-40B4-BE49-F238E27FC236}">
-                <a16:creationId xmlns:a16="http://schemas.microsoft.com/office/drawing/2014/main" id="{DFE6FDCC-05F2-405C-AAB0-AF0BCEEF5614}"/>
-              </a:ext>
-            </a:extLst>
-          </p:cNvPr>
-          <p:cNvSpPr txBox="1"/>
-          <p:nvPr/>
-        </p:nvSpPr>
-        <p:spPr>
-          <a:xfrm>
-            <a:off x="4914900" y="5879068"/>
-            <a:ext cx="2987040" cy="369332"/>
-          </a:xfrm>
-          <a:prstGeom prst="rect">
-            <a:avLst/>
-          </a:prstGeom>
-          <a:noFill/>
-        </p:spPr>
-        <p:txBody>
-          <a:bodyPr wrap="square" rtlCol="0">
-            <a:spAutoFit/>
-          </a:bodyPr>
-          <a:lstStyle/>
-          <a:p>
-            <a:r>
-              <a:rPr lang="en-US" dirty="0"/>
-              <a:t>Modulated deformable conv</a:t>
-            </a:r>
           </a:p>
         </p:txBody>
       </p:sp>
@@ -6349,6 +6491,291 @@
             <p:ph type="title"/>
           </p:nvPr>
         </p:nvSpPr>
+        <p:spPr/>
+        <p:txBody>
+          <a:bodyPr>
+            <a:normAutofit/>
+          </a:bodyPr>
+          <a:lstStyle/>
+          <a:p>
+            <a:r>
+              <a:rPr lang="en-US" dirty="0">
+                <a:solidFill>
+                  <a:srgbClr val="002060"/>
+                </a:solidFill>
+              </a:rPr>
+              <a:t>DCN V2</a:t>
+            </a:r>
+            <a:endParaRPr lang="en-US" dirty="0"/>
+          </a:p>
+        </p:txBody>
+      </p:sp>
+      <p:sp>
+        <p:nvSpPr>
+          <p:cNvPr id="3" name="Content Placeholder 2">
+            <a:extLst>
+              <a:ext uri="{FF2B5EF4-FFF2-40B4-BE49-F238E27FC236}">
+                <a16:creationId xmlns:a16="http://schemas.microsoft.com/office/drawing/2014/main" id="{FD9D945D-90FF-4CB6-99B8-A86B0C6D048D}"/>
+              </a:ext>
+            </a:extLst>
+          </p:cNvPr>
+          <p:cNvSpPr>
+            <a:spLocks noGrp="1"/>
+          </p:cNvSpPr>
+          <p:nvPr>
+            <p:ph idx="1"/>
+          </p:nvPr>
+        </p:nvSpPr>
+        <p:spPr>
+          <a:xfrm>
+            <a:off x="76200" y="1417638"/>
+            <a:ext cx="8610600" cy="3763962"/>
+          </a:xfrm>
+        </p:spPr>
+        <p:txBody>
+          <a:bodyPr>
+            <a:normAutofit/>
+          </a:bodyPr>
+          <a:lstStyle/>
+          <a:p>
+            <a:pPr lvl="1">
+              <a:buFont typeface="Arial" panose="020B0604020202020204" pitchFamily="34" charset="0"/>
+              <a:buChar char="•"/>
+            </a:pPr>
+            <a:r>
+              <a:rPr lang="en-US" sz="2000" dirty="0">
+                <a:solidFill>
+                  <a:srgbClr val="002060"/>
+                </a:solidFill>
+              </a:rPr>
+              <a:t>Expanded use of deformable convolution layers within the network</a:t>
+            </a:r>
+          </a:p>
+          <a:p>
+            <a:pPr lvl="1">
+              <a:buFont typeface="Arial" panose="020B0604020202020204" pitchFamily="34" charset="0"/>
+              <a:buChar char="•"/>
+            </a:pPr>
+            <a:r>
+              <a:rPr lang="en-US" sz="2000" dirty="0">
+                <a:solidFill>
+                  <a:srgbClr val="002060"/>
+                </a:solidFill>
+              </a:rPr>
+              <a:t>Allows to control sampling over a broader range of feature levels</a:t>
+            </a:r>
+          </a:p>
+          <a:p>
+            <a:pPr lvl="1">
+              <a:buFont typeface="Arial" panose="020B0604020202020204" pitchFamily="34" charset="0"/>
+              <a:buChar char="•"/>
+            </a:pPr>
+            <a:r>
+              <a:rPr lang="en-US" sz="2000" dirty="0">
+                <a:solidFill>
+                  <a:srgbClr val="002060"/>
+                </a:solidFill>
+              </a:rPr>
+              <a:t>Feature mimicking loss - favors learning of features consistent to those of R-CNN</a:t>
+            </a:r>
+          </a:p>
+          <a:p>
+            <a:pPr lvl="1">
+              <a:buFont typeface="Arial" panose="020B0604020202020204" pitchFamily="34" charset="0"/>
+              <a:buChar char="•"/>
+            </a:pPr>
+            <a:r>
+              <a:rPr lang="en-US" sz="2000" dirty="0">
+                <a:solidFill>
+                  <a:srgbClr val="002060"/>
+                </a:solidFill>
+              </a:rPr>
+              <a:t>Each sample not only undergoes a learned offset, but is also modulated by a learned feature amplitude</a:t>
+            </a:r>
+          </a:p>
+          <a:p>
+            <a:pPr marL="457200" lvl="1" indent="0">
+              <a:buNone/>
+            </a:pPr>
+            <a:endParaRPr lang="en-US" sz="2000" dirty="0">
+              <a:solidFill>
+                <a:srgbClr val="002060"/>
+              </a:solidFill>
+            </a:endParaRPr>
+          </a:p>
+        </p:txBody>
+      </p:sp>
+      <p:sp>
+        <p:nvSpPr>
+          <p:cNvPr id="4" name="Slide Number Placeholder 3">
+            <a:extLst>
+              <a:ext uri="{FF2B5EF4-FFF2-40B4-BE49-F238E27FC236}">
+                <a16:creationId xmlns:a16="http://schemas.microsoft.com/office/drawing/2014/main" id="{6ED004E6-B912-45E4-A456-29799468E102}"/>
+              </a:ext>
+            </a:extLst>
+          </p:cNvPr>
+          <p:cNvSpPr>
+            <a:spLocks noGrp="1"/>
+          </p:cNvSpPr>
+          <p:nvPr>
+            <p:ph type="sldNum" sz="quarter" idx="12"/>
+          </p:nvPr>
+        </p:nvSpPr>
+        <p:spPr/>
+        <p:txBody>
+          <a:bodyPr/>
+          <a:lstStyle/>
+          <a:p>
+            <a:fld id="{B01D9778-10B4-40FB-B4E4-44FA89A86639}" type="slidenum">
+              <a:rPr lang="en-US" smtClean="0"/>
+              <a:pPr/>
+              <a:t>17</a:t>
+            </a:fld>
+            <a:endParaRPr lang="en-US"/>
+          </a:p>
+        </p:txBody>
+      </p:sp>
+      <p:pic>
+        <p:nvPicPr>
+          <p:cNvPr id="5" name="Picture 4">
+            <a:extLst>
+              <a:ext uri="{FF2B5EF4-FFF2-40B4-BE49-F238E27FC236}">
+                <a16:creationId xmlns:a16="http://schemas.microsoft.com/office/drawing/2014/main" id="{65649314-BD93-4C0B-A220-F83EBD365BD7}"/>
+              </a:ext>
+            </a:extLst>
+          </p:cNvPr>
+          <p:cNvPicPr>
+            <a:picLocks noChangeAspect="1"/>
+          </p:cNvPicPr>
+          <p:nvPr/>
+        </p:nvPicPr>
+        <p:blipFill>
+          <a:blip r:embed="rId3"/>
+          <a:stretch>
+            <a:fillRect/>
+          </a:stretch>
+        </p:blipFill>
+        <p:spPr>
+          <a:xfrm>
+            <a:off x="838201" y="4216845"/>
+            <a:ext cx="3390900" cy="1676400"/>
+          </a:xfrm>
+          <a:prstGeom prst="rect">
+            <a:avLst/>
+          </a:prstGeom>
+        </p:spPr>
+      </p:pic>
+      <p:pic>
+        <p:nvPicPr>
+          <p:cNvPr id="6" name="Picture 5">
+            <a:extLst>
+              <a:ext uri="{FF2B5EF4-FFF2-40B4-BE49-F238E27FC236}">
+                <a16:creationId xmlns:a16="http://schemas.microsoft.com/office/drawing/2014/main" id="{653D668A-82F8-401E-98FD-0EC51EF564C4}"/>
+              </a:ext>
+            </a:extLst>
+          </p:cNvPr>
+          <p:cNvPicPr>
+            <a:picLocks noChangeAspect="1"/>
+          </p:cNvPicPr>
+          <p:nvPr/>
+        </p:nvPicPr>
+        <p:blipFill>
+          <a:blip r:embed="rId4"/>
+          <a:stretch>
+            <a:fillRect/>
+          </a:stretch>
+        </p:blipFill>
+        <p:spPr>
+          <a:xfrm>
+            <a:off x="4767263" y="4551585"/>
+            <a:ext cx="3381375" cy="657225"/>
+          </a:xfrm>
+          <a:prstGeom prst="rect">
+            <a:avLst/>
+          </a:prstGeom>
+        </p:spPr>
+      </p:pic>
+      <p:sp>
+        <p:nvSpPr>
+          <p:cNvPr id="7" name="TextBox 6">
+            <a:extLst>
+              <a:ext uri="{FF2B5EF4-FFF2-40B4-BE49-F238E27FC236}">
+                <a16:creationId xmlns:a16="http://schemas.microsoft.com/office/drawing/2014/main" id="{DFE6FDCC-05F2-405C-AAB0-AF0BCEEF5614}"/>
+              </a:ext>
+            </a:extLst>
+          </p:cNvPr>
+          <p:cNvSpPr txBox="1"/>
+          <p:nvPr/>
+        </p:nvSpPr>
+        <p:spPr>
+          <a:xfrm>
+            <a:off x="4744226" y="4216598"/>
+            <a:ext cx="2987040" cy="307777"/>
+          </a:xfrm>
+          <a:prstGeom prst="rect">
+            <a:avLst/>
+          </a:prstGeom>
+          <a:noFill/>
+        </p:spPr>
+        <p:txBody>
+          <a:bodyPr wrap="square" rtlCol="0">
+            <a:spAutoFit/>
+          </a:bodyPr>
+          <a:lstStyle/>
+          <a:p>
+            <a:r>
+              <a:rPr lang="en-US" sz="1400" dirty="0"/>
+              <a:t>Modulated deformable conv</a:t>
+            </a:r>
+          </a:p>
+        </p:txBody>
+      </p:sp>
+    </p:spTree>
+    <p:extLst>
+      <p:ext uri="{BB962C8B-B14F-4D97-AF65-F5344CB8AC3E}">
+        <p14:creationId xmlns:p14="http://schemas.microsoft.com/office/powerpoint/2010/main" val="1174640198"/>
+      </p:ext>
+    </p:extLst>
+  </p:cSld>
+  <p:clrMapOvr>
+    <a:masterClrMapping/>
+  </p:clrMapOvr>
+</p:sld>
+</file>
+
+<file path=ppt/slides/slide18.xml><?xml version="1.0" encoding="utf-8"?>
+<p:sld xmlns:a="http://schemas.openxmlformats.org/drawingml/2006/main" xmlns:r="http://schemas.openxmlformats.org/officeDocument/2006/relationships" xmlns:p="http://schemas.openxmlformats.org/presentationml/2006/main">
+  <p:cSld>
+    <p:spTree>
+      <p:nvGrpSpPr>
+        <p:cNvPr id="1" name=""/>
+        <p:cNvGrpSpPr/>
+        <p:nvPr/>
+      </p:nvGrpSpPr>
+      <p:grpSpPr>
+        <a:xfrm>
+          <a:off x="0" y="0"/>
+          <a:ext cx="0" cy="0"/>
+          <a:chOff x="0" y="0"/>
+          <a:chExt cx="0" cy="0"/>
+        </a:xfrm>
+      </p:grpSpPr>
+      <p:sp>
+        <p:nvSpPr>
+          <p:cNvPr id="2" name="Title 1">
+            <a:extLst>
+              <a:ext uri="{FF2B5EF4-FFF2-40B4-BE49-F238E27FC236}">
+                <a16:creationId xmlns:a16="http://schemas.microsoft.com/office/drawing/2014/main" id="{A83A3907-5868-491F-80F2-4633FEEAA9C1}"/>
+              </a:ext>
+            </a:extLst>
+          </p:cNvPr>
+          <p:cNvSpPr>
+            <a:spLocks noGrp="1"/>
+          </p:cNvSpPr>
+          <p:nvPr>
+            <p:ph type="title"/>
+          </p:nvPr>
+        </p:nvSpPr>
         <p:spPr>
           <a:xfrm>
             <a:off x="228600" y="-76200"/>
@@ -6397,8 +6824,8 @@
         </p:blipFill>
         <p:spPr>
           <a:xfrm>
-            <a:off x="693130" y="4169490"/>
-            <a:ext cx="3982547" cy="2160984"/>
+            <a:off x="1056178" y="4002267"/>
+            <a:ext cx="3515822" cy="2291874"/>
           </a:xfrm>
           <a:prstGeom prst="rect">
             <a:avLst/>
@@ -6434,7 +6861,7 @@
             <a:fld id="{B01D9778-10B4-40FB-B4E4-44FA89A86639}" type="slidenum">
               <a:rPr lang="en-US" smtClean="0"/>
               <a:pPr/>
-              <a:t>17</a:t>
+              <a:t>18</a:t>
             </a:fld>
             <a:endParaRPr lang="en-US"/>
           </a:p>
@@ -6462,7 +6889,7 @@
         </p:blipFill>
         <p:spPr>
           <a:xfrm>
-            <a:off x="5305425" y="1037273"/>
+            <a:off x="5324474" y="1120561"/>
             <a:ext cx="3609975" cy="2667000"/>
           </a:xfrm>
           <a:prstGeom prst="rect">
@@ -6492,8 +6919,8 @@
         </p:blipFill>
         <p:spPr>
           <a:xfrm>
-            <a:off x="5140325" y="3730149"/>
-            <a:ext cx="3571875" cy="2600325"/>
+            <a:off x="5343525" y="3983802"/>
+            <a:ext cx="3571875" cy="2667000"/>
           </a:xfrm>
           <a:prstGeom prst="rect">
             <a:avLst/>
@@ -6538,23 +6965,7 @@
                   <a:srgbClr val="002060"/>
                 </a:solidFill>
               </a:rPr>
-              <a:t>Spatial support of nodes in the last layer of the conv5 stage in a regular </a:t>
-            </a:r>
-            <a:r>
-              <a:rPr lang="en-US" sz="2400" dirty="0" err="1">
-                <a:solidFill>
-                  <a:srgbClr val="002060"/>
-                </a:solidFill>
-              </a:rPr>
-              <a:t>ConvNet</a:t>
-            </a:r>
-            <a:r>
-              <a:rPr lang="en-US" sz="2400" dirty="0">
-                <a:solidFill>
-                  <a:srgbClr val="002060"/>
-                </a:solidFill>
-              </a:rPr>
-              <a:t>, DCNv1 and DCNv2.</a:t>
+              <a:t>Spatial support of nodes in last layer conv5 stage in regular CNN, DCNv1 and DCNv2</a:t>
             </a:r>
           </a:p>
         </p:txBody>
@@ -6572,7 +6983,7 @@
 </p:sld>
 </file>
 
-<file path=ppt/slides/slide18.xml><?xml version="1.0" encoding="utf-8"?>
+<file path=ppt/slides/slide19.xml><?xml version="1.0" encoding="utf-8"?>
 <p:sld xmlns:a="http://schemas.openxmlformats.org/drawingml/2006/main" xmlns:r="http://schemas.openxmlformats.org/officeDocument/2006/relationships" xmlns:p="http://schemas.openxmlformats.org/presentationml/2006/main">
   <p:cSld>
     <p:spTree>
@@ -6658,7 +7069,7 @@
             <a:fld id="{B01D9778-10B4-40FB-B4E4-44FA89A86639}" type="slidenum">
               <a:rPr lang="en-US" smtClean="0"/>
               <a:pPr/>
-              <a:t>18</a:t>
+              <a:t>19</a:t>
             </a:fld>
             <a:endParaRPr lang="en-US"/>
           </a:p>
@@ -6702,23 +7113,7 @@
                   <a:srgbClr val="002060"/>
                 </a:solidFill>
               </a:rPr>
-              <a:t>The new version of Deformable </a:t>
-            </a:r>
-            <a:r>
-              <a:rPr lang="en-US" sz="2400" dirty="0" err="1">
-                <a:solidFill>
-                  <a:srgbClr val="002060"/>
-                </a:solidFill>
-              </a:rPr>
-              <a:t>ConvNets</a:t>
-            </a:r>
-            <a:r>
-              <a:rPr lang="en-US" sz="2400" dirty="0">
-                <a:solidFill>
-                  <a:srgbClr val="002060"/>
-                </a:solidFill>
-              </a:rPr>
-              <a:t> yields significant performance gains over the original model</a:t>
+              <a:t>New version yields significant performance gains over the original model</a:t>
             </a:r>
           </a:p>
         </p:txBody>
@@ -6766,189 +7161,6 @@
 </p:sld>
 </file>
 
-<file path=ppt/slides/slide19.xml><?xml version="1.0" encoding="utf-8"?>
-<p:sld xmlns:a="http://schemas.openxmlformats.org/drawingml/2006/main" xmlns:r="http://schemas.openxmlformats.org/officeDocument/2006/relationships" xmlns:p="http://schemas.openxmlformats.org/presentationml/2006/main">
-  <p:cSld>
-    <p:spTree>
-      <p:nvGrpSpPr>
-        <p:cNvPr id="1" name=""/>
-        <p:cNvGrpSpPr/>
-        <p:nvPr/>
-      </p:nvGrpSpPr>
-      <p:grpSpPr>
-        <a:xfrm>
-          <a:off x="0" y="0"/>
-          <a:ext cx="0" cy="0"/>
-          <a:chOff x="0" y="0"/>
-          <a:chExt cx="0" cy="0"/>
-        </a:xfrm>
-      </p:grpSpPr>
-      <p:sp>
-        <p:nvSpPr>
-          <p:cNvPr id="2" name="Title 1"/>
-          <p:cNvSpPr>
-            <a:spLocks noGrp="1"/>
-          </p:cNvSpPr>
-          <p:nvPr>
-            <p:ph type="title"/>
-          </p:nvPr>
-        </p:nvSpPr>
-        <p:spPr/>
-        <p:txBody>
-          <a:bodyPr/>
-          <a:lstStyle/>
-          <a:p>
-            <a:r>
-              <a:rPr lang="en-US" dirty="0">
-                <a:solidFill>
-                  <a:srgbClr val="002060"/>
-                </a:solidFill>
-              </a:rPr>
-              <a:t>Chosen Solution</a:t>
-            </a:r>
-            <a:endParaRPr lang="he-IL" dirty="0">
-              <a:solidFill>
-                <a:srgbClr val="002060"/>
-              </a:solidFill>
-            </a:endParaRPr>
-          </a:p>
-        </p:txBody>
-      </p:sp>
-      <p:sp>
-        <p:nvSpPr>
-          <p:cNvPr id="3" name="Content Placeholder 2"/>
-          <p:cNvSpPr>
-            <a:spLocks noGrp="1"/>
-          </p:cNvSpPr>
-          <p:nvPr>
-            <p:ph idx="1"/>
-          </p:nvPr>
-        </p:nvSpPr>
-        <p:spPr/>
-        <p:txBody>
-          <a:bodyPr>
-            <a:normAutofit/>
-          </a:bodyPr>
-          <a:lstStyle/>
-          <a:p>
-            <a:r>
-              <a:rPr lang="en-US" dirty="0">
-                <a:solidFill>
-                  <a:srgbClr val="002060"/>
-                </a:solidFill>
-              </a:rPr>
-              <a:t>Exploit DCN advantages for improved Pneumonia detection </a:t>
-            </a:r>
-          </a:p>
-          <a:p>
-            <a:r>
-              <a:rPr lang="en-US" dirty="0">
-                <a:solidFill>
-                  <a:srgbClr val="002060"/>
-                </a:solidFill>
-              </a:rPr>
-              <a:t>Integrate DCN into known architectures such as </a:t>
-            </a:r>
-            <a:r>
-              <a:rPr lang="en-US" dirty="0" err="1">
-                <a:solidFill>
-                  <a:srgbClr val="002060"/>
-                </a:solidFill>
-              </a:rPr>
-              <a:t>AlexNet</a:t>
-            </a:r>
-            <a:r>
-              <a:rPr lang="en-US" dirty="0">
-                <a:solidFill>
-                  <a:srgbClr val="002060"/>
-                </a:solidFill>
-              </a:rPr>
-              <a:t>, </a:t>
-            </a:r>
-            <a:r>
-              <a:rPr lang="en-US" dirty="0" err="1">
-                <a:solidFill>
-                  <a:srgbClr val="002060"/>
-                </a:solidFill>
-              </a:rPr>
-              <a:t>ResNet</a:t>
-            </a:r>
-            <a:r>
-              <a:rPr lang="en-US" dirty="0">
-                <a:solidFill>
-                  <a:srgbClr val="002060"/>
-                </a:solidFill>
-              </a:rPr>
-              <a:t>, </a:t>
-            </a:r>
-            <a:r>
-              <a:rPr lang="en-US" dirty="0" err="1">
-                <a:solidFill>
-                  <a:srgbClr val="002060"/>
-                </a:solidFill>
-              </a:rPr>
-              <a:t>DenseNet</a:t>
-            </a:r>
-            <a:endParaRPr lang="en-US" dirty="0">
-              <a:solidFill>
-                <a:srgbClr val="002060"/>
-              </a:solidFill>
-            </a:endParaRPr>
-          </a:p>
-          <a:p>
-            <a:r>
-              <a:rPr lang="en-US" dirty="0">
-                <a:solidFill>
-                  <a:srgbClr val="002060"/>
-                </a:solidFill>
-              </a:rPr>
-              <a:t>Use on datasets such as Kaggle, CheXpert and more</a:t>
-            </a:r>
-            <a:endParaRPr lang="he-IL" dirty="0">
-              <a:solidFill>
-                <a:srgbClr val="002060"/>
-              </a:solidFill>
-            </a:endParaRPr>
-          </a:p>
-        </p:txBody>
-      </p:sp>
-      <p:sp>
-        <p:nvSpPr>
-          <p:cNvPr id="5" name="Slide Number Placeholder 4"/>
-          <p:cNvSpPr>
-            <a:spLocks noGrp="1"/>
-          </p:cNvSpPr>
-          <p:nvPr>
-            <p:ph type="sldNum" sz="quarter" idx="12"/>
-          </p:nvPr>
-        </p:nvSpPr>
-        <p:spPr/>
-        <p:txBody>
-          <a:bodyPr/>
-          <a:lstStyle/>
-          <a:p>
-            <a:fld id="{B01D9778-10B4-40FB-B4E4-44FA89A86639}" type="slidenum">
-              <a:rPr lang="en-US" smtClean="0"/>
-              <a:pPr/>
-              <a:t>19</a:t>
-            </a:fld>
-            <a:endParaRPr lang="en-US"/>
-          </a:p>
-        </p:txBody>
-      </p:sp>
-    </p:spTree>
-    <p:extLst>
-      <p:ext uri="{BB962C8B-B14F-4D97-AF65-F5344CB8AC3E}">
-        <p14:creationId xmlns:p14="http://schemas.microsoft.com/office/powerpoint/2010/main" val="3476935719"/>
-      </p:ext>
-    </p:extLst>
-  </p:cSld>
-  <p:clrMapOvr>
-    <a:masterClrMapping/>
-  </p:clrMapOvr>
-</p:sld>
-</file>
-
 <file path=ppt/slides/slide2.xml><?xml version="1.0" encoding="utf-8"?>
 <p:sld xmlns:a="http://schemas.openxmlformats.org/drawingml/2006/main" xmlns:r="http://schemas.openxmlformats.org/officeDocument/2006/relationships" xmlns:p="http://schemas.openxmlformats.org/presentationml/2006/main">
   <p:cSld>
@@ -7169,6 +7381,189 @@
 </file>
 
 <file path=ppt/slides/slide20.xml><?xml version="1.0" encoding="utf-8"?>
+<p:sld xmlns:a="http://schemas.openxmlformats.org/drawingml/2006/main" xmlns:r="http://schemas.openxmlformats.org/officeDocument/2006/relationships" xmlns:p="http://schemas.openxmlformats.org/presentationml/2006/main">
+  <p:cSld>
+    <p:spTree>
+      <p:nvGrpSpPr>
+        <p:cNvPr id="1" name=""/>
+        <p:cNvGrpSpPr/>
+        <p:nvPr/>
+      </p:nvGrpSpPr>
+      <p:grpSpPr>
+        <a:xfrm>
+          <a:off x="0" y="0"/>
+          <a:ext cx="0" cy="0"/>
+          <a:chOff x="0" y="0"/>
+          <a:chExt cx="0" cy="0"/>
+        </a:xfrm>
+      </p:grpSpPr>
+      <p:sp>
+        <p:nvSpPr>
+          <p:cNvPr id="2" name="Title 1"/>
+          <p:cNvSpPr>
+            <a:spLocks noGrp="1"/>
+          </p:cNvSpPr>
+          <p:nvPr>
+            <p:ph type="title"/>
+          </p:nvPr>
+        </p:nvSpPr>
+        <p:spPr/>
+        <p:txBody>
+          <a:bodyPr/>
+          <a:lstStyle/>
+          <a:p>
+            <a:r>
+              <a:rPr lang="en-US" dirty="0">
+                <a:solidFill>
+                  <a:srgbClr val="002060"/>
+                </a:solidFill>
+              </a:rPr>
+              <a:t>Chosen Solution</a:t>
+            </a:r>
+            <a:endParaRPr lang="he-IL" dirty="0">
+              <a:solidFill>
+                <a:srgbClr val="002060"/>
+              </a:solidFill>
+            </a:endParaRPr>
+          </a:p>
+        </p:txBody>
+      </p:sp>
+      <p:sp>
+        <p:nvSpPr>
+          <p:cNvPr id="3" name="Content Placeholder 2"/>
+          <p:cNvSpPr>
+            <a:spLocks noGrp="1"/>
+          </p:cNvSpPr>
+          <p:nvPr>
+            <p:ph idx="1"/>
+          </p:nvPr>
+        </p:nvSpPr>
+        <p:spPr/>
+        <p:txBody>
+          <a:bodyPr>
+            <a:normAutofit/>
+          </a:bodyPr>
+          <a:lstStyle/>
+          <a:p>
+            <a:r>
+              <a:rPr lang="en-US" dirty="0">
+                <a:solidFill>
+                  <a:srgbClr val="002060"/>
+                </a:solidFill>
+              </a:rPr>
+              <a:t>Exploit DCN advantages for improved Pneumonia detection </a:t>
+            </a:r>
+          </a:p>
+          <a:p>
+            <a:r>
+              <a:rPr lang="en-US" dirty="0">
+                <a:solidFill>
+                  <a:srgbClr val="002060"/>
+                </a:solidFill>
+              </a:rPr>
+              <a:t>Integrate DCN into known architectures such as </a:t>
+            </a:r>
+            <a:r>
+              <a:rPr lang="en-US" dirty="0" err="1">
+                <a:solidFill>
+                  <a:srgbClr val="002060"/>
+                </a:solidFill>
+              </a:rPr>
+              <a:t>AlexNet</a:t>
+            </a:r>
+            <a:r>
+              <a:rPr lang="en-US" dirty="0">
+                <a:solidFill>
+                  <a:srgbClr val="002060"/>
+                </a:solidFill>
+              </a:rPr>
+              <a:t>, </a:t>
+            </a:r>
+            <a:r>
+              <a:rPr lang="en-US" dirty="0" err="1">
+                <a:solidFill>
+                  <a:srgbClr val="002060"/>
+                </a:solidFill>
+              </a:rPr>
+              <a:t>ResNet</a:t>
+            </a:r>
+            <a:r>
+              <a:rPr lang="en-US" dirty="0">
+                <a:solidFill>
+                  <a:srgbClr val="002060"/>
+                </a:solidFill>
+              </a:rPr>
+              <a:t>, </a:t>
+            </a:r>
+            <a:r>
+              <a:rPr lang="en-US" dirty="0" err="1">
+                <a:solidFill>
+                  <a:srgbClr val="002060"/>
+                </a:solidFill>
+              </a:rPr>
+              <a:t>DenseNet</a:t>
+            </a:r>
+            <a:endParaRPr lang="en-US" dirty="0">
+              <a:solidFill>
+                <a:srgbClr val="002060"/>
+              </a:solidFill>
+            </a:endParaRPr>
+          </a:p>
+          <a:p>
+            <a:r>
+              <a:rPr lang="en-US" dirty="0">
+                <a:solidFill>
+                  <a:srgbClr val="002060"/>
+                </a:solidFill>
+              </a:rPr>
+              <a:t>Use on datasets such as Kaggle, CheXpert and more</a:t>
+            </a:r>
+            <a:endParaRPr lang="he-IL" dirty="0">
+              <a:solidFill>
+                <a:srgbClr val="002060"/>
+              </a:solidFill>
+            </a:endParaRPr>
+          </a:p>
+        </p:txBody>
+      </p:sp>
+      <p:sp>
+        <p:nvSpPr>
+          <p:cNvPr id="5" name="Slide Number Placeholder 4"/>
+          <p:cNvSpPr>
+            <a:spLocks noGrp="1"/>
+          </p:cNvSpPr>
+          <p:nvPr>
+            <p:ph type="sldNum" sz="quarter" idx="12"/>
+          </p:nvPr>
+        </p:nvSpPr>
+        <p:spPr/>
+        <p:txBody>
+          <a:bodyPr/>
+          <a:lstStyle/>
+          <a:p>
+            <a:fld id="{B01D9778-10B4-40FB-B4E4-44FA89A86639}" type="slidenum">
+              <a:rPr lang="en-US" smtClean="0"/>
+              <a:pPr/>
+              <a:t>20</a:t>
+            </a:fld>
+            <a:endParaRPr lang="en-US"/>
+          </a:p>
+        </p:txBody>
+      </p:sp>
+    </p:spTree>
+    <p:extLst>
+      <p:ext uri="{BB962C8B-B14F-4D97-AF65-F5344CB8AC3E}">
+        <p14:creationId xmlns:p14="http://schemas.microsoft.com/office/powerpoint/2010/main" val="3476935719"/>
+      </p:ext>
+    </p:extLst>
+  </p:cSld>
+  <p:clrMapOvr>
+    <a:masterClrMapping/>
+  </p:clrMapOvr>
+</p:sld>
+</file>
+
+<file path=ppt/slides/slide21.xml><?xml version="1.0" encoding="utf-8"?>
 <p:sld xmlns:a="http://schemas.openxmlformats.org/drawingml/2006/main" xmlns:r="http://schemas.openxmlformats.org/officeDocument/2006/relationships" xmlns:p="http://schemas.openxmlformats.org/presentationml/2006/main">
   <p:cSld>
     <p:spTree>
@@ -7282,7 +7677,7 @@
             <a:fld id="{B01D9778-10B4-40FB-B4E4-44FA89A86639}" type="slidenum">
               <a:rPr lang="en-US" smtClean="0"/>
               <a:pPr/>
-              <a:t>20</a:t>
+              <a:t>21</a:t>
             </a:fld>
             <a:endParaRPr lang="en-US"/>
           </a:p>
@@ -7302,8 +7697,8 @@
         </p:nvSpPr>
         <p:spPr>
           <a:xfrm>
-            <a:off x="2057400" y="3733800"/>
-            <a:ext cx="2895600" cy="381000"/>
+            <a:off x="2133600" y="3810000"/>
+            <a:ext cx="2819400" cy="285750"/>
           </a:xfrm>
           <a:prstGeom prst="roundRect">
             <a:avLst/>
@@ -7354,8 +7749,8 @@
         </p:nvSpPr>
         <p:spPr>
           <a:xfrm>
-            <a:off x="2057400" y="4724400"/>
-            <a:ext cx="2895600" cy="381000"/>
+            <a:off x="2133598" y="4803775"/>
+            <a:ext cx="2819401" cy="257323"/>
           </a:xfrm>
           <a:prstGeom prst="roundRect">
             <a:avLst/>
@@ -7493,6 +7888,7 @@
             </a:extLst>
           </p:cNvPr>
           <p:cNvCxnSpPr>
+            <a:cxnSpLocks/>
             <a:stCxn id="3" idx="1"/>
             <a:endCxn id="16" idx="3"/>
           </p:cNvCxnSpPr>
@@ -7500,8 +7896,8 @@
         </p:nvCxnSpPr>
         <p:spPr>
           <a:xfrm flipH="1" flipV="1">
-            <a:off x="4953000" y="3924300"/>
-            <a:ext cx="1676400" cy="771615"/>
+            <a:off x="4953000" y="3952875"/>
+            <a:ext cx="1676400" cy="743040"/>
           </a:xfrm>
           <a:prstGeom prst="straightConnector1">
             <a:avLst/>
@@ -7817,7 +8213,7 @@
 </p:sld>
 </file>
 
-<file path=ppt/slides/slide21.xml><?xml version="1.0" encoding="utf-8"?>
+<file path=ppt/slides/slide22.xml><?xml version="1.0" encoding="utf-8"?>
 <p:sld xmlns:a="http://schemas.openxmlformats.org/drawingml/2006/main" xmlns:r="http://schemas.openxmlformats.org/officeDocument/2006/relationships" xmlns:p="http://schemas.openxmlformats.org/presentationml/2006/main">
   <p:cSld>
     <p:spTree>
@@ -7931,7 +8327,7 @@
             <a:fld id="{B01D9778-10B4-40FB-B4E4-44FA89A86639}" type="slidenum">
               <a:rPr lang="en-US" smtClean="0"/>
               <a:pPr/>
-              <a:t>21</a:t>
+              <a:t>22</a:t>
             </a:fld>
             <a:endParaRPr lang="en-US"/>
           </a:p>
@@ -8061,8 +8457,8 @@
         </p:nvSpPr>
         <p:spPr>
           <a:xfrm>
-            <a:off x="5494420" y="2567236"/>
-            <a:ext cx="1896979" cy="480764"/>
+            <a:off x="5539562" y="2567236"/>
+            <a:ext cx="1739543" cy="424871"/>
           </a:xfrm>
           <a:prstGeom prst="roundRect">
             <a:avLst/>
@@ -8113,8 +8509,8 @@
         </p:nvSpPr>
         <p:spPr>
           <a:xfrm>
-            <a:off x="5494421" y="3369254"/>
-            <a:ext cx="1784684" cy="479742"/>
+            <a:off x="5550195" y="3369254"/>
+            <a:ext cx="1728910" cy="424871"/>
           </a:xfrm>
           <a:prstGeom prst="roundRect">
             <a:avLst/>
@@ -8209,8 +8605,8 @@
         </p:nvCxnSpPr>
         <p:spPr>
           <a:xfrm flipV="1">
-            <a:off x="3998495" y="2807618"/>
-            <a:ext cx="1495925" cy="1703830"/>
+            <a:off x="3998495" y="2779672"/>
+            <a:ext cx="1541067" cy="1731776"/>
           </a:xfrm>
           <a:prstGeom prst="straightConnector1">
             <a:avLst/>
@@ -8526,270 +8922,6 @@
 </p:sld>
 </file>
 
-<file path=ppt/slides/slide22.xml><?xml version="1.0" encoding="utf-8"?>
-<p:sld xmlns:a="http://schemas.openxmlformats.org/drawingml/2006/main" xmlns:r="http://schemas.openxmlformats.org/officeDocument/2006/relationships" xmlns:p="http://schemas.openxmlformats.org/presentationml/2006/main">
-  <p:cSld>
-    <p:spTree>
-      <p:nvGrpSpPr>
-        <p:cNvPr id="1" name=""/>
-        <p:cNvGrpSpPr/>
-        <p:nvPr/>
-      </p:nvGrpSpPr>
-      <p:grpSpPr>
-        <a:xfrm>
-          <a:off x="0" y="0"/>
-          <a:ext cx="0" cy="0"/>
-          <a:chOff x="0" y="0"/>
-          <a:chExt cx="0" cy="0"/>
-        </a:xfrm>
-      </p:grpSpPr>
-      <p:sp>
-        <p:nvSpPr>
-          <p:cNvPr id="2" name="Title 1"/>
-          <p:cNvSpPr>
-            <a:spLocks noGrp="1"/>
-          </p:cNvSpPr>
-          <p:nvPr>
-            <p:ph type="title"/>
-          </p:nvPr>
-        </p:nvSpPr>
-        <p:spPr/>
-        <p:txBody>
-          <a:bodyPr/>
-          <a:lstStyle/>
-          <a:p>
-            <a:r>
-              <a:rPr lang="en-US" dirty="0">
-                <a:solidFill>
-                  <a:srgbClr val="002060"/>
-                </a:solidFill>
-              </a:rPr>
-              <a:t>Intermediate Results</a:t>
-            </a:r>
-            <a:endParaRPr lang="he-IL" dirty="0">
-              <a:solidFill>
-                <a:srgbClr val="002060"/>
-              </a:solidFill>
-            </a:endParaRPr>
-          </a:p>
-        </p:txBody>
-      </p:sp>
-      <p:sp>
-        <p:nvSpPr>
-          <p:cNvPr id="3" name="Content Placeholder 2"/>
-          <p:cNvSpPr>
-            <a:spLocks noGrp="1"/>
-          </p:cNvSpPr>
-          <p:nvPr>
-            <p:ph idx="1"/>
-          </p:nvPr>
-        </p:nvSpPr>
-        <p:spPr/>
-        <p:txBody>
-          <a:bodyPr>
-            <a:normAutofit/>
-          </a:bodyPr>
-          <a:lstStyle/>
-          <a:p>
-            <a:r>
-              <a:rPr lang="en-US" dirty="0">
-                <a:solidFill>
-                  <a:srgbClr val="002060"/>
-                </a:solidFill>
-              </a:rPr>
-              <a:t>Acquired datasets - </a:t>
-            </a:r>
-            <a:r>
-              <a:rPr lang="en-US" i="1" dirty="0">
-                <a:solidFill>
-                  <a:srgbClr val="002060"/>
-                </a:solidFill>
-              </a:rPr>
-              <a:t>Kaggle RSNA Challenge</a:t>
-            </a:r>
-            <a:r>
-              <a:rPr lang="en-US" dirty="0">
-                <a:solidFill>
-                  <a:srgbClr val="002060"/>
-                </a:solidFill>
-              </a:rPr>
-              <a:t>, </a:t>
-            </a:r>
-            <a:r>
-              <a:rPr lang="en-US" i="1" dirty="0">
-                <a:solidFill>
-                  <a:srgbClr val="002060"/>
-                </a:solidFill>
-              </a:rPr>
-              <a:t>Kaggle Pneumonia</a:t>
-            </a:r>
-            <a:r>
-              <a:rPr lang="en-US" dirty="0">
-                <a:solidFill>
-                  <a:srgbClr val="002060"/>
-                </a:solidFill>
-              </a:rPr>
-              <a:t>, </a:t>
-            </a:r>
-            <a:r>
-              <a:rPr lang="en-US" i="1" dirty="0">
-                <a:solidFill>
-                  <a:srgbClr val="002060"/>
-                </a:solidFill>
-              </a:rPr>
-              <a:t>CheXpert</a:t>
-            </a:r>
-          </a:p>
-          <a:p>
-            <a:r>
-              <a:rPr lang="en-US" dirty="0">
-                <a:solidFill>
-                  <a:srgbClr val="002060"/>
-                </a:solidFill>
-              </a:rPr>
-              <a:t>Trained known architectures on </a:t>
-            </a:r>
-            <a:r>
-              <a:rPr lang="en-US" i="1" dirty="0">
-                <a:solidFill>
-                  <a:srgbClr val="002060"/>
-                </a:solidFill>
-              </a:rPr>
-              <a:t>Kaggle Pneumonia</a:t>
-            </a:r>
-            <a:r>
-              <a:rPr lang="en-US" dirty="0">
-                <a:solidFill>
-                  <a:srgbClr val="002060"/>
-                </a:solidFill>
-              </a:rPr>
-              <a:t> dataset</a:t>
-            </a:r>
-          </a:p>
-          <a:p>
-            <a:pPr lvl="1"/>
-            <a:r>
-              <a:rPr lang="en-US" dirty="0" err="1">
-                <a:solidFill>
-                  <a:srgbClr val="002060"/>
-                </a:solidFill>
-              </a:rPr>
-              <a:t>AlexNet</a:t>
-            </a:r>
-            <a:r>
-              <a:rPr lang="en-US" dirty="0">
-                <a:solidFill>
-                  <a:srgbClr val="002060"/>
-                </a:solidFill>
-              </a:rPr>
-              <a:t>, </a:t>
-            </a:r>
-            <a:r>
-              <a:rPr lang="en-US" dirty="0" err="1">
-                <a:solidFill>
-                  <a:srgbClr val="002060"/>
-                </a:solidFill>
-              </a:rPr>
-              <a:t>ResNet</a:t>
-            </a:r>
-            <a:r>
-              <a:rPr lang="en-US" dirty="0">
-                <a:solidFill>
-                  <a:srgbClr val="002060"/>
-                </a:solidFill>
-              </a:rPr>
-              <a:t>, </a:t>
-            </a:r>
-            <a:r>
-              <a:rPr lang="en-US" dirty="0" err="1">
-                <a:solidFill>
-                  <a:srgbClr val="002060"/>
-                </a:solidFill>
-              </a:rPr>
-              <a:t>DenseNet</a:t>
-            </a:r>
-            <a:endParaRPr lang="en-US" dirty="0">
-              <a:solidFill>
-                <a:srgbClr val="002060"/>
-              </a:solidFill>
-            </a:endParaRPr>
-          </a:p>
-          <a:p>
-            <a:pPr lvl="1"/>
-            <a:r>
-              <a:rPr lang="en-US" dirty="0">
-                <a:solidFill>
-                  <a:srgbClr val="002060"/>
-                </a:solidFill>
-              </a:rPr>
-              <a:t>Used Transfer Learning for weights</a:t>
-            </a:r>
-          </a:p>
-          <a:p>
-            <a:r>
-              <a:rPr lang="en-US" dirty="0">
-                <a:solidFill>
-                  <a:srgbClr val="002060"/>
-                </a:solidFill>
-              </a:rPr>
-              <a:t>84% accuracy on test set - </a:t>
-            </a:r>
-            <a:r>
-              <a:rPr lang="en-US" dirty="0" err="1">
-                <a:solidFill>
-                  <a:srgbClr val="002060"/>
-                </a:solidFill>
-              </a:rPr>
-              <a:t>ResNet</a:t>
-            </a:r>
-            <a:r>
-              <a:rPr lang="en-US" dirty="0">
-                <a:solidFill>
-                  <a:srgbClr val="002060"/>
-                </a:solidFill>
-              </a:rPr>
-              <a:t> &amp; TL, 25 epochs</a:t>
-            </a:r>
-          </a:p>
-        </p:txBody>
-      </p:sp>
-      <p:sp>
-        <p:nvSpPr>
-          <p:cNvPr id="5" name="Slide Number Placeholder 4"/>
-          <p:cNvSpPr>
-            <a:spLocks noGrp="1"/>
-          </p:cNvSpPr>
-          <p:nvPr>
-            <p:ph type="sldNum" sz="quarter" idx="12"/>
-          </p:nvPr>
-        </p:nvSpPr>
-        <p:spPr/>
-        <p:txBody>
-          <a:bodyPr/>
-          <a:lstStyle/>
-          <a:p>
-            <a:fld id="{B01D9778-10B4-40FB-B4E4-44FA89A86639}" type="slidenum">
-              <a:rPr lang="en-US" smtClean="0"/>
-              <a:pPr/>
-              <a:t>22</a:t>
-            </a:fld>
-            <a:endParaRPr lang="en-US"/>
-          </a:p>
-        </p:txBody>
-      </p:sp>
-    </p:spTree>
-    <p:extLst>
-      <p:ext uri="{BB962C8B-B14F-4D97-AF65-F5344CB8AC3E}">
-        <p14:creationId xmlns:p14="http://schemas.microsoft.com/office/powerpoint/2010/main" val="2145876422"/>
-      </p:ext>
-    </p:extLst>
-  </p:cSld>
-  <p:clrMapOvr>
-    <a:masterClrMapping/>
-  </p:clrMapOvr>
-</p:sld>
-</file>
-
 <file path=ppt/slides/slide23.xml><?xml version="1.0" encoding="utf-8"?>
 <p:sld xmlns:a="http://schemas.openxmlformats.org/drawingml/2006/main" xmlns:r="http://schemas.openxmlformats.org/officeDocument/2006/relationships" xmlns:p="http://schemas.openxmlformats.org/presentationml/2006/main">
   <p:cSld>
@@ -8828,7 +8960,7 @@
                   <a:srgbClr val="002060"/>
                 </a:solidFill>
               </a:rPr>
-              <a:t>Limitations &amp; Conclusions</a:t>
+              <a:t>Intermediate Results</a:t>
             </a:r>
             <a:endParaRPr lang="he-IL" dirty="0">
               <a:solidFill>
@@ -8850,7 +8982,9 @@
         </p:nvSpPr>
         <p:spPr/>
         <p:txBody>
-          <a:bodyPr/>
+          <a:bodyPr>
+            <a:normAutofit/>
+          </a:bodyPr>
           <a:lstStyle/>
           <a:p>
             <a:r>
@@ -8859,35 +8993,159 @@
                   <a:srgbClr val="002060"/>
                 </a:solidFill>
               </a:rPr>
-              <a:t>Regular CNN can achieve decent results on current data (84%-90%)</a:t>
-            </a:r>
-          </a:p>
-          <a:p>
+              <a:t>Acquired datasets - </a:t>
+            </a:r>
+            <a:r>
+              <a:rPr lang="en-US" i="1" dirty="0">
+                <a:solidFill>
+                  <a:srgbClr val="002060"/>
+                </a:solidFill>
+              </a:rPr>
+              <a:t>Kaggle RSNA Challenge</a:t>
+            </a:r>
             <a:r>
               <a:rPr lang="en-US" dirty="0">
                 <a:solidFill>
                   <a:srgbClr val="002060"/>
                 </a:solidFill>
               </a:rPr>
-              <a:t>Data labeling not ideal (pictures fit more than one label, lung opacity label, etc.)</a:t>
-            </a:r>
-          </a:p>
-          <a:p>
+              <a:t>, </a:t>
+            </a:r>
+            <a:r>
+              <a:rPr lang="en-US" i="1" dirty="0">
+                <a:solidFill>
+                  <a:srgbClr val="002060"/>
+                </a:solidFill>
+              </a:rPr>
+              <a:t>Kaggle Pneumonia</a:t>
+            </a:r>
             <a:r>
               <a:rPr lang="en-US" dirty="0">
                 <a:solidFill>
                   <a:srgbClr val="002060"/>
                 </a:solidFill>
               </a:rPr>
-              <a:t>Different datasets to work on with different sizes</a:t>
-            </a:r>
-          </a:p>
-          <a:p>
+              <a:t>, </a:t>
+            </a:r>
+            <a:r>
+              <a:rPr lang="en-US" i="1" dirty="0">
+                <a:solidFill>
+                  <a:srgbClr val="002060"/>
+                </a:solidFill>
+              </a:rPr>
+              <a:t>CheXpert</a:t>
+            </a:r>
+          </a:p>
+          <a:p>
+            <a:r>
+              <a:rPr lang="en-US" dirty="0">
+                <a:solidFill>
+                  <a:srgbClr val="002060"/>
+                </a:solidFill>
+              </a:rPr>
+              <a:t>Trained known architectures on </a:t>
+            </a:r>
+            <a:r>
+              <a:rPr lang="en-US" i="1" dirty="0">
+                <a:solidFill>
+                  <a:srgbClr val="002060"/>
+                </a:solidFill>
+              </a:rPr>
+              <a:t>Kaggle Pneumonia</a:t>
+            </a:r>
+            <a:r>
+              <a:rPr lang="en-US" dirty="0">
+                <a:solidFill>
+                  <a:srgbClr val="002060"/>
+                </a:solidFill>
+              </a:rPr>
+              <a:t> dataset</a:t>
+            </a:r>
+          </a:p>
+          <a:p>
+            <a:pPr lvl="1"/>
+            <a:r>
+              <a:rPr lang="en-US" dirty="0" err="1">
+                <a:solidFill>
+                  <a:srgbClr val="002060"/>
+                </a:solidFill>
+              </a:rPr>
+              <a:t>AlexNet</a:t>
+            </a:r>
+            <a:r>
+              <a:rPr lang="en-US" dirty="0">
+                <a:solidFill>
+                  <a:srgbClr val="002060"/>
+                </a:solidFill>
+              </a:rPr>
+              <a:t>, </a:t>
+            </a:r>
+            <a:r>
+              <a:rPr lang="en-US" dirty="0" err="1">
+                <a:solidFill>
+                  <a:srgbClr val="002060"/>
+                </a:solidFill>
+              </a:rPr>
+              <a:t>ResNet</a:t>
+            </a:r>
+            <a:r>
+              <a:rPr lang="en-US" dirty="0">
+                <a:solidFill>
+                  <a:srgbClr val="002060"/>
+                </a:solidFill>
+              </a:rPr>
+              <a:t>, </a:t>
+            </a:r>
+            <a:r>
+              <a:rPr lang="en-US" dirty="0" err="1">
+                <a:solidFill>
+                  <a:srgbClr val="002060"/>
+                </a:solidFill>
+              </a:rPr>
+              <a:t>DenseNet</a:t>
+            </a:r>
             <a:endParaRPr lang="en-US" dirty="0">
               <a:solidFill>
                 <a:srgbClr val="002060"/>
               </a:solidFill>
             </a:endParaRPr>
+          </a:p>
+          <a:p>
+            <a:pPr lvl="1"/>
+            <a:r>
+              <a:rPr lang="en-US" dirty="0">
+                <a:solidFill>
+                  <a:srgbClr val="002060"/>
+                </a:solidFill>
+              </a:rPr>
+              <a:t>Used Transfer Learning for weights</a:t>
+            </a:r>
+          </a:p>
+          <a:p>
+            <a:r>
+              <a:rPr lang="en-US" dirty="0">
+                <a:solidFill>
+                  <a:srgbClr val="002060"/>
+                </a:solidFill>
+              </a:rPr>
+              <a:t>84% accuracy on test set - </a:t>
+            </a:r>
+            <a:r>
+              <a:rPr lang="en-US" dirty="0" err="1">
+                <a:solidFill>
+                  <a:srgbClr val="002060"/>
+                </a:solidFill>
+              </a:rPr>
+              <a:t>ResNet</a:t>
+            </a:r>
+            <a:r>
+              <a:rPr lang="en-US" dirty="0">
+                <a:solidFill>
+                  <a:srgbClr val="002060"/>
+                </a:solidFill>
+              </a:rPr>
+              <a:t> &amp; TL, 25 epochs</a:t>
+            </a:r>
           </a:p>
         </p:txBody>
       </p:sp>
@@ -8918,7 +9176,7 @@
     </p:spTree>
     <p:extLst>
       <p:ext uri="{BB962C8B-B14F-4D97-AF65-F5344CB8AC3E}">
-        <p14:creationId xmlns:p14="http://schemas.microsoft.com/office/powerpoint/2010/main" val="1669314898"/>
+        <p14:creationId xmlns:p14="http://schemas.microsoft.com/office/powerpoint/2010/main" val="2145876422"/>
       </p:ext>
     </p:extLst>
   </p:cSld>
@@ -8966,7 +9224,7 @@
                   <a:srgbClr val="002060"/>
                 </a:solidFill>
               </a:rPr>
-              <a:t>Future Work</a:t>
+              <a:t>Limitations &amp; Conclusions</a:t>
             </a:r>
             <a:endParaRPr lang="he-IL" dirty="0">
               <a:solidFill>
@@ -8997,7 +9255,7 @@
                   <a:srgbClr val="002060"/>
                 </a:solidFill>
               </a:rPr>
-              <a:t>Try different CNN architectures on dataset</a:t>
+              <a:t>Regular CNN can achieve decent results on current data (84%-90%)</a:t>
             </a:r>
           </a:p>
           <a:p>
@@ -9007,7 +9265,7 @@
                   <a:srgbClr val="002060"/>
                 </a:solidFill>
               </a:rPr>
-              <a:t>Train models on all datasets</a:t>
+              <a:t>Data labeling not ideal (pictures fit more than one label, lung opacity label, etc.)</a:t>
             </a:r>
           </a:p>
           <a:p>
@@ -9017,28 +9275,15 @@
                   <a:srgbClr val="002060"/>
                 </a:solidFill>
               </a:rPr>
-              <a:t>Implement DCN layers to trained architectures</a:t>
-            </a:r>
-          </a:p>
-          <a:p>
-            <a:r>
-              <a:rPr lang="en-US" dirty="0">
-                <a:solidFill>
-                  <a:srgbClr val="002060"/>
-                </a:solidFill>
-              </a:rPr>
-              <a:t>Explore newer DCN version (v2)</a:t>
-            </a:r>
-          </a:p>
-          <a:p>
-            <a:r>
-              <a:rPr lang="en-US" dirty="0">
-                <a:solidFill>
-                  <a:srgbClr val="002060"/>
-                </a:solidFill>
-              </a:rPr>
-              <a:t>Acquire additional datasets from Zebra Medical</a:t>
-            </a:r>
+              <a:t>Different datasets to work on with different sizes</a:t>
+            </a:r>
+          </a:p>
+          <a:p>
+            <a:endParaRPr lang="en-US" dirty="0">
+              <a:solidFill>
+                <a:srgbClr val="002060"/>
+              </a:solidFill>
+            </a:endParaRPr>
           </a:p>
         </p:txBody>
       </p:sp>
@@ -9069,7 +9314,7 @@
     </p:spTree>
     <p:extLst>
       <p:ext uri="{BB962C8B-B14F-4D97-AF65-F5344CB8AC3E}">
-        <p14:creationId xmlns:p14="http://schemas.microsoft.com/office/powerpoint/2010/main" val="194558903"/>
+        <p14:creationId xmlns:p14="http://schemas.microsoft.com/office/powerpoint/2010/main" val="1669314898"/>
       </p:ext>
     </p:extLst>
   </p:cSld>
@@ -9106,6 +9351,157 @@
             <p:ph type="title"/>
           </p:nvPr>
         </p:nvSpPr>
+        <p:spPr/>
+        <p:txBody>
+          <a:bodyPr/>
+          <a:lstStyle/>
+          <a:p>
+            <a:r>
+              <a:rPr lang="en-US" dirty="0">
+                <a:solidFill>
+                  <a:srgbClr val="002060"/>
+                </a:solidFill>
+              </a:rPr>
+              <a:t>Future Work</a:t>
+            </a:r>
+            <a:endParaRPr lang="he-IL" dirty="0">
+              <a:solidFill>
+                <a:srgbClr val="002060"/>
+              </a:solidFill>
+            </a:endParaRPr>
+          </a:p>
+        </p:txBody>
+      </p:sp>
+      <p:sp>
+        <p:nvSpPr>
+          <p:cNvPr id="3" name="Content Placeholder 2"/>
+          <p:cNvSpPr>
+            <a:spLocks noGrp="1"/>
+          </p:cNvSpPr>
+          <p:nvPr>
+            <p:ph idx="1"/>
+          </p:nvPr>
+        </p:nvSpPr>
+        <p:spPr/>
+        <p:txBody>
+          <a:bodyPr/>
+          <a:lstStyle/>
+          <a:p>
+            <a:r>
+              <a:rPr lang="en-US" dirty="0">
+                <a:solidFill>
+                  <a:srgbClr val="002060"/>
+                </a:solidFill>
+              </a:rPr>
+              <a:t>Try different CNN architectures on dataset</a:t>
+            </a:r>
+          </a:p>
+          <a:p>
+            <a:r>
+              <a:rPr lang="en-US" dirty="0">
+                <a:solidFill>
+                  <a:srgbClr val="002060"/>
+                </a:solidFill>
+              </a:rPr>
+              <a:t>Train models on all datasets</a:t>
+            </a:r>
+          </a:p>
+          <a:p>
+            <a:r>
+              <a:rPr lang="en-US" dirty="0">
+                <a:solidFill>
+                  <a:srgbClr val="002060"/>
+                </a:solidFill>
+              </a:rPr>
+              <a:t>Implement DCN layers to trained architectures</a:t>
+            </a:r>
+          </a:p>
+          <a:p>
+            <a:r>
+              <a:rPr lang="en-US" dirty="0">
+                <a:solidFill>
+                  <a:srgbClr val="002060"/>
+                </a:solidFill>
+              </a:rPr>
+              <a:t>Explore newer DCN version (v2)</a:t>
+            </a:r>
+          </a:p>
+          <a:p>
+            <a:r>
+              <a:rPr lang="en-US" dirty="0">
+                <a:solidFill>
+                  <a:srgbClr val="002060"/>
+                </a:solidFill>
+              </a:rPr>
+              <a:t>Acquire additional datasets from Zebra Medical</a:t>
+            </a:r>
+          </a:p>
+        </p:txBody>
+      </p:sp>
+      <p:sp>
+        <p:nvSpPr>
+          <p:cNvPr id="5" name="Slide Number Placeholder 4"/>
+          <p:cNvSpPr>
+            <a:spLocks noGrp="1"/>
+          </p:cNvSpPr>
+          <p:nvPr>
+            <p:ph type="sldNum" sz="quarter" idx="12"/>
+          </p:nvPr>
+        </p:nvSpPr>
+        <p:spPr/>
+        <p:txBody>
+          <a:bodyPr/>
+          <a:lstStyle/>
+          <a:p>
+            <a:fld id="{B01D9778-10B4-40FB-B4E4-44FA89A86639}" type="slidenum">
+              <a:rPr lang="en-US" smtClean="0"/>
+              <a:pPr/>
+              <a:t>25</a:t>
+            </a:fld>
+            <a:endParaRPr lang="en-US"/>
+          </a:p>
+        </p:txBody>
+      </p:sp>
+    </p:spTree>
+    <p:extLst>
+      <p:ext uri="{BB962C8B-B14F-4D97-AF65-F5344CB8AC3E}">
+        <p14:creationId xmlns:p14="http://schemas.microsoft.com/office/powerpoint/2010/main" val="194558903"/>
+      </p:ext>
+    </p:extLst>
+  </p:cSld>
+  <p:clrMapOvr>
+    <a:masterClrMapping/>
+  </p:clrMapOvr>
+</p:sld>
+</file>
+
+<file path=ppt/slides/slide26.xml><?xml version="1.0" encoding="utf-8"?>
+<p:sld xmlns:a="http://schemas.openxmlformats.org/drawingml/2006/main" xmlns:r="http://schemas.openxmlformats.org/officeDocument/2006/relationships" xmlns:p="http://schemas.openxmlformats.org/presentationml/2006/main">
+  <p:cSld>
+    <p:spTree>
+      <p:nvGrpSpPr>
+        <p:cNvPr id="1" name=""/>
+        <p:cNvGrpSpPr/>
+        <p:nvPr/>
+      </p:nvGrpSpPr>
+      <p:grpSpPr>
+        <a:xfrm>
+          <a:off x="0" y="0"/>
+          <a:ext cx="0" cy="0"/>
+          <a:chOff x="0" y="0"/>
+          <a:chExt cx="0" cy="0"/>
+        </a:xfrm>
+      </p:grpSpPr>
+      <p:sp>
+        <p:nvSpPr>
+          <p:cNvPr id="2" name="Title 1"/>
+          <p:cNvSpPr>
+            <a:spLocks noGrp="1"/>
+          </p:cNvSpPr>
+          <p:nvPr>
+            <p:ph type="title"/>
+          </p:nvPr>
+        </p:nvSpPr>
         <p:spPr>
           <a:xfrm>
             <a:off x="438615" y="228600"/>
@@ -9307,7 +9703,7 @@
             <a:fld id="{B01D9778-10B4-40FB-B4E4-44FA89A86639}" type="slidenum">
               <a:rPr lang="en-US" smtClean="0"/>
               <a:pPr/>
-              <a:t>25</a:t>
+              <a:t>26</a:t>
             </a:fld>
             <a:endParaRPr lang="en-US"/>
           </a:p>
@@ -9838,8 +10234,8 @@
         </p:blipFill>
         <p:spPr>
           <a:xfrm>
-            <a:off x="5034196" y="1600200"/>
-            <a:ext cx="3403600" cy="2438400"/>
+            <a:off x="5034196" y="1558823"/>
+            <a:ext cx="3403600" cy="2479777"/>
           </a:xfrm>
         </p:spPr>
       </p:pic>
@@ -9871,8 +10267,8 @@
         </p:blipFill>
         <p:spPr>
           <a:xfrm>
-            <a:off x="5033605" y="4221162"/>
-            <a:ext cx="3404191" cy="2414281"/>
+            <a:off x="5033605" y="4280684"/>
+            <a:ext cx="3404191" cy="2474461"/>
           </a:xfrm>
           <a:prstGeom prst="rect">
             <a:avLst/>
@@ -9906,8 +10302,8 @@
         </p:blipFill>
         <p:spPr bwMode="auto">
           <a:xfrm>
-            <a:off x="1115548" y="1558823"/>
-            <a:ext cx="3009497" cy="2521154"/>
+            <a:off x="706205" y="1558823"/>
+            <a:ext cx="3403600" cy="2479777"/>
           </a:xfrm>
           <a:prstGeom prst="rect">
             <a:avLst/>
@@ -10631,7 +11027,7 @@
                   <a:srgbClr val="002060"/>
                 </a:solidFill>
               </a:rPr>
-              <a:t> preprint arXiv:1911.06475 (2019).‏</a:t>
+              <a:t> preprint arXiv:1911.06475 (2019)</a:t>
             </a:r>
           </a:p>
           <a:p>

--- a/MidPresentation_Andy_Or.pptx
+++ b/MidPresentation_Andy_Or.pptx
@@ -249,7 +249,7 @@
             <a:fld id="{C9B6F397-9295-4C9F-B4B0-31BF9D08FE68}" type="datetimeFigureOut">
               <a:rPr lang="he-IL" smtClean="0"/>
               <a:pPr/>
-              <a:t>י'/טבת/תש"פ</a:t>
+              <a:t>י"א/טבת/תש"פ</a:t>
             </a:fld>
             <a:endParaRPr lang="he-IL"/>
           </a:p>
@@ -420,7 +420,7 @@
             <a:fld id="{543B7BDA-9DDC-4E4C-973D-E4A3E66645CD}" type="datetimeFigureOut">
               <a:rPr lang="he-IL" smtClean="0"/>
               <a:pPr/>
-              <a:t>י'/טבת/תש"פ</a:t>
+              <a:t>י"א/טבת/תש"פ</a:t>
             </a:fld>
             <a:endParaRPr lang="he-IL"/>
           </a:p>
@@ -852,36 +852,48 @@
           <a:p>
             <a:r>
               <a:rPr lang="he-IL" dirty="0"/>
-              <a:t>הפעלת </a:t>
+              <a:t>עיוות מסיכת ה</a:t>
             </a:r>
             <a:r>
               <a:rPr lang="en-US" dirty="0"/>
-              <a:t>DCN</a:t>
+              <a:t>POOLING</a:t>
             </a:r>
             <a:r>
               <a:rPr lang="he-IL" dirty="0"/>
-              <a:t> על מספר השכבות האחרונות, השוואת תוצאות</a:t>
-            </a:r>
-          </a:p>
-          <a:p>
-            <a:r>
-              <a:rPr lang="en-US" dirty="0" err="1"/>
-              <a:t>mAP,mIoU</a:t>
-            </a:r>
-            <a:r>
-              <a:rPr lang="he-IL" dirty="0"/>
-              <a:t> – שיטות ניקוד שונות עבור זיהוי </a:t>
+              <a:t> בתוך </a:t>
             </a:r>
             <a:r>
               <a:rPr lang="en-US" dirty="0"/>
-              <a:t>REGIONS</a:t>
-            </a:r>
-          </a:p>
-        </p:txBody>
-      </p:sp>
-      <p:sp>
-        <p:nvSpPr>
-          <p:cNvPr id="4" name="Slide Number Placeholder 3"/>
+              <a:t>ROI</a:t>
+            </a:r>
+          </a:p>
+        </p:txBody>
+      </p:sp>
+      <p:sp>
+        <p:nvSpPr>
+          <p:cNvPr id="4" name="Footer Placeholder 3"/>
+          <p:cNvSpPr>
+            <a:spLocks noGrp="1"/>
+          </p:cNvSpPr>
+          <p:nvPr>
+            <p:ph type="ftr" sz="quarter" idx="4"/>
+          </p:nvPr>
+        </p:nvSpPr>
+        <p:spPr/>
+        <p:txBody>
+          <a:bodyPr/>
+          <a:lstStyle/>
+          <a:p>
+            <a:r>
+              <a:rPr lang="he-IL"/>
+              <a:t>2</a:t>
+            </a:r>
+          </a:p>
+        </p:txBody>
+      </p:sp>
+      <p:sp>
+        <p:nvSpPr>
+          <p:cNvPr id="5" name="Slide Number Placeholder 4"/>
           <p:cNvSpPr>
             <a:spLocks noGrp="1"/>
           </p:cNvSpPr>
@@ -897,44 +909,16 @@
             <a:fld id="{C8C92D0D-AF30-4211-86C4-A3B87597F349}" type="slidenum">
               <a:rPr lang="he-IL" smtClean="0"/>
               <a:pPr/>
-              <a:t>14</a:t>
+              <a:t>12</a:t>
             </a:fld>
             <a:endParaRPr lang="he-IL"/>
-          </a:p>
-        </p:txBody>
-      </p:sp>
-      <p:sp>
-        <p:nvSpPr>
-          <p:cNvPr id="5" name="Footer Placeholder 4">
-            <a:extLst>
-              <a:ext uri="{FF2B5EF4-FFF2-40B4-BE49-F238E27FC236}">
-                <a16:creationId xmlns:a16="http://schemas.microsoft.com/office/drawing/2014/main" id="{AD753467-F10B-4164-AC16-609227753711}"/>
-              </a:ext>
-            </a:extLst>
-          </p:cNvPr>
-          <p:cNvSpPr>
-            <a:spLocks noGrp="1"/>
-          </p:cNvSpPr>
-          <p:nvPr>
-            <p:ph type="ftr" sz="quarter" idx="4"/>
-          </p:nvPr>
-        </p:nvSpPr>
-        <p:spPr/>
-        <p:txBody>
-          <a:bodyPr/>
-          <a:lstStyle/>
-          <a:p>
-            <a:r>
-              <a:rPr lang="he-IL"/>
-              <a:t>2</a:t>
-            </a:r>
           </a:p>
         </p:txBody>
       </p:sp>
     </p:spTree>
     <p:extLst>
       <p:ext uri="{BB962C8B-B14F-4D97-AF65-F5344CB8AC3E}">
-        <p14:creationId xmlns:p14="http://schemas.microsoft.com/office/powerpoint/2010/main" val="4269872321"/>
+        <p14:creationId xmlns:p14="http://schemas.microsoft.com/office/powerpoint/2010/main" val="2555120750"/>
       </p:ext>
     </p:extLst>
   </p:cSld>
@@ -990,27 +974,7 @@
           <a:p>
             <a:r>
               <a:rPr lang="he-IL" dirty="0"/>
-              <a:t>להסביר מה זה </a:t>
-            </a:r>
-            <a:r>
-              <a:rPr lang="en-US" dirty="0"/>
-              <a:t>COCO DETECTION CHALLENGE</a:t>
-            </a:r>
-            <a:r>
-              <a:rPr lang="he-IL" dirty="0"/>
-              <a:t>:</a:t>
-            </a:r>
-          </a:p>
-          <a:p>
-            <a:r>
-              <a:rPr lang="en-US" dirty="0"/>
-              <a:t>Common Objects in Context</a:t>
-            </a:r>
-          </a:p>
-          <a:p>
-            <a:r>
-              <a:rPr lang="he-IL" dirty="0"/>
-              <a:t>זה  דאטה סט שמכיל מעלה מ300,000 תמונות, מתוכן בערך 200,000 מתויגות. המטרה – זיהוי עצמים (למעלה מ100 תגיות שונות)</a:t>
+              <a:t>לציין שמדובר בשיטות סגמנטציה שונות, ולהדגיש שהתרומה לסבוכיות לא הייתה משמעותית</a:t>
             </a:r>
             <a:endParaRPr lang="en-US" dirty="0"/>
           </a:p>
@@ -1034,7 +998,7 @@
             <a:fld id="{C8C92D0D-AF30-4211-86C4-A3B87597F349}" type="slidenum">
               <a:rPr lang="he-IL" smtClean="0"/>
               <a:pPr/>
-              <a:t>15</a:t>
+              <a:t>13</a:t>
             </a:fld>
             <a:endParaRPr lang="he-IL"/>
           </a:p>
@@ -1071,7 +1035,7 @@
     </p:spTree>
     <p:extLst>
       <p:ext uri="{BB962C8B-B14F-4D97-AF65-F5344CB8AC3E}">
-        <p14:creationId xmlns:p14="http://schemas.microsoft.com/office/powerpoint/2010/main" val="3966368392"/>
+        <p14:creationId xmlns:p14="http://schemas.microsoft.com/office/powerpoint/2010/main" val="1110135167"/>
       </p:ext>
     </p:extLst>
   </p:cSld>
@@ -1125,7 +1089,70 @@
           <a:bodyPr/>
           <a:lstStyle/>
           <a:p>
-            <a:endParaRPr lang="en-US" dirty="0"/>
+            <a:r>
+              <a:rPr lang="he-IL" dirty="0"/>
+              <a:t>הפעלת </a:t>
+            </a:r>
+            <a:r>
+              <a:rPr lang="en-US" dirty="0"/>
+              <a:t>DCN</a:t>
+            </a:r>
+            <a:r>
+              <a:rPr lang="he-IL" dirty="0"/>
+              <a:t> על מספר השכבות האחרונות, השוואת תוצאות</a:t>
+            </a:r>
+          </a:p>
+          <a:p>
+            <a:r>
+              <a:rPr lang="en-US" dirty="0"/>
+              <a:t>TO</a:t>
+            </a:r>
+            <a:r>
+              <a:rPr lang="he-IL" dirty="0"/>
+              <a:t> – זמן ריצה, כמות פרמטרים, לעומת דיוק בתוצאות</a:t>
+            </a:r>
+          </a:p>
+          <a:p>
+            <a:r>
+              <a:rPr lang="en-US" dirty="0" err="1"/>
+              <a:t>mAP,mIoU</a:t>
+            </a:r>
+            <a:r>
+              <a:rPr lang="he-IL" dirty="0"/>
+              <a:t> – שיטות ניקוד שונות עבור זיהוי </a:t>
+            </a:r>
+            <a:r>
+              <a:rPr lang="en-US" dirty="0"/>
+              <a:t>REGIONS</a:t>
+            </a:r>
+          </a:p>
+          <a:p>
+            <a:r>
+              <a:rPr lang="en-US" dirty="0"/>
+              <a:t>mean Average Precision</a:t>
+            </a:r>
+          </a:p>
+          <a:p>
+            <a:r>
+              <a:rPr lang="en-US" dirty="0"/>
+              <a:t>Precision = TP/(TP+TF)</a:t>
+            </a:r>
+          </a:p>
+          <a:p>
+            <a:r>
+              <a:rPr lang="en-US" dirty="0"/>
+              <a:t>mean Intersection of Unions</a:t>
+            </a:r>
+          </a:p>
+          <a:p>
+            <a:r>
+              <a:rPr lang="en-US" dirty="0" err="1"/>
+              <a:t>IoU</a:t>
+            </a:r>
+            <a:r>
+              <a:rPr lang="en-US" dirty="0"/>
+              <a:t> = Intersection/Union</a:t>
+            </a:r>
           </a:p>
         </p:txBody>
       </p:sp>
@@ -1147,7 +1174,7 @@
             <a:fld id="{C8C92D0D-AF30-4211-86C4-A3B87597F349}" type="slidenum">
               <a:rPr lang="he-IL" smtClean="0"/>
               <a:pPr/>
-              <a:t>16</a:t>
+              <a:t>14</a:t>
             </a:fld>
             <a:endParaRPr lang="he-IL"/>
           </a:p>
@@ -1184,7 +1211,7 @@
     </p:spTree>
     <p:extLst>
       <p:ext uri="{BB962C8B-B14F-4D97-AF65-F5344CB8AC3E}">
-        <p14:creationId xmlns:p14="http://schemas.microsoft.com/office/powerpoint/2010/main" val="2969221266"/>
+        <p14:creationId xmlns:p14="http://schemas.microsoft.com/office/powerpoint/2010/main" val="4269872321"/>
       </p:ext>
     </p:extLst>
   </p:cSld>
@@ -1238,6 +1265,81 @@
           <a:bodyPr/>
           <a:lstStyle/>
           <a:p>
+            <a:r>
+              <a:rPr lang="he-IL" dirty="0"/>
+              <a:t>להסביר מה זה </a:t>
+            </a:r>
+            <a:r>
+              <a:rPr lang="en-US" dirty="0"/>
+              <a:t>COCO DETECTION CHALLENGE</a:t>
+            </a:r>
+            <a:r>
+              <a:rPr lang="he-IL" dirty="0"/>
+              <a:t>:</a:t>
+            </a:r>
+          </a:p>
+          <a:p>
+            <a:r>
+              <a:rPr lang="en-US" dirty="0"/>
+              <a:t>Common Objects in Context</a:t>
+            </a:r>
+          </a:p>
+          <a:p>
+            <a:r>
+              <a:rPr lang="he-IL" dirty="0"/>
+              <a:t>זה  דאטה סט שמכיל מעלה מ300,000 תמונות, מתוכן בערך 200,000 מתויגות. המטרה – זיהוי עצמים (למעלה מ100 תגיות שונות)</a:t>
+            </a:r>
+            <a:endParaRPr lang="en-US" dirty="0"/>
+          </a:p>
+          <a:p>
+            <a:r>
+              <a:rPr lang="en-US" sz="1200" b="1" i="0" kern="1200" dirty="0">
+                <a:solidFill>
+                  <a:schemeClr val="tx1"/>
+                </a:solidFill>
+                <a:effectLst/>
+                <a:latin typeface="+mn-lt"/>
+                <a:ea typeface="+mn-ea"/>
+                <a:cs typeface="+mn-cs"/>
+              </a:rPr>
+              <a:t>M</a:t>
+            </a:r>
+            <a:r>
+              <a:rPr lang="en-US" sz="1200" b="0" i="0" kern="1200" dirty="0">
+                <a:solidFill>
+                  <a:schemeClr val="tx1"/>
+                </a:solidFill>
+                <a:effectLst/>
+                <a:latin typeface="+mn-lt"/>
+                <a:ea typeface="+mn-ea"/>
+                <a:cs typeface="+mn-cs"/>
+              </a:rPr>
+              <a:t>: Multi-Scale Testing with Shorter Side {480, 576, 688, 864, 1200, 1400}</a:t>
+            </a:r>
+            <a:r>
+              <a:rPr lang="en-US" sz="1200" b="1" i="0" kern="1200" dirty="0">
+                <a:solidFill>
+                  <a:schemeClr val="tx1"/>
+                </a:solidFill>
+                <a:effectLst/>
+                <a:latin typeface="+mn-lt"/>
+                <a:ea typeface="+mn-ea"/>
+                <a:cs typeface="+mn-cs"/>
+              </a:rPr>
+              <a:t>, B</a:t>
+            </a:r>
+            <a:r>
+              <a:rPr lang="en-US" sz="1200" b="0" i="0" kern="1200" dirty="0">
+                <a:solidFill>
+                  <a:schemeClr val="tx1"/>
+                </a:solidFill>
+                <a:effectLst/>
+                <a:latin typeface="+mn-lt"/>
+                <a:ea typeface="+mn-ea"/>
+                <a:cs typeface="+mn-cs"/>
+              </a:rPr>
+              <a:t>: Iterative Bounding Box Average</a:t>
+            </a:r>
             <a:endParaRPr lang="en-US" dirty="0"/>
           </a:p>
         </p:txBody>
@@ -1260,7 +1362,7 @@
             <a:fld id="{C8C92D0D-AF30-4211-86C4-A3B87597F349}" type="slidenum">
               <a:rPr lang="he-IL" smtClean="0"/>
               <a:pPr/>
-              <a:t>17</a:t>
+              <a:t>15</a:t>
             </a:fld>
             <a:endParaRPr lang="he-IL"/>
           </a:p>
@@ -1297,7 +1399,7 @@
     </p:spTree>
     <p:extLst>
       <p:ext uri="{BB962C8B-B14F-4D97-AF65-F5344CB8AC3E}">
-        <p14:creationId xmlns:p14="http://schemas.microsoft.com/office/powerpoint/2010/main" val="2491454129"/>
+        <p14:creationId xmlns:p14="http://schemas.microsoft.com/office/powerpoint/2010/main" val="3966368392"/>
       </p:ext>
     </p:extLst>
   </p:cSld>
@@ -1373,7 +1475,7 @@
             <a:fld id="{C8C92D0D-AF30-4211-86C4-A3B87597F349}" type="slidenum">
               <a:rPr lang="he-IL" smtClean="0"/>
               <a:pPr/>
-              <a:t>18</a:t>
+              <a:t>16</a:t>
             </a:fld>
             <a:endParaRPr lang="he-IL"/>
           </a:p>
@@ -1410,7 +1512,7 @@
     </p:spTree>
     <p:extLst>
       <p:ext uri="{BB962C8B-B14F-4D97-AF65-F5344CB8AC3E}">
-        <p14:creationId xmlns:p14="http://schemas.microsoft.com/office/powerpoint/2010/main" val="1491496478"/>
+        <p14:creationId xmlns:p14="http://schemas.microsoft.com/office/powerpoint/2010/main" val="2969221266"/>
       </p:ext>
     </p:extLst>
   </p:cSld>
@@ -1464,7 +1566,10 @@
           <a:bodyPr/>
           <a:lstStyle/>
           <a:p>
-            <a:endParaRPr lang="en-US" dirty="0"/>
+            <a:r>
+              <a:rPr lang="en-US" dirty="0"/>
+              <a:t>Make use of teacher network – provides guidance during training, specifically utilization of R-CNN</a:t>
+            </a:r>
           </a:p>
         </p:txBody>
       </p:sp>
@@ -1486,7 +1591,7 @@
             <a:fld id="{C8C92D0D-AF30-4211-86C4-A3B87597F349}" type="slidenum">
               <a:rPr lang="he-IL" smtClean="0"/>
               <a:pPr/>
-              <a:t>19</a:t>
+              <a:t>17</a:t>
             </a:fld>
             <a:endParaRPr lang="he-IL"/>
           </a:p>
@@ -1523,7 +1628,7 @@
     </p:spTree>
     <p:extLst>
       <p:ext uri="{BB962C8B-B14F-4D97-AF65-F5344CB8AC3E}">
-        <p14:creationId xmlns:p14="http://schemas.microsoft.com/office/powerpoint/2010/main" val="3047872805"/>
+        <p14:creationId xmlns:p14="http://schemas.microsoft.com/office/powerpoint/2010/main" val="2491454129"/>
       </p:ext>
     </p:extLst>
   </p:cSld>
@@ -1577,13 +1682,6 @@
           <a:bodyPr/>
           <a:lstStyle/>
           <a:p>
-            <a:r>
-              <a:rPr lang="he-IL" dirty="0"/>
-              <a:t>אולי להרחיב במעט על הרשתות הידועות ומדוע בחרנו בהן</a:t>
-            </a:r>
-            <a:endParaRPr lang="en-US" dirty="0"/>
-          </a:p>
-          <a:p>
             <a:endParaRPr lang="en-US" dirty="0"/>
           </a:p>
         </p:txBody>
@@ -1606,7 +1704,7 @@
             <a:fld id="{C8C92D0D-AF30-4211-86C4-A3B87597F349}" type="slidenum">
               <a:rPr lang="he-IL" smtClean="0"/>
               <a:pPr/>
-              <a:t>20</a:t>
+              <a:t>18</a:t>
             </a:fld>
             <a:endParaRPr lang="he-IL"/>
           </a:p>
@@ -1617,7 +1715,7 @@
           <p:cNvPr id="5" name="Footer Placeholder 4">
             <a:extLst>
               <a:ext uri="{FF2B5EF4-FFF2-40B4-BE49-F238E27FC236}">
-                <a16:creationId xmlns:a16="http://schemas.microsoft.com/office/drawing/2014/main" id="{65C03B0E-2E4A-4E8D-89B2-0DF2F71549EE}"/>
+                <a16:creationId xmlns:a16="http://schemas.microsoft.com/office/drawing/2014/main" id="{AD753467-F10B-4164-AC16-609227753711}"/>
               </a:ext>
             </a:extLst>
           </p:cNvPr>
@@ -1643,7 +1741,7 @@
     </p:spTree>
     <p:extLst>
       <p:ext uri="{BB962C8B-B14F-4D97-AF65-F5344CB8AC3E}">
-        <p14:creationId xmlns:p14="http://schemas.microsoft.com/office/powerpoint/2010/main" val="1306353171"/>
+        <p14:creationId xmlns:p14="http://schemas.microsoft.com/office/powerpoint/2010/main" val="1491496478"/>
       </p:ext>
     </p:extLst>
   </p:cSld>
@@ -1697,14 +1795,7 @@
           <a:bodyPr/>
           <a:lstStyle/>
           <a:p>
-            <a:r>
-              <a:rPr lang="he-IL" dirty="0"/>
-              <a:t>להסביר שעל השכבות המדוברות נרצה ליישם </a:t>
-            </a:r>
-            <a:r>
-              <a:rPr lang="en-US" dirty="0"/>
-              <a:t>DCN</a:t>
-            </a:r>
+            <a:endParaRPr lang="en-US" dirty="0"/>
           </a:p>
         </p:txBody>
       </p:sp>
@@ -1726,7 +1817,7 @@
             <a:fld id="{C8C92D0D-AF30-4211-86C4-A3B87597F349}" type="slidenum">
               <a:rPr lang="he-IL" smtClean="0"/>
               <a:pPr/>
-              <a:t>21</a:t>
+              <a:t>19</a:t>
             </a:fld>
             <a:endParaRPr lang="he-IL"/>
           </a:p>
@@ -1737,7 +1828,7 @@
           <p:cNvPr id="5" name="Footer Placeholder 4">
             <a:extLst>
               <a:ext uri="{FF2B5EF4-FFF2-40B4-BE49-F238E27FC236}">
-                <a16:creationId xmlns:a16="http://schemas.microsoft.com/office/drawing/2014/main" id="{EAB95C90-7FCD-4A76-85DB-E96F4FA14E41}"/>
+                <a16:creationId xmlns:a16="http://schemas.microsoft.com/office/drawing/2014/main" id="{AD753467-F10B-4164-AC16-609227753711}"/>
               </a:ext>
             </a:extLst>
           </p:cNvPr>
@@ -1763,7 +1854,7 @@
     </p:spTree>
     <p:extLst>
       <p:ext uri="{BB962C8B-B14F-4D97-AF65-F5344CB8AC3E}">
-        <p14:creationId xmlns:p14="http://schemas.microsoft.com/office/powerpoint/2010/main" val="1289365257"/>
+        <p14:creationId xmlns:p14="http://schemas.microsoft.com/office/powerpoint/2010/main" val="3047872805"/>
       </p:ext>
     </p:extLst>
   </p:cSld>
@@ -1817,61 +1908,13 @@
           <a:bodyPr/>
           <a:lstStyle/>
           <a:p>
-            <a:pPr marL="0" marR="0" lvl="0" indent="0" algn="r" defTabSz="914400" rtl="1" eaLnBrk="1" fontAlgn="auto" latinLnBrk="0" hangingPunct="1">
-              <a:lnSpc>
-                <a:spcPct val="100000"/>
-              </a:lnSpc>
-              <a:spcBef>
-                <a:spcPts val="0"/>
-              </a:spcBef>
-              <a:spcAft>
-                <a:spcPts val="0"/>
-              </a:spcAft>
-              <a:buClrTx/>
-              <a:buSzTx/>
-              <a:buFontTx/>
-              <a:buNone/>
-              <a:tabLst/>
-              <a:defRPr/>
-            </a:pPr>
-            <a:r>
-              <a:rPr lang="en-US" sz="1200" dirty="0" err="1">
-                <a:solidFill>
-                  <a:srgbClr val="002060"/>
-                </a:solidFill>
-              </a:rPr>
-              <a:t>ResNet</a:t>
-            </a:r>
-            <a:r>
-              <a:rPr lang="en-US" sz="1200" dirty="0">
-                <a:solidFill>
-                  <a:srgbClr val="002060"/>
-                </a:solidFill>
-              </a:rPr>
-              <a:t> basic residual layer</a:t>
-            </a:r>
-          </a:p>
-          <a:p>
             <a:r>
               <a:rPr lang="he-IL" dirty="0"/>
-              <a:t>לדבר על טרייד-אופים: אם ממשים הרבה שכבות כ-</a:t>
-            </a:r>
-            <a:r>
-              <a:rPr lang="en-US" dirty="0"/>
-              <a:t>DCN</a:t>
-            </a:r>
-            <a:r>
-              <a:rPr lang="he-IL" dirty="0"/>
-              <a:t> נצפה לזמן לימוד ארוך. כמו כן לדבר על המיקום שבו נרצה לממש </a:t>
-            </a:r>
-            <a:r>
-              <a:rPr lang="en-US" dirty="0"/>
-              <a:t>DCN</a:t>
-            </a:r>
-            <a:r>
-              <a:rPr lang="he-IL" dirty="0"/>
-              <a:t> – בתחילת השכבות, בסיום, וכו' וכו'</a:t>
-            </a:r>
+              <a:t>אולי להרחיב במעט על הרשתות הידועות ומדוע בחרנו בהן</a:t>
+            </a:r>
+            <a:endParaRPr lang="en-US" dirty="0"/>
+          </a:p>
+          <a:p>
             <a:endParaRPr lang="en-US" dirty="0"/>
           </a:p>
         </p:txBody>
@@ -1894,7 +1937,7 @@
             <a:fld id="{C8C92D0D-AF30-4211-86C4-A3B87597F349}" type="slidenum">
               <a:rPr lang="he-IL" smtClean="0"/>
               <a:pPr/>
-              <a:t>22</a:t>
+              <a:t>20</a:t>
             </a:fld>
             <a:endParaRPr lang="he-IL"/>
           </a:p>
@@ -1905,7 +1948,7 @@
           <p:cNvPr id="5" name="Footer Placeholder 4">
             <a:extLst>
               <a:ext uri="{FF2B5EF4-FFF2-40B4-BE49-F238E27FC236}">
-                <a16:creationId xmlns:a16="http://schemas.microsoft.com/office/drawing/2014/main" id="{C14FCB9D-45E4-4133-908F-C2C828213379}"/>
+                <a16:creationId xmlns:a16="http://schemas.microsoft.com/office/drawing/2014/main" id="{65C03B0E-2E4A-4E8D-89B2-0DF2F71549EE}"/>
               </a:ext>
             </a:extLst>
           </p:cNvPr>
@@ -1931,7 +1974,7 @@
     </p:spTree>
     <p:extLst>
       <p:ext uri="{BB962C8B-B14F-4D97-AF65-F5344CB8AC3E}">
-        <p14:creationId xmlns:p14="http://schemas.microsoft.com/office/powerpoint/2010/main" val="2585679764"/>
+        <p14:creationId xmlns:p14="http://schemas.microsoft.com/office/powerpoint/2010/main" val="1306353171"/>
       </p:ext>
     </p:extLst>
   </p:cSld>
@@ -1985,7 +2028,14 @@
           <a:bodyPr/>
           <a:lstStyle/>
           <a:p>
-            <a:endParaRPr lang="en-US" dirty="0"/>
+            <a:r>
+              <a:rPr lang="he-IL" dirty="0"/>
+              <a:t>להסביר שעל השכבות המדוברות נרצה ליישם </a:t>
+            </a:r>
+            <a:r>
+              <a:rPr lang="en-US" dirty="0"/>
+              <a:t>DCN</a:t>
+            </a:r>
           </a:p>
         </p:txBody>
       </p:sp>
@@ -2007,7 +2057,7 @@
             <a:fld id="{C8C92D0D-AF30-4211-86C4-A3B87597F349}" type="slidenum">
               <a:rPr lang="he-IL" smtClean="0"/>
               <a:pPr/>
-              <a:t>23</a:t>
+              <a:t>21</a:t>
             </a:fld>
             <a:endParaRPr lang="he-IL"/>
           </a:p>
@@ -2018,7 +2068,7 @@
           <p:cNvPr id="5" name="Footer Placeholder 4">
             <a:extLst>
               <a:ext uri="{FF2B5EF4-FFF2-40B4-BE49-F238E27FC236}">
-                <a16:creationId xmlns:a16="http://schemas.microsoft.com/office/drawing/2014/main" id="{D22B5138-94C3-4ACE-9C44-BB76032A6EB9}"/>
+                <a16:creationId xmlns:a16="http://schemas.microsoft.com/office/drawing/2014/main" id="{EAB95C90-7FCD-4A76-85DB-E96F4FA14E41}"/>
               </a:ext>
             </a:extLst>
           </p:cNvPr>
@@ -2044,7 +2094,7 @@
     </p:spTree>
     <p:extLst>
       <p:ext uri="{BB962C8B-B14F-4D97-AF65-F5344CB8AC3E}">
-        <p14:creationId xmlns:p14="http://schemas.microsoft.com/office/powerpoint/2010/main" val="1648461225"/>
+        <p14:creationId xmlns:p14="http://schemas.microsoft.com/office/powerpoint/2010/main" val="1289365257"/>
       </p:ext>
     </p:extLst>
   </p:cSld>
@@ -2214,6 +2264,287 @@
           <a:bodyPr/>
           <a:lstStyle/>
           <a:p>
+            <a:pPr marL="0" marR="0" lvl="0" indent="0" algn="r" defTabSz="914400" rtl="1" eaLnBrk="1" fontAlgn="auto" latinLnBrk="0" hangingPunct="1">
+              <a:lnSpc>
+                <a:spcPct val="100000"/>
+              </a:lnSpc>
+              <a:spcBef>
+                <a:spcPts val="0"/>
+              </a:spcBef>
+              <a:spcAft>
+                <a:spcPts val="0"/>
+              </a:spcAft>
+              <a:buClrTx/>
+              <a:buSzTx/>
+              <a:buFontTx/>
+              <a:buNone/>
+              <a:tabLst/>
+              <a:defRPr/>
+            </a:pPr>
+            <a:r>
+              <a:rPr lang="en-US" sz="1200" dirty="0" err="1">
+                <a:solidFill>
+                  <a:srgbClr val="002060"/>
+                </a:solidFill>
+              </a:rPr>
+              <a:t>ResNet</a:t>
+            </a:r>
+            <a:r>
+              <a:rPr lang="en-US" sz="1200" dirty="0">
+                <a:solidFill>
+                  <a:srgbClr val="002060"/>
+                </a:solidFill>
+              </a:rPr>
+              <a:t> basic residual layer</a:t>
+            </a:r>
+          </a:p>
+          <a:p>
+            <a:r>
+              <a:rPr lang="he-IL" dirty="0"/>
+              <a:t>לדבר על טרייד-אופים: אם ממשים הרבה שכבות כ-</a:t>
+            </a:r>
+            <a:r>
+              <a:rPr lang="en-US" dirty="0"/>
+              <a:t>DCN</a:t>
+            </a:r>
+            <a:r>
+              <a:rPr lang="he-IL" dirty="0"/>
+              <a:t> נצפה לזמן לימוד ארוך. כמו כן לדבר על המיקום שבו נרצה לממש </a:t>
+            </a:r>
+            <a:r>
+              <a:rPr lang="en-US" dirty="0"/>
+              <a:t>DCN</a:t>
+            </a:r>
+            <a:r>
+              <a:rPr lang="he-IL" dirty="0"/>
+              <a:t> – בתחילת השכבות, בסיום, וכו' וכו'</a:t>
+            </a:r>
+            <a:endParaRPr lang="en-US" dirty="0"/>
+          </a:p>
+        </p:txBody>
+      </p:sp>
+      <p:sp>
+        <p:nvSpPr>
+          <p:cNvPr id="4" name="Slide Number Placeholder 3"/>
+          <p:cNvSpPr>
+            <a:spLocks noGrp="1"/>
+          </p:cNvSpPr>
+          <p:nvPr>
+            <p:ph type="sldNum" sz="quarter" idx="5"/>
+          </p:nvPr>
+        </p:nvSpPr>
+        <p:spPr/>
+        <p:txBody>
+          <a:bodyPr/>
+          <a:lstStyle/>
+          <a:p>
+            <a:fld id="{C8C92D0D-AF30-4211-86C4-A3B87597F349}" type="slidenum">
+              <a:rPr lang="he-IL" smtClean="0"/>
+              <a:pPr/>
+              <a:t>22</a:t>
+            </a:fld>
+            <a:endParaRPr lang="he-IL"/>
+          </a:p>
+        </p:txBody>
+      </p:sp>
+      <p:sp>
+        <p:nvSpPr>
+          <p:cNvPr id="5" name="Footer Placeholder 4">
+            <a:extLst>
+              <a:ext uri="{FF2B5EF4-FFF2-40B4-BE49-F238E27FC236}">
+                <a16:creationId xmlns:a16="http://schemas.microsoft.com/office/drawing/2014/main" id="{C14FCB9D-45E4-4133-908F-C2C828213379}"/>
+              </a:ext>
+            </a:extLst>
+          </p:cNvPr>
+          <p:cNvSpPr>
+            <a:spLocks noGrp="1"/>
+          </p:cNvSpPr>
+          <p:nvPr>
+            <p:ph type="ftr" sz="quarter" idx="4"/>
+          </p:nvPr>
+        </p:nvSpPr>
+        <p:spPr/>
+        <p:txBody>
+          <a:bodyPr/>
+          <a:lstStyle/>
+          <a:p>
+            <a:r>
+              <a:rPr lang="he-IL"/>
+              <a:t>2</a:t>
+            </a:r>
+          </a:p>
+        </p:txBody>
+      </p:sp>
+    </p:spTree>
+    <p:extLst>
+      <p:ext uri="{BB962C8B-B14F-4D97-AF65-F5344CB8AC3E}">
+        <p14:creationId xmlns:p14="http://schemas.microsoft.com/office/powerpoint/2010/main" val="2585679764"/>
+      </p:ext>
+    </p:extLst>
+  </p:cSld>
+  <p:clrMapOvr>
+    <a:masterClrMapping/>
+  </p:clrMapOvr>
+</p:notes>
+</file>
+
+<file path=ppt/notesSlides/notesSlide21.xml><?xml version="1.0" encoding="utf-8"?>
+<p:notes xmlns:a="http://schemas.openxmlformats.org/drawingml/2006/main" xmlns:r="http://schemas.openxmlformats.org/officeDocument/2006/relationships" xmlns:p="http://schemas.openxmlformats.org/presentationml/2006/main">
+  <p:cSld>
+    <p:spTree>
+      <p:nvGrpSpPr>
+        <p:cNvPr id="1" name=""/>
+        <p:cNvGrpSpPr/>
+        <p:nvPr/>
+      </p:nvGrpSpPr>
+      <p:grpSpPr>
+        <a:xfrm>
+          <a:off x="0" y="0"/>
+          <a:ext cx="0" cy="0"/>
+          <a:chOff x="0" y="0"/>
+          <a:chExt cx="0" cy="0"/>
+        </a:xfrm>
+      </p:grpSpPr>
+      <p:sp>
+        <p:nvSpPr>
+          <p:cNvPr id="2" name="Slide Image Placeholder 1"/>
+          <p:cNvSpPr>
+            <a:spLocks noGrp="1" noRot="1" noChangeAspect="1"/>
+          </p:cNvSpPr>
+          <p:nvPr>
+            <p:ph type="sldImg"/>
+          </p:nvPr>
+        </p:nvSpPr>
+        <p:spPr/>
+      </p:sp>
+      <p:sp>
+        <p:nvSpPr>
+          <p:cNvPr id="3" name="Notes Placeholder 2"/>
+          <p:cNvSpPr>
+            <a:spLocks noGrp="1"/>
+          </p:cNvSpPr>
+          <p:nvPr>
+            <p:ph type="body" idx="1"/>
+          </p:nvPr>
+        </p:nvSpPr>
+        <p:spPr/>
+        <p:txBody>
+          <a:bodyPr/>
+          <a:lstStyle/>
+          <a:p>
+            <a:endParaRPr lang="en-US" dirty="0"/>
+          </a:p>
+        </p:txBody>
+      </p:sp>
+      <p:sp>
+        <p:nvSpPr>
+          <p:cNvPr id="4" name="Slide Number Placeholder 3"/>
+          <p:cNvSpPr>
+            <a:spLocks noGrp="1"/>
+          </p:cNvSpPr>
+          <p:nvPr>
+            <p:ph type="sldNum" sz="quarter" idx="5"/>
+          </p:nvPr>
+        </p:nvSpPr>
+        <p:spPr/>
+        <p:txBody>
+          <a:bodyPr/>
+          <a:lstStyle/>
+          <a:p>
+            <a:fld id="{C8C92D0D-AF30-4211-86C4-A3B87597F349}" type="slidenum">
+              <a:rPr lang="he-IL" smtClean="0"/>
+              <a:pPr/>
+              <a:t>23</a:t>
+            </a:fld>
+            <a:endParaRPr lang="he-IL"/>
+          </a:p>
+        </p:txBody>
+      </p:sp>
+      <p:sp>
+        <p:nvSpPr>
+          <p:cNvPr id="5" name="Footer Placeholder 4">
+            <a:extLst>
+              <a:ext uri="{FF2B5EF4-FFF2-40B4-BE49-F238E27FC236}">
+                <a16:creationId xmlns:a16="http://schemas.microsoft.com/office/drawing/2014/main" id="{D22B5138-94C3-4ACE-9C44-BB76032A6EB9}"/>
+              </a:ext>
+            </a:extLst>
+          </p:cNvPr>
+          <p:cNvSpPr>
+            <a:spLocks noGrp="1"/>
+          </p:cNvSpPr>
+          <p:nvPr>
+            <p:ph type="ftr" sz="quarter" idx="4"/>
+          </p:nvPr>
+        </p:nvSpPr>
+        <p:spPr/>
+        <p:txBody>
+          <a:bodyPr/>
+          <a:lstStyle/>
+          <a:p>
+            <a:r>
+              <a:rPr lang="he-IL"/>
+              <a:t>2</a:t>
+            </a:r>
+          </a:p>
+        </p:txBody>
+      </p:sp>
+    </p:spTree>
+    <p:extLst>
+      <p:ext uri="{BB962C8B-B14F-4D97-AF65-F5344CB8AC3E}">
+        <p14:creationId xmlns:p14="http://schemas.microsoft.com/office/powerpoint/2010/main" val="1648461225"/>
+      </p:ext>
+    </p:extLst>
+  </p:cSld>
+  <p:clrMapOvr>
+    <a:masterClrMapping/>
+  </p:clrMapOvr>
+</p:notes>
+</file>
+
+<file path=ppt/notesSlides/notesSlide22.xml><?xml version="1.0" encoding="utf-8"?>
+<p:notes xmlns:a="http://schemas.openxmlformats.org/drawingml/2006/main" xmlns:r="http://schemas.openxmlformats.org/officeDocument/2006/relationships" xmlns:p="http://schemas.openxmlformats.org/presentationml/2006/main">
+  <p:cSld>
+    <p:spTree>
+      <p:nvGrpSpPr>
+        <p:cNvPr id="1" name=""/>
+        <p:cNvGrpSpPr/>
+        <p:nvPr/>
+      </p:nvGrpSpPr>
+      <p:grpSpPr>
+        <a:xfrm>
+          <a:off x="0" y="0"/>
+          <a:ext cx="0" cy="0"/>
+          <a:chOff x="0" y="0"/>
+          <a:chExt cx="0" cy="0"/>
+        </a:xfrm>
+      </p:grpSpPr>
+      <p:sp>
+        <p:nvSpPr>
+          <p:cNvPr id="2" name="Slide Image Placeholder 1"/>
+          <p:cNvSpPr>
+            <a:spLocks noGrp="1" noRot="1" noChangeAspect="1"/>
+          </p:cNvSpPr>
+          <p:nvPr>
+            <p:ph type="sldImg"/>
+          </p:nvPr>
+        </p:nvSpPr>
+        <p:spPr/>
+      </p:sp>
+      <p:sp>
+        <p:nvSpPr>
+          <p:cNvPr id="3" name="Notes Placeholder 2"/>
+          <p:cNvSpPr>
+            <a:spLocks noGrp="1"/>
+          </p:cNvSpPr>
+          <p:nvPr>
+            <p:ph type="body" idx="1"/>
+          </p:nvPr>
+        </p:nvSpPr>
+        <p:spPr/>
+        <p:txBody>
+          <a:bodyPr/>
+          <a:lstStyle/>
+          <a:p>
             <a:r>
               <a:rPr lang="he-IL" dirty="0"/>
               <a:t>בולט שלישי –לציין את הבעייתיות שבעבודה עם הדאטסטים השונים. ייתכן שיידרש שיפוץ</a:t>
@@ -2333,14 +2664,36 @@
           <a:p>
             <a:r>
               <a:rPr lang="en-US" dirty="0"/>
-              <a:t>March 18</a:t>
-            </a:r>
-          </a:p>
-        </p:txBody>
-      </p:sp>
-      <p:sp>
-        <p:nvSpPr>
-          <p:cNvPr id="4" name="Slide Number Placeholder 3"/>
+              <a:t>500,000 hospital visits and 50,000 deaths in the us 2015 </a:t>
+            </a:r>
+          </a:p>
+        </p:txBody>
+      </p:sp>
+      <p:sp>
+        <p:nvSpPr>
+          <p:cNvPr id="4" name="Footer Placeholder 3"/>
+          <p:cNvSpPr>
+            <a:spLocks noGrp="1"/>
+          </p:cNvSpPr>
+          <p:nvPr>
+            <p:ph type="ftr" sz="quarter" idx="4"/>
+          </p:nvPr>
+        </p:nvSpPr>
+        <p:spPr/>
+        <p:txBody>
+          <a:bodyPr/>
+          <a:lstStyle/>
+          <a:p>
+            <a:r>
+              <a:rPr lang="he-IL"/>
+              <a:t>2</a:t>
+            </a:r>
+          </a:p>
+        </p:txBody>
+      </p:sp>
+      <p:sp>
+        <p:nvSpPr>
+          <p:cNvPr id="5" name="Slide Number Placeholder 4"/>
           <p:cNvSpPr>
             <a:spLocks noGrp="1"/>
           </p:cNvSpPr>
@@ -2356,44 +2709,16 @@
             <a:fld id="{C8C92D0D-AF30-4211-86C4-A3B87597F349}" type="slidenum">
               <a:rPr lang="he-IL" smtClean="0"/>
               <a:pPr/>
-              <a:t>6</a:t>
+              <a:t>3</a:t>
             </a:fld>
             <a:endParaRPr lang="he-IL"/>
-          </a:p>
-        </p:txBody>
-      </p:sp>
-      <p:sp>
-        <p:nvSpPr>
-          <p:cNvPr id="5" name="Footer Placeholder 4">
-            <a:extLst>
-              <a:ext uri="{FF2B5EF4-FFF2-40B4-BE49-F238E27FC236}">
-                <a16:creationId xmlns:a16="http://schemas.microsoft.com/office/drawing/2014/main" id="{46A56810-4239-4E06-994C-98EEFAA097A2}"/>
-              </a:ext>
-            </a:extLst>
-          </p:cNvPr>
-          <p:cNvSpPr>
-            <a:spLocks noGrp="1"/>
-          </p:cNvSpPr>
-          <p:nvPr>
-            <p:ph type="ftr" sz="quarter" idx="4"/>
-          </p:nvPr>
-        </p:nvSpPr>
-        <p:spPr/>
-        <p:txBody>
-          <a:bodyPr/>
-          <a:lstStyle/>
-          <a:p>
-            <a:r>
-              <a:rPr lang="he-IL"/>
-              <a:t>2</a:t>
-            </a:r>
           </a:p>
         </p:txBody>
       </p:sp>
     </p:spTree>
     <p:extLst>
       <p:ext uri="{BB962C8B-B14F-4D97-AF65-F5344CB8AC3E}">
-        <p14:creationId xmlns:p14="http://schemas.microsoft.com/office/powerpoint/2010/main" val="2599285607"/>
+        <p14:creationId xmlns:p14="http://schemas.microsoft.com/office/powerpoint/2010/main" val="1439835480"/>
       </p:ext>
     </p:extLst>
   </p:cSld>
@@ -2449,59 +2774,7 @@
           <a:p>
             <a:r>
               <a:rPr lang="en-US" dirty="0"/>
-              <a:t>RSNA </a:t>
-            </a:r>
-            <a:r>
-              <a:rPr lang="he-IL" dirty="0"/>
-              <a:t>– החברה הצפון האמריקאית לרדיולוגיה</a:t>
-            </a:r>
-            <a:endParaRPr lang="en-US" dirty="0"/>
-          </a:p>
-          <a:p>
-            <a:r>
-              <a:rPr lang="he-IL" dirty="0"/>
-              <a:t>הציעו את האתגר לאחר שיצא הדאטה-סט הראשון</a:t>
-            </a:r>
-            <a:endParaRPr lang="en-US" dirty="0"/>
-          </a:p>
-          <a:p>
-            <a:r>
-              <a:rPr lang="en-US" dirty="0"/>
-              <a:t>Closed a year ago</a:t>
-            </a:r>
-            <a:endParaRPr lang="he-IL" dirty="0"/>
-          </a:p>
-          <a:p>
-            <a:pPr marL="0" marR="0" lvl="0" indent="0" algn="r" defTabSz="914400" rtl="1" eaLnBrk="1" fontAlgn="auto" latinLnBrk="0" hangingPunct="1">
-              <a:lnSpc>
-                <a:spcPct val="100000"/>
-              </a:lnSpc>
-              <a:spcBef>
-                <a:spcPts val="0"/>
-              </a:spcBef>
-              <a:spcAft>
-                <a:spcPts val="0"/>
-              </a:spcAft>
-              <a:buClrTx/>
-              <a:buSzTx/>
-              <a:buFontTx/>
-              <a:buNone/>
-              <a:tabLst/>
-              <a:defRPr/>
-            </a:pPr>
-            <a:r>
-              <a:rPr lang="en-US" dirty="0">
-                <a:solidFill>
-                  <a:srgbClr val="002060"/>
-                </a:solidFill>
-              </a:rPr>
-              <a:t>Best results score 0.25475</a:t>
-            </a:r>
-          </a:p>
-          <a:p>
-            <a:r>
-              <a:rPr lang="en-US" dirty="0"/>
-              <a:t>Average of Intersection over Union in bounding boxes</a:t>
+              <a:t>March 18</a:t>
             </a:r>
           </a:p>
         </p:txBody>
@@ -2524,7 +2797,7 @@
             <a:fld id="{C8C92D0D-AF30-4211-86C4-A3B87597F349}" type="slidenum">
               <a:rPr lang="he-IL" smtClean="0"/>
               <a:pPr/>
-              <a:t>7</a:t>
+              <a:t>6</a:t>
             </a:fld>
             <a:endParaRPr lang="he-IL"/>
           </a:p>
@@ -2535,7 +2808,7 @@
           <p:cNvPr id="5" name="Footer Placeholder 4">
             <a:extLst>
               <a:ext uri="{FF2B5EF4-FFF2-40B4-BE49-F238E27FC236}">
-                <a16:creationId xmlns:a16="http://schemas.microsoft.com/office/drawing/2014/main" id="{F1B846EA-2635-40F4-912F-3C058728FFC0}"/>
+                <a16:creationId xmlns:a16="http://schemas.microsoft.com/office/drawing/2014/main" id="{46A56810-4239-4E06-994C-98EEFAA097A2}"/>
               </a:ext>
             </a:extLst>
           </p:cNvPr>
@@ -2561,7 +2834,7 @@
     </p:spTree>
     <p:extLst>
       <p:ext uri="{BB962C8B-B14F-4D97-AF65-F5344CB8AC3E}">
-        <p14:creationId xmlns:p14="http://schemas.microsoft.com/office/powerpoint/2010/main" val="223982526"/>
+        <p14:creationId xmlns:p14="http://schemas.microsoft.com/office/powerpoint/2010/main" val="2599285607"/>
       </p:ext>
     </p:extLst>
   </p:cSld>
@@ -2617,27 +2890,25 @@
           <a:p>
             <a:r>
               <a:rPr lang="en-US" dirty="0"/>
-              <a:t>CHEXPERT</a:t>
+              <a:t>RSNA </a:t>
             </a:r>
             <a:r>
               <a:rPr lang="he-IL" dirty="0"/>
-              <a:t>- הדאטה נאסף מ65,000 פציינטים. סט משופר מהקודם, בוצעה וריפיקציה של ה</a:t>
-            </a:r>
+              <a:t>– החברה הצפון האמריקאית לרדיולוגיה</a:t>
+            </a:r>
+            <a:endParaRPr lang="en-US" dirty="0"/>
+          </a:p>
+          <a:p>
+            <a:r>
+              <a:rPr lang="he-IL" dirty="0"/>
+              <a:t>הציעו את האתגר לאחר שיצא הדאטה-סט הראשון</a:t>
+            </a:r>
+            <a:endParaRPr lang="en-US" dirty="0"/>
+          </a:p>
+          <a:p>
             <a:r>
               <a:rPr lang="en-US" dirty="0"/>
-              <a:t>LABELS</a:t>
-            </a:r>
-          </a:p>
-          <a:p>
-            <a:r>
-              <a:rPr lang="he-IL" dirty="0"/>
-              <a:t>בולט שלישי- מאחר שקיימת חפיפה בין לייבלים מסויימים, ומסיבות נוספות, המספרים לא מסתדרים כפי שהיינו מצפים</a:t>
-            </a:r>
-          </a:p>
-          <a:p>
-            <a:r>
-              <a:rPr lang="en-US" dirty="0"/>
-              <a:t>September 19</a:t>
+              <a:t>Closed a year ago</a:t>
             </a:r>
             <a:endParaRPr lang="he-IL" dirty="0"/>
           </a:p>
@@ -2660,13 +2931,19 @@
               <a:defRPr/>
             </a:pPr>
             <a:r>
-              <a:rPr lang="he-IL" dirty="0"/>
-              <a:t>הדאטה עבר שיפוץ – גרסה קודמת הכילה 100,000 צילומים ותיוגים לא נכונים</a:t>
-            </a:r>
-            <a:endParaRPr lang="en-US" dirty="0"/>
-          </a:p>
-          <a:p>
-            <a:endParaRPr lang="en-US" dirty="0"/>
+              <a:rPr lang="en-US" dirty="0">
+                <a:solidFill>
+                  <a:srgbClr val="002060"/>
+                </a:solidFill>
+              </a:rPr>
+              <a:t>Best results score 0.25475</a:t>
+            </a:r>
+          </a:p>
+          <a:p>
+            <a:r>
+              <a:rPr lang="en-US" dirty="0"/>
+              <a:t>Average of Intersection over Union in bounding boxes</a:t>
+            </a:r>
           </a:p>
         </p:txBody>
       </p:sp>
@@ -2688,7 +2965,7 @@
             <a:fld id="{C8C92D0D-AF30-4211-86C4-A3B87597F349}" type="slidenum">
               <a:rPr lang="he-IL" smtClean="0"/>
               <a:pPr/>
-              <a:t>8</a:t>
+              <a:t>7</a:t>
             </a:fld>
             <a:endParaRPr lang="he-IL"/>
           </a:p>
@@ -2699,7 +2976,7 @@
           <p:cNvPr id="5" name="Footer Placeholder 4">
             <a:extLst>
               <a:ext uri="{FF2B5EF4-FFF2-40B4-BE49-F238E27FC236}">
-                <a16:creationId xmlns:a16="http://schemas.microsoft.com/office/drawing/2014/main" id="{E019C9B4-BB72-4AD5-BF7A-19B88CABF0C0}"/>
+                <a16:creationId xmlns:a16="http://schemas.microsoft.com/office/drawing/2014/main" id="{F1B846EA-2635-40F4-912F-3C058728FFC0}"/>
               </a:ext>
             </a:extLst>
           </p:cNvPr>
@@ -2725,7 +3002,7 @@
     </p:spTree>
     <p:extLst>
       <p:ext uri="{BB962C8B-B14F-4D97-AF65-F5344CB8AC3E}">
-        <p14:creationId xmlns:p14="http://schemas.microsoft.com/office/powerpoint/2010/main" val="2299966286"/>
+        <p14:creationId xmlns:p14="http://schemas.microsoft.com/office/powerpoint/2010/main" val="223982526"/>
       </p:ext>
     </p:extLst>
   </p:cSld>
@@ -2780,47 +3057,24 @@
           <a:lstStyle/>
           <a:p>
             <a:r>
+              <a:rPr lang="en-US" dirty="0"/>
+              <a:t>CHEXPERT</a:t>
+            </a:r>
+            <a:r>
               <a:rPr lang="he-IL" dirty="0"/>
-              <a:t>דוגמה לעבודה קודמת</a:t>
-            </a:r>
-          </a:p>
-          <a:p>
-            <a:r>
-              <a:rPr lang="he-IL" dirty="0"/>
-              <a:t>לציין שאין התייחסות כלשהי לדפורמציות בתמונות – הבעיה לא קיבלה טיפול</a:t>
-            </a:r>
-            <a:endParaRPr lang="en-US" dirty="0"/>
-          </a:p>
-          <a:p>
-            <a:r>
-              <a:rPr lang="he-IL" dirty="0"/>
-              <a:t>בקצרה: לימוד ראשוני על כל ה</a:t>
+              <a:t>- הדאטה נאסף מ65,000 פציינטים. סט שהוא שיפור של סט קודם של 120,000 צילומים, בוצעה וריפיקציה של ה</a:t>
             </a:r>
             <a:r>
               <a:rPr lang="en-US" dirty="0"/>
-              <a:t>POSITIVES</a:t>
-            </a:r>
-            <a:r>
-              <a:rPr lang="he-IL" dirty="0"/>
-              <a:t> למציאת קשרים בין </a:t>
-            </a:r>
+              <a:t>LABELS</a:t>
+            </a:r>
+          </a:p>
+          <a:p>
             <a:r>
               <a:rPr lang="en-US" dirty="0"/>
-              <a:t>LABEL</a:t>
-            </a:r>
-            <a:r>
-              <a:rPr lang="he-IL" dirty="0"/>
-              <a:t>ים, ואז אימון על כל ה</a:t>
-            </a:r>
-            <a:r>
-              <a:rPr lang="en-US" dirty="0"/>
-              <a:t>DATASET</a:t>
-            </a:r>
-            <a:r>
-              <a:rPr lang="he-IL" dirty="0"/>
-              <a:t> תוך ניצול הקשרים שנלמדו בשלב ראשון</a:t>
-            </a:r>
-            <a:endParaRPr lang="en-US" dirty="0"/>
+              <a:t>September 19</a:t>
+            </a:r>
+            <a:endParaRPr lang="he-IL" dirty="0"/>
           </a:p>
         </p:txBody>
       </p:sp>
@@ -2842,7 +3096,7 @@
             <a:fld id="{C8C92D0D-AF30-4211-86C4-A3B87597F349}" type="slidenum">
               <a:rPr lang="he-IL" smtClean="0"/>
               <a:pPr/>
-              <a:t>9</a:t>
+              <a:t>8</a:t>
             </a:fld>
             <a:endParaRPr lang="he-IL"/>
           </a:p>
@@ -2879,7 +3133,7 @@
     </p:spTree>
     <p:extLst>
       <p:ext uri="{BB962C8B-B14F-4D97-AF65-F5344CB8AC3E}">
-        <p14:creationId xmlns:p14="http://schemas.microsoft.com/office/powerpoint/2010/main" val="2280981912"/>
+        <p14:creationId xmlns:p14="http://schemas.microsoft.com/office/powerpoint/2010/main" val="2299966286"/>
       </p:ext>
     </p:extLst>
   </p:cSld>
@@ -2935,37 +3189,52 @@
           <a:p>
             <a:r>
               <a:rPr lang="he-IL" dirty="0"/>
-              <a:t>להגיד "הנה הצעה להתמודדות עם דפורמציות"</a:t>
+              <a:t>דוגמה לעבודה קודמת</a:t>
+            </a:r>
+          </a:p>
+          <a:p>
+            <a:r>
+              <a:rPr lang="he-IL" dirty="0"/>
+              <a:t>לציין שאין התייחסות כלשהי לדפורמציות בתמונות – הבעיה לא קיבלה טיפול</a:t>
             </a:r>
             <a:endParaRPr lang="en-US" dirty="0"/>
           </a:p>
-        </p:txBody>
-      </p:sp>
-      <p:sp>
-        <p:nvSpPr>
-          <p:cNvPr id="4" name="Footer Placeholder 3"/>
-          <p:cNvSpPr>
-            <a:spLocks noGrp="1"/>
-          </p:cNvSpPr>
-          <p:nvPr>
-            <p:ph type="ftr" sz="quarter" idx="4"/>
-          </p:nvPr>
-        </p:nvSpPr>
-        <p:spPr/>
-        <p:txBody>
-          <a:bodyPr/>
-          <a:lstStyle/>
-          <a:p>
-            <a:r>
-              <a:rPr lang="he-IL"/>
-              <a:t>2</a:t>
-            </a:r>
-          </a:p>
-        </p:txBody>
-      </p:sp>
-      <p:sp>
-        <p:nvSpPr>
-          <p:cNvPr id="5" name="Slide Number Placeholder 4"/>
+          <a:p>
+            <a:r>
+              <a:rPr lang="he-IL" dirty="0"/>
+              <a:t>בקצרה: לימוד ראשוני על כל ה</a:t>
+            </a:r>
+            <a:r>
+              <a:rPr lang="en-US" dirty="0"/>
+              <a:t>POSITIVES</a:t>
+            </a:r>
+            <a:r>
+              <a:rPr lang="he-IL" dirty="0"/>
+              <a:t> למציאת קשרים בין </a:t>
+            </a:r>
+            <a:r>
+              <a:rPr lang="en-US" dirty="0"/>
+              <a:t>LABEL</a:t>
+            </a:r>
+            <a:r>
+              <a:rPr lang="he-IL" dirty="0"/>
+              <a:t>ים, ואז אימון על כל ה</a:t>
+            </a:r>
+            <a:r>
+              <a:rPr lang="en-US" dirty="0"/>
+              <a:t>DATASET</a:t>
+            </a:r>
+            <a:r>
+              <a:rPr lang="he-IL" dirty="0"/>
+              <a:t> תוך ניצול הקשרים שנלמדו בשלב ראשון</a:t>
+            </a:r>
+            <a:endParaRPr lang="en-US" dirty="0"/>
+          </a:p>
+        </p:txBody>
+      </p:sp>
+      <p:sp>
+        <p:nvSpPr>
+          <p:cNvPr id="4" name="Slide Number Placeholder 3"/>
           <p:cNvSpPr>
             <a:spLocks noGrp="1"/>
           </p:cNvSpPr>
@@ -2981,16 +3250,44 @@
             <a:fld id="{C8C92D0D-AF30-4211-86C4-A3B87597F349}" type="slidenum">
               <a:rPr lang="he-IL" smtClean="0"/>
               <a:pPr/>
-              <a:t>10</a:t>
+              <a:t>9</a:t>
             </a:fld>
             <a:endParaRPr lang="he-IL"/>
+          </a:p>
+        </p:txBody>
+      </p:sp>
+      <p:sp>
+        <p:nvSpPr>
+          <p:cNvPr id="5" name="Footer Placeholder 4">
+            <a:extLst>
+              <a:ext uri="{FF2B5EF4-FFF2-40B4-BE49-F238E27FC236}">
+                <a16:creationId xmlns:a16="http://schemas.microsoft.com/office/drawing/2014/main" id="{E019C9B4-BB72-4AD5-BF7A-19B88CABF0C0}"/>
+              </a:ext>
+            </a:extLst>
+          </p:cNvPr>
+          <p:cNvSpPr>
+            <a:spLocks noGrp="1"/>
+          </p:cNvSpPr>
+          <p:nvPr>
+            <p:ph type="ftr" sz="quarter" idx="4"/>
+          </p:nvPr>
+        </p:nvSpPr>
+        <p:spPr/>
+        <p:txBody>
+          <a:bodyPr/>
+          <a:lstStyle/>
+          <a:p>
+            <a:r>
+              <a:rPr lang="he-IL"/>
+              <a:t>2</a:t>
+            </a:r>
           </a:p>
         </p:txBody>
       </p:sp>
     </p:spTree>
     <p:extLst>
       <p:ext uri="{BB962C8B-B14F-4D97-AF65-F5344CB8AC3E}">
-        <p14:creationId xmlns:p14="http://schemas.microsoft.com/office/powerpoint/2010/main" val="1641449463"/>
+        <p14:creationId xmlns:p14="http://schemas.microsoft.com/office/powerpoint/2010/main" val="2280981912"/>
       </p:ext>
     </p:extLst>
   </p:cSld>
@@ -3046,29 +3343,7 @@
           <a:p>
             <a:r>
               <a:rPr lang="he-IL" dirty="0"/>
-              <a:t>יש לציין כאן שהלימוד של ה</a:t>
-            </a:r>
-            <a:r>
-              <a:rPr lang="en-US" dirty="0"/>
-              <a:t>OFFSET</a:t>
-            </a:r>
-            <a:r>
-              <a:rPr lang="he-IL" dirty="0"/>
-              <a:t>ים מתבצע במקביל ללימוד של הרשת, דרך שכבת קונוולוציה רגילה</a:t>
-            </a:r>
-          </a:p>
-          <a:p>
-            <a:r>
-              <a:rPr lang="he-IL" dirty="0"/>
-              <a:t>השכבה הזאת מבצעת </a:t>
-            </a:r>
-            <a:r>
-              <a:rPr lang="en-US" dirty="0"/>
-              <a:t>BACKPROP</a:t>
-            </a:r>
-            <a:r>
-              <a:rPr lang="he-IL" dirty="0"/>
-              <a:t> לרשת ולמעשה מתקיימת במקביל לרשת עצמה</a:t>
+              <a:t>להגיד "הנה הצעה להתמודדות עם דפורמציות"</a:t>
             </a:r>
             <a:endParaRPr lang="en-US" dirty="0"/>
           </a:p>
@@ -3114,7 +3389,7 @@
             <a:fld id="{C8C92D0D-AF30-4211-86C4-A3B87597F349}" type="slidenum">
               <a:rPr lang="he-IL" smtClean="0"/>
               <a:pPr/>
-              <a:t>11</a:t>
+              <a:t>10</a:t>
             </a:fld>
             <a:endParaRPr lang="he-IL"/>
           </a:p>
@@ -3123,7 +3398,7 @@
     </p:spTree>
     <p:extLst>
       <p:ext uri="{BB962C8B-B14F-4D97-AF65-F5344CB8AC3E}">
-        <p14:creationId xmlns:p14="http://schemas.microsoft.com/office/powerpoint/2010/main" val="3015799941"/>
+        <p14:creationId xmlns:p14="http://schemas.microsoft.com/office/powerpoint/2010/main" val="1641449463"/>
       </p:ext>
     </p:extLst>
   </p:cSld>
@@ -3179,7 +3454,29 @@
           <a:p>
             <a:r>
               <a:rPr lang="he-IL" dirty="0"/>
-              <a:t>לציין שמדובר בשיטות סגמנטציה שונות, ולהדגיש שהתרומה לסבוכיות לא הייתה משמעותית</a:t>
+              <a:t>יש לציין כאן שהלימוד של ה</a:t>
+            </a:r>
+            <a:r>
+              <a:rPr lang="en-US" dirty="0"/>
+              <a:t>OFFSET</a:t>
+            </a:r>
+            <a:r>
+              <a:rPr lang="he-IL" dirty="0"/>
+              <a:t>ים מתבצע במקביל ללימוד של הרשת, דרך שכבת קונוולוציה רגילה</a:t>
+            </a:r>
+          </a:p>
+          <a:p>
+            <a:r>
+              <a:rPr lang="he-IL" dirty="0"/>
+              <a:t>השכבה הזאת מבצעת </a:t>
+            </a:r>
+            <a:r>
+              <a:rPr lang="en-US" dirty="0"/>
+              <a:t>BACKPROP</a:t>
+            </a:r>
+            <a:r>
+              <a:rPr lang="he-IL" dirty="0"/>
+              <a:t> לרשת ולמעשה מתקיימת במקביל לרשת עצמה</a:t>
             </a:r>
             <a:endParaRPr lang="en-US" dirty="0"/>
           </a:p>
@@ -3187,7 +3484,29 @@
       </p:sp>
       <p:sp>
         <p:nvSpPr>
-          <p:cNvPr id="4" name="Slide Number Placeholder 3"/>
+          <p:cNvPr id="4" name="Footer Placeholder 3"/>
+          <p:cNvSpPr>
+            <a:spLocks noGrp="1"/>
+          </p:cNvSpPr>
+          <p:nvPr>
+            <p:ph type="ftr" sz="quarter" idx="4"/>
+          </p:nvPr>
+        </p:nvSpPr>
+        <p:spPr/>
+        <p:txBody>
+          <a:bodyPr/>
+          <a:lstStyle/>
+          <a:p>
+            <a:r>
+              <a:rPr lang="he-IL"/>
+              <a:t>2</a:t>
+            </a:r>
+          </a:p>
+        </p:txBody>
+      </p:sp>
+      <p:sp>
+        <p:nvSpPr>
+          <p:cNvPr id="5" name="Slide Number Placeholder 4"/>
           <p:cNvSpPr>
             <a:spLocks noGrp="1"/>
           </p:cNvSpPr>
@@ -3203,44 +3522,16 @@
             <a:fld id="{C8C92D0D-AF30-4211-86C4-A3B87597F349}" type="slidenum">
               <a:rPr lang="he-IL" smtClean="0"/>
               <a:pPr/>
-              <a:t>13</a:t>
+              <a:t>11</a:t>
             </a:fld>
             <a:endParaRPr lang="he-IL"/>
-          </a:p>
-        </p:txBody>
-      </p:sp>
-      <p:sp>
-        <p:nvSpPr>
-          <p:cNvPr id="5" name="Footer Placeholder 4">
-            <a:extLst>
-              <a:ext uri="{FF2B5EF4-FFF2-40B4-BE49-F238E27FC236}">
-                <a16:creationId xmlns:a16="http://schemas.microsoft.com/office/drawing/2014/main" id="{AD753467-F10B-4164-AC16-609227753711}"/>
-              </a:ext>
-            </a:extLst>
-          </p:cNvPr>
-          <p:cNvSpPr>
-            <a:spLocks noGrp="1"/>
-          </p:cNvSpPr>
-          <p:nvPr>
-            <p:ph type="ftr" sz="quarter" idx="4"/>
-          </p:nvPr>
-        </p:nvSpPr>
-        <p:spPr/>
-        <p:txBody>
-          <a:bodyPr/>
-          <a:lstStyle/>
-          <a:p>
-            <a:r>
-              <a:rPr lang="he-IL"/>
-              <a:t>2</a:t>
-            </a:r>
           </a:p>
         </p:txBody>
       </p:sp>
     </p:spTree>
     <p:extLst>
       <p:ext uri="{BB962C8B-B14F-4D97-AF65-F5344CB8AC3E}">
-        <p14:creationId xmlns:p14="http://schemas.microsoft.com/office/powerpoint/2010/main" val="1110135167"/>
+        <p14:creationId xmlns:p14="http://schemas.microsoft.com/office/powerpoint/2010/main" val="3015799941"/>
       </p:ext>
     </p:extLst>
   </p:cSld>
@@ -4046,7 +4337,7 @@
           <a:p>
             <a:fld id="{BFD2984C-9D56-40A8-839A-3AF6619B1C81}" type="datetime1">
               <a:rPr lang="en-US" smtClean="0"/>
-              <a:t>1/7/2020</a:t>
+              <a:t>1/8/2020</a:t>
             </a:fld>
             <a:endParaRPr lang="en-US"/>
           </a:p>
@@ -4293,7 +4584,7 @@
           <a:p>
             <a:fld id="{1408F81D-5BB7-4C4A-AE55-B68165AD758E}" type="datetime1">
               <a:rPr lang="en-US" smtClean="0"/>
-              <a:t>1/7/2020</a:t>
+              <a:t>1/8/2020</a:t>
             </a:fld>
             <a:endParaRPr lang="en-US"/>
           </a:p>
@@ -5658,7 +5949,7 @@
           <p:nvPr/>
         </p:nvPicPr>
         <p:blipFill>
-          <a:blip r:embed="rId2"/>
+          <a:blip r:embed="rId3"/>
           <a:stretch>
             <a:fillRect/>
           </a:stretch>
@@ -6194,7 +6485,7 @@
                   <a:srgbClr val="002060"/>
                 </a:solidFill>
               </a:rPr>
-              <a:t> Runner Up in Segmentation Challenge</a:t>
+              <a:t> runner up in Segmentation Challenge</a:t>
             </a:r>
           </a:p>
         </p:txBody>
@@ -6333,7 +6624,7 @@
                   <a:srgbClr val="002060"/>
                 </a:solidFill>
               </a:rPr>
-              <a:t>DCN V2</a:t>
+              <a:t>DCNv2</a:t>
             </a:r>
             <a:endParaRPr lang="en-US" dirty="0"/>
           </a:p>
@@ -6504,7 +6795,7 @@
                   <a:srgbClr val="002060"/>
                 </a:solidFill>
               </a:rPr>
-              <a:t>DCN V2</a:t>
+              <a:t>DCNv2 – cont.</a:t>
             </a:r>
             <a:endParaRPr lang="en-US" dirty="0"/>
           </a:p>
@@ -6563,20 +6854,6 @@
                 </a:solidFill>
               </a:rPr>
               <a:t>Allows to control sampling over a broader range of feature levels</a:t>
-            </a:r>
-          </a:p>
-          <a:p>
-            <a:pPr lvl="1">
-              <a:buFont typeface="Arial" panose="020B0604020202020204" pitchFamily="34" charset="0"/>
-              <a:buChar char="•"/>
-            </a:pPr>
-            <a:r>
-              <a:rPr lang="en-US" sz="2000" dirty="0">
-                <a:solidFill>
-                  <a:srgbClr val="002060"/>
-                </a:solidFill>
-              </a:rPr>
-              <a:t>Feature mimicking loss - favors learning of features consistent to those of R-CNN</a:t>
             </a:r>
           </a:p>
           <a:p>
@@ -6657,7 +6934,7 @@
         </p:blipFill>
         <p:spPr>
           <a:xfrm>
-            <a:off x="838201" y="4216845"/>
+            <a:off x="667803" y="3713385"/>
             <a:ext cx="3390900" cy="1676400"/>
           </a:xfrm>
           <a:prstGeom prst="rect">
@@ -6687,8 +6964,8 @@
         </p:blipFill>
         <p:spPr>
           <a:xfrm>
-            <a:off x="4767263" y="4551585"/>
-            <a:ext cx="3381375" cy="657225"/>
+            <a:off x="5058718" y="4114800"/>
+            <a:ext cx="3417479" cy="664243"/>
           </a:xfrm>
           <a:prstGeom prst="rect">
             <a:avLst/>
@@ -6709,7 +6986,7 @@
         </p:nvSpPr>
         <p:spPr>
           <a:xfrm>
-            <a:off x="4744226" y="4216598"/>
+            <a:off x="4572000" y="3705225"/>
             <a:ext cx="2987040" cy="307777"/>
           </a:xfrm>
           <a:prstGeom prst="rect">
@@ -6794,7 +7071,7 @@
                   <a:srgbClr val="002060"/>
                 </a:solidFill>
               </a:rPr>
-              <a:t>DCN V2</a:t>
+              <a:t>DCNv2 – cont.</a:t>
             </a:r>
             <a:endParaRPr lang="en-US" dirty="0"/>
           </a:p>
@@ -7034,7 +7311,7 @@
                   <a:srgbClr val="002060"/>
                 </a:solidFill>
               </a:rPr>
-              <a:t>DCN V2</a:t>
+              <a:t>DCNv2 – cont.</a:t>
             </a:r>
             <a:endParaRPr lang="en-US" dirty="0"/>
           </a:p>
@@ -7648,7 +7925,7 @@
                 <a:ea typeface="+mn-ea"/>
                 <a:cs typeface="+mn-cs"/>
               </a:rPr>
-              <a:t>Chosen Solution – example</a:t>
+              <a:t>Chosen Solution – Example</a:t>
             </a:r>
           </a:p>
         </p:txBody>
@@ -9979,7 +10256,7 @@
                   <a:srgbClr val="002060"/>
                 </a:solidFill>
               </a:rPr>
-              <a:t>Develop technique for the detection of Pneumonia in chest X-ray images, which is robust to deformations caused by different body structure or different lying position</a:t>
+              <a:t>Develop technique for the detection of Pneumonia in chest X-ray images, which is robust to deformations caused by different body structure or different laying position</a:t>
             </a:r>
           </a:p>
         </p:txBody>
@@ -10799,7 +11076,7 @@
                   <a:srgbClr val="002060"/>
                 </a:solidFill>
               </a:rPr>
-              <a:t>16,600 are labeled with Pneumonia, 170,000 are labeled Normal </a:t>
+              <a:t>16,600 are labeled with Normal, 170,000 are labeled with various diseases</a:t>
             </a:r>
           </a:p>
           <a:p>
@@ -10813,12 +11090,13 @@
                   <a:srgbClr val="002060"/>
                 </a:solidFill>
               </a:rPr>
-              <a:t>Other diseases also labeled </a:t>
-            </a:r>
-          </a:p>
-          <a:p>
-            <a:pPr marL="0" indent="0">
-              <a:buNone/>
+              <a:t>Out of the unhealthy group, 4500 labeled Pneumonia</a:t>
+            </a:r>
+          </a:p>
+          <a:p>
+            <a:pPr lvl="1">
+              <a:buFont typeface="Arial" panose="020B0604020202020204" pitchFamily="34" charset="0"/>
+              <a:buChar char="•"/>
             </a:pPr>
             <a:endParaRPr lang="en-US" dirty="0">
               <a:solidFill>
